--- a/Vector asset studio.pptx
+++ b/Vector asset studio.pptx
@@ -5,10 +5,10 @@
     <p:sldMasterId id="2147483673" r:id="rId1"/>
   </p:sldMasterIdLst>
   <p:notesMasterIdLst>
-    <p:notesMasterId r:id="rId17"/>
+    <p:notesMasterId r:id="rId18"/>
   </p:notesMasterIdLst>
   <p:handoutMasterIdLst>
-    <p:handoutMasterId r:id="rId18"/>
+    <p:handoutMasterId r:id="rId19"/>
   </p:handoutMasterIdLst>
   <p:sldIdLst>
     <p:sldId id="257" r:id="rId2"/>
@@ -20,18 +20,19 @@
     <p:sldId id="267" r:id="rId8"/>
     <p:sldId id="268" r:id="rId9"/>
     <p:sldId id="266" r:id="rId10"/>
-    <p:sldId id="269" r:id="rId11"/>
-    <p:sldId id="270" r:id="rId12"/>
-    <p:sldId id="271" r:id="rId13"/>
-    <p:sldId id="272" r:id="rId14"/>
-    <p:sldId id="273" r:id="rId15"/>
-    <p:sldId id="274" r:id="rId16"/>
+    <p:sldId id="275" r:id="rId11"/>
+    <p:sldId id="269" r:id="rId12"/>
+    <p:sldId id="270" r:id="rId13"/>
+    <p:sldId id="271" r:id="rId14"/>
+    <p:sldId id="272" r:id="rId15"/>
+    <p:sldId id="273" r:id="rId16"/>
+    <p:sldId id="274" r:id="rId17"/>
   </p:sldIdLst>
   <p:sldSz cx="12192000" cy="6858000"/>
   <p:notesSz cx="6858000" cy="9144000"/>
   <p:defaultTextStyle>
     <a:defPPr rtl="0">
-      <a:defRPr lang="it-it"/>
+      <a:defRPr lang="it-IT"/>
     </a:defPPr>
     <a:lvl1pPr marL="0" algn="l" defTabSz="914400" rtl="0" eaLnBrk="1" latinLnBrk="0" hangingPunct="1">
       <a:defRPr sz="1800" kern="1200">
@@ -126,10 +127,10 @@
   </p:defaultTextStyle>
   <p:extLst>
     <p:ext uri="{EFAFB233-063F-42B5-8137-9DF3F51BA10A}">
-      <p15:sldGuideLst xmlns:p15="http://schemas.microsoft.com/office/powerpoint/2012/main"/>
+      <p15:sldGuideLst xmlns:p15="http://schemas.microsoft.com/office/powerpoint/2012/main" xmlns=""/>
     </p:ext>
     <p:ext uri="{2D200454-40CA-4A62-9FC3-DE9A4176ACB9}">
-      <p15:notesGuideLst xmlns:p15="http://schemas.microsoft.com/office/powerpoint/2012/main"/>
+      <p15:notesGuideLst xmlns:p15="http://schemas.microsoft.com/office/powerpoint/2012/main" xmlns=""/>
     </p:ext>
   </p:extLst>
 </p:presentation>
@@ -225,7 +226,8 @@
             <a:pPr rtl="0"/>
             <a:fld id="{227A3769-973A-471F-AE95-803ACD9DB45A}" type="datetime1">
               <a:rPr lang="it-IT" smtClean="0"/>
-              <a:t>18/05/2020</a:t>
+              <a:pPr rtl="0"/>
+              <a:t>21/05/2020</a:t>
             </a:fld>
             <a:endParaRPr lang="en-US" dirty="0"/>
           </a:p>
@@ -293,6 +295,7 @@
             <a:pPr rtl="0"/>
             <a:fld id="{97ACF5E7-ACB0-497B-A8C6-F2E617B4631D}" type="slidenum">
               <a:rPr lang="en-US" smtClean="0"/>
+              <a:pPr rtl="0"/>
               <a:t>‹N›</a:t>
             </a:fld>
             <a:endParaRPr lang="en-US"/>
@@ -302,7 +305,7 @@
     </p:spTree>
     <p:extLst>
       <p:ext uri="{BB962C8B-B14F-4D97-AF65-F5344CB8AC3E}">
-        <p14:creationId xmlns:p14="http://schemas.microsoft.com/office/powerpoint/2010/main" val="1938533960"/>
+        <p14:creationId xmlns:p14="http://schemas.microsoft.com/office/powerpoint/2010/main" xmlns="" val="1938533960"/>
       </p:ext>
     </p:extLst>
   </p:cSld>
@@ -395,7 +398,8 @@
             <a:pPr rtl="0"/>
             <a:fld id="{F8B562AB-E890-432E-8086-3C35B5B6BC74}" type="datetime1">
               <a:rPr lang="it-IT" smtClean="0"/>
-              <a:t>18/05/2020</a:t>
+              <a:pPr rtl="0"/>
+              <a:t>21/05/2020</a:t>
             </a:fld>
             <a:endParaRPr lang="en-US"/>
           </a:p>
@@ -558,6 +562,7 @@
             <a:pPr rtl="0"/>
             <a:fld id="{37A705E3-E620-489D-9973-6221209A4B3B}" type="slidenum">
               <a:rPr lang="en-US" smtClean="0"/>
+              <a:pPr rtl="0"/>
               <a:t>‹N›</a:t>
             </a:fld>
             <a:endParaRPr lang="en-US"/>
@@ -567,7 +572,7 @@
     </p:spTree>
     <p:extLst>
       <p:ext uri="{BB962C8B-B14F-4D97-AF65-F5344CB8AC3E}">
-        <p14:creationId xmlns:p14="http://schemas.microsoft.com/office/powerpoint/2010/main" val="3889581830"/>
+        <p14:creationId xmlns:p14="http://schemas.microsoft.com/office/powerpoint/2010/main" xmlns="" val="3889581830"/>
       </p:ext>
     </p:extLst>
   </p:cSld>
@@ -690,7 +695,7 @@
           <p:cNvPr id="5" name="Rettangolo 4">
             <a:extLst>
               <a:ext uri="{FF2B5EF4-FFF2-40B4-BE49-F238E27FC236}">
-                <a16:creationId xmlns:a16="http://schemas.microsoft.com/office/drawing/2014/main" id="{904DB13E-F722-4ED6-BB00-556651E95281}"/>
+                <a16:creationId xmlns:a16="http://schemas.microsoft.com/office/drawing/2014/main" xmlns="" id="{904DB13E-F722-4ED6-BB00-556651E95281}"/>
               </a:ext>
             </a:extLst>
           </p:cNvPr>
@@ -839,7 +844,7 @@
           <p:cNvPr id="7" name="Gruppo 6">
             <a:extLst>
               <a:ext uri="{FF2B5EF4-FFF2-40B4-BE49-F238E27FC236}">
-                <a16:creationId xmlns:a16="http://schemas.microsoft.com/office/drawing/2014/main" id="{E26428D7-C6F3-473D-A360-A3F5C3E8728C}"/>
+                <a16:creationId xmlns:a16="http://schemas.microsoft.com/office/drawing/2014/main" xmlns="" id="{E26428D7-C6F3-473D-A360-A3F5C3E8728C}"/>
               </a:ext>
             </a:extLst>
           </p:cNvPr>
@@ -1140,7 +1145,8 @@
             <a:pPr rtl="0"/>
             <a:fld id="{46B2AB89-642D-461B-88E3-BE7E49276E6D}" type="datetime1">
               <a:rPr lang="it-IT" smtClean="0"/>
-              <a:t>18/05/2020</a:t>
+              <a:pPr rtl="0"/>
+              <a:t>21/05/2020</a:t>
             </a:fld>
             <a:endParaRPr lang="en-US" dirty="0"/>
           </a:p>
@@ -1216,6 +1222,7 @@
             <a:pPr rtl="0"/>
             <a:fld id="{34B7E4EF-A1BD-40F4-AB7B-04F084DD991D}" type="slidenum">
               <a:rPr lang="en-US" smtClean="0"/>
+              <a:pPr rtl="0"/>
               <a:t>‹N›</a:t>
             </a:fld>
             <a:endParaRPr lang="en-US" dirty="0"/>
@@ -1225,7 +1232,7 @@
     </p:spTree>
     <p:extLst>
       <p:ext uri="{BB962C8B-B14F-4D97-AF65-F5344CB8AC3E}">
-        <p14:creationId xmlns:p14="http://schemas.microsoft.com/office/powerpoint/2010/main" val="4147770102"/>
+        <p14:creationId xmlns:p14="http://schemas.microsoft.com/office/powerpoint/2010/main" xmlns="" val="4147770102"/>
       </p:ext>
     </p:extLst>
   </p:cSld>
@@ -1346,7 +1353,8 @@
             <a:pPr rtl="0"/>
             <a:fld id="{FB6DF1C0-0F0C-4064-ABD6-C9C1782C86AE}" type="datetime1">
               <a:rPr lang="it-IT" smtClean="0"/>
-              <a:t>18/05/2020</a:t>
+              <a:pPr rtl="0"/>
+              <a:t>21/05/2020</a:t>
             </a:fld>
             <a:endParaRPr lang="en-US"/>
           </a:p>
@@ -1390,6 +1398,7 @@
             <a:pPr rtl="0"/>
             <a:fld id="{34B7E4EF-A1BD-40F4-AB7B-04F084DD991D}" type="slidenum">
               <a:rPr lang="en-US" smtClean="0"/>
+              <a:pPr rtl="0"/>
               <a:t>‹N›</a:t>
             </a:fld>
             <a:endParaRPr lang="en-US"/>
@@ -1399,7 +1408,7 @@
     </p:spTree>
     <p:extLst>
       <p:ext uri="{BB962C8B-B14F-4D97-AF65-F5344CB8AC3E}">
-        <p14:creationId xmlns:p14="http://schemas.microsoft.com/office/powerpoint/2010/main" val="4023329902"/>
+        <p14:creationId xmlns:p14="http://schemas.microsoft.com/office/powerpoint/2010/main" xmlns="" val="4023329902"/>
       </p:ext>
     </p:extLst>
   </p:cSld>
@@ -1530,7 +1539,8 @@
             <a:pPr rtl="0"/>
             <a:fld id="{CD3A0FBA-A5A6-4E7F-AECA-E819E1A4206B}" type="datetime1">
               <a:rPr lang="it-IT" smtClean="0"/>
-              <a:t>18/05/2020</a:t>
+              <a:pPr rtl="0"/>
+              <a:t>21/05/2020</a:t>
             </a:fld>
             <a:endParaRPr lang="en-US"/>
           </a:p>
@@ -1574,6 +1584,7 @@
             <a:pPr rtl="0"/>
             <a:fld id="{34B7E4EF-A1BD-40F4-AB7B-04F084DD991D}" type="slidenum">
               <a:rPr lang="en-US" smtClean="0"/>
+              <a:pPr rtl="0"/>
               <a:t>‹N›</a:t>
             </a:fld>
             <a:endParaRPr lang="en-US"/>
@@ -1583,7 +1594,7 @@
     </p:spTree>
     <p:extLst>
       <p:ext uri="{BB962C8B-B14F-4D97-AF65-F5344CB8AC3E}">
-        <p14:creationId xmlns:p14="http://schemas.microsoft.com/office/powerpoint/2010/main" val="1510073493"/>
+        <p14:creationId xmlns:p14="http://schemas.microsoft.com/office/powerpoint/2010/main" xmlns="" val="1510073493"/>
       </p:ext>
     </p:extLst>
   </p:cSld>
@@ -1704,7 +1715,8 @@
             <a:pPr rtl="0"/>
             <a:fld id="{85E0D28E-6F2F-4715-A424-3B01AC64AD4B}" type="datetime1">
               <a:rPr lang="it-IT" smtClean="0"/>
-              <a:t>18/05/2020</a:t>
+              <a:pPr rtl="0"/>
+              <a:t>21/05/2020</a:t>
             </a:fld>
             <a:endParaRPr lang="en-US"/>
           </a:p>
@@ -1748,6 +1760,7 @@
             <a:pPr rtl="0"/>
             <a:fld id="{34B7E4EF-A1BD-40F4-AB7B-04F084DD991D}" type="slidenum">
               <a:rPr lang="en-US" smtClean="0"/>
+              <a:pPr rtl="0"/>
               <a:t>‹N›</a:t>
             </a:fld>
             <a:endParaRPr lang="en-US"/>
@@ -1757,7 +1770,7 @@
     </p:spTree>
     <p:extLst>
       <p:ext uri="{BB962C8B-B14F-4D97-AF65-F5344CB8AC3E}">
-        <p14:creationId xmlns:p14="http://schemas.microsoft.com/office/powerpoint/2010/main" val="2153708790"/>
+        <p14:creationId xmlns:p14="http://schemas.microsoft.com/office/powerpoint/2010/main" xmlns="" val="2153708790"/>
       </p:ext>
     </p:extLst>
   </p:cSld>
@@ -1789,7 +1802,7 @@
           <p:cNvPr id="15" name="Rettangolo 14">
             <a:extLst>
               <a:ext uri="{FF2B5EF4-FFF2-40B4-BE49-F238E27FC236}">
-                <a16:creationId xmlns:a16="http://schemas.microsoft.com/office/drawing/2014/main" id="{0A4A1889-E37C-4EC3-9E41-9DAD221CF389}"/>
+                <a16:creationId xmlns:a16="http://schemas.microsoft.com/office/drawing/2014/main" xmlns="" id="{0A4A1889-E37C-4EC3-9E41-9DAD221CF389}"/>
               </a:ext>
             </a:extLst>
           </p:cNvPr>
@@ -1987,7 +2000,7 @@
           <p:cNvPr id="16" name="Gruppo 15">
             <a:extLst>
               <a:ext uri="{FF2B5EF4-FFF2-40B4-BE49-F238E27FC236}">
-                <a16:creationId xmlns:a16="http://schemas.microsoft.com/office/drawing/2014/main" id="{1683EB04-C23E-490C-A1A6-030CF79D23C8}"/>
+                <a16:creationId xmlns:a16="http://schemas.microsoft.com/office/drawing/2014/main" xmlns="" id="{1683EB04-C23E-490C-A1A6-030CF79D23C8}"/>
               </a:ext>
             </a:extLst>
           </p:cNvPr>
@@ -2007,7 +2020,7 @@
             <p:cNvPr id="17" name="Connettore diritto 16">
               <a:extLst>
                 <a:ext uri="{FF2B5EF4-FFF2-40B4-BE49-F238E27FC236}">
-                  <a16:creationId xmlns:a16="http://schemas.microsoft.com/office/drawing/2014/main" id="{F8A84C03-E1CA-4A4E-81D6-9BB0C335B7A0}"/>
+                  <a16:creationId xmlns:a16="http://schemas.microsoft.com/office/drawing/2014/main" xmlns="" id="{F8A84C03-E1CA-4A4E-81D6-9BB0C335B7A0}"/>
                 </a:ext>
               </a:extLst>
             </p:cNvPr>
@@ -2055,7 +2068,7 @@
             <p:cNvPr id="18" name="Connettore diritto 17">
               <a:extLst>
                 <a:ext uri="{FF2B5EF4-FFF2-40B4-BE49-F238E27FC236}">
-                  <a16:creationId xmlns:a16="http://schemas.microsoft.com/office/drawing/2014/main" id="{4A26FB5A-D5D1-4DAB-AC43-7F51A7F2D197}"/>
+                  <a16:creationId xmlns:a16="http://schemas.microsoft.com/office/drawing/2014/main" xmlns="" id="{4A26FB5A-D5D1-4DAB-AC43-7F51A7F2D197}"/>
                 </a:ext>
               </a:extLst>
             </p:cNvPr>
@@ -2103,7 +2116,7 @@
             <p:cNvPr id="19" name="Connettore diritto 18">
               <a:extLst>
                 <a:ext uri="{FF2B5EF4-FFF2-40B4-BE49-F238E27FC236}">
-                  <a16:creationId xmlns:a16="http://schemas.microsoft.com/office/drawing/2014/main" id="{49303F14-E560-4C02-94F4-B4695FE26813}"/>
+                  <a16:creationId xmlns:a16="http://schemas.microsoft.com/office/drawing/2014/main" xmlns="" id="{49303F14-E560-4C02-94F4-B4695FE26813}"/>
                 </a:ext>
               </a:extLst>
             </p:cNvPr>
@@ -2307,7 +2320,8 @@
             <a:pPr rtl="0"/>
             <a:fld id="{F953424F-4FD0-4DEA-A244-2F5A83926123}" type="datetime1">
               <a:rPr lang="it-IT" smtClean="0"/>
-              <a:t>18/05/2020</a:t>
+              <a:pPr rtl="0"/>
+              <a:t>21/05/2020</a:t>
             </a:fld>
             <a:endParaRPr lang="en-US" dirty="0"/>
           </a:p>
@@ -2383,6 +2397,7 @@
             <a:pPr rtl="0"/>
             <a:fld id="{34B7E4EF-A1BD-40F4-AB7B-04F084DD991D}" type="slidenum">
               <a:rPr lang="en-US" smtClean="0"/>
+              <a:pPr rtl="0"/>
               <a:t>‹N›</a:t>
             </a:fld>
             <a:endParaRPr lang="en-US" dirty="0"/>
@@ -2392,7 +2407,7 @@
     </p:spTree>
     <p:extLst>
       <p:ext uri="{BB962C8B-B14F-4D97-AF65-F5344CB8AC3E}">
-        <p14:creationId xmlns:p14="http://schemas.microsoft.com/office/powerpoint/2010/main" val="606071433"/>
+        <p14:creationId xmlns:p14="http://schemas.microsoft.com/office/powerpoint/2010/main" xmlns="" val="606071433"/>
       </p:ext>
     </p:extLst>
   </p:cSld>
@@ -2631,7 +2646,8 @@
             <a:pPr rtl="0"/>
             <a:fld id="{ED487A35-6EB2-4106-87BE-5998F37E93E7}" type="datetime1">
               <a:rPr lang="it-IT" smtClean="0"/>
-              <a:t>18/05/2020</a:t>
+              <a:pPr rtl="0"/>
+              <a:t>21/05/2020</a:t>
             </a:fld>
             <a:endParaRPr lang="en-US"/>
           </a:p>
@@ -2675,6 +2691,7 @@
             <a:pPr rtl="0"/>
             <a:fld id="{34B7E4EF-A1BD-40F4-AB7B-04F084DD991D}" type="slidenum">
               <a:rPr lang="en-US" smtClean="0"/>
+              <a:pPr rtl="0"/>
               <a:t>‹N›</a:t>
             </a:fld>
             <a:endParaRPr lang="en-US"/>
@@ -2684,7 +2701,7 @@
     </p:spTree>
     <p:extLst>
       <p:ext uri="{BB962C8B-B14F-4D97-AF65-F5344CB8AC3E}">
-        <p14:creationId xmlns:p14="http://schemas.microsoft.com/office/powerpoint/2010/main" val="2744672162"/>
+        <p14:creationId xmlns:p14="http://schemas.microsoft.com/office/powerpoint/2010/main" xmlns="" val="2744672162"/>
       </p:ext>
     </p:extLst>
   </p:cSld>
@@ -3072,7 +3089,8 @@
             <a:pPr rtl="0"/>
             <a:fld id="{6D0A2449-0E6F-4EC8-9AF5-127FFF9E4F17}" type="datetime1">
               <a:rPr lang="it-IT" smtClean="0"/>
-              <a:t>18/05/2020</a:t>
+              <a:pPr rtl="0"/>
+              <a:t>21/05/2020</a:t>
             </a:fld>
             <a:endParaRPr lang="en-US"/>
           </a:p>
@@ -3116,6 +3134,7 @@
             <a:pPr rtl="0"/>
             <a:fld id="{34B7E4EF-A1BD-40F4-AB7B-04F084DD991D}" type="slidenum">
               <a:rPr lang="en-US" smtClean="0"/>
+              <a:pPr rtl="0"/>
               <a:t>‹N›</a:t>
             </a:fld>
             <a:endParaRPr lang="en-US"/>
@@ -3125,7 +3144,7 @@
     </p:spTree>
     <p:extLst>
       <p:ext uri="{BB962C8B-B14F-4D97-AF65-F5344CB8AC3E}">
-        <p14:creationId xmlns:p14="http://schemas.microsoft.com/office/powerpoint/2010/main" val="2929960713"/>
+        <p14:creationId xmlns:p14="http://schemas.microsoft.com/office/powerpoint/2010/main" xmlns="" val="2929960713"/>
       </p:ext>
     </p:extLst>
   </p:cSld>
@@ -3194,7 +3213,8 @@
             <a:pPr rtl="0"/>
             <a:fld id="{43ECC08F-3232-4266-A826-505EFF618F02}" type="datetime1">
               <a:rPr lang="it-IT" smtClean="0"/>
-              <a:t>18/05/2020</a:t>
+              <a:pPr rtl="0"/>
+              <a:t>21/05/2020</a:t>
             </a:fld>
             <a:endParaRPr lang="en-US"/>
           </a:p>
@@ -3238,6 +3258,7 @@
             <a:pPr rtl="0"/>
             <a:fld id="{34B7E4EF-A1BD-40F4-AB7B-04F084DD991D}" type="slidenum">
               <a:rPr lang="en-US" smtClean="0"/>
+              <a:pPr rtl="0"/>
               <a:t>‹N›</a:t>
             </a:fld>
             <a:endParaRPr lang="en-US"/>
@@ -3247,7 +3268,7 @@
     </p:spTree>
     <p:extLst>
       <p:ext uri="{BB962C8B-B14F-4D97-AF65-F5344CB8AC3E}">
-        <p14:creationId xmlns:p14="http://schemas.microsoft.com/office/powerpoint/2010/main" val="2667413146"/>
+        <p14:creationId xmlns:p14="http://schemas.microsoft.com/office/powerpoint/2010/main" xmlns="" val="2667413146"/>
       </p:ext>
     </p:extLst>
   </p:cSld>
@@ -3292,7 +3313,8 @@
             <a:pPr rtl="0"/>
             <a:fld id="{6CC19903-FCE7-40DD-9ABE-472E27EE3DF9}" type="datetime1">
               <a:rPr lang="it-IT" smtClean="0"/>
-              <a:t>18/05/2020</a:t>
+              <a:pPr rtl="0"/>
+              <a:t>21/05/2020</a:t>
             </a:fld>
             <a:endParaRPr lang="en-US"/>
           </a:p>
@@ -3336,6 +3358,7 @@
             <a:pPr rtl="0"/>
             <a:fld id="{34B7E4EF-A1BD-40F4-AB7B-04F084DD991D}" type="slidenum">
               <a:rPr lang="en-US" smtClean="0"/>
+              <a:pPr rtl="0"/>
               <a:t>‹N›</a:t>
             </a:fld>
             <a:endParaRPr lang="en-US"/>
@@ -3345,7 +3368,7 @@
     </p:spTree>
     <p:extLst>
       <p:ext uri="{BB962C8B-B14F-4D97-AF65-F5344CB8AC3E}">
-        <p14:creationId xmlns:p14="http://schemas.microsoft.com/office/powerpoint/2010/main" val="907247122"/>
+        <p14:creationId xmlns:p14="http://schemas.microsoft.com/office/powerpoint/2010/main" xmlns="" val="907247122"/>
       </p:ext>
     </p:extLst>
   </p:cSld>
@@ -3377,7 +3400,7 @@
           <p:cNvPr id="10" name="Rettangolo 9">
             <a:extLst>
               <a:ext uri="{FF2B5EF4-FFF2-40B4-BE49-F238E27FC236}">
-                <a16:creationId xmlns:a16="http://schemas.microsoft.com/office/drawing/2014/main" id="{D5E1BBF9-8BEF-4353-BA68-30AAF9EBD8D8}"/>
+                <a16:creationId xmlns:a16="http://schemas.microsoft.com/office/drawing/2014/main" xmlns="" id="{D5E1BBF9-8BEF-4353-BA68-30AAF9EBD8D8}"/>
               </a:ext>
             </a:extLst>
           </p:cNvPr>
@@ -3424,7 +3447,7 @@
           <p:cNvPr id="13" name="Rettangolo 12">
             <a:extLst>
               <a:ext uri="{FF2B5EF4-FFF2-40B4-BE49-F238E27FC236}">
-                <a16:creationId xmlns:a16="http://schemas.microsoft.com/office/drawing/2014/main" id="{5B941C21-2A5D-4912-AB06-1BB0C0EB6AE1}"/>
+                <a16:creationId xmlns:a16="http://schemas.microsoft.com/office/drawing/2014/main" xmlns="" id="{5B941C21-2A5D-4912-AB06-1BB0C0EB6AE1}"/>
               </a:ext>
             </a:extLst>
           </p:cNvPr>
@@ -3713,7 +3736,8 @@
             <a:pPr rtl="0"/>
             <a:fld id="{24F848B3-DD0C-4C86-9703-1DC7B521FCF8}" type="datetime1">
               <a:rPr lang="it-IT" smtClean="0"/>
-              <a:t>18/05/2020</a:t>
+              <a:pPr rtl="0"/>
+              <a:t>21/05/2020</a:t>
             </a:fld>
             <a:endParaRPr lang="en-US"/>
           </a:p>
@@ -3782,6 +3806,7 @@
             <a:pPr rtl="0"/>
             <a:fld id="{34B7E4EF-A1BD-40F4-AB7B-04F084DD991D}" type="slidenum">
               <a:rPr lang="en-US" smtClean="0"/>
+              <a:pPr rtl="0"/>
               <a:t>‹N›</a:t>
             </a:fld>
             <a:endParaRPr lang="en-US"/>
@@ -3791,7 +3816,7 @@
     </p:spTree>
     <p:extLst>
       <p:ext uri="{BB962C8B-B14F-4D97-AF65-F5344CB8AC3E}">
-        <p14:creationId xmlns:p14="http://schemas.microsoft.com/office/powerpoint/2010/main" val="2488602163"/>
+        <p14:creationId xmlns:p14="http://schemas.microsoft.com/office/powerpoint/2010/main" xmlns="" val="2488602163"/>
       </p:ext>
     </p:extLst>
   </p:cSld>
@@ -3823,7 +3848,7 @@
           <p:cNvPr id="11" name="Rettangolo 10">
             <a:extLst>
               <a:ext uri="{FF2B5EF4-FFF2-40B4-BE49-F238E27FC236}">
-                <a16:creationId xmlns:a16="http://schemas.microsoft.com/office/drawing/2014/main" id="{E687CA98-D9C7-497F-A1DA-7D22F8753BCE}"/>
+                <a16:creationId xmlns:a16="http://schemas.microsoft.com/office/drawing/2014/main" xmlns="" id="{E687CA98-D9C7-497F-A1DA-7D22F8753BCE}"/>
               </a:ext>
             </a:extLst>
           </p:cNvPr>
@@ -3978,7 +4003,8 @@
             <a:pPr rtl="0"/>
             <a:fld id="{711CFEF3-F103-4E31-9572-24F0BC84FDFF}" type="datetime1">
               <a:rPr lang="it-IT" smtClean="0"/>
-              <a:t>18/05/2020</a:t>
+              <a:pPr rtl="0"/>
+              <a:t>21/05/2020</a:t>
             </a:fld>
             <a:endParaRPr lang="en-US" dirty="0"/>
           </a:p>
@@ -4050,6 +4076,7 @@
             <a:pPr rtl="0"/>
             <a:fld id="{34B7E4EF-A1BD-40F4-AB7B-04F084DD991D}" type="slidenum">
               <a:rPr lang="en-US" smtClean="0"/>
+              <a:pPr rtl="0"/>
               <a:t>‹N›</a:t>
             </a:fld>
             <a:endParaRPr lang="en-US"/>
@@ -4061,7 +4088,7 @@
           <p:cNvPr id="12" name="Rettangolo 11">
             <a:extLst>
               <a:ext uri="{FF2B5EF4-FFF2-40B4-BE49-F238E27FC236}">
-                <a16:creationId xmlns:a16="http://schemas.microsoft.com/office/drawing/2014/main" id="{F8B3D8CC-BB13-41A5-8F34-B8E84A4F9534}"/>
+                <a16:creationId xmlns:a16="http://schemas.microsoft.com/office/drawing/2014/main" xmlns="" id="{F8B3D8CC-BB13-41A5-8F34-B8E84A4F9534}"/>
               </a:ext>
             </a:extLst>
           </p:cNvPr>
@@ -4227,7 +4254,7 @@
     </p:spTree>
     <p:extLst>
       <p:ext uri="{BB962C8B-B14F-4D97-AF65-F5344CB8AC3E}">
-        <p14:creationId xmlns:p14="http://schemas.microsoft.com/office/powerpoint/2010/main" val="2678223080"/>
+        <p14:creationId xmlns:p14="http://schemas.microsoft.com/office/powerpoint/2010/main" xmlns="" val="2678223080"/>
       </p:ext>
     </p:extLst>
   </p:cSld>
@@ -4264,7 +4291,7 @@
           <p:cNvPr id="9" name="Rettangolo 8">
             <a:extLst>
               <a:ext uri="{FF2B5EF4-FFF2-40B4-BE49-F238E27FC236}">
-                <a16:creationId xmlns:a16="http://schemas.microsoft.com/office/drawing/2014/main" id="{1E94681D-2A4C-4A8D-B9B5-31D440D0328D}"/>
+                <a16:creationId xmlns:a16="http://schemas.microsoft.com/office/drawing/2014/main" xmlns="" id="{1E94681D-2A4C-4A8D-B9B5-31D440D0328D}"/>
               </a:ext>
             </a:extLst>
           </p:cNvPr>
@@ -4498,7 +4525,8 @@
             <a:pPr rtl="0"/>
             <a:fld id="{8A8228F9-9C50-4094-9999-09A1682E91E0}" type="datetime1">
               <a:rPr lang="it-IT" smtClean="0"/>
-              <a:t>18/05/2020</a:t>
+              <a:pPr rtl="0"/>
+              <a:t>21/05/2020</a:t>
             </a:fld>
             <a:endParaRPr lang="en-US" dirty="0"/>
           </a:p>
@@ -4580,6 +4608,7 @@
             <a:pPr rtl="0"/>
             <a:fld id="{34B7E4EF-A1BD-40F4-AB7B-04F084DD991D}" type="slidenum">
               <a:rPr lang="en-US" smtClean="0"/>
+              <a:pPr rtl="0"/>
               <a:t>‹N›</a:t>
             </a:fld>
             <a:endParaRPr lang="en-US"/>
@@ -4589,7 +4618,7 @@
     </p:spTree>
     <p:extLst>
       <p:ext uri="{BB962C8B-B14F-4D97-AF65-F5344CB8AC3E}">
-        <p14:creationId xmlns:p14="http://schemas.microsoft.com/office/powerpoint/2010/main" val="3811577630"/>
+        <p14:creationId xmlns:p14="http://schemas.microsoft.com/office/powerpoint/2010/main" xmlns="" val="3811577630"/>
       </p:ext>
     </p:extLst>
   </p:cSld>
@@ -4982,7 +5011,7 @@
           <p:cNvPr id="6" name="Immagine 5" descr="Primo piano di un logo&#10;&#10;Descrizione generata automaticamente">
             <a:extLst>
               <a:ext uri="{FF2B5EF4-FFF2-40B4-BE49-F238E27FC236}">
-                <a16:creationId xmlns:a16="http://schemas.microsoft.com/office/drawing/2014/main" id="{8045422F-7258-40AC-BD2E-2469AA448922}"/>
+                <a16:creationId xmlns:a16="http://schemas.microsoft.com/office/drawing/2014/main" xmlns="" id="{8045422F-7258-40AC-BD2E-2469AA448922}"/>
               </a:ext>
             </a:extLst>
           </p:cNvPr>
@@ -4992,10 +5021,10 @@
           <p:nvPr/>
         </p:nvPicPr>
         <p:blipFill rotWithShape="1">
-          <a:blip r:embed="rId2">
+          <a:blip r:embed="rId2" cstate="print">
             <a:extLst>
               <a:ext uri="{28A0092B-C50C-407E-A947-70E740481C1C}">
-                <a14:useLocalDpi xmlns:a14="http://schemas.microsoft.com/office/drawing/2010/main" val="0"/>
+                <a14:useLocalDpi xmlns:a14="http://schemas.microsoft.com/office/drawing/2010/main" xmlns="" val="0"/>
               </a:ext>
             </a:extLst>
           </a:blip>
@@ -5017,10 +5046,10 @@
           <p:cNvPr id="82" name="Rettangolo 81">
             <a:extLst>
               <a:ext uri="{FF2B5EF4-FFF2-40B4-BE49-F238E27FC236}">
-                <a16:creationId xmlns:a16="http://schemas.microsoft.com/office/drawing/2014/main" id="{2644B391-9BFE-445C-A9EC-F544BB85FBC7}"/>
+                <a16:creationId xmlns:a16="http://schemas.microsoft.com/office/drawing/2014/main" xmlns="" id="{2644B391-9BFE-445C-A9EC-F544BB85FBC7}"/>
               </a:ext>
               <a:ext uri="{C183D7F6-B498-43B3-948B-1728B52AA6E4}">
-                <adec:decorative xmlns:adec="http://schemas.microsoft.com/office/drawing/2017/decorative" val="1"/>
+                <adec:decorative xmlns:adec="http://schemas.microsoft.com/office/drawing/2017/decorative" xmlns="" val="1"/>
               </a:ext>
             </a:extLst>
           </p:cNvPr>
@@ -5030,7 +5059,7 @@
           <p:nvPr>
             <p:extLst>
               <p:ext uri="{386F3935-93C4-4BCD-93E2-E3B085C9AB24}">
-                <p16:designElem xmlns:p16="http://schemas.microsoft.com/office/powerpoint/2015/main" val="1"/>
+                <p16:designElem xmlns:p16="http://schemas.microsoft.com/office/powerpoint/2015/main" xmlns="" val="1"/>
               </p:ext>
             </p:extLst>
           </p:nvPr>
@@ -5062,10 +5091,10 @@
           <p:cNvPr id="84" name="Rettangolo 83">
             <a:extLst>
               <a:ext uri="{FF2B5EF4-FFF2-40B4-BE49-F238E27FC236}">
-                <a16:creationId xmlns:a16="http://schemas.microsoft.com/office/drawing/2014/main" id="{80F26E69-87D9-4655-AE7B-280A87AA3CAD}"/>
+                <a16:creationId xmlns:a16="http://schemas.microsoft.com/office/drawing/2014/main" xmlns="" id="{80F26E69-87D9-4655-AE7B-280A87AA3CAD}"/>
               </a:ext>
               <a:ext uri="{C183D7F6-B498-43B3-948B-1728B52AA6E4}">
-                <adec:decorative xmlns:adec="http://schemas.microsoft.com/office/drawing/2017/decorative" val="1"/>
+                <adec:decorative xmlns:adec="http://schemas.microsoft.com/office/drawing/2017/decorative" xmlns="" val="1"/>
               </a:ext>
             </a:extLst>
           </p:cNvPr>
@@ -5075,7 +5104,7 @@
           <p:nvPr>
             <p:extLst>
               <p:ext uri="{386F3935-93C4-4BCD-93E2-E3B085C9AB24}">
-                <p16:designElem xmlns:p16="http://schemas.microsoft.com/office/powerpoint/2015/main" val="1"/>
+                <p16:designElem xmlns:p16="http://schemas.microsoft.com/office/powerpoint/2015/main" xmlns="" val="1"/>
               </p:ext>
             </p:extLst>
           </p:nvPr>
@@ -5106,7 +5135,7 @@
           <p:cNvPr id="2" name="Titolo 1">
             <a:extLst>
               <a:ext uri="{FF2B5EF4-FFF2-40B4-BE49-F238E27FC236}">
-                <a16:creationId xmlns:a16="http://schemas.microsoft.com/office/drawing/2014/main" id="{18C3B467-088C-4F3D-A9A7-105C4E1E20CD}"/>
+                <a16:creationId xmlns:a16="http://schemas.microsoft.com/office/drawing/2014/main" xmlns="" id="{18C3B467-088C-4F3D-A9A7-105C4E1E20CD}"/>
               </a:ext>
             </a:extLst>
           </p:cNvPr>
@@ -5163,7 +5192,7 @@
     </p:spTree>
     <p:extLst>
       <p:ext uri="{BB962C8B-B14F-4D97-AF65-F5344CB8AC3E}">
-        <p14:creationId xmlns:p14="http://schemas.microsoft.com/office/powerpoint/2010/main" val="2584280759"/>
+        <p14:creationId xmlns:p14="http://schemas.microsoft.com/office/powerpoint/2010/main" xmlns="" val="2584280759"/>
       </p:ext>
     </p:extLst>
   </p:cSld>
@@ -5192,13 +5221,7 @@
       </p:grpSpPr>
       <p:sp>
         <p:nvSpPr>
-          <p:cNvPr id="2" name="Titolo 1">
-            <a:extLst>
-              <a:ext uri="{FF2B5EF4-FFF2-40B4-BE49-F238E27FC236}">
-                <a16:creationId xmlns:a16="http://schemas.microsoft.com/office/drawing/2014/main" id="{1447AD0D-D9DC-4BD5-B662-30885C940A73}"/>
-              </a:ext>
-            </a:extLst>
-          </p:cNvPr>
+          <p:cNvPr id="2" name="Titolo 1"/>
           <p:cNvSpPr>
             <a:spLocks noGrp="1"/>
           </p:cNvSpPr>
@@ -5212,24 +5235,16 @@
           <a:lstStyle/>
           <a:p>
             <a:r>
-              <a:rPr lang="it-IT" dirty="0">
-                <a:latin typeface="Times New Roman" panose="02020603050405020304" pitchFamily="18" charset="0"/>
-                <a:cs typeface="Times New Roman" panose="02020603050405020304" pitchFamily="18" charset="0"/>
-              </a:rPr>
-              <a:t>File SVG</a:t>
-            </a:r>
-          </a:p>
-        </p:txBody>
-      </p:sp>
-      <p:sp>
-        <p:nvSpPr>
-          <p:cNvPr id="3" name="Segnaposto contenuto 2">
-            <a:extLst>
-              <a:ext uri="{FF2B5EF4-FFF2-40B4-BE49-F238E27FC236}">
-                <a16:creationId xmlns:a16="http://schemas.microsoft.com/office/drawing/2014/main" id="{FD9C302A-E7AA-40AD-8F0F-C6D9EFCC88F5}"/>
-              </a:ext>
-            </a:extLst>
-          </p:cNvPr>
+              <a:rPr lang="it-IT" smtClean="0"/>
+              <a:t>Compatibilità di Vector Asset Studio (2)</a:t>
+            </a:r>
+            <a:endParaRPr lang="it-IT"/>
+          </a:p>
+        </p:txBody>
+      </p:sp>
+      <p:sp>
+        <p:nvSpPr>
+          <p:cNvPr id="3" name="Segnaposto contenuto 2"/>
           <p:cNvSpPr>
             <a:spLocks noGrp="1"/>
           </p:cNvSpPr>
@@ -5242,28 +5257,37 @@
           <a:bodyPr/>
           <a:lstStyle/>
           <a:p>
-            <a:r>
-              <a:rPr lang="it-IT" sz="3600" dirty="0">
-                <a:latin typeface="Times New Roman" panose="02020603050405020304" pitchFamily="18" charset="0"/>
-                <a:cs typeface="Times New Roman" panose="02020603050405020304" pitchFamily="18" charset="0"/>
-              </a:rPr>
-              <a:t>Un file SVG è un file che usa un formato grafico vettoriale bidimensionale. Descrive l’immagine usando un formato di testo, basato su XML. I file SVG sono sviluppati come formato standard per mostrare grafiche vettoriali sul web.</a:t>
-            </a:r>
-          </a:p>
-          <a:p>
-            <a:endParaRPr lang="it-IT" dirty="0"/>
-          </a:p>
-        </p:txBody>
-      </p:sp>
-      <p:sp>
-        <p:nvSpPr>
-          <p:cNvPr id="4" name="Segnaposto data 3">
-            <a:extLst>
-              <a:ext uri="{FF2B5EF4-FFF2-40B4-BE49-F238E27FC236}">
-                <a16:creationId xmlns:a16="http://schemas.microsoft.com/office/drawing/2014/main" id="{F8E17882-5E17-41CC-8F32-7C442B1A3160}"/>
-              </a:ext>
-            </a:extLst>
-          </p:cNvPr>
+            <a:pPr marL="0" indent="0">
+              <a:buNone/>
+            </a:pPr>
+            <a:r>
+              <a:rPr lang="it-IT" sz="2400" smtClean="0">
+                <a:latin typeface="Times New Roman" panose="02020603050405020304" pitchFamily="18" charset="0"/>
+                <a:cs typeface="Times New Roman" panose="02020603050405020304" pitchFamily="18" charset="0"/>
+              </a:rPr>
+              <a:t>Inoltre,la finestra di anteprima in Android Studio usa un meccanismo di display diverso da quello in vector asset studio.</a:t>
+            </a:r>
+          </a:p>
+          <a:p>
+            <a:pPr marL="0" indent="0">
+              <a:buNone/>
+            </a:pPr>
+            <a:r>
+              <a:rPr lang="it-IT" sz="2400" smtClean="0">
+                <a:latin typeface="Times New Roman" panose="02020603050405020304" pitchFamily="18" charset="0"/>
+                <a:cs typeface="Times New Roman" panose="02020603050405020304" pitchFamily="18" charset="0"/>
+              </a:rPr>
+              <a:t>Infine, se devo typecastare gli oggetti drawable nel codice java, devo castarli come bitmap drawable invece di vector drawable (solo in dispositivi pre Lollipop).</a:t>
+            </a:r>
+          </a:p>
+          <a:p>
+            <a:endParaRPr lang="it-IT"/>
+          </a:p>
+        </p:txBody>
+      </p:sp>
+      <p:sp>
+        <p:nvSpPr>
+          <p:cNvPr id="4" name="Segnaposto data 3"/>
           <p:cNvSpPr>
             <a:spLocks noGrp="1"/>
           </p:cNvSpPr>
@@ -5279,18 +5303,14 @@
             <a:pPr rtl="0"/>
             <a:fld id="{85E0D28E-6F2F-4715-A424-3B01AC64AD4B}" type="datetime1">
               <a:rPr lang="it-IT" smtClean="0"/>
-              <a:t>18/05/2020</a:t>
+              <a:pPr rtl="0"/>
+              <a:t>21/05/2020</a:t>
             </a:fld>
             <a:endParaRPr lang="en-US"/>
           </a:p>
         </p:txBody>
       </p:sp>
     </p:spTree>
-    <p:extLst>
-      <p:ext uri="{BB962C8B-B14F-4D97-AF65-F5344CB8AC3E}">
-        <p14:creationId xmlns:p14="http://schemas.microsoft.com/office/powerpoint/2010/main" val="2009069328"/>
-      </p:ext>
-    </p:extLst>
   </p:cSld>
   <p:clrMapOvr>
     <a:masterClrMapping/>
@@ -5320,7 +5340,7 @@
           <p:cNvPr id="2" name="Titolo 1">
             <a:extLst>
               <a:ext uri="{FF2B5EF4-FFF2-40B4-BE49-F238E27FC236}">
-                <a16:creationId xmlns:a16="http://schemas.microsoft.com/office/drawing/2014/main" id="{64A3D193-E597-4EF9-9B61-D8F702BBDA6B}"/>
+                <a16:creationId xmlns:a16="http://schemas.microsoft.com/office/drawing/2014/main" xmlns="" id="{1447AD0D-D9DC-4BD5-B662-30885C940A73}"/>
               </a:ext>
             </a:extLst>
           </p:cNvPr>
@@ -5338,10 +5358,9 @@
           <a:p>
             <a:r>
               <a:rPr lang="it-IT" dirty="0">
-                <a:latin typeface="Times New Roman" panose="02020603050405020304" pitchFamily="18" charset="0"/>
-                <a:cs typeface="Times New Roman" panose="02020603050405020304" pitchFamily="18" charset="0"/>
-              </a:rPr>
-              <a:t>File PSD</a:t>
+                <a:cs typeface="Times New Roman" panose="02020603050405020304" pitchFamily="18" charset="0"/>
+              </a:rPr>
+              <a:t>File SVG</a:t>
             </a:r>
           </a:p>
         </p:txBody>
@@ -5351,7 +5370,7 @@
           <p:cNvPr id="3" name="Segnaposto contenuto 2">
             <a:extLst>
               <a:ext uri="{FF2B5EF4-FFF2-40B4-BE49-F238E27FC236}">
-                <a16:creationId xmlns:a16="http://schemas.microsoft.com/office/drawing/2014/main" id="{78D544C2-8FC2-4FAB-8544-0FAFF728A8E0}"/>
+                <a16:creationId xmlns:a16="http://schemas.microsoft.com/office/drawing/2014/main" xmlns="" id="{FD9C302A-E7AA-40AD-8F0F-C6D9EFCC88F5}"/>
               </a:ext>
             </a:extLst>
           </p:cNvPr>
@@ -5368,22 +5387,53 @@
           <a:lstStyle/>
           <a:p>
             <a:r>
-              <a:rPr lang="it-IT" sz="3600" dirty="0">
-                <a:latin typeface="Times New Roman" panose="02020603050405020304" pitchFamily="18" charset="0"/>
-                <a:cs typeface="Times New Roman" panose="02020603050405020304" pitchFamily="18" charset="0"/>
-              </a:rPr>
-              <a:t>Il PSD è un formato di file proprietario sviluppato da Adobe Systems. La sua particolarità è quella di essere un formato di grafica vettoriale molto versatile. È utilizzato per creare immagini vettoriali  e progetti multimediali. </a:t>
+              <a:rPr lang="it-IT" sz="2400" dirty="0">
+                <a:latin typeface="Times New Roman" panose="02020603050405020304" pitchFamily="18" charset="0"/>
+                <a:cs typeface="Times New Roman" panose="02020603050405020304" pitchFamily="18" charset="0"/>
+              </a:rPr>
+              <a:t>Un file SVG è un file che usa un formato grafico vettoriale bidimensionale. Descrive l’immagine usando un formato di testo, basato su XML. I file SVG sono sviluppati come formato standard per mostrare grafiche vettoriali sul web.</a:t>
             </a:r>
           </a:p>
           <a:p>
             <a:endParaRPr lang="it-IT" dirty="0"/>
+          </a:p>
+        </p:txBody>
+      </p:sp>
+      <p:sp>
+        <p:nvSpPr>
+          <p:cNvPr id="4" name="Segnaposto data 3">
+            <a:extLst>
+              <a:ext uri="{FF2B5EF4-FFF2-40B4-BE49-F238E27FC236}">
+                <a16:creationId xmlns:a16="http://schemas.microsoft.com/office/drawing/2014/main" xmlns="" id="{F8E17882-5E17-41CC-8F32-7C442B1A3160}"/>
+              </a:ext>
+            </a:extLst>
+          </p:cNvPr>
+          <p:cNvSpPr>
+            <a:spLocks noGrp="1"/>
+          </p:cNvSpPr>
+          <p:nvPr>
+            <p:ph type="dt" sz="half" idx="10"/>
+          </p:nvPr>
+        </p:nvSpPr>
+        <p:spPr/>
+        <p:txBody>
+          <a:bodyPr/>
+          <a:lstStyle/>
+          <a:p>
+            <a:pPr rtl="0"/>
+            <a:fld id="{85E0D28E-6F2F-4715-A424-3B01AC64AD4B}" type="datetime1">
+              <a:rPr lang="it-IT" smtClean="0"/>
+              <a:pPr rtl="0"/>
+              <a:t>21/05/2020</a:t>
+            </a:fld>
+            <a:endParaRPr lang="en-US"/>
           </a:p>
         </p:txBody>
       </p:sp>
     </p:spTree>
     <p:extLst>
       <p:ext uri="{BB962C8B-B14F-4D97-AF65-F5344CB8AC3E}">
-        <p14:creationId xmlns:p14="http://schemas.microsoft.com/office/powerpoint/2010/main" val="3152011591"/>
+        <p14:creationId xmlns:p14="http://schemas.microsoft.com/office/powerpoint/2010/main" xmlns="" val="2009069328"/>
       </p:ext>
     </p:extLst>
   </p:cSld>
@@ -5415,7 +5465,7 @@
           <p:cNvPr id="2" name="Titolo 1">
             <a:extLst>
               <a:ext uri="{FF2B5EF4-FFF2-40B4-BE49-F238E27FC236}">
-                <a16:creationId xmlns:a16="http://schemas.microsoft.com/office/drawing/2014/main" id="{9AE4C8B6-E0B8-485F-A4DA-8628A66B76D2}"/>
+                <a16:creationId xmlns:a16="http://schemas.microsoft.com/office/drawing/2014/main" xmlns="" id="{64A3D193-E597-4EF9-9B61-D8F702BBDA6B}"/>
               </a:ext>
             </a:extLst>
           </p:cNvPr>
@@ -5433,25 +5483,125 @@
           <a:p>
             <a:r>
               <a:rPr lang="it-IT" dirty="0">
-                <a:latin typeface="Times New Roman" panose="02020603050405020304" pitchFamily="18" charset="0"/>
+                <a:cs typeface="Times New Roman" panose="02020603050405020304" pitchFamily="18" charset="0"/>
+              </a:rPr>
+              <a:t>File PSD</a:t>
+            </a:r>
+          </a:p>
+        </p:txBody>
+      </p:sp>
+      <p:sp>
+        <p:nvSpPr>
+          <p:cNvPr id="3" name="Segnaposto contenuto 2">
+            <a:extLst>
+              <a:ext uri="{FF2B5EF4-FFF2-40B4-BE49-F238E27FC236}">
+                <a16:creationId xmlns:a16="http://schemas.microsoft.com/office/drawing/2014/main" xmlns="" id="{78D544C2-8FC2-4FAB-8544-0FAFF728A8E0}"/>
+              </a:ext>
+            </a:extLst>
+          </p:cNvPr>
+          <p:cNvSpPr>
+            <a:spLocks noGrp="1"/>
+          </p:cNvSpPr>
+          <p:nvPr>
+            <p:ph idx="1"/>
+          </p:nvPr>
+        </p:nvSpPr>
+        <p:spPr/>
+        <p:txBody>
+          <a:bodyPr/>
+          <a:lstStyle/>
+          <a:p>
+            <a:r>
+              <a:rPr lang="it-IT" sz="2400" dirty="0">
+                <a:latin typeface="Times New Roman" panose="02020603050405020304" pitchFamily="18" charset="0"/>
+                <a:cs typeface="Times New Roman" panose="02020603050405020304" pitchFamily="18" charset="0"/>
+              </a:rPr>
+              <a:t>Il PSD è un formato di file proprietario sviluppato da Adobe Systems. La sua particolarità è quella di essere un formato di grafica vettoriale molto versatile. È utilizzato per creare immagini vettoriali  e progetti multimediali. </a:t>
+            </a:r>
+          </a:p>
+          <a:p>
+            <a:endParaRPr lang="it-IT" dirty="0"/>
+          </a:p>
+        </p:txBody>
+      </p:sp>
+    </p:spTree>
+    <p:extLst>
+      <p:ext uri="{BB962C8B-B14F-4D97-AF65-F5344CB8AC3E}">
+        <p14:creationId xmlns:p14="http://schemas.microsoft.com/office/powerpoint/2010/main" xmlns="" val="3152011591"/>
+      </p:ext>
+    </p:extLst>
+  </p:cSld>
+  <p:clrMapOvr>
+    <a:masterClrMapping/>
+  </p:clrMapOvr>
+</p:sld>
+</file>
+
+<file path=ppt/slides/slide13.xml><?xml version="1.0" encoding="utf-8"?>
+<p:sld xmlns:a="http://schemas.openxmlformats.org/drawingml/2006/main" xmlns:r="http://schemas.openxmlformats.org/officeDocument/2006/relationships" xmlns:p="http://schemas.openxmlformats.org/presentationml/2006/main">
+  <p:cSld>
+    <p:spTree>
+      <p:nvGrpSpPr>
+        <p:cNvPr id="1" name=""/>
+        <p:cNvGrpSpPr/>
+        <p:nvPr/>
+      </p:nvGrpSpPr>
+      <p:grpSpPr>
+        <a:xfrm>
+          <a:off x="0" y="0"/>
+          <a:ext cx="0" cy="0"/>
+          <a:chOff x="0" y="0"/>
+          <a:chExt cx="0" cy="0"/>
+        </a:xfrm>
+      </p:grpSpPr>
+      <p:sp>
+        <p:nvSpPr>
+          <p:cNvPr id="2" name="Titolo 1">
+            <a:extLst>
+              <a:ext uri="{FF2B5EF4-FFF2-40B4-BE49-F238E27FC236}">
+                <a16:creationId xmlns:a16="http://schemas.microsoft.com/office/drawing/2014/main" xmlns="" id="{9AE4C8B6-E0B8-485F-A4DA-8628A66B76D2}"/>
+              </a:ext>
+            </a:extLst>
+          </p:cNvPr>
+          <p:cNvSpPr>
+            <a:spLocks noGrp="1"/>
+          </p:cNvSpPr>
+          <p:nvPr>
+            <p:ph type="title"/>
+          </p:nvPr>
+        </p:nvSpPr>
+        <p:spPr/>
+        <p:txBody>
+          <a:bodyPr/>
+          <a:lstStyle/>
+          <a:p>
+            <a:r>
+              <a:rPr lang="it-IT" dirty="0">
                 <a:cs typeface="Times New Roman" panose="02020603050405020304" pitchFamily="18" charset="0"/>
               </a:rPr>
               <a:t>Usare </a:t>
             </a:r>
             <a:r>
-              <a:rPr lang="it-IT" dirty="0" err="1">
-                <a:latin typeface="Times New Roman" panose="02020603050405020304" pitchFamily="18" charset="0"/>
+              <a:rPr lang="it-IT" err="1">
                 <a:cs typeface="Times New Roman" panose="02020603050405020304" pitchFamily="18" charset="0"/>
               </a:rPr>
               <a:t>Vector</a:t>
             </a:r>
             <a:r>
-              <a:rPr lang="it-IT" dirty="0">
-                <a:latin typeface="Times New Roman" panose="02020603050405020304" pitchFamily="18" charset="0"/>
-                <a:cs typeface="Times New Roman" panose="02020603050405020304" pitchFamily="18" charset="0"/>
-              </a:rPr>
-              <a:t> Asset su Android Studio</a:t>
-            </a:r>
+              <a:rPr lang="it-IT">
+                <a:cs typeface="Times New Roman" panose="02020603050405020304" pitchFamily="18" charset="0"/>
+              </a:rPr>
+              <a:t> </a:t>
+            </a:r>
+            <a:r>
+              <a:rPr lang="it-IT" smtClean="0">
+                <a:cs typeface="Times New Roman" panose="02020603050405020304" pitchFamily="18" charset="0"/>
+              </a:rPr>
+              <a:t>Asset Studio</a:t>
+            </a:r>
+            <a:endParaRPr lang="it-IT" dirty="0">
+              <a:cs typeface="Times New Roman" panose="02020603050405020304" pitchFamily="18" charset="0"/>
+            </a:endParaRPr>
           </a:p>
         </p:txBody>
       </p:sp>
@@ -5460,7 +5610,7 @@
           <p:cNvPr id="6" name="Segnaposto contenuto 5">
             <a:extLst>
               <a:ext uri="{FF2B5EF4-FFF2-40B4-BE49-F238E27FC236}">
-                <a16:creationId xmlns:a16="http://schemas.microsoft.com/office/drawing/2014/main" id="{4BDEEE29-91C2-4DC2-978E-B83B3D557396}"/>
+                <a16:creationId xmlns:a16="http://schemas.microsoft.com/office/drawing/2014/main" xmlns="" id="{4BDEEE29-91C2-4DC2-978E-B83B3D557396}"/>
               </a:ext>
             </a:extLst>
           </p:cNvPr>
@@ -5472,10 +5622,10 @@
           </p:nvPr>
         </p:nvPicPr>
         <p:blipFill rotWithShape="1">
-          <a:blip r:embed="rId2">
+          <a:blip r:embed="rId2" cstate="print">
             <a:extLst>
               <a:ext uri="{28A0092B-C50C-407E-A947-70E740481C1C}">
-                <a14:useLocalDpi xmlns:a14="http://schemas.microsoft.com/office/drawing/2010/main" val="0"/>
+                <a14:useLocalDpi xmlns:a14="http://schemas.microsoft.com/office/drawing/2010/main" xmlns="" val="0"/>
               </a:ext>
             </a:extLst>
           </a:blip>
@@ -5527,7 +5677,7 @@
           <p:cNvPr id="12" name="CasellaDiTesto 11">
             <a:extLst>
               <a:ext uri="{FF2B5EF4-FFF2-40B4-BE49-F238E27FC236}">
-                <a16:creationId xmlns:a16="http://schemas.microsoft.com/office/drawing/2014/main" id="{E837BDAC-7E9D-4633-A500-EAEDA6613B83}"/>
+                <a16:creationId xmlns:a16="http://schemas.microsoft.com/office/drawing/2014/main" xmlns="" id="{E837BDAC-7E9D-4633-A500-EAEDA6613B83}"/>
               </a:ext>
             </a:extLst>
           </p:cNvPr>
@@ -5581,214 +5731,7 @@
     </p:spTree>
     <p:extLst>
       <p:ext uri="{BB962C8B-B14F-4D97-AF65-F5344CB8AC3E}">
-        <p14:creationId xmlns:p14="http://schemas.microsoft.com/office/powerpoint/2010/main" val="2197971088"/>
-      </p:ext>
-    </p:extLst>
-  </p:cSld>
-  <p:clrMapOvr>
-    <a:masterClrMapping/>
-  </p:clrMapOvr>
-</p:sld>
-</file>
-
-<file path=ppt/slides/slide13.xml><?xml version="1.0" encoding="utf-8"?>
-<p:sld xmlns:a="http://schemas.openxmlformats.org/drawingml/2006/main" xmlns:r="http://schemas.openxmlformats.org/officeDocument/2006/relationships" xmlns:p="http://schemas.openxmlformats.org/presentationml/2006/main">
-  <p:cSld>
-    <p:spTree>
-      <p:nvGrpSpPr>
-        <p:cNvPr id="1" name=""/>
-        <p:cNvGrpSpPr/>
-        <p:nvPr/>
-      </p:nvGrpSpPr>
-      <p:grpSpPr>
-        <a:xfrm>
-          <a:off x="0" y="0"/>
-          <a:ext cx="0" cy="0"/>
-          <a:chOff x="0" y="0"/>
-          <a:chExt cx="0" cy="0"/>
-        </a:xfrm>
-      </p:grpSpPr>
-      <p:sp>
-        <p:nvSpPr>
-          <p:cNvPr id="2" name="Titolo 1">
-            <a:extLst>
-              <a:ext uri="{FF2B5EF4-FFF2-40B4-BE49-F238E27FC236}">
-                <a16:creationId xmlns:a16="http://schemas.microsoft.com/office/drawing/2014/main" id="{6A3B5CF5-FFE3-4850-9CD1-5F703596536E}"/>
-              </a:ext>
-            </a:extLst>
-          </p:cNvPr>
-          <p:cNvSpPr>
-            <a:spLocks noGrp="1"/>
-          </p:cNvSpPr>
-          <p:nvPr>
-            <p:ph type="title"/>
-          </p:nvPr>
-        </p:nvSpPr>
-        <p:spPr/>
-        <p:txBody>
-          <a:bodyPr/>
-          <a:lstStyle/>
-          <a:p>
-            <a:r>
-              <a:rPr lang="it-IT" dirty="0">
-                <a:latin typeface="Times New Roman" panose="02020603050405020304" pitchFamily="18" charset="0"/>
-                <a:cs typeface="Times New Roman" panose="02020603050405020304" pitchFamily="18" charset="0"/>
-              </a:rPr>
-              <a:t>Usare </a:t>
-            </a:r>
-            <a:r>
-              <a:rPr lang="it-IT" dirty="0" err="1">
-                <a:latin typeface="Times New Roman" panose="02020603050405020304" pitchFamily="18" charset="0"/>
-                <a:cs typeface="Times New Roman" panose="02020603050405020304" pitchFamily="18" charset="0"/>
-              </a:rPr>
-              <a:t>Vector</a:t>
-            </a:r>
-            <a:r>
-              <a:rPr lang="it-IT" dirty="0">
-                <a:latin typeface="Times New Roman" panose="02020603050405020304" pitchFamily="18" charset="0"/>
-                <a:cs typeface="Times New Roman" panose="02020603050405020304" pitchFamily="18" charset="0"/>
-              </a:rPr>
-              <a:t> Asset su Android Studio (2a)</a:t>
-            </a:r>
-            <a:endParaRPr lang="it-IT" dirty="0"/>
-          </a:p>
-        </p:txBody>
-      </p:sp>
-      <p:pic>
-        <p:nvPicPr>
-          <p:cNvPr id="6" name="Segnaposto contenuto 5">
-            <a:extLst>
-              <a:ext uri="{FF2B5EF4-FFF2-40B4-BE49-F238E27FC236}">
-                <a16:creationId xmlns:a16="http://schemas.microsoft.com/office/drawing/2014/main" id="{0F35DE8C-3ACD-459B-9345-5DB90C6EC9FD}"/>
-              </a:ext>
-            </a:extLst>
-          </p:cNvPr>
-          <p:cNvPicPr>
-            <a:picLocks noGrp="1" noChangeAspect="1"/>
-          </p:cNvPicPr>
-          <p:nvPr>
-            <p:ph idx="1"/>
-          </p:nvPr>
-        </p:nvPicPr>
-        <p:blipFill rotWithShape="1">
-          <a:blip r:embed="rId2">
-            <a:extLst>
-              <a:ext uri="{28A0092B-C50C-407E-A947-70E740481C1C}">
-                <a14:useLocalDpi xmlns:a14="http://schemas.microsoft.com/office/drawing/2010/main" val="0"/>
-              </a:ext>
-            </a:extLst>
-          </a:blip>
-          <a:srcRect l="25258" t="20542" r="24827" b="20042"/>
-          <a:stretch/>
-        </p:blipFill>
-        <p:spPr>
-          <a:xfrm>
-            <a:off x="6096000" y="1833280"/>
-            <a:ext cx="5682016" cy="3628167"/>
-          </a:xfrm>
-        </p:spPr>
-      </p:pic>
-      <p:sp>
-        <p:nvSpPr>
-          <p:cNvPr id="7" name="CasellaDiTesto 6">
-            <a:extLst>
-              <a:ext uri="{FF2B5EF4-FFF2-40B4-BE49-F238E27FC236}">
-                <a16:creationId xmlns:a16="http://schemas.microsoft.com/office/drawing/2014/main" id="{EC7460D1-A244-474C-932D-C3A68EF124A9}"/>
-              </a:ext>
-            </a:extLst>
-          </p:cNvPr>
-          <p:cNvSpPr txBox="1"/>
-          <p:nvPr/>
-        </p:nvSpPr>
-        <p:spPr>
-          <a:xfrm>
-            <a:off x="682388" y="1860575"/>
-            <a:ext cx="5145206" cy="2954655"/>
-          </a:xfrm>
-          <a:prstGeom prst="rect">
-            <a:avLst/>
-          </a:prstGeom>
-          <a:noFill/>
-        </p:spPr>
-        <p:txBody>
-          <a:bodyPr wrap="square" rtlCol="0">
-            <a:spAutoFit/>
-          </a:bodyPr>
-          <a:lstStyle/>
-          <a:p>
-            <a:r>
-              <a:rPr lang="it-IT" sz="2400" dirty="0">
-                <a:latin typeface="Times New Roman" panose="02020603050405020304" pitchFamily="18" charset="0"/>
-                <a:cs typeface="Times New Roman" panose="02020603050405020304" pitchFamily="18" charset="0"/>
-              </a:rPr>
-              <a:t>Posso scegliere dalla libreria di </a:t>
-            </a:r>
-            <a:r>
-              <a:rPr lang="it-IT" sz="2400" dirty="0" err="1">
-                <a:latin typeface="Times New Roman" panose="02020603050405020304" pitchFamily="18" charset="0"/>
-                <a:cs typeface="Times New Roman" panose="02020603050405020304" pitchFamily="18" charset="0"/>
-              </a:rPr>
-              <a:t>material</a:t>
-            </a:r>
-            <a:r>
-              <a:rPr lang="it-IT" sz="2400" dirty="0">
-                <a:latin typeface="Times New Roman" panose="02020603050405020304" pitchFamily="18" charset="0"/>
-                <a:cs typeface="Times New Roman" panose="02020603050405020304" pitchFamily="18" charset="0"/>
-              </a:rPr>
-              <a:t> </a:t>
-            </a:r>
-            <a:r>
-              <a:rPr lang="it-IT" sz="2400" dirty="0" err="1">
-                <a:latin typeface="Times New Roman" panose="02020603050405020304" pitchFamily="18" charset="0"/>
-                <a:cs typeface="Times New Roman" panose="02020603050405020304" pitchFamily="18" charset="0"/>
-              </a:rPr>
-              <a:t>icon</a:t>
-            </a:r>
-            <a:r>
-              <a:rPr lang="it-IT" sz="2400" dirty="0">
-                <a:latin typeface="Times New Roman" panose="02020603050405020304" pitchFamily="18" charset="0"/>
-                <a:cs typeface="Times New Roman" panose="02020603050405020304" pitchFamily="18" charset="0"/>
-              </a:rPr>
-              <a:t>: faccio click su Clip Art. Si apre una finestra con tutti gli assets della libreria, ne scelgo una e clicco ok. Inoltre sono presenti delle opzioni per modificare altezza, larghezza, opacità, </a:t>
-            </a:r>
-            <a:r>
-              <a:rPr lang="it-IT" sz="2400" dirty="0" err="1">
-                <a:latin typeface="Times New Roman" panose="02020603050405020304" pitchFamily="18" charset="0"/>
-                <a:cs typeface="Times New Roman" panose="02020603050405020304" pitchFamily="18" charset="0"/>
-              </a:rPr>
-              <a:t>automirroring</a:t>
-            </a:r>
-            <a:r>
-              <a:rPr lang="it-IT" sz="2400" dirty="0">
-                <a:latin typeface="Times New Roman" panose="02020603050405020304" pitchFamily="18" charset="0"/>
-                <a:cs typeface="Times New Roman" panose="02020603050405020304" pitchFamily="18" charset="0"/>
-              </a:rPr>
-              <a:t> (versione 21 in poi) </a:t>
-            </a:r>
-            <a:r>
-              <a:rPr lang="it-IT" sz="2400" dirty="0" err="1">
-                <a:latin typeface="Times New Roman" panose="02020603050405020304" pitchFamily="18" charset="0"/>
-                <a:cs typeface="Times New Roman" panose="02020603050405020304" pitchFamily="18" charset="0"/>
-              </a:rPr>
-              <a:t>ecc</a:t>
-            </a:r>
-            <a:r>
-              <a:rPr lang="it-IT" sz="2400" dirty="0">
-                <a:latin typeface="Times New Roman" panose="02020603050405020304" pitchFamily="18" charset="0"/>
-                <a:cs typeface="Times New Roman" panose="02020603050405020304" pitchFamily="18" charset="0"/>
-              </a:rPr>
-              <a:t>…</a:t>
-            </a:r>
-          </a:p>
-          <a:p>
-            <a:endParaRPr lang="it-IT" dirty="0"/>
-          </a:p>
-        </p:txBody>
-      </p:sp>
-    </p:spTree>
-    <p:extLst>
-      <p:ext uri="{BB962C8B-B14F-4D97-AF65-F5344CB8AC3E}">
-        <p14:creationId xmlns:p14="http://schemas.microsoft.com/office/powerpoint/2010/main" val="2387262453"/>
+        <p14:creationId xmlns:p14="http://schemas.microsoft.com/office/powerpoint/2010/main" xmlns="" val="2197971088"/>
       </p:ext>
     </p:extLst>
   </p:cSld>
@@ -5820,7 +5763,7 @@
           <p:cNvPr id="2" name="Titolo 1">
             <a:extLst>
               <a:ext uri="{FF2B5EF4-FFF2-40B4-BE49-F238E27FC236}">
-                <a16:creationId xmlns:a16="http://schemas.microsoft.com/office/drawing/2014/main" id="{ECE58950-08A6-412A-8028-5FEC5788B4A4}"/>
+                <a16:creationId xmlns:a16="http://schemas.microsoft.com/office/drawing/2014/main" xmlns="" id="{6A3B5CF5-FFE3-4850-9CD1-5F703596536E}"/>
               </a:ext>
             </a:extLst>
           </p:cNvPr>
@@ -5855,8 +5798,9 @@
                 <a:latin typeface="Times New Roman" panose="02020603050405020304" pitchFamily="18" charset="0"/>
                 <a:cs typeface="Times New Roman" panose="02020603050405020304" pitchFamily="18" charset="0"/>
               </a:rPr>
-              <a:t> Asset su Android Studio (2b)</a:t>
-            </a:r>
+              <a:t> Asset su Android Studio (2a)</a:t>
+            </a:r>
+            <a:endParaRPr lang="it-IT" dirty="0"/>
           </a:p>
         </p:txBody>
       </p:sp>
@@ -5865,7 +5809,7 @@
           <p:cNvPr id="6" name="Segnaposto contenuto 5">
             <a:extLst>
               <a:ext uri="{FF2B5EF4-FFF2-40B4-BE49-F238E27FC236}">
-                <a16:creationId xmlns:a16="http://schemas.microsoft.com/office/drawing/2014/main" id="{4897E952-8496-4CAA-AE2B-A29C31AC6738}"/>
+                <a16:creationId xmlns:a16="http://schemas.microsoft.com/office/drawing/2014/main" xmlns="" id="{0F35DE8C-3ACD-459B-9345-5DB90C6EC9FD}"/>
               </a:ext>
             </a:extLst>
           </p:cNvPr>
@@ -5877,20 +5821,20 @@
           </p:nvPr>
         </p:nvPicPr>
         <p:blipFill rotWithShape="1">
-          <a:blip r:embed="rId2">
+          <a:blip r:embed="rId2" cstate="print">
             <a:extLst>
               <a:ext uri="{28A0092B-C50C-407E-A947-70E740481C1C}">
-                <a14:useLocalDpi xmlns:a14="http://schemas.microsoft.com/office/drawing/2010/main" val="0"/>
+                <a14:useLocalDpi xmlns:a14="http://schemas.microsoft.com/office/drawing/2010/main" xmlns="" val="0"/>
               </a:ext>
             </a:extLst>
           </a:blip>
-          <a:srcRect l="25258" t="20526" r="24827" b="20260"/>
+          <a:srcRect l="25258" t="20542" r="24827" b="20042"/>
           <a:stretch/>
         </p:blipFill>
         <p:spPr>
           <a:xfrm>
-            <a:off x="6372259" y="2014194"/>
-            <a:ext cx="5278325" cy="4004248"/>
+            <a:off x="6096000" y="1833280"/>
+            <a:ext cx="5682016" cy="3628167"/>
           </a:xfrm>
         </p:spPr>
       </p:pic>
@@ -5899,7 +5843,7 @@
           <p:cNvPr id="7" name="CasellaDiTesto 6">
             <a:extLst>
               <a:ext uri="{FF2B5EF4-FFF2-40B4-BE49-F238E27FC236}">
-                <a16:creationId xmlns:a16="http://schemas.microsoft.com/office/drawing/2014/main" id="{A8F9857B-450C-442E-9A74-108F22887546}"/>
+                <a16:creationId xmlns:a16="http://schemas.microsoft.com/office/drawing/2014/main" xmlns="" id="{EC7460D1-A244-474C-932D-C3A68EF124A9}"/>
               </a:ext>
             </a:extLst>
           </p:cNvPr>
@@ -5908,8 +5852,8 @@
         </p:nvSpPr>
         <p:spPr>
           <a:xfrm>
-            <a:off x="541417" y="2495208"/>
-            <a:ext cx="5278325" cy="2800767"/>
+            <a:off x="682388" y="1860575"/>
+            <a:ext cx="5145206" cy="2954655"/>
           </a:xfrm>
           <a:prstGeom prst="rect">
             <a:avLst/>
@@ -5922,35 +5866,79 @@
           </a:bodyPr>
           <a:lstStyle/>
           <a:p>
-            <a:pPr lvl="0"/>
-            <a:r>
-              <a:rPr lang="it-IT" sz="4400" dirty="0">
-                <a:latin typeface="Times New Roman" panose="02020603050405020304" pitchFamily="18" charset="0"/>
-                <a:cs typeface="Times New Roman" panose="02020603050405020304" pitchFamily="18" charset="0"/>
-              </a:rPr>
-              <a:t>Cliccando su Local file posso utilizzare un mio file SVG o PSD indicandone il </a:t>
-            </a:r>
-            <a:r>
-              <a:rPr lang="it-IT" sz="4400" dirty="0" err="1">
-                <a:latin typeface="Times New Roman" panose="02020603050405020304" pitchFamily="18" charset="0"/>
-                <a:cs typeface="Times New Roman" panose="02020603050405020304" pitchFamily="18" charset="0"/>
-              </a:rPr>
-              <a:t>Path</a:t>
-            </a:r>
-            <a:r>
-              <a:rPr lang="it-IT" sz="4400" dirty="0">
-                <a:latin typeface="Times New Roman" panose="02020603050405020304" pitchFamily="18" charset="0"/>
-                <a:cs typeface="Times New Roman" panose="02020603050405020304" pitchFamily="18" charset="0"/>
-              </a:rPr>
-              <a:t>. </a:t>
-            </a:r>
+            <a:r>
+              <a:rPr lang="it-IT" sz="2400" dirty="0">
+                <a:latin typeface="Times New Roman" panose="02020603050405020304" pitchFamily="18" charset="0"/>
+                <a:cs typeface="Times New Roman" panose="02020603050405020304" pitchFamily="18" charset="0"/>
+              </a:rPr>
+              <a:t>Posso scegliere dalla libreria di </a:t>
+            </a:r>
+            <a:r>
+              <a:rPr lang="it-IT" sz="2400" dirty="0" err="1">
+                <a:latin typeface="Times New Roman" panose="02020603050405020304" pitchFamily="18" charset="0"/>
+                <a:cs typeface="Times New Roman" panose="02020603050405020304" pitchFamily="18" charset="0"/>
+              </a:rPr>
+              <a:t>material</a:t>
+            </a:r>
+            <a:r>
+              <a:rPr lang="it-IT" sz="2400" dirty="0">
+                <a:latin typeface="Times New Roman" panose="02020603050405020304" pitchFamily="18" charset="0"/>
+                <a:cs typeface="Times New Roman" panose="02020603050405020304" pitchFamily="18" charset="0"/>
+              </a:rPr>
+              <a:t> </a:t>
+            </a:r>
+            <a:r>
+              <a:rPr lang="it-IT" sz="2400" dirty="0" err="1">
+                <a:latin typeface="Times New Roman" panose="02020603050405020304" pitchFamily="18" charset="0"/>
+                <a:cs typeface="Times New Roman" panose="02020603050405020304" pitchFamily="18" charset="0"/>
+              </a:rPr>
+              <a:t>icon</a:t>
+            </a:r>
+            <a:r>
+              <a:rPr lang="it-IT" sz="2400" dirty="0">
+                <a:latin typeface="Times New Roman" panose="02020603050405020304" pitchFamily="18" charset="0"/>
+                <a:cs typeface="Times New Roman" panose="02020603050405020304" pitchFamily="18" charset="0"/>
+              </a:rPr>
+              <a:t>: faccio click su Clip Art. Si apre una finestra con tutti gli assets della libreria, ne scelgo una e clicco ok. Inoltre sono presenti delle opzioni per modificare altezza, larghezza, opacità, </a:t>
+            </a:r>
+            <a:r>
+              <a:rPr lang="it-IT" sz="2400" dirty="0" err="1">
+                <a:latin typeface="Times New Roman" panose="02020603050405020304" pitchFamily="18" charset="0"/>
+                <a:cs typeface="Times New Roman" panose="02020603050405020304" pitchFamily="18" charset="0"/>
+              </a:rPr>
+              <a:t>automirroring</a:t>
+            </a:r>
+            <a:r>
+              <a:rPr lang="it-IT" sz="2400" dirty="0">
+                <a:latin typeface="Times New Roman" panose="02020603050405020304" pitchFamily="18" charset="0"/>
+                <a:cs typeface="Times New Roman" panose="02020603050405020304" pitchFamily="18" charset="0"/>
+              </a:rPr>
+              <a:t> (versione 21 in poi) </a:t>
+            </a:r>
+            <a:r>
+              <a:rPr lang="it-IT" sz="2400" dirty="0" err="1">
+                <a:latin typeface="Times New Roman" panose="02020603050405020304" pitchFamily="18" charset="0"/>
+                <a:cs typeface="Times New Roman" panose="02020603050405020304" pitchFamily="18" charset="0"/>
+              </a:rPr>
+              <a:t>ecc</a:t>
+            </a:r>
+            <a:r>
+              <a:rPr lang="it-IT" sz="2400" dirty="0">
+                <a:latin typeface="Times New Roman" panose="02020603050405020304" pitchFamily="18" charset="0"/>
+                <a:cs typeface="Times New Roman" panose="02020603050405020304" pitchFamily="18" charset="0"/>
+              </a:rPr>
+              <a:t>…</a:t>
+            </a:r>
+          </a:p>
+          <a:p>
+            <a:endParaRPr lang="it-IT" dirty="0"/>
           </a:p>
         </p:txBody>
       </p:sp>
     </p:spTree>
     <p:extLst>
       <p:ext uri="{BB962C8B-B14F-4D97-AF65-F5344CB8AC3E}">
-        <p14:creationId xmlns:p14="http://schemas.microsoft.com/office/powerpoint/2010/main" val="2027082615"/>
+        <p14:creationId xmlns:p14="http://schemas.microsoft.com/office/powerpoint/2010/main" xmlns="" val="2387262453"/>
       </p:ext>
     </p:extLst>
   </p:cSld>
@@ -5982,7 +5970,7 @@
           <p:cNvPr id="2" name="Titolo 1">
             <a:extLst>
               <a:ext uri="{FF2B5EF4-FFF2-40B4-BE49-F238E27FC236}">
-                <a16:creationId xmlns:a16="http://schemas.microsoft.com/office/drawing/2014/main" id="{5E77436D-7C69-4F75-AE6C-C21B6CBEEA16}"/>
+                <a16:creationId xmlns:a16="http://schemas.microsoft.com/office/drawing/2014/main" xmlns="" id="{ECE58950-08A6-412A-8028-5FEC5788B4A4}"/>
               </a:ext>
             </a:extLst>
           </p:cNvPr>
@@ -6017,7 +6005,7 @@
                 <a:latin typeface="Times New Roman" panose="02020603050405020304" pitchFamily="18" charset="0"/>
                 <a:cs typeface="Times New Roman" panose="02020603050405020304" pitchFamily="18" charset="0"/>
               </a:rPr>
-              <a:t> Asset su Android Studio (3)</a:t>
+              <a:t> Asset su Android Studio (2b)</a:t>
             </a:r>
           </a:p>
         </p:txBody>
@@ -6027,7 +6015,7 @@
           <p:cNvPr id="6" name="Segnaposto contenuto 5">
             <a:extLst>
               <a:ext uri="{FF2B5EF4-FFF2-40B4-BE49-F238E27FC236}">
-                <a16:creationId xmlns:a16="http://schemas.microsoft.com/office/drawing/2014/main" id="{61510913-41E3-435E-A44C-417D65A7502B}"/>
+                <a16:creationId xmlns:a16="http://schemas.microsoft.com/office/drawing/2014/main" xmlns="" id="{4897E952-8496-4CAA-AE2B-A29C31AC6738}"/>
               </a:ext>
             </a:extLst>
           </p:cNvPr>
@@ -6039,10 +6027,172 @@
           </p:nvPr>
         </p:nvPicPr>
         <p:blipFill rotWithShape="1">
-          <a:blip r:embed="rId2">
+          <a:blip r:embed="rId2" cstate="print">
             <a:extLst>
               <a:ext uri="{28A0092B-C50C-407E-A947-70E740481C1C}">
-                <a14:useLocalDpi xmlns:a14="http://schemas.microsoft.com/office/drawing/2010/main" val="0"/>
+                <a14:useLocalDpi xmlns:a14="http://schemas.microsoft.com/office/drawing/2010/main" xmlns="" val="0"/>
+              </a:ext>
+            </a:extLst>
+          </a:blip>
+          <a:srcRect l="25258" t="20526" r="24827" b="20260"/>
+          <a:stretch/>
+        </p:blipFill>
+        <p:spPr>
+          <a:xfrm>
+            <a:off x="6372259" y="2014194"/>
+            <a:ext cx="5278325" cy="4004248"/>
+          </a:xfrm>
+        </p:spPr>
+      </p:pic>
+      <p:sp>
+        <p:nvSpPr>
+          <p:cNvPr id="7" name="CasellaDiTesto 6">
+            <a:extLst>
+              <a:ext uri="{FF2B5EF4-FFF2-40B4-BE49-F238E27FC236}">
+                <a16:creationId xmlns:a16="http://schemas.microsoft.com/office/drawing/2014/main" xmlns="" id="{A8F9857B-450C-442E-9A74-108F22887546}"/>
+              </a:ext>
+            </a:extLst>
+          </p:cNvPr>
+          <p:cNvSpPr txBox="1"/>
+          <p:nvPr/>
+        </p:nvSpPr>
+        <p:spPr>
+          <a:xfrm>
+            <a:off x="541417" y="2495208"/>
+            <a:ext cx="5278325" cy="2800767"/>
+          </a:xfrm>
+          <a:prstGeom prst="rect">
+            <a:avLst/>
+          </a:prstGeom>
+          <a:noFill/>
+        </p:spPr>
+        <p:txBody>
+          <a:bodyPr wrap="square" rtlCol="0">
+            <a:spAutoFit/>
+          </a:bodyPr>
+          <a:lstStyle/>
+          <a:p>
+            <a:pPr lvl="0"/>
+            <a:r>
+              <a:rPr lang="it-IT" sz="4400" dirty="0">
+                <a:latin typeface="Times New Roman" panose="02020603050405020304" pitchFamily="18" charset="0"/>
+                <a:cs typeface="Times New Roman" panose="02020603050405020304" pitchFamily="18" charset="0"/>
+              </a:rPr>
+              <a:t>Cliccando su Local file posso utilizzare un mio file SVG o PSD indicandone il </a:t>
+            </a:r>
+            <a:r>
+              <a:rPr lang="it-IT" sz="4400" dirty="0" err="1">
+                <a:latin typeface="Times New Roman" panose="02020603050405020304" pitchFamily="18" charset="0"/>
+                <a:cs typeface="Times New Roman" panose="02020603050405020304" pitchFamily="18" charset="0"/>
+              </a:rPr>
+              <a:t>Path</a:t>
+            </a:r>
+            <a:r>
+              <a:rPr lang="it-IT" sz="4400" dirty="0">
+                <a:latin typeface="Times New Roman" panose="02020603050405020304" pitchFamily="18" charset="0"/>
+                <a:cs typeface="Times New Roman" panose="02020603050405020304" pitchFamily="18" charset="0"/>
+              </a:rPr>
+              <a:t>. </a:t>
+            </a:r>
+          </a:p>
+        </p:txBody>
+      </p:sp>
+    </p:spTree>
+    <p:extLst>
+      <p:ext uri="{BB962C8B-B14F-4D97-AF65-F5344CB8AC3E}">
+        <p14:creationId xmlns:p14="http://schemas.microsoft.com/office/powerpoint/2010/main" xmlns="" val="2027082615"/>
+      </p:ext>
+    </p:extLst>
+  </p:cSld>
+  <p:clrMapOvr>
+    <a:masterClrMapping/>
+  </p:clrMapOvr>
+</p:sld>
+</file>
+
+<file path=ppt/slides/slide16.xml><?xml version="1.0" encoding="utf-8"?>
+<p:sld xmlns:a="http://schemas.openxmlformats.org/drawingml/2006/main" xmlns:r="http://schemas.openxmlformats.org/officeDocument/2006/relationships" xmlns:p="http://schemas.openxmlformats.org/presentationml/2006/main">
+  <p:cSld>
+    <p:spTree>
+      <p:nvGrpSpPr>
+        <p:cNvPr id="1" name=""/>
+        <p:cNvGrpSpPr/>
+        <p:nvPr/>
+      </p:nvGrpSpPr>
+      <p:grpSpPr>
+        <a:xfrm>
+          <a:off x="0" y="0"/>
+          <a:ext cx="0" cy="0"/>
+          <a:chOff x="0" y="0"/>
+          <a:chExt cx="0" cy="0"/>
+        </a:xfrm>
+      </p:grpSpPr>
+      <p:sp>
+        <p:nvSpPr>
+          <p:cNvPr id="2" name="Titolo 1">
+            <a:extLst>
+              <a:ext uri="{FF2B5EF4-FFF2-40B4-BE49-F238E27FC236}">
+                <a16:creationId xmlns:a16="http://schemas.microsoft.com/office/drawing/2014/main" xmlns="" id="{5E77436D-7C69-4F75-AE6C-C21B6CBEEA16}"/>
+              </a:ext>
+            </a:extLst>
+          </p:cNvPr>
+          <p:cNvSpPr>
+            <a:spLocks noGrp="1"/>
+          </p:cNvSpPr>
+          <p:nvPr>
+            <p:ph type="title"/>
+          </p:nvPr>
+        </p:nvSpPr>
+        <p:spPr/>
+        <p:txBody>
+          <a:bodyPr/>
+          <a:lstStyle/>
+          <a:p>
+            <a:r>
+              <a:rPr lang="it-IT" dirty="0">
+                <a:latin typeface="Times New Roman" panose="02020603050405020304" pitchFamily="18" charset="0"/>
+                <a:cs typeface="Times New Roman" panose="02020603050405020304" pitchFamily="18" charset="0"/>
+              </a:rPr>
+              <a:t>Usare </a:t>
+            </a:r>
+            <a:r>
+              <a:rPr lang="it-IT" dirty="0" err="1">
+                <a:latin typeface="Times New Roman" panose="02020603050405020304" pitchFamily="18" charset="0"/>
+                <a:cs typeface="Times New Roman" panose="02020603050405020304" pitchFamily="18" charset="0"/>
+              </a:rPr>
+              <a:t>Vector</a:t>
+            </a:r>
+            <a:r>
+              <a:rPr lang="it-IT" dirty="0">
+                <a:latin typeface="Times New Roman" panose="02020603050405020304" pitchFamily="18" charset="0"/>
+                <a:cs typeface="Times New Roman" panose="02020603050405020304" pitchFamily="18" charset="0"/>
+              </a:rPr>
+              <a:t> Asset su Android Studio (3)</a:t>
+            </a:r>
+          </a:p>
+        </p:txBody>
+      </p:sp>
+      <p:pic>
+        <p:nvPicPr>
+          <p:cNvPr id="6" name="Segnaposto contenuto 5">
+            <a:extLst>
+              <a:ext uri="{FF2B5EF4-FFF2-40B4-BE49-F238E27FC236}">
+                <a16:creationId xmlns:a16="http://schemas.microsoft.com/office/drawing/2014/main" xmlns="" id="{61510913-41E3-435E-A44C-417D65A7502B}"/>
+              </a:ext>
+            </a:extLst>
+          </p:cNvPr>
+          <p:cNvPicPr>
+            <a:picLocks noGrp="1" noChangeAspect="1"/>
+          </p:cNvPicPr>
+          <p:nvPr>
+            <p:ph idx="1"/>
+          </p:nvPr>
+        </p:nvPicPr>
+        <p:blipFill rotWithShape="1">
+          <a:blip r:embed="rId2" cstate="print">
+            <a:extLst>
+              <a:ext uri="{28A0092B-C50C-407E-A947-70E740481C1C}">
+                <a14:useLocalDpi xmlns:a14="http://schemas.microsoft.com/office/drawing/2010/main" xmlns="" val="0"/>
               </a:ext>
             </a:extLst>
           </a:blip>
@@ -6061,7 +6211,7 @@
           <p:cNvPr id="7" name="CasellaDiTesto 6">
             <a:extLst>
               <a:ext uri="{FF2B5EF4-FFF2-40B4-BE49-F238E27FC236}">
-                <a16:creationId xmlns:a16="http://schemas.microsoft.com/office/drawing/2014/main" id="{465CF0FE-A526-4DBE-87C9-B123009D9FC8}"/>
+                <a16:creationId xmlns:a16="http://schemas.microsoft.com/office/drawing/2014/main" xmlns="" id="{465CF0FE-A526-4DBE-87C9-B123009D9FC8}"/>
               </a:ext>
             </a:extLst>
           </p:cNvPr>
@@ -6149,7 +6299,7 @@
     </p:spTree>
     <p:extLst>
       <p:ext uri="{BB962C8B-B14F-4D97-AF65-F5344CB8AC3E}">
-        <p14:creationId xmlns:p14="http://schemas.microsoft.com/office/powerpoint/2010/main" val="827250896"/>
+        <p14:creationId xmlns:p14="http://schemas.microsoft.com/office/powerpoint/2010/main" xmlns="" val="827250896"/>
       </p:ext>
     </p:extLst>
   </p:cSld>
@@ -6189,7 +6339,7 @@
           <p:cNvPr id="4" name="Titolo 3">
             <a:extLst>
               <a:ext uri="{FF2B5EF4-FFF2-40B4-BE49-F238E27FC236}">
-                <a16:creationId xmlns:a16="http://schemas.microsoft.com/office/drawing/2014/main" id="{6042F595-4D4D-4185-86A7-CBC567109825}"/>
+                <a16:creationId xmlns:a16="http://schemas.microsoft.com/office/drawing/2014/main" xmlns="" id="{6042F595-4D4D-4185-86A7-CBC567109825}"/>
               </a:ext>
             </a:extLst>
           </p:cNvPr>
@@ -6207,21 +6357,18 @@
           <a:p>
             <a:r>
               <a:rPr lang="it-IT" dirty="0">
-                <a:latin typeface="Times New Roman" panose="02020603050405020304" pitchFamily="18" charset="0"/>
                 <a:cs typeface="Times New Roman" panose="02020603050405020304" pitchFamily="18" charset="0"/>
               </a:rPr>
               <a:t>Cos’è </a:t>
             </a:r>
             <a:r>
               <a:rPr lang="it-IT" dirty="0" err="1">
-                <a:latin typeface="Times New Roman" panose="02020603050405020304" pitchFamily="18" charset="0"/>
                 <a:cs typeface="Times New Roman" panose="02020603050405020304" pitchFamily="18" charset="0"/>
               </a:rPr>
               <a:t>Vector</a:t>
             </a:r>
             <a:r>
               <a:rPr lang="it-IT" dirty="0">
-                <a:latin typeface="Times New Roman" panose="02020603050405020304" pitchFamily="18" charset="0"/>
                 <a:cs typeface="Times New Roman" panose="02020603050405020304" pitchFamily="18" charset="0"/>
               </a:rPr>
               <a:t> Asset Studio?</a:t>
@@ -6234,7 +6381,7 @@
           <p:cNvPr id="7" name="Segnaposto contenuto 6">
             <a:extLst>
               <a:ext uri="{FF2B5EF4-FFF2-40B4-BE49-F238E27FC236}">
-                <a16:creationId xmlns:a16="http://schemas.microsoft.com/office/drawing/2014/main" id="{7869F837-450C-4E6A-A262-9F07239CD2B8}"/>
+                <a16:creationId xmlns:a16="http://schemas.microsoft.com/office/drawing/2014/main" xmlns="" id="{7869F837-450C-4E6A-A262-9F07239CD2B8}"/>
               </a:ext>
             </a:extLst>
           </p:cNvPr>
@@ -6347,7 +6494,7 @@
     </p:spTree>
     <p:extLst>
       <p:ext uri="{BB962C8B-B14F-4D97-AF65-F5344CB8AC3E}">
-        <p14:creationId xmlns:p14="http://schemas.microsoft.com/office/powerpoint/2010/main" val="183243182"/>
+        <p14:creationId xmlns:p14="http://schemas.microsoft.com/office/powerpoint/2010/main" xmlns="" val="183243182"/>
       </p:ext>
     </p:extLst>
   </p:cSld>
@@ -6379,7 +6526,7 @@
           <p:cNvPr id="2" name="Titolo 1">
             <a:extLst>
               <a:ext uri="{FF2B5EF4-FFF2-40B4-BE49-F238E27FC236}">
-                <a16:creationId xmlns:a16="http://schemas.microsoft.com/office/drawing/2014/main" id="{353D50A2-DC09-42B6-89B9-3753B89C9AC8}"/>
+                <a16:creationId xmlns:a16="http://schemas.microsoft.com/office/drawing/2014/main" xmlns="" id="{353D50A2-DC09-42B6-89B9-3753B89C9AC8}"/>
               </a:ext>
             </a:extLst>
           </p:cNvPr>
@@ -6397,21 +6544,18 @@
           <a:p>
             <a:r>
               <a:rPr lang="it-IT" dirty="0">
-                <a:latin typeface="Times New Roman" panose="02020603050405020304" pitchFamily="18" charset="0"/>
                 <a:cs typeface="Times New Roman" panose="02020603050405020304" pitchFamily="18" charset="0"/>
               </a:rPr>
               <a:t>Immagine </a:t>
             </a:r>
             <a:r>
               <a:rPr lang="it-IT" dirty="0" err="1">
-                <a:latin typeface="Times New Roman" panose="02020603050405020304" pitchFamily="18" charset="0"/>
                 <a:cs typeface="Times New Roman" panose="02020603050405020304" pitchFamily="18" charset="0"/>
               </a:rPr>
               <a:t>Raster</a:t>
             </a:r>
             <a:r>
               <a:rPr lang="it-IT" dirty="0">
-                <a:latin typeface="Times New Roman" panose="02020603050405020304" pitchFamily="18" charset="0"/>
                 <a:cs typeface="Times New Roman" panose="02020603050405020304" pitchFamily="18" charset="0"/>
               </a:rPr>
               <a:t> o Bitmap</a:t>
@@ -6424,7 +6568,7 @@
           <p:cNvPr id="3" name="Segnaposto contenuto 2">
             <a:extLst>
               <a:ext uri="{FF2B5EF4-FFF2-40B4-BE49-F238E27FC236}">
-                <a16:creationId xmlns:a16="http://schemas.microsoft.com/office/drawing/2014/main" id="{F7BF9498-2030-41D6-B346-7142A4149882}"/>
+                <a16:creationId xmlns:a16="http://schemas.microsoft.com/office/drawing/2014/main" xmlns="" id="{F7BF9498-2030-41D6-B346-7142A4149882}"/>
               </a:ext>
             </a:extLst>
           </p:cNvPr>
@@ -6473,7 +6617,7 @@
     </p:spTree>
     <p:extLst>
       <p:ext uri="{BB962C8B-B14F-4D97-AF65-F5344CB8AC3E}">
-        <p14:creationId xmlns:p14="http://schemas.microsoft.com/office/powerpoint/2010/main" val="237379470"/>
+        <p14:creationId xmlns:p14="http://schemas.microsoft.com/office/powerpoint/2010/main" xmlns="" val="237379470"/>
       </p:ext>
     </p:extLst>
   </p:cSld>
@@ -6505,7 +6649,7 @@
           <p:cNvPr id="2" name="Titolo 1">
             <a:extLst>
               <a:ext uri="{FF2B5EF4-FFF2-40B4-BE49-F238E27FC236}">
-                <a16:creationId xmlns:a16="http://schemas.microsoft.com/office/drawing/2014/main" id="{E220F6AF-1752-43FE-8D9A-A6757A9BC433}"/>
+                <a16:creationId xmlns:a16="http://schemas.microsoft.com/office/drawing/2014/main" xmlns="" id="{E220F6AF-1752-43FE-8D9A-A6757A9BC433}"/>
               </a:ext>
             </a:extLst>
           </p:cNvPr>
@@ -6523,7 +6667,6 @@
           <a:p>
             <a:r>
               <a:rPr lang="it-IT" dirty="0">
-                <a:latin typeface="Times New Roman" panose="02020603050405020304" pitchFamily="18" charset="0"/>
                 <a:cs typeface="Times New Roman" panose="02020603050405020304" pitchFamily="18" charset="0"/>
               </a:rPr>
               <a:t>Immagine Vettoriale</a:t>
@@ -6536,7 +6679,7 @@
           <p:cNvPr id="3" name="Segnaposto contenuto 2">
             <a:extLst>
               <a:ext uri="{FF2B5EF4-FFF2-40B4-BE49-F238E27FC236}">
-                <a16:creationId xmlns:a16="http://schemas.microsoft.com/office/drawing/2014/main" id="{5B6073A4-E04E-4386-BCB8-4F4D1730C4CE}"/>
+                <a16:creationId xmlns:a16="http://schemas.microsoft.com/office/drawing/2014/main" xmlns="" id="{5B6073A4-E04E-4386-BCB8-4F4D1730C4CE}"/>
               </a:ext>
             </a:extLst>
           </p:cNvPr>
@@ -6585,7 +6728,7 @@
     </p:spTree>
     <p:extLst>
       <p:ext uri="{BB962C8B-B14F-4D97-AF65-F5344CB8AC3E}">
-        <p14:creationId xmlns:p14="http://schemas.microsoft.com/office/powerpoint/2010/main" val="28250"/>
+        <p14:creationId xmlns:p14="http://schemas.microsoft.com/office/powerpoint/2010/main" xmlns="" val="28250"/>
       </p:ext>
     </p:extLst>
   </p:cSld>
@@ -6617,7 +6760,7 @@
           <p:cNvPr id="2" name="Titolo 1">
             <a:extLst>
               <a:ext uri="{FF2B5EF4-FFF2-40B4-BE49-F238E27FC236}">
-                <a16:creationId xmlns:a16="http://schemas.microsoft.com/office/drawing/2014/main" id="{1649DCAD-FA38-436C-B106-A235F4692CCA}"/>
+                <a16:creationId xmlns:a16="http://schemas.microsoft.com/office/drawing/2014/main" xmlns="" id="{1649DCAD-FA38-436C-B106-A235F4692CCA}"/>
               </a:ext>
             </a:extLst>
           </p:cNvPr>
@@ -6645,7 +6788,7 @@
           <p:cNvPr id="3" name="Segnaposto contenuto 2">
             <a:extLst>
               <a:ext uri="{FF2B5EF4-FFF2-40B4-BE49-F238E27FC236}">
-                <a16:creationId xmlns:a16="http://schemas.microsoft.com/office/drawing/2014/main" id="{AE9CA38E-DEB8-4B3C-A7EF-B065EE73E1B7}"/>
+                <a16:creationId xmlns:a16="http://schemas.microsoft.com/office/drawing/2014/main" xmlns="" id="{AE9CA38E-DEB8-4B3C-A7EF-B065EE73E1B7}"/>
               </a:ext>
             </a:extLst>
           </p:cNvPr>
@@ -6659,7 +6802,7 @@
         <p:spPr/>
         <p:txBody>
           <a:bodyPr>
-            <a:normAutofit lnSpcReduction="10000"/>
+            <a:normAutofit/>
           </a:bodyPr>
           <a:lstStyle/>
           <a:p>
@@ -6717,7 +6860,28 @@
                 <a:latin typeface="Times New Roman" panose="02020603050405020304" pitchFamily="18" charset="0"/>
                 <a:cs typeface="Times New Roman" panose="02020603050405020304" pitchFamily="18" charset="0"/>
               </a:rPr>
-              <a:t>Lo svantaggio è che hanno una dimensione e risoluzione propria quindi, nel momento in cui vengono ingrandite oltre le loro dimensioni originali, subiscono perdite di dettagli e appaiono sgranate o dentellate (Effetto </a:t>
+              <a:t>Lo svantaggio </a:t>
+            </a:r>
+            <a:r>
+              <a:rPr lang="it-IT" sz="2800">
+                <a:latin typeface="Times New Roman" panose="02020603050405020304" pitchFamily="18" charset="0"/>
+                <a:cs typeface="Times New Roman" panose="02020603050405020304" pitchFamily="18" charset="0"/>
+              </a:rPr>
+              <a:t>è </a:t>
+            </a:r>
+            <a:r>
+              <a:rPr lang="it-IT" sz="2800" smtClean="0">
+                <a:latin typeface="Times New Roman" panose="02020603050405020304" pitchFamily="18" charset="0"/>
+                <a:cs typeface="Times New Roman" panose="02020603050405020304" pitchFamily="18" charset="0"/>
+              </a:rPr>
+              <a:t>che nel </a:t>
+            </a:r>
+            <a:r>
+              <a:rPr lang="it-IT" sz="2800" dirty="0">
+                <a:latin typeface="Times New Roman" panose="02020603050405020304" pitchFamily="18" charset="0"/>
+                <a:cs typeface="Times New Roman" panose="02020603050405020304" pitchFamily="18" charset="0"/>
+              </a:rPr>
+              <a:t>momento in cui vengono ingrandite oltre le loro dimensioni originali, subiscono perdite di dettagli e appaiono sgranate o dentellate (Effetto </a:t>
             </a:r>
             <a:r>
               <a:rPr lang="it-IT" sz="2800" dirty="0" err="1">
@@ -6745,7 +6909,7 @@
     </p:spTree>
     <p:extLst>
       <p:ext uri="{BB962C8B-B14F-4D97-AF65-F5344CB8AC3E}">
-        <p14:creationId xmlns:p14="http://schemas.microsoft.com/office/powerpoint/2010/main" val="1909592427"/>
+        <p14:creationId xmlns:p14="http://schemas.microsoft.com/office/powerpoint/2010/main" xmlns="" val="1909592427"/>
       </p:ext>
     </p:extLst>
   </p:cSld>
@@ -6777,7 +6941,7 @@
           <p:cNvPr id="2" name="Titolo 1">
             <a:extLst>
               <a:ext uri="{FF2B5EF4-FFF2-40B4-BE49-F238E27FC236}">
-                <a16:creationId xmlns:a16="http://schemas.microsoft.com/office/drawing/2014/main" id="{DB6E8F6D-14C5-4FD7-BE1E-94F2CEBBD047}"/>
+                <a16:creationId xmlns:a16="http://schemas.microsoft.com/office/drawing/2014/main" xmlns="" id="{DB6E8F6D-14C5-4FD7-BE1E-94F2CEBBD047}"/>
               </a:ext>
             </a:extLst>
           </p:cNvPr>
@@ -6805,7 +6969,7 @@
           <p:cNvPr id="3" name="Segnaposto contenuto 2">
             <a:extLst>
               <a:ext uri="{FF2B5EF4-FFF2-40B4-BE49-F238E27FC236}">
-                <a16:creationId xmlns:a16="http://schemas.microsoft.com/office/drawing/2014/main" id="{7197C251-8208-4015-BFF1-537AC8FD5152}"/>
+                <a16:creationId xmlns:a16="http://schemas.microsoft.com/office/drawing/2014/main" xmlns="" id="{7197C251-8208-4015-BFF1-537AC8FD5152}"/>
               </a:ext>
             </a:extLst>
           </p:cNvPr>
@@ -6906,7 +7070,7 @@
     </p:spTree>
     <p:extLst>
       <p:ext uri="{BB962C8B-B14F-4D97-AF65-F5344CB8AC3E}">
-        <p14:creationId xmlns:p14="http://schemas.microsoft.com/office/powerpoint/2010/main" val="2542699001"/>
+        <p14:creationId xmlns:p14="http://schemas.microsoft.com/office/powerpoint/2010/main" xmlns="" val="2542699001"/>
       </p:ext>
     </p:extLst>
   </p:cSld>
@@ -6938,7 +7102,7 @@
           <p:cNvPr id="2" name="Titolo 1">
             <a:extLst>
               <a:ext uri="{FF2B5EF4-FFF2-40B4-BE49-F238E27FC236}">
-                <a16:creationId xmlns:a16="http://schemas.microsoft.com/office/drawing/2014/main" id="{3398F7C4-7514-4AE3-BC85-857C4736813B}"/>
+                <a16:creationId xmlns:a16="http://schemas.microsoft.com/office/drawing/2014/main" xmlns="" id="{3398F7C4-7514-4AE3-BC85-857C4736813B}"/>
               </a:ext>
             </a:extLst>
           </p:cNvPr>
@@ -6974,7 +7138,7 @@
           <p:cNvPr id="3" name="Segnaposto contenuto 2">
             <a:extLst>
               <a:ext uri="{FF2B5EF4-FFF2-40B4-BE49-F238E27FC236}">
-                <a16:creationId xmlns:a16="http://schemas.microsoft.com/office/drawing/2014/main" id="{9DBC0072-9DC3-4488-B012-6C28443F48FA}"/>
+                <a16:creationId xmlns:a16="http://schemas.microsoft.com/office/drawing/2014/main" xmlns="" id="{9DBC0072-9DC3-4488-B012-6C28443F48FA}"/>
               </a:ext>
             </a:extLst>
           </p:cNvPr>
@@ -6994,77 +7158,77 @@
               <a:buNone/>
             </a:pPr>
             <a:r>
-              <a:rPr lang="it-IT" sz="2800" dirty="0">
+              <a:rPr lang="it-IT" sz="2400" dirty="0">
                 <a:latin typeface="Times New Roman" panose="02020603050405020304" pitchFamily="18" charset="0"/>
                 <a:cs typeface="Times New Roman" panose="02020603050405020304" pitchFamily="18" charset="0"/>
               </a:rPr>
               <a:t>Android Studio include uno strumento chiamato </a:t>
             </a:r>
             <a:r>
-              <a:rPr lang="it-IT" sz="2800" dirty="0" err="1">
+              <a:rPr lang="it-IT" sz="2400" dirty="0" err="1">
                 <a:latin typeface="Times New Roman" panose="02020603050405020304" pitchFamily="18" charset="0"/>
                 <a:cs typeface="Times New Roman" panose="02020603050405020304" pitchFamily="18" charset="0"/>
               </a:rPr>
               <a:t>Vector</a:t>
             </a:r>
             <a:r>
-              <a:rPr lang="it-IT" sz="2800" dirty="0">
+              <a:rPr lang="it-IT" sz="2400" dirty="0">
                 <a:latin typeface="Times New Roman" panose="02020603050405020304" pitchFamily="18" charset="0"/>
                 <a:cs typeface="Times New Roman" panose="02020603050405020304" pitchFamily="18" charset="0"/>
               </a:rPr>
               <a:t> Asset Studio che serve ad aggiungere icone materiali e importare file SVG (Scalable </a:t>
             </a:r>
             <a:r>
-              <a:rPr lang="it-IT" sz="2800" dirty="0" err="1">
+              <a:rPr lang="it-IT" sz="2400" dirty="0" err="1">
                 <a:latin typeface="Times New Roman" panose="02020603050405020304" pitchFamily="18" charset="0"/>
                 <a:cs typeface="Times New Roman" panose="02020603050405020304" pitchFamily="18" charset="0"/>
               </a:rPr>
               <a:t>Vector</a:t>
             </a:r>
             <a:r>
-              <a:rPr lang="it-IT" sz="2800" dirty="0">
+              <a:rPr lang="it-IT" sz="2400" dirty="0">
                 <a:latin typeface="Times New Roman" panose="02020603050405020304" pitchFamily="18" charset="0"/>
                 <a:cs typeface="Times New Roman" panose="02020603050405020304" pitchFamily="18" charset="0"/>
               </a:rPr>
               <a:t> Graphic) e PSD (Photoshop </a:t>
             </a:r>
             <a:r>
-              <a:rPr lang="it-IT" sz="2800" dirty="0" err="1">
+              <a:rPr lang="it-IT" sz="2400" dirty="0" err="1">
                 <a:latin typeface="Times New Roman" panose="02020603050405020304" pitchFamily="18" charset="0"/>
                 <a:cs typeface="Times New Roman" panose="02020603050405020304" pitchFamily="18" charset="0"/>
               </a:rPr>
               <a:t>Document</a:t>
             </a:r>
             <a:r>
-              <a:rPr lang="it-IT" sz="2800" dirty="0">
+              <a:rPr lang="it-IT" sz="2400" dirty="0">
                 <a:latin typeface="Times New Roman" panose="02020603050405020304" pitchFamily="18" charset="0"/>
                 <a:cs typeface="Times New Roman" panose="02020603050405020304" pitchFamily="18" charset="0"/>
               </a:rPr>
               <a:t>) nel proprio progetto come risorse </a:t>
             </a:r>
             <a:r>
-              <a:rPr lang="it-IT" sz="2800" dirty="0" err="1">
+              <a:rPr lang="it-IT" sz="2400" dirty="0" err="1">
                 <a:latin typeface="Times New Roman" panose="02020603050405020304" pitchFamily="18" charset="0"/>
                 <a:cs typeface="Times New Roman" panose="02020603050405020304" pitchFamily="18" charset="0"/>
               </a:rPr>
               <a:t>vector</a:t>
             </a:r>
             <a:r>
-              <a:rPr lang="it-IT" sz="2800" dirty="0">
+              <a:rPr lang="it-IT" sz="2400" dirty="0">
                 <a:latin typeface="Times New Roman" panose="02020603050405020304" pitchFamily="18" charset="0"/>
                 <a:cs typeface="Times New Roman" panose="02020603050405020304" pitchFamily="18" charset="0"/>
               </a:rPr>
               <a:t> </a:t>
             </a:r>
             <a:r>
-              <a:rPr lang="it-IT" sz="2800" dirty="0" err="1">
+              <a:rPr lang="it-IT" sz="2400" dirty="0" err="1">
                 <a:latin typeface="Times New Roman" panose="02020603050405020304" pitchFamily="18" charset="0"/>
                 <a:cs typeface="Times New Roman" panose="02020603050405020304" pitchFamily="18" charset="0"/>
               </a:rPr>
               <a:t>drawables</a:t>
             </a:r>
             <a:r>
-              <a:rPr lang="it-IT" sz="2800" dirty="0">
+              <a:rPr lang="it-IT" sz="2400" dirty="0">
                 <a:latin typeface="Times New Roman" panose="02020603050405020304" pitchFamily="18" charset="0"/>
                 <a:cs typeface="Times New Roman" panose="02020603050405020304" pitchFamily="18" charset="0"/>
               </a:rPr>
@@ -7081,7 +7245,7 @@
           <p:cNvPr id="4" name="Segnaposto data 3">
             <a:extLst>
               <a:ext uri="{FF2B5EF4-FFF2-40B4-BE49-F238E27FC236}">
-                <a16:creationId xmlns:a16="http://schemas.microsoft.com/office/drawing/2014/main" id="{52341729-1279-416E-B91D-C28FD193F910}"/>
+                <a16:creationId xmlns:a16="http://schemas.microsoft.com/office/drawing/2014/main" xmlns="" id="{52341729-1279-416E-B91D-C28FD193F910}"/>
               </a:ext>
             </a:extLst>
           </p:cNvPr>
@@ -7100,7 +7264,8 @@
             <a:pPr rtl="0"/>
             <a:fld id="{85E0D28E-6F2F-4715-A424-3B01AC64AD4B}" type="datetime1">
               <a:rPr lang="it-IT" smtClean="0"/>
-              <a:t>18/05/2020</a:t>
+              <a:pPr rtl="0"/>
+              <a:t>21/05/2020</a:t>
             </a:fld>
             <a:endParaRPr lang="en-US"/>
           </a:p>
@@ -7109,7 +7274,7 @@
     </p:spTree>
     <p:extLst>
       <p:ext uri="{BB962C8B-B14F-4D97-AF65-F5344CB8AC3E}">
-        <p14:creationId xmlns:p14="http://schemas.microsoft.com/office/powerpoint/2010/main" val="3065832474"/>
+        <p14:creationId xmlns:p14="http://schemas.microsoft.com/office/powerpoint/2010/main" xmlns="" val="3065832474"/>
       </p:ext>
     </p:extLst>
   </p:cSld>
@@ -7141,7 +7306,7 @@
           <p:cNvPr id="2" name="Titolo 1">
             <a:extLst>
               <a:ext uri="{FF2B5EF4-FFF2-40B4-BE49-F238E27FC236}">
-                <a16:creationId xmlns:a16="http://schemas.microsoft.com/office/drawing/2014/main" id="{833E92F7-52A9-4816-8B4F-FF5856EEA76B}"/>
+                <a16:creationId xmlns:a16="http://schemas.microsoft.com/office/drawing/2014/main" xmlns="" id="{833E92F7-52A9-4816-8B4F-FF5856EEA76B}"/>
               </a:ext>
             </a:extLst>
           </p:cNvPr>
@@ -7161,7 +7326,6 @@
           <a:p>
             <a:r>
               <a:rPr lang="it-IT" dirty="0">
-                <a:latin typeface="Times New Roman" panose="02020603050405020304" pitchFamily="18" charset="0"/>
                 <a:cs typeface="Times New Roman" panose="02020603050405020304" pitchFamily="18" charset="0"/>
               </a:rPr>
               <a:t>Tipi di grafica vettoriale supportati</a:t>
@@ -7174,7 +7338,7 @@
           <p:cNvPr id="3" name="Segnaposto contenuto 2">
             <a:extLst>
               <a:ext uri="{FF2B5EF4-FFF2-40B4-BE49-F238E27FC236}">
-                <a16:creationId xmlns:a16="http://schemas.microsoft.com/office/drawing/2014/main" id="{C07759CF-19AE-4727-AFE3-6FB54EE58A26}"/>
+                <a16:creationId xmlns:a16="http://schemas.microsoft.com/office/drawing/2014/main" xmlns="" id="{C07759CF-19AE-4727-AFE3-6FB54EE58A26}"/>
               </a:ext>
             </a:extLst>
           </p:cNvPr>
@@ -7187,42 +7351,44 @@
         </p:nvSpPr>
         <p:spPr/>
         <p:txBody>
-          <a:bodyPr/>
+          <a:bodyPr>
+            <a:normAutofit fontScale="92500" lnSpcReduction="20000"/>
+          </a:bodyPr>
           <a:lstStyle/>
           <a:p>
             <a:pPr marL="0" indent="0">
               <a:buNone/>
             </a:pPr>
             <a:r>
-              <a:rPr lang="it-IT" sz="2000" dirty="0">
+              <a:rPr lang="it-IT" sz="2600" dirty="0">
                 <a:latin typeface="Times New Roman" panose="02020603050405020304" pitchFamily="18" charset="0"/>
                 <a:cs typeface="Times New Roman" panose="02020603050405020304" pitchFamily="18" charset="0"/>
               </a:rPr>
               <a:t>Google </a:t>
             </a:r>
             <a:r>
-              <a:rPr lang="it-IT" sz="2000" dirty="0" err="1">
+              <a:rPr lang="it-IT" sz="2600" dirty="0" err="1">
                 <a:latin typeface="Times New Roman" panose="02020603050405020304" pitchFamily="18" charset="0"/>
                 <a:cs typeface="Times New Roman" panose="02020603050405020304" pitchFamily="18" charset="0"/>
               </a:rPr>
               <a:t>Material</a:t>
             </a:r>
             <a:r>
-              <a:rPr lang="it-IT" sz="2000" dirty="0">
+              <a:rPr lang="it-IT" sz="2600" dirty="0">
                 <a:latin typeface="Times New Roman" panose="02020603050405020304" pitchFamily="18" charset="0"/>
                 <a:cs typeface="Times New Roman" panose="02020603050405020304" pitchFamily="18" charset="0"/>
               </a:rPr>
               <a:t> Design offre icone materiali che si possono usare nelle applicazioni Android. </a:t>
             </a:r>
             <a:r>
-              <a:rPr lang="it-IT" sz="2000" dirty="0" err="1">
+              <a:rPr lang="it-IT" sz="2600" dirty="0" err="1">
                 <a:latin typeface="Times New Roman" panose="02020603050405020304" pitchFamily="18" charset="0"/>
                 <a:cs typeface="Times New Roman" panose="02020603050405020304" pitchFamily="18" charset="0"/>
               </a:rPr>
               <a:t>Vector</a:t>
             </a:r>
             <a:r>
-              <a:rPr lang="it-IT" sz="2000" dirty="0">
+              <a:rPr lang="it-IT" sz="2600" dirty="0">
                 <a:latin typeface="Times New Roman" panose="02020603050405020304" pitchFamily="18" charset="0"/>
                 <a:cs typeface="Times New Roman" panose="02020603050405020304" pitchFamily="18" charset="0"/>
               </a:rPr>
@@ -7234,91 +7400,91 @@
               <a:buNone/>
             </a:pPr>
             <a:r>
-              <a:rPr lang="it-IT" sz="2000" dirty="0">
+              <a:rPr lang="it-IT" sz="2600" dirty="0">
                 <a:latin typeface="Times New Roman" panose="02020603050405020304" pitchFamily="18" charset="0"/>
                 <a:cs typeface="Times New Roman" panose="02020603050405020304" pitchFamily="18" charset="0"/>
               </a:rPr>
               <a:t>Con </a:t>
             </a:r>
             <a:r>
-              <a:rPr lang="it-IT" sz="2000" dirty="0" err="1">
+              <a:rPr lang="it-IT" sz="2600" dirty="0" err="1">
                 <a:latin typeface="Times New Roman" panose="02020603050405020304" pitchFamily="18" charset="0"/>
                 <a:cs typeface="Times New Roman" panose="02020603050405020304" pitchFamily="18" charset="0"/>
               </a:rPr>
               <a:t>Vector</a:t>
             </a:r>
             <a:r>
-              <a:rPr lang="it-IT" sz="2000" dirty="0">
+              <a:rPr lang="it-IT" sz="2600" dirty="0">
                 <a:latin typeface="Times New Roman" panose="02020603050405020304" pitchFamily="18" charset="0"/>
                 <a:cs typeface="Times New Roman" panose="02020603050405020304" pitchFamily="18" charset="0"/>
               </a:rPr>
               <a:t> Asset Studio, inoltre, l’utente può importare i propri file SVG e PSD, anche se non ne supporta tutti gli aspetti. Una volta scelto il file, </a:t>
             </a:r>
             <a:r>
-              <a:rPr lang="it-IT" sz="2000" dirty="0" err="1">
+              <a:rPr lang="it-IT" sz="2600" dirty="0" err="1">
                 <a:latin typeface="Times New Roman" panose="02020603050405020304" pitchFamily="18" charset="0"/>
                 <a:cs typeface="Times New Roman" panose="02020603050405020304" pitchFamily="18" charset="0"/>
               </a:rPr>
               <a:t>Vector</a:t>
             </a:r>
             <a:r>
-              <a:rPr lang="it-IT" sz="2000" dirty="0">
+              <a:rPr lang="it-IT" sz="2600" dirty="0">
                 <a:latin typeface="Times New Roman" panose="02020603050405020304" pitchFamily="18" charset="0"/>
                 <a:cs typeface="Times New Roman" panose="02020603050405020304" pitchFamily="18" charset="0"/>
               </a:rPr>
               <a:t> Asset Studio fornisce un feedback immediato se il codice grafico è supportato o no. Poi converte il file in un XML che contiene codice </a:t>
             </a:r>
             <a:r>
-              <a:rPr lang="it-IT" sz="2000" dirty="0" err="1">
-                <a:latin typeface="Times New Roman" panose="02020603050405020304" pitchFamily="18" charset="0"/>
-                <a:cs typeface="Times New Roman" panose="02020603050405020304" pitchFamily="18" charset="0"/>
+              <a:rPr lang="it-IT" sz="2600" dirty="0" err="1">
+                <a:latin typeface="Courier New" pitchFamily="49" charset="0"/>
+                <a:cs typeface="Courier New" pitchFamily="49" charset="0"/>
               </a:rPr>
               <a:t>VectorDrawable</a:t>
             </a:r>
             <a:r>
-              <a:rPr lang="it-IT" sz="2000" dirty="0">
+              <a:rPr lang="it-IT" sz="2600" dirty="0">
                 <a:latin typeface="Times New Roman" panose="02020603050405020304" pitchFamily="18" charset="0"/>
                 <a:cs typeface="Times New Roman" panose="02020603050405020304" pitchFamily="18" charset="0"/>
               </a:rPr>
               <a:t>. Per versioni Android 5.0 (API </a:t>
             </a:r>
             <a:r>
-              <a:rPr lang="it-IT" sz="2000" dirty="0" err="1">
+              <a:rPr lang="it-IT" sz="2600" dirty="0" err="1">
                 <a:latin typeface="Times New Roman" panose="02020603050405020304" pitchFamily="18" charset="0"/>
                 <a:cs typeface="Times New Roman" panose="02020603050405020304" pitchFamily="18" charset="0"/>
               </a:rPr>
               <a:t>level</a:t>
             </a:r>
             <a:r>
-              <a:rPr lang="it-IT" sz="2000" dirty="0">
+              <a:rPr lang="it-IT" sz="2600" dirty="0">
                 <a:latin typeface="Times New Roman" panose="02020603050405020304" pitchFamily="18" charset="0"/>
                 <a:cs typeface="Times New Roman" panose="02020603050405020304" pitchFamily="18" charset="0"/>
               </a:rPr>
               <a:t> 21) e più recenti, si può usare la classe </a:t>
             </a:r>
             <a:r>
-              <a:rPr lang="it-IT" sz="2000" dirty="0" err="1">
-                <a:latin typeface="Times New Roman" panose="02020603050405020304" pitchFamily="18" charset="0"/>
-                <a:cs typeface="Times New Roman" panose="02020603050405020304" pitchFamily="18" charset="0"/>
+              <a:rPr lang="it-IT" sz="2600" dirty="0" err="1">
+                <a:latin typeface="Courier New" pitchFamily="49" charset="0"/>
+                <a:cs typeface="Courier New" pitchFamily="49" charset="0"/>
               </a:rPr>
               <a:t>AnimatedVectorDrawable</a:t>
             </a:r>
             <a:r>
-              <a:rPr lang="it-IT" sz="2000" dirty="0">
+              <a:rPr lang="it-IT" sz="2600" dirty="0">
                 <a:latin typeface="Times New Roman" panose="02020603050405020304" pitchFamily="18" charset="0"/>
                 <a:cs typeface="Times New Roman" panose="02020603050405020304" pitchFamily="18" charset="0"/>
               </a:rPr>
               <a:t> per, appunto, animare le proprietà della classe </a:t>
             </a:r>
             <a:r>
-              <a:rPr lang="it-IT" sz="2000" dirty="0" err="1">
-                <a:latin typeface="Times New Roman" panose="02020603050405020304" pitchFamily="18" charset="0"/>
-                <a:cs typeface="Times New Roman" panose="02020603050405020304" pitchFamily="18" charset="0"/>
+              <a:rPr lang="it-IT" sz="2600" dirty="0" err="1">
+                <a:latin typeface="Courier New" pitchFamily="49" charset="0"/>
+                <a:cs typeface="Courier New" pitchFamily="49" charset="0"/>
               </a:rPr>
               <a:t>VectorDrawable</a:t>
             </a:r>
             <a:r>
-              <a:rPr lang="it-IT" sz="2000" dirty="0">
+              <a:rPr lang="it-IT" sz="2600" dirty="0">
                 <a:latin typeface="Times New Roman" panose="02020603050405020304" pitchFamily="18" charset="0"/>
                 <a:cs typeface="Times New Roman" panose="02020603050405020304" pitchFamily="18" charset="0"/>
               </a:rPr>
@@ -7335,7 +7501,7 @@
           <p:cNvPr id="4" name="Segnaposto data 3">
             <a:extLst>
               <a:ext uri="{FF2B5EF4-FFF2-40B4-BE49-F238E27FC236}">
-                <a16:creationId xmlns:a16="http://schemas.microsoft.com/office/drawing/2014/main" id="{9F73E2D9-1246-4573-B0FE-02611677EC5D}"/>
+                <a16:creationId xmlns:a16="http://schemas.microsoft.com/office/drawing/2014/main" xmlns="" id="{9F73E2D9-1246-4573-B0FE-02611677EC5D}"/>
               </a:ext>
             </a:extLst>
           </p:cNvPr>
@@ -7354,7 +7520,8 @@
             <a:pPr rtl="0"/>
             <a:fld id="{85E0D28E-6F2F-4715-A424-3B01AC64AD4B}" type="datetime1">
               <a:rPr lang="it-IT" smtClean="0"/>
-              <a:t>18/05/2020</a:t>
+              <a:pPr rtl="0"/>
+              <a:t>21/05/2020</a:t>
             </a:fld>
             <a:endParaRPr lang="en-US"/>
           </a:p>
@@ -7363,7 +7530,7 @@
     </p:spTree>
     <p:extLst>
       <p:ext uri="{BB962C8B-B14F-4D97-AF65-F5344CB8AC3E}">
-        <p14:creationId xmlns:p14="http://schemas.microsoft.com/office/powerpoint/2010/main" val="2328969674"/>
+        <p14:creationId xmlns:p14="http://schemas.microsoft.com/office/powerpoint/2010/main" xmlns="" val="2328969674"/>
       </p:ext>
     </p:extLst>
   </p:cSld>
@@ -7395,7 +7562,7 @@
           <p:cNvPr id="2" name="Titolo 1">
             <a:extLst>
               <a:ext uri="{FF2B5EF4-FFF2-40B4-BE49-F238E27FC236}">
-                <a16:creationId xmlns:a16="http://schemas.microsoft.com/office/drawing/2014/main" id="{08E9130B-3DA2-4409-B4FB-4ED5F7053F10}"/>
+                <a16:creationId xmlns:a16="http://schemas.microsoft.com/office/drawing/2014/main" xmlns="" id="{08E9130B-3DA2-4409-B4FB-4ED5F7053F10}"/>
               </a:ext>
             </a:extLst>
           </p:cNvPr>
@@ -7415,21 +7582,18 @@
           <a:p>
             <a:r>
               <a:rPr lang="it-IT" dirty="0">
-                <a:latin typeface="Times New Roman" panose="02020603050405020304" pitchFamily="18" charset="0"/>
                 <a:cs typeface="Times New Roman" panose="02020603050405020304" pitchFamily="18" charset="0"/>
               </a:rPr>
               <a:t>Compatibilità di </a:t>
             </a:r>
             <a:r>
               <a:rPr lang="it-IT" dirty="0" err="1">
-                <a:latin typeface="Times New Roman" panose="02020603050405020304" pitchFamily="18" charset="0"/>
                 <a:cs typeface="Times New Roman" panose="02020603050405020304" pitchFamily="18" charset="0"/>
               </a:rPr>
               <a:t>Vector</a:t>
             </a:r>
             <a:r>
               <a:rPr lang="it-IT" dirty="0">
-                <a:latin typeface="Times New Roman" panose="02020603050405020304" pitchFamily="18" charset="0"/>
                 <a:cs typeface="Times New Roman" panose="02020603050405020304" pitchFamily="18" charset="0"/>
               </a:rPr>
               <a:t> Asset Studio</a:t>
@@ -7442,7 +7606,7 @@
           <p:cNvPr id="3" name="Segnaposto contenuto 2">
             <a:extLst>
               <a:ext uri="{FF2B5EF4-FFF2-40B4-BE49-F238E27FC236}">
-                <a16:creationId xmlns:a16="http://schemas.microsoft.com/office/drawing/2014/main" id="{72B4423A-4DCE-4192-89A0-E056AA2241FF}"/>
+                <a16:creationId xmlns:a16="http://schemas.microsoft.com/office/drawing/2014/main" xmlns="" id="{72B4423A-4DCE-4192-89A0-E056AA2241FF}"/>
               </a:ext>
             </a:extLst>
           </p:cNvPr>
@@ -7464,21 +7628,21 @@
               <a:buNone/>
             </a:pPr>
             <a:r>
-              <a:rPr lang="it-IT" sz="1800" dirty="0">
+              <a:rPr lang="it-IT" sz="2400" dirty="0">
                 <a:latin typeface="Times New Roman" panose="02020603050405020304" pitchFamily="18" charset="0"/>
                 <a:cs typeface="Times New Roman" panose="02020603050405020304" pitchFamily="18" charset="0"/>
               </a:rPr>
               <a:t>Se l’app ha come target versioni Lollipop o più recenti, tutta l’API </a:t>
             </a:r>
             <a:r>
-              <a:rPr lang="it-IT" sz="1800" dirty="0" err="1">
+              <a:rPr lang="it-IT" sz="2400" dirty="0" err="1">
                 <a:latin typeface="Times New Roman" panose="02020603050405020304" pitchFamily="18" charset="0"/>
                 <a:cs typeface="Times New Roman" panose="02020603050405020304" pitchFamily="18" charset="0"/>
               </a:rPr>
               <a:t>spec</a:t>
             </a:r>
             <a:r>
-              <a:rPr lang="it-IT" sz="1800" dirty="0">
+              <a:rPr lang="it-IT" sz="2400" dirty="0">
                 <a:latin typeface="Times New Roman" panose="02020603050405020304" pitchFamily="18" charset="0"/>
                 <a:cs typeface="Times New Roman" panose="02020603050405020304" pitchFamily="18" charset="0"/>
               </a:rPr>
@@ -7490,21 +7654,21 @@
               <a:buNone/>
             </a:pPr>
             <a:r>
-              <a:rPr lang="it-IT" sz="1800" dirty="0">
+              <a:rPr lang="it-IT" sz="2400" dirty="0">
                 <a:latin typeface="Times New Roman" panose="02020603050405020304" pitchFamily="18" charset="0"/>
                 <a:cs typeface="Times New Roman" panose="02020603050405020304" pitchFamily="18" charset="0"/>
               </a:rPr>
               <a:t>Se la versione di </a:t>
             </a:r>
             <a:r>
-              <a:rPr lang="it-IT" sz="1800" dirty="0" err="1">
+              <a:rPr lang="it-IT" sz="2400" dirty="0" err="1">
                 <a:latin typeface="Times New Roman" panose="02020603050405020304" pitchFamily="18" charset="0"/>
                 <a:cs typeface="Times New Roman" panose="02020603050405020304" pitchFamily="18" charset="0"/>
               </a:rPr>
               <a:t>sdk</a:t>
             </a:r>
             <a:r>
-              <a:rPr lang="it-IT" sz="1800" dirty="0">
+              <a:rPr lang="it-IT" sz="2400" dirty="0">
                 <a:latin typeface="Times New Roman" panose="02020603050405020304" pitchFamily="18" charset="0"/>
                 <a:cs typeface="Times New Roman" panose="02020603050405020304" pitchFamily="18" charset="0"/>
               </a:rPr>
@@ -7513,21 +7677,21 @@
           </a:p>
           <a:p>
             <a:r>
-              <a:rPr lang="it-IT" sz="1800" dirty="0">
+              <a:rPr lang="it-IT" sz="2400" dirty="0">
                 <a:latin typeface="Times New Roman" panose="02020603050405020304" pitchFamily="18" charset="0"/>
                 <a:cs typeface="Times New Roman" panose="02020603050405020304" pitchFamily="18" charset="0"/>
               </a:rPr>
               <a:t>I tag &lt;group&gt; e &lt;clip-</a:t>
             </a:r>
             <a:r>
-              <a:rPr lang="it-IT" sz="1800" dirty="0" err="1">
+              <a:rPr lang="it-IT" sz="2400" dirty="0" err="1">
                 <a:latin typeface="Times New Roman" panose="02020603050405020304" pitchFamily="18" charset="0"/>
                 <a:cs typeface="Times New Roman" panose="02020603050405020304" pitchFamily="18" charset="0"/>
               </a:rPr>
               <a:t>path</a:t>
             </a:r>
             <a:r>
-              <a:rPr lang="it-IT" sz="1800" dirty="0">
+              <a:rPr lang="it-IT" sz="2400" dirty="0">
                 <a:latin typeface="Times New Roman" panose="02020603050405020304" pitchFamily="18" charset="0"/>
                 <a:cs typeface="Times New Roman" panose="02020603050405020304" pitchFamily="18" charset="0"/>
               </a:rPr>
@@ -7536,234 +7700,127 @@
           </a:p>
           <a:p>
             <a:r>
-              <a:rPr lang="it-IT" sz="1800" dirty="0">
+              <a:rPr lang="it-IT" sz="2400" dirty="0">
                 <a:latin typeface="Times New Roman" panose="02020603050405020304" pitchFamily="18" charset="0"/>
                 <a:cs typeface="Times New Roman" panose="02020603050405020304" pitchFamily="18" charset="0"/>
               </a:rPr>
               <a:t>Posso avere solo file png statici: nel file SML del </a:t>
             </a:r>
             <a:r>
-              <a:rPr lang="it-IT" sz="1800" dirty="0" err="1">
+              <a:rPr lang="it-IT" sz="2400" dirty="0" err="1">
                 <a:latin typeface="Times New Roman" panose="02020603050405020304" pitchFamily="18" charset="0"/>
                 <a:cs typeface="Times New Roman" panose="02020603050405020304" pitchFamily="18" charset="0"/>
               </a:rPr>
               <a:t>vector</a:t>
             </a:r>
             <a:r>
-              <a:rPr lang="it-IT" sz="1800" dirty="0">
+              <a:rPr lang="it-IT" sz="2400" dirty="0">
                 <a:latin typeface="Times New Roman" panose="02020603050405020304" pitchFamily="18" charset="0"/>
                 <a:cs typeface="Times New Roman" panose="02020603050405020304" pitchFamily="18" charset="0"/>
               </a:rPr>
               <a:t> </a:t>
             </a:r>
             <a:r>
-              <a:rPr lang="it-IT" sz="1800" dirty="0" err="1">
+              <a:rPr lang="it-IT" sz="2400" dirty="0" err="1">
                 <a:latin typeface="Times New Roman" panose="02020603050405020304" pitchFamily="18" charset="0"/>
                 <a:cs typeface="Times New Roman" panose="02020603050405020304" pitchFamily="18" charset="0"/>
               </a:rPr>
               <a:t>drawable</a:t>
             </a:r>
             <a:r>
-              <a:rPr lang="it-IT" sz="1800" dirty="0">
+              <a:rPr lang="it-IT" sz="2400" dirty="0">
                 <a:latin typeface="Times New Roman" panose="02020603050405020304" pitchFamily="18" charset="0"/>
                 <a:cs typeface="Times New Roman" panose="02020603050405020304" pitchFamily="18" charset="0"/>
               </a:rPr>
               <a:t> non supporto attributi dinamici (</a:t>
             </a:r>
             <a:r>
-              <a:rPr lang="it-IT" sz="1800" dirty="0" err="1">
+              <a:rPr lang="it-IT" sz="2400" dirty="0" err="1">
                 <a:latin typeface="Times New Roman" panose="02020603050405020304" pitchFamily="18" charset="0"/>
                 <a:cs typeface="Times New Roman" panose="02020603050405020304" pitchFamily="18" charset="0"/>
               </a:rPr>
               <a:t>theming</a:t>
             </a:r>
             <a:r>
-              <a:rPr lang="it-IT" sz="1800" dirty="0">
-                <a:latin typeface="Times New Roman" panose="02020603050405020304" pitchFamily="18" charset="0"/>
-                <a:cs typeface="Times New Roman" panose="02020603050405020304" pitchFamily="18" charset="0"/>
-              </a:rPr>
-              <a:t>, auto mirroring..).</a:t>
-            </a:r>
-          </a:p>
-          <a:p>
-            <a:r>
-              <a:rPr lang="it-IT" sz="1800" dirty="0">
+              <a:rPr lang="it-IT" sz="2400" dirty="0">
+                <a:latin typeface="Times New Roman" panose="02020603050405020304" pitchFamily="18" charset="0"/>
+                <a:cs typeface="Times New Roman" panose="02020603050405020304" pitchFamily="18" charset="0"/>
+              </a:rPr>
+              <a:t>, </a:t>
+            </a:r>
+            <a:r>
+              <a:rPr lang="it-IT" sz="2400">
+                <a:latin typeface="Times New Roman" panose="02020603050405020304" pitchFamily="18" charset="0"/>
+                <a:cs typeface="Times New Roman" panose="02020603050405020304" pitchFamily="18" charset="0"/>
+              </a:rPr>
+              <a:t>auto </a:t>
+            </a:r>
+            <a:r>
+              <a:rPr lang="it-IT" sz="2400" smtClean="0">
+                <a:latin typeface="Times New Roman" panose="02020603050405020304" pitchFamily="18" charset="0"/>
+                <a:cs typeface="Times New Roman" panose="02020603050405020304" pitchFamily="18" charset="0"/>
+              </a:rPr>
+              <a:t>mirroring…).</a:t>
+            </a:r>
+            <a:endParaRPr lang="it-IT" sz="2400" dirty="0">
+              <a:latin typeface="Times New Roman" panose="02020603050405020304" pitchFamily="18" charset="0"/>
+              <a:cs typeface="Times New Roman" panose="02020603050405020304" pitchFamily="18" charset="0"/>
+            </a:endParaRPr>
+          </a:p>
+          <a:p>
+            <a:r>
+              <a:rPr lang="it-IT" sz="2400" dirty="0">
                 <a:latin typeface="Times New Roman" panose="02020603050405020304" pitchFamily="18" charset="0"/>
                 <a:cs typeface="Times New Roman" panose="02020603050405020304" pitchFamily="18" charset="0"/>
               </a:rPr>
               <a:t>Non sono supportate le </a:t>
             </a:r>
             <a:r>
-              <a:rPr lang="it-IT" sz="1800" dirty="0" err="1">
+              <a:rPr lang="it-IT" sz="2400" dirty="0" err="1">
                 <a:latin typeface="Times New Roman" panose="02020603050405020304" pitchFamily="18" charset="0"/>
                 <a:cs typeface="Times New Roman" panose="02020603050405020304" pitchFamily="18" charset="0"/>
               </a:rPr>
               <a:t>resources</a:t>
             </a:r>
             <a:r>
-              <a:rPr lang="it-IT" sz="1800" dirty="0">
+              <a:rPr lang="it-IT" sz="2400" dirty="0">
                 <a:latin typeface="Times New Roman" panose="02020603050405020304" pitchFamily="18" charset="0"/>
                 <a:cs typeface="Times New Roman" panose="02020603050405020304" pitchFamily="18" charset="0"/>
               </a:rPr>
               <a:t> </a:t>
             </a:r>
             <a:r>
-              <a:rPr lang="it-IT" sz="1800" dirty="0" err="1">
+              <a:rPr lang="it-IT" sz="2400" dirty="0" err="1">
                 <a:latin typeface="Times New Roman" panose="02020603050405020304" pitchFamily="18" charset="0"/>
                 <a:cs typeface="Times New Roman" panose="02020603050405020304" pitchFamily="18" charset="0"/>
               </a:rPr>
               <a:t>references</a:t>
             </a:r>
             <a:r>
-              <a:rPr lang="it-IT" sz="1800" dirty="0">
-                <a:latin typeface="Times New Roman" panose="02020603050405020304" pitchFamily="18" charset="0"/>
-                <a:cs typeface="Times New Roman" panose="02020603050405020304" pitchFamily="18" charset="0"/>
-              </a:rPr>
-              <a:t> ad altri file SML.</a:t>
-            </a:r>
-          </a:p>
-          <a:p>
-            <a:pPr marL="0" indent="0">
-              <a:buNone/>
-            </a:pPr>
-            <a:r>
-              <a:rPr lang="it-IT" sz="1800" dirty="0" err="1">
-                <a:latin typeface="Times New Roman" panose="02020603050405020304" pitchFamily="18" charset="0"/>
-                <a:cs typeface="Times New Roman" panose="02020603050405020304" pitchFamily="18" charset="0"/>
-              </a:rPr>
-              <a:t>Inoltre,la</a:t>
-            </a:r>
-            <a:r>
-              <a:rPr lang="it-IT" sz="1800" dirty="0">
-                <a:latin typeface="Times New Roman" panose="02020603050405020304" pitchFamily="18" charset="0"/>
-                <a:cs typeface="Times New Roman" panose="02020603050405020304" pitchFamily="18" charset="0"/>
-              </a:rPr>
-              <a:t> finestra di anteprima in Android Studio usa un meccanismo di display diverso da quello in </a:t>
-            </a:r>
-            <a:r>
-              <a:rPr lang="it-IT" sz="1800" dirty="0" err="1">
-                <a:latin typeface="Times New Roman" panose="02020603050405020304" pitchFamily="18" charset="0"/>
-                <a:cs typeface="Times New Roman" panose="02020603050405020304" pitchFamily="18" charset="0"/>
-              </a:rPr>
-              <a:t>vector</a:t>
-            </a:r>
-            <a:r>
-              <a:rPr lang="it-IT" sz="1800" dirty="0">
-                <a:latin typeface="Times New Roman" panose="02020603050405020304" pitchFamily="18" charset="0"/>
-                <a:cs typeface="Times New Roman" panose="02020603050405020304" pitchFamily="18" charset="0"/>
-              </a:rPr>
-              <a:t> asset studio.</a:t>
-            </a:r>
-          </a:p>
-          <a:p>
-            <a:pPr marL="0" indent="0">
-              <a:buNone/>
-            </a:pPr>
-            <a:r>
-              <a:rPr lang="it-IT" sz="1800" dirty="0">
-                <a:latin typeface="Times New Roman" panose="02020603050405020304" pitchFamily="18" charset="0"/>
-                <a:cs typeface="Times New Roman" panose="02020603050405020304" pitchFamily="18" charset="0"/>
-              </a:rPr>
-              <a:t>Infine, se devo </a:t>
-            </a:r>
-            <a:r>
-              <a:rPr lang="it-IT" sz="1800" dirty="0" err="1">
-                <a:latin typeface="Times New Roman" panose="02020603050405020304" pitchFamily="18" charset="0"/>
-                <a:cs typeface="Times New Roman" panose="02020603050405020304" pitchFamily="18" charset="0"/>
-              </a:rPr>
-              <a:t>typecastare</a:t>
-            </a:r>
-            <a:r>
-              <a:rPr lang="it-IT" sz="1800" dirty="0">
-                <a:latin typeface="Times New Roman" panose="02020603050405020304" pitchFamily="18" charset="0"/>
-                <a:cs typeface="Times New Roman" panose="02020603050405020304" pitchFamily="18" charset="0"/>
-              </a:rPr>
-              <a:t> gli oggetti </a:t>
-            </a:r>
-            <a:r>
-              <a:rPr lang="it-IT" sz="1800" dirty="0" err="1">
-                <a:latin typeface="Times New Roman" panose="02020603050405020304" pitchFamily="18" charset="0"/>
-                <a:cs typeface="Times New Roman" panose="02020603050405020304" pitchFamily="18" charset="0"/>
-              </a:rPr>
-              <a:t>drawable</a:t>
-            </a:r>
-            <a:r>
-              <a:rPr lang="it-IT" sz="1800" dirty="0">
-                <a:latin typeface="Times New Roman" panose="02020603050405020304" pitchFamily="18" charset="0"/>
-                <a:cs typeface="Times New Roman" panose="02020603050405020304" pitchFamily="18" charset="0"/>
-              </a:rPr>
-              <a:t> nel codice java, devo </a:t>
-            </a:r>
-            <a:r>
-              <a:rPr lang="it-IT" sz="1800" dirty="0" err="1">
-                <a:latin typeface="Times New Roman" panose="02020603050405020304" pitchFamily="18" charset="0"/>
-                <a:cs typeface="Times New Roman" panose="02020603050405020304" pitchFamily="18" charset="0"/>
-              </a:rPr>
-              <a:t>castarli</a:t>
-            </a:r>
-            <a:r>
-              <a:rPr lang="it-IT" sz="1800" dirty="0">
-                <a:latin typeface="Times New Roman" panose="02020603050405020304" pitchFamily="18" charset="0"/>
-                <a:cs typeface="Times New Roman" panose="02020603050405020304" pitchFamily="18" charset="0"/>
-              </a:rPr>
-              <a:t> come bitmap </a:t>
-            </a:r>
-            <a:r>
-              <a:rPr lang="it-IT" sz="1800" dirty="0" err="1">
-                <a:latin typeface="Times New Roman" panose="02020603050405020304" pitchFamily="18" charset="0"/>
-                <a:cs typeface="Times New Roman" panose="02020603050405020304" pitchFamily="18" charset="0"/>
-              </a:rPr>
-              <a:t>drawable</a:t>
-            </a:r>
-            <a:r>
-              <a:rPr lang="it-IT" sz="1800" dirty="0">
-                <a:latin typeface="Times New Roman" panose="02020603050405020304" pitchFamily="18" charset="0"/>
-                <a:cs typeface="Times New Roman" panose="02020603050405020304" pitchFamily="18" charset="0"/>
-              </a:rPr>
-              <a:t> invece di </a:t>
-            </a:r>
-            <a:r>
-              <a:rPr lang="it-IT" sz="1800" dirty="0" err="1">
-                <a:latin typeface="Times New Roman" panose="02020603050405020304" pitchFamily="18" charset="0"/>
-                <a:cs typeface="Times New Roman" panose="02020603050405020304" pitchFamily="18" charset="0"/>
-              </a:rPr>
-              <a:t>vector</a:t>
-            </a:r>
-            <a:r>
-              <a:rPr lang="it-IT" sz="1800" dirty="0">
-                <a:latin typeface="Times New Roman" panose="02020603050405020304" pitchFamily="18" charset="0"/>
-                <a:cs typeface="Times New Roman" panose="02020603050405020304" pitchFamily="18" charset="0"/>
-              </a:rPr>
-              <a:t> </a:t>
-            </a:r>
-            <a:r>
-              <a:rPr lang="it-IT" sz="1800" dirty="0" err="1">
-                <a:latin typeface="Times New Roman" panose="02020603050405020304" pitchFamily="18" charset="0"/>
-                <a:cs typeface="Times New Roman" panose="02020603050405020304" pitchFamily="18" charset="0"/>
-              </a:rPr>
-              <a:t>drawable</a:t>
-            </a:r>
-            <a:r>
-              <a:rPr lang="it-IT" sz="1800" dirty="0">
-                <a:latin typeface="Times New Roman" panose="02020603050405020304" pitchFamily="18" charset="0"/>
-                <a:cs typeface="Times New Roman" panose="02020603050405020304" pitchFamily="18" charset="0"/>
-              </a:rPr>
-              <a:t> (solo in dispositivi </a:t>
-            </a:r>
-            <a:r>
-              <a:rPr lang="it-IT" sz="1800" dirty="0" err="1">
-                <a:latin typeface="Times New Roman" panose="02020603050405020304" pitchFamily="18" charset="0"/>
-                <a:cs typeface="Times New Roman" panose="02020603050405020304" pitchFamily="18" charset="0"/>
-              </a:rPr>
-              <a:t>pre</a:t>
-            </a:r>
-            <a:r>
-              <a:rPr lang="it-IT" sz="1800" dirty="0">
-                <a:latin typeface="Times New Roman" panose="02020603050405020304" pitchFamily="18" charset="0"/>
-                <a:cs typeface="Times New Roman" panose="02020603050405020304" pitchFamily="18" charset="0"/>
-              </a:rPr>
-              <a:t> Lollipop).</a:t>
-            </a:r>
+              <a:rPr lang="it-IT" sz="2400" dirty="0">
+                <a:latin typeface="Times New Roman" panose="02020603050405020304" pitchFamily="18" charset="0"/>
+                <a:cs typeface="Times New Roman" panose="02020603050405020304" pitchFamily="18" charset="0"/>
+              </a:rPr>
+              <a:t> ad altri file </a:t>
+            </a:r>
+            <a:r>
+              <a:rPr lang="it-IT" sz="2400">
+                <a:latin typeface="Times New Roman" panose="02020603050405020304" pitchFamily="18" charset="0"/>
+                <a:cs typeface="Times New Roman" panose="02020603050405020304" pitchFamily="18" charset="0"/>
+              </a:rPr>
+              <a:t>SML</a:t>
+            </a:r>
+            <a:r>
+              <a:rPr lang="it-IT" sz="2400" smtClean="0">
+                <a:latin typeface="Times New Roman" panose="02020603050405020304" pitchFamily="18" charset="0"/>
+                <a:cs typeface="Times New Roman" panose="02020603050405020304" pitchFamily="18" charset="0"/>
+              </a:rPr>
+              <a:t>.</a:t>
+            </a:r>
+            <a:endParaRPr lang="it-IT" sz="2400" dirty="0">
+              <a:latin typeface="Times New Roman" panose="02020603050405020304" pitchFamily="18" charset="0"/>
+              <a:cs typeface="Times New Roman" panose="02020603050405020304" pitchFamily="18" charset="0"/>
+            </a:endParaRPr>
           </a:p>
         </p:txBody>
       </p:sp>
@@ -7772,7 +7829,7 @@
           <p:cNvPr id="4" name="Segnaposto data 3">
             <a:extLst>
               <a:ext uri="{FF2B5EF4-FFF2-40B4-BE49-F238E27FC236}">
-                <a16:creationId xmlns:a16="http://schemas.microsoft.com/office/drawing/2014/main" id="{385DA464-32FA-4976-83FD-03C573CDCF7E}"/>
+                <a16:creationId xmlns:a16="http://schemas.microsoft.com/office/drawing/2014/main" xmlns="" id="{385DA464-32FA-4976-83FD-03C573CDCF7E}"/>
               </a:ext>
             </a:extLst>
           </p:cNvPr>
@@ -7791,7 +7848,8 @@
             <a:pPr rtl="0"/>
             <a:fld id="{85E0D28E-6F2F-4715-A424-3B01AC64AD4B}" type="datetime1">
               <a:rPr lang="it-IT" smtClean="0"/>
-              <a:t>18/05/2020</a:t>
+              <a:pPr rtl="0"/>
+              <a:t>21/05/2020</a:t>
             </a:fld>
             <a:endParaRPr lang="en-US"/>
           </a:p>
@@ -7800,7 +7858,7 @@
     </p:spTree>
     <p:extLst>
       <p:ext uri="{BB962C8B-B14F-4D97-AF65-F5344CB8AC3E}">
-        <p14:creationId xmlns:p14="http://schemas.microsoft.com/office/powerpoint/2010/main" val="520281786"/>
+        <p14:creationId xmlns:p14="http://schemas.microsoft.com/office/powerpoint/2010/main" xmlns="" val="520281786"/>
       </p:ext>
     </p:extLst>
   </p:cSld>
@@ -7853,7 +7911,7 @@
     </a:clrScheme>
     <a:fontScheme name="Century Gothic">
       <a:majorFont>
-        <a:latin typeface="Century Gothic" panose="020F0302020204030204"/>
+        <a:latin typeface="Century Gothic"/>
         <a:ea typeface=""/>
         <a:cs typeface=""/>
         <a:font script="Jpan" typeface="メイリオ"/>
@@ -7888,7 +7946,7 @@
         <a:font script="Geor" typeface="Sylfaen"/>
       </a:majorFont>
       <a:minorFont>
-        <a:latin typeface="Century Gothic" panose="020F0302020204030204"/>
+        <a:latin typeface="Century Gothic"/>
         <a:ea typeface=""/>
         <a:cs typeface=""/>
         <a:font script="Jpan" typeface="メイリオ"/>
@@ -8080,7 +8138,7 @@
   <a:extraClrSchemeLst/>
   <a:extLst>
     <a:ext uri="{05A4C25C-085E-4340-85A3-A5531E510DB2}">
-      <thm15:themeFamily xmlns:thm15="http://schemas.microsoft.com/office/thememl/2012/main" name="Office_41798854_TF78438558" id="{03469F01-97D1-4A1E-853B-6A26B56D87BB}" vid="{335298E4-38AB-4269-9352-375A27B59611}"/>
+      <thm15:themeFamily xmlns:thm15="http://schemas.microsoft.com/office/thememl/2012/main" xmlns="" name="Office_41798854_TF78438558" id="{03469F01-97D1-4A1E-853B-6A26B56D87BB}" vid="{335298E4-38AB-4269-9352-375A27B59611}"/>
     </a:ext>
   </a:extLst>
 </a:theme>
@@ -8129,7 +8187,7 @@
     </a:clrScheme>
     <a:fontScheme name="Office">
       <a:majorFont>
-        <a:latin typeface="Calibri Light" panose="020F0302020204030204"/>
+        <a:latin typeface="Calibri Light"/>
         <a:ea typeface=""/>
         <a:cs typeface=""/>
         <a:font script="Jpan" typeface="游ゴシック Light"/>
@@ -8164,7 +8222,7 @@
         <a:font script="Geor" typeface="Sylfaen"/>
       </a:majorFont>
       <a:minorFont>
-        <a:latin typeface="Calibri" panose="020F0502020204030204"/>
+        <a:latin typeface="Calibri"/>
         <a:ea typeface=""/>
         <a:cs typeface=""/>
         <a:font script="Jpan" typeface="游ゴシック"/>
@@ -8341,7 +8399,7 @@
   <a:extraClrSchemeLst/>
   <a:extLst>
     <a:ext uri="{05A4C25C-085E-4340-85A3-A5531E510DB2}">
-      <thm15:themeFamily xmlns:thm15="http://schemas.microsoft.com/office/thememl/2012/main" name="Office Theme" id="{62F939B6-93AF-4DB8-9C6B-D6C7DFDC589F}" vid="{4A3C46E8-61CC-4603-A589-7422A47A8E4A}"/>
+      <thm15:themeFamily xmlns:thm15="http://schemas.microsoft.com/office/thememl/2012/main" xmlns="" name="Office Theme" id="{62F939B6-93AF-4DB8-9C6B-D6C7DFDC589F}" vid="{4A3C46E8-61CC-4603-A589-7422A47A8E4A}"/>
     </a:ext>
   </a:extLst>
 </a:theme>
@@ -8390,7 +8448,7 @@
     </a:clrScheme>
     <a:fontScheme name="Office">
       <a:majorFont>
-        <a:latin typeface="Calibri Light" panose="020F0302020204030204"/>
+        <a:latin typeface="Calibri Light"/>
         <a:ea typeface=""/>
         <a:cs typeface=""/>
         <a:font script="Jpan" typeface="游ゴシック Light"/>
@@ -8425,7 +8483,7 @@
         <a:font script="Geor" typeface="Sylfaen"/>
       </a:majorFont>
       <a:minorFont>
-        <a:latin typeface="Calibri" panose="020F0502020204030204"/>
+        <a:latin typeface="Calibri"/>
         <a:ea typeface=""/>
         <a:cs typeface=""/>
         <a:font script="Jpan" typeface="游ゴシック"/>
@@ -8602,7 +8660,7 @@
   <a:extraClrSchemeLst/>
   <a:extLst>
     <a:ext uri="{05A4C25C-085E-4340-85A3-A5531E510DB2}">
-      <thm15:themeFamily xmlns:thm15="http://schemas.microsoft.com/office/thememl/2012/main" name="Office Theme" id="{62F939B6-93AF-4DB8-9C6B-D6C7DFDC589F}" vid="{4A3C46E8-61CC-4603-A589-7422A47A8E4A}"/>
+      <thm15:themeFamily xmlns:thm15="http://schemas.microsoft.com/office/thememl/2012/main" xmlns="" name="Office Theme" id="{62F939B6-93AF-4DB8-9C6B-D6C7DFDC589F}" vid="{4A3C46E8-61CC-4603-A589-7422A47A8E4A}"/>
     </a:ext>
   </a:extLst>
 </a:theme>

--- a/Vector asset studio.pptx
+++ b/Vector asset studio.pptx
@@ -5,10 +5,10 @@
     <p:sldMasterId id="2147483673" r:id="rId1"/>
   </p:sldMasterIdLst>
   <p:notesMasterIdLst>
-    <p:notesMasterId r:id="rId18"/>
+    <p:notesMasterId r:id="rId30"/>
   </p:notesMasterIdLst>
   <p:handoutMasterIdLst>
-    <p:handoutMasterId r:id="rId19"/>
+    <p:handoutMasterId r:id="rId31"/>
   </p:handoutMasterIdLst>
   <p:sldIdLst>
     <p:sldId id="257" r:id="rId2"/>
@@ -17,16 +17,28 @@
     <p:sldId id="263" r:id="rId5"/>
     <p:sldId id="264" r:id="rId6"/>
     <p:sldId id="265" r:id="rId7"/>
-    <p:sldId id="267" r:id="rId8"/>
-    <p:sldId id="268" r:id="rId9"/>
-    <p:sldId id="266" r:id="rId10"/>
-    <p:sldId id="275" r:id="rId11"/>
-    <p:sldId id="269" r:id="rId12"/>
-    <p:sldId id="270" r:id="rId13"/>
-    <p:sldId id="271" r:id="rId14"/>
-    <p:sldId id="272" r:id="rId15"/>
-    <p:sldId id="273" r:id="rId16"/>
-    <p:sldId id="274" r:id="rId17"/>
+    <p:sldId id="282" r:id="rId8"/>
+    <p:sldId id="277" r:id="rId9"/>
+    <p:sldId id="267" r:id="rId10"/>
+    <p:sldId id="268" r:id="rId11"/>
+    <p:sldId id="266" r:id="rId12"/>
+    <p:sldId id="275" r:id="rId13"/>
+    <p:sldId id="269" r:id="rId14"/>
+    <p:sldId id="270" r:id="rId15"/>
+    <p:sldId id="283" r:id="rId16"/>
+    <p:sldId id="276" r:id="rId17"/>
+    <p:sldId id="279" r:id="rId18"/>
+    <p:sldId id="280" r:id="rId19"/>
+    <p:sldId id="281" r:id="rId20"/>
+    <p:sldId id="284" r:id="rId21"/>
+    <p:sldId id="271" r:id="rId22"/>
+    <p:sldId id="272" r:id="rId23"/>
+    <p:sldId id="285" r:id="rId24"/>
+    <p:sldId id="286" r:id="rId25"/>
+    <p:sldId id="287" r:id="rId26"/>
+    <p:sldId id="288" r:id="rId27"/>
+    <p:sldId id="273" r:id="rId28"/>
+    <p:sldId id="274" r:id="rId29"/>
   </p:sldIdLst>
   <p:sldSz cx="12192000" cy="6858000"/>
   <p:notesSz cx="6858000" cy="9144000"/>
@@ -5221,7 +5233,13 @@
       </p:grpSpPr>
       <p:sp>
         <p:nvSpPr>
-          <p:cNvPr id="2" name="Titolo 1"/>
+          <p:cNvPr id="2" name="Titolo 1">
+            <a:extLst>
+              <a:ext uri="{FF2B5EF4-FFF2-40B4-BE49-F238E27FC236}">
+                <a16:creationId xmlns:a16="http://schemas.microsoft.com/office/drawing/2014/main" xmlns="" id="{833E92F7-52A9-4816-8B4F-FF5856EEA76B}"/>
+              </a:ext>
+            </a:extLst>
+          </p:cNvPr>
           <p:cNvSpPr>
             <a:spLocks noGrp="1"/>
           </p:cNvSpPr>
@@ -5231,20 +5249,29 @@
         </p:nvSpPr>
         <p:spPr/>
         <p:txBody>
-          <a:bodyPr/>
+          <a:bodyPr>
+            <a:normAutofit/>
+          </a:bodyPr>
           <a:lstStyle/>
           <a:p>
             <a:r>
-              <a:rPr lang="it-IT" smtClean="0"/>
-              <a:t>Compatibilità di Vector Asset Studio (2)</a:t>
-            </a:r>
-            <a:endParaRPr lang="it-IT"/>
-          </a:p>
-        </p:txBody>
-      </p:sp>
-      <p:sp>
-        <p:nvSpPr>
-          <p:cNvPr id="3" name="Segnaposto contenuto 2"/>
+              <a:rPr lang="it-IT" dirty="0">
+                <a:cs typeface="Times New Roman" panose="02020603050405020304" pitchFamily="18" charset="0"/>
+              </a:rPr>
+              <a:t>Tipi di grafica vettoriale supportati</a:t>
+            </a:r>
+          </a:p>
+        </p:txBody>
+      </p:sp>
+      <p:sp>
+        <p:nvSpPr>
+          <p:cNvPr id="3" name="Segnaposto contenuto 2">
+            <a:extLst>
+              <a:ext uri="{FF2B5EF4-FFF2-40B4-BE49-F238E27FC236}">
+                <a16:creationId xmlns:a16="http://schemas.microsoft.com/office/drawing/2014/main" xmlns="" id="{C07759CF-19AE-4727-AFE3-6FB54EE58A26}"/>
+              </a:ext>
+            </a:extLst>
+          </p:cNvPr>
           <p:cNvSpPr>
             <a:spLocks noGrp="1"/>
           </p:cNvSpPr>
@@ -5254,18 +5281,48 @@
         </p:nvSpPr>
         <p:spPr/>
         <p:txBody>
-          <a:bodyPr/>
+          <a:bodyPr>
+            <a:normAutofit fontScale="92500" lnSpcReduction="20000"/>
+          </a:bodyPr>
           <a:lstStyle/>
           <a:p>
             <a:pPr marL="0" indent="0">
               <a:buNone/>
             </a:pPr>
             <a:r>
-              <a:rPr lang="it-IT" sz="2400" smtClean="0">
-                <a:latin typeface="Times New Roman" panose="02020603050405020304" pitchFamily="18" charset="0"/>
-                <a:cs typeface="Times New Roman" panose="02020603050405020304" pitchFamily="18" charset="0"/>
-              </a:rPr>
-              <a:t>Inoltre,la finestra di anteprima in Android Studio usa un meccanismo di display diverso da quello in vector asset studio.</a:t>
+              <a:rPr lang="it-IT" sz="2600" dirty="0">
+                <a:latin typeface="Times New Roman" panose="02020603050405020304" pitchFamily="18" charset="0"/>
+                <a:cs typeface="Times New Roman" panose="02020603050405020304" pitchFamily="18" charset="0"/>
+              </a:rPr>
+              <a:t>Google </a:t>
+            </a:r>
+            <a:r>
+              <a:rPr lang="it-IT" sz="2600" dirty="0" err="1">
+                <a:latin typeface="Times New Roman" panose="02020603050405020304" pitchFamily="18" charset="0"/>
+                <a:cs typeface="Times New Roman" panose="02020603050405020304" pitchFamily="18" charset="0"/>
+              </a:rPr>
+              <a:t>Material</a:t>
+            </a:r>
+            <a:r>
+              <a:rPr lang="it-IT" sz="2600" dirty="0">
+                <a:latin typeface="Times New Roman" panose="02020603050405020304" pitchFamily="18" charset="0"/>
+                <a:cs typeface="Times New Roman" panose="02020603050405020304" pitchFamily="18" charset="0"/>
+              </a:rPr>
+              <a:t> Design offre icone materiali che si possono usare nelle applicazioni Android. </a:t>
+            </a:r>
+            <a:r>
+              <a:rPr lang="it-IT" sz="2600" dirty="0" err="1">
+                <a:latin typeface="Times New Roman" panose="02020603050405020304" pitchFamily="18" charset="0"/>
+                <a:cs typeface="Times New Roman" panose="02020603050405020304" pitchFamily="18" charset="0"/>
+              </a:rPr>
+              <a:t>Vector</a:t>
+            </a:r>
+            <a:r>
+              <a:rPr lang="it-IT" sz="2600" dirty="0">
+                <a:latin typeface="Times New Roman" panose="02020603050405020304" pitchFamily="18" charset="0"/>
+                <a:cs typeface="Times New Roman" panose="02020603050405020304" pitchFamily="18" charset="0"/>
+              </a:rPr>
+              <a:t> Asset Studio aiuta l’utente a scegliere, importare e dimensionare queste icone, per poi poter definire l’opacità e anche le impostazioni di mirroring.</a:t>
             </a:r>
           </a:p>
           <a:p>
@@ -5273,21 +5330,111 @@
               <a:buNone/>
             </a:pPr>
             <a:r>
-              <a:rPr lang="it-IT" sz="2400" smtClean="0">
-                <a:latin typeface="Times New Roman" panose="02020603050405020304" pitchFamily="18" charset="0"/>
-                <a:cs typeface="Times New Roman" panose="02020603050405020304" pitchFamily="18" charset="0"/>
-              </a:rPr>
-              <a:t>Infine, se devo typecastare gli oggetti drawable nel codice java, devo castarli come bitmap drawable invece di vector drawable (solo in dispositivi pre Lollipop).</a:t>
-            </a:r>
-          </a:p>
-          <a:p>
-            <a:endParaRPr lang="it-IT"/>
-          </a:p>
-        </p:txBody>
-      </p:sp>
-      <p:sp>
-        <p:nvSpPr>
-          <p:cNvPr id="4" name="Segnaposto data 3"/>
+              <a:rPr lang="it-IT" sz="2600" dirty="0">
+                <a:latin typeface="Times New Roman" panose="02020603050405020304" pitchFamily="18" charset="0"/>
+                <a:cs typeface="Times New Roman" panose="02020603050405020304" pitchFamily="18" charset="0"/>
+              </a:rPr>
+              <a:t>Con </a:t>
+            </a:r>
+            <a:r>
+              <a:rPr lang="it-IT" sz="2600" dirty="0" err="1">
+                <a:latin typeface="Times New Roman" panose="02020603050405020304" pitchFamily="18" charset="0"/>
+                <a:cs typeface="Times New Roman" panose="02020603050405020304" pitchFamily="18" charset="0"/>
+              </a:rPr>
+              <a:t>Vector</a:t>
+            </a:r>
+            <a:r>
+              <a:rPr lang="it-IT" sz="2600" dirty="0">
+                <a:latin typeface="Times New Roman" panose="02020603050405020304" pitchFamily="18" charset="0"/>
+                <a:cs typeface="Times New Roman" panose="02020603050405020304" pitchFamily="18" charset="0"/>
+              </a:rPr>
+              <a:t> Asset Studio, inoltre, l’utente può importare i propri file SVG e PSD, anche se non ne supporta tutti gli aspetti. Una volta scelto il file, </a:t>
+            </a:r>
+            <a:r>
+              <a:rPr lang="it-IT" sz="2600" dirty="0" err="1">
+                <a:latin typeface="Times New Roman" panose="02020603050405020304" pitchFamily="18" charset="0"/>
+                <a:cs typeface="Times New Roman" panose="02020603050405020304" pitchFamily="18" charset="0"/>
+              </a:rPr>
+              <a:t>Vector</a:t>
+            </a:r>
+            <a:r>
+              <a:rPr lang="it-IT" sz="2600" dirty="0">
+                <a:latin typeface="Times New Roman" panose="02020603050405020304" pitchFamily="18" charset="0"/>
+                <a:cs typeface="Times New Roman" panose="02020603050405020304" pitchFamily="18" charset="0"/>
+              </a:rPr>
+              <a:t> Asset Studio fornisce un feedback immediato se il codice grafico è supportato o no. Poi converte il file in un XML che contiene codice </a:t>
+            </a:r>
+            <a:r>
+              <a:rPr lang="it-IT" sz="2600" dirty="0" err="1">
+                <a:latin typeface="Courier New" pitchFamily="49" charset="0"/>
+                <a:cs typeface="Courier New" pitchFamily="49" charset="0"/>
+              </a:rPr>
+              <a:t>VectorDrawable</a:t>
+            </a:r>
+            <a:r>
+              <a:rPr lang="it-IT" sz="2600" dirty="0">
+                <a:latin typeface="Times New Roman" panose="02020603050405020304" pitchFamily="18" charset="0"/>
+                <a:cs typeface="Times New Roman" panose="02020603050405020304" pitchFamily="18" charset="0"/>
+              </a:rPr>
+              <a:t>. Per versioni Android 5.0 (API </a:t>
+            </a:r>
+            <a:r>
+              <a:rPr lang="it-IT" sz="2600" dirty="0" err="1">
+                <a:latin typeface="Times New Roman" panose="02020603050405020304" pitchFamily="18" charset="0"/>
+                <a:cs typeface="Times New Roman" panose="02020603050405020304" pitchFamily="18" charset="0"/>
+              </a:rPr>
+              <a:t>level</a:t>
+            </a:r>
+            <a:r>
+              <a:rPr lang="it-IT" sz="2600" dirty="0">
+                <a:latin typeface="Times New Roman" panose="02020603050405020304" pitchFamily="18" charset="0"/>
+                <a:cs typeface="Times New Roman" panose="02020603050405020304" pitchFamily="18" charset="0"/>
+              </a:rPr>
+              <a:t> 21) e più recenti, si può usare la classe </a:t>
+            </a:r>
+            <a:r>
+              <a:rPr lang="it-IT" sz="2600" dirty="0" err="1">
+                <a:latin typeface="Courier New" pitchFamily="49" charset="0"/>
+                <a:cs typeface="Courier New" pitchFamily="49" charset="0"/>
+              </a:rPr>
+              <a:t>AnimatedVectorDrawable</a:t>
+            </a:r>
+            <a:r>
+              <a:rPr lang="it-IT" sz="2600" dirty="0">
+                <a:latin typeface="Times New Roman" panose="02020603050405020304" pitchFamily="18" charset="0"/>
+                <a:cs typeface="Times New Roman" panose="02020603050405020304" pitchFamily="18" charset="0"/>
+              </a:rPr>
+              <a:t> per, appunto, animare le proprietà della classe </a:t>
+            </a:r>
+            <a:r>
+              <a:rPr lang="it-IT" sz="2600" dirty="0" err="1">
+                <a:latin typeface="Courier New" pitchFamily="49" charset="0"/>
+                <a:cs typeface="Courier New" pitchFamily="49" charset="0"/>
+              </a:rPr>
+              <a:t>VectorDrawable</a:t>
+            </a:r>
+            <a:r>
+              <a:rPr lang="it-IT" sz="2600" dirty="0">
+                <a:latin typeface="Times New Roman" panose="02020603050405020304" pitchFamily="18" charset="0"/>
+                <a:cs typeface="Times New Roman" panose="02020603050405020304" pitchFamily="18" charset="0"/>
+              </a:rPr>
+              <a:t>.</a:t>
+            </a:r>
+          </a:p>
+          <a:p>
+            <a:endParaRPr lang="it-IT" dirty="0"/>
+          </a:p>
+        </p:txBody>
+      </p:sp>
+      <p:sp>
+        <p:nvSpPr>
+          <p:cNvPr id="4" name="Segnaposto data 3">
+            <a:extLst>
+              <a:ext uri="{FF2B5EF4-FFF2-40B4-BE49-F238E27FC236}">
+                <a16:creationId xmlns:a16="http://schemas.microsoft.com/office/drawing/2014/main" xmlns="" id="{9F73E2D9-1246-4573-B0FE-02611677EC5D}"/>
+              </a:ext>
+            </a:extLst>
+          </p:cNvPr>
           <p:cNvSpPr>
             <a:spLocks noGrp="1"/>
           </p:cNvSpPr>
@@ -5311,6 +5458,11 @@
         </p:txBody>
       </p:sp>
     </p:spTree>
+    <p:extLst>
+      <p:ext uri="{BB962C8B-B14F-4D97-AF65-F5344CB8AC3E}">
+        <p14:creationId xmlns:p14="http://schemas.microsoft.com/office/powerpoint/2010/main" xmlns="" val="2328969674"/>
+      </p:ext>
+    </p:extLst>
   </p:cSld>
   <p:clrMapOvr>
     <a:masterClrMapping/>
@@ -5340,7 +5492,7 @@
           <p:cNvPr id="2" name="Titolo 1">
             <a:extLst>
               <a:ext uri="{FF2B5EF4-FFF2-40B4-BE49-F238E27FC236}">
-                <a16:creationId xmlns:a16="http://schemas.microsoft.com/office/drawing/2014/main" xmlns="" id="{1447AD0D-D9DC-4BD5-B662-30885C940A73}"/>
+                <a16:creationId xmlns:a16="http://schemas.microsoft.com/office/drawing/2014/main" xmlns="" id="{08E9130B-3DA2-4409-B4FB-4ED5F7053F10}"/>
               </a:ext>
             </a:extLst>
           </p:cNvPr>
@@ -5353,14 +5505,28 @@
         </p:nvSpPr>
         <p:spPr/>
         <p:txBody>
-          <a:bodyPr/>
+          <a:bodyPr>
+            <a:normAutofit/>
+          </a:bodyPr>
           <a:lstStyle/>
           <a:p>
             <a:r>
               <a:rPr lang="it-IT" dirty="0">
                 <a:cs typeface="Times New Roman" panose="02020603050405020304" pitchFamily="18" charset="0"/>
               </a:rPr>
-              <a:t>File SVG</a:t>
+              <a:t>Compatibilità di </a:t>
+            </a:r>
+            <a:r>
+              <a:rPr lang="it-IT" dirty="0" err="1">
+                <a:cs typeface="Times New Roman" panose="02020603050405020304" pitchFamily="18" charset="0"/>
+              </a:rPr>
+              <a:t>Vector</a:t>
+            </a:r>
+            <a:r>
+              <a:rPr lang="it-IT" dirty="0">
+                <a:cs typeface="Times New Roman" panose="02020603050405020304" pitchFamily="18" charset="0"/>
+              </a:rPr>
+              <a:t> Asset Studio</a:t>
             </a:r>
           </a:p>
         </p:txBody>
@@ -5370,7 +5536,7 @@
           <p:cNvPr id="3" name="Segnaposto contenuto 2">
             <a:extLst>
               <a:ext uri="{FF2B5EF4-FFF2-40B4-BE49-F238E27FC236}">
-                <a16:creationId xmlns:a16="http://schemas.microsoft.com/office/drawing/2014/main" xmlns="" id="{FD9C302A-E7AA-40AD-8F0F-C6D9EFCC88F5}"/>
+                <a16:creationId xmlns:a16="http://schemas.microsoft.com/office/drawing/2014/main" xmlns="" id="{72B4423A-4DCE-4192-89A0-E056AA2241FF}"/>
               </a:ext>
             </a:extLst>
           </p:cNvPr>
@@ -5383,19 +5549,208 @@
         </p:nvSpPr>
         <p:spPr/>
         <p:txBody>
-          <a:bodyPr/>
+          <a:bodyPr>
+            <a:normAutofit/>
+          </a:bodyPr>
           <a:lstStyle/>
           <a:p>
+            <a:pPr marL="0" indent="0">
+              <a:buNone/>
+            </a:pPr>
             <a:r>
               <a:rPr lang="it-IT" sz="2400" dirty="0">
                 <a:latin typeface="Times New Roman" panose="02020603050405020304" pitchFamily="18" charset="0"/>
                 <a:cs typeface="Times New Roman" panose="02020603050405020304" pitchFamily="18" charset="0"/>
               </a:rPr>
-              <a:t>Un file SVG è un file che usa un formato grafico vettoriale bidimensionale. Descrive l’immagine usando un formato di testo, basato su XML. I file SVG sono sviluppati come formato standard per mostrare grafiche vettoriali sul web.</a:t>
-            </a:r>
-          </a:p>
-          <a:p>
-            <a:endParaRPr lang="it-IT" dirty="0"/>
+              <a:t>Se l’app ha come target versioni Lollipop o più recenti, tutta l’API </a:t>
+            </a:r>
+            <a:r>
+              <a:rPr lang="it-IT" sz="2400" dirty="0" err="1">
+                <a:latin typeface="Times New Roman" panose="02020603050405020304" pitchFamily="18" charset="0"/>
+                <a:cs typeface="Times New Roman" panose="02020603050405020304" pitchFamily="18" charset="0"/>
+              </a:rPr>
+              <a:t>spec</a:t>
+            </a:r>
+            <a:r>
+              <a:rPr lang="it-IT" sz="2400" dirty="0">
+                <a:latin typeface="Times New Roman" panose="02020603050405020304" pitchFamily="18" charset="0"/>
+                <a:cs typeface="Times New Roman" panose="02020603050405020304" pitchFamily="18" charset="0"/>
+              </a:rPr>
+              <a:t> è supportata.  </a:t>
+            </a:r>
+          </a:p>
+          <a:p>
+            <a:pPr marL="0" indent="0">
+              <a:buNone/>
+            </a:pPr>
+            <a:r>
+              <a:rPr lang="it-IT" sz="2400" dirty="0">
+                <a:latin typeface="Times New Roman" panose="02020603050405020304" pitchFamily="18" charset="0"/>
+                <a:cs typeface="Times New Roman" panose="02020603050405020304" pitchFamily="18" charset="0"/>
+              </a:rPr>
+              <a:t>Se la versione di </a:t>
+            </a:r>
+            <a:r>
+              <a:rPr lang="it-IT" sz="2400" dirty="0" err="1">
+                <a:latin typeface="Times New Roman" panose="02020603050405020304" pitchFamily="18" charset="0"/>
+                <a:cs typeface="Times New Roman" panose="02020603050405020304" pitchFamily="18" charset="0"/>
+              </a:rPr>
+              <a:t>sdk</a:t>
+            </a:r>
+            <a:r>
+              <a:rPr lang="it-IT" sz="2400" dirty="0">
+                <a:latin typeface="Times New Roman" panose="02020603050405020304" pitchFamily="18" charset="0"/>
+                <a:cs typeface="Times New Roman" panose="02020603050405020304" pitchFamily="18" charset="0"/>
+              </a:rPr>
+              <a:t> è minore di 21 ho alcune limitazioni:</a:t>
+            </a:r>
+          </a:p>
+          <a:p>
+            <a:r>
+              <a:rPr lang="it-IT" sz="2400" dirty="0">
+                <a:latin typeface="Times New Roman" panose="02020603050405020304" pitchFamily="18" charset="0"/>
+                <a:cs typeface="Times New Roman" panose="02020603050405020304" pitchFamily="18" charset="0"/>
+              </a:rPr>
+              <a:t>I tag &lt;group&gt; e &lt;clip-</a:t>
+            </a:r>
+            <a:r>
+              <a:rPr lang="it-IT" sz="2400" dirty="0" err="1">
+                <a:latin typeface="Times New Roman" panose="02020603050405020304" pitchFamily="18" charset="0"/>
+                <a:cs typeface="Times New Roman" panose="02020603050405020304" pitchFamily="18" charset="0"/>
+              </a:rPr>
+              <a:t>path</a:t>
+            </a:r>
+            <a:r>
+              <a:rPr lang="it-IT" sz="2400" dirty="0">
+                <a:latin typeface="Times New Roman" panose="02020603050405020304" pitchFamily="18" charset="0"/>
+                <a:cs typeface="Times New Roman" panose="02020603050405020304" pitchFamily="18" charset="0"/>
+              </a:rPr>
+              <a:t>&gt; non sono supportati.</a:t>
+            </a:r>
+          </a:p>
+          <a:p>
+            <a:r>
+              <a:rPr lang="it-IT" sz="2400" dirty="0">
+                <a:latin typeface="Times New Roman" panose="02020603050405020304" pitchFamily="18" charset="0"/>
+                <a:cs typeface="Times New Roman" panose="02020603050405020304" pitchFamily="18" charset="0"/>
+              </a:rPr>
+              <a:t>Posso avere solo file png statici: nel file SML del </a:t>
+            </a:r>
+            <a:r>
+              <a:rPr lang="it-IT" sz="2400" dirty="0" err="1">
+                <a:latin typeface="Times New Roman" panose="02020603050405020304" pitchFamily="18" charset="0"/>
+                <a:cs typeface="Times New Roman" panose="02020603050405020304" pitchFamily="18" charset="0"/>
+              </a:rPr>
+              <a:t>vector</a:t>
+            </a:r>
+            <a:r>
+              <a:rPr lang="it-IT" sz="2400" dirty="0">
+                <a:latin typeface="Times New Roman" panose="02020603050405020304" pitchFamily="18" charset="0"/>
+                <a:cs typeface="Times New Roman" panose="02020603050405020304" pitchFamily="18" charset="0"/>
+              </a:rPr>
+              <a:t> </a:t>
+            </a:r>
+            <a:r>
+              <a:rPr lang="it-IT" sz="2400" dirty="0" err="1">
+                <a:latin typeface="Times New Roman" panose="02020603050405020304" pitchFamily="18" charset="0"/>
+                <a:cs typeface="Times New Roman" panose="02020603050405020304" pitchFamily="18" charset="0"/>
+              </a:rPr>
+              <a:t>drawable</a:t>
+            </a:r>
+            <a:r>
+              <a:rPr lang="it-IT" sz="2400" dirty="0">
+                <a:latin typeface="Times New Roman" panose="02020603050405020304" pitchFamily="18" charset="0"/>
+                <a:cs typeface="Times New Roman" panose="02020603050405020304" pitchFamily="18" charset="0"/>
+              </a:rPr>
+              <a:t> non supporto attributi dinamici (</a:t>
+            </a:r>
+            <a:r>
+              <a:rPr lang="it-IT" sz="2400" dirty="0" err="1">
+                <a:latin typeface="Times New Roman" panose="02020603050405020304" pitchFamily="18" charset="0"/>
+                <a:cs typeface="Times New Roman" panose="02020603050405020304" pitchFamily="18" charset="0"/>
+              </a:rPr>
+              <a:t>theming</a:t>
+            </a:r>
+            <a:r>
+              <a:rPr lang="it-IT" sz="2400" dirty="0">
+                <a:latin typeface="Times New Roman" panose="02020603050405020304" pitchFamily="18" charset="0"/>
+                <a:cs typeface="Times New Roman" panose="02020603050405020304" pitchFamily="18" charset="0"/>
+              </a:rPr>
+              <a:t>, </a:t>
+            </a:r>
+            <a:r>
+              <a:rPr lang="it-IT" sz="2400">
+                <a:latin typeface="Times New Roman" panose="02020603050405020304" pitchFamily="18" charset="0"/>
+                <a:cs typeface="Times New Roman" panose="02020603050405020304" pitchFamily="18" charset="0"/>
+              </a:rPr>
+              <a:t>auto </a:t>
+            </a:r>
+            <a:r>
+              <a:rPr lang="it-IT" sz="2400" smtClean="0">
+                <a:latin typeface="Times New Roman" panose="02020603050405020304" pitchFamily="18" charset="0"/>
+                <a:cs typeface="Times New Roman" panose="02020603050405020304" pitchFamily="18" charset="0"/>
+              </a:rPr>
+              <a:t>mirroring…).</a:t>
+            </a:r>
+            <a:endParaRPr lang="it-IT" sz="2400" dirty="0">
+              <a:latin typeface="Times New Roman" panose="02020603050405020304" pitchFamily="18" charset="0"/>
+              <a:cs typeface="Times New Roman" panose="02020603050405020304" pitchFamily="18" charset="0"/>
+            </a:endParaRPr>
+          </a:p>
+          <a:p>
+            <a:r>
+              <a:rPr lang="it-IT" sz="2400" dirty="0">
+                <a:latin typeface="Times New Roman" panose="02020603050405020304" pitchFamily="18" charset="0"/>
+                <a:cs typeface="Times New Roman" panose="02020603050405020304" pitchFamily="18" charset="0"/>
+              </a:rPr>
+              <a:t>Non sono supportate le </a:t>
+            </a:r>
+            <a:r>
+              <a:rPr lang="it-IT" sz="2400" dirty="0" err="1">
+                <a:latin typeface="Times New Roman" panose="02020603050405020304" pitchFamily="18" charset="0"/>
+                <a:cs typeface="Times New Roman" panose="02020603050405020304" pitchFamily="18" charset="0"/>
+              </a:rPr>
+              <a:t>resources</a:t>
+            </a:r>
+            <a:r>
+              <a:rPr lang="it-IT" sz="2400" dirty="0">
+                <a:latin typeface="Times New Roman" panose="02020603050405020304" pitchFamily="18" charset="0"/>
+                <a:cs typeface="Times New Roman" panose="02020603050405020304" pitchFamily="18" charset="0"/>
+              </a:rPr>
+              <a:t> </a:t>
+            </a:r>
+            <a:r>
+              <a:rPr lang="it-IT" sz="2400" dirty="0" err="1">
+                <a:latin typeface="Times New Roman" panose="02020603050405020304" pitchFamily="18" charset="0"/>
+                <a:cs typeface="Times New Roman" panose="02020603050405020304" pitchFamily="18" charset="0"/>
+              </a:rPr>
+              <a:t>references</a:t>
+            </a:r>
+            <a:r>
+              <a:rPr lang="it-IT" sz="2400" dirty="0">
+                <a:latin typeface="Times New Roman" panose="02020603050405020304" pitchFamily="18" charset="0"/>
+                <a:cs typeface="Times New Roman" panose="02020603050405020304" pitchFamily="18" charset="0"/>
+              </a:rPr>
+              <a:t> ad altri file </a:t>
+            </a:r>
+            <a:r>
+              <a:rPr lang="it-IT" sz="2400">
+                <a:latin typeface="Times New Roman" panose="02020603050405020304" pitchFamily="18" charset="0"/>
+                <a:cs typeface="Times New Roman" panose="02020603050405020304" pitchFamily="18" charset="0"/>
+              </a:rPr>
+              <a:t>SML</a:t>
+            </a:r>
+            <a:r>
+              <a:rPr lang="it-IT" sz="2400" smtClean="0">
+                <a:latin typeface="Times New Roman" panose="02020603050405020304" pitchFamily="18" charset="0"/>
+                <a:cs typeface="Times New Roman" panose="02020603050405020304" pitchFamily="18" charset="0"/>
+              </a:rPr>
+              <a:t>.</a:t>
+            </a:r>
+            <a:endParaRPr lang="it-IT" sz="2400" dirty="0">
+              <a:latin typeface="Times New Roman" panose="02020603050405020304" pitchFamily="18" charset="0"/>
+              <a:cs typeface="Times New Roman" panose="02020603050405020304" pitchFamily="18" charset="0"/>
+            </a:endParaRPr>
           </a:p>
         </p:txBody>
       </p:sp>
@@ -5404,7 +5759,7 @@
           <p:cNvPr id="4" name="Segnaposto data 3">
             <a:extLst>
               <a:ext uri="{FF2B5EF4-FFF2-40B4-BE49-F238E27FC236}">
-                <a16:creationId xmlns:a16="http://schemas.microsoft.com/office/drawing/2014/main" xmlns="" id="{F8E17882-5E17-41CC-8F32-7C442B1A3160}"/>
+                <a16:creationId xmlns:a16="http://schemas.microsoft.com/office/drawing/2014/main" xmlns="" id="{385DA464-32FA-4976-83FD-03C573CDCF7E}"/>
               </a:ext>
             </a:extLst>
           </p:cNvPr>
@@ -5433,7 +5788,7 @@
     </p:spTree>
     <p:extLst>
       <p:ext uri="{BB962C8B-B14F-4D97-AF65-F5344CB8AC3E}">
-        <p14:creationId xmlns:p14="http://schemas.microsoft.com/office/powerpoint/2010/main" xmlns="" val="2009069328"/>
+        <p14:creationId xmlns:p14="http://schemas.microsoft.com/office/powerpoint/2010/main" xmlns="" val="520281786"/>
       </p:ext>
     </p:extLst>
   </p:cSld>
@@ -5462,13 +5817,7 @@
       </p:grpSpPr>
       <p:sp>
         <p:nvSpPr>
-          <p:cNvPr id="2" name="Titolo 1">
-            <a:extLst>
-              <a:ext uri="{FF2B5EF4-FFF2-40B4-BE49-F238E27FC236}">
-                <a16:creationId xmlns:a16="http://schemas.microsoft.com/office/drawing/2014/main" xmlns="" id="{64A3D193-E597-4EF9-9B61-D8F702BBDA6B}"/>
-              </a:ext>
-            </a:extLst>
-          </p:cNvPr>
+          <p:cNvPr id="2" name="Titolo 1"/>
           <p:cNvSpPr>
             <a:spLocks noGrp="1"/>
           </p:cNvSpPr>
@@ -5482,23 +5831,16 @@
           <a:lstStyle/>
           <a:p>
             <a:r>
-              <a:rPr lang="it-IT" dirty="0">
-                <a:cs typeface="Times New Roman" panose="02020603050405020304" pitchFamily="18" charset="0"/>
-              </a:rPr>
-              <a:t>File PSD</a:t>
-            </a:r>
-          </a:p>
-        </p:txBody>
-      </p:sp>
-      <p:sp>
-        <p:nvSpPr>
-          <p:cNvPr id="3" name="Segnaposto contenuto 2">
-            <a:extLst>
-              <a:ext uri="{FF2B5EF4-FFF2-40B4-BE49-F238E27FC236}">
-                <a16:creationId xmlns:a16="http://schemas.microsoft.com/office/drawing/2014/main" xmlns="" id="{78D544C2-8FC2-4FAB-8544-0FAFF728A8E0}"/>
-              </a:ext>
-            </a:extLst>
-          </p:cNvPr>
+              <a:rPr lang="it-IT" smtClean="0"/>
+              <a:t>Compatibilità di Vector Asset Studio (2)</a:t>
+            </a:r>
+            <a:endParaRPr lang="it-IT"/>
+          </a:p>
+        </p:txBody>
+      </p:sp>
+      <p:sp>
+        <p:nvSpPr>
+          <p:cNvPr id="3" name="Segnaposto contenuto 2"/>
           <p:cNvSpPr>
             <a:spLocks noGrp="1"/>
           </p:cNvSpPr>
@@ -5511,25 +5853,60 @@
           <a:bodyPr/>
           <a:lstStyle/>
           <a:p>
-            <a:r>
-              <a:rPr lang="it-IT" sz="2400" dirty="0">
-                <a:latin typeface="Times New Roman" panose="02020603050405020304" pitchFamily="18" charset="0"/>
-                <a:cs typeface="Times New Roman" panose="02020603050405020304" pitchFamily="18" charset="0"/>
-              </a:rPr>
-              <a:t>Il PSD è un formato di file proprietario sviluppato da Adobe Systems. La sua particolarità è quella di essere un formato di grafica vettoriale molto versatile. È utilizzato per creare immagini vettoriali  e progetti multimediali. </a:t>
-            </a:r>
-          </a:p>
-          <a:p>
-            <a:endParaRPr lang="it-IT" dirty="0"/>
+            <a:pPr marL="0" indent="0">
+              <a:buNone/>
+            </a:pPr>
+            <a:r>
+              <a:rPr lang="it-IT" sz="2400" smtClean="0">
+                <a:latin typeface="Times New Roman" panose="02020603050405020304" pitchFamily="18" charset="0"/>
+                <a:cs typeface="Times New Roman" panose="02020603050405020304" pitchFamily="18" charset="0"/>
+              </a:rPr>
+              <a:t>Inoltre,la finestra di anteprima in Android Studio usa un meccanismo di display diverso da quello in vector asset studio.</a:t>
+            </a:r>
+          </a:p>
+          <a:p>
+            <a:pPr marL="0" indent="0">
+              <a:buNone/>
+            </a:pPr>
+            <a:r>
+              <a:rPr lang="it-IT" sz="2400" smtClean="0">
+                <a:latin typeface="Times New Roman" panose="02020603050405020304" pitchFamily="18" charset="0"/>
+                <a:cs typeface="Times New Roman" panose="02020603050405020304" pitchFamily="18" charset="0"/>
+              </a:rPr>
+              <a:t>Infine, se devo typecastare gli oggetti drawable nel codice java, devo castarli come bitmap drawable invece di vector drawable (solo in dispositivi pre Lollipop).</a:t>
+            </a:r>
+          </a:p>
+          <a:p>
+            <a:endParaRPr lang="it-IT"/>
+          </a:p>
+        </p:txBody>
+      </p:sp>
+      <p:sp>
+        <p:nvSpPr>
+          <p:cNvPr id="4" name="Segnaposto data 3"/>
+          <p:cNvSpPr>
+            <a:spLocks noGrp="1"/>
+          </p:cNvSpPr>
+          <p:nvPr>
+            <p:ph type="dt" sz="half" idx="10"/>
+          </p:nvPr>
+        </p:nvSpPr>
+        <p:spPr/>
+        <p:txBody>
+          <a:bodyPr/>
+          <a:lstStyle/>
+          <a:p>
+            <a:pPr rtl="0"/>
+            <a:fld id="{85E0D28E-6F2F-4715-A424-3B01AC64AD4B}" type="datetime1">
+              <a:rPr lang="it-IT" smtClean="0"/>
+              <a:pPr rtl="0"/>
+              <a:t>21/05/2020</a:t>
+            </a:fld>
+            <a:endParaRPr lang="en-US"/>
           </a:p>
         </p:txBody>
       </p:sp>
     </p:spTree>
-    <p:extLst>
-      <p:ext uri="{BB962C8B-B14F-4D97-AF65-F5344CB8AC3E}">
-        <p14:creationId xmlns:p14="http://schemas.microsoft.com/office/powerpoint/2010/main" xmlns="" val="3152011591"/>
-      </p:ext>
-    </p:extLst>
   </p:cSld>
   <p:clrMapOvr>
     <a:masterClrMapping/>
@@ -5559,6 +5936,1334 @@
           <p:cNvPr id="2" name="Titolo 1">
             <a:extLst>
               <a:ext uri="{FF2B5EF4-FFF2-40B4-BE49-F238E27FC236}">
+                <a16:creationId xmlns:a16="http://schemas.microsoft.com/office/drawing/2014/main" xmlns="" id="{1447AD0D-D9DC-4BD5-B662-30885C940A73}"/>
+              </a:ext>
+            </a:extLst>
+          </p:cNvPr>
+          <p:cNvSpPr>
+            <a:spLocks noGrp="1"/>
+          </p:cNvSpPr>
+          <p:nvPr>
+            <p:ph type="title"/>
+          </p:nvPr>
+        </p:nvSpPr>
+        <p:spPr/>
+        <p:txBody>
+          <a:bodyPr/>
+          <a:lstStyle/>
+          <a:p>
+            <a:r>
+              <a:rPr lang="it-IT" dirty="0">
+                <a:cs typeface="Times New Roman" panose="02020603050405020304" pitchFamily="18" charset="0"/>
+              </a:rPr>
+              <a:t>File SVG</a:t>
+            </a:r>
+          </a:p>
+        </p:txBody>
+      </p:sp>
+      <p:sp>
+        <p:nvSpPr>
+          <p:cNvPr id="3" name="Segnaposto contenuto 2">
+            <a:extLst>
+              <a:ext uri="{FF2B5EF4-FFF2-40B4-BE49-F238E27FC236}">
+                <a16:creationId xmlns:a16="http://schemas.microsoft.com/office/drawing/2014/main" xmlns="" id="{FD9C302A-E7AA-40AD-8F0F-C6D9EFCC88F5}"/>
+              </a:ext>
+            </a:extLst>
+          </p:cNvPr>
+          <p:cNvSpPr>
+            <a:spLocks noGrp="1"/>
+          </p:cNvSpPr>
+          <p:nvPr>
+            <p:ph idx="1"/>
+          </p:nvPr>
+        </p:nvSpPr>
+        <p:spPr/>
+        <p:txBody>
+          <a:bodyPr/>
+          <a:lstStyle/>
+          <a:p>
+            <a:r>
+              <a:rPr lang="it-IT" sz="2400" dirty="0">
+                <a:latin typeface="Times New Roman" panose="02020603050405020304" pitchFamily="18" charset="0"/>
+                <a:cs typeface="Times New Roman" panose="02020603050405020304" pitchFamily="18" charset="0"/>
+              </a:rPr>
+              <a:t>Un file SVG è un file che usa un formato grafico vettoriale bidimensionale. Descrive l’immagine usando un formato di testo, basato su XML. I file SVG sono sviluppati come formato standard per mostrare grafiche vettoriali sul web.</a:t>
+            </a:r>
+          </a:p>
+          <a:p>
+            <a:endParaRPr lang="it-IT" dirty="0"/>
+          </a:p>
+        </p:txBody>
+      </p:sp>
+      <p:sp>
+        <p:nvSpPr>
+          <p:cNvPr id="4" name="Segnaposto data 3">
+            <a:extLst>
+              <a:ext uri="{FF2B5EF4-FFF2-40B4-BE49-F238E27FC236}">
+                <a16:creationId xmlns:a16="http://schemas.microsoft.com/office/drawing/2014/main" xmlns="" id="{F8E17882-5E17-41CC-8F32-7C442B1A3160}"/>
+              </a:ext>
+            </a:extLst>
+          </p:cNvPr>
+          <p:cNvSpPr>
+            <a:spLocks noGrp="1"/>
+          </p:cNvSpPr>
+          <p:nvPr>
+            <p:ph type="dt" sz="half" idx="10"/>
+          </p:nvPr>
+        </p:nvSpPr>
+        <p:spPr/>
+        <p:txBody>
+          <a:bodyPr/>
+          <a:lstStyle/>
+          <a:p>
+            <a:pPr rtl="0"/>
+            <a:fld id="{85E0D28E-6F2F-4715-A424-3B01AC64AD4B}" type="datetime1">
+              <a:rPr lang="it-IT" smtClean="0"/>
+              <a:pPr rtl="0"/>
+              <a:t>21/05/2020</a:t>
+            </a:fld>
+            <a:endParaRPr lang="en-US"/>
+          </a:p>
+        </p:txBody>
+      </p:sp>
+    </p:spTree>
+    <p:extLst>
+      <p:ext uri="{BB962C8B-B14F-4D97-AF65-F5344CB8AC3E}">
+        <p14:creationId xmlns:p14="http://schemas.microsoft.com/office/powerpoint/2010/main" xmlns="" val="2009069328"/>
+      </p:ext>
+    </p:extLst>
+  </p:cSld>
+  <p:clrMapOvr>
+    <a:masterClrMapping/>
+  </p:clrMapOvr>
+</p:sld>
+</file>
+
+<file path=ppt/slides/slide14.xml><?xml version="1.0" encoding="utf-8"?>
+<p:sld xmlns:a="http://schemas.openxmlformats.org/drawingml/2006/main" xmlns:r="http://schemas.openxmlformats.org/officeDocument/2006/relationships" xmlns:p="http://schemas.openxmlformats.org/presentationml/2006/main">
+  <p:cSld>
+    <p:spTree>
+      <p:nvGrpSpPr>
+        <p:cNvPr id="1" name=""/>
+        <p:cNvGrpSpPr/>
+        <p:nvPr/>
+      </p:nvGrpSpPr>
+      <p:grpSpPr>
+        <a:xfrm>
+          <a:off x="0" y="0"/>
+          <a:ext cx="0" cy="0"/>
+          <a:chOff x="0" y="0"/>
+          <a:chExt cx="0" cy="0"/>
+        </a:xfrm>
+      </p:grpSpPr>
+      <p:sp>
+        <p:nvSpPr>
+          <p:cNvPr id="2" name="Titolo 1">
+            <a:extLst>
+              <a:ext uri="{FF2B5EF4-FFF2-40B4-BE49-F238E27FC236}">
+                <a16:creationId xmlns:a16="http://schemas.microsoft.com/office/drawing/2014/main" xmlns="" id="{64A3D193-E597-4EF9-9B61-D8F702BBDA6B}"/>
+              </a:ext>
+            </a:extLst>
+          </p:cNvPr>
+          <p:cNvSpPr>
+            <a:spLocks noGrp="1"/>
+          </p:cNvSpPr>
+          <p:nvPr>
+            <p:ph type="title"/>
+          </p:nvPr>
+        </p:nvSpPr>
+        <p:spPr/>
+        <p:txBody>
+          <a:bodyPr/>
+          <a:lstStyle/>
+          <a:p>
+            <a:r>
+              <a:rPr lang="it-IT" dirty="0">
+                <a:cs typeface="Times New Roman" panose="02020603050405020304" pitchFamily="18" charset="0"/>
+              </a:rPr>
+              <a:t>File PSD</a:t>
+            </a:r>
+          </a:p>
+        </p:txBody>
+      </p:sp>
+      <p:sp>
+        <p:nvSpPr>
+          <p:cNvPr id="3" name="Segnaposto contenuto 2">
+            <a:extLst>
+              <a:ext uri="{FF2B5EF4-FFF2-40B4-BE49-F238E27FC236}">
+                <a16:creationId xmlns:a16="http://schemas.microsoft.com/office/drawing/2014/main" xmlns="" id="{78D544C2-8FC2-4FAB-8544-0FAFF728A8E0}"/>
+              </a:ext>
+            </a:extLst>
+          </p:cNvPr>
+          <p:cNvSpPr>
+            <a:spLocks noGrp="1"/>
+          </p:cNvSpPr>
+          <p:nvPr>
+            <p:ph idx="1"/>
+          </p:nvPr>
+        </p:nvSpPr>
+        <p:spPr/>
+        <p:txBody>
+          <a:bodyPr/>
+          <a:lstStyle/>
+          <a:p>
+            <a:r>
+              <a:rPr lang="it-IT" sz="2400" dirty="0">
+                <a:latin typeface="Times New Roman" panose="02020603050405020304" pitchFamily="18" charset="0"/>
+                <a:cs typeface="Times New Roman" panose="02020603050405020304" pitchFamily="18" charset="0"/>
+              </a:rPr>
+              <a:t>Il PSD è un formato di file proprietario sviluppato da Adobe Systems. La sua particolarità è quella di essere un formato di grafica vettoriale molto versatile. È utilizzato per creare immagini vettoriali  e progetti multimediali. </a:t>
+            </a:r>
+          </a:p>
+          <a:p>
+            <a:endParaRPr lang="it-IT" dirty="0"/>
+          </a:p>
+        </p:txBody>
+      </p:sp>
+    </p:spTree>
+    <p:extLst>
+      <p:ext uri="{BB962C8B-B14F-4D97-AF65-F5344CB8AC3E}">
+        <p14:creationId xmlns:p14="http://schemas.microsoft.com/office/powerpoint/2010/main" xmlns="" val="3152011591"/>
+      </p:ext>
+    </p:extLst>
+  </p:cSld>
+  <p:clrMapOvr>
+    <a:masterClrMapping/>
+  </p:clrMapOvr>
+</p:sld>
+</file>
+
+<file path=ppt/slides/slide15.xml><?xml version="1.0" encoding="utf-8"?>
+<p:sld xmlns:a="http://schemas.openxmlformats.org/drawingml/2006/main" xmlns:r="http://schemas.openxmlformats.org/officeDocument/2006/relationships" xmlns:p="http://schemas.openxmlformats.org/presentationml/2006/main">
+  <p:cSld>
+    <p:spTree>
+      <p:nvGrpSpPr>
+        <p:cNvPr id="1" name=""/>
+        <p:cNvGrpSpPr/>
+        <p:nvPr/>
+      </p:nvGrpSpPr>
+      <p:grpSpPr>
+        <a:xfrm>
+          <a:off x="0" y="0"/>
+          <a:ext cx="0" cy="0"/>
+          <a:chOff x="0" y="0"/>
+          <a:chExt cx="0" cy="0"/>
+        </a:xfrm>
+      </p:grpSpPr>
+      <p:sp>
+        <p:nvSpPr>
+          <p:cNvPr id="2" name="Titolo 1"/>
+          <p:cNvSpPr>
+            <a:spLocks noGrp="1"/>
+          </p:cNvSpPr>
+          <p:nvPr>
+            <p:ph type="title"/>
+          </p:nvPr>
+        </p:nvSpPr>
+        <p:spPr/>
+        <p:txBody>
+          <a:bodyPr/>
+          <a:lstStyle/>
+          <a:p>
+            <a:r>
+              <a:rPr lang="it-IT" smtClean="0"/>
+              <a:t>Best Practices</a:t>
+            </a:r>
+            <a:endParaRPr lang="it-IT"/>
+          </a:p>
+        </p:txBody>
+      </p:sp>
+      <p:sp>
+        <p:nvSpPr>
+          <p:cNvPr id="3" name="Segnaposto contenuto 2"/>
+          <p:cNvSpPr>
+            <a:spLocks noGrp="1"/>
+          </p:cNvSpPr>
+          <p:nvPr>
+            <p:ph idx="1"/>
+          </p:nvPr>
+        </p:nvSpPr>
+        <p:spPr/>
+        <p:txBody>
+          <a:bodyPr/>
+          <a:lstStyle/>
+          <a:p>
+            <a:r>
+              <a:rPr lang="it-IT" sz="2400" smtClean="0">
+                <a:latin typeface="Times New Roman" pitchFamily="18" charset="0"/>
+                <a:cs typeface="Times New Roman" pitchFamily="18" charset="0"/>
+              </a:rPr>
+              <a:t>Se l’immagine da vettorizzare è troppo grande, caricarla potrebbe richiedere </a:t>
+            </a:r>
+            <a:r>
+              <a:rPr lang="it-IT" sz="2400" smtClean="0">
+                <a:latin typeface="Times New Roman" pitchFamily="18" charset="0"/>
+                <a:cs typeface="Times New Roman" pitchFamily="18" charset="0"/>
+              </a:rPr>
+              <a:t>troppo </a:t>
+            </a:r>
+            <a:r>
+              <a:rPr lang="it-IT" sz="2400" smtClean="0">
+                <a:latin typeface="Times New Roman" pitchFamily="18" charset="0"/>
+                <a:cs typeface="Times New Roman" pitchFamily="18" charset="0"/>
+              </a:rPr>
+              <a:t>tempo, quindi risulta utile limitarne le dimensioni.</a:t>
+            </a:r>
+          </a:p>
+          <a:p>
+            <a:r>
+              <a:rPr lang="it-IT" sz="2400" smtClean="0">
+                <a:latin typeface="Times New Roman" pitchFamily="18" charset="0"/>
+                <a:cs typeface="Times New Roman" pitchFamily="18" charset="0"/>
+              </a:rPr>
+              <a:t>Sebbene </a:t>
+            </a:r>
+            <a:r>
+              <a:rPr lang="it-IT" sz="2400" smtClean="0">
+                <a:latin typeface="Times New Roman" pitchFamily="18" charset="0"/>
+                <a:cs typeface="Times New Roman" pitchFamily="18" charset="0"/>
+              </a:rPr>
+              <a:t>i vector drawables supportino anche più di un colore, spesso è raccomandabile usare icone nere (android:fillColor=”#FF000000”). In questo modo è possibile aggiungere una tinta, che diventerà il colore dell’icona. Se il colore dell’icona non è nero, il colore potrebbe fondersi con quello della tinta.</a:t>
+            </a:r>
+          </a:p>
+          <a:p>
+            <a:endParaRPr lang="it-IT"/>
+          </a:p>
+        </p:txBody>
+      </p:sp>
+      <p:sp>
+        <p:nvSpPr>
+          <p:cNvPr id="4" name="Segnaposto data 3"/>
+          <p:cNvSpPr>
+            <a:spLocks noGrp="1"/>
+          </p:cNvSpPr>
+          <p:nvPr>
+            <p:ph type="dt" sz="half" idx="10"/>
+          </p:nvPr>
+        </p:nvSpPr>
+        <p:spPr/>
+        <p:txBody>
+          <a:bodyPr/>
+          <a:lstStyle/>
+          <a:p>
+            <a:pPr rtl="0"/>
+            <a:fld id="{85E0D28E-6F2F-4715-A424-3B01AC64AD4B}" type="datetime1">
+              <a:rPr lang="it-IT" smtClean="0"/>
+              <a:pPr rtl="0"/>
+              <a:t>21/05/2020</a:t>
+            </a:fld>
+            <a:endParaRPr lang="en-US"/>
+          </a:p>
+        </p:txBody>
+      </p:sp>
+    </p:spTree>
+  </p:cSld>
+  <p:clrMapOvr>
+    <a:masterClrMapping/>
+  </p:clrMapOvr>
+</p:sld>
+</file>
+
+<file path=ppt/slides/slide16.xml><?xml version="1.0" encoding="utf-8"?>
+<p:sld xmlns:a="http://schemas.openxmlformats.org/drawingml/2006/main" xmlns:r="http://schemas.openxmlformats.org/officeDocument/2006/relationships" xmlns:p="http://schemas.openxmlformats.org/presentationml/2006/main">
+  <p:cSld>
+    <p:spTree>
+      <p:nvGrpSpPr>
+        <p:cNvPr id="1" name=""/>
+        <p:cNvGrpSpPr/>
+        <p:nvPr/>
+      </p:nvGrpSpPr>
+      <p:grpSpPr>
+        <a:xfrm>
+          <a:off x="0" y="0"/>
+          <a:ext cx="0" cy="0"/>
+          <a:chOff x="0" y="0"/>
+          <a:chExt cx="0" cy="0"/>
+        </a:xfrm>
+      </p:grpSpPr>
+      <p:sp>
+        <p:nvSpPr>
+          <p:cNvPr id="2" name="Titolo 1"/>
+          <p:cNvSpPr>
+            <a:spLocks noGrp="1"/>
+          </p:cNvSpPr>
+          <p:nvPr>
+            <p:ph type="title"/>
+          </p:nvPr>
+        </p:nvSpPr>
+        <p:spPr/>
+        <p:txBody>
+          <a:bodyPr/>
+          <a:lstStyle/>
+          <a:p>
+            <a:r>
+              <a:rPr lang="it-IT" smtClean="0"/>
+              <a:t>Caso di errore</a:t>
+            </a:r>
+            <a:endParaRPr lang="it-IT"/>
+          </a:p>
+        </p:txBody>
+      </p:sp>
+      <p:sp>
+        <p:nvSpPr>
+          <p:cNvPr id="3" name="Segnaposto contenuto 2"/>
+          <p:cNvSpPr>
+            <a:spLocks noGrp="1"/>
+          </p:cNvSpPr>
+          <p:nvPr>
+            <p:ph idx="1"/>
+          </p:nvPr>
+        </p:nvSpPr>
+        <p:spPr/>
+        <p:txBody>
+          <a:bodyPr/>
+          <a:lstStyle/>
+          <a:p>
+            <a:r>
+              <a:rPr lang="it-IT" sz="2400" smtClean="0">
+                <a:latin typeface="Times New Roman" pitchFamily="18" charset="0"/>
+                <a:cs typeface="Times New Roman" pitchFamily="18" charset="0"/>
+              </a:rPr>
+              <a:t>In questo strumento non sono ancora supportate alcune funzionalità, nel caso in cui venga trovato qualcosa non supportato nel file svg, verrà riportato come errore in basso nella finestra, con annessi error details.</a:t>
+            </a:r>
+          </a:p>
+          <a:p>
+            <a:endParaRPr lang="it-IT"/>
+          </a:p>
+        </p:txBody>
+      </p:sp>
+    </p:spTree>
+  </p:cSld>
+  <p:clrMapOvr>
+    <a:masterClrMapping/>
+  </p:clrMapOvr>
+</p:sld>
+</file>
+
+<file path=ppt/slides/slide17.xml><?xml version="1.0" encoding="utf-8"?>
+<p:sld xmlns:a="http://schemas.openxmlformats.org/drawingml/2006/main" xmlns:r="http://schemas.openxmlformats.org/officeDocument/2006/relationships" xmlns:p="http://schemas.openxmlformats.org/presentationml/2006/main">
+  <p:cSld>
+    <p:spTree>
+      <p:nvGrpSpPr>
+        <p:cNvPr id="1" name=""/>
+        <p:cNvGrpSpPr/>
+        <p:nvPr/>
+      </p:nvGrpSpPr>
+      <p:grpSpPr>
+        <a:xfrm>
+          <a:off x="0" y="0"/>
+          <a:ext cx="0" cy="0"/>
+          <a:chOff x="0" y="0"/>
+          <a:chExt cx="0" cy="0"/>
+        </a:xfrm>
+      </p:grpSpPr>
+      <p:sp>
+        <p:nvSpPr>
+          <p:cNvPr id="2" name="Titolo 1"/>
+          <p:cNvSpPr>
+            <a:spLocks noGrp="1"/>
+          </p:cNvSpPr>
+          <p:nvPr>
+            <p:ph type="title"/>
+          </p:nvPr>
+        </p:nvSpPr>
+        <p:spPr/>
+        <p:txBody>
+          <a:bodyPr/>
+          <a:lstStyle/>
+          <a:p>
+            <a:r>
+              <a:rPr lang="it-IT" smtClean="0"/>
+              <a:t>Generazione di PNG</a:t>
+            </a:r>
+            <a:endParaRPr lang="it-IT"/>
+          </a:p>
+        </p:txBody>
+      </p:sp>
+      <p:sp>
+        <p:nvSpPr>
+          <p:cNvPr id="3" name="Segnaposto contenuto 2"/>
+          <p:cNvSpPr>
+            <a:spLocks noGrp="1"/>
+          </p:cNvSpPr>
+          <p:nvPr>
+            <p:ph idx="1"/>
+          </p:nvPr>
+        </p:nvSpPr>
+        <p:spPr/>
+        <p:txBody>
+          <a:bodyPr>
+            <a:normAutofit/>
+          </a:bodyPr>
+          <a:lstStyle/>
+          <a:p>
+            <a:pPr>
+              <a:buNone/>
+            </a:pPr>
+            <a:r>
+              <a:rPr lang="it-IT" sz="2400" smtClean="0">
+                <a:latin typeface="Times New Roman" pitchFamily="18" charset="0"/>
+                <a:cs typeface="Times New Roman" pitchFamily="18" charset="0"/>
+              </a:rPr>
+              <a:t>Per le versioni precedenti ad Android 5.0, Vector Asset Studio aggiunge il file vector drawable al progetto, inoltre Gradle crea immagini PNG bitmap a varie risoluzioni. Le densità delle immagini PNG sono specificate dalla proprietà generatedDensities del Domain Specific Language in un file build.gradle.</a:t>
+            </a:r>
+          </a:p>
+          <a:p>
+            <a:pPr>
+              <a:buNone/>
+            </a:pPr>
+            <a:r>
+              <a:rPr lang="it-IT" sz="2400" smtClean="0">
+                <a:latin typeface="Times New Roman" pitchFamily="18" charset="0"/>
+                <a:cs typeface="Times New Roman" pitchFamily="18" charset="0"/>
+              </a:rPr>
+              <a:t>Per le versioni successive ad Android 5.0, Vector Asset Studio supporta tutti gli elementi VectorDrawable.</a:t>
+            </a:r>
+          </a:p>
+          <a:p>
+            <a:endParaRPr lang="it-IT"/>
+          </a:p>
+        </p:txBody>
+      </p:sp>
+    </p:spTree>
+  </p:cSld>
+  <p:clrMapOvr>
+    <a:masterClrMapping/>
+  </p:clrMapOvr>
+</p:sld>
+</file>
+
+<file path=ppt/slides/slide18.xml><?xml version="1.0" encoding="utf-8"?>
+<p:sld xmlns:a="http://schemas.openxmlformats.org/drawingml/2006/main" xmlns:r="http://schemas.openxmlformats.org/officeDocument/2006/relationships" xmlns:p="http://schemas.openxmlformats.org/presentationml/2006/main">
+  <p:cSld>
+    <p:spTree>
+      <p:nvGrpSpPr>
+        <p:cNvPr id="1" name=""/>
+        <p:cNvGrpSpPr/>
+        <p:nvPr/>
+      </p:nvGrpSpPr>
+      <p:grpSpPr>
+        <a:xfrm>
+          <a:off x="0" y="0"/>
+          <a:ext cx="0" cy="0"/>
+          <a:chOff x="0" y="0"/>
+          <a:chExt cx="0" cy="0"/>
+        </a:xfrm>
+      </p:grpSpPr>
+      <p:sp>
+        <p:nvSpPr>
+          <p:cNvPr id="3" name="Segnaposto contenuto 2"/>
+          <p:cNvSpPr>
+            <a:spLocks noGrp="1"/>
+          </p:cNvSpPr>
+          <p:nvPr>
+            <p:ph idx="1"/>
+          </p:nvPr>
+        </p:nvSpPr>
+        <p:spPr>
+          <a:xfrm>
+            <a:off x="1066800" y="767443"/>
+            <a:ext cx="10058400" cy="5185301"/>
+          </a:xfrm>
+        </p:spPr>
+        <p:txBody>
+          <a:bodyPr>
+            <a:normAutofit/>
+          </a:bodyPr>
+          <a:lstStyle/>
+          <a:p>
+            <a:pPr>
+              <a:buNone/>
+            </a:pPr>
+            <a:endParaRPr lang="it-IT" sz="2400" smtClean="0">
+              <a:latin typeface="Times New Roman" pitchFamily="18" charset="0"/>
+              <a:cs typeface="Times New Roman" pitchFamily="18" charset="0"/>
+            </a:endParaRPr>
+          </a:p>
+          <a:p>
+            <a:pPr>
+              <a:buNone/>
+            </a:pPr>
+            <a:r>
+              <a:rPr lang="it-IT" sz="2400" smtClean="0">
+                <a:latin typeface="Times New Roman" pitchFamily="18" charset="0"/>
+                <a:cs typeface="Times New Roman" pitchFamily="18" charset="0"/>
+              </a:rPr>
+              <a:t>Per </a:t>
+            </a:r>
+            <a:r>
+              <a:rPr lang="it-IT" sz="2400" smtClean="0">
+                <a:latin typeface="Times New Roman" pitchFamily="18" charset="0"/>
+                <a:cs typeface="Times New Roman" pitchFamily="18" charset="0"/>
+              </a:rPr>
+              <a:t>la retrocompatibilità con Android 4.4 e precedenti, Vector Asset Studio supporta i seguenti elementi </a:t>
+            </a:r>
+            <a:r>
+              <a:rPr lang="it-IT" sz="2400" smtClean="0">
+                <a:latin typeface="Times New Roman" pitchFamily="18" charset="0"/>
+                <a:cs typeface="Times New Roman" pitchFamily="18" charset="0"/>
+              </a:rPr>
+              <a:t>XML</a:t>
+            </a:r>
+            <a:r>
+              <a:rPr lang="it-IT" sz="2400" smtClean="0">
+                <a:latin typeface="Times New Roman" pitchFamily="18" charset="0"/>
+                <a:cs typeface="Times New Roman" pitchFamily="18" charset="0"/>
+              </a:rPr>
+              <a:t>:</a:t>
+            </a:r>
+          </a:p>
+          <a:p>
+            <a:pPr>
+              <a:buNone/>
+            </a:pPr>
+            <a:endParaRPr lang="it-IT" sz="2400" smtClean="0">
+              <a:latin typeface="Times New Roman" pitchFamily="18" charset="0"/>
+              <a:cs typeface="Times New Roman" pitchFamily="18" charset="0"/>
+            </a:endParaRPr>
+          </a:p>
+          <a:p>
+            <a:pPr>
+              <a:buNone/>
+            </a:pPr>
+            <a:r>
+              <a:rPr lang="it-IT" sz="2400" smtClean="0"/>
+              <a:t>&lt;vector&gt;</a:t>
+            </a:r>
+          </a:p>
+          <a:p>
+            <a:pPr lvl="1">
+              <a:buFont typeface="Wingdings" pitchFamily="2" charset="2"/>
+              <a:buChar char="§"/>
+            </a:pPr>
+            <a:r>
+              <a:rPr lang="it-IT" sz="2200" smtClean="0"/>
+              <a:t>android:width</a:t>
+            </a:r>
+          </a:p>
+          <a:p>
+            <a:pPr lvl="1">
+              <a:buFont typeface="Wingdings" pitchFamily="2" charset="2"/>
+              <a:buChar char="§"/>
+            </a:pPr>
+            <a:r>
+              <a:rPr lang="it-IT" sz="2200" smtClean="0"/>
+              <a:t>android:height</a:t>
+            </a:r>
+          </a:p>
+          <a:p>
+            <a:pPr lvl="1">
+              <a:buFont typeface="Wingdings" pitchFamily="2" charset="2"/>
+              <a:buChar char="§"/>
+            </a:pPr>
+            <a:r>
+              <a:rPr lang="it-IT" sz="2200" smtClean="0"/>
+              <a:t>android:viewportWidth</a:t>
+            </a:r>
+          </a:p>
+          <a:p>
+            <a:pPr lvl="1">
+              <a:buFont typeface="Wingdings" pitchFamily="2" charset="2"/>
+              <a:buChar char="§"/>
+            </a:pPr>
+            <a:r>
+              <a:rPr lang="it-IT" sz="2200" smtClean="0"/>
+              <a:t>android:viewportHeight</a:t>
+            </a:r>
+          </a:p>
+          <a:p>
+            <a:pPr lvl="1">
+              <a:buFont typeface="Wingdings" pitchFamily="2" charset="2"/>
+              <a:buChar char="§"/>
+            </a:pPr>
+            <a:r>
+              <a:rPr lang="it-IT" sz="2200" smtClean="0"/>
+              <a:t>android:alpha</a:t>
+            </a:r>
+          </a:p>
+          <a:p>
+            <a:pPr>
+              <a:buNone/>
+            </a:pPr>
+            <a:endParaRPr lang="it-IT" sz="2400" smtClean="0">
+              <a:latin typeface="Times New Roman" pitchFamily="18" charset="0"/>
+              <a:cs typeface="Times New Roman" pitchFamily="18" charset="0"/>
+            </a:endParaRPr>
+          </a:p>
+          <a:p>
+            <a:pPr>
+              <a:buNone/>
+            </a:pPr>
+            <a:endParaRPr lang="it-IT" sz="2400">
+              <a:latin typeface="Times New Roman" pitchFamily="18" charset="0"/>
+              <a:cs typeface="Times New Roman" pitchFamily="18" charset="0"/>
+            </a:endParaRPr>
+          </a:p>
+        </p:txBody>
+      </p:sp>
+    </p:spTree>
+  </p:cSld>
+  <p:clrMapOvr>
+    <a:masterClrMapping/>
+  </p:clrMapOvr>
+</p:sld>
+</file>
+
+<file path=ppt/slides/slide19.xml><?xml version="1.0" encoding="utf-8"?>
+<p:sld xmlns:a="http://schemas.openxmlformats.org/drawingml/2006/main" xmlns:r="http://schemas.openxmlformats.org/officeDocument/2006/relationships" xmlns:p="http://schemas.openxmlformats.org/presentationml/2006/main">
+  <p:cSld>
+    <p:spTree>
+      <p:nvGrpSpPr>
+        <p:cNvPr id="1" name=""/>
+        <p:cNvGrpSpPr/>
+        <p:nvPr/>
+      </p:nvGrpSpPr>
+      <p:grpSpPr>
+        <a:xfrm>
+          <a:off x="0" y="0"/>
+          <a:ext cx="0" cy="0"/>
+          <a:chOff x="0" y="0"/>
+          <a:chExt cx="0" cy="0"/>
+        </a:xfrm>
+      </p:grpSpPr>
+      <p:sp>
+        <p:nvSpPr>
+          <p:cNvPr id="3" name="Segnaposto contenuto 2"/>
+          <p:cNvSpPr>
+            <a:spLocks noGrp="1"/>
+          </p:cNvSpPr>
+          <p:nvPr>
+            <p:ph idx="1"/>
+          </p:nvPr>
+        </p:nvSpPr>
+        <p:spPr>
+          <a:xfrm>
+            <a:off x="1066799" y="1498963"/>
+            <a:ext cx="3995057" cy="3849624"/>
+          </a:xfrm>
+        </p:spPr>
+        <p:txBody>
+          <a:bodyPr>
+            <a:noAutofit/>
+          </a:bodyPr>
+          <a:lstStyle/>
+          <a:p>
+            <a:pPr indent="0">
+              <a:buNone/>
+            </a:pPr>
+            <a:r>
+              <a:rPr lang="it-IT" sz="2400" smtClean="0"/>
+              <a:t>&lt;group&gt;</a:t>
+            </a:r>
+          </a:p>
+          <a:p>
+            <a:pPr lvl="1" indent="0">
+              <a:buFont typeface="Wingdings" pitchFamily="2" charset="2"/>
+              <a:buChar char="§"/>
+            </a:pPr>
+            <a:r>
+              <a:rPr lang="it-IT" sz="2200" smtClean="0"/>
+              <a:t>android:rotation</a:t>
+            </a:r>
+          </a:p>
+          <a:p>
+            <a:pPr lvl="1" indent="0">
+              <a:buFont typeface="Wingdings" pitchFamily="2" charset="2"/>
+              <a:buChar char="§"/>
+            </a:pPr>
+            <a:r>
+              <a:rPr lang="it-IT" sz="2200" smtClean="0"/>
+              <a:t>android:pivotX</a:t>
+            </a:r>
+          </a:p>
+          <a:p>
+            <a:pPr lvl="1" indent="0">
+              <a:buFont typeface="Wingdings" pitchFamily="2" charset="2"/>
+              <a:buChar char="§"/>
+            </a:pPr>
+            <a:r>
+              <a:rPr lang="it-IT" sz="2200" smtClean="0"/>
+              <a:t>android:pivotY</a:t>
+            </a:r>
+          </a:p>
+          <a:p>
+            <a:pPr lvl="1" indent="0">
+              <a:buFont typeface="Wingdings" pitchFamily="2" charset="2"/>
+              <a:buChar char="§"/>
+            </a:pPr>
+            <a:r>
+              <a:rPr lang="it-IT" sz="2200" smtClean="0"/>
+              <a:t>android:scaleX</a:t>
+            </a:r>
+          </a:p>
+          <a:p>
+            <a:pPr lvl="1" indent="0">
+              <a:buFont typeface="Wingdings" pitchFamily="2" charset="2"/>
+              <a:buChar char="§"/>
+            </a:pPr>
+            <a:r>
+              <a:rPr lang="it-IT" sz="2200" smtClean="0"/>
+              <a:t>android:scaleY</a:t>
+            </a:r>
+          </a:p>
+          <a:p>
+            <a:pPr lvl="1" indent="0">
+              <a:buFont typeface="Wingdings" pitchFamily="2" charset="2"/>
+              <a:buChar char="§"/>
+            </a:pPr>
+            <a:r>
+              <a:rPr lang="it-IT" sz="2200" smtClean="0"/>
+              <a:t>android:translateX</a:t>
+            </a:r>
+          </a:p>
+          <a:p>
+            <a:pPr lvl="1" indent="0">
+              <a:buFont typeface="Wingdings" pitchFamily="2" charset="2"/>
+              <a:buChar char="§"/>
+            </a:pPr>
+            <a:r>
+              <a:rPr lang="it-IT" sz="2200" smtClean="0"/>
+              <a:t>android:translateY</a:t>
+            </a:r>
+          </a:p>
+          <a:p>
+            <a:pPr indent="0">
+              <a:buNone/>
+            </a:pPr>
+            <a:endParaRPr lang="it-IT" sz="2400">
+              <a:latin typeface="+mj-lt"/>
+              <a:cs typeface="Courier New" pitchFamily="49" charset="0"/>
+            </a:endParaRPr>
+          </a:p>
+        </p:txBody>
+      </p:sp>
+      <p:sp>
+        <p:nvSpPr>
+          <p:cNvPr id="9" name="CasellaDiTesto 8"/>
+          <p:cNvSpPr txBox="1"/>
+          <p:nvPr/>
+        </p:nvSpPr>
+        <p:spPr>
+          <a:xfrm>
+            <a:off x="6711042" y="1355271"/>
+            <a:ext cx="4506686" cy="3877985"/>
+          </a:xfrm>
+          <a:prstGeom prst="rect">
+            <a:avLst/>
+          </a:prstGeom>
+          <a:noFill/>
+        </p:spPr>
+        <p:txBody>
+          <a:bodyPr wrap="square" rtlCol="0">
+            <a:spAutoFit/>
+          </a:bodyPr>
+          <a:lstStyle/>
+          <a:p>
+            <a:r>
+              <a:rPr lang="it-IT" sz="2400" smtClean="0"/>
+              <a:t>&lt;path&gt;</a:t>
+            </a:r>
+          </a:p>
+          <a:p>
+            <a:pPr lvl="1">
+              <a:buFont typeface="Wingdings" pitchFamily="2" charset="2"/>
+              <a:buChar char="§"/>
+            </a:pPr>
+            <a:r>
+              <a:rPr lang="it-IT" sz="2200" smtClean="0"/>
+              <a:t> android:pathData </a:t>
+            </a:r>
+            <a:endParaRPr lang="it-IT" sz="2200" smtClean="0"/>
+          </a:p>
+          <a:p>
+            <a:pPr lvl="1">
+              <a:buFont typeface="Wingdings" pitchFamily="2" charset="2"/>
+              <a:buChar char="§"/>
+            </a:pPr>
+            <a:r>
+              <a:rPr lang="it-IT" sz="2200" smtClean="0"/>
+              <a:t> android:fillColor</a:t>
+            </a:r>
+            <a:endParaRPr lang="it-IT" sz="2200" smtClean="0"/>
+          </a:p>
+          <a:p>
+            <a:pPr lvl="1">
+              <a:buFont typeface="Wingdings" pitchFamily="2" charset="2"/>
+              <a:buChar char="§"/>
+            </a:pPr>
+            <a:r>
+              <a:rPr lang="it-IT" sz="2200" smtClean="0"/>
+              <a:t> android:strokeColor</a:t>
+            </a:r>
+            <a:endParaRPr lang="it-IT" sz="2200" smtClean="0"/>
+          </a:p>
+          <a:p>
+            <a:pPr lvl="1">
+              <a:buFont typeface="Wingdings" pitchFamily="2" charset="2"/>
+              <a:buChar char="§"/>
+            </a:pPr>
+            <a:r>
+              <a:rPr lang="it-IT" sz="2200" smtClean="0"/>
+              <a:t> android:strokeWidth</a:t>
+            </a:r>
+            <a:endParaRPr lang="it-IT" sz="2200" smtClean="0"/>
+          </a:p>
+          <a:p>
+            <a:pPr lvl="1">
+              <a:buFont typeface="Wingdings" pitchFamily="2" charset="2"/>
+              <a:buChar char="§"/>
+            </a:pPr>
+            <a:r>
+              <a:rPr lang="it-IT" sz="2200" smtClean="0"/>
+              <a:t> android:strokeAlpha</a:t>
+            </a:r>
+            <a:endParaRPr lang="it-IT" sz="2200" smtClean="0"/>
+          </a:p>
+          <a:p>
+            <a:pPr lvl="1">
+              <a:buFont typeface="Wingdings" pitchFamily="2" charset="2"/>
+              <a:buChar char="§"/>
+            </a:pPr>
+            <a:r>
+              <a:rPr lang="it-IT" sz="2200" smtClean="0"/>
+              <a:t> android:fillAlpha</a:t>
+            </a:r>
+            <a:endParaRPr lang="it-IT" sz="2200" smtClean="0"/>
+          </a:p>
+          <a:p>
+            <a:pPr lvl="1">
+              <a:buFont typeface="Wingdings" pitchFamily="2" charset="2"/>
+              <a:buChar char="§"/>
+            </a:pPr>
+            <a:r>
+              <a:rPr lang="it-IT" sz="2200" smtClean="0"/>
+              <a:t> android:strokeLineCap</a:t>
+            </a:r>
+            <a:endParaRPr lang="it-IT" sz="2200" smtClean="0"/>
+          </a:p>
+          <a:p>
+            <a:pPr lvl="1">
+              <a:buFont typeface="Wingdings" pitchFamily="2" charset="2"/>
+              <a:buChar char="§"/>
+            </a:pPr>
+            <a:r>
+              <a:rPr lang="it-IT" sz="2200" smtClean="0"/>
+              <a:t> android:strokeLineJoin</a:t>
+            </a:r>
+            <a:endParaRPr lang="it-IT" sz="2200" smtClean="0"/>
+          </a:p>
+          <a:p>
+            <a:pPr lvl="1">
+              <a:buFont typeface="Wingdings" pitchFamily="2" charset="2"/>
+              <a:buChar char="§"/>
+            </a:pPr>
+            <a:r>
+              <a:rPr lang="it-IT" sz="2200" smtClean="0"/>
+              <a:t> android:strokeMiterLimit</a:t>
+            </a:r>
+            <a:endParaRPr lang="it-IT" sz="2200" smtClean="0"/>
+          </a:p>
+          <a:p>
+            <a:endParaRPr lang="it-IT" sz="2400"/>
+          </a:p>
+        </p:txBody>
+      </p:sp>
+    </p:spTree>
+  </p:cSld>
+  <p:clrMapOvr>
+    <a:masterClrMapping/>
+  </p:clrMapOvr>
+</p:sld>
+</file>
+
+<file path=ppt/slides/slide2.xml><?xml version="1.0" encoding="utf-8"?>
+<p:sld xmlns:a="http://schemas.openxmlformats.org/drawingml/2006/main" xmlns:r="http://schemas.openxmlformats.org/officeDocument/2006/relationships" xmlns:p="http://schemas.openxmlformats.org/presentationml/2006/main">
+  <p:cSld>
+    <p:bg>
+      <p:bgPr>
+        <a:solidFill>
+          <a:schemeClr val="bg1"/>
+        </a:solidFill>
+        <a:effectLst/>
+      </p:bgPr>
+    </p:bg>
+    <p:spTree>
+      <p:nvGrpSpPr>
+        <p:cNvPr id="1" name=""/>
+        <p:cNvGrpSpPr/>
+        <p:nvPr/>
+      </p:nvGrpSpPr>
+      <p:grpSpPr>
+        <a:xfrm>
+          <a:off x="0" y="0"/>
+          <a:ext cx="0" cy="0"/>
+          <a:chOff x="0" y="0"/>
+          <a:chExt cx="0" cy="0"/>
+        </a:xfrm>
+      </p:grpSpPr>
+      <p:sp>
+        <p:nvSpPr>
+          <p:cNvPr id="4" name="Titolo 3">
+            <a:extLst>
+              <a:ext uri="{FF2B5EF4-FFF2-40B4-BE49-F238E27FC236}">
+                <a16:creationId xmlns:a16="http://schemas.microsoft.com/office/drawing/2014/main" xmlns="" id="{6042F595-4D4D-4185-86A7-CBC567109825}"/>
+              </a:ext>
+            </a:extLst>
+          </p:cNvPr>
+          <p:cNvSpPr>
+            <a:spLocks noGrp="1"/>
+          </p:cNvSpPr>
+          <p:nvPr>
+            <p:ph type="title"/>
+          </p:nvPr>
+        </p:nvSpPr>
+        <p:spPr/>
+        <p:txBody>
+          <a:bodyPr/>
+          <a:lstStyle/>
+          <a:p>
+            <a:r>
+              <a:rPr lang="it-IT" dirty="0">
+                <a:cs typeface="Times New Roman" panose="02020603050405020304" pitchFamily="18" charset="0"/>
+              </a:rPr>
+              <a:t>Cos’è </a:t>
+            </a:r>
+            <a:r>
+              <a:rPr lang="it-IT" dirty="0" err="1">
+                <a:cs typeface="Times New Roman" panose="02020603050405020304" pitchFamily="18" charset="0"/>
+              </a:rPr>
+              <a:t>Vector</a:t>
+            </a:r>
+            <a:r>
+              <a:rPr lang="it-IT" dirty="0">
+                <a:cs typeface="Times New Roman" panose="02020603050405020304" pitchFamily="18" charset="0"/>
+              </a:rPr>
+              <a:t> Asset Studio?</a:t>
+            </a:r>
+          </a:p>
+        </p:txBody>
+      </p:sp>
+      <p:sp>
+        <p:nvSpPr>
+          <p:cNvPr id="7" name="Segnaposto contenuto 6">
+            <a:extLst>
+              <a:ext uri="{FF2B5EF4-FFF2-40B4-BE49-F238E27FC236}">
+                <a16:creationId xmlns:a16="http://schemas.microsoft.com/office/drawing/2014/main" xmlns="" id="{7869F837-450C-4E6A-A262-9F07239CD2B8}"/>
+              </a:ext>
+            </a:extLst>
+          </p:cNvPr>
+          <p:cNvSpPr>
+            <a:spLocks noGrp="1"/>
+          </p:cNvSpPr>
+          <p:nvPr>
+            <p:ph idx="1"/>
+          </p:nvPr>
+        </p:nvSpPr>
+        <p:spPr/>
+        <p:txBody>
+          <a:bodyPr>
+            <a:normAutofit/>
+          </a:bodyPr>
+          <a:lstStyle/>
+          <a:p>
+            <a:pPr marL="0" indent="0">
+              <a:buNone/>
+            </a:pPr>
+            <a:r>
+              <a:rPr lang="it-IT" sz="3200" dirty="0">
+                <a:latin typeface="Times New Roman" panose="02020603050405020304" pitchFamily="18" charset="0"/>
+                <a:cs typeface="Times New Roman" panose="02020603050405020304" pitchFamily="18" charset="0"/>
+              </a:rPr>
+              <a:t>Da Android Studio 1.4 è stato introdotto </a:t>
+            </a:r>
+            <a:r>
+              <a:rPr lang="it-IT" sz="3200" dirty="0" err="1">
+                <a:latin typeface="Times New Roman" panose="02020603050405020304" pitchFamily="18" charset="0"/>
+                <a:cs typeface="Times New Roman" panose="02020603050405020304" pitchFamily="18" charset="0"/>
+              </a:rPr>
+              <a:t>Vector</a:t>
+            </a:r>
+            <a:r>
+              <a:rPr lang="it-IT" sz="3200" dirty="0">
+                <a:latin typeface="Times New Roman" panose="02020603050405020304" pitchFamily="18" charset="0"/>
+                <a:cs typeface="Times New Roman" panose="02020603050405020304" pitchFamily="18" charset="0"/>
+              </a:rPr>
+              <a:t> Asset Studio, un tool per prendere un </a:t>
+            </a:r>
+            <a:r>
+              <a:rPr lang="it-IT" sz="3200" dirty="0" err="1">
+                <a:latin typeface="Times New Roman" panose="02020603050405020304" pitchFamily="18" charset="0"/>
+                <a:cs typeface="Times New Roman" panose="02020603050405020304" pitchFamily="18" charset="0"/>
+              </a:rPr>
+              <a:t>vector</a:t>
+            </a:r>
+            <a:r>
+              <a:rPr lang="it-IT" sz="3200" dirty="0">
+                <a:latin typeface="Times New Roman" panose="02020603050405020304" pitchFamily="18" charset="0"/>
+                <a:cs typeface="Times New Roman" panose="02020603050405020304" pitchFamily="18" charset="0"/>
+              </a:rPr>
+              <a:t> asset da </a:t>
+            </a:r>
+            <a:r>
+              <a:rPr lang="it-IT" sz="3200" dirty="0" err="1">
+                <a:latin typeface="Times New Roman" panose="02020603050405020304" pitchFamily="18" charset="0"/>
+                <a:cs typeface="Times New Roman" panose="02020603050405020304" pitchFamily="18" charset="0"/>
+              </a:rPr>
+              <a:t>material</a:t>
+            </a:r>
+            <a:r>
+              <a:rPr lang="it-IT" sz="3200" dirty="0">
+                <a:latin typeface="Times New Roman" panose="02020603050405020304" pitchFamily="18" charset="0"/>
+                <a:cs typeface="Times New Roman" panose="02020603050405020304" pitchFamily="18" charset="0"/>
+              </a:rPr>
+              <a:t> design </a:t>
+            </a:r>
+            <a:r>
+              <a:rPr lang="it-IT" sz="3200" dirty="0" err="1">
+                <a:latin typeface="Times New Roman" panose="02020603050405020304" pitchFamily="18" charset="0"/>
+                <a:cs typeface="Times New Roman" panose="02020603050405020304" pitchFamily="18" charset="0"/>
+              </a:rPr>
+              <a:t>icon</a:t>
+            </a:r>
+            <a:r>
+              <a:rPr lang="it-IT" sz="3200" dirty="0">
+                <a:latin typeface="Times New Roman" panose="02020603050405020304" pitchFamily="18" charset="0"/>
+                <a:cs typeface="Times New Roman" panose="02020603050405020304" pitchFamily="18" charset="0"/>
+              </a:rPr>
+              <a:t> library, o convertire file </a:t>
+            </a:r>
+            <a:r>
+              <a:rPr lang="it-IT" sz="3200" dirty="0" err="1">
+                <a:latin typeface="Times New Roman" panose="02020603050405020304" pitchFamily="18" charset="0"/>
+                <a:cs typeface="Times New Roman" panose="02020603050405020304" pitchFamily="18" charset="0"/>
+              </a:rPr>
+              <a:t>svg</a:t>
+            </a:r>
+            <a:r>
+              <a:rPr lang="it-IT" sz="3200" dirty="0">
+                <a:latin typeface="Times New Roman" panose="02020603050405020304" pitchFamily="18" charset="0"/>
+                <a:cs typeface="Times New Roman" panose="02020603050405020304" pitchFamily="18" charset="0"/>
+              </a:rPr>
+              <a:t> in immagini vettoriali.</a:t>
+            </a:r>
+          </a:p>
+          <a:p>
+            <a:pPr marL="0" indent="0">
+              <a:buNone/>
+            </a:pPr>
+            <a:r>
+              <a:rPr lang="it-IT" sz="3200" dirty="0"/>
+              <a:t> </a:t>
+            </a:r>
+          </a:p>
+        </p:txBody>
+      </p:sp>
+    </p:spTree>
+    <p:extLst>
+      <p:ext uri="{BB962C8B-B14F-4D97-AF65-F5344CB8AC3E}">
+        <p14:creationId xmlns:p14="http://schemas.microsoft.com/office/powerpoint/2010/main" xmlns="" val="183243182"/>
+      </p:ext>
+    </p:extLst>
+  </p:cSld>
+  <p:clrMapOvr>
+    <a:masterClrMapping/>
+  </p:clrMapOvr>
+</p:sld>
+</file>
+
+<file path=ppt/slides/slide20.xml><?xml version="1.0" encoding="utf-8"?>
+<p:sld xmlns:a="http://schemas.openxmlformats.org/drawingml/2006/main" xmlns:r="http://schemas.openxmlformats.org/officeDocument/2006/relationships" xmlns:p="http://schemas.openxmlformats.org/presentationml/2006/main">
+  <p:cSld>
+    <p:spTree>
+      <p:nvGrpSpPr>
+        <p:cNvPr id="1" name=""/>
+        <p:cNvGrpSpPr/>
+        <p:nvPr/>
+      </p:nvGrpSpPr>
+      <p:grpSpPr>
+        <a:xfrm>
+          <a:off x="0" y="0"/>
+          <a:ext cx="0" cy="0"/>
+          <a:chOff x="0" y="0"/>
+          <a:chExt cx="0" cy="0"/>
+        </a:xfrm>
+      </p:grpSpPr>
+      <p:sp>
+        <p:nvSpPr>
+          <p:cNvPr id="2" name="Titolo 1"/>
+          <p:cNvSpPr>
+            <a:spLocks noGrp="1"/>
+          </p:cNvSpPr>
+          <p:nvPr>
+            <p:ph type="title"/>
+          </p:nvPr>
+        </p:nvSpPr>
+        <p:spPr/>
+        <p:txBody>
+          <a:bodyPr/>
+          <a:lstStyle/>
+          <a:p>
+            <a:r>
+              <a:rPr lang="it-IT" smtClean="0"/>
+              <a:t>Libreria di supporto</a:t>
+            </a:r>
+            <a:endParaRPr lang="it-IT"/>
+          </a:p>
+        </p:txBody>
+      </p:sp>
+      <p:sp>
+        <p:nvSpPr>
+          <p:cNvPr id="3" name="Segnaposto contenuto 2"/>
+          <p:cNvSpPr>
+            <a:spLocks noGrp="1"/>
+          </p:cNvSpPr>
+          <p:nvPr>
+            <p:ph idx="1"/>
+          </p:nvPr>
+        </p:nvSpPr>
+        <p:spPr/>
+        <p:txBody>
+          <a:bodyPr>
+            <a:normAutofit fontScale="92500" lnSpcReduction="20000"/>
+          </a:bodyPr>
+          <a:lstStyle/>
+          <a:p>
+            <a:pPr>
+              <a:buNone/>
+            </a:pPr>
+            <a:r>
+              <a:rPr lang="it-IT" sz="2400" smtClean="0">
+                <a:latin typeface="Times New Roman" pitchFamily="18" charset="0"/>
+                <a:cs typeface="Times New Roman" pitchFamily="18" charset="0"/>
+              </a:rPr>
+              <a:t>Priuma di usare Vector Asset Studio bisogna aggiungere una dichiarazione nel file </a:t>
+            </a:r>
+            <a:r>
+              <a:rPr lang="it-IT" sz="2400" smtClean="0">
+                <a:latin typeface="Courier New" pitchFamily="49" charset="0"/>
+                <a:cs typeface="Courier New" pitchFamily="49" charset="0"/>
+              </a:rPr>
+              <a:t>build.gradle</a:t>
+            </a:r>
+            <a:r>
+              <a:rPr lang="it-IT" sz="2400" smtClean="0">
+                <a:latin typeface="Times New Roman" pitchFamily="18" charset="0"/>
+                <a:cs typeface="Times New Roman" pitchFamily="18" charset="0"/>
+              </a:rPr>
+              <a:t>: </a:t>
+            </a:r>
+            <a:r>
+              <a:rPr lang="it-IT" sz="2400" smtClean="0">
+                <a:solidFill>
+                  <a:srgbClr val="FF0000"/>
+                </a:solidFill>
+                <a:latin typeface="Times New Roman" pitchFamily="18" charset="0"/>
+                <a:cs typeface="Times New Roman" pitchFamily="18" charset="0"/>
+              </a:rPr>
+              <a:t>// inserire snippet fare screen</a:t>
+            </a:r>
+          </a:p>
+          <a:p>
+            <a:pPr>
+              <a:buNone/>
+            </a:pPr>
+            <a:r>
+              <a:rPr lang="it-IT" sz="2400" smtClean="0"/>
+              <a:t>android {</a:t>
+            </a:r>
+            <a:br>
+              <a:rPr lang="it-IT" sz="2400" smtClean="0"/>
+            </a:br>
+            <a:r>
+              <a:rPr lang="it-IT" sz="2400" smtClean="0"/>
+              <a:t>  defaultConfig {</a:t>
+            </a:r>
+            <a:br>
+              <a:rPr lang="it-IT" sz="2400" smtClean="0"/>
+            </a:br>
+            <a:r>
+              <a:rPr lang="it-IT" sz="2400" smtClean="0"/>
+              <a:t>    vectorDrawables.useSupportLibrary = true</a:t>
+            </a:r>
+            <a:br>
+              <a:rPr lang="it-IT" sz="2400" smtClean="0"/>
+            </a:br>
+            <a:r>
+              <a:rPr lang="it-IT" sz="2400" smtClean="0"/>
+              <a:t>  }</a:t>
+            </a:r>
+            <a:br>
+              <a:rPr lang="it-IT" sz="2400" smtClean="0"/>
+            </a:br>
+            <a:r>
+              <a:rPr lang="it-IT" sz="2400" smtClean="0"/>
+              <a:t>}</a:t>
+            </a:r>
+            <a:br>
+              <a:rPr lang="it-IT" sz="2400" smtClean="0"/>
+            </a:br>
+            <a:r>
+              <a:rPr lang="it-IT" sz="2400" smtClean="0"/>
+              <a:t/>
+            </a:r>
+            <a:br>
+              <a:rPr lang="it-IT" sz="2400" smtClean="0"/>
+            </a:br>
+            <a:r>
+              <a:rPr lang="it-IT" sz="2400" smtClean="0"/>
+              <a:t>dependencies {</a:t>
+            </a:r>
+            <a:br>
+              <a:rPr lang="it-IT" sz="2400" smtClean="0"/>
+            </a:br>
+            <a:r>
+              <a:rPr lang="it-IT" sz="2400" smtClean="0"/>
+              <a:t>  compile 'com.android.support:appcompat-v7:23.2.0'</a:t>
+            </a:r>
+            <a:br>
+              <a:rPr lang="it-IT" sz="2400" smtClean="0"/>
+            </a:br>
+            <a:r>
+              <a:rPr lang="it-IT" sz="2400" smtClean="0"/>
+              <a:t>}</a:t>
+            </a:r>
+            <a:endParaRPr lang="it-IT" sz="2400">
+              <a:latin typeface="Times New Roman" pitchFamily="18" charset="0"/>
+              <a:cs typeface="Times New Roman" pitchFamily="18" charset="0"/>
+            </a:endParaRPr>
+          </a:p>
+        </p:txBody>
+      </p:sp>
+    </p:spTree>
+  </p:cSld>
+  <p:clrMapOvr>
+    <a:masterClrMapping/>
+  </p:clrMapOvr>
+</p:sld>
+</file>
+
+<file path=ppt/slides/slide21.xml><?xml version="1.0" encoding="utf-8"?>
+<p:sld xmlns:a="http://schemas.openxmlformats.org/drawingml/2006/main" xmlns:r="http://schemas.openxmlformats.org/officeDocument/2006/relationships" xmlns:p="http://schemas.openxmlformats.org/presentationml/2006/main">
+  <p:cSld>
+    <p:spTree>
+      <p:nvGrpSpPr>
+        <p:cNvPr id="1" name=""/>
+        <p:cNvGrpSpPr/>
+        <p:nvPr/>
+      </p:nvGrpSpPr>
+      <p:grpSpPr>
+        <a:xfrm>
+          <a:off x="0" y="0"/>
+          <a:ext cx="0" cy="0"/>
+          <a:chOff x="0" y="0"/>
+          <a:chExt cx="0" cy="0"/>
+        </a:xfrm>
+      </p:grpSpPr>
+      <p:sp>
+        <p:nvSpPr>
+          <p:cNvPr id="2" name="Titolo 1">
+            <a:extLst>
+              <a:ext uri="{FF2B5EF4-FFF2-40B4-BE49-F238E27FC236}">
                 <a16:creationId xmlns:a16="http://schemas.microsoft.com/office/drawing/2014/main" xmlns="" id="{9AE4C8B6-E0B8-485F-A4DA-8628A66B76D2}"/>
               </a:ext>
             </a:extLst>
@@ -5576,28 +7281,10 @@
           <a:lstStyle/>
           <a:p>
             <a:r>
-              <a:rPr lang="it-IT" dirty="0">
-                <a:cs typeface="Times New Roman" panose="02020603050405020304" pitchFamily="18" charset="0"/>
-              </a:rPr>
-              <a:t>Usare </a:t>
-            </a:r>
-            <a:r>
-              <a:rPr lang="it-IT" err="1">
-                <a:cs typeface="Times New Roman" panose="02020603050405020304" pitchFamily="18" charset="0"/>
-              </a:rPr>
-              <a:t>Vector</a:t>
-            </a:r>
-            <a:r>
-              <a:rPr lang="it-IT">
-                <a:cs typeface="Times New Roman" panose="02020603050405020304" pitchFamily="18" charset="0"/>
-              </a:rPr>
-              <a:t> </a:t>
-            </a:r>
-            <a:r>
               <a:rPr lang="it-IT" smtClean="0">
                 <a:cs typeface="Times New Roman" panose="02020603050405020304" pitchFamily="18" charset="0"/>
               </a:rPr>
-              <a:t>Asset Studio</a:t>
+              <a:t>Avviare Vector Asset Studio</a:t>
             </a:r>
             <a:endParaRPr lang="it-IT" dirty="0">
               <a:cs typeface="Times New Roman" panose="02020603050405020304" pitchFamily="18" charset="0"/>
@@ -5634,8 +7321,8 @@
         </p:blipFill>
         <p:spPr>
           <a:xfrm>
-            <a:off x="768626" y="3213795"/>
-            <a:ext cx="10183450" cy="3120744"/>
+            <a:off x="997226" y="2743200"/>
+            <a:ext cx="10183450" cy="3575010"/>
           </a:xfrm>
           <a:prstGeom prst="rect">
             <a:avLst/>
@@ -5686,8 +7373,8 @@
         </p:nvSpPr>
         <p:spPr>
           <a:xfrm>
-            <a:off x="768626" y="1828800"/>
-            <a:ext cx="7606748" cy="1384995"/>
+            <a:off x="768625" y="1828800"/>
+            <a:ext cx="10792003" cy="830997"/>
           </a:xfrm>
           <a:prstGeom prst="rect">
             <a:avLst/>
@@ -5701,28 +7388,59 @@
           <a:lstStyle/>
           <a:p>
             <a:r>
-              <a:rPr lang="it-IT" sz="2800" dirty="0">
-                <a:latin typeface="Times New Roman" panose="02020603050405020304" pitchFamily="18" charset="0"/>
-                <a:cs typeface="Times New Roman" panose="02020603050405020304" pitchFamily="18" charset="0"/>
-              </a:rPr>
-              <a:t>1) Fare click destro su qualsiasi folder nell’applicazione, poi passare il cursore su New e compare </a:t>
-            </a:r>
-            <a:r>
-              <a:rPr lang="it-IT" sz="2800" dirty="0" err="1">
-                <a:latin typeface="Times New Roman" panose="02020603050405020304" pitchFamily="18" charset="0"/>
-                <a:cs typeface="Times New Roman" panose="02020603050405020304" pitchFamily="18" charset="0"/>
-              </a:rPr>
-              <a:t>vector</a:t>
-            </a:r>
-            <a:r>
-              <a:rPr lang="it-IT" sz="2800" dirty="0">
-                <a:latin typeface="Times New Roman" panose="02020603050405020304" pitchFamily="18" charset="0"/>
-                <a:cs typeface="Times New Roman" panose="02020603050405020304" pitchFamily="18" charset="0"/>
-              </a:rPr>
-              <a:t> asset</a:t>
-            </a:r>
-            <a:r>
-              <a:rPr lang="it-IT" dirty="0"/>
+              <a:rPr lang="it-IT" sz="2400" smtClean="0">
+                <a:latin typeface="Times New Roman" pitchFamily="18" charset="0"/>
+                <a:cs typeface="Times New Roman" pitchFamily="18" charset="0"/>
+              </a:rPr>
+              <a:t>Fare </a:t>
+            </a:r>
+            <a:r>
+              <a:rPr lang="it-IT" sz="2400" dirty="0">
+                <a:latin typeface="Times New Roman" pitchFamily="18" charset="0"/>
+                <a:cs typeface="Times New Roman" pitchFamily="18" charset="0"/>
+              </a:rPr>
+              <a:t>click destro su qualsiasi folder nell’applicazione, poi passare il cursore su New </a:t>
+            </a:r>
+            <a:r>
+              <a:rPr lang="it-IT" sz="2400">
+                <a:latin typeface="Times New Roman" pitchFamily="18" charset="0"/>
+                <a:cs typeface="Times New Roman" pitchFamily="18" charset="0"/>
+              </a:rPr>
+              <a:t>e </a:t>
+            </a:r>
+            <a:r>
+              <a:rPr lang="it-IT" sz="2400" smtClean="0">
+                <a:latin typeface="Times New Roman" pitchFamily="18" charset="0"/>
+                <a:cs typeface="Times New Roman" pitchFamily="18" charset="0"/>
+              </a:rPr>
+              <a:t>poi cliccare su V</a:t>
+            </a:r>
+            <a:r>
+              <a:rPr lang="it-IT" sz="2400" smtClean="0">
+                <a:latin typeface="Times New Roman" pitchFamily="18" charset="0"/>
+                <a:cs typeface="Times New Roman" pitchFamily="18" charset="0"/>
+              </a:rPr>
+              <a:t>ector </a:t>
+            </a:r>
+            <a:r>
+              <a:rPr lang="it-IT" sz="2400" dirty="0">
+                <a:latin typeface="Times New Roman" pitchFamily="18" charset="0"/>
+                <a:cs typeface="Times New Roman" pitchFamily="18" charset="0"/>
+              </a:rPr>
+              <a:t>A</a:t>
+            </a:r>
+            <a:r>
+              <a:rPr lang="it-IT" sz="2400" smtClean="0">
+                <a:latin typeface="Times New Roman" pitchFamily="18" charset="0"/>
+                <a:cs typeface="Times New Roman" pitchFamily="18" charset="0"/>
+              </a:rPr>
+              <a:t>sset</a:t>
+            </a:r>
+            <a:r>
+              <a:rPr lang="it-IT" sz="2400" dirty="0">
+                <a:latin typeface="Times New Roman" pitchFamily="18" charset="0"/>
+                <a:cs typeface="Times New Roman" pitchFamily="18" charset="0"/>
+              </a:rPr>
               <a:t>. </a:t>
             </a:r>
           </a:p>
@@ -5741,7 +7459,7 @@
 </p:sld>
 </file>
 
-<file path=ppt/slides/slide14.xml><?xml version="1.0" encoding="utf-8"?>
+<file path=ppt/slides/slide22.xml><?xml version="1.0" encoding="utf-8"?>
 <p:sld xmlns:a="http://schemas.openxmlformats.org/drawingml/2006/main" xmlns:r="http://schemas.openxmlformats.org/officeDocument/2006/relationships" xmlns:p="http://schemas.openxmlformats.org/presentationml/2006/main">
   <p:cSld>
     <p:spTree>
@@ -5758,52 +7476,6 @@
           <a:chExt cx="0" cy="0"/>
         </a:xfrm>
       </p:grpSpPr>
-      <p:sp>
-        <p:nvSpPr>
-          <p:cNvPr id="2" name="Titolo 1">
-            <a:extLst>
-              <a:ext uri="{FF2B5EF4-FFF2-40B4-BE49-F238E27FC236}">
-                <a16:creationId xmlns:a16="http://schemas.microsoft.com/office/drawing/2014/main" xmlns="" id="{6A3B5CF5-FFE3-4850-9CD1-5F703596536E}"/>
-              </a:ext>
-            </a:extLst>
-          </p:cNvPr>
-          <p:cNvSpPr>
-            <a:spLocks noGrp="1"/>
-          </p:cNvSpPr>
-          <p:nvPr>
-            <p:ph type="title"/>
-          </p:nvPr>
-        </p:nvSpPr>
-        <p:spPr/>
-        <p:txBody>
-          <a:bodyPr/>
-          <a:lstStyle/>
-          <a:p>
-            <a:r>
-              <a:rPr lang="it-IT" dirty="0">
-                <a:latin typeface="Times New Roman" panose="02020603050405020304" pitchFamily="18" charset="0"/>
-                <a:cs typeface="Times New Roman" panose="02020603050405020304" pitchFamily="18" charset="0"/>
-              </a:rPr>
-              <a:t>Usare </a:t>
-            </a:r>
-            <a:r>
-              <a:rPr lang="it-IT" dirty="0" err="1">
-                <a:latin typeface="Times New Roman" panose="02020603050405020304" pitchFamily="18" charset="0"/>
-                <a:cs typeface="Times New Roman" panose="02020603050405020304" pitchFamily="18" charset="0"/>
-              </a:rPr>
-              <a:t>Vector</a:t>
-            </a:r>
-            <a:r>
-              <a:rPr lang="it-IT" dirty="0">
-                <a:latin typeface="Times New Roman" panose="02020603050405020304" pitchFamily="18" charset="0"/>
-                <a:cs typeface="Times New Roman" panose="02020603050405020304" pitchFamily="18" charset="0"/>
-              </a:rPr>
-              <a:t> Asset su Android Studio (2a)</a:t>
-            </a:r>
-            <a:endParaRPr lang="it-IT" dirty="0"/>
-          </a:p>
-        </p:txBody>
-      </p:sp>
       <p:pic>
         <p:nvPicPr>
           <p:cNvPr id="6" name="Segnaposto contenuto 5">
@@ -5852,8 +7524,8 @@
         </p:nvSpPr>
         <p:spPr>
           <a:xfrm>
-            <a:off x="682388" y="1860575"/>
-            <a:ext cx="5145206" cy="2954655"/>
+            <a:off x="666059" y="1729947"/>
+            <a:ext cx="5145206" cy="4062651"/>
           </a:xfrm>
           <a:prstGeom prst="rect">
             <a:avLst/>
@@ -5867,39 +7539,103 @@
           <a:lstStyle/>
           <a:p>
             <a:r>
+              <a:rPr lang="it-IT" sz="2400" smtClean="0">
+                <a:latin typeface="Times New Roman" panose="02020603050405020304" pitchFamily="18" charset="0"/>
+                <a:cs typeface="Times New Roman" panose="02020603050405020304" pitchFamily="18" charset="0"/>
+              </a:rPr>
+              <a:t>Apparirà la schermata per configurare il Vector Asset: posso </a:t>
+            </a:r>
+            <a:r>
               <a:rPr lang="it-IT" sz="2400" dirty="0">
                 <a:latin typeface="Times New Roman" panose="02020603050405020304" pitchFamily="18" charset="0"/>
                 <a:cs typeface="Times New Roman" panose="02020603050405020304" pitchFamily="18" charset="0"/>
               </a:rPr>
-              <a:t>Posso scegliere dalla libreria di </a:t>
-            </a:r>
-            <a:r>
-              <a:rPr lang="it-IT" sz="2400" dirty="0" err="1">
+              <a:t>scegliere dalla libreria di </a:t>
+            </a:r>
+            <a:r>
+              <a:rPr lang="it-IT" sz="2400" err="1">
                 <a:latin typeface="Times New Roman" panose="02020603050405020304" pitchFamily="18" charset="0"/>
                 <a:cs typeface="Times New Roman" panose="02020603050405020304" pitchFamily="18" charset="0"/>
               </a:rPr>
               <a:t>material</a:t>
             </a:r>
             <a:r>
+              <a:rPr lang="it-IT" sz="2400">
+                <a:latin typeface="Times New Roman" panose="02020603050405020304" pitchFamily="18" charset="0"/>
+                <a:cs typeface="Times New Roman" panose="02020603050405020304" pitchFamily="18" charset="0"/>
+              </a:rPr>
+              <a:t> </a:t>
+            </a:r>
+            <a:r>
+              <a:rPr lang="it-IT" sz="2400" smtClean="0">
+                <a:latin typeface="Times New Roman" panose="02020603050405020304" pitchFamily="18" charset="0"/>
+                <a:cs typeface="Times New Roman" panose="02020603050405020304" pitchFamily="18" charset="0"/>
+              </a:rPr>
+              <a:t>icon cliccando </a:t>
+            </a:r>
+            <a:r>
               <a:rPr lang="it-IT" sz="2400" dirty="0">
                 <a:latin typeface="Times New Roman" panose="02020603050405020304" pitchFamily="18" charset="0"/>
                 <a:cs typeface="Times New Roman" panose="02020603050405020304" pitchFamily="18" charset="0"/>
               </a:rPr>
-              <a:t> </a:t>
-            </a:r>
-            <a:r>
-              <a:rPr lang="it-IT" sz="2400" dirty="0" err="1">
-                <a:latin typeface="Times New Roman" panose="02020603050405020304" pitchFamily="18" charset="0"/>
-                <a:cs typeface="Times New Roman" panose="02020603050405020304" pitchFamily="18" charset="0"/>
-              </a:rPr>
-              <a:t>icon</a:t>
+              <a:t>su Clip Art. </a:t>
+            </a:r>
+            <a:r>
+              <a:rPr lang="it-IT" sz="2400">
+                <a:latin typeface="Times New Roman" panose="02020603050405020304" pitchFamily="18" charset="0"/>
+                <a:cs typeface="Times New Roman" panose="02020603050405020304" pitchFamily="18" charset="0"/>
+              </a:rPr>
+              <a:t>Si </a:t>
+            </a:r>
+            <a:r>
+              <a:rPr lang="it-IT" sz="2400" smtClean="0">
+                <a:latin typeface="Times New Roman" panose="02020603050405020304" pitchFamily="18" charset="0"/>
+                <a:cs typeface="Times New Roman" panose="02020603050405020304" pitchFamily="18" charset="0"/>
+              </a:rPr>
+              <a:t>aprirà </a:t>
             </a:r>
             <a:r>
               <a:rPr lang="it-IT" sz="2400" dirty="0">
                 <a:latin typeface="Times New Roman" panose="02020603050405020304" pitchFamily="18" charset="0"/>
                 <a:cs typeface="Times New Roman" panose="02020603050405020304" pitchFamily="18" charset="0"/>
               </a:rPr>
-              <a:t>: faccio click su Clip Art. Si apre una finestra con tutti gli assets della libreria, ne scelgo una e clicco ok. Inoltre sono presenti delle opzioni per modificare altezza, larghezza, opacità, </a:t>
+              <a:t>una finestra con tutti gli assets della libreria, ne scelgo una e clicco </a:t>
+            </a:r>
+            <a:r>
+              <a:rPr lang="it-IT" sz="2400">
+                <a:latin typeface="Times New Roman" panose="02020603050405020304" pitchFamily="18" charset="0"/>
+                <a:cs typeface="Times New Roman" panose="02020603050405020304" pitchFamily="18" charset="0"/>
+              </a:rPr>
+              <a:t>ok</a:t>
+            </a:r>
+            <a:r>
+              <a:rPr lang="it-IT" sz="2400" smtClean="0">
+                <a:latin typeface="Times New Roman" panose="02020603050405020304" pitchFamily="18" charset="0"/>
+                <a:cs typeface="Times New Roman" panose="02020603050405020304" pitchFamily="18" charset="0"/>
+              </a:rPr>
+              <a:t>. </a:t>
+            </a:r>
+          </a:p>
+          <a:p>
+            <a:endParaRPr lang="it-IT" sz="2400" smtClean="0">
+              <a:latin typeface="Times New Roman" panose="02020603050405020304" pitchFamily="18" charset="0"/>
+              <a:cs typeface="Times New Roman" panose="02020603050405020304" pitchFamily="18" charset="0"/>
+            </a:endParaRPr>
+          </a:p>
+          <a:p>
+            <a:r>
+              <a:rPr lang="it-IT" sz="2400" smtClean="0">
+                <a:latin typeface="Times New Roman" panose="02020603050405020304" pitchFamily="18" charset="0"/>
+                <a:cs typeface="Times New Roman" panose="02020603050405020304" pitchFamily="18" charset="0"/>
+              </a:rPr>
+              <a:t>Inoltre </a:t>
+            </a:r>
+            <a:r>
+              <a:rPr lang="it-IT" sz="2400" dirty="0">
+                <a:latin typeface="Times New Roman" panose="02020603050405020304" pitchFamily="18" charset="0"/>
+                <a:cs typeface="Times New Roman" panose="02020603050405020304" pitchFamily="18" charset="0"/>
+              </a:rPr>
+              <a:t>sono presenti delle opzioni per modificare altezza, larghezza, opacità, </a:t>
             </a:r>
             <a:r>
               <a:rPr lang="it-IT" sz="2400" dirty="0" err="1">
@@ -5948,7 +7684,7 @@
 </p:sld>
 </file>
 
-<file path=ppt/slides/slide15.xml><?xml version="1.0" encoding="utf-8"?>
+<file path=ppt/slides/slide23.xml><?xml version="1.0" encoding="utf-8"?>
 <p:sld xmlns:a="http://schemas.openxmlformats.org/drawingml/2006/main" xmlns:r="http://schemas.openxmlformats.org/officeDocument/2006/relationships" xmlns:p="http://schemas.openxmlformats.org/presentationml/2006/main">
   <p:cSld>
     <p:spTree>
@@ -5967,142 +7703,158 @@
       </p:grpSpPr>
       <p:sp>
         <p:nvSpPr>
-          <p:cNvPr id="2" name="Titolo 1">
-            <a:extLst>
-              <a:ext uri="{FF2B5EF4-FFF2-40B4-BE49-F238E27FC236}">
-                <a16:creationId xmlns:a16="http://schemas.microsoft.com/office/drawing/2014/main" xmlns="" id="{ECE58950-08A6-412A-8028-5FEC5788B4A4}"/>
-              </a:ext>
-            </a:extLst>
-          </p:cNvPr>
-          <p:cNvSpPr>
-            <a:spLocks noGrp="1"/>
-          </p:cNvSpPr>
-          <p:nvPr>
-            <p:ph type="title"/>
-          </p:nvPr>
-        </p:nvSpPr>
-        <p:spPr/>
+          <p:cNvPr id="3" name="Segnaposto contenuto 2"/>
+          <p:cNvSpPr>
+            <a:spLocks noGrp="1"/>
+          </p:cNvSpPr>
+          <p:nvPr>
+            <p:ph idx="1"/>
+          </p:nvPr>
+        </p:nvSpPr>
+        <p:spPr>
+          <a:xfrm>
+            <a:off x="1001486" y="1754342"/>
+            <a:ext cx="10058400" cy="5103658"/>
+          </a:xfrm>
+        </p:spPr>
         <p:txBody>
           <a:bodyPr/>
           <a:lstStyle/>
           <a:p>
-            <a:r>
-              <a:rPr lang="it-IT" dirty="0">
-                <a:latin typeface="Times New Roman" panose="02020603050405020304" pitchFamily="18" charset="0"/>
-                <a:cs typeface="Times New Roman" panose="02020603050405020304" pitchFamily="18" charset="0"/>
-              </a:rPr>
-              <a:t>Usare </a:t>
-            </a:r>
-            <a:r>
-              <a:rPr lang="it-IT" dirty="0" err="1">
-                <a:latin typeface="Times New Roman" panose="02020603050405020304" pitchFamily="18" charset="0"/>
-                <a:cs typeface="Times New Roman" panose="02020603050405020304" pitchFamily="18" charset="0"/>
-              </a:rPr>
-              <a:t>Vector</a:t>
-            </a:r>
-            <a:r>
-              <a:rPr lang="it-IT" dirty="0">
-                <a:latin typeface="Times New Roman" panose="02020603050405020304" pitchFamily="18" charset="0"/>
-                <a:cs typeface="Times New Roman" panose="02020603050405020304" pitchFamily="18" charset="0"/>
-              </a:rPr>
-              <a:t> Asset su Android Studio (2b)</a:t>
-            </a:r>
-          </a:p>
-        </p:txBody>
-      </p:sp>
-      <p:pic>
-        <p:nvPicPr>
-          <p:cNvPr id="6" name="Segnaposto contenuto 5">
-            <a:extLst>
-              <a:ext uri="{FF2B5EF4-FFF2-40B4-BE49-F238E27FC236}">
-                <a16:creationId xmlns:a16="http://schemas.microsoft.com/office/drawing/2014/main" xmlns="" id="{4897E952-8496-4CAA-AE2B-A29C31AC6738}"/>
-              </a:ext>
-            </a:extLst>
-          </p:cNvPr>
-          <p:cNvPicPr>
-            <a:picLocks noGrp="1" noChangeAspect="1"/>
-          </p:cNvPicPr>
-          <p:nvPr>
-            <p:ph idx="1"/>
-          </p:nvPr>
-        </p:nvPicPr>
-        <p:blipFill rotWithShape="1">
-          <a:blip r:embed="rId2" cstate="print">
-            <a:extLst>
-              <a:ext uri="{28A0092B-C50C-407E-A947-70E740481C1C}">
-                <a14:useLocalDpi xmlns:a14="http://schemas.microsoft.com/office/drawing/2010/main" xmlns="" val="0"/>
-              </a:ext>
-            </a:extLst>
-          </a:blip>
-          <a:srcRect l="25258" t="20526" r="24827" b="20260"/>
-          <a:stretch/>
-        </p:blipFill>
-        <p:spPr>
-          <a:xfrm>
-            <a:off x="6372259" y="2014194"/>
-            <a:ext cx="5278325" cy="4004248"/>
-          </a:xfrm>
-        </p:spPr>
-      </p:pic>
-      <p:sp>
-        <p:nvSpPr>
-          <p:cNvPr id="7" name="CasellaDiTesto 6">
-            <a:extLst>
-              <a:ext uri="{FF2B5EF4-FFF2-40B4-BE49-F238E27FC236}">
-                <a16:creationId xmlns:a16="http://schemas.microsoft.com/office/drawing/2014/main" xmlns="" id="{A8F9857B-450C-442E-9A74-108F22887546}"/>
-              </a:ext>
-            </a:extLst>
-          </p:cNvPr>
-          <p:cNvSpPr txBox="1"/>
-          <p:nvPr/>
-        </p:nvSpPr>
-        <p:spPr>
-          <a:xfrm>
-            <a:off x="541417" y="2495208"/>
-            <a:ext cx="5278325" cy="2800767"/>
-          </a:xfrm>
-          <a:prstGeom prst="rect">
-            <a:avLst/>
-          </a:prstGeom>
-          <a:noFill/>
-        </p:spPr>
-        <p:txBody>
-          <a:bodyPr wrap="square" rtlCol="0">
-            <a:spAutoFit/>
-          </a:bodyPr>
-          <a:lstStyle/>
-          <a:p>
-            <a:pPr lvl="0"/>
-            <a:r>
-              <a:rPr lang="it-IT" sz="4400" dirty="0">
-                <a:latin typeface="Times New Roman" panose="02020603050405020304" pitchFamily="18" charset="0"/>
-                <a:cs typeface="Times New Roman" panose="02020603050405020304" pitchFamily="18" charset="0"/>
-              </a:rPr>
-              <a:t>Cliccando su Local file posso utilizzare un mio file SVG o PSD indicandone il </a:t>
-            </a:r>
-            <a:r>
-              <a:rPr lang="it-IT" sz="4400" dirty="0" err="1">
-                <a:latin typeface="Times New Roman" panose="02020603050405020304" pitchFamily="18" charset="0"/>
-                <a:cs typeface="Times New Roman" panose="02020603050405020304" pitchFamily="18" charset="0"/>
-              </a:rPr>
-              <a:t>Path</a:t>
-            </a:r>
-            <a:r>
-              <a:rPr lang="it-IT" sz="4400" dirty="0">
-                <a:latin typeface="Times New Roman" panose="02020603050405020304" pitchFamily="18" charset="0"/>
-                <a:cs typeface="Times New Roman" panose="02020603050405020304" pitchFamily="18" charset="0"/>
-              </a:rPr>
-              <a:t>. </a:t>
-            </a:r>
+            <a:pPr lvl="2">
+              <a:buNone/>
+            </a:pPr>
+            <a:r>
+              <a:rPr lang="it-IT" sz="2400" smtClean="0">
+                <a:latin typeface="Times New Roman" pitchFamily="18" charset="0"/>
+                <a:cs typeface="Times New Roman" pitchFamily="18" charset="0"/>
+              </a:rPr>
+              <a:t>Se appare la finestra “Need newer Android plugin for Gradle”, va corretta la versione del gradle seguendo i passaggi:</a:t>
+            </a:r>
+          </a:p>
+          <a:p>
+            <a:pPr lvl="2"/>
+            <a:r>
+              <a:rPr lang="it-IT" sz="2400" smtClean="0">
+                <a:latin typeface="Times New Roman" pitchFamily="18" charset="0"/>
+                <a:cs typeface="Times New Roman" pitchFamily="18" charset="0"/>
+              </a:rPr>
+              <a:t>Seleziona </a:t>
+            </a:r>
+            <a:r>
+              <a:rPr lang="it-IT" sz="2400" b="1" smtClean="0">
+                <a:latin typeface="Times New Roman" pitchFamily="18" charset="0"/>
+                <a:cs typeface="Times New Roman" pitchFamily="18" charset="0"/>
+              </a:rPr>
+              <a:t>File</a:t>
+            </a:r>
+            <a:r>
+              <a:rPr lang="it-IT" sz="2400" smtClean="0">
+                <a:latin typeface="Times New Roman" pitchFamily="18" charset="0"/>
+                <a:cs typeface="Times New Roman" pitchFamily="18" charset="0"/>
+              </a:rPr>
+              <a:t> &gt; </a:t>
+            </a:r>
+            <a:r>
+              <a:rPr lang="it-IT" sz="2400" b="1" smtClean="0">
+                <a:latin typeface="Times New Roman" pitchFamily="18" charset="0"/>
+                <a:cs typeface="Times New Roman" pitchFamily="18" charset="0"/>
+              </a:rPr>
+              <a:t>Project Structure</a:t>
+            </a:r>
+          </a:p>
+          <a:p>
+            <a:pPr lvl="2"/>
+            <a:r>
+              <a:rPr lang="it-IT" sz="2400" smtClean="0">
+                <a:latin typeface="Times New Roman" pitchFamily="18" charset="0"/>
+                <a:cs typeface="Times New Roman" pitchFamily="18" charset="0"/>
+              </a:rPr>
+              <a:t>Seleziona Project</a:t>
+            </a:r>
+          </a:p>
+          <a:p>
+            <a:pPr lvl="2"/>
+            <a:r>
+              <a:rPr lang="it-IT" sz="2400" smtClean="0">
+                <a:latin typeface="Times New Roman" pitchFamily="18" charset="0"/>
+                <a:cs typeface="Times New Roman" pitchFamily="18" charset="0"/>
+              </a:rPr>
+              <a:t>Nel campo Android </a:t>
+            </a:r>
+            <a:r>
+              <a:rPr lang="it-IT" sz="2400" smtClean="0">
+                <a:latin typeface="Times New Roman" pitchFamily="18" charset="0"/>
+                <a:cs typeface="Times New Roman" pitchFamily="18" charset="0"/>
+              </a:rPr>
+              <a:t>Plugin </a:t>
+            </a:r>
+            <a:r>
+              <a:rPr lang="it-IT" sz="2400" smtClean="0">
+                <a:latin typeface="Times New Roman" pitchFamily="18" charset="0"/>
+                <a:cs typeface="Times New Roman" pitchFamily="18" charset="0"/>
+              </a:rPr>
+              <a:t>Version, cambiare </a:t>
+            </a:r>
+            <a:r>
+              <a:rPr lang="it-IT" sz="2400" smtClean="0">
+                <a:latin typeface="Times New Roman" pitchFamily="18" charset="0"/>
+                <a:cs typeface="Times New Roman" pitchFamily="18" charset="0"/>
+              </a:rPr>
+              <a:t>la versione del plugin Android per Gradle alla 1.5.0 o più recente, poi clicca OK</a:t>
+            </a:r>
+          </a:p>
+          <a:p>
+            <a:pPr lvl="2"/>
+            <a:r>
+              <a:rPr lang="it-IT" sz="2400" smtClean="0">
+                <a:latin typeface="Times New Roman" pitchFamily="18" charset="0"/>
+                <a:cs typeface="Times New Roman" pitchFamily="18" charset="0"/>
+              </a:rPr>
+              <a:t>Nella Android view della </a:t>
+            </a:r>
+            <a:r>
+              <a:rPr lang="it-IT" sz="2400" i="1" smtClean="0">
+                <a:latin typeface="Times New Roman" pitchFamily="18" charset="0"/>
+                <a:cs typeface="Times New Roman" pitchFamily="18" charset="0"/>
+              </a:rPr>
+              <a:t>Project window</a:t>
+            </a:r>
+            <a:r>
+              <a:rPr lang="it-IT" sz="2400" smtClean="0">
+                <a:latin typeface="Times New Roman" pitchFamily="18" charset="0"/>
+                <a:cs typeface="Times New Roman" pitchFamily="18" charset="0"/>
+              </a:rPr>
+              <a:t>, clicca con il tasto destro il folder res e seleziona </a:t>
+            </a:r>
+            <a:r>
+              <a:rPr lang="it-IT" sz="2400" b="1" smtClean="0">
+                <a:latin typeface="Times New Roman" pitchFamily="18" charset="0"/>
+                <a:cs typeface="Times New Roman" pitchFamily="18" charset="0"/>
+              </a:rPr>
+              <a:t>New</a:t>
+            </a:r>
+            <a:r>
+              <a:rPr lang="it-IT" sz="2400" smtClean="0">
+                <a:latin typeface="Times New Roman" pitchFamily="18" charset="0"/>
+                <a:cs typeface="Times New Roman" pitchFamily="18" charset="0"/>
+              </a:rPr>
+              <a:t> &gt; </a:t>
+            </a:r>
+            <a:r>
+              <a:rPr lang="it-IT" sz="2400" b="1" smtClean="0">
+                <a:latin typeface="Times New Roman" pitchFamily="18" charset="0"/>
+                <a:cs typeface="Times New Roman" pitchFamily="18" charset="0"/>
+              </a:rPr>
+              <a:t>Vector Asset</a:t>
+            </a:r>
+          </a:p>
+          <a:p>
+            <a:endParaRPr lang="it-IT"/>
           </a:p>
         </p:txBody>
       </p:sp>
     </p:spTree>
-    <p:extLst>
-      <p:ext uri="{BB962C8B-B14F-4D97-AF65-F5344CB8AC3E}">
-        <p14:creationId xmlns:p14="http://schemas.microsoft.com/office/powerpoint/2010/main" xmlns="" val="2027082615"/>
-      </p:ext>
-    </p:extLst>
   </p:cSld>
   <p:clrMapOvr>
     <a:masterClrMapping/>
@@ -6110,7 +7862,7 @@
 </p:sld>
 </file>
 
-<file path=ppt/slides/slide16.xml><?xml version="1.0" encoding="utf-8"?>
+<file path=ppt/slides/slide24.xml><?xml version="1.0" encoding="utf-8"?>
 <p:sld xmlns:a="http://schemas.openxmlformats.org/drawingml/2006/main" xmlns:r="http://schemas.openxmlformats.org/officeDocument/2006/relationships" xmlns:p="http://schemas.openxmlformats.org/presentationml/2006/main">
   <p:cSld>
     <p:spTree>
@@ -6129,49 +7881,446 @@
       </p:grpSpPr>
       <p:sp>
         <p:nvSpPr>
-          <p:cNvPr id="2" name="Titolo 1">
+          <p:cNvPr id="2" name="Titolo 1"/>
+          <p:cNvSpPr>
+            <a:spLocks noGrp="1"/>
+          </p:cNvSpPr>
+          <p:nvPr>
+            <p:ph type="title"/>
+          </p:nvPr>
+        </p:nvSpPr>
+        <p:spPr/>
+        <p:txBody>
+          <a:bodyPr/>
+          <a:lstStyle/>
+          <a:p>
+            <a:r>
+              <a:rPr lang="it-IT" smtClean="0"/>
+              <a:t>Come importare una grafica vettoriale</a:t>
+            </a:r>
+            <a:endParaRPr lang="it-IT"/>
+          </a:p>
+        </p:txBody>
+      </p:sp>
+      <p:sp>
+        <p:nvSpPr>
+          <p:cNvPr id="3" name="Segnaposto contenuto 2"/>
+          <p:cNvSpPr>
+            <a:spLocks noGrp="1"/>
+          </p:cNvSpPr>
+          <p:nvPr>
+            <p:ph idx="1"/>
+          </p:nvPr>
+        </p:nvSpPr>
+        <p:spPr/>
+        <p:txBody>
+          <a:bodyPr>
+            <a:normAutofit/>
+          </a:bodyPr>
+          <a:lstStyle/>
+          <a:p>
+            <a:pPr>
+              <a:buNone/>
+            </a:pPr>
+            <a:r>
+              <a:rPr lang="it-IT" sz="2400" smtClean="0">
+                <a:latin typeface="Times New Roman" pitchFamily="18" charset="0"/>
+                <a:cs typeface="Times New Roman" pitchFamily="18" charset="0"/>
+              </a:rPr>
+              <a:t>Vector Asset Studio aiuta a importare grafiche vettoriali  nel proprio progetto.</a:t>
+            </a:r>
+          </a:p>
+          <a:p>
+            <a:pPr>
+              <a:buNone/>
+            </a:pPr>
+            <a:r>
+              <a:rPr lang="it-IT" sz="2400" smtClean="0">
+                <a:latin typeface="Times New Roman" pitchFamily="18" charset="0"/>
+                <a:cs typeface="Times New Roman" pitchFamily="18" charset="0"/>
+              </a:rPr>
+              <a:t>Questo è possibile seguendo una delle seguenti procedure:</a:t>
+            </a:r>
+          </a:p>
+          <a:p>
+            <a:pPr lvl="1">
+              <a:buFont typeface="Wingdings" pitchFamily="2" charset="2"/>
+              <a:buChar char="§"/>
+            </a:pPr>
+            <a:r>
+              <a:rPr lang="it-IT" sz="2200" smtClean="0">
+                <a:latin typeface="Times New Roman" pitchFamily="18" charset="0"/>
+                <a:cs typeface="Times New Roman" pitchFamily="18" charset="0"/>
+              </a:rPr>
+              <a:t>Aggiungere una material icon (Clip Art)</a:t>
+            </a:r>
+          </a:p>
+          <a:p>
+            <a:pPr lvl="1">
+              <a:buFont typeface="Wingdings" pitchFamily="2" charset="2"/>
+              <a:buChar char="§"/>
+            </a:pPr>
+            <a:r>
+              <a:rPr lang="it-IT" sz="2200" smtClean="0">
+                <a:latin typeface="Times New Roman" pitchFamily="18" charset="0"/>
+                <a:cs typeface="Times New Roman" pitchFamily="18" charset="0"/>
+              </a:rPr>
+              <a:t>Importare un file SVG o PSD</a:t>
+            </a:r>
+            <a:endParaRPr lang="it-IT" sz="2200">
+              <a:latin typeface="Times New Roman" pitchFamily="18" charset="0"/>
+              <a:cs typeface="Times New Roman" pitchFamily="18" charset="0"/>
+            </a:endParaRPr>
+          </a:p>
+        </p:txBody>
+      </p:sp>
+      <p:sp>
+        <p:nvSpPr>
+          <p:cNvPr id="4" name="Segnaposto data 3"/>
+          <p:cNvSpPr>
+            <a:spLocks noGrp="1"/>
+          </p:cNvSpPr>
+          <p:nvPr>
+            <p:ph type="dt" sz="half" idx="10"/>
+          </p:nvPr>
+        </p:nvSpPr>
+        <p:spPr/>
+        <p:txBody>
+          <a:bodyPr/>
+          <a:lstStyle/>
+          <a:p>
+            <a:pPr rtl="0"/>
+            <a:fld id="{85E0D28E-6F2F-4715-A424-3B01AC64AD4B}" type="datetime1">
+              <a:rPr lang="it-IT" smtClean="0"/>
+              <a:pPr rtl="0"/>
+              <a:t>21/05/2020</a:t>
+            </a:fld>
+            <a:endParaRPr lang="en-US"/>
+          </a:p>
+        </p:txBody>
+      </p:sp>
+    </p:spTree>
+  </p:cSld>
+  <p:clrMapOvr>
+    <a:masterClrMapping/>
+  </p:clrMapOvr>
+</p:sld>
+</file>
+
+<file path=ppt/slides/slide25.xml><?xml version="1.0" encoding="utf-8"?>
+<p:sld xmlns:a="http://schemas.openxmlformats.org/drawingml/2006/main" xmlns:r="http://schemas.openxmlformats.org/officeDocument/2006/relationships" xmlns:p="http://schemas.openxmlformats.org/presentationml/2006/main">
+  <p:cSld>
+    <p:spTree>
+      <p:nvGrpSpPr>
+        <p:cNvPr id="1" name=""/>
+        <p:cNvGrpSpPr/>
+        <p:nvPr/>
+      </p:nvGrpSpPr>
+      <p:grpSpPr>
+        <a:xfrm>
+          <a:off x="0" y="0"/>
+          <a:ext cx="0" cy="0"/>
+          <a:chOff x="0" y="0"/>
+          <a:chExt cx="0" cy="0"/>
+        </a:xfrm>
+      </p:grpSpPr>
+      <p:sp>
+        <p:nvSpPr>
+          <p:cNvPr id="2" name="Titolo 1"/>
+          <p:cNvSpPr>
+            <a:spLocks noGrp="1"/>
+          </p:cNvSpPr>
+          <p:nvPr>
+            <p:ph type="title"/>
+          </p:nvPr>
+        </p:nvSpPr>
+        <p:spPr/>
+        <p:txBody>
+          <a:bodyPr/>
+          <a:lstStyle/>
+          <a:p>
+            <a:r>
+              <a:rPr lang="it-IT" smtClean="0"/>
+              <a:t>Aggiungere una material icon</a:t>
+            </a:r>
+            <a:endParaRPr lang="it-IT"/>
+          </a:p>
+        </p:txBody>
+      </p:sp>
+      <p:sp>
+        <p:nvSpPr>
+          <p:cNvPr id="3" name="Segnaposto contenuto 2"/>
+          <p:cNvSpPr>
+            <a:spLocks noGrp="1"/>
+          </p:cNvSpPr>
+          <p:nvPr>
+            <p:ph idx="1"/>
+          </p:nvPr>
+        </p:nvSpPr>
+        <p:spPr/>
+        <p:txBody>
+          <a:bodyPr/>
+          <a:lstStyle/>
+          <a:p>
+            <a:endParaRPr lang="it-IT"/>
+          </a:p>
+        </p:txBody>
+      </p:sp>
+      <p:sp>
+        <p:nvSpPr>
+          <p:cNvPr id="4" name="Segnaposto data 3"/>
+          <p:cNvSpPr>
+            <a:spLocks noGrp="1"/>
+          </p:cNvSpPr>
+          <p:nvPr>
+            <p:ph type="dt" sz="half" idx="10"/>
+          </p:nvPr>
+        </p:nvSpPr>
+        <p:spPr/>
+        <p:txBody>
+          <a:bodyPr/>
+          <a:lstStyle/>
+          <a:p>
+            <a:pPr rtl="0"/>
+            <a:fld id="{85E0D28E-6F2F-4715-A424-3B01AC64AD4B}" type="datetime1">
+              <a:rPr lang="it-IT" smtClean="0"/>
+              <a:pPr rtl="0"/>
+              <a:t>21/05/2020</a:t>
+            </a:fld>
+            <a:endParaRPr lang="en-US"/>
+          </a:p>
+        </p:txBody>
+      </p:sp>
+    </p:spTree>
+  </p:cSld>
+  <p:clrMapOvr>
+    <a:masterClrMapping/>
+  </p:clrMapOvr>
+</p:sld>
+</file>
+
+<file path=ppt/slides/slide26.xml><?xml version="1.0" encoding="utf-8"?>
+<p:sld xmlns:a="http://schemas.openxmlformats.org/drawingml/2006/main" xmlns:r="http://schemas.openxmlformats.org/officeDocument/2006/relationships" xmlns:p="http://schemas.openxmlformats.org/presentationml/2006/main">
+  <p:cSld>
+    <p:spTree>
+      <p:nvGrpSpPr>
+        <p:cNvPr id="1" name=""/>
+        <p:cNvGrpSpPr/>
+        <p:nvPr/>
+      </p:nvGrpSpPr>
+      <p:grpSpPr>
+        <a:xfrm>
+          <a:off x="0" y="0"/>
+          <a:ext cx="0" cy="0"/>
+          <a:chOff x="0" y="0"/>
+          <a:chExt cx="0" cy="0"/>
+        </a:xfrm>
+      </p:grpSpPr>
+      <p:sp>
+        <p:nvSpPr>
+          <p:cNvPr id="2" name="Titolo 1"/>
+          <p:cNvSpPr>
+            <a:spLocks noGrp="1"/>
+          </p:cNvSpPr>
+          <p:nvPr>
+            <p:ph type="title"/>
+          </p:nvPr>
+        </p:nvSpPr>
+        <p:spPr/>
+        <p:txBody>
+          <a:bodyPr/>
+          <a:lstStyle/>
+          <a:p>
+            <a:endParaRPr lang="it-IT"/>
+          </a:p>
+        </p:txBody>
+      </p:sp>
+      <p:sp>
+        <p:nvSpPr>
+          <p:cNvPr id="3" name="Segnaposto contenuto 2"/>
+          <p:cNvSpPr>
+            <a:spLocks noGrp="1"/>
+          </p:cNvSpPr>
+          <p:nvPr>
+            <p:ph idx="1"/>
+          </p:nvPr>
+        </p:nvSpPr>
+        <p:spPr/>
+        <p:txBody>
+          <a:bodyPr/>
+          <a:lstStyle/>
+          <a:p>
+            <a:endParaRPr lang="it-IT"/>
+          </a:p>
+        </p:txBody>
+      </p:sp>
+      <p:sp>
+        <p:nvSpPr>
+          <p:cNvPr id="4" name="Segnaposto data 3"/>
+          <p:cNvSpPr>
+            <a:spLocks noGrp="1"/>
+          </p:cNvSpPr>
+          <p:nvPr>
+            <p:ph type="dt" sz="half" idx="10"/>
+          </p:nvPr>
+        </p:nvSpPr>
+        <p:spPr/>
+        <p:txBody>
+          <a:bodyPr/>
+          <a:lstStyle/>
+          <a:p>
+            <a:pPr rtl="0"/>
+            <a:fld id="{85E0D28E-6F2F-4715-A424-3B01AC64AD4B}" type="datetime1">
+              <a:rPr lang="it-IT" smtClean="0"/>
+              <a:pPr rtl="0"/>
+              <a:t>21/05/2020</a:t>
+            </a:fld>
+            <a:endParaRPr lang="en-US"/>
+          </a:p>
+        </p:txBody>
+      </p:sp>
+    </p:spTree>
+  </p:cSld>
+  <p:clrMapOvr>
+    <a:masterClrMapping/>
+  </p:clrMapOvr>
+</p:sld>
+</file>
+
+<file path=ppt/slides/slide27.xml><?xml version="1.0" encoding="utf-8"?>
+<p:sld xmlns:a="http://schemas.openxmlformats.org/drawingml/2006/main" xmlns:r="http://schemas.openxmlformats.org/officeDocument/2006/relationships" xmlns:p="http://schemas.openxmlformats.org/presentationml/2006/main">
+  <p:cSld>
+    <p:spTree>
+      <p:nvGrpSpPr>
+        <p:cNvPr id="1" name=""/>
+        <p:cNvGrpSpPr/>
+        <p:nvPr/>
+      </p:nvGrpSpPr>
+      <p:grpSpPr>
+        <a:xfrm>
+          <a:off x="0" y="0"/>
+          <a:ext cx="0" cy="0"/>
+          <a:chOff x="0" y="0"/>
+          <a:chExt cx="0" cy="0"/>
+        </a:xfrm>
+      </p:grpSpPr>
+      <p:pic>
+        <p:nvPicPr>
+          <p:cNvPr id="6" name="Segnaposto contenuto 5">
             <a:extLst>
               <a:ext uri="{FF2B5EF4-FFF2-40B4-BE49-F238E27FC236}">
-                <a16:creationId xmlns:a16="http://schemas.microsoft.com/office/drawing/2014/main" xmlns="" id="{5E77436D-7C69-4F75-AE6C-C21B6CBEEA16}"/>
+                <a16:creationId xmlns:a16="http://schemas.microsoft.com/office/drawing/2014/main" xmlns="" id="{4897E952-8496-4CAA-AE2B-A29C31AC6738}"/>
               </a:ext>
             </a:extLst>
           </p:cNvPr>
-          <p:cNvSpPr>
-            <a:spLocks noGrp="1"/>
-          </p:cNvSpPr>
-          <p:nvPr>
-            <p:ph type="title"/>
-          </p:nvPr>
-        </p:nvSpPr>
-        <p:spPr/>
-        <p:txBody>
-          <a:bodyPr/>
+          <p:cNvPicPr>
+            <a:picLocks noGrp="1" noChangeAspect="1"/>
+          </p:cNvPicPr>
+          <p:nvPr>
+            <p:ph idx="1"/>
+          </p:nvPr>
+        </p:nvPicPr>
+        <p:blipFill rotWithShape="1">
+          <a:blip r:embed="rId2" cstate="print">
+            <a:extLst>
+              <a:ext uri="{28A0092B-C50C-407E-A947-70E740481C1C}">
+                <a14:useLocalDpi xmlns:a14="http://schemas.microsoft.com/office/drawing/2010/main" xmlns="" val="0"/>
+              </a:ext>
+            </a:extLst>
+          </a:blip>
+          <a:srcRect l="25258" t="20526" r="24827" b="20260"/>
+          <a:stretch/>
+        </p:blipFill>
+        <p:spPr>
+          <a:xfrm>
+            <a:off x="6339602" y="1589651"/>
+            <a:ext cx="5278325" cy="4004248"/>
+          </a:xfrm>
+        </p:spPr>
+      </p:pic>
+      <p:sp>
+        <p:nvSpPr>
+          <p:cNvPr id="7" name="CasellaDiTesto 6">
+            <a:extLst>
+              <a:ext uri="{FF2B5EF4-FFF2-40B4-BE49-F238E27FC236}">
+                <a16:creationId xmlns:a16="http://schemas.microsoft.com/office/drawing/2014/main" xmlns="" id="{A8F9857B-450C-442E-9A74-108F22887546}"/>
+              </a:ext>
+            </a:extLst>
+          </p:cNvPr>
+          <p:cNvSpPr txBox="1"/>
+          <p:nvPr/>
+        </p:nvSpPr>
+        <p:spPr>
+          <a:xfrm>
+            <a:off x="835331" y="2642165"/>
+            <a:ext cx="5278325" cy="1200329"/>
+          </a:xfrm>
+          <a:prstGeom prst="rect">
+            <a:avLst/>
+          </a:prstGeom>
+          <a:noFill/>
+        </p:spPr>
+        <p:txBody>
+          <a:bodyPr wrap="square" rtlCol="0">
+            <a:spAutoFit/>
+          </a:bodyPr>
           <a:lstStyle/>
           <a:p>
-            <a:r>
-              <a:rPr lang="it-IT" dirty="0">
-                <a:latin typeface="Times New Roman" panose="02020603050405020304" pitchFamily="18" charset="0"/>
-                <a:cs typeface="Times New Roman" panose="02020603050405020304" pitchFamily="18" charset="0"/>
-              </a:rPr>
-              <a:t>Usare </a:t>
-            </a:r>
-            <a:r>
-              <a:rPr lang="it-IT" dirty="0" err="1">
-                <a:latin typeface="Times New Roman" panose="02020603050405020304" pitchFamily="18" charset="0"/>
-                <a:cs typeface="Times New Roman" panose="02020603050405020304" pitchFamily="18" charset="0"/>
-              </a:rPr>
-              <a:t>Vector</a:t>
-            </a:r>
-            <a:r>
-              <a:rPr lang="it-IT" dirty="0">
-                <a:latin typeface="Times New Roman" panose="02020603050405020304" pitchFamily="18" charset="0"/>
-                <a:cs typeface="Times New Roman" panose="02020603050405020304" pitchFamily="18" charset="0"/>
-              </a:rPr>
-              <a:t> Asset su Android Studio (3)</a:t>
-            </a:r>
-          </a:p>
-        </p:txBody>
-      </p:sp>
+            <a:pPr lvl="0"/>
+            <a:r>
+              <a:rPr lang="it-IT" sz="2400" dirty="0">
+                <a:latin typeface="Times New Roman" panose="02020603050405020304" pitchFamily="18" charset="0"/>
+                <a:cs typeface="Times New Roman" panose="02020603050405020304" pitchFamily="18" charset="0"/>
+              </a:rPr>
+              <a:t>Cliccando su Local file posso utilizzare un mio file SVG o PSD indicandone il </a:t>
+            </a:r>
+            <a:r>
+              <a:rPr lang="it-IT" sz="2400" dirty="0" err="1">
+                <a:latin typeface="Times New Roman" panose="02020603050405020304" pitchFamily="18" charset="0"/>
+                <a:cs typeface="Times New Roman" panose="02020603050405020304" pitchFamily="18" charset="0"/>
+              </a:rPr>
+              <a:t>Path</a:t>
+            </a:r>
+            <a:r>
+              <a:rPr lang="it-IT" sz="2400" dirty="0">
+                <a:latin typeface="Times New Roman" panose="02020603050405020304" pitchFamily="18" charset="0"/>
+                <a:cs typeface="Times New Roman" panose="02020603050405020304" pitchFamily="18" charset="0"/>
+              </a:rPr>
+              <a:t>. </a:t>
+            </a:r>
+          </a:p>
+        </p:txBody>
+      </p:sp>
+    </p:spTree>
+    <p:extLst>
+      <p:ext uri="{BB962C8B-B14F-4D97-AF65-F5344CB8AC3E}">
+        <p14:creationId xmlns:p14="http://schemas.microsoft.com/office/powerpoint/2010/main" xmlns="" val="2027082615"/>
+      </p:ext>
+    </p:extLst>
+  </p:cSld>
+  <p:clrMapOvr>
+    <a:masterClrMapping/>
+  </p:clrMapOvr>
+</p:sld>
+</file>
+
+<file path=ppt/slides/slide28.xml><?xml version="1.0" encoding="utf-8"?>
+<p:sld xmlns:a="http://schemas.openxmlformats.org/drawingml/2006/main" xmlns:r="http://schemas.openxmlformats.org/officeDocument/2006/relationships" xmlns:p="http://schemas.openxmlformats.org/presentationml/2006/main">
+  <p:cSld>
+    <p:spTree>
+      <p:nvGrpSpPr>
+        <p:cNvPr id="1" name=""/>
+        <p:cNvGrpSpPr/>
+        <p:nvPr/>
+      </p:nvGrpSpPr>
+      <p:grpSpPr>
+        <a:xfrm>
+          <a:off x="0" y="0"/>
+          <a:ext cx="0" cy="0"/>
+          <a:chOff x="0" y="0"/>
+          <a:chExt cx="0" cy="0"/>
+        </a:xfrm>
+      </p:grpSpPr>
       <p:pic>
         <p:nvPicPr>
           <p:cNvPr id="6" name="Segnaposto contenuto 5">
@@ -6201,7 +8350,7 @@
         </p:blipFill>
         <p:spPr>
           <a:xfrm>
-            <a:off x="6210699" y="2014194"/>
+            <a:off x="6145384" y="1393708"/>
             <a:ext cx="5404832" cy="4124739"/>
           </a:xfrm>
         </p:spPr>
@@ -6220,7 +8369,7 @@
         </p:nvSpPr>
         <p:spPr>
           <a:xfrm>
-            <a:off x="671290" y="2014194"/>
+            <a:off x="785590" y="2193809"/>
             <a:ext cx="5049078" cy="2246769"/>
           </a:xfrm>
           <a:prstGeom prst="rect">
@@ -6300,201 +8449,6 @@
     <p:extLst>
       <p:ext uri="{BB962C8B-B14F-4D97-AF65-F5344CB8AC3E}">
         <p14:creationId xmlns:p14="http://schemas.microsoft.com/office/powerpoint/2010/main" xmlns="" val="827250896"/>
-      </p:ext>
-    </p:extLst>
-  </p:cSld>
-  <p:clrMapOvr>
-    <a:masterClrMapping/>
-  </p:clrMapOvr>
-</p:sld>
-</file>
-
-<file path=ppt/slides/slide2.xml><?xml version="1.0" encoding="utf-8"?>
-<p:sld xmlns:a="http://schemas.openxmlformats.org/drawingml/2006/main" xmlns:r="http://schemas.openxmlformats.org/officeDocument/2006/relationships" xmlns:p="http://schemas.openxmlformats.org/presentationml/2006/main">
-  <p:cSld>
-    <p:bg>
-      <p:bgPr>
-        <a:solidFill>
-          <a:schemeClr val="bg1"/>
-        </a:solidFill>
-        <a:effectLst/>
-      </p:bgPr>
-    </p:bg>
-    <p:spTree>
-      <p:nvGrpSpPr>
-        <p:cNvPr id="1" name=""/>
-        <p:cNvGrpSpPr/>
-        <p:nvPr/>
-      </p:nvGrpSpPr>
-      <p:grpSpPr>
-        <a:xfrm>
-          <a:off x="0" y="0"/>
-          <a:ext cx="0" cy="0"/>
-          <a:chOff x="0" y="0"/>
-          <a:chExt cx="0" cy="0"/>
-        </a:xfrm>
-      </p:grpSpPr>
-      <p:sp>
-        <p:nvSpPr>
-          <p:cNvPr id="4" name="Titolo 3">
-            <a:extLst>
-              <a:ext uri="{FF2B5EF4-FFF2-40B4-BE49-F238E27FC236}">
-                <a16:creationId xmlns:a16="http://schemas.microsoft.com/office/drawing/2014/main" xmlns="" id="{6042F595-4D4D-4185-86A7-CBC567109825}"/>
-              </a:ext>
-            </a:extLst>
-          </p:cNvPr>
-          <p:cNvSpPr>
-            <a:spLocks noGrp="1"/>
-          </p:cNvSpPr>
-          <p:nvPr>
-            <p:ph type="title"/>
-          </p:nvPr>
-        </p:nvSpPr>
-        <p:spPr/>
-        <p:txBody>
-          <a:bodyPr/>
-          <a:lstStyle/>
-          <a:p>
-            <a:r>
-              <a:rPr lang="it-IT" dirty="0">
-                <a:cs typeface="Times New Roman" panose="02020603050405020304" pitchFamily="18" charset="0"/>
-              </a:rPr>
-              <a:t>Cos’è </a:t>
-            </a:r>
-            <a:r>
-              <a:rPr lang="it-IT" dirty="0" err="1">
-                <a:cs typeface="Times New Roman" panose="02020603050405020304" pitchFamily="18" charset="0"/>
-              </a:rPr>
-              <a:t>Vector</a:t>
-            </a:r>
-            <a:r>
-              <a:rPr lang="it-IT" dirty="0">
-                <a:cs typeface="Times New Roman" panose="02020603050405020304" pitchFamily="18" charset="0"/>
-              </a:rPr>
-              <a:t> Asset Studio?</a:t>
-            </a:r>
-          </a:p>
-        </p:txBody>
-      </p:sp>
-      <p:sp>
-        <p:nvSpPr>
-          <p:cNvPr id="7" name="Segnaposto contenuto 6">
-            <a:extLst>
-              <a:ext uri="{FF2B5EF4-FFF2-40B4-BE49-F238E27FC236}">
-                <a16:creationId xmlns:a16="http://schemas.microsoft.com/office/drawing/2014/main" xmlns="" id="{7869F837-450C-4E6A-A262-9F07239CD2B8}"/>
-              </a:ext>
-            </a:extLst>
-          </p:cNvPr>
-          <p:cNvSpPr>
-            <a:spLocks noGrp="1"/>
-          </p:cNvSpPr>
-          <p:nvPr>
-            <p:ph idx="1"/>
-          </p:nvPr>
-        </p:nvSpPr>
-        <p:spPr/>
-        <p:txBody>
-          <a:bodyPr>
-            <a:normAutofit/>
-          </a:bodyPr>
-          <a:lstStyle/>
-          <a:p>
-            <a:pPr marL="0" indent="0">
-              <a:buNone/>
-            </a:pPr>
-            <a:r>
-              <a:rPr lang="it-IT" sz="3200" dirty="0">
-                <a:latin typeface="Times New Roman" panose="02020603050405020304" pitchFamily="18" charset="0"/>
-                <a:cs typeface="Times New Roman" panose="02020603050405020304" pitchFamily="18" charset="0"/>
-              </a:rPr>
-              <a:t>Da Android Studio 1.4 è stato introdotto </a:t>
-            </a:r>
-            <a:r>
-              <a:rPr lang="it-IT" sz="3200" dirty="0" err="1">
-                <a:latin typeface="Times New Roman" panose="02020603050405020304" pitchFamily="18" charset="0"/>
-                <a:cs typeface="Times New Roman" panose="02020603050405020304" pitchFamily="18" charset="0"/>
-              </a:rPr>
-              <a:t>Vector</a:t>
-            </a:r>
-            <a:r>
-              <a:rPr lang="it-IT" sz="3200" dirty="0">
-                <a:latin typeface="Times New Roman" panose="02020603050405020304" pitchFamily="18" charset="0"/>
-                <a:cs typeface="Times New Roman" panose="02020603050405020304" pitchFamily="18" charset="0"/>
-              </a:rPr>
-              <a:t> Asset Studio, un tool per prendere un </a:t>
-            </a:r>
-            <a:r>
-              <a:rPr lang="it-IT" sz="3200" dirty="0" err="1">
-                <a:latin typeface="Times New Roman" panose="02020603050405020304" pitchFamily="18" charset="0"/>
-                <a:cs typeface="Times New Roman" panose="02020603050405020304" pitchFamily="18" charset="0"/>
-              </a:rPr>
-              <a:t>vector</a:t>
-            </a:r>
-            <a:r>
-              <a:rPr lang="it-IT" sz="3200" dirty="0">
-                <a:latin typeface="Times New Roman" panose="02020603050405020304" pitchFamily="18" charset="0"/>
-                <a:cs typeface="Times New Roman" panose="02020603050405020304" pitchFamily="18" charset="0"/>
-              </a:rPr>
-              <a:t> asset da </a:t>
-            </a:r>
-            <a:r>
-              <a:rPr lang="it-IT" sz="3200" dirty="0" err="1">
-                <a:latin typeface="Times New Roman" panose="02020603050405020304" pitchFamily="18" charset="0"/>
-                <a:cs typeface="Times New Roman" panose="02020603050405020304" pitchFamily="18" charset="0"/>
-              </a:rPr>
-              <a:t>material</a:t>
-            </a:r>
-            <a:r>
-              <a:rPr lang="it-IT" sz="3200" dirty="0">
-                <a:latin typeface="Times New Roman" panose="02020603050405020304" pitchFamily="18" charset="0"/>
-                <a:cs typeface="Times New Roman" panose="02020603050405020304" pitchFamily="18" charset="0"/>
-              </a:rPr>
-              <a:t> design </a:t>
-            </a:r>
-            <a:r>
-              <a:rPr lang="it-IT" sz="3200" dirty="0" err="1">
-                <a:latin typeface="Times New Roman" panose="02020603050405020304" pitchFamily="18" charset="0"/>
-                <a:cs typeface="Times New Roman" panose="02020603050405020304" pitchFamily="18" charset="0"/>
-              </a:rPr>
-              <a:t>icon</a:t>
-            </a:r>
-            <a:r>
-              <a:rPr lang="it-IT" sz="3200" dirty="0">
-                <a:latin typeface="Times New Roman" panose="02020603050405020304" pitchFamily="18" charset="0"/>
-                <a:cs typeface="Times New Roman" panose="02020603050405020304" pitchFamily="18" charset="0"/>
-              </a:rPr>
-              <a:t> library, o convertire file </a:t>
-            </a:r>
-            <a:r>
-              <a:rPr lang="it-IT" sz="3200" dirty="0" err="1">
-                <a:latin typeface="Times New Roman" panose="02020603050405020304" pitchFamily="18" charset="0"/>
-                <a:cs typeface="Times New Roman" panose="02020603050405020304" pitchFamily="18" charset="0"/>
-              </a:rPr>
-              <a:t>svg</a:t>
-            </a:r>
-            <a:r>
-              <a:rPr lang="it-IT" sz="3200" dirty="0">
-                <a:latin typeface="Times New Roman" panose="02020603050405020304" pitchFamily="18" charset="0"/>
-                <a:cs typeface="Times New Roman" panose="02020603050405020304" pitchFamily="18" charset="0"/>
-              </a:rPr>
-              <a:t> in immagini vettoriali.</a:t>
-            </a:r>
-          </a:p>
-          <a:p>
-            <a:pPr marL="0" indent="0">
-              <a:buNone/>
-            </a:pPr>
-            <a:r>
-              <a:rPr lang="it-IT" sz="3200" dirty="0"/>
-              <a:t> </a:t>
-            </a:r>
-          </a:p>
-        </p:txBody>
-      </p:sp>
-    </p:spTree>
-    <p:extLst>
-      <p:ext uri="{BB962C8B-B14F-4D97-AF65-F5344CB8AC3E}">
-        <p14:creationId xmlns:p14="http://schemas.microsoft.com/office/powerpoint/2010/main" xmlns="" val="183243182"/>
       </p:ext>
     </p:extLst>
   </p:cSld>
@@ -7099,13 +9053,7 @@
       </p:grpSpPr>
       <p:sp>
         <p:nvSpPr>
-          <p:cNvPr id="2" name="Titolo 1">
-            <a:extLst>
-              <a:ext uri="{FF2B5EF4-FFF2-40B4-BE49-F238E27FC236}">
-                <a16:creationId xmlns:a16="http://schemas.microsoft.com/office/drawing/2014/main" xmlns="" id="{3398F7C4-7514-4AE3-BC85-857C4736813B}"/>
-              </a:ext>
-            </a:extLst>
-          </p:cNvPr>
+          <p:cNvPr id="2" name="Titolo 1"/>
           <p:cNvSpPr>
             <a:spLocks noGrp="1"/>
           </p:cNvSpPr>
@@ -7119,29 +9067,16 @@
           <a:lstStyle/>
           <a:p>
             <a:r>
-              <a:rPr lang="it-IT" dirty="0"/>
-              <a:t>Perché usare </a:t>
-            </a:r>
-            <a:r>
-              <a:rPr lang="it-IT" dirty="0" err="1"/>
-              <a:t>Vector</a:t>
-            </a:r>
-            <a:r>
-              <a:rPr lang="it-IT" dirty="0"/>
-              <a:t> Asset Studio</a:t>
-            </a:r>
-          </a:p>
-        </p:txBody>
-      </p:sp>
-      <p:sp>
-        <p:nvSpPr>
-          <p:cNvPr id="3" name="Segnaposto contenuto 2">
-            <a:extLst>
-              <a:ext uri="{FF2B5EF4-FFF2-40B4-BE49-F238E27FC236}">
-                <a16:creationId xmlns:a16="http://schemas.microsoft.com/office/drawing/2014/main" xmlns="" id="{9DBC0072-9DC3-4488-B012-6C28443F48FA}"/>
-              </a:ext>
-            </a:extLst>
-          </p:cNvPr>
+              <a:rPr lang="it-IT" smtClean="0"/>
+              <a:t>In conclusione</a:t>
+            </a:r>
+            <a:endParaRPr lang="it-IT"/>
+          </a:p>
+        </p:txBody>
+      </p:sp>
+      <p:sp>
+        <p:nvSpPr>
+          <p:cNvPr id="3" name="Segnaposto contenuto 2"/>
           <p:cNvSpPr>
             <a:spLocks noGrp="1"/>
           </p:cNvSpPr>
@@ -7154,101 +9089,67 @@
           <a:bodyPr/>
           <a:lstStyle/>
           <a:p>
-            <a:pPr marL="0" indent="0">
+            <a:pPr>
               <a:buNone/>
             </a:pPr>
             <a:r>
-              <a:rPr lang="it-IT" sz="2400" dirty="0">
-                <a:latin typeface="Times New Roman" panose="02020603050405020304" pitchFamily="18" charset="0"/>
-                <a:cs typeface="Times New Roman" panose="02020603050405020304" pitchFamily="18" charset="0"/>
-              </a:rPr>
-              <a:t>Android Studio include uno strumento chiamato </a:t>
-            </a:r>
-            <a:r>
-              <a:rPr lang="it-IT" sz="2400" dirty="0" err="1">
-                <a:latin typeface="Times New Roman" panose="02020603050405020304" pitchFamily="18" charset="0"/>
-                <a:cs typeface="Times New Roman" panose="02020603050405020304" pitchFamily="18" charset="0"/>
-              </a:rPr>
-              <a:t>Vector</a:t>
-            </a:r>
-            <a:r>
-              <a:rPr lang="it-IT" sz="2400" dirty="0">
-                <a:latin typeface="Times New Roman" panose="02020603050405020304" pitchFamily="18" charset="0"/>
-                <a:cs typeface="Times New Roman" panose="02020603050405020304" pitchFamily="18" charset="0"/>
-              </a:rPr>
-              <a:t> Asset Studio che serve ad aggiungere icone materiali e importare file SVG (Scalable </a:t>
-            </a:r>
-            <a:r>
-              <a:rPr lang="it-IT" sz="2400" dirty="0" err="1">
-                <a:latin typeface="Times New Roman" panose="02020603050405020304" pitchFamily="18" charset="0"/>
-                <a:cs typeface="Times New Roman" panose="02020603050405020304" pitchFamily="18" charset="0"/>
-              </a:rPr>
-              <a:t>Vector</a:t>
-            </a:r>
-            <a:r>
-              <a:rPr lang="it-IT" sz="2400" dirty="0">
-                <a:latin typeface="Times New Roman" panose="02020603050405020304" pitchFamily="18" charset="0"/>
-                <a:cs typeface="Times New Roman" panose="02020603050405020304" pitchFamily="18" charset="0"/>
-              </a:rPr>
-              <a:t> Graphic) e PSD (Photoshop </a:t>
-            </a:r>
-            <a:r>
-              <a:rPr lang="it-IT" sz="2400" dirty="0" err="1">
-                <a:latin typeface="Times New Roman" panose="02020603050405020304" pitchFamily="18" charset="0"/>
-                <a:cs typeface="Times New Roman" panose="02020603050405020304" pitchFamily="18" charset="0"/>
-              </a:rPr>
-              <a:t>Document</a:t>
-            </a:r>
-            <a:r>
-              <a:rPr lang="it-IT" sz="2400" dirty="0">
-                <a:latin typeface="Times New Roman" panose="02020603050405020304" pitchFamily="18" charset="0"/>
-                <a:cs typeface="Times New Roman" panose="02020603050405020304" pitchFamily="18" charset="0"/>
-              </a:rPr>
-              <a:t>) nel proprio progetto come risorse </a:t>
-            </a:r>
-            <a:r>
-              <a:rPr lang="it-IT" sz="2400" dirty="0" err="1">
-                <a:latin typeface="Times New Roman" panose="02020603050405020304" pitchFamily="18" charset="0"/>
-                <a:cs typeface="Times New Roman" panose="02020603050405020304" pitchFamily="18" charset="0"/>
-              </a:rPr>
-              <a:t>vector</a:t>
-            </a:r>
-            <a:r>
-              <a:rPr lang="it-IT" sz="2400" dirty="0">
-                <a:latin typeface="Times New Roman" panose="02020603050405020304" pitchFamily="18" charset="0"/>
-                <a:cs typeface="Times New Roman" panose="02020603050405020304" pitchFamily="18" charset="0"/>
-              </a:rPr>
-              <a:t> </a:t>
-            </a:r>
-            <a:r>
-              <a:rPr lang="it-IT" sz="2400" dirty="0" err="1">
-                <a:latin typeface="Times New Roman" panose="02020603050405020304" pitchFamily="18" charset="0"/>
-                <a:cs typeface="Times New Roman" panose="02020603050405020304" pitchFamily="18" charset="0"/>
-              </a:rPr>
-              <a:t>drawables</a:t>
-            </a:r>
-            <a:r>
-              <a:rPr lang="it-IT" sz="2400" dirty="0">
-                <a:latin typeface="Times New Roman" panose="02020603050405020304" pitchFamily="18" charset="0"/>
-                <a:cs typeface="Times New Roman" panose="02020603050405020304" pitchFamily="18" charset="0"/>
-              </a:rPr>
-              <a:t>. Usare questi invece che i bitmaps serve a ridurre la dimensione del proprio APK perché lo stesso file può essere ridimensionato per diverse densità dello schermo, senza rinunciare alla qualità dell’immagine.</a:t>
-            </a:r>
-          </a:p>
-          <a:p>
-            <a:endParaRPr lang="it-IT" dirty="0"/>
-          </a:p>
-        </p:txBody>
-      </p:sp>
-      <p:sp>
-        <p:nvSpPr>
-          <p:cNvPr id="4" name="Segnaposto data 3">
-            <a:extLst>
-              <a:ext uri="{FF2B5EF4-FFF2-40B4-BE49-F238E27FC236}">
-                <a16:creationId xmlns:a16="http://schemas.microsoft.com/office/drawing/2014/main" xmlns="" id="{52341729-1279-416E-B91D-C28FD193F910}"/>
-              </a:ext>
-            </a:extLst>
-          </p:cNvPr>
+              <a:rPr lang="it-IT" sz="2400" smtClean="0">
+                <a:latin typeface="Times New Roman" pitchFamily="18" charset="0"/>
+                <a:cs typeface="Times New Roman" pitchFamily="18" charset="0"/>
+              </a:rPr>
+              <a:t>Il vector drawable è appropriato per icone semplici, mentre quelle con troppi dettagli funzionano meglio come immagini </a:t>
+            </a:r>
+            <a:r>
+              <a:rPr lang="it-IT" sz="2400" smtClean="0">
+                <a:latin typeface="Times New Roman" pitchFamily="18" charset="0"/>
+                <a:cs typeface="Times New Roman" pitchFamily="18" charset="0"/>
+              </a:rPr>
+              <a:t>bitmap</a:t>
+            </a:r>
+            <a:r>
+              <a:rPr lang="it-IT" sz="2400" smtClean="0">
+                <a:latin typeface="Times New Roman" pitchFamily="18" charset="0"/>
+                <a:cs typeface="Times New Roman" pitchFamily="18" charset="0"/>
+              </a:rPr>
+              <a:t>.</a:t>
+            </a:r>
+          </a:p>
+          <a:p>
+            <a:pPr>
+              <a:buNone/>
+            </a:pPr>
+            <a:r>
+              <a:rPr lang="it-IT" sz="2400" smtClean="0">
+                <a:latin typeface="Times New Roman" pitchFamily="18" charset="0"/>
+                <a:cs typeface="Times New Roman" pitchFamily="18" charset="0"/>
+              </a:rPr>
+              <a:t>Inoltre il caricamento </a:t>
+            </a:r>
+            <a:r>
+              <a:rPr lang="it-IT" sz="2400" smtClean="0">
+                <a:latin typeface="Times New Roman" pitchFamily="18" charset="0"/>
+                <a:cs typeface="Times New Roman" pitchFamily="18" charset="0"/>
+              </a:rPr>
+              <a:t>iniziale di un vector drawable può costare di più in termini di cicli di CPU rispetto alla corrispondente immagine bitmap. Mentre successivamente l’uso di memoria è simile tra le due.</a:t>
+            </a:r>
+          </a:p>
+          <a:p>
+            <a:pPr>
+              <a:buNone/>
+            </a:pPr>
+            <a:endParaRPr lang="it-IT" sz="2400" smtClean="0">
+              <a:latin typeface="Times New Roman" pitchFamily="18" charset="0"/>
+              <a:cs typeface="Times New Roman" pitchFamily="18" charset="0"/>
+            </a:endParaRPr>
+          </a:p>
+          <a:p>
+            <a:endParaRPr lang="it-IT"/>
+          </a:p>
+        </p:txBody>
+      </p:sp>
+      <p:sp>
+        <p:nvSpPr>
+          <p:cNvPr id="4" name="Segnaposto data 3"/>
           <p:cNvSpPr>
             <a:spLocks noGrp="1"/>
           </p:cNvSpPr>
@@ -7272,11 +9173,6 @@
         </p:txBody>
       </p:sp>
     </p:spTree>
-    <p:extLst>
-      <p:ext uri="{BB962C8B-B14F-4D97-AF65-F5344CB8AC3E}">
-        <p14:creationId xmlns:p14="http://schemas.microsoft.com/office/powerpoint/2010/main" xmlns="" val="3065832474"/>
-      </p:ext>
-    </p:extLst>
   </p:cSld>
   <p:clrMapOvr>
     <a:masterClrMapping/>
@@ -7303,13 +9199,7 @@
       </p:grpSpPr>
       <p:sp>
         <p:nvSpPr>
-          <p:cNvPr id="2" name="Titolo 1">
-            <a:extLst>
-              <a:ext uri="{FF2B5EF4-FFF2-40B4-BE49-F238E27FC236}">
-                <a16:creationId xmlns:a16="http://schemas.microsoft.com/office/drawing/2014/main" xmlns="" id="{833E92F7-52A9-4816-8B4F-FF5856EEA76B}"/>
-              </a:ext>
-            </a:extLst>
-          </p:cNvPr>
+          <p:cNvPr id="2" name="Titolo 1"/>
           <p:cNvSpPr>
             <a:spLocks noGrp="1"/>
           </p:cNvSpPr>
@@ -7319,192 +9209,103 @@
         </p:nvSpPr>
         <p:spPr/>
         <p:txBody>
+          <a:bodyPr/>
+          <a:lstStyle/>
+          <a:p>
+            <a:r>
+              <a:rPr lang="it-IT" smtClean="0"/>
+              <a:t>Riguardo Vector Asset Studio</a:t>
+            </a:r>
+            <a:endParaRPr lang="it-IT"/>
+          </a:p>
+        </p:txBody>
+      </p:sp>
+      <p:sp>
+        <p:nvSpPr>
+          <p:cNvPr id="3" name="Segnaposto contenuto 2"/>
+          <p:cNvSpPr>
+            <a:spLocks noGrp="1"/>
+          </p:cNvSpPr>
+          <p:nvPr>
+            <p:ph idx="1"/>
+          </p:nvPr>
+        </p:nvSpPr>
+        <p:spPr/>
+        <p:txBody>
           <a:bodyPr>
-            <a:normAutofit/>
+            <a:normAutofit lnSpcReduction="10000"/>
           </a:bodyPr>
           <a:lstStyle/>
           <a:p>
-            <a:r>
-              <a:rPr lang="it-IT" dirty="0">
-                <a:cs typeface="Times New Roman" panose="02020603050405020304" pitchFamily="18" charset="0"/>
-              </a:rPr>
-              <a:t>Tipi di grafica vettoriale supportati</a:t>
-            </a:r>
-          </a:p>
-        </p:txBody>
-      </p:sp>
-      <p:sp>
-        <p:nvSpPr>
-          <p:cNvPr id="3" name="Segnaposto contenuto 2">
-            <a:extLst>
-              <a:ext uri="{FF2B5EF4-FFF2-40B4-BE49-F238E27FC236}">
-                <a16:creationId xmlns:a16="http://schemas.microsoft.com/office/drawing/2014/main" xmlns="" id="{C07759CF-19AE-4727-AFE3-6FB54EE58A26}"/>
-              </a:ext>
-            </a:extLst>
-          </p:cNvPr>
-          <p:cNvSpPr>
-            <a:spLocks noGrp="1"/>
-          </p:cNvSpPr>
-          <p:nvPr>
-            <p:ph idx="1"/>
-          </p:nvPr>
-        </p:nvSpPr>
-        <p:spPr/>
-        <p:txBody>
-          <a:bodyPr>
-            <a:normAutofit fontScale="92500" lnSpcReduction="20000"/>
-          </a:bodyPr>
-          <a:lstStyle/>
-          <a:p>
-            <a:pPr marL="0" indent="0">
+            <a:pPr>
               <a:buNone/>
             </a:pPr>
             <a:r>
-              <a:rPr lang="it-IT" sz="2600" dirty="0">
-                <a:latin typeface="Times New Roman" panose="02020603050405020304" pitchFamily="18" charset="0"/>
-                <a:cs typeface="Times New Roman" panose="02020603050405020304" pitchFamily="18" charset="0"/>
-              </a:rPr>
-              <a:t>Google </a:t>
-            </a:r>
-            <a:r>
-              <a:rPr lang="it-IT" sz="2600" dirty="0" err="1">
-                <a:latin typeface="Times New Roman" panose="02020603050405020304" pitchFamily="18" charset="0"/>
-                <a:cs typeface="Times New Roman" panose="02020603050405020304" pitchFamily="18" charset="0"/>
-              </a:rPr>
-              <a:t>Material</a:t>
-            </a:r>
-            <a:r>
-              <a:rPr lang="it-IT" sz="2600" dirty="0">
-                <a:latin typeface="Times New Roman" panose="02020603050405020304" pitchFamily="18" charset="0"/>
-                <a:cs typeface="Times New Roman" panose="02020603050405020304" pitchFamily="18" charset="0"/>
-              </a:rPr>
-              <a:t> Design offre icone materiali che si possono usare nelle applicazioni Android. </a:t>
-            </a:r>
-            <a:r>
-              <a:rPr lang="it-IT" sz="2600" dirty="0" err="1">
-                <a:latin typeface="Times New Roman" panose="02020603050405020304" pitchFamily="18" charset="0"/>
-                <a:cs typeface="Times New Roman" panose="02020603050405020304" pitchFamily="18" charset="0"/>
-              </a:rPr>
-              <a:t>Vector</a:t>
-            </a:r>
-            <a:r>
-              <a:rPr lang="it-IT" sz="2600" dirty="0">
-                <a:latin typeface="Times New Roman" panose="02020603050405020304" pitchFamily="18" charset="0"/>
-                <a:cs typeface="Times New Roman" panose="02020603050405020304" pitchFamily="18" charset="0"/>
-              </a:rPr>
-              <a:t> Asset Studio aiuta l’utente a scegliere, importare e dimensionare queste icone, per poi poter definire l’opacità e anche le impostazioni di mirroring.</a:t>
-            </a:r>
-          </a:p>
-          <a:p>
-            <a:pPr marL="0" indent="0">
+              <a:rPr lang="it-IT" sz="2400" smtClean="0">
+                <a:latin typeface="Times New Roman" pitchFamily="18" charset="0"/>
+                <a:cs typeface="Times New Roman" pitchFamily="18" charset="0"/>
+              </a:rPr>
+              <a:t>Vector Asset Studio aggiunge una grafica vettoriale al progetto con un file XML che descrive l’immagine.</a:t>
+            </a:r>
+          </a:p>
+          <a:p>
+            <a:pPr>
               <a:buNone/>
             </a:pPr>
             <a:r>
-              <a:rPr lang="it-IT" sz="2600" dirty="0">
-                <a:latin typeface="Times New Roman" panose="02020603050405020304" pitchFamily="18" charset="0"/>
-                <a:cs typeface="Times New Roman" panose="02020603050405020304" pitchFamily="18" charset="0"/>
-              </a:rPr>
-              <a:t>Con </a:t>
-            </a:r>
-            <a:r>
-              <a:rPr lang="it-IT" sz="2600" dirty="0" err="1">
-                <a:latin typeface="Times New Roman" panose="02020603050405020304" pitchFamily="18" charset="0"/>
-                <a:cs typeface="Times New Roman" panose="02020603050405020304" pitchFamily="18" charset="0"/>
-              </a:rPr>
-              <a:t>Vector</a:t>
-            </a:r>
-            <a:r>
-              <a:rPr lang="it-IT" sz="2600" dirty="0">
-                <a:latin typeface="Times New Roman" panose="02020603050405020304" pitchFamily="18" charset="0"/>
-                <a:cs typeface="Times New Roman" panose="02020603050405020304" pitchFamily="18" charset="0"/>
-              </a:rPr>
-              <a:t> Asset Studio, inoltre, l’utente può importare i propri file SVG e PSD, anche se non ne supporta tutti gli aspetti. Una volta scelto il file, </a:t>
-            </a:r>
-            <a:r>
-              <a:rPr lang="it-IT" sz="2600" dirty="0" err="1">
-                <a:latin typeface="Times New Roman" panose="02020603050405020304" pitchFamily="18" charset="0"/>
-                <a:cs typeface="Times New Roman" panose="02020603050405020304" pitchFamily="18" charset="0"/>
-              </a:rPr>
-              <a:t>Vector</a:t>
-            </a:r>
-            <a:r>
-              <a:rPr lang="it-IT" sz="2600" dirty="0">
-                <a:latin typeface="Times New Roman" panose="02020603050405020304" pitchFamily="18" charset="0"/>
-                <a:cs typeface="Times New Roman" panose="02020603050405020304" pitchFamily="18" charset="0"/>
-              </a:rPr>
-              <a:t> Asset Studio fornisce un feedback immediato se il codice grafico è supportato o no. Poi converte il file in un XML che contiene codice </a:t>
-            </a:r>
-            <a:r>
-              <a:rPr lang="it-IT" sz="2600" dirty="0" err="1">
+              <a:rPr lang="it-IT" sz="2400" smtClean="0">
+                <a:latin typeface="Times New Roman" pitchFamily="18" charset="0"/>
+                <a:cs typeface="Times New Roman" pitchFamily="18" charset="0"/>
+              </a:rPr>
+              <a:t>Le versioni da Android 4.4 (API level 20) e più vecchie non supportano i vector drawables. In questi casi con Vector Asset Studio si può solo generare file PNG (Portable Network Graphic) o usare la libreria di supporto.</a:t>
+            </a:r>
+          </a:p>
+          <a:p>
+            <a:pPr>
+              <a:buNone/>
+            </a:pPr>
+            <a:r>
+              <a:rPr lang="it-IT" sz="2400" smtClean="0">
+                <a:latin typeface="Times New Roman" pitchFamily="18" charset="0"/>
+                <a:cs typeface="Times New Roman" pitchFamily="18" charset="0"/>
+              </a:rPr>
+              <a:t>Per la retrocompatibilità, Vector Asset Studio genera immagini bitmap del vector drawable. I drawable sono nello stesso package nell’APK.</a:t>
+            </a:r>
+          </a:p>
+          <a:p>
+            <a:pPr>
+              <a:buNone/>
+            </a:pPr>
+            <a:r>
+              <a:rPr lang="it-IT" sz="2400" smtClean="0">
+                <a:latin typeface="Times New Roman" pitchFamily="18" charset="0"/>
+                <a:cs typeface="Times New Roman" pitchFamily="18" charset="0"/>
+              </a:rPr>
+              <a:t>Per fare riferimento ai vector drawables uso Drawable nel codice Java oppure </a:t>
+            </a:r>
+            <a:r>
+              <a:rPr lang="it-IT" sz="2400" smtClean="0">
                 <a:latin typeface="Courier New" pitchFamily="49" charset="0"/>
                 <a:cs typeface="Courier New" pitchFamily="49" charset="0"/>
               </a:rPr>
-              <a:t>VectorDrawable</a:t>
-            </a:r>
-            <a:r>
-              <a:rPr lang="it-IT" sz="2600" dirty="0">
-                <a:latin typeface="Times New Roman" panose="02020603050405020304" pitchFamily="18" charset="0"/>
-                <a:cs typeface="Times New Roman" panose="02020603050405020304" pitchFamily="18" charset="0"/>
-              </a:rPr>
-              <a:t>. Per versioni Android 5.0 (API </a:t>
-            </a:r>
-            <a:r>
-              <a:rPr lang="it-IT" sz="2600" dirty="0" err="1">
-                <a:latin typeface="Times New Roman" panose="02020603050405020304" pitchFamily="18" charset="0"/>
-                <a:cs typeface="Times New Roman" panose="02020603050405020304" pitchFamily="18" charset="0"/>
-              </a:rPr>
-              <a:t>level</a:t>
-            </a:r>
-            <a:r>
-              <a:rPr lang="it-IT" sz="2600" dirty="0">
-                <a:latin typeface="Times New Roman" panose="02020603050405020304" pitchFamily="18" charset="0"/>
-                <a:cs typeface="Times New Roman" panose="02020603050405020304" pitchFamily="18" charset="0"/>
-              </a:rPr>
-              <a:t> 21) e più recenti, si può usare la classe </a:t>
-            </a:r>
-            <a:r>
-              <a:rPr lang="it-IT" sz="2600" dirty="0" err="1">
-                <a:latin typeface="Courier New" pitchFamily="49" charset="0"/>
-                <a:cs typeface="Courier New" pitchFamily="49" charset="0"/>
-              </a:rPr>
-              <a:t>AnimatedVectorDrawable</a:t>
-            </a:r>
-            <a:r>
-              <a:rPr lang="it-IT" sz="2600" dirty="0">
-                <a:latin typeface="Times New Roman" panose="02020603050405020304" pitchFamily="18" charset="0"/>
-                <a:cs typeface="Times New Roman" panose="02020603050405020304" pitchFamily="18" charset="0"/>
-              </a:rPr>
-              <a:t> per, appunto, animare le proprietà della classe </a:t>
-            </a:r>
-            <a:r>
-              <a:rPr lang="it-IT" sz="2600" dirty="0" err="1">
-                <a:latin typeface="Courier New" pitchFamily="49" charset="0"/>
-                <a:cs typeface="Courier New" pitchFamily="49" charset="0"/>
-              </a:rPr>
-              <a:t>VectorDrawable</a:t>
-            </a:r>
-            <a:r>
-              <a:rPr lang="it-IT" sz="2600" dirty="0">
-                <a:latin typeface="Times New Roman" panose="02020603050405020304" pitchFamily="18" charset="0"/>
-                <a:cs typeface="Times New Roman" panose="02020603050405020304" pitchFamily="18" charset="0"/>
-              </a:rPr>
-              <a:t>.</a:t>
-            </a:r>
-          </a:p>
-          <a:p>
-            <a:endParaRPr lang="it-IT" dirty="0"/>
-          </a:p>
-        </p:txBody>
-      </p:sp>
-      <p:sp>
-        <p:nvSpPr>
-          <p:cNvPr id="4" name="Segnaposto data 3">
-            <a:extLst>
-              <a:ext uri="{FF2B5EF4-FFF2-40B4-BE49-F238E27FC236}">
-                <a16:creationId xmlns:a16="http://schemas.microsoft.com/office/drawing/2014/main" xmlns="" id="{9F73E2D9-1246-4573-B0FE-02611677EC5D}"/>
-              </a:ext>
-            </a:extLst>
-          </p:cNvPr>
+              <a:t>@drawable </a:t>
+            </a:r>
+            <a:r>
+              <a:rPr lang="it-IT" sz="2400" smtClean="0">
+                <a:latin typeface="Times New Roman" pitchFamily="18" charset="0"/>
+                <a:cs typeface="Times New Roman" pitchFamily="18" charset="0"/>
+              </a:rPr>
+              <a:t>in XML.</a:t>
+            </a:r>
+          </a:p>
+          <a:p>
+            <a:endParaRPr lang="it-IT"/>
+          </a:p>
+        </p:txBody>
+      </p:sp>
+      <p:sp>
+        <p:nvSpPr>
+          <p:cNvPr id="4" name="Segnaposto data 3"/>
           <p:cNvSpPr>
             <a:spLocks noGrp="1"/>
           </p:cNvSpPr>
@@ -7528,11 +9329,6 @@
         </p:txBody>
       </p:sp>
     </p:spTree>
-    <p:extLst>
-      <p:ext uri="{BB962C8B-B14F-4D97-AF65-F5344CB8AC3E}">
-        <p14:creationId xmlns:p14="http://schemas.microsoft.com/office/powerpoint/2010/main" xmlns="" val="2328969674"/>
-      </p:ext>
-    </p:extLst>
   </p:cSld>
   <p:clrMapOvr>
     <a:masterClrMapping/>
@@ -7562,7 +9358,7 @@
           <p:cNvPr id="2" name="Titolo 1">
             <a:extLst>
               <a:ext uri="{FF2B5EF4-FFF2-40B4-BE49-F238E27FC236}">
-                <a16:creationId xmlns:a16="http://schemas.microsoft.com/office/drawing/2014/main" xmlns="" id="{08E9130B-3DA2-4409-B4FB-4ED5F7053F10}"/>
+                <a16:creationId xmlns:a16="http://schemas.microsoft.com/office/drawing/2014/main" xmlns="" id="{3398F7C4-7514-4AE3-BC85-857C4736813B}"/>
               </a:ext>
             </a:extLst>
           </p:cNvPr>
@@ -7575,27 +9371,19 @@
         </p:nvSpPr>
         <p:spPr/>
         <p:txBody>
-          <a:bodyPr>
-            <a:normAutofit/>
-          </a:bodyPr>
+          <a:bodyPr/>
           <a:lstStyle/>
           <a:p>
             <a:r>
-              <a:rPr lang="it-IT" dirty="0">
-                <a:cs typeface="Times New Roman" panose="02020603050405020304" pitchFamily="18" charset="0"/>
-              </a:rPr>
-              <a:t>Compatibilità di </a:t>
-            </a:r>
-            <a:r>
-              <a:rPr lang="it-IT" dirty="0" err="1">
-                <a:cs typeface="Times New Roman" panose="02020603050405020304" pitchFamily="18" charset="0"/>
-              </a:rPr>
+              <a:rPr lang="it-IT" dirty="0"/>
+              <a:t>Perché usare </a:t>
+            </a:r>
+            <a:r>
+              <a:rPr lang="it-IT" dirty="0" err="1"/>
               <a:t>Vector</a:t>
             </a:r>
             <a:r>
-              <a:rPr lang="it-IT" dirty="0">
-                <a:cs typeface="Times New Roman" panose="02020603050405020304" pitchFamily="18" charset="0"/>
-              </a:rPr>
+              <a:rPr lang="it-IT" dirty="0"/>
               <a:t> Asset Studio</a:t>
             </a:r>
           </a:p>
@@ -7606,7 +9394,7 @@
           <p:cNvPr id="3" name="Segnaposto contenuto 2">
             <a:extLst>
               <a:ext uri="{FF2B5EF4-FFF2-40B4-BE49-F238E27FC236}">
-                <a16:creationId xmlns:a16="http://schemas.microsoft.com/office/drawing/2014/main" xmlns="" id="{72B4423A-4DCE-4192-89A0-E056AA2241FF}"/>
+                <a16:creationId xmlns:a16="http://schemas.microsoft.com/office/drawing/2014/main" xmlns="" id="{9DBC0072-9DC3-4488-B012-6C28443F48FA}"/>
               </a:ext>
             </a:extLst>
           </p:cNvPr>
@@ -7619,9 +9407,7 @@
         </p:nvSpPr>
         <p:spPr/>
         <p:txBody>
-          <a:bodyPr>
-            <a:normAutofit/>
-          </a:bodyPr>
+          <a:bodyPr/>
           <a:lstStyle/>
           <a:p>
             <a:pPr marL="0" indent="0">
@@ -7632,195 +9418,81 @@
                 <a:latin typeface="Times New Roman" panose="02020603050405020304" pitchFamily="18" charset="0"/>
                 <a:cs typeface="Times New Roman" panose="02020603050405020304" pitchFamily="18" charset="0"/>
               </a:rPr>
-              <a:t>Se l’app ha come target versioni Lollipop o più recenti, tutta l’API </a:t>
+              <a:t>Android Studio include uno strumento chiamato </a:t>
             </a:r>
             <a:r>
               <a:rPr lang="it-IT" sz="2400" dirty="0" err="1">
                 <a:latin typeface="Times New Roman" panose="02020603050405020304" pitchFamily="18" charset="0"/>
                 <a:cs typeface="Times New Roman" panose="02020603050405020304" pitchFamily="18" charset="0"/>
               </a:rPr>
-              <a:t>spec</a:t>
+              <a:t>Vector</a:t>
             </a:r>
             <a:r>
               <a:rPr lang="it-IT" sz="2400" dirty="0">
                 <a:latin typeface="Times New Roman" panose="02020603050405020304" pitchFamily="18" charset="0"/>
                 <a:cs typeface="Times New Roman" panose="02020603050405020304" pitchFamily="18" charset="0"/>
               </a:rPr>
-              <a:t> è supportata.  </a:t>
-            </a:r>
-          </a:p>
-          <a:p>
-            <a:pPr marL="0" indent="0">
-              <a:buNone/>
-            </a:pPr>
+              <a:t> Asset Studio che serve ad aggiungere icone materiali e importare file SVG (Scalable </a:t>
+            </a:r>
+            <a:r>
+              <a:rPr lang="it-IT" sz="2400" dirty="0" err="1">
+                <a:latin typeface="Times New Roman" panose="02020603050405020304" pitchFamily="18" charset="0"/>
+                <a:cs typeface="Times New Roman" panose="02020603050405020304" pitchFamily="18" charset="0"/>
+              </a:rPr>
+              <a:t>Vector</a:t>
+            </a:r>
             <a:r>
               <a:rPr lang="it-IT" sz="2400" dirty="0">
                 <a:latin typeface="Times New Roman" panose="02020603050405020304" pitchFamily="18" charset="0"/>
                 <a:cs typeface="Times New Roman" panose="02020603050405020304" pitchFamily="18" charset="0"/>
               </a:rPr>
-              <a:t>Se la versione di </a:t>
+              <a:t> Graphic) e PSD (Photoshop </a:t>
             </a:r>
             <a:r>
               <a:rPr lang="it-IT" sz="2400" dirty="0" err="1">
                 <a:latin typeface="Times New Roman" panose="02020603050405020304" pitchFamily="18" charset="0"/>
                 <a:cs typeface="Times New Roman" panose="02020603050405020304" pitchFamily="18" charset="0"/>
               </a:rPr>
-              <a:t>sdk</a:t>
+              <a:t>Document</a:t>
             </a:r>
             <a:r>
               <a:rPr lang="it-IT" sz="2400" dirty="0">
                 <a:latin typeface="Times New Roman" panose="02020603050405020304" pitchFamily="18" charset="0"/>
                 <a:cs typeface="Times New Roman" panose="02020603050405020304" pitchFamily="18" charset="0"/>
               </a:rPr>
-              <a:t> è minore di 21 ho alcune limitazioni:</a:t>
-            </a:r>
-          </a:p>
-          <a:p>
+              <a:t>) nel proprio progetto come risorse </a:t>
+            </a:r>
+            <a:r>
+              <a:rPr lang="it-IT" sz="2400" dirty="0" err="1">
+                <a:latin typeface="Times New Roman" panose="02020603050405020304" pitchFamily="18" charset="0"/>
+                <a:cs typeface="Times New Roman" panose="02020603050405020304" pitchFamily="18" charset="0"/>
+              </a:rPr>
+              <a:t>vector</a:t>
+            </a:r>
             <a:r>
               <a:rPr lang="it-IT" sz="2400" dirty="0">
                 <a:latin typeface="Times New Roman" panose="02020603050405020304" pitchFamily="18" charset="0"/>
                 <a:cs typeface="Times New Roman" panose="02020603050405020304" pitchFamily="18" charset="0"/>
               </a:rPr>
-              <a:t>I tag &lt;group&gt; e &lt;clip-</a:t>
+              <a:t> </a:t>
             </a:r>
             <a:r>
               <a:rPr lang="it-IT" sz="2400" dirty="0" err="1">
                 <a:latin typeface="Times New Roman" panose="02020603050405020304" pitchFamily="18" charset="0"/>
                 <a:cs typeface="Times New Roman" panose="02020603050405020304" pitchFamily="18" charset="0"/>
               </a:rPr>
-              <a:t>path</a:t>
+              <a:t>drawables</a:t>
             </a:r>
             <a:r>
               <a:rPr lang="it-IT" sz="2400" dirty="0">
                 <a:latin typeface="Times New Roman" panose="02020603050405020304" pitchFamily="18" charset="0"/>
                 <a:cs typeface="Times New Roman" panose="02020603050405020304" pitchFamily="18" charset="0"/>
               </a:rPr>
-              <a:t>&gt; non sono supportati.</a:t>
-            </a:r>
-          </a:p>
-          <a:p>
-            <a:r>
-              <a:rPr lang="it-IT" sz="2400" dirty="0">
-                <a:latin typeface="Times New Roman" panose="02020603050405020304" pitchFamily="18" charset="0"/>
-                <a:cs typeface="Times New Roman" panose="02020603050405020304" pitchFamily="18" charset="0"/>
-              </a:rPr>
-              <a:t>Posso avere solo file png statici: nel file SML del </a:t>
-            </a:r>
-            <a:r>
-              <a:rPr lang="it-IT" sz="2400" dirty="0" err="1">
-                <a:latin typeface="Times New Roman" panose="02020603050405020304" pitchFamily="18" charset="0"/>
-                <a:cs typeface="Times New Roman" panose="02020603050405020304" pitchFamily="18" charset="0"/>
-              </a:rPr>
-              <a:t>vector</a:t>
-            </a:r>
-            <a:r>
-              <a:rPr lang="it-IT" sz="2400" dirty="0">
-                <a:latin typeface="Times New Roman" panose="02020603050405020304" pitchFamily="18" charset="0"/>
-                <a:cs typeface="Times New Roman" panose="02020603050405020304" pitchFamily="18" charset="0"/>
-              </a:rPr>
-              <a:t> </a:t>
-            </a:r>
-            <a:r>
-              <a:rPr lang="it-IT" sz="2400" dirty="0" err="1">
-                <a:latin typeface="Times New Roman" panose="02020603050405020304" pitchFamily="18" charset="0"/>
-                <a:cs typeface="Times New Roman" panose="02020603050405020304" pitchFamily="18" charset="0"/>
-              </a:rPr>
-              <a:t>drawable</a:t>
-            </a:r>
-            <a:r>
-              <a:rPr lang="it-IT" sz="2400" dirty="0">
-                <a:latin typeface="Times New Roman" panose="02020603050405020304" pitchFamily="18" charset="0"/>
-                <a:cs typeface="Times New Roman" panose="02020603050405020304" pitchFamily="18" charset="0"/>
-              </a:rPr>
-              <a:t> non supporto attributi dinamici (</a:t>
-            </a:r>
-            <a:r>
-              <a:rPr lang="it-IT" sz="2400" dirty="0" err="1">
-                <a:latin typeface="Times New Roman" panose="02020603050405020304" pitchFamily="18" charset="0"/>
-                <a:cs typeface="Times New Roman" panose="02020603050405020304" pitchFamily="18" charset="0"/>
-              </a:rPr>
-              <a:t>theming</a:t>
-            </a:r>
-            <a:r>
-              <a:rPr lang="it-IT" sz="2400" dirty="0">
-                <a:latin typeface="Times New Roman" panose="02020603050405020304" pitchFamily="18" charset="0"/>
-                <a:cs typeface="Times New Roman" panose="02020603050405020304" pitchFamily="18" charset="0"/>
-              </a:rPr>
-              <a:t>, </a:t>
-            </a:r>
-            <a:r>
-              <a:rPr lang="it-IT" sz="2400">
-                <a:latin typeface="Times New Roman" panose="02020603050405020304" pitchFamily="18" charset="0"/>
-                <a:cs typeface="Times New Roman" panose="02020603050405020304" pitchFamily="18" charset="0"/>
-              </a:rPr>
-              <a:t>auto </a:t>
-            </a:r>
-            <a:r>
-              <a:rPr lang="it-IT" sz="2400" smtClean="0">
-                <a:latin typeface="Times New Roman" panose="02020603050405020304" pitchFamily="18" charset="0"/>
-                <a:cs typeface="Times New Roman" panose="02020603050405020304" pitchFamily="18" charset="0"/>
-              </a:rPr>
-              <a:t>mirroring…).</a:t>
-            </a:r>
-            <a:endParaRPr lang="it-IT" sz="2400" dirty="0">
-              <a:latin typeface="Times New Roman" panose="02020603050405020304" pitchFamily="18" charset="0"/>
-              <a:cs typeface="Times New Roman" panose="02020603050405020304" pitchFamily="18" charset="0"/>
-            </a:endParaRPr>
-          </a:p>
-          <a:p>
-            <a:r>
-              <a:rPr lang="it-IT" sz="2400" dirty="0">
-                <a:latin typeface="Times New Roman" panose="02020603050405020304" pitchFamily="18" charset="0"/>
-                <a:cs typeface="Times New Roman" panose="02020603050405020304" pitchFamily="18" charset="0"/>
-              </a:rPr>
-              <a:t>Non sono supportate le </a:t>
-            </a:r>
-            <a:r>
-              <a:rPr lang="it-IT" sz="2400" dirty="0" err="1">
-                <a:latin typeface="Times New Roman" panose="02020603050405020304" pitchFamily="18" charset="0"/>
-                <a:cs typeface="Times New Roman" panose="02020603050405020304" pitchFamily="18" charset="0"/>
-              </a:rPr>
-              <a:t>resources</a:t>
-            </a:r>
-            <a:r>
-              <a:rPr lang="it-IT" sz="2400" dirty="0">
-                <a:latin typeface="Times New Roman" panose="02020603050405020304" pitchFamily="18" charset="0"/>
-                <a:cs typeface="Times New Roman" panose="02020603050405020304" pitchFamily="18" charset="0"/>
-              </a:rPr>
-              <a:t> </a:t>
-            </a:r>
-            <a:r>
-              <a:rPr lang="it-IT" sz="2400" dirty="0" err="1">
-                <a:latin typeface="Times New Roman" panose="02020603050405020304" pitchFamily="18" charset="0"/>
-                <a:cs typeface="Times New Roman" panose="02020603050405020304" pitchFamily="18" charset="0"/>
-              </a:rPr>
-              <a:t>references</a:t>
-            </a:r>
-            <a:r>
-              <a:rPr lang="it-IT" sz="2400" dirty="0">
-                <a:latin typeface="Times New Roman" panose="02020603050405020304" pitchFamily="18" charset="0"/>
-                <a:cs typeface="Times New Roman" panose="02020603050405020304" pitchFamily="18" charset="0"/>
-              </a:rPr>
-              <a:t> ad altri file </a:t>
-            </a:r>
-            <a:r>
-              <a:rPr lang="it-IT" sz="2400">
-                <a:latin typeface="Times New Roman" panose="02020603050405020304" pitchFamily="18" charset="0"/>
-                <a:cs typeface="Times New Roman" panose="02020603050405020304" pitchFamily="18" charset="0"/>
-              </a:rPr>
-              <a:t>SML</a:t>
-            </a:r>
-            <a:r>
-              <a:rPr lang="it-IT" sz="2400" smtClean="0">
-                <a:latin typeface="Times New Roman" panose="02020603050405020304" pitchFamily="18" charset="0"/>
-                <a:cs typeface="Times New Roman" panose="02020603050405020304" pitchFamily="18" charset="0"/>
-              </a:rPr>
-              <a:t>.</a:t>
-            </a:r>
-            <a:endParaRPr lang="it-IT" sz="2400" dirty="0">
-              <a:latin typeface="Times New Roman" panose="02020603050405020304" pitchFamily="18" charset="0"/>
-              <a:cs typeface="Times New Roman" panose="02020603050405020304" pitchFamily="18" charset="0"/>
-            </a:endParaRPr>
+              <a:t>. Usare questi invece che i bitmaps serve a ridurre la dimensione del proprio APK perché lo stesso file può essere ridimensionato per diverse densità dello schermo, senza rinunciare alla qualità dell’immagine.</a:t>
+            </a:r>
+          </a:p>
+          <a:p>
+            <a:endParaRPr lang="it-IT" dirty="0"/>
           </a:p>
         </p:txBody>
       </p:sp>
@@ -7829,7 +9501,7 @@
           <p:cNvPr id="4" name="Segnaposto data 3">
             <a:extLst>
               <a:ext uri="{FF2B5EF4-FFF2-40B4-BE49-F238E27FC236}">
-                <a16:creationId xmlns:a16="http://schemas.microsoft.com/office/drawing/2014/main" xmlns="" id="{385DA464-32FA-4976-83FD-03C573CDCF7E}"/>
+                <a16:creationId xmlns:a16="http://schemas.microsoft.com/office/drawing/2014/main" xmlns="" id="{52341729-1279-416E-B91D-C28FD193F910}"/>
               </a:ext>
             </a:extLst>
           </p:cNvPr>
@@ -7858,7 +9530,7 @@
     </p:spTree>
     <p:extLst>
       <p:ext uri="{BB962C8B-B14F-4D97-AF65-F5344CB8AC3E}">
-        <p14:creationId xmlns:p14="http://schemas.microsoft.com/office/powerpoint/2010/main" xmlns="" val="520281786"/>
+        <p14:creationId xmlns:p14="http://schemas.microsoft.com/office/powerpoint/2010/main" xmlns="" val="3065832474"/>
       </p:ext>
     </p:extLst>
   </p:cSld>

--- a/Vector asset studio.pptx
+++ b/Vector asset studio.pptx
@@ -5,24 +5,24 @@
     <p:sldMasterId id="2147483673" r:id="rId1"/>
   </p:sldMasterIdLst>
   <p:notesMasterIdLst>
-    <p:notesMasterId r:id="rId30"/>
+    <p:notesMasterId r:id="rId46"/>
   </p:notesMasterIdLst>
   <p:handoutMasterIdLst>
-    <p:handoutMasterId r:id="rId31"/>
+    <p:handoutMasterId r:id="rId47"/>
   </p:handoutMasterIdLst>
   <p:sldIdLst>
     <p:sldId id="257" r:id="rId2"/>
     <p:sldId id="261" r:id="rId3"/>
-    <p:sldId id="262" r:id="rId4"/>
-    <p:sldId id="263" r:id="rId5"/>
-    <p:sldId id="264" r:id="rId6"/>
-    <p:sldId id="265" r:id="rId7"/>
-    <p:sldId id="282" r:id="rId8"/>
-    <p:sldId id="277" r:id="rId9"/>
-    <p:sldId id="267" r:id="rId10"/>
-    <p:sldId id="268" r:id="rId11"/>
-    <p:sldId id="266" r:id="rId12"/>
-    <p:sldId id="275" r:id="rId13"/>
+    <p:sldId id="277" r:id="rId4"/>
+    <p:sldId id="267" r:id="rId5"/>
+    <p:sldId id="268" r:id="rId6"/>
+    <p:sldId id="266" r:id="rId7"/>
+    <p:sldId id="275" r:id="rId8"/>
+    <p:sldId id="262" r:id="rId9"/>
+    <p:sldId id="263" r:id="rId10"/>
+    <p:sldId id="264" r:id="rId11"/>
+    <p:sldId id="265" r:id="rId12"/>
+    <p:sldId id="282" r:id="rId13"/>
     <p:sldId id="269" r:id="rId14"/>
     <p:sldId id="270" r:id="rId15"/>
     <p:sldId id="283" r:id="rId16"/>
@@ -37,8 +37,24 @@
     <p:sldId id="286" r:id="rId25"/>
     <p:sldId id="287" r:id="rId26"/>
     <p:sldId id="288" r:id="rId27"/>
-    <p:sldId id="273" r:id="rId28"/>
-    <p:sldId id="274" r:id="rId29"/>
+    <p:sldId id="289" r:id="rId28"/>
+    <p:sldId id="291" r:id="rId29"/>
+    <p:sldId id="293" r:id="rId30"/>
+    <p:sldId id="292" r:id="rId31"/>
+    <p:sldId id="290" r:id="rId32"/>
+    <p:sldId id="294" r:id="rId33"/>
+    <p:sldId id="296" r:id="rId34"/>
+    <p:sldId id="297" r:id="rId35"/>
+    <p:sldId id="298" r:id="rId36"/>
+    <p:sldId id="305" r:id="rId37"/>
+    <p:sldId id="301" r:id="rId38"/>
+    <p:sldId id="302" r:id="rId39"/>
+    <p:sldId id="303" r:id="rId40"/>
+    <p:sldId id="304" r:id="rId41"/>
+    <p:sldId id="306" r:id="rId42"/>
+    <p:sldId id="307" r:id="rId43"/>
+    <p:sldId id="308" r:id="rId44"/>
+    <p:sldId id="300" r:id="rId45"/>
   </p:sldIdLst>
   <p:sldSz cx="12192000" cy="6858000"/>
   <p:notesSz cx="6858000" cy="9144000"/>
@@ -139,10 +155,10 @@
   </p:defaultTextStyle>
   <p:extLst>
     <p:ext uri="{EFAFB233-063F-42B5-8137-9DF3F51BA10A}">
-      <p15:sldGuideLst xmlns:p15="http://schemas.microsoft.com/office/powerpoint/2012/main" xmlns=""/>
+      <p15:sldGuideLst xmlns="" xmlns:p15="http://schemas.microsoft.com/office/powerpoint/2012/main"/>
     </p:ext>
     <p:ext uri="{2D200454-40CA-4A62-9FC3-DE9A4176ACB9}">
-      <p15:notesGuideLst xmlns:p15="http://schemas.microsoft.com/office/powerpoint/2012/main" xmlns=""/>
+      <p15:notesGuideLst xmlns="" xmlns:p15="http://schemas.microsoft.com/office/powerpoint/2012/main"/>
     </p:ext>
   </p:extLst>
 </p:presentation>
@@ -239,7 +255,7 @@
             <a:fld id="{227A3769-973A-471F-AE95-803ACD9DB45A}" type="datetime1">
               <a:rPr lang="it-IT" smtClean="0"/>
               <a:pPr rtl="0"/>
-              <a:t>21/05/2020</a:t>
+              <a:t>07/06/2020</a:t>
             </a:fld>
             <a:endParaRPr lang="en-US" dirty="0"/>
           </a:p>
@@ -317,7 +333,7 @@
     </p:spTree>
     <p:extLst>
       <p:ext uri="{BB962C8B-B14F-4D97-AF65-F5344CB8AC3E}">
-        <p14:creationId xmlns:p14="http://schemas.microsoft.com/office/powerpoint/2010/main" xmlns="" val="1938533960"/>
+        <p14:creationId xmlns="" xmlns:p14="http://schemas.microsoft.com/office/powerpoint/2010/main" val="1938533960"/>
       </p:ext>
     </p:extLst>
   </p:cSld>
@@ -411,7 +427,7 @@
             <a:fld id="{F8B562AB-E890-432E-8086-3C35B5B6BC74}" type="datetime1">
               <a:rPr lang="it-IT" smtClean="0"/>
               <a:pPr rtl="0"/>
-              <a:t>21/05/2020</a:t>
+              <a:t>07/06/2020</a:t>
             </a:fld>
             <a:endParaRPr lang="en-US"/>
           </a:p>
@@ -584,7 +600,7 @@
     </p:spTree>
     <p:extLst>
       <p:ext uri="{BB962C8B-B14F-4D97-AF65-F5344CB8AC3E}">
-        <p14:creationId xmlns:p14="http://schemas.microsoft.com/office/powerpoint/2010/main" xmlns="" val="3889581830"/>
+        <p14:creationId xmlns="" xmlns:p14="http://schemas.microsoft.com/office/powerpoint/2010/main" val="3889581830"/>
       </p:ext>
     </p:extLst>
   </p:cSld>
@@ -707,7 +723,7 @@
           <p:cNvPr id="5" name="Rettangolo 4">
             <a:extLst>
               <a:ext uri="{FF2B5EF4-FFF2-40B4-BE49-F238E27FC236}">
-                <a16:creationId xmlns:a16="http://schemas.microsoft.com/office/drawing/2014/main" xmlns="" id="{904DB13E-F722-4ED6-BB00-556651E95281}"/>
+                <a16:creationId xmlns="" xmlns:a16="http://schemas.microsoft.com/office/drawing/2014/main" id="{904DB13E-F722-4ED6-BB00-556651E95281}"/>
               </a:ext>
             </a:extLst>
           </p:cNvPr>
@@ -856,7 +872,7 @@
           <p:cNvPr id="7" name="Gruppo 6">
             <a:extLst>
               <a:ext uri="{FF2B5EF4-FFF2-40B4-BE49-F238E27FC236}">
-                <a16:creationId xmlns:a16="http://schemas.microsoft.com/office/drawing/2014/main" xmlns="" id="{E26428D7-C6F3-473D-A360-A3F5C3E8728C}"/>
+                <a16:creationId xmlns="" xmlns:a16="http://schemas.microsoft.com/office/drawing/2014/main" id="{E26428D7-C6F3-473D-A360-A3F5C3E8728C}"/>
               </a:ext>
             </a:extLst>
           </p:cNvPr>
@@ -1158,7 +1174,7 @@
             <a:fld id="{46B2AB89-642D-461B-88E3-BE7E49276E6D}" type="datetime1">
               <a:rPr lang="it-IT" smtClean="0"/>
               <a:pPr rtl="0"/>
-              <a:t>21/05/2020</a:t>
+              <a:t>07/06/2020</a:t>
             </a:fld>
             <a:endParaRPr lang="en-US" dirty="0"/>
           </a:p>
@@ -1244,7 +1260,7 @@
     </p:spTree>
     <p:extLst>
       <p:ext uri="{BB962C8B-B14F-4D97-AF65-F5344CB8AC3E}">
-        <p14:creationId xmlns:p14="http://schemas.microsoft.com/office/powerpoint/2010/main" xmlns="" val="4147770102"/>
+        <p14:creationId xmlns="" xmlns:p14="http://schemas.microsoft.com/office/powerpoint/2010/main" val="4147770102"/>
       </p:ext>
     </p:extLst>
   </p:cSld>
@@ -1366,7 +1382,7 @@
             <a:fld id="{FB6DF1C0-0F0C-4064-ABD6-C9C1782C86AE}" type="datetime1">
               <a:rPr lang="it-IT" smtClean="0"/>
               <a:pPr rtl="0"/>
-              <a:t>21/05/2020</a:t>
+              <a:t>07/06/2020</a:t>
             </a:fld>
             <a:endParaRPr lang="en-US"/>
           </a:p>
@@ -1420,7 +1436,7 @@
     </p:spTree>
     <p:extLst>
       <p:ext uri="{BB962C8B-B14F-4D97-AF65-F5344CB8AC3E}">
-        <p14:creationId xmlns:p14="http://schemas.microsoft.com/office/powerpoint/2010/main" xmlns="" val="4023329902"/>
+        <p14:creationId xmlns="" xmlns:p14="http://schemas.microsoft.com/office/powerpoint/2010/main" val="4023329902"/>
       </p:ext>
     </p:extLst>
   </p:cSld>
@@ -1552,7 +1568,7 @@
             <a:fld id="{CD3A0FBA-A5A6-4E7F-AECA-E819E1A4206B}" type="datetime1">
               <a:rPr lang="it-IT" smtClean="0"/>
               <a:pPr rtl="0"/>
-              <a:t>21/05/2020</a:t>
+              <a:t>07/06/2020</a:t>
             </a:fld>
             <a:endParaRPr lang="en-US"/>
           </a:p>
@@ -1606,7 +1622,7 @@
     </p:spTree>
     <p:extLst>
       <p:ext uri="{BB962C8B-B14F-4D97-AF65-F5344CB8AC3E}">
-        <p14:creationId xmlns:p14="http://schemas.microsoft.com/office/powerpoint/2010/main" xmlns="" val="1510073493"/>
+        <p14:creationId xmlns="" xmlns:p14="http://schemas.microsoft.com/office/powerpoint/2010/main" val="1510073493"/>
       </p:ext>
     </p:extLst>
   </p:cSld>
@@ -1728,7 +1744,7 @@
             <a:fld id="{85E0D28E-6F2F-4715-A424-3B01AC64AD4B}" type="datetime1">
               <a:rPr lang="it-IT" smtClean="0"/>
               <a:pPr rtl="0"/>
-              <a:t>21/05/2020</a:t>
+              <a:t>07/06/2020</a:t>
             </a:fld>
             <a:endParaRPr lang="en-US"/>
           </a:p>
@@ -1782,7 +1798,7 @@
     </p:spTree>
     <p:extLst>
       <p:ext uri="{BB962C8B-B14F-4D97-AF65-F5344CB8AC3E}">
-        <p14:creationId xmlns:p14="http://schemas.microsoft.com/office/powerpoint/2010/main" xmlns="" val="2153708790"/>
+        <p14:creationId xmlns="" xmlns:p14="http://schemas.microsoft.com/office/powerpoint/2010/main" val="2153708790"/>
       </p:ext>
     </p:extLst>
   </p:cSld>
@@ -1814,7 +1830,7 @@
           <p:cNvPr id="15" name="Rettangolo 14">
             <a:extLst>
               <a:ext uri="{FF2B5EF4-FFF2-40B4-BE49-F238E27FC236}">
-                <a16:creationId xmlns:a16="http://schemas.microsoft.com/office/drawing/2014/main" xmlns="" id="{0A4A1889-E37C-4EC3-9E41-9DAD221CF389}"/>
+                <a16:creationId xmlns="" xmlns:a16="http://schemas.microsoft.com/office/drawing/2014/main" id="{0A4A1889-E37C-4EC3-9E41-9DAD221CF389}"/>
               </a:ext>
             </a:extLst>
           </p:cNvPr>
@@ -2012,7 +2028,7 @@
           <p:cNvPr id="16" name="Gruppo 15">
             <a:extLst>
               <a:ext uri="{FF2B5EF4-FFF2-40B4-BE49-F238E27FC236}">
-                <a16:creationId xmlns:a16="http://schemas.microsoft.com/office/drawing/2014/main" xmlns="" id="{1683EB04-C23E-490C-A1A6-030CF79D23C8}"/>
+                <a16:creationId xmlns="" xmlns:a16="http://schemas.microsoft.com/office/drawing/2014/main" id="{1683EB04-C23E-490C-A1A6-030CF79D23C8}"/>
               </a:ext>
             </a:extLst>
           </p:cNvPr>
@@ -2032,7 +2048,7 @@
             <p:cNvPr id="17" name="Connettore diritto 16">
               <a:extLst>
                 <a:ext uri="{FF2B5EF4-FFF2-40B4-BE49-F238E27FC236}">
-                  <a16:creationId xmlns:a16="http://schemas.microsoft.com/office/drawing/2014/main" xmlns="" id="{F8A84C03-E1CA-4A4E-81D6-9BB0C335B7A0}"/>
+                  <a16:creationId xmlns="" xmlns:a16="http://schemas.microsoft.com/office/drawing/2014/main" id="{F8A84C03-E1CA-4A4E-81D6-9BB0C335B7A0}"/>
                 </a:ext>
               </a:extLst>
             </p:cNvPr>
@@ -2080,7 +2096,7 @@
             <p:cNvPr id="18" name="Connettore diritto 17">
               <a:extLst>
                 <a:ext uri="{FF2B5EF4-FFF2-40B4-BE49-F238E27FC236}">
-                  <a16:creationId xmlns:a16="http://schemas.microsoft.com/office/drawing/2014/main" xmlns="" id="{4A26FB5A-D5D1-4DAB-AC43-7F51A7F2D197}"/>
+                  <a16:creationId xmlns="" xmlns:a16="http://schemas.microsoft.com/office/drawing/2014/main" id="{4A26FB5A-D5D1-4DAB-AC43-7F51A7F2D197}"/>
                 </a:ext>
               </a:extLst>
             </p:cNvPr>
@@ -2128,7 +2144,7 @@
             <p:cNvPr id="19" name="Connettore diritto 18">
               <a:extLst>
                 <a:ext uri="{FF2B5EF4-FFF2-40B4-BE49-F238E27FC236}">
-                  <a16:creationId xmlns:a16="http://schemas.microsoft.com/office/drawing/2014/main" xmlns="" id="{49303F14-E560-4C02-94F4-B4695FE26813}"/>
+                  <a16:creationId xmlns="" xmlns:a16="http://schemas.microsoft.com/office/drawing/2014/main" id="{49303F14-E560-4C02-94F4-B4695FE26813}"/>
                 </a:ext>
               </a:extLst>
             </p:cNvPr>
@@ -2333,7 +2349,7 @@
             <a:fld id="{F953424F-4FD0-4DEA-A244-2F5A83926123}" type="datetime1">
               <a:rPr lang="it-IT" smtClean="0"/>
               <a:pPr rtl="0"/>
-              <a:t>21/05/2020</a:t>
+              <a:t>07/06/2020</a:t>
             </a:fld>
             <a:endParaRPr lang="en-US" dirty="0"/>
           </a:p>
@@ -2419,7 +2435,7 @@
     </p:spTree>
     <p:extLst>
       <p:ext uri="{BB962C8B-B14F-4D97-AF65-F5344CB8AC3E}">
-        <p14:creationId xmlns:p14="http://schemas.microsoft.com/office/powerpoint/2010/main" xmlns="" val="606071433"/>
+        <p14:creationId xmlns="" xmlns:p14="http://schemas.microsoft.com/office/powerpoint/2010/main" val="606071433"/>
       </p:ext>
     </p:extLst>
   </p:cSld>
@@ -2659,7 +2675,7 @@
             <a:fld id="{ED487A35-6EB2-4106-87BE-5998F37E93E7}" type="datetime1">
               <a:rPr lang="it-IT" smtClean="0"/>
               <a:pPr rtl="0"/>
-              <a:t>21/05/2020</a:t>
+              <a:t>07/06/2020</a:t>
             </a:fld>
             <a:endParaRPr lang="en-US"/>
           </a:p>
@@ -2713,7 +2729,7 @@
     </p:spTree>
     <p:extLst>
       <p:ext uri="{BB962C8B-B14F-4D97-AF65-F5344CB8AC3E}">
-        <p14:creationId xmlns:p14="http://schemas.microsoft.com/office/powerpoint/2010/main" xmlns="" val="2744672162"/>
+        <p14:creationId xmlns="" xmlns:p14="http://schemas.microsoft.com/office/powerpoint/2010/main" val="2744672162"/>
       </p:ext>
     </p:extLst>
   </p:cSld>
@@ -3102,7 +3118,7 @@
             <a:fld id="{6D0A2449-0E6F-4EC8-9AF5-127FFF9E4F17}" type="datetime1">
               <a:rPr lang="it-IT" smtClean="0"/>
               <a:pPr rtl="0"/>
-              <a:t>21/05/2020</a:t>
+              <a:t>07/06/2020</a:t>
             </a:fld>
             <a:endParaRPr lang="en-US"/>
           </a:p>
@@ -3156,7 +3172,7 @@
     </p:spTree>
     <p:extLst>
       <p:ext uri="{BB962C8B-B14F-4D97-AF65-F5344CB8AC3E}">
-        <p14:creationId xmlns:p14="http://schemas.microsoft.com/office/powerpoint/2010/main" xmlns="" val="2929960713"/>
+        <p14:creationId xmlns="" xmlns:p14="http://schemas.microsoft.com/office/powerpoint/2010/main" val="2929960713"/>
       </p:ext>
     </p:extLst>
   </p:cSld>
@@ -3226,7 +3242,7 @@
             <a:fld id="{43ECC08F-3232-4266-A826-505EFF618F02}" type="datetime1">
               <a:rPr lang="it-IT" smtClean="0"/>
               <a:pPr rtl="0"/>
-              <a:t>21/05/2020</a:t>
+              <a:t>07/06/2020</a:t>
             </a:fld>
             <a:endParaRPr lang="en-US"/>
           </a:p>
@@ -3280,7 +3296,7 @@
     </p:spTree>
     <p:extLst>
       <p:ext uri="{BB962C8B-B14F-4D97-AF65-F5344CB8AC3E}">
-        <p14:creationId xmlns:p14="http://schemas.microsoft.com/office/powerpoint/2010/main" xmlns="" val="2667413146"/>
+        <p14:creationId xmlns="" xmlns:p14="http://schemas.microsoft.com/office/powerpoint/2010/main" val="2667413146"/>
       </p:ext>
     </p:extLst>
   </p:cSld>
@@ -3326,7 +3342,7 @@
             <a:fld id="{6CC19903-FCE7-40DD-9ABE-472E27EE3DF9}" type="datetime1">
               <a:rPr lang="it-IT" smtClean="0"/>
               <a:pPr rtl="0"/>
-              <a:t>21/05/2020</a:t>
+              <a:t>07/06/2020</a:t>
             </a:fld>
             <a:endParaRPr lang="en-US"/>
           </a:p>
@@ -3380,7 +3396,7 @@
     </p:spTree>
     <p:extLst>
       <p:ext uri="{BB962C8B-B14F-4D97-AF65-F5344CB8AC3E}">
-        <p14:creationId xmlns:p14="http://schemas.microsoft.com/office/powerpoint/2010/main" xmlns="" val="907247122"/>
+        <p14:creationId xmlns="" xmlns:p14="http://schemas.microsoft.com/office/powerpoint/2010/main" val="907247122"/>
       </p:ext>
     </p:extLst>
   </p:cSld>
@@ -3412,7 +3428,7 @@
           <p:cNvPr id="10" name="Rettangolo 9">
             <a:extLst>
               <a:ext uri="{FF2B5EF4-FFF2-40B4-BE49-F238E27FC236}">
-                <a16:creationId xmlns:a16="http://schemas.microsoft.com/office/drawing/2014/main" xmlns="" id="{D5E1BBF9-8BEF-4353-BA68-30AAF9EBD8D8}"/>
+                <a16:creationId xmlns="" xmlns:a16="http://schemas.microsoft.com/office/drawing/2014/main" id="{D5E1BBF9-8BEF-4353-BA68-30AAF9EBD8D8}"/>
               </a:ext>
             </a:extLst>
           </p:cNvPr>
@@ -3459,7 +3475,7 @@
           <p:cNvPr id="13" name="Rettangolo 12">
             <a:extLst>
               <a:ext uri="{FF2B5EF4-FFF2-40B4-BE49-F238E27FC236}">
-                <a16:creationId xmlns:a16="http://schemas.microsoft.com/office/drawing/2014/main" xmlns="" id="{5B941C21-2A5D-4912-AB06-1BB0C0EB6AE1}"/>
+                <a16:creationId xmlns="" xmlns:a16="http://schemas.microsoft.com/office/drawing/2014/main" id="{5B941C21-2A5D-4912-AB06-1BB0C0EB6AE1}"/>
               </a:ext>
             </a:extLst>
           </p:cNvPr>
@@ -3749,7 +3765,7 @@
             <a:fld id="{24F848B3-DD0C-4C86-9703-1DC7B521FCF8}" type="datetime1">
               <a:rPr lang="it-IT" smtClean="0"/>
               <a:pPr rtl="0"/>
-              <a:t>21/05/2020</a:t>
+              <a:t>07/06/2020</a:t>
             </a:fld>
             <a:endParaRPr lang="en-US"/>
           </a:p>
@@ -3828,7 +3844,7 @@
     </p:spTree>
     <p:extLst>
       <p:ext uri="{BB962C8B-B14F-4D97-AF65-F5344CB8AC3E}">
-        <p14:creationId xmlns:p14="http://schemas.microsoft.com/office/powerpoint/2010/main" xmlns="" val="2488602163"/>
+        <p14:creationId xmlns="" xmlns:p14="http://schemas.microsoft.com/office/powerpoint/2010/main" val="2488602163"/>
       </p:ext>
     </p:extLst>
   </p:cSld>
@@ -3860,7 +3876,7 @@
           <p:cNvPr id="11" name="Rettangolo 10">
             <a:extLst>
               <a:ext uri="{FF2B5EF4-FFF2-40B4-BE49-F238E27FC236}">
-                <a16:creationId xmlns:a16="http://schemas.microsoft.com/office/drawing/2014/main" xmlns="" id="{E687CA98-D9C7-497F-A1DA-7D22F8753BCE}"/>
+                <a16:creationId xmlns="" xmlns:a16="http://schemas.microsoft.com/office/drawing/2014/main" id="{E687CA98-D9C7-497F-A1DA-7D22F8753BCE}"/>
               </a:ext>
             </a:extLst>
           </p:cNvPr>
@@ -4016,7 +4032,7 @@
             <a:fld id="{711CFEF3-F103-4E31-9572-24F0BC84FDFF}" type="datetime1">
               <a:rPr lang="it-IT" smtClean="0"/>
               <a:pPr rtl="0"/>
-              <a:t>21/05/2020</a:t>
+              <a:t>07/06/2020</a:t>
             </a:fld>
             <a:endParaRPr lang="en-US" dirty="0"/>
           </a:p>
@@ -4100,7 +4116,7 @@
           <p:cNvPr id="12" name="Rettangolo 11">
             <a:extLst>
               <a:ext uri="{FF2B5EF4-FFF2-40B4-BE49-F238E27FC236}">
-                <a16:creationId xmlns:a16="http://schemas.microsoft.com/office/drawing/2014/main" xmlns="" id="{F8B3D8CC-BB13-41A5-8F34-B8E84A4F9534}"/>
+                <a16:creationId xmlns="" xmlns:a16="http://schemas.microsoft.com/office/drawing/2014/main" id="{F8B3D8CC-BB13-41A5-8F34-B8E84A4F9534}"/>
               </a:ext>
             </a:extLst>
           </p:cNvPr>
@@ -4266,7 +4282,7 @@
     </p:spTree>
     <p:extLst>
       <p:ext uri="{BB962C8B-B14F-4D97-AF65-F5344CB8AC3E}">
-        <p14:creationId xmlns:p14="http://schemas.microsoft.com/office/powerpoint/2010/main" xmlns="" val="2678223080"/>
+        <p14:creationId xmlns="" xmlns:p14="http://schemas.microsoft.com/office/powerpoint/2010/main" val="2678223080"/>
       </p:ext>
     </p:extLst>
   </p:cSld>
@@ -4303,7 +4319,7 @@
           <p:cNvPr id="9" name="Rettangolo 8">
             <a:extLst>
               <a:ext uri="{FF2B5EF4-FFF2-40B4-BE49-F238E27FC236}">
-                <a16:creationId xmlns:a16="http://schemas.microsoft.com/office/drawing/2014/main" xmlns="" id="{1E94681D-2A4C-4A8D-B9B5-31D440D0328D}"/>
+                <a16:creationId xmlns="" xmlns:a16="http://schemas.microsoft.com/office/drawing/2014/main" id="{1E94681D-2A4C-4A8D-B9B5-31D440D0328D}"/>
               </a:ext>
             </a:extLst>
           </p:cNvPr>
@@ -4538,7 +4554,7 @@
             <a:fld id="{8A8228F9-9C50-4094-9999-09A1682E91E0}" type="datetime1">
               <a:rPr lang="it-IT" smtClean="0"/>
               <a:pPr rtl="0"/>
-              <a:t>21/05/2020</a:t>
+              <a:t>07/06/2020</a:t>
             </a:fld>
             <a:endParaRPr lang="en-US" dirty="0"/>
           </a:p>
@@ -4630,7 +4646,7 @@
     </p:spTree>
     <p:extLst>
       <p:ext uri="{BB962C8B-B14F-4D97-AF65-F5344CB8AC3E}">
-        <p14:creationId xmlns:p14="http://schemas.microsoft.com/office/powerpoint/2010/main" xmlns="" val="3811577630"/>
+        <p14:creationId xmlns="" xmlns:p14="http://schemas.microsoft.com/office/powerpoint/2010/main" val="3811577630"/>
       </p:ext>
     </p:extLst>
   </p:cSld>
@@ -5023,7 +5039,7 @@
           <p:cNvPr id="6" name="Immagine 5" descr="Primo piano di un logo&#10;&#10;Descrizione generata automaticamente">
             <a:extLst>
               <a:ext uri="{FF2B5EF4-FFF2-40B4-BE49-F238E27FC236}">
-                <a16:creationId xmlns:a16="http://schemas.microsoft.com/office/drawing/2014/main" xmlns="" id="{8045422F-7258-40AC-BD2E-2469AA448922}"/>
+                <a16:creationId xmlns="" xmlns:a16="http://schemas.microsoft.com/office/drawing/2014/main" id="{8045422F-7258-40AC-BD2E-2469AA448922}"/>
               </a:ext>
             </a:extLst>
           </p:cNvPr>
@@ -5036,7 +5052,7 @@
           <a:blip r:embed="rId2" cstate="print">
             <a:extLst>
               <a:ext uri="{28A0092B-C50C-407E-A947-70E740481C1C}">
-                <a14:useLocalDpi xmlns:a14="http://schemas.microsoft.com/office/drawing/2010/main" xmlns="" val="0"/>
+                <a14:useLocalDpi xmlns="" xmlns:a14="http://schemas.microsoft.com/office/drawing/2010/main" val="0"/>
               </a:ext>
             </a:extLst>
           </a:blip>
@@ -5058,10 +5074,10 @@
           <p:cNvPr id="82" name="Rettangolo 81">
             <a:extLst>
               <a:ext uri="{FF2B5EF4-FFF2-40B4-BE49-F238E27FC236}">
-                <a16:creationId xmlns:a16="http://schemas.microsoft.com/office/drawing/2014/main" xmlns="" id="{2644B391-9BFE-445C-A9EC-F544BB85FBC7}"/>
+                <a16:creationId xmlns="" xmlns:a16="http://schemas.microsoft.com/office/drawing/2014/main" id="{2644B391-9BFE-445C-A9EC-F544BB85FBC7}"/>
               </a:ext>
               <a:ext uri="{C183D7F6-B498-43B3-948B-1728B52AA6E4}">
-                <adec:decorative xmlns:adec="http://schemas.microsoft.com/office/drawing/2017/decorative" xmlns="" val="1"/>
+                <adec:decorative xmlns="" xmlns:adec="http://schemas.microsoft.com/office/drawing/2017/decorative" val="1"/>
               </a:ext>
             </a:extLst>
           </p:cNvPr>
@@ -5071,7 +5087,7 @@
           <p:nvPr>
             <p:extLst>
               <p:ext uri="{386F3935-93C4-4BCD-93E2-E3B085C9AB24}">
-                <p16:designElem xmlns:p16="http://schemas.microsoft.com/office/powerpoint/2015/main" xmlns="" val="1"/>
+                <p16:designElem xmlns="" xmlns:p16="http://schemas.microsoft.com/office/powerpoint/2015/main" val="1"/>
               </p:ext>
             </p:extLst>
           </p:nvPr>
@@ -5103,10 +5119,10 @@
           <p:cNvPr id="84" name="Rettangolo 83">
             <a:extLst>
               <a:ext uri="{FF2B5EF4-FFF2-40B4-BE49-F238E27FC236}">
-                <a16:creationId xmlns:a16="http://schemas.microsoft.com/office/drawing/2014/main" xmlns="" id="{80F26E69-87D9-4655-AE7B-280A87AA3CAD}"/>
+                <a16:creationId xmlns="" xmlns:a16="http://schemas.microsoft.com/office/drawing/2014/main" id="{80F26E69-87D9-4655-AE7B-280A87AA3CAD}"/>
               </a:ext>
               <a:ext uri="{C183D7F6-B498-43B3-948B-1728B52AA6E4}">
-                <adec:decorative xmlns:adec="http://schemas.microsoft.com/office/drawing/2017/decorative" xmlns="" val="1"/>
+                <adec:decorative xmlns="" xmlns:adec="http://schemas.microsoft.com/office/drawing/2017/decorative" val="1"/>
               </a:ext>
             </a:extLst>
           </p:cNvPr>
@@ -5116,7 +5132,7 @@
           <p:nvPr>
             <p:extLst>
               <p:ext uri="{386F3935-93C4-4BCD-93E2-E3B085C9AB24}">
-                <p16:designElem xmlns:p16="http://schemas.microsoft.com/office/powerpoint/2015/main" xmlns="" val="1"/>
+                <p16:designElem xmlns="" xmlns:p16="http://schemas.microsoft.com/office/powerpoint/2015/main" val="1"/>
               </p:ext>
             </p:extLst>
           </p:nvPr>
@@ -5147,7 +5163,7 @@
           <p:cNvPr id="2" name="Titolo 1">
             <a:extLst>
               <a:ext uri="{FF2B5EF4-FFF2-40B4-BE49-F238E27FC236}">
-                <a16:creationId xmlns:a16="http://schemas.microsoft.com/office/drawing/2014/main" xmlns="" id="{18C3B467-088C-4F3D-A9A7-105C4E1E20CD}"/>
+                <a16:creationId xmlns="" xmlns:a16="http://schemas.microsoft.com/office/drawing/2014/main" id="{18C3B467-088C-4F3D-A9A7-105C4E1E20CD}"/>
               </a:ext>
             </a:extLst>
           </p:cNvPr>
@@ -5204,7 +5220,7 @@
     </p:spTree>
     <p:extLst>
       <p:ext uri="{BB962C8B-B14F-4D97-AF65-F5344CB8AC3E}">
-        <p14:creationId xmlns:p14="http://schemas.microsoft.com/office/powerpoint/2010/main" xmlns="" val="2584280759"/>
+        <p14:creationId xmlns="" xmlns:p14="http://schemas.microsoft.com/office/powerpoint/2010/main" val="2584280759"/>
       </p:ext>
     </p:extLst>
   </p:cSld>
@@ -5236,7 +5252,7 @@
           <p:cNvPr id="2" name="Titolo 1">
             <a:extLst>
               <a:ext uri="{FF2B5EF4-FFF2-40B4-BE49-F238E27FC236}">
-                <a16:creationId xmlns:a16="http://schemas.microsoft.com/office/drawing/2014/main" xmlns="" id="{833E92F7-52A9-4816-8B4F-FF5856EEA76B}"/>
+                <a16:creationId xmlns="" xmlns:a16="http://schemas.microsoft.com/office/drawing/2014/main" id="{1649DCAD-FA38-436C-B106-A235F4692CCA}"/>
               </a:ext>
             </a:extLst>
           </p:cNvPr>
@@ -5249,218 +5265,143 @@
         </p:nvSpPr>
         <p:spPr/>
         <p:txBody>
+          <a:bodyPr/>
+          <a:lstStyle/>
+          <a:p>
+            <a:r>
+              <a:rPr lang="it-IT" dirty="0"/>
+              <a:t>Pro e contro dei due formati</a:t>
+            </a:r>
+          </a:p>
+        </p:txBody>
+      </p:sp>
+      <p:sp>
+        <p:nvSpPr>
+          <p:cNvPr id="3" name="Segnaposto contenuto 2">
+            <a:extLst>
+              <a:ext uri="{FF2B5EF4-FFF2-40B4-BE49-F238E27FC236}">
+                <a16:creationId xmlns="" xmlns:a16="http://schemas.microsoft.com/office/drawing/2014/main" id="{AE9CA38E-DEB8-4B3C-A7EF-B065EE73E1B7}"/>
+              </a:ext>
+            </a:extLst>
+          </p:cNvPr>
+          <p:cNvSpPr>
+            <a:spLocks noGrp="1"/>
+          </p:cNvSpPr>
+          <p:nvPr>
+            <p:ph idx="1"/>
+          </p:nvPr>
+        </p:nvSpPr>
+        <p:spPr/>
+        <p:txBody>
           <a:bodyPr>
             <a:normAutofit/>
           </a:bodyPr>
           <a:lstStyle/>
           <a:p>
-            <a:r>
-              <a:rPr lang="it-IT" dirty="0">
-                <a:cs typeface="Times New Roman" panose="02020603050405020304" pitchFamily="18" charset="0"/>
-              </a:rPr>
-              <a:t>Tipi di grafica vettoriale supportati</a:t>
-            </a:r>
-          </a:p>
-        </p:txBody>
-      </p:sp>
-      <p:sp>
-        <p:nvSpPr>
-          <p:cNvPr id="3" name="Segnaposto contenuto 2">
-            <a:extLst>
-              <a:ext uri="{FF2B5EF4-FFF2-40B4-BE49-F238E27FC236}">
-                <a16:creationId xmlns:a16="http://schemas.microsoft.com/office/drawing/2014/main" xmlns="" id="{C07759CF-19AE-4727-AFE3-6FB54EE58A26}"/>
-              </a:ext>
-            </a:extLst>
-          </p:cNvPr>
-          <p:cNvSpPr>
-            <a:spLocks noGrp="1"/>
-          </p:cNvSpPr>
-          <p:nvPr>
-            <p:ph idx="1"/>
-          </p:nvPr>
-        </p:nvSpPr>
-        <p:spPr/>
-        <p:txBody>
-          <a:bodyPr>
-            <a:normAutofit fontScale="92500" lnSpcReduction="20000"/>
-          </a:bodyPr>
-          <a:lstStyle/>
-          <a:p>
             <a:pPr marL="0" indent="0">
               <a:buNone/>
             </a:pPr>
             <a:r>
-              <a:rPr lang="it-IT" sz="2600" dirty="0">
+              <a:rPr lang="it-IT" sz="3200" dirty="0">
                 <a:latin typeface="Times New Roman" panose="02020603050405020304" pitchFamily="18" charset="0"/>
                 <a:cs typeface="Times New Roman" panose="02020603050405020304" pitchFamily="18" charset="0"/>
               </a:rPr>
-              <a:t>Google </a:t>
-            </a:r>
-            <a:r>
-              <a:rPr lang="it-IT" sz="2600" dirty="0" err="1">
+              <a:t>Le immagini </a:t>
+            </a:r>
+            <a:r>
+              <a:rPr lang="it-IT" sz="3200" dirty="0" err="1">
                 <a:latin typeface="Times New Roman" panose="02020603050405020304" pitchFamily="18" charset="0"/>
                 <a:cs typeface="Times New Roman" panose="02020603050405020304" pitchFamily="18" charset="0"/>
               </a:rPr>
-              <a:t>Material</a:t>
-            </a:r>
-            <a:r>
-              <a:rPr lang="it-IT" sz="2600" dirty="0">
+              <a:t>raster</a:t>
+            </a:r>
+            <a:r>
+              <a:rPr lang="it-IT" sz="3200" dirty="0">
                 <a:latin typeface="Times New Roman" panose="02020603050405020304" pitchFamily="18" charset="0"/>
                 <a:cs typeface="Times New Roman" panose="02020603050405020304" pitchFamily="18" charset="0"/>
               </a:rPr>
-              <a:t> Design offre icone materiali che si possono usare nelle applicazioni Android. </a:t>
-            </a:r>
-            <a:r>
-              <a:rPr lang="it-IT" sz="2600" dirty="0" err="1">
+              <a:t>:</a:t>
+            </a:r>
+          </a:p>
+          <a:p>
+            <a:r>
+              <a:rPr lang="it-IT" sz="2800" dirty="0">
                 <a:latin typeface="Times New Roman" panose="02020603050405020304" pitchFamily="18" charset="0"/>
                 <a:cs typeface="Times New Roman" panose="02020603050405020304" pitchFamily="18" charset="0"/>
               </a:rPr>
-              <a:t>Vector</a:t>
-            </a:r>
-            <a:r>
-              <a:rPr lang="it-IT" sz="2600" dirty="0">
+              <a:t>Il principale vantaggio di un’immagine </a:t>
+            </a:r>
+            <a:r>
+              <a:rPr lang="it-IT" sz="2800" dirty="0" err="1">
                 <a:latin typeface="Times New Roman" panose="02020603050405020304" pitchFamily="18" charset="0"/>
                 <a:cs typeface="Times New Roman" panose="02020603050405020304" pitchFamily="18" charset="0"/>
               </a:rPr>
-              <a:t> Asset Studio aiuta l’utente a scegliere, importare e dimensionare queste icone, per poi poter definire l’opacità e anche le impostazioni di mirroring.</a:t>
-            </a:r>
-          </a:p>
-          <a:p>
-            <a:pPr marL="0" indent="0">
-              <a:buNone/>
-            </a:pPr>
-            <a:r>
-              <a:rPr lang="it-IT" sz="2600" dirty="0">
+              <a:t>raster</a:t>
+            </a:r>
+            <a:r>
+              <a:rPr lang="it-IT" sz="2800" dirty="0">
                 <a:latin typeface="Times New Roman" panose="02020603050405020304" pitchFamily="18" charset="0"/>
                 <a:cs typeface="Times New Roman" panose="02020603050405020304" pitchFamily="18" charset="0"/>
               </a:rPr>
-              <a:t>Con </a:t>
-            </a:r>
-            <a:r>
-              <a:rPr lang="it-IT" sz="2600" dirty="0" err="1">
+              <a:t> è che, grazie ai milioni di pixel che la compongono, può rappresentare svariati dettagli. </a:t>
+            </a:r>
+          </a:p>
+          <a:p>
+            <a:r>
+              <a:rPr lang="it-IT" sz="2800" dirty="0">
                 <a:latin typeface="Times New Roman" panose="02020603050405020304" pitchFamily="18" charset="0"/>
                 <a:cs typeface="Times New Roman" panose="02020603050405020304" pitchFamily="18" charset="0"/>
               </a:rPr>
-              <a:t>Vector</a:t>
-            </a:r>
-            <a:r>
-              <a:rPr lang="it-IT" sz="2600" dirty="0">
+              <a:t>Lo svantaggio </a:t>
+            </a:r>
+            <a:r>
+              <a:rPr lang="it-IT" sz="2800">
                 <a:latin typeface="Times New Roman" panose="02020603050405020304" pitchFamily="18" charset="0"/>
                 <a:cs typeface="Times New Roman" panose="02020603050405020304" pitchFamily="18" charset="0"/>
               </a:rPr>
-              <a:t> Asset Studio, inoltre, l’utente può importare i propri file SVG e PSD, anche se non ne supporta tutti gli aspetti. Una volta scelto il file, </a:t>
-            </a:r>
-            <a:r>
-              <a:rPr lang="it-IT" sz="2600" dirty="0" err="1">
+              <a:t>è </a:t>
+            </a:r>
+            <a:r>
+              <a:rPr lang="it-IT" sz="2800" smtClean="0">
                 <a:latin typeface="Times New Roman" panose="02020603050405020304" pitchFamily="18" charset="0"/>
                 <a:cs typeface="Times New Roman" panose="02020603050405020304" pitchFamily="18" charset="0"/>
               </a:rPr>
-              <a:t>Vector</a:t>
-            </a:r>
-            <a:r>
-              <a:rPr lang="it-IT" sz="2600" dirty="0">
+              <a:t>che nel </a:t>
+            </a:r>
+            <a:r>
+              <a:rPr lang="it-IT" sz="2800" dirty="0">
                 <a:latin typeface="Times New Roman" panose="02020603050405020304" pitchFamily="18" charset="0"/>
                 <a:cs typeface="Times New Roman" panose="02020603050405020304" pitchFamily="18" charset="0"/>
               </a:rPr>
-              <a:t> Asset Studio fornisce un feedback immediato se il codice grafico è supportato o no. Poi converte il file in un XML che contiene codice </a:t>
-            </a:r>
-            <a:r>
-              <a:rPr lang="it-IT" sz="2600" dirty="0" err="1">
-                <a:latin typeface="Courier New" pitchFamily="49" charset="0"/>
-                <a:cs typeface="Courier New" pitchFamily="49" charset="0"/>
-              </a:rPr>
-              <a:t>VectorDrawable</a:t>
-            </a:r>
-            <a:r>
-              <a:rPr lang="it-IT" sz="2600" dirty="0">
+              <a:t>momento in cui vengono ingrandite oltre le loro dimensioni originali, subiscono perdite di dettagli e appaiono sgranate o dentellate (Effetto </a:t>
+            </a:r>
+            <a:r>
+              <a:rPr lang="it-IT" sz="2800" dirty="0" err="1">
                 <a:latin typeface="Times New Roman" panose="02020603050405020304" pitchFamily="18" charset="0"/>
                 <a:cs typeface="Times New Roman" panose="02020603050405020304" pitchFamily="18" charset="0"/>
               </a:rPr>
-              <a:t>. Per versioni Android 5.0 (API </a:t>
-            </a:r>
-            <a:r>
-              <a:rPr lang="it-IT" sz="2600" dirty="0" err="1">
+              <a:t>Pixellatura</a:t>
+            </a:r>
+            <a:r>
+              <a:rPr lang="it-IT" sz="2800" dirty="0">
                 <a:latin typeface="Times New Roman" panose="02020603050405020304" pitchFamily="18" charset="0"/>
                 <a:cs typeface="Times New Roman" panose="02020603050405020304" pitchFamily="18" charset="0"/>
               </a:rPr>
-              <a:t>level</a:t>
-            </a:r>
-            <a:r>
-              <a:rPr lang="it-IT" sz="2600" dirty="0">
-                <a:latin typeface="Times New Roman" panose="02020603050405020304" pitchFamily="18" charset="0"/>
-                <a:cs typeface="Times New Roman" panose="02020603050405020304" pitchFamily="18" charset="0"/>
-              </a:rPr>
-              <a:t> 21) e più recenti, si può usare la classe </a:t>
-            </a:r>
-            <a:r>
-              <a:rPr lang="it-IT" sz="2600" dirty="0" err="1">
-                <a:latin typeface="Courier New" pitchFamily="49" charset="0"/>
-                <a:cs typeface="Courier New" pitchFamily="49" charset="0"/>
-              </a:rPr>
-              <a:t>AnimatedVectorDrawable</a:t>
-            </a:r>
-            <a:r>
-              <a:rPr lang="it-IT" sz="2600" dirty="0">
-                <a:latin typeface="Times New Roman" panose="02020603050405020304" pitchFamily="18" charset="0"/>
-                <a:cs typeface="Times New Roman" panose="02020603050405020304" pitchFamily="18" charset="0"/>
-              </a:rPr>
-              <a:t> per, appunto, animare le proprietà della classe </a:t>
-            </a:r>
-            <a:r>
-              <a:rPr lang="it-IT" sz="2600" dirty="0" err="1">
-                <a:latin typeface="Courier New" pitchFamily="49" charset="0"/>
-                <a:cs typeface="Courier New" pitchFamily="49" charset="0"/>
-              </a:rPr>
-              <a:t>VectorDrawable</a:t>
-            </a:r>
-            <a:r>
-              <a:rPr lang="it-IT" sz="2600" dirty="0">
-                <a:latin typeface="Times New Roman" panose="02020603050405020304" pitchFamily="18" charset="0"/>
-                <a:cs typeface="Times New Roman" panose="02020603050405020304" pitchFamily="18" charset="0"/>
-              </a:rPr>
-              <a:t>.</a:t>
-            </a:r>
-          </a:p>
-          <a:p>
-            <a:endParaRPr lang="it-IT" dirty="0"/>
-          </a:p>
-        </p:txBody>
-      </p:sp>
-      <p:sp>
-        <p:nvSpPr>
-          <p:cNvPr id="4" name="Segnaposto data 3">
-            <a:extLst>
-              <a:ext uri="{FF2B5EF4-FFF2-40B4-BE49-F238E27FC236}">
-                <a16:creationId xmlns:a16="http://schemas.microsoft.com/office/drawing/2014/main" xmlns="" id="{9F73E2D9-1246-4573-B0FE-02611677EC5D}"/>
-              </a:ext>
-            </a:extLst>
-          </p:cNvPr>
-          <p:cNvSpPr>
-            <a:spLocks noGrp="1"/>
-          </p:cNvSpPr>
-          <p:nvPr>
-            <p:ph type="dt" sz="half" idx="10"/>
-          </p:nvPr>
-        </p:nvSpPr>
-        <p:spPr/>
-        <p:txBody>
-          <a:bodyPr/>
-          <a:lstStyle/>
-          <a:p>
-            <a:pPr rtl="0"/>
-            <a:fld id="{85E0D28E-6F2F-4715-A424-3B01AC64AD4B}" type="datetime1">
-              <a:rPr lang="it-IT" smtClean="0"/>
-              <a:pPr rtl="0"/>
-              <a:t>21/05/2020</a:t>
-            </a:fld>
-            <a:endParaRPr lang="en-US"/>
+              <a:t>).</a:t>
+            </a:r>
+          </a:p>
+          <a:p>
+            <a:endParaRPr lang="it-IT" sz="3600" dirty="0"/>
+          </a:p>
+          <a:p>
+            <a:endParaRPr lang="it-IT" sz="3600" dirty="0"/>
           </a:p>
         </p:txBody>
       </p:sp>
     </p:spTree>
     <p:extLst>
       <p:ext uri="{BB962C8B-B14F-4D97-AF65-F5344CB8AC3E}">
-        <p14:creationId xmlns:p14="http://schemas.microsoft.com/office/powerpoint/2010/main" xmlns="" val="2328969674"/>
+        <p14:creationId xmlns="" xmlns:p14="http://schemas.microsoft.com/office/powerpoint/2010/main" val="1909592427"/>
       </p:ext>
     </p:extLst>
   </p:cSld>
@@ -5492,7 +5433,7 @@
           <p:cNvPr id="2" name="Titolo 1">
             <a:extLst>
               <a:ext uri="{FF2B5EF4-FFF2-40B4-BE49-F238E27FC236}">
-                <a16:creationId xmlns:a16="http://schemas.microsoft.com/office/drawing/2014/main" xmlns="" id="{08E9130B-3DA2-4409-B4FB-4ED5F7053F10}"/>
+                <a16:creationId xmlns="" xmlns:a16="http://schemas.microsoft.com/office/drawing/2014/main" id="{DB6E8F6D-14C5-4FD7-BE1E-94F2CEBBD047}"/>
               </a:ext>
             </a:extLst>
           </p:cNvPr>
@@ -5505,28 +5446,12 @@
         </p:nvSpPr>
         <p:spPr/>
         <p:txBody>
-          <a:bodyPr>
-            <a:normAutofit/>
-          </a:bodyPr>
-          <a:lstStyle/>
-          <a:p>
-            <a:r>
-              <a:rPr lang="it-IT" dirty="0">
-                <a:cs typeface="Times New Roman" panose="02020603050405020304" pitchFamily="18" charset="0"/>
-              </a:rPr>
-              <a:t>Compatibilità di </a:t>
-            </a:r>
-            <a:r>
-              <a:rPr lang="it-IT" dirty="0" err="1">
-                <a:cs typeface="Times New Roman" panose="02020603050405020304" pitchFamily="18" charset="0"/>
-              </a:rPr>
-              <a:t>Vector</a:t>
-            </a:r>
-            <a:r>
-              <a:rPr lang="it-IT" dirty="0">
-                <a:cs typeface="Times New Roman" panose="02020603050405020304" pitchFamily="18" charset="0"/>
-              </a:rPr>
-              <a:t> Asset Studio</a:t>
+          <a:bodyPr/>
+          <a:lstStyle/>
+          <a:p>
+            <a:r>
+              <a:rPr lang="it-IT" dirty="0"/>
+              <a:t>Pro e contro dei due formati (2)</a:t>
             </a:r>
           </a:p>
         </p:txBody>
@@ -5536,7 +5461,7 @@
           <p:cNvPr id="3" name="Segnaposto contenuto 2">
             <a:extLst>
               <a:ext uri="{FF2B5EF4-FFF2-40B4-BE49-F238E27FC236}">
-                <a16:creationId xmlns:a16="http://schemas.microsoft.com/office/drawing/2014/main" xmlns="" id="{72B4423A-4DCE-4192-89A0-E056AA2241FF}"/>
+                <a16:creationId xmlns="" xmlns:a16="http://schemas.microsoft.com/office/drawing/2014/main" id="{7197C251-8208-4015-BFF1-537AC8FD5152}"/>
               </a:ext>
             </a:extLst>
           </p:cNvPr>
@@ -5547,248 +5472,97 @@
             <p:ph idx="1"/>
           </p:nvPr>
         </p:nvSpPr>
-        <p:spPr/>
-        <p:txBody>
-          <a:bodyPr>
-            <a:normAutofit/>
-          </a:bodyPr>
+        <p:spPr>
+          <a:xfrm>
+            <a:off x="1066800" y="2185416"/>
+            <a:ext cx="10058400" cy="3849624"/>
+          </a:xfrm>
+        </p:spPr>
+        <p:txBody>
+          <a:bodyPr/>
           <a:lstStyle/>
           <a:p>
             <a:pPr marL="0" indent="0">
               <a:buNone/>
             </a:pPr>
             <a:r>
-              <a:rPr lang="it-IT" sz="2400" dirty="0">
+              <a:rPr lang="it-IT" sz="3200" dirty="0">
                 <a:latin typeface="Times New Roman" panose="02020603050405020304" pitchFamily="18" charset="0"/>
                 <a:cs typeface="Times New Roman" panose="02020603050405020304" pitchFamily="18" charset="0"/>
               </a:rPr>
-              <a:t>Se l’app ha come target versioni Lollipop o più recenti, tutta l’API </a:t>
-            </a:r>
-            <a:r>
-              <a:rPr lang="it-IT" sz="2400" dirty="0" err="1">
+              <a:t>Le immagini vettoriali:</a:t>
+            </a:r>
+            <a:endParaRPr lang="it-IT" dirty="0"/>
+          </a:p>
+          <a:p>
+            <a:r>
+              <a:rPr lang="it-IT" sz="2800" dirty="0">
                 <a:latin typeface="Times New Roman" panose="02020603050405020304" pitchFamily="18" charset="0"/>
                 <a:cs typeface="Times New Roman" panose="02020603050405020304" pitchFamily="18" charset="0"/>
               </a:rPr>
-              <a:t>spec</a:t>
-            </a:r>
-            <a:r>
-              <a:rPr lang="it-IT" sz="2400" dirty="0">
+              <a:t>Possono essere ingrandite all’infinito senza subire alcuna perdita di qualità e definizione, inoltre</a:t>
+            </a:r>
+            <a:r>
+              <a:rPr lang="it-IT" b="1" dirty="0"/>
+              <a:t> </a:t>
+            </a:r>
+            <a:r>
+              <a:rPr lang="it-IT" sz="2800" dirty="0">
                 <a:latin typeface="Times New Roman" panose="02020603050405020304" pitchFamily="18" charset="0"/>
                 <a:cs typeface="Times New Roman" panose="02020603050405020304" pitchFamily="18" charset="0"/>
               </a:rPr>
-              <a:t> è supportata.  </a:t>
-            </a:r>
-          </a:p>
-          <a:p>
-            <a:pPr marL="0" indent="0">
-              <a:buNone/>
-            </a:pPr>
-            <a:r>
-              <a:rPr lang="it-IT" sz="2400" dirty="0">
+              <a:t>il peso (in byte) di un documento è inferiore rispetto ad uno </a:t>
+            </a:r>
+            <a:r>
+              <a:rPr lang="it-IT" sz="2800" dirty="0" err="1">
                 <a:latin typeface="Times New Roman" panose="02020603050405020304" pitchFamily="18" charset="0"/>
                 <a:cs typeface="Times New Roman" panose="02020603050405020304" pitchFamily="18" charset="0"/>
               </a:rPr>
-              <a:t>Se la versione di </a:t>
-            </a:r>
-            <a:r>
-              <a:rPr lang="it-IT" sz="2400" dirty="0" err="1">
+              <a:t>raster</a:t>
+            </a:r>
+            <a:r>
+              <a:rPr lang="it-IT" sz="2800" dirty="0">
                 <a:latin typeface="Times New Roman" panose="02020603050405020304" pitchFamily="18" charset="0"/>
                 <a:cs typeface="Times New Roman" panose="02020603050405020304" pitchFamily="18" charset="0"/>
               </a:rPr>
-              <a:t>sdk</a:t>
-            </a:r>
-            <a:r>
-              <a:rPr lang="it-IT" sz="2400" dirty="0">
+              <a:t>.</a:t>
+            </a:r>
+          </a:p>
+          <a:p>
+            <a:r>
+              <a:rPr lang="it-IT" sz="2800" dirty="0">
                 <a:latin typeface="Times New Roman" panose="02020603050405020304" pitchFamily="18" charset="0"/>
                 <a:cs typeface="Times New Roman" panose="02020603050405020304" pitchFamily="18" charset="0"/>
               </a:rPr>
-              <a:t> è minore di 21 ho alcune limitazioni:</a:t>
-            </a:r>
-          </a:p>
-          <a:p>
-            <a:r>
-              <a:rPr lang="it-IT" sz="2400" dirty="0">
+              <a:t>Meno intuitive rispetto alle immagini </a:t>
+            </a:r>
+            <a:r>
+              <a:rPr lang="it-IT" sz="2800" dirty="0" err="1">
                 <a:latin typeface="Times New Roman" panose="02020603050405020304" pitchFamily="18" charset="0"/>
                 <a:cs typeface="Times New Roman" panose="02020603050405020304" pitchFamily="18" charset="0"/>
               </a:rPr>
-              <a:t>I tag &lt;group&gt; e &lt;clip-</a:t>
-            </a:r>
-            <a:r>
-              <a:rPr lang="it-IT" sz="2400" dirty="0" err="1">
+              <a:t>raster</a:t>
+            </a:r>
+            <a:r>
+              <a:rPr lang="it-IT" sz="2800" dirty="0">
                 <a:latin typeface="Times New Roman" panose="02020603050405020304" pitchFamily="18" charset="0"/>
                 <a:cs typeface="Times New Roman" panose="02020603050405020304" pitchFamily="18" charset="0"/>
               </a:rPr>
-              <a:t>path</a:t>
-            </a:r>
-            <a:r>
-              <a:rPr lang="it-IT" sz="2400" dirty="0">
-                <a:latin typeface="Times New Roman" panose="02020603050405020304" pitchFamily="18" charset="0"/>
-                <a:cs typeface="Times New Roman" panose="02020603050405020304" pitchFamily="18" charset="0"/>
-              </a:rPr>
-              <a:t>&gt; non sono supportati.</a:t>
-            </a:r>
-          </a:p>
-          <a:p>
-            <a:r>
-              <a:rPr lang="it-IT" sz="2400" dirty="0">
-                <a:latin typeface="Times New Roman" panose="02020603050405020304" pitchFamily="18" charset="0"/>
-                <a:cs typeface="Times New Roman" panose="02020603050405020304" pitchFamily="18" charset="0"/>
-              </a:rPr>
-              <a:t>Posso avere solo file png statici: nel file SML del </a:t>
-            </a:r>
-            <a:r>
-              <a:rPr lang="it-IT" sz="2400" dirty="0" err="1">
-                <a:latin typeface="Times New Roman" panose="02020603050405020304" pitchFamily="18" charset="0"/>
-                <a:cs typeface="Times New Roman" panose="02020603050405020304" pitchFamily="18" charset="0"/>
-              </a:rPr>
-              <a:t>vector</a:t>
-            </a:r>
-            <a:r>
-              <a:rPr lang="it-IT" sz="2400" dirty="0">
-                <a:latin typeface="Times New Roman" panose="02020603050405020304" pitchFamily="18" charset="0"/>
-                <a:cs typeface="Times New Roman" panose="02020603050405020304" pitchFamily="18" charset="0"/>
-              </a:rPr>
-              <a:t> </a:t>
-            </a:r>
-            <a:r>
-              <a:rPr lang="it-IT" sz="2400" dirty="0" err="1">
-                <a:latin typeface="Times New Roman" panose="02020603050405020304" pitchFamily="18" charset="0"/>
-                <a:cs typeface="Times New Roman" panose="02020603050405020304" pitchFamily="18" charset="0"/>
-              </a:rPr>
-              <a:t>drawable</a:t>
-            </a:r>
-            <a:r>
-              <a:rPr lang="it-IT" sz="2400" dirty="0">
-                <a:latin typeface="Times New Roman" panose="02020603050405020304" pitchFamily="18" charset="0"/>
-                <a:cs typeface="Times New Roman" panose="02020603050405020304" pitchFamily="18" charset="0"/>
-              </a:rPr>
-              <a:t> non supporto attributi dinamici (</a:t>
-            </a:r>
-            <a:r>
-              <a:rPr lang="it-IT" sz="2400" dirty="0" err="1">
-                <a:latin typeface="Times New Roman" panose="02020603050405020304" pitchFamily="18" charset="0"/>
-                <a:cs typeface="Times New Roman" panose="02020603050405020304" pitchFamily="18" charset="0"/>
-              </a:rPr>
-              <a:t>theming</a:t>
-            </a:r>
-            <a:r>
-              <a:rPr lang="it-IT" sz="2400" dirty="0">
-                <a:latin typeface="Times New Roman" panose="02020603050405020304" pitchFamily="18" charset="0"/>
-                <a:cs typeface="Times New Roman" panose="02020603050405020304" pitchFamily="18" charset="0"/>
-              </a:rPr>
-              <a:t>, </a:t>
-            </a:r>
-            <a:r>
-              <a:rPr lang="it-IT" sz="2400">
-                <a:latin typeface="Times New Roman" panose="02020603050405020304" pitchFamily="18" charset="0"/>
-                <a:cs typeface="Times New Roman" panose="02020603050405020304" pitchFamily="18" charset="0"/>
-              </a:rPr>
-              <a:t>auto </a:t>
-            </a:r>
-            <a:r>
-              <a:rPr lang="it-IT" sz="2400" smtClean="0">
-                <a:latin typeface="Times New Roman" panose="02020603050405020304" pitchFamily="18" charset="0"/>
-                <a:cs typeface="Times New Roman" panose="02020603050405020304" pitchFamily="18" charset="0"/>
-              </a:rPr>
-              <a:t>mirroring…).</a:t>
-            </a:r>
-            <a:endParaRPr lang="it-IT" sz="2400" dirty="0">
+              <a:t>, è più complicato lavorarci e bisogna conoscere a fondo gli strumenti da utilizzare.</a:t>
+            </a:r>
+          </a:p>
+          <a:p>
+            <a:endParaRPr lang="it-IT" sz="2800" dirty="0">
               <a:latin typeface="Times New Roman" panose="02020603050405020304" pitchFamily="18" charset="0"/>
               <a:cs typeface="Times New Roman" panose="02020603050405020304" pitchFamily="18" charset="0"/>
             </a:endParaRPr>
           </a:p>
-          <a:p>
-            <a:r>
-              <a:rPr lang="it-IT" sz="2400" dirty="0">
-                <a:latin typeface="Times New Roman" panose="02020603050405020304" pitchFamily="18" charset="0"/>
-                <a:cs typeface="Times New Roman" panose="02020603050405020304" pitchFamily="18" charset="0"/>
-              </a:rPr>
-              <a:t>Non sono supportate le </a:t>
-            </a:r>
-            <a:r>
-              <a:rPr lang="it-IT" sz="2400" dirty="0" err="1">
-                <a:latin typeface="Times New Roman" panose="02020603050405020304" pitchFamily="18" charset="0"/>
-                <a:cs typeface="Times New Roman" panose="02020603050405020304" pitchFamily="18" charset="0"/>
-              </a:rPr>
-              <a:t>resources</a:t>
-            </a:r>
-            <a:r>
-              <a:rPr lang="it-IT" sz="2400" dirty="0">
-                <a:latin typeface="Times New Roman" panose="02020603050405020304" pitchFamily="18" charset="0"/>
-                <a:cs typeface="Times New Roman" panose="02020603050405020304" pitchFamily="18" charset="0"/>
-              </a:rPr>
-              <a:t> </a:t>
-            </a:r>
-            <a:r>
-              <a:rPr lang="it-IT" sz="2400" dirty="0" err="1">
-                <a:latin typeface="Times New Roman" panose="02020603050405020304" pitchFamily="18" charset="0"/>
-                <a:cs typeface="Times New Roman" panose="02020603050405020304" pitchFamily="18" charset="0"/>
-              </a:rPr>
-              <a:t>references</a:t>
-            </a:r>
-            <a:r>
-              <a:rPr lang="it-IT" sz="2400" dirty="0">
-                <a:latin typeface="Times New Roman" panose="02020603050405020304" pitchFamily="18" charset="0"/>
-                <a:cs typeface="Times New Roman" panose="02020603050405020304" pitchFamily="18" charset="0"/>
-              </a:rPr>
-              <a:t> ad altri file </a:t>
-            </a:r>
-            <a:r>
-              <a:rPr lang="it-IT" sz="2400">
-                <a:latin typeface="Times New Roman" panose="02020603050405020304" pitchFamily="18" charset="0"/>
-                <a:cs typeface="Times New Roman" panose="02020603050405020304" pitchFamily="18" charset="0"/>
-              </a:rPr>
-              <a:t>SML</a:t>
-            </a:r>
-            <a:r>
-              <a:rPr lang="it-IT" sz="2400" smtClean="0">
-                <a:latin typeface="Times New Roman" panose="02020603050405020304" pitchFamily="18" charset="0"/>
-                <a:cs typeface="Times New Roman" panose="02020603050405020304" pitchFamily="18" charset="0"/>
-              </a:rPr>
-              <a:t>.</a:t>
-            </a:r>
-            <a:endParaRPr lang="it-IT" sz="2400" dirty="0">
-              <a:latin typeface="Times New Roman" panose="02020603050405020304" pitchFamily="18" charset="0"/>
-              <a:cs typeface="Times New Roman" panose="02020603050405020304" pitchFamily="18" charset="0"/>
-            </a:endParaRPr>
-          </a:p>
-        </p:txBody>
-      </p:sp>
-      <p:sp>
-        <p:nvSpPr>
-          <p:cNvPr id="4" name="Segnaposto data 3">
-            <a:extLst>
-              <a:ext uri="{FF2B5EF4-FFF2-40B4-BE49-F238E27FC236}">
-                <a16:creationId xmlns:a16="http://schemas.microsoft.com/office/drawing/2014/main" xmlns="" id="{385DA464-32FA-4976-83FD-03C573CDCF7E}"/>
-              </a:ext>
-            </a:extLst>
-          </p:cNvPr>
-          <p:cNvSpPr>
-            <a:spLocks noGrp="1"/>
-          </p:cNvSpPr>
-          <p:nvPr>
-            <p:ph type="dt" sz="half" idx="10"/>
-          </p:nvPr>
-        </p:nvSpPr>
-        <p:spPr/>
-        <p:txBody>
-          <a:bodyPr/>
-          <a:lstStyle/>
-          <a:p>
-            <a:pPr rtl="0"/>
-            <a:fld id="{85E0D28E-6F2F-4715-A424-3B01AC64AD4B}" type="datetime1">
-              <a:rPr lang="it-IT" smtClean="0"/>
-              <a:pPr rtl="0"/>
-              <a:t>21/05/2020</a:t>
-            </a:fld>
-            <a:endParaRPr lang="en-US"/>
-          </a:p>
         </p:txBody>
       </p:sp>
     </p:spTree>
     <p:extLst>
       <p:ext uri="{BB962C8B-B14F-4D97-AF65-F5344CB8AC3E}">
-        <p14:creationId xmlns:p14="http://schemas.microsoft.com/office/powerpoint/2010/main" xmlns="" val="520281786"/>
+        <p14:creationId xmlns="" xmlns:p14="http://schemas.microsoft.com/office/powerpoint/2010/main" val="2542699001"/>
       </p:ext>
     </p:extLst>
   </p:cSld>
@@ -5832,7 +5606,7 @@
           <a:p>
             <a:r>
               <a:rPr lang="it-IT" smtClean="0"/>
-              <a:t>Compatibilità di Vector Asset Studio (2)</a:t>
+              <a:t>In conclusione</a:t>
             </a:r>
             <a:endParaRPr lang="it-IT"/>
           </a:p>
@@ -5853,28 +5627,37 @@
           <a:bodyPr/>
           <a:lstStyle/>
           <a:p>
-            <a:pPr marL="0" indent="0">
+            <a:pPr>
               <a:buNone/>
             </a:pPr>
             <a:r>
               <a:rPr lang="it-IT" sz="2400" smtClean="0">
-                <a:latin typeface="Times New Roman" panose="02020603050405020304" pitchFamily="18" charset="0"/>
-                <a:cs typeface="Times New Roman" panose="02020603050405020304" pitchFamily="18" charset="0"/>
-              </a:rPr>
-              <a:t>Inoltre,la finestra di anteprima in Android Studio usa un meccanismo di display diverso da quello in vector asset studio.</a:t>
-            </a:r>
-          </a:p>
-          <a:p>
-            <a:pPr marL="0" indent="0">
+                <a:latin typeface="Times New Roman" pitchFamily="18" charset="0"/>
+                <a:cs typeface="Times New Roman" pitchFamily="18" charset="0"/>
+              </a:rPr>
+              <a:t>Il vector drawable è appropriato per icone semplici, mentre quelle con troppi dettagli funzionano meglio come immagini bitmap.</a:t>
+            </a:r>
+          </a:p>
+          <a:p>
+            <a:pPr>
               <a:buNone/>
             </a:pPr>
             <a:r>
               <a:rPr lang="it-IT" sz="2400" smtClean="0">
-                <a:latin typeface="Times New Roman" panose="02020603050405020304" pitchFamily="18" charset="0"/>
-                <a:cs typeface="Times New Roman" panose="02020603050405020304" pitchFamily="18" charset="0"/>
-              </a:rPr>
-              <a:t>Infine, se devo typecastare gli oggetti drawable nel codice java, devo castarli come bitmap drawable invece di vector drawable (solo in dispositivi pre Lollipop).</a:t>
-            </a:r>
+                <a:latin typeface="Times New Roman" pitchFamily="18" charset="0"/>
+                <a:cs typeface="Times New Roman" pitchFamily="18" charset="0"/>
+              </a:rPr>
+              <a:t>Inoltre il caricamento iniziale di un vector drawable può costare di più in termini di cicli di CPU rispetto alla corrispondente immagine bitmap. Mentre successivamente l’uso di memoria è simile tra le due.</a:t>
+            </a:r>
+          </a:p>
+          <a:p>
+            <a:pPr>
+              <a:buNone/>
+            </a:pPr>
+            <a:endParaRPr lang="it-IT" sz="2400" smtClean="0">
+              <a:latin typeface="Times New Roman" pitchFamily="18" charset="0"/>
+              <a:cs typeface="Times New Roman" pitchFamily="18" charset="0"/>
+            </a:endParaRPr>
           </a:p>
           <a:p>
             <a:endParaRPr lang="it-IT"/>
@@ -5900,7 +5683,7 @@
             <a:fld id="{85E0D28E-6F2F-4715-A424-3B01AC64AD4B}" type="datetime1">
               <a:rPr lang="it-IT" smtClean="0"/>
               <a:pPr rtl="0"/>
-              <a:t>21/05/2020</a:t>
+              <a:t>07/06/2020</a:t>
             </a:fld>
             <a:endParaRPr lang="en-US"/>
           </a:p>
@@ -5936,7 +5719,7 @@
           <p:cNvPr id="2" name="Titolo 1">
             <a:extLst>
               <a:ext uri="{FF2B5EF4-FFF2-40B4-BE49-F238E27FC236}">
-                <a16:creationId xmlns:a16="http://schemas.microsoft.com/office/drawing/2014/main" xmlns="" id="{1447AD0D-D9DC-4BD5-B662-30885C940A73}"/>
+                <a16:creationId xmlns="" xmlns:a16="http://schemas.microsoft.com/office/drawing/2014/main" id="{1447AD0D-D9DC-4BD5-B662-30885C940A73}"/>
               </a:ext>
             </a:extLst>
           </p:cNvPr>
@@ -5966,7 +5749,7 @@
           <p:cNvPr id="3" name="Segnaposto contenuto 2">
             <a:extLst>
               <a:ext uri="{FF2B5EF4-FFF2-40B4-BE49-F238E27FC236}">
-                <a16:creationId xmlns:a16="http://schemas.microsoft.com/office/drawing/2014/main" xmlns="" id="{FD9C302A-E7AA-40AD-8F0F-C6D9EFCC88F5}"/>
+                <a16:creationId xmlns="" xmlns:a16="http://schemas.microsoft.com/office/drawing/2014/main" id="{FD9C302A-E7AA-40AD-8F0F-C6D9EFCC88F5}"/>
               </a:ext>
             </a:extLst>
           </p:cNvPr>
@@ -6000,7 +5783,7 @@
           <p:cNvPr id="4" name="Segnaposto data 3">
             <a:extLst>
               <a:ext uri="{FF2B5EF4-FFF2-40B4-BE49-F238E27FC236}">
-                <a16:creationId xmlns:a16="http://schemas.microsoft.com/office/drawing/2014/main" xmlns="" id="{F8E17882-5E17-41CC-8F32-7C442B1A3160}"/>
+                <a16:creationId xmlns="" xmlns:a16="http://schemas.microsoft.com/office/drawing/2014/main" id="{F8E17882-5E17-41CC-8F32-7C442B1A3160}"/>
               </a:ext>
             </a:extLst>
           </p:cNvPr>
@@ -6020,7 +5803,7 @@
             <a:fld id="{85E0D28E-6F2F-4715-A424-3B01AC64AD4B}" type="datetime1">
               <a:rPr lang="it-IT" smtClean="0"/>
               <a:pPr rtl="0"/>
-              <a:t>21/05/2020</a:t>
+              <a:t>07/06/2020</a:t>
             </a:fld>
             <a:endParaRPr lang="en-US"/>
           </a:p>
@@ -6029,7 +5812,7 @@
     </p:spTree>
     <p:extLst>
       <p:ext uri="{BB962C8B-B14F-4D97-AF65-F5344CB8AC3E}">
-        <p14:creationId xmlns:p14="http://schemas.microsoft.com/office/powerpoint/2010/main" xmlns="" val="2009069328"/>
+        <p14:creationId xmlns="" xmlns:p14="http://schemas.microsoft.com/office/powerpoint/2010/main" val="2009069328"/>
       </p:ext>
     </p:extLst>
   </p:cSld>
@@ -6061,7 +5844,7 @@
           <p:cNvPr id="2" name="Titolo 1">
             <a:extLst>
               <a:ext uri="{FF2B5EF4-FFF2-40B4-BE49-F238E27FC236}">
-                <a16:creationId xmlns:a16="http://schemas.microsoft.com/office/drawing/2014/main" xmlns="" id="{64A3D193-E597-4EF9-9B61-D8F702BBDA6B}"/>
+                <a16:creationId xmlns="" xmlns:a16="http://schemas.microsoft.com/office/drawing/2014/main" id="{64A3D193-E597-4EF9-9B61-D8F702BBDA6B}"/>
               </a:ext>
             </a:extLst>
           </p:cNvPr>
@@ -6091,7 +5874,7 @@
           <p:cNvPr id="3" name="Segnaposto contenuto 2">
             <a:extLst>
               <a:ext uri="{FF2B5EF4-FFF2-40B4-BE49-F238E27FC236}">
-                <a16:creationId xmlns:a16="http://schemas.microsoft.com/office/drawing/2014/main" xmlns="" id="{78D544C2-8FC2-4FAB-8544-0FAFF728A8E0}"/>
+                <a16:creationId xmlns="" xmlns:a16="http://schemas.microsoft.com/office/drawing/2014/main" id="{78D544C2-8FC2-4FAB-8544-0FAFF728A8E0}"/>
               </a:ext>
             </a:extLst>
           </p:cNvPr>
@@ -6123,7 +5906,7 @@
     </p:spTree>
     <p:extLst>
       <p:ext uri="{BB962C8B-B14F-4D97-AF65-F5344CB8AC3E}">
-        <p14:creationId xmlns:p14="http://schemas.microsoft.com/office/powerpoint/2010/main" xmlns="" val="3152011591"/>
+        <p14:creationId xmlns="" xmlns:p14="http://schemas.microsoft.com/office/powerpoint/2010/main" val="3152011591"/>
       </p:ext>
     </p:extLst>
   </p:cSld>
@@ -6193,37 +5976,16 @@
                 <a:latin typeface="Times New Roman" pitchFamily="18" charset="0"/>
                 <a:cs typeface="Times New Roman" pitchFamily="18" charset="0"/>
               </a:rPr>
-              <a:t>Se l’immagine da vettorizzare è troppo grande, caricarla potrebbe richiedere </a:t>
-            </a:r>
+              <a:t>Se l’immagine da vettorizzare è troppo grande, caricarla potrebbe richiedere troppo tempo, quindi risulta utile limitarne le dimensioni.</a:t>
+            </a:r>
+          </a:p>
+          <a:p>
             <a:r>
               <a:rPr lang="it-IT" sz="2400" smtClean="0">
                 <a:latin typeface="Times New Roman" pitchFamily="18" charset="0"/>
                 <a:cs typeface="Times New Roman" pitchFamily="18" charset="0"/>
               </a:rPr>
-              <a:t>troppo </a:t>
-            </a:r>
-            <a:r>
-              <a:rPr lang="it-IT" sz="2400" smtClean="0">
-                <a:latin typeface="Times New Roman" pitchFamily="18" charset="0"/>
-                <a:cs typeface="Times New Roman" pitchFamily="18" charset="0"/>
-              </a:rPr>
-              <a:t>tempo, quindi risulta utile limitarne le dimensioni.</a:t>
-            </a:r>
-          </a:p>
-          <a:p>
-            <a:r>
-              <a:rPr lang="it-IT" sz="2400" smtClean="0">
-                <a:latin typeface="Times New Roman" pitchFamily="18" charset="0"/>
-                <a:cs typeface="Times New Roman" pitchFamily="18" charset="0"/>
-              </a:rPr>
-              <a:t>Sebbene </a:t>
-            </a:r>
-            <a:r>
-              <a:rPr lang="it-IT" sz="2400" smtClean="0">
-                <a:latin typeface="Times New Roman" pitchFamily="18" charset="0"/>
-                <a:cs typeface="Times New Roman" pitchFamily="18" charset="0"/>
-              </a:rPr>
-              <a:t>i vector drawables supportino anche più di un colore, spesso è raccomandabile usare icone nere (android:fillColor=”#FF000000”). In questo modo è possibile aggiungere una tinta, che diventerà il colore dell’icona. Se il colore dell’icona non è nero, il colore potrebbe fondersi con quello della tinta.</a:t>
+              <a:t>Sebbene i vector drawables supportino anche più di un colore, spesso è raccomandabile usare icone nere (android:fillColor=”#FF000000”). In questo modo è possibile aggiungere una tinta, che diventerà il colore dell’icona. Se il colore dell’icona non è nero, il colore potrebbe fondersi con quello della tinta.</a:t>
             </a:r>
           </a:p>
           <a:p>
@@ -6250,7 +6012,7 @@
             <a:fld id="{85E0D28E-6F2F-4715-A424-3B01AC64AD4B}" type="datetime1">
               <a:rPr lang="it-IT" smtClean="0"/>
               <a:pPr rtl="0"/>
-              <a:t>21/05/2020</a:t>
+              <a:t>07/06/2020</a:t>
             </a:fld>
             <a:endParaRPr lang="en-US"/>
           </a:p>
@@ -6489,28 +6251,7 @@
                 <a:latin typeface="Times New Roman" pitchFamily="18" charset="0"/>
                 <a:cs typeface="Times New Roman" pitchFamily="18" charset="0"/>
               </a:rPr>
-              <a:t>Per </a:t>
-            </a:r>
-            <a:r>
-              <a:rPr lang="it-IT" sz="2400" smtClean="0">
-                <a:latin typeface="Times New Roman" pitchFamily="18" charset="0"/>
-                <a:cs typeface="Times New Roman" pitchFamily="18" charset="0"/>
-              </a:rPr>
-              <a:t>la retrocompatibilità con Android 4.4 e precedenti, Vector Asset Studio supporta i seguenti elementi </a:t>
-            </a:r>
-            <a:r>
-              <a:rPr lang="it-IT" sz="2400" smtClean="0">
-                <a:latin typeface="Times New Roman" pitchFamily="18" charset="0"/>
-                <a:cs typeface="Times New Roman" pitchFamily="18" charset="0"/>
-              </a:rPr>
-              <a:t>XML</a:t>
-            </a:r>
-            <a:r>
-              <a:rPr lang="it-IT" sz="2400" smtClean="0">
-                <a:latin typeface="Times New Roman" pitchFamily="18" charset="0"/>
-                <a:cs typeface="Times New Roman" pitchFamily="18" charset="0"/>
-              </a:rPr>
-              <a:t>:</a:t>
+              <a:t>Per la retrocompatibilità con Android 4.4 e precedenti, Vector Asset Studio supporta i seguenti elementi XML:</a:t>
             </a:r>
           </a:p>
           <a:p>
@@ -6773,7 +6514,6 @@
               <a:rPr lang="it-IT" sz="2200" smtClean="0"/>
               <a:t> android:pathData </a:t>
             </a:r>
-            <a:endParaRPr lang="it-IT" sz="2200" smtClean="0"/>
           </a:p>
           <a:p>
             <a:pPr lvl="1">
@@ -6784,7 +6524,6 @@
               <a:rPr lang="it-IT" sz="2200" smtClean="0"/>
               <a:t> android:fillColor</a:t>
             </a:r>
-            <a:endParaRPr lang="it-IT" sz="2200" smtClean="0"/>
           </a:p>
           <a:p>
             <a:pPr lvl="1">
@@ -6795,7 +6534,6 @@
               <a:rPr lang="it-IT" sz="2200" smtClean="0"/>
               <a:t> android:strokeColor</a:t>
             </a:r>
-            <a:endParaRPr lang="it-IT" sz="2200" smtClean="0"/>
           </a:p>
           <a:p>
             <a:pPr lvl="1">
@@ -6806,7 +6544,6 @@
               <a:rPr lang="it-IT" sz="2200" smtClean="0"/>
               <a:t> android:strokeWidth</a:t>
             </a:r>
-            <a:endParaRPr lang="it-IT" sz="2200" smtClean="0"/>
           </a:p>
           <a:p>
             <a:pPr lvl="1">
@@ -6817,7 +6554,6 @@
               <a:rPr lang="it-IT" sz="2200" smtClean="0"/>
               <a:t> android:strokeAlpha</a:t>
             </a:r>
-            <a:endParaRPr lang="it-IT" sz="2200" smtClean="0"/>
           </a:p>
           <a:p>
             <a:pPr lvl="1">
@@ -6828,7 +6564,6 @@
               <a:rPr lang="it-IT" sz="2200" smtClean="0"/>
               <a:t> android:fillAlpha</a:t>
             </a:r>
-            <a:endParaRPr lang="it-IT" sz="2200" smtClean="0"/>
           </a:p>
           <a:p>
             <a:pPr lvl="1">
@@ -6839,7 +6574,6 @@
               <a:rPr lang="it-IT" sz="2200" smtClean="0"/>
               <a:t> android:strokeLineCap</a:t>
             </a:r>
-            <a:endParaRPr lang="it-IT" sz="2200" smtClean="0"/>
           </a:p>
           <a:p>
             <a:pPr lvl="1">
@@ -6850,7 +6584,6 @@
               <a:rPr lang="it-IT" sz="2200" smtClean="0"/>
               <a:t> android:strokeLineJoin</a:t>
             </a:r>
-            <a:endParaRPr lang="it-IT" sz="2200" smtClean="0"/>
           </a:p>
           <a:p>
             <a:pPr lvl="1">
@@ -6861,7 +6594,6 @@
               <a:rPr lang="it-IT" sz="2200" smtClean="0"/>
               <a:t> android:strokeMiterLimit</a:t>
             </a:r>
-            <a:endParaRPr lang="it-IT" sz="2200" smtClean="0"/>
           </a:p>
           <a:p>
             <a:endParaRPr lang="it-IT" sz="2400"/>
@@ -6906,7 +6638,7 @@
           <p:cNvPr id="4" name="Titolo 3">
             <a:extLst>
               <a:ext uri="{FF2B5EF4-FFF2-40B4-BE49-F238E27FC236}">
-                <a16:creationId xmlns:a16="http://schemas.microsoft.com/office/drawing/2014/main" xmlns="" id="{6042F595-4D4D-4185-86A7-CBC567109825}"/>
+                <a16:creationId xmlns="" xmlns:a16="http://schemas.microsoft.com/office/drawing/2014/main" id="{6042F595-4D4D-4185-86A7-CBC567109825}"/>
               </a:ext>
             </a:extLst>
           </p:cNvPr>
@@ -6948,7 +6680,7 @@
           <p:cNvPr id="7" name="Segnaposto contenuto 6">
             <a:extLst>
               <a:ext uri="{FF2B5EF4-FFF2-40B4-BE49-F238E27FC236}">
-                <a16:creationId xmlns:a16="http://schemas.microsoft.com/office/drawing/2014/main" xmlns="" id="{7869F837-450C-4E6A-A262-9F07239CD2B8}"/>
+                <a16:creationId xmlns="" xmlns:a16="http://schemas.microsoft.com/office/drawing/2014/main" id="{7869F837-450C-4E6A-A262-9F07239CD2B8}"/>
               </a:ext>
             </a:extLst>
           </p:cNvPr>
@@ -7058,10 +6790,46 @@
           </a:p>
         </p:txBody>
       </p:sp>
+      <p:sp>
+        <p:nvSpPr>
+          <p:cNvPr id="5" name="CasellaDiTesto 4"/>
+          <p:cNvSpPr txBox="1"/>
+          <p:nvPr/>
+        </p:nvSpPr>
+        <p:spPr>
+          <a:xfrm>
+            <a:off x="1159329" y="5910943"/>
+            <a:ext cx="4261757" cy="307777"/>
+          </a:xfrm>
+          <a:prstGeom prst="rect">
+            <a:avLst/>
+          </a:prstGeom>
+          <a:noFill/>
+        </p:spPr>
+        <p:txBody>
+          <a:bodyPr wrap="square" rtlCol="0">
+            <a:spAutoFit/>
+          </a:bodyPr>
+          <a:lstStyle/>
+          <a:p>
+            <a:r>
+              <a:rPr lang="it-IT" sz="1400" smtClean="0">
+                <a:latin typeface="Arial Rounded MT Bold" pitchFamily="34" charset="0"/>
+                <a:ea typeface="Batang" pitchFamily="18" charset="-127"/>
+              </a:rPr>
+              <a:t>Vector Asset Studio - Introduzione</a:t>
+            </a:r>
+            <a:endParaRPr lang="it-IT" sz="1400">
+              <a:latin typeface="Arial Rounded MT Bold" pitchFamily="34" charset="0"/>
+              <a:ea typeface="Batang" pitchFamily="18" charset="-127"/>
+            </a:endParaRPr>
+          </a:p>
+        </p:txBody>
+      </p:sp>
     </p:spTree>
     <p:extLst>
       <p:ext uri="{BB962C8B-B14F-4D97-AF65-F5344CB8AC3E}">
-        <p14:creationId xmlns:p14="http://schemas.microsoft.com/office/powerpoint/2010/main" xmlns="" val="183243182"/>
+        <p14:creationId xmlns="" xmlns:p14="http://schemas.microsoft.com/office/powerpoint/2010/main" val="183243182"/>
       </p:ext>
     </p:extLst>
   </p:cSld>
@@ -7132,11 +6900,18 @@
               <a:buNone/>
             </a:pPr>
             <a:r>
-              <a:rPr lang="it-IT" sz="2400" smtClean="0">
+              <a:rPr lang="it-IT" sz="2600" smtClean="0">
                 <a:latin typeface="Times New Roman" pitchFamily="18" charset="0"/>
                 <a:cs typeface="Times New Roman" pitchFamily="18" charset="0"/>
               </a:rPr>
-              <a:t>Priuma di usare Vector Asset Studio bisogna aggiungere una dichiarazione nel file </a:t>
+              <a:t>Prima </a:t>
+            </a:r>
+            <a:r>
+              <a:rPr lang="it-IT" sz="2600" smtClean="0">
+                <a:latin typeface="Times New Roman" pitchFamily="18" charset="0"/>
+                <a:cs typeface="Times New Roman" pitchFamily="18" charset="0"/>
+              </a:rPr>
+              <a:t>di usare Vector Asset Studio bisogna aggiungere una dichiarazione nel file </a:t>
             </a:r>
             <a:r>
               <a:rPr lang="it-IT" sz="2400" smtClean="0">
@@ -7264,7 +7039,7 @@
           <p:cNvPr id="2" name="Titolo 1">
             <a:extLst>
               <a:ext uri="{FF2B5EF4-FFF2-40B4-BE49-F238E27FC236}">
-                <a16:creationId xmlns:a16="http://schemas.microsoft.com/office/drawing/2014/main" xmlns="" id="{9AE4C8B6-E0B8-485F-A4DA-8628A66B76D2}"/>
+                <a16:creationId xmlns="" xmlns:a16="http://schemas.microsoft.com/office/drawing/2014/main" id="{9AE4C8B6-E0B8-485F-A4DA-8628A66B76D2}"/>
               </a:ext>
             </a:extLst>
           </p:cNvPr>
@@ -7297,7 +7072,7 @@
           <p:cNvPr id="6" name="Segnaposto contenuto 5">
             <a:extLst>
               <a:ext uri="{FF2B5EF4-FFF2-40B4-BE49-F238E27FC236}">
-                <a16:creationId xmlns:a16="http://schemas.microsoft.com/office/drawing/2014/main" xmlns="" id="{4BDEEE29-91C2-4DC2-978E-B83B3D557396}"/>
+                <a16:creationId xmlns="" xmlns:a16="http://schemas.microsoft.com/office/drawing/2014/main" id="{4BDEEE29-91C2-4DC2-978E-B83B3D557396}"/>
               </a:ext>
             </a:extLst>
           </p:cNvPr>
@@ -7312,7 +7087,7 @@
           <a:blip r:embed="rId2" cstate="print">
             <a:extLst>
               <a:ext uri="{28A0092B-C50C-407E-A947-70E740481C1C}">
-                <a14:useLocalDpi xmlns:a14="http://schemas.microsoft.com/office/drawing/2010/main" xmlns="" val="0"/>
+                <a14:useLocalDpi xmlns="" xmlns:a14="http://schemas.microsoft.com/office/drawing/2010/main" val="0"/>
               </a:ext>
             </a:extLst>
           </a:blip>
@@ -7364,7 +7139,7 @@
           <p:cNvPr id="12" name="CasellaDiTesto 11">
             <a:extLst>
               <a:ext uri="{FF2B5EF4-FFF2-40B4-BE49-F238E27FC236}">
-                <a16:creationId xmlns:a16="http://schemas.microsoft.com/office/drawing/2014/main" xmlns="" id="{E837BDAC-7E9D-4633-A500-EAEDA6613B83}"/>
+                <a16:creationId xmlns="" xmlns:a16="http://schemas.microsoft.com/office/drawing/2014/main" id="{E837BDAC-7E9D-4633-A500-EAEDA6613B83}"/>
               </a:ext>
             </a:extLst>
           </p:cNvPr>
@@ -7413,34 +7188,27 @@
                 <a:latin typeface="Times New Roman" pitchFamily="18" charset="0"/>
                 <a:cs typeface="Times New Roman" pitchFamily="18" charset="0"/>
               </a:rPr>
-              <a:t>poi cliccare su V</a:t>
+              <a:t>poi cliccare su Vector </a:t>
+            </a:r>
+            <a:r>
+              <a:rPr lang="it-IT" sz="2400" dirty="0">
+                <a:latin typeface="Times New Roman" pitchFamily="18" charset="0"/>
+                <a:cs typeface="Times New Roman" pitchFamily="18" charset="0"/>
+              </a:rPr>
+              <a:t>A</a:t>
             </a:r>
             <a:r>
               <a:rPr lang="it-IT" sz="2400" smtClean="0">
                 <a:latin typeface="Times New Roman" pitchFamily="18" charset="0"/>
                 <a:cs typeface="Times New Roman" pitchFamily="18" charset="0"/>
               </a:rPr>
-              <a:t>ector </a:t>
+              <a:t>sset</a:t>
             </a:r>
             <a:r>
               <a:rPr lang="it-IT" sz="2400" dirty="0">
                 <a:latin typeface="Times New Roman" pitchFamily="18" charset="0"/>
                 <a:cs typeface="Times New Roman" pitchFamily="18" charset="0"/>
               </a:rPr>
-              <a:t>A</a:t>
-            </a:r>
-            <a:r>
-              <a:rPr lang="it-IT" sz="2400" smtClean="0">
-                <a:latin typeface="Times New Roman" pitchFamily="18" charset="0"/>
-                <a:cs typeface="Times New Roman" pitchFamily="18" charset="0"/>
-              </a:rPr>
-              <a:t>sset</a:t>
-            </a:r>
-            <a:r>
-              <a:rPr lang="it-IT" sz="2400" dirty="0">
-                <a:latin typeface="Times New Roman" pitchFamily="18" charset="0"/>
-                <a:cs typeface="Times New Roman" pitchFamily="18" charset="0"/>
-              </a:rPr>
               <a:t>. </a:t>
             </a:r>
           </a:p>
@@ -7449,7 +7217,7 @@
     </p:spTree>
     <p:extLst>
       <p:ext uri="{BB962C8B-B14F-4D97-AF65-F5344CB8AC3E}">
-        <p14:creationId xmlns:p14="http://schemas.microsoft.com/office/powerpoint/2010/main" xmlns="" val="2197971088"/>
+        <p14:creationId xmlns="" xmlns:p14="http://schemas.microsoft.com/office/powerpoint/2010/main" val="2197971088"/>
       </p:ext>
     </p:extLst>
   </p:cSld>
@@ -7481,7 +7249,7 @@
           <p:cNvPr id="6" name="Segnaposto contenuto 5">
             <a:extLst>
               <a:ext uri="{FF2B5EF4-FFF2-40B4-BE49-F238E27FC236}">
-                <a16:creationId xmlns:a16="http://schemas.microsoft.com/office/drawing/2014/main" xmlns="" id="{0F35DE8C-3ACD-459B-9345-5DB90C6EC9FD}"/>
+                <a16:creationId xmlns="" xmlns:a16="http://schemas.microsoft.com/office/drawing/2014/main" id="{0F35DE8C-3ACD-459B-9345-5DB90C6EC9FD}"/>
               </a:ext>
             </a:extLst>
           </p:cNvPr>
@@ -7496,7 +7264,7 @@
           <a:blip r:embed="rId2" cstate="print">
             <a:extLst>
               <a:ext uri="{28A0092B-C50C-407E-A947-70E740481C1C}">
-                <a14:useLocalDpi xmlns:a14="http://schemas.microsoft.com/office/drawing/2010/main" xmlns="" val="0"/>
+                <a14:useLocalDpi xmlns="" xmlns:a14="http://schemas.microsoft.com/office/drawing/2010/main" val="0"/>
               </a:ext>
             </a:extLst>
           </a:blip>
@@ -7515,7 +7283,7 @@
           <p:cNvPr id="7" name="CasellaDiTesto 6">
             <a:extLst>
               <a:ext uri="{FF2B5EF4-FFF2-40B4-BE49-F238E27FC236}">
-                <a16:creationId xmlns:a16="http://schemas.microsoft.com/office/drawing/2014/main" xmlns="" id="{EC7460D1-A244-474C-932D-C3A68EF124A9}"/>
+                <a16:creationId xmlns="" xmlns:a16="http://schemas.microsoft.com/office/drawing/2014/main" id="{EC7460D1-A244-474C-932D-C3A68EF124A9}"/>
               </a:ext>
             </a:extLst>
           </p:cNvPr>
@@ -7674,7 +7442,7 @@
     </p:spTree>
     <p:extLst>
       <p:ext uri="{BB962C8B-B14F-4D97-AF65-F5344CB8AC3E}">
-        <p14:creationId xmlns:p14="http://schemas.microsoft.com/office/powerpoint/2010/main" xmlns="" val="2387262453"/>
+        <p14:creationId xmlns="" xmlns:p14="http://schemas.microsoft.com/office/powerpoint/2010/main" val="2387262453"/>
       </p:ext>
     </p:extLst>
   </p:cSld>
@@ -7780,28 +7548,7 @@
                 <a:latin typeface="Times New Roman" pitchFamily="18" charset="0"/>
                 <a:cs typeface="Times New Roman" pitchFamily="18" charset="0"/>
               </a:rPr>
-              <a:t>Nel campo Android </a:t>
-            </a:r>
-            <a:r>
-              <a:rPr lang="it-IT" sz="2400" smtClean="0">
-                <a:latin typeface="Times New Roman" pitchFamily="18" charset="0"/>
-                <a:cs typeface="Times New Roman" pitchFamily="18" charset="0"/>
-              </a:rPr>
-              <a:t>Plugin </a:t>
-            </a:r>
-            <a:r>
-              <a:rPr lang="it-IT" sz="2400" smtClean="0">
-                <a:latin typeface="Times New Roman" pitchFamily="18" charset="0"/>
-                <a:cs typeface="Times New Roman" pitchFamily="18" charset="0"/>
-              </a:rPr>
-              <a:t>Version, cambiare </a:t>
-            </a:r>
-            <a:r>
-              <a:rPr lang="it-IT" sz="2400" smtClean="0">
-                <a:latin typeface="Times New Roman" pitchFamily="18" charset="0"/>
-                <a:cs typeface="Times New Roman" pitchFamily="18" charset="0"/>
-              </a:rPr>
-              <a:t>la versione del plugin Android per Gradle alla 1.5.0 o più recente, poi clicca OK</a:t>
+              <a:t>Nel campo Android Plugin Version, cambiare la versione del plugin Android per Gradle alla 1.5.0 o più recente, poi clicca OK</a:t>
             </a:r>
           </a:p>
           <a:p>
@@ -7912,7 +7659,12 @@
             <p:ph idx="1"/>
           </p:nvPr>
         </p:nvSpPr>
-        <p:spPr/>
+        <p:spPr>
+          <a:xfrm>
+            <a:off x="702129" y="2168434"/>
+            <a:ext cx="5225142" cy="3849624"/>
+          </a:xfrm>
+        </p:spPr>
         <p:txBody>
           <a:bodyPr>
             <a:normAutofit/>
@@ -7993,12 +7745,47 @@
             <a:fld id="{85E0D28E-6F2F-4715-A424-3B01AC64AD4B}" type="datetime1">
               <a:rPr lang="it-IT" smtClean="0"/>
               <a:pPr rtl="0"/>
-              <a:t>21/05/2020</a:t>
+              <a:t>07/06/2020</a:t>
             </a:fld>
             <a:endParaRPr lang="en-US"/>
           </a:p>
         </p:txBody>
       </p:sp>
+      <p:pic>
+        <p:nvPicPr>
+          <p:cNvPr id="5" name="Segnaposto contenuto 5">
+            <a:extLst>
+              <a:ext uri="{FF2B5EF4-FFF2-40B4-BE49-F238E27FC236}">
+                <a16:creationId xmlns="" xmlns:a16="http://schemas.microsoft.com/office/drawing/2014/main" id="{0F35DE8C-3ACD-459B-9345-5DB90C6EC9FD}"/>
+              </a:ext>
+            </a:extLst>
+          </p:cNvPr>
+          <p:cNvPicPr>
+            <a:picLocks noChangeAspect="1"/>
+          </p:cNvPicPr>
+          <p:nvPr/>
+        </p:nvPicPr>
+        <p:blipFill rotWithShape="1">
+          <a:blip r:embed="rId2" cstate="print">
+            <a:extLst>
+              <a:ext uri="{28A0092B-C50C-407E-A947-70E740481C1C}">
+                <a14:useLocalDpi xmlns="" xmlns:a14="http://schemas.microsoft.com/office/drawing/2010/main" val="0"/>
+              </a:ext>
+            </a:extLst>
+          </a:blip>
+          <a:srcRect l="25258" t="20542" r="24827" b="20042"/>
+          <a:stretch/>
+        </p:blipFill>
+        <p:spPr>
+          <a:xfrm>
+            <a:off x="5998028" y="1849608"/>
+            <a:ext cx="5682016" cy="3628167"/>
+          </a:xfrm>
+          <a:prstGeom prst="rect">
+            <a:avLst/>
+          </a:prstGeom>
+        </p:spPr>
+      </p:pic>
     </p:spTree>
   </p:cSld>
   <p:clrMapOvr>
@@ -8057,40 +7844,128 @@
             <p:ph idx="1"/>
           </p:nvPr>
         </p:nvSpPr>
-        <p:spPr/>
+        <p:spPr>
+          <a:xfrm>
+            <a:off x="1066800" y="2103120"/>
+            <a:ext cx="4615543" cy="3849624"/>
+          </a:xfrm>
+        </p:spPr>
         <p:txBody>
           <a:bodyPr/>
           <a:lstStyle/>
           <a:p>
+            <a:pPr marL="0" lvl="0">
+              <a:buNone/>
+            </a:pPr>
+            <a:r>
+              <a:rPr lang="it-IT" sz="2400" smtClean="0">
+                <a:latin typeface="Times New Roman" panose="02020603050405020304" pitchFamily="18" charset="0"/>
+                <a:cs typeface="Times New Roman" panose="02020603050405020304" pitchFamily="18" charset="0"/>
+              </a:rPr>
+              <a:t>In Vector Asset Studio selezionare la voce Material Icon.</a:t>
+            </a:r>
+          </a:p>
+          <a:p>
+            <a:pPr marL="0">
+              <a:buNone/>
+            </a:pPr>
+            <a:r>
+              <a:rPr lang="it-IT" sz="2400" smtClean="0">
+                <a:latin typeface="Times New Roman" panose="02020603050405020304" pitchFamily="18" charset="0"/>
+                <a:cs typeface="Times New Roman" panose="02020603050405020304" pitchFamily="18" charset="0"/>
+              </a:rPr>
+              <a:t>Apparirà la finestra per selezionare l’icona</a:t>
+            </a:r>
+            <a:r>
+              <a:rPr lang="it-IT" sz="2400" smtClean="0">
+                <a:latin typeface="Times New Roman" panose="02020603050405020304" pitchFamily="18" charset="0"/>
+                <a:cs typeface="Times New Roman" panose="02020603050405020304" pitchFamily="18" charset="0"/>
+              </a:rPr>
+              <a:t>. </a:t>
+            </a:r>
+            <a:endParaRPr lang="it-IT" sz="2400" smtClean="0">
+              <a:latin typeface="Times New Roman" panose="02020603050405020304" pitchFamily="18" charset="0"/>
+              <a:cs typeface="Times New Roman" panose="02020603050405020304" pitchFamily="18" charset="0"/>
+            </a:endParaRPr>
+          </a:p>
+          <a:p>
+            <a:pPr marL="0" lvl="0">
+              <a:buNone/>
+            </a:pPr>
+            <a:r>
+              <a:rPr lang="it-IT" sz="2400" smtClean="0">
+                <a:latin typeface="Times New Roman" panose="02020603050405020304" pitchFamily="18" charset="0"/>
+                <a:cs typeface="Times New Roman" panose="02020603050405020304" pitchFamily="18" charset="0"/>
+              </a:rPr>
+              <a:t>È possibile </a:t>
+            </a:r>
+            <a:r>
+              <a:rPr lang="it-IT" sz="2400" smtClean="0">
+                <a:latin typeface="Times New Roman" panose="02020603050405020304" pitchFamily="18" charset="0"/>
+                <a:cs typeface="Times New Roman" panose="02020603050405020304" pitchFamily="18" charset="0"/>
+              </a:rPr>
+              <a:t>selezionare le icone in base alle </a:t>
+            </a:r>
+            <a:r>
+              <a:rPr lang="it-IT" sz="2400" smtClean="0">
+                <a:latin typeface="Times New Roman" panose="02020603050405020304" pitchFamily="18" charset="0"/>
+                <a:cs typeface="Times New Roman" panose="02020603050405020304" pitchFamily="18" charset="0"/>
+              </a:rPr>
+              <a:t>categorie </a:t>
+            </a:r>
+            <a:r>
+              <a:rPr lang="it-IT" sz="2400" smtClean="0">
+                <a:latin typeface="Times New Roman" panose="02020603050405020304" pitchFamily="18" charset="0"/>
+                <a:cs typeface="Times New Roman" panose="02020603050405020304" pitchFamily="18" charset="0"/>
+              </a:rPr>
+              <a:t>nella </a:t>
+            </a:r>
+            <a:r>
+              <a:rPr lang="it-IT" sz="2400" smtClean="0">
+                <a:latin typeface="Times New Roman" panose="02020603050405020304" pitchFamily="18" charset="0"/>
+                <a:cs typeface="Times New Roman" panose="02020603050405020304" pitchFamily="18" charset="0"/>
+              </a:rPr>
+              <a:t>lista a sinistra. </a:t>
+            </a:r>
+          </a:p>
+          <a:p>
             <a:endParaRPr lang="it-IT"/>
           </a:p>
         </p:txBody>
       </p:sp>
-      <p:sp>
-        <p:nvSpPr>
-          <p:cNvPr id="4" name="Segnaposto data 3"/>
-          <p:cNvSpPr>
-            <a:spLocks noGrp="1"/>
-          </p:cNvSpPr>
-          <p:nvPr>
-            <p:ph type="dt" sz="half" idx="10"/>
-          </p:nvPr>
-        </p:nvSpPr>
-        <p:spPr/>
-        <p:txBody>
-          <a:bodyPr/>
-          <a:lstStyle/>
-          <a:p>
-            <a:pPr rtl="0"/>
-            <a:fld id="{85E0D28E-6F2F-4715-A424-3B01AC64AD4B}" type="datetime1">
-              <a:rPr lang="it-IT" smtClean="0"/>
-              <a:pPr rtl="0"/>
-              <a:t>21/05/2020</a:t>
-            </a:fld>
-            <a:endParaRPr lang="en-US"/>
-          </a:p>
-        </p:txBody>
-      </p:sp>
+      <p:pic>
+        <p:nvPicPr>
+          <p:cNvPr id="5" name="Immagine 4"/>
+          <p:cNvPicPr/>
+          <p:nvPr/>
+        </p:nvPicPr>
+        <p:blipFill>
+          <a:blip r:embed="rId2" cstate="print">
+            <a:extLst>
+              <a:ext uri="{28A0092B-C50C-407E-A947-70E740481C1C}">
+                <a14:useLocalDpi xmlns:ve="http://schemas.openxmlformats.org/markup-compatibility/2006" xmlns:m="http://schemas.openxmlformats.org/officeDocument/2006/math" xmlns:wp="http://schemas.openxmlformats.org/drawingml/2006/wordprocessingDrawing" xmlns:wne="http://schemas.microsoft.com/office/word/2006/wordml" xmlns:a14="http://schemas.microsoft.com/office/drawing/2010/main" xmlns:wps="http://schemas.microsoft.com/office/word/2010/wordprocessingShape" xmlns:wpi="http://schemas.microsoft.com/office/word/2010/wordprocessingInk" xmlns:wpg="http://schemas.microsoft.com/office/word/2010/wordprocessingGroup" xmlns:w16se="http://schemas.microsoft.com/office/word/2015/wordml/symex" xmlns:w16cid="http://schemas.microsoft.com/office/word/2016/wordml/cid" xmlns:w15="http://schemas.microsoft.com/office/word/2012/wordml" xmlns:w14="http://schemas.microsoft.com/office/word/2010/wordml" xmlns:w="http://schemas.openxmlformats.org/wordprocessingml/2006/main" xmlns:w10="urn:schemas-microsoft-com:office:word" xmlns:wp14="http://schemas.microsoft.com/office/word/2010/wordprocessingDrawing" xmlns:v="urn:schemas-microsoft-com:vml" xmlns:o="urn:schemas-microsoft-com:office:office" xmlns:am3d="http://schemas.microsoft.com/office/drawing/2017/model3d" xmlns:aink="http://schemas.microsoft.com/office/drawing/2016/ink" xmlns:mc="http://schemas.openxmlformats.org/markup-compatibility/2006" xmlns:cx8="http://schemas.microsoft.com/office/drawing/2016/5/14/chartex" xmlns:cx7="http://schemas.microsoft.com/office/drawing/2016/5/13/chartex" xmlns:cx6="http://schemas.microsoft.com/office/drawing/2016/5/12/chartex" xmlns:cx5="http://schemas.microsoft.com/office/drawing/2016/5/11/chartex" xmlns:cx4="http://schemas.microsoft.com/office/drawing/2016/5/10/chartex" xmlns:cx3="http://schemas.microsoft.com/office/drawing/2016/5/9/chartex" xmlns:cx2="http://schemas.microsoft.com/office/drawing/2015/10/21/chartex" xmlns:cx1="http://schemas.microsoft.com/office/drawing/2015/9/8/chartex" xmlns:cx="http://schemas.microsoft.com/office/drawing/2014/chartex" xmlns:wpc="http://schemas.microsoft.com/office/word/2010/wordprocessingCanvas" xmlns="" xmlns:pic="http://schemas.openxmlformats.org/drawingml/2006/picture" xmlns:lc="http://schemas.openxmlformats.org/drawingml/2006/lockedCanvas" val="0"/>
+              </a:ext>
+            </a:extLst>
+          </a:blip>
+          <a:srcRect/>
+          <a:stretch>
+            <a:fillRect/>
+          </a:stretch>
+        </p:blipFill>
+        <p:spPr bwMode="auto">
+          <a:xfrm>
+            <a:off x="5910943" y="2041071"/>
+            <a:ext cx="5612765" cy="3892005"/>
+          </a:xfrm>
+          <a:prstGeom prst="rect">
+            <a:avLst/>
+          </a:prstGeom>
+          <a:noFill/>
+          <a:ln>
+            <a:noFill/>
+          </a:ln>
+        </p:spPr>
+      </p:pic>
     </p:spTree>
   </p:cSld>
   <p:clrMapOvr>
@@ -8118,64 +7993,113 @@
       </p:grpSpPr>
       <p:sp>
         <p:nvSpPr>
-          <p:cNvPr id="2" name="Titolo 1"/>
-          <p:cNvSpPr>
-            <a:spLocks noGrp="1"/>
-          </p:cNvSpPr>
-          <p:nvPr>
-            <p:ph type="title"/>
-          </p:nvPr>
-        </p:nvSpPr>
-        <p:spPr/>
-        <p:txBody>
-          <a:bodyPr/>
-          <a:lstStyle/>
-          <a:p>
-            <a:endParaRPr lang="it-IT"/>
-          </a:p>
-        </p:txBody>
-      </p:sp>
-      <p:sp>
-        <p:nvSpPr>
-          <p:cNvPr id="3" name="Segnaposto contenuto 2"/>
-          <p:cNvSpPr>
-            <a:spLocks noGrp="1"/>
-          </p:cNvSpPr>
-          <p:nvPr>
-            <p:ph idx="1"/>
-          </p:nvPr>
-        </p:nvSpPr>
-        <p:spPr/>
-        <p:txBody>
-          <a:bodyPr/>
-          <a:lstStyle/>
-          <a:p>
-            <a:endParaRPr lang="it-IT"/>
-          </a:p>
-        </p:txBody>
-      </p:sp>
-      <p:sp>
-        <p:nvSpPr>
-          <p:cNvPr id="4" name="Segnaposto data 3"/>
-          <p:cNvSpPr>
-            <a:spLocks noGrp="1"/>
-          </p:cNvSpPr>
-          <p:nvPr>
-            <p:ph type="dt" sz="half" idx="10"/>
-          </p:nvPr>
-        </p:nvSpPr>
-        <p:spPr/>
-        <p:txBody>
-          <a:bodyPr/>
-          <a:lstStyle/>
-          <a:p>
-            <a:pPr rtl="0"/>
-            <a:fld id="{85E0D28E-6F2F-4715-A424-3B01AC64AD4B}" type="datetime1">
-              <a:rPr lang="it-IT" smtClean="0"/>
-              <a:pPr rtl="0"/>
-              <a:t>21/05/2020</a:t>
-            </a:fld>
-            <a:endParaRPr lang="en-US"/>
+          <p:cNvPr id="5" name="CasellaDiTesto 4"/>
+          <p:cNvSpPr txBox="1"/>
+          <p:nvPr/>
+        </p:nvSpPr>
+        <p:spPr>
+          <a:xfrm>
+            <a:off x="1012371" y="1469571"/>
+            <a:ext cx="10140043" cy="3785652"/>
+          </a:xfrm>
+          <a:prstGeom prst="rect">
+            <a:avLst/>
+          </a:prstGeom>
+          <a:noFill/>
+        </p:spPr>
+        <p:txBody>
+          <a:bodyPr wrap="square" rtlCol="0">
+            <a:spAutoFit/>
+          </a:bodyPr>
+          <a:lstStyle/>
+          <a:p>
+            <a:r>
+              <a:rPr lang="it-IT" sz="2400" smtClean="0">
+                <a:latin typeface="Times New Roman" pitchFamily="18" charset="0"/>
+                <a:cs typeface="Times New Roman" pitchFamily="18" charset="0"/>
+              </a:rPr>
+              <a:t>Dopo aver selezionato l’icona, questa apparirà nella Vector Drawable Preview.</a:t>
+            </a:r>
+          </a:p>
+          <a:p>
+            <a:r>
+              <a:rPr lang="it-IT" sz="2400" smtClean="0">
+                <a:latin typeface="Times New Roman" pitchFamily="18" charset="0"/>
+                <a:cs typeface="Times New Roman" pitchFamily="18" charset="0"/>
+              </a:rPr>
+              <a:t>Qui sarà possibile modificare alcune impostazioni, come il nome dell’icona, la grandezza, l’opacità o il mirroring right to left.</a:t>
+            </a:r>
+          </a:p>
+          <a:p>
+            <a:r>
+              <a:rPr lang="it-IT" sz="2400" b="1" smtClean="0">
+                <a:latin typeface="Times New Roman" pitchFamily="18" charset="0"/>
+                <a:cs typeface="Times New Roman" pitchFamily="18" charset="0"/>
+              </a:rPr>
+              <a:t>Nome</a:t>
+            </a:r>
+            <a:r>
+              <a:rPr lang="it-IT" sz="2400" smtClean="0">
+                <a:latin typeface="Times New Roman" pitchFamily="18" charset="0"/>
+                <a:cs typeface="Times New Roman" pitchFamily="18" charset="0"/>
+              </a:rPr>
+              <a:t>: inizialmente è quello predefinito. Quando viene cambiato, Vector Asset Studio crea un nome unico (aggiungendo eventualmente un numero alla fine).</a:t>
+            </a:r>
+          </a:p>
+          <a:p>
+            <a:pPr algn="just"/>
+            <a:r>
+              <a:rPr lang="it-IT" sz="2400" b="1" smtClean="0">
+                <a:latin typeface="Times New Roman" pitchFamily="18" charset="0"/>
+                <a:cs typeface="Times New Roman" pitchFamily="18" charset="0"/>
+              </a:rPr>
+              <a:t>Override</a:t>
+            </a:r>
+            <a:r>
+              <a:rPr lang="it-IT" sz="2400" smtClean="0">
+                <a:latin typeface="Times New Roman" pitchFamily="18" charset="0"/>
+                <a:cs typeface="Times New Roman" pitchFamily="18" charset="0"/>
+              </a:rPr>
+              <a:t>: selezionare se si vuole cambiare la grandezza dell’immagine. La grandezza predefinita è di 24x24 dp.</a:t>
+            </a:r>
+          </a:p>
+          <a:p>
+            <a:pPr algn="just"/>
+            <a:r>
+              <a:rPr lang="it-IT" sz="2400" b="1" smtClean="0">
+                <a:latin typeface="Times New Roman" pitchFamily="18" charset="0"/>
+                <a:cs typeface="Times New Roman" pitchFamily="18" charset="0"/>
+              </a:rPr>
+              <a:t>Opacità</a:t>
+            </a:r>
+            <a:r>
+              <a:rPr lang="it-IT" sz="2400" smtClean="0">
+                <a:latin typeface="Times New Roman" pitchFamily="18" charset="0"/>
+                <a:cs typeface="Times New Roman" pitchFamily="18" charset="0"/>
+              </a:rPr>
+              <a:t>: usare il cursore per cambiare l’opacità dell’immagine a piacimento.</a:t>
+            </a:r>
+          </a:p>
+          <a:p>
+            <a:pPr algn="just"/>
+            <a:r>
+              <a:rPr lang="it-IT" sz="2400" b="1" smtClean="0">
+                <a:latin typeface="Times New Roman" pitchFamily="18" charset="0"/>
+                <a:cs typeface="Times New Roman" pitchFamily="18" charset="0"/>
+              </a:rPr>
+              <a:t>Mirroring RTL</a:t>
+            </a:r>
+            <a:r>
+              <a:rPr lang="it-IT" sz="2400" smtClean="0">
+                <a:latin typeface="Times New Roman" pitchFamily="18" charset="0"/>
+                <a:cs typeface="Times New Roman" pitchFamily="18" charset="0"/>
+              </a:rPr>
+              <a:t>: selezionare se si vuole mostrare l’immagine specchiata quando il layout è da destra a sinistra, invece che da sinistra a destra.</a:t>
+            </a:r>
+            <a:endParaRPr lang="it-IT" sz="2400" b="1" smtClean="0">
+              <a:latin typeface="Times New Roman" pitchFamily="18" charset="0"/>
+              <a:cs typeface="Times New Roman" pitchFamily="18" charset="0"/>
+            </a:endParaRPr>
           </a:p>
         </p:txBody>
       </p:sp>
@@ -8204,56 +8128,41 @@
           <a:chExt cx="0" cy="0"/>
         </a:xfrm>
       </p:grpSpPr>
-      <p:pic>
-        <p:nvPicPr>
-          <p:cNvPr id="6" name="Segnaposto contenuto 5">
-            <a:extLst>
-              <a:ext uri="{FF2B5EF4-FFF2-40B4-BE49-F238E27FC236}">
-                <a16:creationId xmlns:a16="http://schemas.microsoft.com/office/drawing/2014/main" xmlns="" id="{4897E952-8496-4CAA-AE2B-A29C31AC6738}"/>
-              </a:ext>
-            </a:extLst>
-          </p:cNvPr>
-          <p:cNvPicPr>
-            <a:picLocks noGrp="1" noChangeAspect="1"/>
-          </p:cNvPicPr>
-          <p:nvPr>
-            <p:ph idx="1"/>
-          </p:nvPr>
-        </p:nvPicPr>
-        <p:blipFill rotWithShape="1">
-          <a:blip r:embed="rId2" cstate="print">
-            <a:extLst>
-              <a:ext uri="{28A0092B-C50C-407E-A947-70E740481C1C}">
-                <a14:useLocalDpi xmlns:a14="http://schemas.microsoft.com/office/drawing/2010/main" xmlns="" val="0"/>
-              </a:ext>
-            </a:extLst>
-          </a:blip>
-          <a:srcRect l="25258" t="20526" r="24827" b="20260"/>
-          <a:stretch/>
-        </p:blipFill>
+      <p:sp>
+        <p:nvSpPr>
+          <p:cNvPr id="4" name="Segnaposto data 3"/>
+          <p:cNvSpPr>
+            <a:spLocks noGrp="1"/>
+          </p:cNvSpPr>
+          <p:nvPr>
+            <p:ph type="dt" sz="half" idx="10"/>
+          </p:nvPr>
+        </p:nvSpPr>
+        <p:spPr/>
+        <p:txBody>
+          <a:bodyPr/>
+          <a:lstStyle/>
+          <a:p>
+            <a:pPr rtl="0"/>
+            <a:fld id="{85E0D28E-6F2F-4715-A424-3B01AC64AD4B}" type="datetime1">
+              <a:rPr lang="it-IT" smtClean="0"/>
+              <a:pPr rtl="0"/>
+              <a:t>07/06/2020</a:t>
+            </a:fld>
+            <a:endParaRPr lang="en-US"/>
+          </a:p>
+        </p:txBody>
+      </p:sp>
+      <p:sp>
+        <p:nvSpPr>
+          <p:cNvPr id="5" name="CasellaDiTesto 4"/>
+          <p:cNvSpPr txBox="1"/>
+          <p:nvPr/>
+        </p:nvSpPr>
         <p:spPr>
           <a:xfrm>
-            <a:off x="6339602" y="1589651"/>
-            <a:ext cx="5278325" cy="4004248"/>
-          </a:xfrm>
-        </p:spPr>
-      </p:pic>
-      <p:sp>
-        <p:nvSpPr>
-          <p:cNvPr id="7" name="CasellaDiTesto 6">
-            <a:extLst>
-              <a:ext uri="{FF2B5EF4-FFF2-40B4-BE49-F238E27FC236}">
-                <a16:creationId xmlns:a16="http://schemas.microsoft.com/office/drawing/2014/main" xmlns="" id="{A8F9857B-450C-442E-9A74-108F22887546}"/>
-              </a:ext>
-            </a:extLst>
-          </p:cNvPr>
-          <p:cNvSpPr txBox="1"/>
-          <p:nvPr/>
-        </p:nvSpPr>
-        <p:spPr>
-          <a:xfrm>
-            <a:off x="835331" y="2642165"/>
-            <a:ext cx="5278325" cy="1200329"/>
+            <a:off x="898072" y="1730829"/>
+            <a:ext cx="10384971" cy="3046988"/>
           </a:xfrm>
           <a:prstGeom prst="rect">
             <a:avLst/>
@@ -8266,37 +8175,59 @@
           </a:bodyPr>
           <a:lstStyle/>
           <a:p>
-            <a:pPr lvl="0"/>
-            <a:r>
-              <a:rPr lang="it-IT" sz="2400" dirty="0">
-                <a:latin typeface="Times New Roman" panose="02020603050405020304" pitchFamily="18" charset="0"/>
-                <a:cs typeface="Times New Roman" panose="02020603050405020304" pitchFamily="18" charset="0"/>
-              </a:rPr>
-              <a:t>Cliccando su Local file posso utilizzare un mio file SVG o PSD indicandone il </a:t>
-            </a:r>
-            <a:r>
-              <a:rPr lang="it-IT" sz="2400" dirty="0" err="1">
-                <a:latin typeface="Times New Roman" panose="02020603050405020304" pitchFamily="18" charset="0"/>
-                <a:cs typeface="Times New Roman" panose="02020603050405020304" pitchFamily="18" charset="0"/>
-              </a:rPr>
-              <a:t>Path</a:t>
-            </a:r>
-            <a:r>
-              <a:rPr lang="it-IT" sz="2400" dirty="0">
-                <a:latin typeface="Times New Roman" panose="02020603050405020304" pitchFamily="18" charset="0"/>
-                <a:cs typeface="Times New Roman" panose="02020603050405020304" pitchFamily="18" charset="0"/>
-              </a:rPr>
-              <a:t>. </a:t>
-            </a:r>
+            <a:r>
+              <a:rPr lang="it-IT" sz="2400" smtClean="0">
+                <a:latin typeface="Times New Roman" pitchFamily="18" charset="0"/>
+                <a:cs typeface="Times New Roman" pitchFamily="18" charset="0"/>
+              </a:rPr>
+              <a:t>Dopo aver cambiato le impostazioni, è possibile cambiare il modulo e la directory delle risorse selezionando il set di risorse in cui si vuole aggiungere il vector drawable.</a:t>
+            </a:r>
+          </a:p>
+          <a:p>
+            <a:r>
+              <a:rPr lang="it-IT" sz="2400" smtClean="0">
+                <a:latin typeface="Times New Roman" pitchFamily="18" charset="0"/>
+                <a:cs typeface="Times New Roman" pitchFamily="18" charset="0"/>
+              </a:rPr>
+              <a:t>Per definire un nuovo set, selezionare File &gt; Project Structure &gt; app &gt; Build Types.</a:t>
+            </a:r>
+          </a:p>
+          <a:p>
+            <a:endParaRPr lang="it-IT" sz="2400" smtClean="0">
+              <a:latin typeface="Times New Roman" pitchFamily="18" charset="0"/>
+              <a:cs typeface="Times New Roman" pitchFamily="18" charset="0"/>
+            </a:endParaRPr>
+          </a:p>
+          <a:p>
+            <a:r>
+              <a:rPr lang="it-IT" sz="2400" smtClean="0">
+                <a:latin typeface="Times New Roman" pitchFamily="18" charset="0"/>
+                <a:cs typeface="Times New Roman" pitchFamily="18" charset="0"/>
+              </a:rPr>
+              <a:t>Fatto questo, Vector Asset Studio aggiungerà un file XML al progetto, che definisce il vector drawable, e che viene messo nel folder </a:t>
+            </a:r>
+            <a:r>
+              <a:rPr lang="it-IT" sz="2200" smtClean="0">
+                <a:latin typeface="Courier New" pitchFamily="49" charset="0"/>
+                <a:cs typeface="Courier New" pitchFamily="49" charset="0"/>
+              </a:rPr>
+              <a:t>app/src/main/res/drawable</a:t>
+            </a:r>
+            <a:r>
+              <a:rPr lang="it-IT" sz="2400" smtClean="0">
+                <a:latin typeface="Times New Roman" pitchFamily="18" charset="0"/>
+                <a:cs typeface="Times New Roman" pitchFamily="18" charset="0"/>
+              </a:rPr>
+              <a:t>.</a:t>
+            </a:r>
+            <a:endParaRPr lang="it-IT" sz="2400">
+              <a:latin typeface="Courier New" pitchFamily="49" charset="0"/>
+              <a:cs typeface="Courier New" pitchFamily="49" charset="0"/>
+            </a:endParaRPr>
           </a:p>
         </p:txBody>
       </p:sp>
     </p:spTree>
-    <p:extLst>
-      <p:ext uri="{BB962C8B-B14F-4D97-AF65-F5344CB8AC3E}">
-        <p14:creationId xmlns:p14="http://schemas.microsoft.com/office/powerpoint/2010/main" xmlns="" val="2027082615"/>
-      </p:ext>
-    </p:extLst>
   </p:cSld>
   <p:clrMapOvr>
     <a:masterClrMapping/>
@@ -8321,12 +8252,71 @@
           <a:chExt cx="0" cy="0"/>
         </a:xfrm>
       </p:grpSpPr>
+      <p:sp>
+        <p:nvSpPr>
+          <p:cNvPr id="2" name="Titolo 1"/>
+          <p:cNvSpPr>
+            <a:spLocks noGrp="1"/>
+          </p:cNvSpPr>
+          <p:nvPr>
+            <p:ph type="title"/>
+          </p:nvPr>
+        </p:nvSpPr>
+        <p:spPr/>
+        <p:txBody>
+          <a:bodyPr/>
+          <a:lstStyle/>
+          <a:p>
+            <a:r>
+              <a:rPr lang="it-IT" smtClean="0"/>
+              <a:t>Importare un file SVG o PSD</a:t>
+            </a:r>
+            <a:endParaRPr lang="it-IT"/>
+          </a:p>
+        </p:txBody>
+      </p:sp>
+      <p:sp>
+        <p:nvSpPr>
+          <p:cNvPr id="6" name="CasellaDiTesto 5"/>
+          <p:cNvSpPr txBox="1"/>
+          <p:nvPr/>
+        </p:nvSpPr>
+        <p:spPr>
+          <a:xfrm>
+            <a:off x="1175657" y="3151415"/>
+            <a:ext cx="4098472" cy="1200329"/>
+          </a:xfrm>
+          <a:prstGeom prst="rect">
+            <a:avLst/>
+          </a:prstGeom>
+          <a:noFill/>
+        </p:spPr>
+        <p:txBody>
+          <a:bodyPr wrap="square" rtlCol="0">
+            <a:spAutoFit/>
+          </a:bodyPr>
+          <a:lstStyle/>
+          <a:p>
+            <a:r>
+              <a:rPr lang="it-IT" sz="2400" smtClean="0">
+                <a:latin typeface="Times New Roman" pitchFamily="18" charset="0"/>
+                <a:cs typeface="Times New Roman" pitchFamily="18" charset="0"/>
+              </a:rPr>
+              <a:t>Cliccando su Local File posso selezionare un mio file SVG o PSD indicandone il path.</a:t>
+            </a:r>
+            <a:endParaRPr lang="it-IT" sz="2400">
+              <a:latin typeface="Times New Roman" pitchFamily="18" charset="0"/>
+              <a:cs typeface="Times New Roman" pitchFamily="18" charset="0"/>
+            </a:endParaRPr>
+          </a:p>
+        </p:txBody>
+      </p:sp>
       <p:pic>
         <p:nvPicPr>
-          <p:cNvPr id="6" name="Segnaposto contenuto 5">
+          <p:cNvPr id="7" name="Segnaposto contenuto 5">
             <a:extLst>
               <a:ext uri="{FF2B5EF4-FFF2-40B4-BE49-F238E27FC236}">
-                <a16:creationId xmlns:a16="http://schemas.microsoft.com/office/drawing/2014/main" xmlns="" id="{61510913-41E3-435E-A44C-417D65A7502B}"/>
+                <a16:creationId xmlns="" xmlns:a16="http://schemas.microsoft.com/office/drawing/2014/main" id="{4897E952-8496-4CAA-AE2B-A29C31AC6738}"/>
               </a:ext>
             </a:extLst>
           </p:cNvPr>
@@ -8341,7 +8331,200 @@
           <a:blip r:embed="rId2" cstate="print">
             <a:extLst>
               <a:ext uri="{28A0092B-C50C-407E-A947-70E740481C1C}">
-                <a14:useLocalDpi xmlns:a14="http://schemas.microsoft.com/office/drawing/2010/main" xmlns="" val="0"/>
+                <a14:useLocalDpi xmlns="" xmlns:a14="http://schemas.microsoft.com/office/drawing/2010/main" val="0"/>
+              </a:ext>
+            </a:extLst>
+          </a:blip>
+          <a:srcRect l="25258" t="20526" r="24827" b="20260"/>
+          <a:stretch/>
+        </p:blipFill>
+        <p:spPr>
+          <a:xfrm>
+            <a:off x="5915060" y="2046851"/>
+            <a:ext cx="5278325" cy="4004248"/>
+          </a:xfrm>
+        </p:spPr>
+      </p:pic>
+    </p:spTree>
+  </p:cSld>
+  <p:clrMapOvr>
+    <a:masterClrMapping/>
+  </p:clrMapOvr>
+</p:sld>
+</file>
+
+<file path=ppt/slides/slide29.xml><?xml version="1.0" encoding="utf-8"?>
+<p:sld xmlns:a="http://schemas.openxmlformats.org/drawingml/2006/main" xmlns:r="http://schemas.openxmlformats.org/officeDocument/2006/relationships" xmlns:p="http://schemas.openxmlformats.org/presentationml/2006/main">
+  <p:cSld>
+    <p:spTree>
+      <p:nvGrpSpPr>
+        <p:cNvPr id="1" name=""/>
+        <p:cNvGrpSpPr/>
+        <p:nvPr/>
+      </p:nvGrpSpPr>
+      <p:grpSpPr>
+        <a:xfrm>
+          <a:off x="0" y="0"/>
+          <a:ext cx="0" cy="0"/>
+          <a:chOff x="0" y="0"/>
+          <a:chExt cx="0" cy="0"/>
+        </a:xfrm>
+      </p:grpSpPr>
+      <p:sp>
+        <p:nvSpPr>
+          <p:cNvPr id="3" name="Segnaposto contenuto 2"/>
+          <p:cNvSpPr>
+            <a:spLocks noGrp="1"/>
+          </p:cNvSpPr>
+          <p:nvPr>
+            <p:ph idx="1"/>
+          </p:nvPr>
+        </p:nvSpPr>
+        <p:spPr>
+          <a:xfrm>
+            <a:off x="751114" y="1890848"/>
+            <a:ext cx="5241472" cy="3849624"/>
+          </a:xfrm>
+        </p:spPr>
+        <p:txBody>
+          <a:bodyPr>
+            <a:noAutofit/>
+          </a:bodyPr>
+          <a:lstStyle/>
+          <a:p>
+            <a:pPr>
+              <a:lnSpc>
+                <a:spcPct val="100000"/>
+              </a:lnSpc>
+              <a:buNone/>
+            </a:pPr>
+            <a:r>
+              <a:rPr lang="it-IT" sz="2400" smtClean="0">
+                <a:latin typeface="Times New Roman" panose="02020603050405020304" pitchFamily="18" charset="0"/>
+                <a:cs typeface="Times New Roman" panose="02020603050405020304" pitchFamily="18" charset="0"/>
+              </a:rPr>
+              <a:t>In entrambi i casi </a:t>
+            </a:r>
+            <a:r>
+              <a:rPr lang="it-IT" sz="2400" smtClean="0">
+                <a:latin typeface="Times New Roman" panose="02020603050405020304" pitchFamily="18" charset="0"/>
+                <a:cs typeface="Times New Roman" panose="02020603050405020304" pitchFamily="18" charset="0"/>
+              </a:rPr>
+              <a:t>si </a:t>
+            </a:r>
+            <a:r>
+              <a:rPr lang="it-IT" sz="2400" smtClean="0">
+                <a:latin typeface="Times New Roman" panose="02020603050405020304" pitchFamily="18" charset="0"/>
+                <a:cs typeface="Times New Roman" panose="02020603050405020304" pitchFamily="18" charset="0"/>
+              </a:rPr>
+              <a:t>vedrà </a:t>
+            </a:r>
+            <a:r>
+              <a:rPr lang="it-IT" sz="2400" smtClean="0">
+                <a:latin typeface="Times New Roman" panose="02020603050405020304" pitchFamily="18" charset="0"/>
+                <a:cs typeface="Times New Roman" panose="02020603050405020304" pitchFamily="18" charset="0"/>
+              </a:rPr>
+              <a:t>un’anteprima </a:t>
+            </a:r>
+            <a:r>
+              <a:rPr lang="it-IT" sz="2400" smtClean="0">
+                <a:latin typeface="Times New Roman" panose="02020603050405020304" pitchFamily="18" charset="0"/>
+                <a:cs typeface="Times New Roman" panose="02020603050405020304" pitchFamily="18" charset="0"/>
+              </a:rPr>
+              <a:t>dell’immagine </a:t>
+            </a:r>
+            <a:r>
+              <a:rPr lang="it-IT" sz="2400" smtClean="0">
+                <a:latin typeface="Times New Roman" panose="02020603050405020304" pitchFamily="18" charset="0"/>
+                <a:cs typeface="Times New Roman" panose="02020603050405020304" pitchFamily="18" charset="0"/>
+              </a:rPr>
+              <a:t>scelta.</a:t>
+            </a:r>
+            <a:endParaRPr lang="it-IT" sz="2400" smtClean="0">
+              <a:latin typeface="Times New Roman" panose="02020603050405020304" pitchFamily="18" charset="0"/>
+              <a:cs typeface="Times New Roman" panose="02020603050405020304" pitchFamily="18" charset="0"/>
+            </a:endParaRPr>
+          </a:p>
+          <a:p>
+            <a:pPr>
+              <a:lnSpc>
+                <a:spcPct val="100000"/>
+              </a:lnSpc>
+              <a:buNone/>
+            </a:pPr>
+            <a:r>
+              <a:rPr lang="it-IT" sz="2400" smtClean="0">
+                <a:latin typeface="Times New Roman" panose="02020603050405020304" pitchFamily="18" charset="0"/>
+                <a:cs typeface="Times New Roman" panose="02020603050405020304" pitchFamily="18" charset="0"/>
+              </a:rPr>
+              <a:t>Nella pagina successiva si può vedere il file SML nella directory web/drawable.</a:t>
+            </a:r>
+          </a:p>
+          <a:p>
+            <a:pPr>
+              <a:lnSpc>
+                <a:spcPct val="100000"/>
+              </a:lnSpc>
+              <a:buNone/>
+            </a:pPr>
+            <a:r>
+              <a:rPr lang="it-IT" sz="2400" smtClean="0">
+                <a:latin typeface="Times New Roman" panose="02020603050405020304" pitchFamily="18" charset="0"/>
+                <a:cs typeface="Times New Roman" panose="02020603050405020304" pitchFamily="18" charset="0"/>
+              </a:rPr>
+              <a:t>Premendo Finish si conferma il Path in cui verrà salvata l’immagine.</a:t>
+            </a:r>
+            <a:endParaRPr lang="it-IT" sz="2400" dirty="0">
+              <a:latin typeface="Times New Roman" panose="02020603050405020304" pitchFamily="18" charset="0"/>
+              <a:cs typeface="Times New Roman" panose="02020603050405020304" pitchFamily="18" charset="0"/>
+            </a:endParaRPr>
+          </a:p>
+        </p:txBody>
+      </p:sp>
+      <p:sp>
+        <p:nvSpPr>
+          <p:cNvPr id="4" name="Segnaposto data 3"/>
+          <p:cNvSpPr>
+            <a:spLocks noGrp="1"/>
+          </p:cNvSpPr>
+          <p:nvPr>
+            <p:ph type="dt" sz="half" idx="10"/>
+          </p:nvPr>
+        </p:nvSpPr>
+        <p:spPr/>
+        <p:txBody>
+          <a:bodyPr/>
+          <a:lstStyle/>
+          <a:p>
+            <a:pPr rtl="0"/>
+            <a:fld id="{85E0D28E-6F2F-4715-A424-3B01AC64AD4B}" type="datetime1">
+              <a:rPr lang="it-IT" smtClean="0"/>
+              <a:pPr rtl="0"/>
+              <a:t>07/06/2020</a:t>
+            </a:fld>
+            <a:endParaRPr lang="en-US"/>
+          </a:p>
+        </p:txBody>
+      </p:sp>
+      <p:pic>
+        <p:nvPicPr>
+          <p:cNvPr id="5" name="Segnaposto contenuto 5">
+            <a:extLst>
+              <a:ext uri="{FF2B5EF4-FFF2-40B4-BE49-F238E27FC236}">
+                <a16:creationId xmlns="" xmlns:a16="http://schemas.microsoft.com/office/drawing/2014/main" id="{61510913-41E3-435E-A44C-417D65A7502B}"/>
+              </a:ext>
+            </a:extLst>
+          </p:cNvPr>
+          <p:cNvPicPr>
+            <a:picLocks noChangeAspect="1"/>
+          </p:cNvPicPr>
+          <p:nvPr/>
+        </p:nvPicPr>
+        <p:blipFill rotWithShape="1">
+          <a:blip r:embed="rId2" cstate="print">
+            <a:extLst>
+              <a:ext uri="{28A0092B-C50C-407E-A947-70E740481C1C}">
+                <a14:useLocalDpi xmlns="" xmlns:a14="http://schemas.microsoft.com/office/drawing/2010/main" val="0"/>
               </a:ext>
             </a:extLst>
           </a:blip>
@@ -8353,104 +8536,12 @@
             <a:off x="6145384" y="1393708"/>
             <a:ext cx="5404832" cy="4124739"/>
           </a:xfrm>
-        </p:spPr>
-      </p:pic>
-      <p:sp>
-        <p:nvSpPr>
-          <p:cNvPr id="7" name="CasellaDiTesto 6">
-            <a:extLst>
-              <a:ext uri="{FF2B5EF4-FFF2-40B4-BE49-F238E27FC236}">
-                <a16:creationId xmlns:a16="http://schemas.microsoft.com/office/drawing/2014/main" xmlns="" id="{465CF0FE-A526-4DBE-87C9-B123009D9FC8}"/>
-              </a:ext>
-            </a:extLst>
-          </p:cNvPr>
-          <p:cNvSpPr txBox="1"/>
-          <p:nvPr/>
-        </p:nvSpPr>
-        <p:spPr>
-          <a:xfrm>
-            <a:off x="785590" y="2193809"/>
-            <a:ext cx="5049078" cy="2246769"/>
-          </a:xfrm>
           <a:prstGeom prst="rect">
             <a:avLst/>
           </a:prstGeom>
-          <a:noFill/>
         </p:spPr>
-        <p:txBody>
-          <a:bodyPr wrap="square" rtlCol="0">
-            <a:spAutoFit/>
-          </a:bodyPr>
-          <a:lstStyle/>
-          <a:p>
-            <a:r>
-              <a:rPr lang="it-IT" sz="2000" dirty="0">
-                <a:latin typeface="Times New Roman" panose="02020603050405020304" pitchFamily="18" charset="0"/>
-                <a:cs typeface="Times New Roman" panose="02020603050405020304" pitchFamily="18" charset="0"/>
-              </a:rPr>
-              <a:t>In entrambi i casi si vede un’anteprima dell’immagine scelta</a:t>
-            </a:r>
-          </a:p>
-          <a:p>
-            <a:r>
-              <a:rPr lang="it-IT" sz="2000" dirty="0">
-                <a:latin typeface="Times New Roman" panose="02020603050405020304" pitchFamily="18" charset="0"/>
-                <a:cs typeface="Times New Roman" panose="02020603050405020304" pitchFamily="18" charset="0"/>
-              </a:rPr>
-              <a:t>Nella pagina successiva si può vedere il file SML nella directory web/</a:t>
-            </a:r>
-            <a:r>
-              <a:rPr lang="it-IT" sz="2000" dirty="0" err="1">
-                <a:latin typeface="Times New Roman" panose="02020603050405020304" pitchFamily="18" charset="0"/>
-                <a:cs typeface="Times New Roman" panose="02020603050405020304" pitchFamily="18" charset="0"/>
-              </a:rPr>
-              <a:t>drawable</a:t>
-            </a:r>
-            <a:r>
-              <a:rPr lang="it-IT" sz="2000" dirty="0">
-                <a:latin typeface="Times New Roman" panose="02020603050405020304" pitchFamily="18" charset="0"/>
-                <a:cs typeface="Times New Roman" panose="02020603050405020304" pitchFamily="18" charset="0"/>
-              </a:rPr>
-              <a:t>.</a:t>
-            </a:r>
-          </a:p>
-          <a:p>
-            <a:r>
-              <a:rPr lang="it-IT" sz="2000" dirty="0">
-                <a:latin typeface="Times New Roman" panose="02020603050405020304" pitchFamily="18" charset="0"/>
-                <a:cs typeface="Times New Roman" panose="02020603050405020304" pitchFamily="18" charset="0"/>
-              </a:rPr>
-              <a:t>Premendo Finish si conferma il </a:t>
-            </a:r>
-            <a:r>
-              <a:rPr lang="it-IT" sz="2000" dirty="0" err="1">
-                <a:latin typeface="Times New Roman" panose="02020603050405020304" pitchFamily="18" charset="0"/>
-                <a:cs typeface="Times New Roman" panose="02020603050405020304" pitchFamily="18" charset="0"/>
-              </a:rPr>
-              <a:t>Path</a:t>
-            </a:r>
-            <a:r>
-              <a:rPr lang="it-IT" sz="2000" dirty="0">
-                <a:latin typeface="Times New Roman" panose="02020603050405020304" pitchFamily="18" charset="0"/>
-                <a:cs typeface="Times New Roman" panose="02020603050405020304" pitchFamily="18" charset="0"/>
-              </a:rPr>
-              <a:t> in cui verrà salvata l’immagine.</a:t>
-            </a:r>
-          </a:p>
-          <a:p>
-            <a:endParaRPr lang="it-IT" sz="2000" dirty="0">
-              <a:latin typeface="Times New Roman" panose="02020603050405020304" pitchFamily="18" charset="0"/>
-              <a:cs typeface="Times New Roman" panose="02020603050405020304" pitchFamily="18" charset="0"/>
-            </a:endParaRPr>
-          </a:p>
-        </p:txBody>
-      </p:sp>
+      </p:pic>
     </p:spTree>
-    <p:extLst>
-      <p:ext uri="{BB962C8B-B14F-4D97-AF65-F5344CB8AC3E}">
-        <p14:creationId xmlns:p14="http://schemas.microsoft.com/office/powerpoint/2010/main" xmlns="" val="827250896"/>
-      </p:ext>
-    </p:extLst>
   </p:cSld>
   <p:clrMapOvr>
     <a:masterClrMapping/>
@@ -8477,13 +8568,7 @@
       </p:grpSpPr>
       <p:sp>
         <p:nvSpPr>
-          <p:cNvPr id="2" name="Titolo 1">
-            <a:extLst>
-              <a:ext uri="{FF2B5EF4-FFF2-40B4-BE49-F238E27FC236}">
-                <a16:creationId xmlns:a16="http://schemas.microsoft.com/office/drawing/2014/main" xmlns="" id="{353D50A2-DC09-42B6-89B9-3753B89C9AC8}"/>
-              </a:ext>
-            </a:extLst>
-          </p:cNvPr>
+          <p:cNvPr id="2" name="Titolo 1"/>
           <p:cNvSpPr>
             <a:spLocks noGrp="1"/>
           </p:cNvSpPr>
@@ -8497,35 +8582,681 @@
           <a:lstStyle/>
           <a:p>
             <a:r>
-              <a:rPr lang="it-IT" dirty="0">
-                <a:cs typeface="Times New Roman" panose="02020603050405020304" pitchFamily="18" charset="0"/>
-              </a:rPr>
-              <a:t>Immagine </a:t>
-            </a:r>
-            <a:r>
-              <a:rPr lang="it-IT" dirty="0" err="1">
-                <a:cs typeface="Times New Roman" panose="02020603050405020304" pitchFamily="18" charset="0"/>
-              </a:rPr>
-              <a:t>Raster</a:t>
-            </a:r>
-            <a:r>
-              <a:rPr lang="it-IT" dirty="0">
-                <a:cs typeface="Times New Roman" panose="02020603050405020304" pitchFamily="18" charset="0"/>
-              </a:rPr>
-              <a:t> o Bitmap</a:t>
-            </a:r>
-          </a:p>
-        </p:txBody>
-      </p:sp>
-      <p:sp>
-        <p:nvSpPr>
-          <p:cNvPr id="3" name="Segnaposto contenuto 2">
-            <a:extLst>
-              <a:ext uri="{FF2B5EF4-FFF2-40B4-BE49-F238E27FC236}">
-                <a16:creationId xmlns:a16="http://schemas.microsoft.com/office/drawing/2014/main" xmlns="" id="{F7BF9498-2030-41D6-B346-7142A4149882}"/>
-              </a:ext>
-            </a:extLst>
-          </p:cNvPr>
+              <a:rPr lang="it-IT" smtClean="0"/>
+              <a:t>Riguardo Vector Asset Studio</a:t>
+            </a:r>
+            <a:endParaRPr lang="it-IT"/>
+          </a:p>
+        </p:txBody>
+      </p:sp>
+      <p:sp>
+        <p:nvSpPr>
+          <p:cNvPr id="3" name="Segnaposto contenuto 2"/>
+          <p:cNvSpPr>
+            <a:spLocks noGrp="1"/>
+          </p:cNvSpPr>
+          <p:nvPr>
+            <p:ph idx="1"/>
+          </p:nvPr>
+        </p:nvSpPr>
+        <p:spPr/>
+        <p:txBody>
+          <a:bodyPr>
+            <a:normAutofit lnSpcReduction="10000"/>
+          </a:bodyPr>
+          <a:lstStyle/>
+          <a:p>
+            <a:pPr>
+              <a:buNone/>
+            </a:pPr>
+            <a:r>
+              <a:rPr lang="it-IT" sz="2400" smtClean="0">
+                <a:latin typeface="Times New Roman" pitchFamily="18" charset="0"/>
+                <a:cs typeface="Times New Roman" pitchFamily="18" charset="0"/>
+              </a:rPr>
+              <a:t>Vector Asset Studio aggiunge una grafica vettoriale al progetto con un file XML che descrive l’immagine.</a:t>
+            </a:r>
+          </a:p>
+          <a:p>
+            <a:pPr>
+              <a:buNone/>
+            </a:pPr>
+            <a:r>
+              <a:rPr lang="it-IT" sz="2400" smtClean="0">
+                <a:latin typeface="Times New Roman" pitchFamily="18" charset="0"/>
+                <a:cs typeface="Times New Roman" pitchFamily="18" charset="0"/>
+              </a:rPr>
+              <a:t>Le versioni da Android 4.4 (API level 20) e più vecchie non supportano i vector drawables. In questi casi con Vector Asset Studio si può solo generare file PNG (Portable Network Graphic) o usare la libreria di supporto.</a:t>
+            </a:r>
+          </a:p>
+          <a:p>
+            <a:pPr>
+              <a:buNone/>
+            </a:pPr>
+            <a:r>
+              <a:rPr lang="it-IT" sz="2400" smtClean="0">
+                <a:latin typeface="Times New Roman" pitchFamily="18" charset="0"/>
+                <a:cs typeface="Times New Roman" pitchFamily="18" charset="0"/>
+              </a:rPr>
+              <a:t>Per la retrocompatibilità, Vector Asset Studio genera immagini bitmap del vector drawable. I drawable sono nello stesso package nell’APK.</a:t>
+            </a:r>
+          </a:p>
+          <a:p>
+            <a:pPr>
+              <a:buNone/>
+            </a:pPr>
+            <a:r>
+              <a:rPr lang="it-IT" sz="2400" smtClean="0">
+                <a:latin typeface="Times New Roman" pitchFamily="18" charset="0"/>
+                <a:cs typeface="Times New Roman" pitchFamily="18" charset="0"/>
+              </a:rPr>
+              <a:t>Per fare riferimento ai vector drawables uso Drawable nel codice Java oppure </a:t>
+            </a:r>
+            <a:r>
+              <a:rPr lang="it-IT" sz="2400" smtClean="0">
+                <a:latin typeface="Courier New" pitchFamily="49" charset="0"/>
+                <a:cs typeface="Courier New" pitchFamily="49" charset="0"/>
+              </a:rPr>
+              <a:t>@drawable </a:t>
+            </a:r>
+            <a:r>
+              <a:rPr lang="it-IT" sz="2400" smtClean="0">
+                <a:latin typeface="Times New Roman" pitchFamily="18" charset="0"/>
+                <a:cs typeface="Times New Roman" pitchFamily="18" charset="0"/>
+              </a:rPr>
+              <a:t>in XML.</a:t>
+            </a:r>
+          </a:p>
+          <a:p>
+            <a:endParaRPr lang="it-IT"/>
+          </a:p>
+        </p:txBody>
+      </p:sp>
+      <p:sp>
+        <p:nvSpPr>
+          <p:cNvPr id="4" name="Segnaposto data 3"/>
+          <p:cNvSpPr>
+            <a:spLocks noGrp="1"/>
+          </p:cNvSpPr>
+          <p:nvPr>
+            <p:ph type="dt" sz="half" idx="10"/>
+          </p:nvPr>
+        </p:nvSpPr>
+        <p:spPr/>
+        <p:txBody>
+          <a:bodyPr/>
+          <a:lstStyle/>
+          <a:p>
+            <a:pPr rtl="0"/>
+            <a:fld id="{85E0D28E-6F2F-4715-A424-3B01AC64AD4B}" type="datetime1">
+              <a:rPr lang="it-IT" smtClean="0"/>
+              <a:pPr rtl="0"/>
+              <a:t>07/06/2020</a:t>
+            </a:fld>
+            <a:endParaRPr lang="en-US"/>
+          </a:p>
+        </p:txBody>
+      </p:sp>
+      <p:sp>
+        <p:nvSpPr>
+          <p:cNvPr id="5" name="CasellaDiTesto 4"/>
+          <p:cNvSpPr txBox="1"/>
+          <p:nvPr/>
+        </p:nvSpPr>
+        <p:spPr>
+          <a:xfrm>
+            <a:off x="1159329" y="5910943"/>
+            <a:ext cx="4261757" cy="307777"/>
+          </a:xfrm>
+          <a:prstGeom prst="rect">
+            <a:avLst/>
+          </a:prstGeom>
+          <a:noFill/>
+        </p:spPr>
+        <p:txBody>
+          <a:bodyPr wrap="square" rtlCol="0">
+            <a:spAutoFit/>
+          </a:bodyPr>
+          <a:lstStyle/>
+          <a:p>
+            <a:r>
+              <a:rPr lang="it-IT" sz="1400" smtClean="0">
+                <a:latin typeface="Arial Rounded MT Bold" pitchFamily="34" charset="0"/>
+                <a:ea typeface="Batang" pitchFamily="18" charset="-127"/>
+              </a:rPr>
+              <a:t>Vector Asset Studio - Introduzione</a:t>
+            </a:r>
+            <a:endParaRPr lang="it-IT" sz="1400">
+              <a:latin typeface="Arial Rounded MT Bold" pitchFamily="34" charset="0"/>
+              <a:ea typeface="Batang" pitchFamily="18" charset="-127"/>
+            </a:endParaRPr>
+          </a:p>
+        </p:txBody>
+      </p:sp>
+    </p:spTree>
+  </p:cSld>
+  <p:clrMapOvr>
+    <a:masterClrMapping/>
+  </p:clrMapOvr>
+</p:sld>
+</file>
+
+<file path=ppt/slides/slide30.xml><?xml version="1.0" encoding="utf-8"?>
+<p:sld xmlns:a="http://schemas.openxmlformats.org/drawingml/2006/main" xmlns:r="http://schemas.openxmlformats.org/officeDocument/2006/relationships" xmlns:p="http://schemas.openxmlformats.org/presentationml/2006/main">
+  <p:cSld>
+    <p:spTree>
+      <p:nvGrpSpPr>
+        <p:cNvPr id="1" name=""/>
+        <p:cNvGrpSpPr/>
+        <p:nvPr/>
+      </p:nvGrpSpPr>
+      <p:grpSpPr>
+        <a:xfrm>
+          <a:off x="0" y="0"/>
+          <a:ext cx="0" cy="0"/>
+          <a:chOff x="0" y="0"/>
+          <a:chExt cx="0" cy="0"/>
+        </a:xfrm>
+      </p:grpSpPr>
+      <p:sp>
+        <p:nvSpPr>
+          <p:cNvPr id="5" name="CasellaDiTesto 4"/>
+          <p:cNvSpPr txBox="1"/>
+          <p:nvPr/>
+        </p:nvSpPr>
+        <p:spPr>
+          <a:xfrm>
+            <a:off x="865416" y="2024742"/>
+            <a:ext cx="10531928" cy="2677656"/>
+          </a:xfrm>
+          <a:prstGeom prst="rect">
+            <a:avLst/>
+          </a:prstGeom>
+          <a:noFill/>
+        </p:spPr>
+        <p:txBody>
+          <a:bodyPr wrap="square" rtlCol="0">
+            <a:spAutoFit/>
+          </a:bodyPr>
+          <a:lstStyle/>
+          <a:p>
+            <a:r>
+              <a:rPr lang="it-IT" sz="2400" smtClean="0">
+                <a:latin typeface="Times New Roman" pitchFamily="18" charset="0"/>
+                <a:cs typeface="Times New Roman" pitchFamily="18" charset="0"/>
+              </a:rPr>
+              <a:t>Dopo aver scelto l’immagine desiderata, questa apparirà nella Vector Drawable Preview, e anche in questo caso è possibile modificare nome, grandezza, opacità e mirroring RTL allo stesso modo.</a:t>
+            </a:r>
+          </a:p>
+          <a:p>
+            <a:endParaRPr lang="it-IT" sz="2400" smtClean="0">
+              <a:latin typeface="Times New Roman" pitchFamily="18" charset="0"/>
+              <a:cs typeface="Times New Roman" pitchFamily="18" charset="0"/>
+            </a:endParaRPr>
+          </a:p>
+          <a:p>
+            <a:r>
+              <a:rPr lang="it-IT" sz="2400" smtClean="0">
+                <a:latin typeface="Times New Roman" pitchFamily="18" charset="0"/>
+                <a:cs typeface="Times New Roman" pitchFamily="18" charset="0"/>
+              </a:rPr>
+              <a:t>Poi bisogna scegliere il set di risorse in cui aggiungere il vector drawable e infine Vector Asset Studio aggiungerà un file XML al progetto. Dall’Android view della Project window è possibile vedere il file XML generato nel folder drawable.</a:t>
+            </a:r>
+            <a:endParaRPr lang="it-IT" sz="2400">
+              <a:latin typeface="Times New Roman" pitchFamily="18" charset="0"/>
+              <a:cs typeface="Times New Roman" pitchFamily="18" charset="0"/>
+            </a:endParaRPr>
+          </a:p>
+        </p:txBody>
+      </p:sp>
+    </p:spTree>
+  </p:cSld>
+  <p:clrMapOvr>
+    <a:masterClrMapping/>
+  </p:clrMapOvr>
+</p:sld>
+</file>
+
+<file path=ppt/slides/slide31.xml><?xml version="1.0" encoding="utf-8"?>
+<p:sld xmlns:a="http://schemas.openxmlformats.org/drawingml/2006/main" xmlns:r="http://schemas.openxmlformats.org/officeDocument/2006/relationships" xmlns:p="http://schemas.openxmlformats.org/presentationml/2006/main">
+  <p:cSld>
+    <p:spTree>
+      <p:nvGrpSpPr>
+        <p:cNvPr id="1" name=""/>
+        <p:cNvGrpSpPr/>
+        <p:nvPr/>
+      </p:nvGrpSpPr>
+      <p:grpSpPr>
+        <a:xfrm>
+          <a:off x="0" y="0"/>
+          <a:ext cx="0" cy="0"/>
+          <a:chOff x="0" y="0"/>
+          <a:chExt cx="0" cy="0"/>
+        </a:xfrm>
+      </p:grpSpPr>
+      <p:sp>
+        <p:nvSpPr>
+          <p:cNvPr id="2" name="Titolo 1"/>
+          <p:cNvSpPr>
+            <a:spLocks noGrp="1"/>
+          </p:cNvSpPr>
+          <p:nvPr>
+            <p:ph type="title"/>
+          </p:nvPr>
+        </p:nvSpPr>
+        <p:spPr/>
+        <p:txBody>
+          <a:bodyPr/>
+          <a:lstStyle/>
+          <a:p>
+            <a:r>
+              <a:rPr lang="it-IT" smtClean="0"/>
+              <a:t>Costruire il progetto</a:t>
+            </a:r>
+            <a:endParaRPr lang="it-IT"/>
+          </a:p>
+        </p:txBody>
+      </p:sp>
+      <p:sp>
+        <p:nvSpPr>
+          <p:cNvPr id="5" name="CasellaDiTesto 4"/>
+          <p:cNvSpPr txBox="1"/>
+          <p:nvPr/>
+        </p:nvSpPr>
+        <p:spPr>
+          <a:xfrm>
+            <a:off x="979714" y="2106386"/>
+            <a:ext cx="10287000" cy="3416320"/>
+          </a:xfrm>
+          <a:prstGeom prst="rect">
+            <a:avLst/>
+          </a:prstGeom>
+          <a:noFill/>
+        </p:spPr>
+        <p:txBody>
+          <a:bodyPr wrap="square" rtlCol="0">
+            <a:spAutoFit/>
+          </a:bodyPr>
+          <a:lstStyle/>
+          <a:p>
+            <a:r>
+              <a:rPr lang="it-IT" sz="2400" smtClean="0">
+                <a:latin typeface="Times New Roman" pitchFamily="18" charset="0"/>
+                <a:cs typeface="Times New Roman" pitchFamily="18" charset="0"/>
+              </a:rPr>
+              <a:t>Se il livello minimo dell’API è Android 4.4 (API level 20) o più basso e non è abilitata la libreria di supporto, Vector Asset Studio genererà in entrambi i casi un file PNG.</a:t>
+            </a:r>
+          </a:p>
+          <a:p>
+            <a:r>
+              <a:rPr lang="it-IT" sz="2400" smtClean="0">
+                <a:latin typeface="Times New Roman" pitchFamily="18" charset="0"/>
+                <a:cs typeface="Times New Roman" pitchFamily="18" charset="0"/>
+              </a:rPr>
+              <a:t>Dalla Project files view della Project window è possibile vedere il file PNG generato e i file XML nel folder </a:t>
+            </a:r>
+            <a:r>
+              <a:rPr lang="it-IT" sz="2200" smtClean="0">
+                <a:latin typeface="Courier New" pitchFamily="49" charset="0"/>
+                <a:cs typeface="Courier New" pitchFamily="49" charset="0"/>
+              </a:rPr>
+              <a:t>app/build/generated/res/pngs/debug</a:t>
+            </a:r>
+            <a:r>
+              <a:rPr lang="it-IT" sz="2400" smtClean="0">
+                <a:latin typeface="Courier New" pitchFamily="49" charset="0"/>
+                <a:cs typeface="Courier New" pitchFamily="49" charset="0"/>
+              </a:rPr>
+              <a:t>/</a:t>
+            </a:r>
+            <a:r>
+              <a:rPr lang="it-IT" sz="2400" smtClean="0">
+                <a:latin typeface="Times New Roman" pitchFamily="18" charset="0"/>
+                <a:cs typeface="Times New Roman" pitchFamily="18" charset="0"/>
+              </a:rPr>
+              <a:t>.</a:t>
+            </a:r>
+          </a:p>
+          <a:p>
+            <a:endParaRPr lang="it-IT" sz="2400" smtClean="0">
+              <a:latin typeface="Times New Roman" pitchFamily="18" charset="0"/>
+              <a:cs typeface="Times New Roman" pitchFamily="18" charset="0"/>
+            </a:endParaRPr>
+          </a:p>
+          <a:p>
+            <a:pPr algn="just"/>
+            <a:r>
+              <a:rPr lang="it-IT" sz="2400" b="1" smtClean="0">
+                <a:latin typeface="Times New Roman" pitchFamily="18" charset="0"/>
+                <a:cs typeface="Times New Roman" pitchFamily="18" charset="0"/>
+              </a:rPr>
+              <a:t>Best Practice</a:t>
+            </a:r>
+            <a:r>
+              <a:rPr lang="it-IT" sz="2400" smtClean="0">
+                <a:latin typeface="Times New Roman" pitchFamily="18" charset="0"/>
+                <a:cs typeface="Times New Roman" pitchFamily="18" charset="0"/>
+              </a:rPr>
+              <a:t>: è consigliato non modificare questi file generati, piuttosto lavorare sul file XML.</a:t>
+            </a:r>
+            <a:r>
+              <a:rPr lang="it-IT" sz="2400" smtClean="0">
+                <a:latin typeface="Courier New" pitchFamily="49" charset="0"/>
+                <a:cs typeface="Courier New" pitchFamily="49" charset="0"/>
+              </a:rPr>
+              <a:t> </a:t>
+            </a:r>
+            <a:endParaRPr lang="it-IT" sz="2400" smtClean="0">
+              <a:latin typeface="Times New Roman" pitchFamily="18" charset="0"/>
+              <a:cs typeface="Times New Roman" pitchFamily="18" charset="0"/>
+            </a:endParaRPr>
+          </a:p>
+          <a:p>
+            <a:endParaRPr lang="it-IT" sz="2400">
+              <a:latin typeface="Times New Roman" pitchFamily="18" charset="0"/>
+              <a:cs typeface="Times New Roman" pitchFamily="18" charset="0"/>
+            </a:endParaRPr>
+          </a:p>
+        </p:txBody>
+      </p:sp>
+    </p:spTree>
+  </p:cSld>
+  <p:clrMapOvr>
+    <a:masterClrMapping/>
+  </p:clrMapOvr>
+</p:sld>
+</file>
+
+<file path=ppt/slides/slide32.xml><?xml version="1.0" encoding="utf-8"?>
+<p:sld xmlns:a="http://schemas.openxmlformats.org/drawingml/2006/main" xmlns:r="http://schemas.openxmlformats.org/officeDocument/2006/relationships" xmlns:p="http://schemas.openxmlformats.org/presentationml/2006/main">
+  <p:cSld>
+    <p:spTree>
+      <p:nvGrpSpPr>
+        <p:cNvPr id="1" name=""/>
+        <p:cNvGrpSpPr/>
+        <p:nvPr/>
+      </p:nvGrpSpPr>
+      <p:grpSpPr>
+        <a:xfrm>
+          <a:off x="0" y="0"/>
+          <a:ext cx="0" cy="0"/>
+          <a:chOff x="0" y="0"/>
+          <a:chExt cx="0" cy="0"/>
+        </a:xfrm>
+      </p:grpSpPr>
+      <p:sp>
+        <p:nvSpPr>
+          <p:cNvPr id="2" name="Titolo 1"/>
+          <p:cNvSpPr>
+            <a:spLocks noGrp="1"/>
+          </p:cNvSpPr>
+          <p:nvPr>
+            <p:ph type="title"/>
+          </p:nvPr>
+        </p:nvSpPr>
+        <p:spPr>
+          <a:xfrm>
+            <a:off x="1066800" y="642594"/>
+            <a:ext cx="10706100" cy="1371600"/>
+          </a:xfrm>
+        </p:spPr>
+        <p:txBody>
+          <a:bodyPr/>
+          <a:lstStyle/>
+          <a:p>
+            <a:r>
+              <a:rPr lang="it-IT" smtClean="0"/>
+              <a:t>Aggiungere un vector drawable al layout</a:t>
+            </a:r>
+            <a:endParaRPr lang="it-IT"/>
+          </a:p>
+        </p:txBody>
+      </p:sp>
+      <p:sp>
+        <p:nvSpPr>
+          <p:cNvPr id="5" name="CasellaDiTesto 4"/>
+          <p:cNvSpPr txBox="1"/>
+          <p:nvPr/>
+        </p:nvSpPr>
+        <p:spPr>
+          <a:xfrm>
+            <a:off x="1012371" y="2710542"/>
+            <a:ext cx="3477986" cy="1938992"/>
+          </a:xfrm>
+          <a:prstGeom prst="rect">
+            <a:avLst/>
+          </a:prstGeom>
+          <a:noFill/>
+        </p:spPr>
+        <p:txBody>
+          <a:bodyPr wrap="square" rtlCol="0">
+            <a:spAutoFit/>
+          </a:bodyPr>
+          <a:lstStyle/>
+          <a:p>
+            <a:r>
+              <a:rPr lang="it-IT" sz="2400" smtClean="0">
+                <a:latin typeface="Times New Roman" pitchFamily="18" charset="0"/>
+                <a:cs typeface="Times New Roman" pitchFamily="18" charset="0"/>
+              </a:rPr>
+              <a:t>Nel layout è possibile impostare qualsiasi widget relativo alle icone per indicare un vector drawable.</a:t>
+            </a:r>
+            <a:endParaRPr lang="it-IT" sz="2400">
+              <a:latin typeface="Times New Roman" pitchFamily="18" charset="0"/>
+              <a:cs typeface="Times New Roman" pitchFamily="18" charset="0"/>
+            </a:endParaRPr>
+          </a:p>
+        </p:txBody>
+      </p:sp>
+      <p:pic>
+        <p:nvPicPr>
+          <p:cNvPr id="6" name="Immagine 5" descr="https://developer.android.com/images/tools/vas-layout_2-2_2x.png"/>
+          <p:cNvPicPr/>
+          <p:nvPr/>
+        </p:nvPicPr>
+        <p:blipFill>
+          <a:blip r:embed="rId2" cstate="print"/>
+          <a:srcRect/>
+          <a:stretch>
+            <a:fillRect/>
+          </a:stretch>
+        </p:blipFill>
+        <p:spPr bwMode="auto">
+          <a:xfrm>
+            <a:off x="4475483" y="1926771"/>
+            <a:ext cx="7123553" cy="4172769"/>
+          </a:xfrm>
+          <a:prstGeom prst="rect">
+            <a:avLst/>
+          </a:prstGeom>
+          <a:noFill/>
+          <a:ln w="9525">
+            <a:noFill/>
+            <a:miter lim="800000"/>
+            <a:headEnd/>
+            <a:tailEnd/>
+          </a:ln>
+        </p:spPr>
+      </p:pic>
+    </p:spTree>
+  </p:cSld>
+  <p:clrMapOvr>
+    <a:masterClrMapping/>
+  </p:clrMapOvr>
+</p:sld>
+</file>
+
+<file path=ppt/slides/slide33.xml><?xml version="1.0" encoding="utf-8"?>
+<p:sld xmlns:a="http://schemas.openxmlformats.org/drawingml/2006/main" xmlns:r="http://schemas.openxmlformats.org/officeDocument/2006/relationships" xmlns:p="http://schemas.openxmlformats.org/presentationml/2006/main">
+  <p:cSld>
+    <p:spTree>
+      <p:nvGrpSpPr>
+        <p:cNvPr id="1" name=""/>
+        <p:cNvGrpSpPr/>
+        <p:nvPr/>
+      </p:nvGrpSpPr>
+      <p:grpSpPr>
+        <a:xfrm>
+          <a:off x="0" y="0"/>
+          <a:ext cx="0" cy="0"/>
+          <a:chOff x="0" y="0"/>
+          <a:chExt cx="0" cy="0"/>
+        </a:xfrm>
+      </p:grpSpPr>
+      <p:sp>
+        <p:nvSpPr>
+          <p:cNvPr id="2" name="Titolo 1"/>
+          <p:cNvSpPr>
+            <a:spLocks noGrp="1"/>
+          </p:cNvSpPr>
+          <p:nvPr>
+            <p:ph type="title"/>
+          </p:nvPr>
+        </p:nvSpPr>
+        <p:spPr/>
+        <p:txBody>
+          <a:bodyPr/>
+          <a:lstStyle/>
+          <a:p>
+            <a:r>
+              <a:rPr lang="it-IT" smtClean="0"/>
+              <a:t>Mostrare vector drawable su widget</a:t>
+            </a:r>
+            <a:endParaRPr lang="it-IT"/>
+          </a:p>
+        </p:txBody>
+      </p:sp>
+      <p:sp>
+        <p:nvSpPr>
+          <p:cNvPr id="3" name="Segnaposto contenuto 2"/>
+          <p:cNvSpPr>
+            <a:spLocks noGrp="1"/>
+          </p:cNvSpPr>
+          <p:nvPr>
+            <p:ph idx="1"/>
+          </p:nvPr>
+        </p:nvSpPr>
+        <p:spPr/>
+        <p:txBody>
+          <a:bodyPr/>
+          <a:lstStyle/>
+          <a:p>
+            <a:r>
+              <a:rPr lang="it-IT" sz="2400" smtClean="0">
+                <a:latin typeface="Times New Roman" pitchFamily="18" charset="0"/>
+                <a:cs typeface="Times New Roman" pitchFamily="18" charset="0"/>
+              </a:rPr>
+              <a:t>Aprire il progetto e importare un vector drawable.</a:t>
+            </a:r>
+          </a:p>
+          <a:p>
+            <a:r>
+              <a:rPr lang="it-IT" sz="2400" smtClean="0">
+                <a:latin typeface="Times New Roman" pitchFamily="18" charset="0"/>
+                <a:cs typeface="Times New Roman" pitchFamily="18" charset="0"/>
+              </a:rPr>
+              <a:t>Nella Android view della Project window, fare doppio click sul file layout XML</a:t>
+            </a:r>
+          </a:p>
+          <a:p>
+            <a:r>
+              <a:rPr lang="it-IT" sz="2400" smtClean="0">
+                <a:latin typeface="Times New Roman" pitchFamily="18" charset="0"/>
+                <a:cs typeface="Times New Roman" pitchFamily="18" charset="0"/>
+              </a:rPr>
+              <a:t>Cliccare l’icona Design per mostrare l’editor di layout</a:t>
+            </a:r>
+          </a:p>
+          <a:p>
+            <a:r>
+              <a:rPr lang="it-IT" sz="2400" smtClean="0">
+                <a:latin typeface="Times New Roman" pitchFamily="18" charset="0"/>
+                <a:cs typeface="Times New Roman" pitchFamily="18" charset="0"/>
+              </a:rPr>
+              <a:t>Trascina un widget (per esempio un ImageButton) dalla Palette nell’editor di layout</a:t>
+            </a:r>
+          </a:p>
+          <a:p>
+            <a:endParaRPr lang="it-IT"/>
+          </a:p>
+        </p:txBody>
+      </p:sp>
+      <p:sp>
+        <p:nvSpPr>
+          <p:cNvPr id="4" name="Segnaposto data 3"/>
+          <p:cNvSpPr>
+            <a:spLocks noGrp="1"/>
+          </p:cNvSpPr>
+          <p:nvPr>
+            <p:ph type="dt" sz="half" idx="10"/>
+          </p:nvPr>
+        </p:nvSpPr>
+        <p:spPr/>
+        <p:txBody>
+          <a:bodyPr/>
+          <a:lstStyle/>
+          <a:p>
+            <a:pPr rtl="0"/>
+            <a:fld id="{85E0D28E-6F2F-4715-A424-3B01AC64AD4B}" type="datetime1">
+              <a:rPr lang="it-IT" smtClean="0"/>
+              <a:pPr rtl="0"/>
+              <a:t>07/06/2020</a:t>
+            </a:fld>
+            <a:endParaRPr lang="en-US"/>
+          </a:p>
+        </p:txBody>
+      </p:sp>
+    </p:spTree>
+  </p:cSld>
+  <p:clrMapOvr>
+    <a:masterClrMapping/>
+  </p:clrMapOvr>
+</p:sld>
+</file>
+
+<file path=ppt/slides/slide34.xml><?xml version="1.0" encoding="utf-8"?>
+<p:sld xmlns:a="http://schemas.openxmlformats.org/drawingml/2006/main" xmlns:r="http://schemas.openxmlformats.org/officeDocument/2006/relationships" xmlns:p="http://schemas.openxmlformats.org/presentationml/2006/main">
+  <p:cSld>
+    <p:spTree>
+      <p:nvGrpSpPr>
+        <p:cNvPr id="1" name=""/>
+        <p:cNvGrpSpPr/>
+        <p:nvPr/>
+      </p:nvGrpSpPr>
+      <p:grpSpPr>
+        <a:xfrm>
+          <a:off x="0" y="0"/>
+          <a:ext cx="0" cy="0"/>
+          <a:chOff x="0" y="0"/>
+          <a:chExt cx="0" cy="0"/>
+        </a:xfrm>
+      </p:grpSpPr>
+      <p:sp>
+        <p:nvSpPr>
+          <p:cNvPr id="2" name="Titolo 1"/>
+          <p:cNvSpPr>
+            <a:spLocks noGrp="1"/>
+          </p:cNvSpPr>
+          <p:nvPr>
+            <p:ph type="title"/>
+          </p:nvPr>
+        </p:nvSpPr>
+        <p:spPr/>
+        <p:txBody>
+          <a:bodyPr/>
+          <a:lstStyle/>
+          <a:p>
+            <a:r>
+              <a:rPr lang="it-IT" smtClean="0"/>
+              <a:t>Mostrare vector drawable su widget</a:t>
+            </a:r>
+            <a:endParaRPr lang="it-IT"/>
+          </a:p>
+        </p:txBody>
+      </p:sp>
+      <p:sp>
+        <p:nvSpPr>
+          <p:cNvPr id="3" name="Segnaposto contenuto 2"/>
           <p:cNvSpPr>
             <a:spLocks noGrp="1"/>
           </p:cNvSpPr>
@@ -8541,39 +9272,1298 @@
           <a:lstStyle/>
           <a:p>
             <a:r>
-              <a:rPr lang="it-IT" sz="3200" dirty="0">
-                <a:latin typeface="Times New Roman" panose="02020603050405020304" pitchFamily="18" charset="0"/>
-                <a:cs typeface="Times New Roman" panose="02020603050405020304" pitchFamily="18" charset="0"/>
-              </a:rPr>
-              <a:t>Immagini fotografiche (scattate per esempio con lo smartphone) che possono essere in formato JPG, PNG, GIF oppure TIFF.</a:t>
-            </a:r>
-          </a:p>
-          <a:p>
-            <a:pPr marL="0" indent="0">
+              <a:rPr lang="it-IT" sz="2400" smtClean="0">
+                <a:latin typeface="Times New Roman" pitchFamily="18" charset="0"/>
+                <a:cs typeface="Times New Roman" pitchFamily="18" charset="0"/>
+              </a:rPr>
+              <a:t>Nella finestra Resources, selezionare Drawable nel pannello di sinistra, poi selezionare il vector drawable importato e dare l’OK. Il vector drawable apparirà nell’ImageButton nel layout.</a:t>
+            </a:r>
+          </a:p>
+          <a:p>
+            <a:pPr>
               <a:buNone/>
             </a:pPr>
-            <a:endParaRPr lang="it-IT" sz="3200" dirty="0">
-              <a:latin typeface="Times New Roman" panose="02020603050405020304" pitchFamily="18" charset="0"/>
-              <a:cs typeface="Times New Roman" panose="02020603050405020304" pitchFamily="18" charset="0"/>
+            <a:r>
+              <a:rPr lang="it-IT" sz="2400" smtClean="0">
+                <a:latin typeface="Times New Roman" pitchFamily="18" charset="0"/>
+                <a:cs typeface="Times New Roman" pitchFamily="18" charset="0"/>
+              </a:rPr>
+              <a:t> </a:t>
+            </a:r>
+            <a:r>
+              <a:rPr lang="it-IT" sz="2400" smtClean="0">
+                <a:latin typeface="Times New Roman" pitchFamily="18" charset="0"/>
+                <a:cs typeface="Times New Roman" pitchFamily="18" charset="0"/>
+              </a:rPr>
+              <a:t>//mettere qualche screen in questa slide e quella precedente</a:t>
+            </a:r>
+          </a:p>
+          <a:p>
+            <a:pPr>
+              <a:buNone/>
+            </a:pPr>
+            <a:r>
+              <a:rPr lang="it-IT" sz="2400" smtClean="0">
+                <a:latin typeface="Times New Roman" pitchFamily="18" charset="0"/>
+                <a:cs typeface="Times New Roman" pitchFamily="18" charset="0"/>
+              </a:rPr>
+              <a:t> </a:t>
+            </a:r>
+            <a:r>
+              <a:rPr lang="it-IT" sz="2400" smtClean="0">
+                <a:latin typeface="Times New Roman" pitchFamily="18" charset="0"/>
+                <a:cs typeface="Times New Roman" pitchFamily="18" charset="0"/>
+              </a:rPr>
+              <a:t>// anche una per ogni punto o ogni due punti e fare più slide</a:t>
+            </a:r>
+          </a:p>
+        </p:txBody>
+      </p:sp>
+      <p:sp>
+        <p:nvSpPr>
+          <p:cNvPr id="4" name="Segnaposto data 3"/>
+          <p:cNvSpPr>
+            <a:spLocks noGrp="1"/>
+          </p:cNvSpPr>
+          <p:nvPr>
+            <p:ph type="dt" sz="half" idx="10"/>
+          </p:nvPr>
+        </p:nvSpPr>
+        <p:spPr/>
+        <p:txBody>
+          <a:bodyPr/>
+          <a:lstStyle/>
+          <a:p>
+            <a:pPr rtl="0"/>
+            <a:fld id="{85E0D28E-6F2F-4715-A424-3B01AC64AD4B}" type="datetime1">
+              <a:rPr lang="it-IT" smtClean="0"/>
+              <a:pPr rtl="0"/>
+              <a:t>07/06/2020</a:t>
+            </a:fld>
+            <a:endParaRPr lang="en-US"/>
+          </a:p>
+        </p:txBody>
+      </p:sp>
+    </p:spTree>
+  </p:cSld>
+  <p:clrMapOvr>
+    <a:masterClrMapping/>
+  </p:clrMapOvr>
+</p:sld>
+</file>
+
+<file path=ppt/slides/slide35.xml><?xml version="1.0" encoding="utf-8"?>
+<p:sld xmlns:a="http://schemas.openxmlformats.org/drawingml/2006/main" xmlns:r="http://schemas.openxmlformats.org/officeDocument/2006/relationships" xmlns:p="http://schemas.openxmlformats.org/presentationml/2006/main">
+  <p:cSld>
+    <p:spTree>
+      <p:nvGrpSpPr>
+        <p:cNvPr id="1" name=""/>
+        <p:cNvGrpSpPr/>
+        <p:nvPr/>
+      </p:nvGrpSpPr>
+      <p:grpSpPr>
+        <a:xfrm>
+          <a:off x="0" y="0"/>
+          <a:ext cx="0" cy="0"/>
+          <a:chOff x="0" y="0"/>
+          <a:chExt cx="0" cy="0"/>
+        </a:xfrm>
+      </p:grpSpPr>
+      <p:sp>
+        <p:nvSpPr>
+          <p:cNvPr id="2" name="Titolo 1"/>
+          <p:cNvSpPr>
+            <a:spLocks noGrp="1"/>
+          </p:cNvSpPr>
+          <p:nvPr>
+            <p:ph type="title"/>
+          </p:nvPr>
+        </p:nvSpPr>
+        <p:spPr/>
+        <p:txBody>
+          <a:bodyPr/>
+          <a:lstStyle/>
+          <a:p>
+            <a:r>
+              <a:rPr lang="it-IT" smtClean="0"/>
+              <a:t>Mostrare vector drawable su widget</a:t>
+            </a:r>
+            <a:endParaRPr lang="it-IT"/>
+          </a:p>
+        </p:txBody>
+      </p:sp>
+      <p:sp>
+        <p:nvSpPr>
+          <p:cNvPr id="3" name="Segnaposto contenuto 2"/>
+          <p:cNvSpPr>
+            <a:spLocks noGrp="1"/>
+          </p:cNvSpPr>
+          <p:nvPr>
+            <p:ph idx="1"/>
+          </p:nvPr>
+        </p:nvSpPr>
+        <p:spPr/>
+        <p:txBody>
+          <a:bodyPr>
+            <a:normAutofit/>
+          </a:bodyPr>
+          <a:lstStyle/>
+          <a:p>
+            <a:r>
+              <a:rPr lang="it-IT" sz="2400" smtClean="0">
+                <a:latin typeface="Times New Roman" pitchFamily="18" charset="0"/>
+                <a:cs typeface="Times New Roman" pitchFamily="18" charset="0"/>
+              </a:rPr>
+              <a:t>Per cambiare il colore dell’immagine nell’accent color, andare su Proprietà e cliccare sui tre puntini accanto a Tint.</a:t>
+            </a:r>
+          </a:p>
+          <a:p>
+            <a:r>
+              <a:rPr lang="it-IT" sz="2400" smtClean="0">
+                <a:latin typeface="Times New Roman" pitchFamily="18" charset="0"/>
+                <a:cs typeface="Times New Roman" pitchFamily="18" charset="0"/>
+              </a:rPr>
+              <a:t>Nella finestra Resources, cliccare su Color nel pannello sinistro, selezionare colorAccent e dare l’OK.</a:t>
+            </a:r>
+          </a:p>
+          <a:p>
+            <a:endParaRPr lang="it-IT" sz="2400" smtClean="0">
+              <a:latin typeface="Times New Roman" pitchFamily="18" charset="0"/>
+              <a:cs typeface="Times New Roman" pitchFamily="18" charset="0"/>
             </a:endParaRPr>
           </a:p>
           <a:p>
-            <a:r>
-              <a:rPr lang="it-IT" sz="3200" dirty="0">
-                <a:latin typeface="Times New Roman" panose="02020603050405020304" pitchFamily="18" charset="0"/>
-                <a:cs typeface="Times New Roman" panose="02020603050405020304" pitchFamily="18" charset="0"/>
-              </a:rPr>
-              <a:t>Dimensione e risoluzione propria.</a:t>
-            </a:r>
+            <a:pPr>
+              <a:buNone/>
+            </a:pPr>
+            <a:r>
+              <a:rPr lang="it-IT" sz="2400" smtClean="0">
+                <a:latin typeface="Times New Roman" pitchFamily="18" charset="0"/>
+                <a:cs typeface="Times New Roman" pitchFamily="18" charset="0"/>
+              </a:rPr>
+              <a:t>//anche qua caricare uno due screen</a:t>
+            </a:r>
+            <a:endParaRPr lang="it-IT" sz="2400">
+              <a:latin typeface="Times New Roman" pitchFamily="18" charset="0"/>
+              <a:cs typeface="Times New Roman" pitchFamily="18" charset="0"/>
+            </a:endParaRPr>
+          </a:p>
+        </p:txBody>
+      </p:sp>
+      <p:sp>
+        <p:nvSpPr>
+          <p:cNvPr id="4" name="Segnaposto data 3"/>
+          <p:cNvSpPr>
+            <a:spLocks noGrp="1"/>
+          </p:cNvSpPr>
+          <p:nvPr>
+            <p:ph type="dt" sz="half" idx="10"/>
+          </p:nvPr>
+        </p:nvSpPr>
+        <p:spPr/>
+        <p:txBody>
+          <a:bodyPr/>
+          <a:lstStyle/>
+          <a:p>
+            <a:pPr rtl="0"/>
+            <a:fld id="{85E0D28E-6F2F-4715-A424-3B01AC64AD4B}" type="datetime1">
+              <a:rPr lang="it-IT" smtClean="0"/>
+              <a:pPr rtl="0"/>
+              <a:t>07/06/2020</a:t>
+            </a:fld>
+            <a:endParaRPr lang="en-US"/>
           </a:p>
         </p:txBody>
       </p:sp>
     </p:spTree>
-    <p:extLst>
-      <p:ext uri="{BB962C8B-B14F-4D97-AF65-F5344CB8AC3E}">
-        <p14:creationId xmlns:p14="http://schemas.microsoft.com/office/powerpoint/2010/main" xmlns="" val="237379470"/>
-      </p:ext>
-    </p:extLst>
+  </p:cSld>
+  <p:clrMapOvr>
+    <a:masterClrMapping/>
+  </p:clrMapOvr>
+</p:sld>
+</file>
+
+<file path=ppt/slides/slide36.xml><?xml version="1.0" encoding="utf-8"?>
+<p:sld xmlns:a="http://schemas.openxmlformats.org/drawingml/2006/main" xmlns:r="http://schemas.openxmlformats.org/officeDocument/2006/relationships" xmlns:p="http://schemas.openxmlformats.org/presentationml/2006/main">
+  <p:cSld>
+    <p:spTree>
+      <p:nvGrpSpPr>
+        <p:cNvPr id="1" name=""/>
+        <p:cNvGrpSpPr/>
+        <p:nvPr/>
+      </p:nvGrpSpPr>
+      <p:grpSpPr>
+        <a:xfrm>
+          <a:off x="0" y="0"/>
+          <a:ext cx="0" cy="0"/>
+          <a:chOff x="0" y="0"/>
+          <a:chExt cx="0" cy="0"/>
+        </a:xfrm>
+      </p:grpSpPr>
+      <p:sp>
+        <p:nvSpPr>
+          <p:cNvPr id="2" name="Titolo 1"/>
+          <p:cNvSpPr>
+            <a:spLocks noGrp="1"/>
+          </p:cNvSpPr>
+          <p:nvPr>
+            <p:ph type="title"/>
+          </p:nvPr>
+        </p:nvSpPr>
+        <p:spPr/>
+        <p:txBody>
+          <a:bodyPr/>
+          <a:lstStyle/>
+          <a:p>
+            <a:r>
+              <a:rPr lang="it-IT" smtClean="0"/>
+              <a:t>Mostrare vector drawable su widget</a:t>
+            </a:r>
+            <a:endParaRPr lang="it-IT"/>
+          </a:p>
+        </p:txBody>
+      </p:sp>
+      <p:sp>
+        <p:nvSpPr>
+          <p:cNvPr id="4" name="Segnaposto data 3"/>
+          <p:cNvSpPr>
+            <a:spLocks noGrp="1"/>
+          </p:cNvSpPr>
+          <p:nvPr>
+            <p:ph type="dt" sz="half" idx="10"/>
+          </p:nvPr>
+        </p:nvSpPr>
+        <p:spPr/>
+        <p:txBody>
+          <a:bodyPr/>
+          <a:lstStyle/>
+          <a:p>
+            <a:pPr rtl="0"/>
+            <a:fld id="{85E0D28E-6F2F-4715-A424-3B01AC64AD4B}" type="datetime1">
+              <a:rPr lang="it-IT" smtClean="0"/>
+              <a:pPr rtl="0"/>
+              <a:t>07/06/2020</a:t>
+            </a:fld>
+            <a:endParaRPr lang="en-US"/>
+          </a:p>
+        </p:txBody>
+      </p:sp>
+      <p:sp>
+        <p:nvSpPr>
+          <p:cNvPr id="5" name="Segnaposto contenuto 2"/>
+          <p:cNvSpPr txBox="1">
+            <a:spLocks/>
+          </p:cNvSpPr>
+          <p:nvPr/>
+        </p:nvSpPr>
+        <p:spPr>
+          <a:xfrm>
+            <a:off x="1066800" y="1923506"/>
+            <a:ext cx="10058400" cy="3849624"/>
+          </a:xfrm>
+          <a:prstGeom prst="rect">
+            <a:avLst/>
+          </a:prstGeom>
+        </p:spPr>
+        <p:txBody>
+          <a:bodyPr vert="horz" lIns="91440" tIns="45720" rIns="91440" bIns="45720" rtlCol="0">
+            <a:normAutofit fontScale="92500" lnSpcReduction="20000"/>
+          </a:bodyPr>
+          <a:lstStyle/>
+          <a:p>
+            <a:pPr marL="182880" marR="0" lvl="0" indent="-182880" algn="l" defTabSz="914400" rtl="0" eaLnBrk="1" fontAlgn="auto" latinLnBrk="0" hangingPunct="1">
+              <a:lnSpc>
+                <a:spcPct val="110000"/>
+              </a:lnSpc>
+              <a:spcBef>
+                <a:spcPts val="900"/>
+              </a:spcBef>
+              <a:spcAft>
+                <a:spcPts val="0"/>
+              </a:spcAft>
+              <a:buClr>
+                <a:schemeClr val="tx1">
+                  <a:lumMod val="85000"/>
+                  <a:lumOff val="15000"/>
+                </a:schemeClr>
+              </a:buClr>
+              <a:buSzTx/>
+              <a:buFont typeface="Garamond" pitchFamily="18" charset="0"/>
+              <a:buChar char="◦"/>
+              <a:tabLst/>
+              <a:defRPr/>
+            </a:pPr>
+            <a:r>
+              <a:rPr kumimoji="0" lang="it-IT" sz="2400" b="0" i="0" u="none" strike="noStrike" kern="1200" cap="none" spc="0" normalizeH="0" baseline="0" noProof="0" smtClean="0">
+                <a:ln>
+                  <a:noFill/>
+                </a:ln>
+                <a:solidFill>
+                  <a:schemeClr val="tx1"/>
+                </a:solidFill>
+                <a:effectLst/>
+                <a:uLnTx/>
+                <a:uFillTx/>
+                <a:latin typeface="Times New Roman" pitchFamily="18" charset="0"/>
+                <a:ea typeface="+mn-ea"/>
+                <a:cs typeface="Times New Roman" pitchFamily="18" charset="0"/>
+              </a:rPr>
+              <a:t>Se il progetto usa una libreria di supporto, il codice sarà di questo tipo:</a:t>
+            </a:r>
+          </a:p>
+          <a:p>
+            <a:pPr marL="182880" marR="0" lvl="0" indent="-182880" algn="l" defTabSz="914400" rtl="0" eaLnBrk="1" fontAlgn="auto" latinLnBrk="0" hangingPunct="1">
+              <a:lnSpc>
+                <a:spcPct val="110000"/>
+              </a:lnSpc>
+              <a:spcBef>
+                <a:spcPts val="900"/>
+              </a:spcBef>
+              <a:spcAft>
+                <a:spcPts val="0"/>
+              </a:spcAft>
+              <a:buClr>
+                <a:schemeClr val="tx1">
+                  <a:lumMod val="85000"/>
+                  <a:lumOff val="15000"/>
+                </a:schemeClr>
+              </a:buClr>
+              <a:buSzTx/>
+              <a:buFont typeface="Garamond" pitchFamily="18" charset="0"/>
+              <a:buNone/>
+              <a:tabLst/>
+              <a:defRPr/>
+            </a:pPr>
+            <a:r>
+              <a:rPr kumimoji="0" lang="en-US" sz="1900" b="0" i="0" u="none" strike="noStrike" kern="1200" cap="none" spc="0" normalizeH="0" baseline="0" noProof="0" smtClean="0">
+                <a:ln>
+                  <a:noFill/>
+                </a:ln>
+                <a:solidFill>
+                  <a:schemeClr val="tx1"/>
+                </a:solidFill>
+                <a:effectLst/>
+                <a:uLnTx/>
+                <a:uFillTx/>
+                <a:latin typeface="+mn-lt"/>
+                <a:ea typeface="+mn-ea"/>
+                <a:cs typeface="+mn-cs"/>
+              </a:rPr>
+              <a:t>&lt;ImageButton</a:t>
+            </a:r>
+            <a:br>
+              <a:rPr kumimoji="0" lang="en-US" sz="1900" b="0" i="0" u="none" strike="noStrike" kern="1200" cap="none" spc="0" normalizeH="0" baseline="0" noProof="0" smtClean="0">
+                <a:ln>
+                  <a:noFill/>
+                </a:ln>
+                <a:solidFill>
+                  <a:schemeClr val="tx1"/>
+                </a:solidFill>
+                <a:effectLst/>
+                <a:uLnTx/>
+                <a:uFillTx/>
+                <a:latin typeface="+mn-lt"/>
+                <a:ea typeface="+mn-ea"/>
+                <a:cs typeface="+mn-cs"/>
+              </a:rPr>
+            </a:br>
+            <a:r>
+              <a:rPr kumimoji="0" lang="en-US" sz="1900" b="0" i="0" u="none" strike="noStrike" kern="1200" cap="none" spc="0" normalizeH="0" baseline="0" noProof="0" smtClean="0">
+                <a:ln>
+                  <a:noFill/>
+                </a:ln>
+                <a:solidFill>
+                  <a:schemeClr val="tx1"/>
+                </a:solidFill>
+                <a:effectLst/>
+                <a:uLnTx/>
+                <a:uFillTx/>
+                <a:latin typeface="+mn-lt"/>
+                <a:ea typeface="+mn-ea"/>
+                <a:cs typeface="+mn-cs"/>
+              </a:rPr>
+              <a:t>  android:layout_width="wrap_content"</a:t>
+            </a:r>
+            <a:br>
+              <a:rPr kumimoji="0" lang="en-US" sz="1900" b="0" i="0" u="none" strike="noStrike" kern="1200" cap="none" spc="0" normalizeH="0" baseline="0" noProof="0" smtClean="0">
+                <a:ln>
+                  <a:noFill/>
+                </a:ln>
+                <a:solidFill>
+                  <a:schemeClr val="tx1"/>
+                </a:solidFill>
+                <a:effectLst/>
+                <a:uLnTx/>
+                <a:uFillTx/>
+                <a:latin typeface="+mn-lt"/>
+                <a:ea typeface="+mn-ea"/>
+                <a:cs typeface="+mn-cs"/>
+              </a:rPr>
+            </a:br>
+            <a:r>
+              <a:rPr kumimoji="0" lang="en-US" sz="1900" b="0" i="0" u="none" strike="noStrike" kern="1200" cap="none" spc="0" normalizeH="0" baseline="0" noProof="0" smtClean="0">
+                <a:ln>
+                  <a:noFill/>
+                </a:ln>
+                <a:solidFill>
+                  <a:schemeClr val="tx1"/>
+                </a:solidFill>
+                <a:effectLst/>
+                <a:uLnTx/>
+                <a:uFillTx/>
+                <a:latin typeface="+mn-lt"/>
+                <a:ea typeface="+mn-ea"/>
+                <a:cs typeface="+mn-cs"/>
+              </a:rPr>
+              <a:t>  android:layout_height="wrap_content"</a:t>
+            </a:r>
+            <a:br>
+              <a:rPr kumimoji="0" lang="en-US" sz="1900" b="0" i="0" u="none" strike="noStrike" kern="1200" cap="none" spc="0" normalizeH="0" baseline="0" noProof="0" smtClean="0">
+                <a:ln>
+                  <a:noFill/>
+                </a:ln>
+                <a:solidFill>
+                  <a:schemeClr val="tx1"/>
+                </a:solidFill>
+                <a:effectLst/>
+                <a:uLnTx/>
+                <a:uFillTx/>
+                <a:latin typeface="+mn-lt"/>
+                <a:ea typeface="+mn-ea"/>
+                <a:cs typeface="+mn-cs"/>
+              </a:rPr>
+            </a:br>
+            <a:r>
+              <a:rPr kumimoji="0" lang="en-US" sz="1900" b="0" i="0" u="none" strike="noStrike" kern="1200" cap="none" spc="0" normalizeH="0" baseline="0" noProof="0" smtClean="0">
+                <a:ln>
+                  <a:noFill/>
+                </a:ln>
+                <a:solidFill>
+                  <a:schemeClr val="tx1"/>
+                </a:solidFill>
+                <a:effectLst/>
+                <a:uLnTx/>
+                <a:uFillTx/>
+                <a:latin typeface="+mn-lt"/>
+                <a:ea typeface="+mn-ea"/>
+                <a:cs typeface="+mn-cs"/>
+              </a:rPr>
+              <a:t>  app:srcCompat="@drawable/ic_build_black_24dp"</a:t>
+            </a:r>
+            <a:br>
+              <a:rPr kumimoji="0" lang="en-US" sz="1900" b="0" i="0" u="none" strike="noStrike" kern="1200" cap="none" spc="0" normalizeH="0" baseline="0" noProof="0" smtClean="0">
+                <a:ln>
+                  <a:noFill/>
+                </a:ln>
+                <a:solidFill>
+                  <a:schemeClr val="tx1"/>
+                </a:solidFill>
+                <a:effectLst/>
+                <a:uLnTx/>
+                <a:uFillTx/>
+                <a:latin typeface="+mn-lt"/>
+                <a:ea typeface="+mn-ea"/>
+                <a:cs typeface="+mn-cs"/>
+              </a:rPr>
+            </a:br>
+            <a:r>
+              <a:rPr kumimoji="0" lang="en-US" sz="1900" b="0" i="0" u="none" strike="noStrike" kern="1200" cap="none" spc="0" normalizeH="0" baseline="0" noProof="0" smtClean="0">
+                <a:ln>
+                  <a:noFill/>
+                </a:ln>
+                <a:solidFill>
+                  <a:schemeClr val="tx1"/>
+                </a:solidFill>
+                <a:effectLst/>
+                <a:uLnTx/>
+                <a:uFillTx/>
+                <a:latin typeface="+mn-lt"/>
+                <a:ea typeface="+mn-ea"/>
+                <a:cs typeface="+mn-cs"/>
+              </a:rPr>
+              <a:t>  tools:layout_editor_absoluteX="11dp"</a:t>
+            </a:r>
+            <a:br>
+              <a:rPr kumimoji="0" lang="en-US" sz="1900" b="0" i="0" u="none" strike="noStrike" kern="1200" cap="none" spc="0" normalizeH="0" baseline="0" noProof="0" smtClean="0">
+                <a:ln>
+                  <a:noFill/>
+                </a:ln>
+                <a:solidFill>
+                  <a:schemeClr val="tx1"/>
+                </a:solidFill>
+                <a:effectLst/>
+                <a:uLnTx/>
+                <a:uFillTx/>
+                <a:latin typeface="+mn-lt"/>
+                <a:ea typeface="+mn-ea"/>
+                <a:cs typeface="+mn-cs"/>
+              </a:rPr>
+            </a:br>
+            <a:r>
+              <a:rPr kumimoji="0" lang="en-US" sz="1900" b="0" i="0" u="none" strike="noStrike" kern="1200" cap="none" spc="0" normalizeH="0" baseline="0" noProof="0" smtClean="0">
+                <a:ln>
+                  <a:noFill/>
+                </a:ln>
+                <a:solidFill>
+                  <a:schemeClr val="tx1"/>
+                </a:solidFill>
+                <a:effectLst/>
+                <a:uLnTx/>
+                <a:uFillTx/>
+                <a:latin typeface="+mn-lt"/>
+                <a:ea typeface="+mn-ea"/>
+                <a:cs typeface="+mn-cs"/>
+              </a:rPr>
+              <a:t>  tools:layout_editor_absoluteY="225dp"</a:t>
+            </a:r>
+            <a:br>
+              <a:rPr kumimoji="0" lang="en-US" sz="1900" b="0" i="0" u="none" strike="noStrike" kern="1200" cap="none" spc="0" normalizeH="0" baseline="0" noProof="0" smtClean="0">
+                <a:ln>
+                  <a:noFill/>
+                </a:ln>
+                <a:solidFill>
+                  <a:schemeClr val="tx1"/>
+                </a:solidFill>
+                <a:effectLst/>
+                <a:uLnTx/>
+                <a:uFillTx/>
+                <a:latin typeface="+mn-lt"/>
+                <a:ea typeface="+mn-ea"/>
+                <a:cs typeface="+mn-cs"/>
+              </a:rPr>
+            </a:br>
+            <a:r>
+              <a:rPr kumimoji="0" lang="en-US" sz="1900" b="0" i="0" u="none" strike="noStrike" kern="1200" cap="none" spc="0" normalizeH="0" baseline="0" noProof="0" smtClean="0">
+                <a:ln>
+                  <a:noFill/>
+                </a:ln>
+                <a:solidFill>
+                  <a:schemeClr val="tx1"/>
+                </a:solidFill>
+                <a:effectLst/>
+                <a:uLnTx/>
+                <a:uFillTx/>
+                <a:latin typeface="+mn-lt"/>
+                <a:ea typeface="+mn-ea"/>
+                <a:cs typeface="+mn-cs"/>
+              </a:rPr>
+              <a:t>  android:id="@+id/imageButton"</a:t>
+            </a:r>
+            <a:br>
+              <a:rPr kumimoji="0" lang="en-US" sz="1900" b="0" i="0" u="none" strike="noStrike" kern="1200" cap="none" spc="0" normalizeH="0" baseline="0" noProof="0" smtClean="0">
+                <a:ln>
+                  <a:noFill/>
+                </a:ln>
+                <a:solidFill>
+                  <a:schemeClr val="tx1"/>
+                </a:solidFill>
+                <a:effectLst/>
+                <a:uLnTx/>
+                <a:uFillTx/>
+                <a:latin typeface="+mn-lt"/>
+                <a:ea typeface="+mn-ea"/>
+                <a:cs typeface="+mn-cs"/>
+              </a:rPr>
+            </a:br>
+            <a:r>
+              <a:rPr kumimoji="0" lang="en-US" sz="1900" b="0" i="0" u="none" strike="noStrike" kern="1200" cap="none" spc="0" normalizeH="0" baseline="0" noProof="0" smtClean="0">
+                <a:ln>
+                  <a:noFill/>
+                </a:ln>
+                <a:solidFill>
+                  <a:schemeClr val="tx1"/>
+                </a:solidFill>
+                <a:effectLst/>
+                <a:uLnTx/>
+                <a:uFillTx/>
+                <a:latin typeface="+mn-lt"/>
+                <a:ea typeface="+mn-ea"/>
+                <a:cs typeface="+mn-cs"/>
+              </a:rPr>
+              <a:t>  android:tint="@color/colorAccent" /&gt;</a:t>
+            </a:r>
+          </a:p>
+          <a:p>
+            <a:pPr marL="182880" marR="0" lvl="0" indent="-182880" algn="l" defTabSz="914400" rtl="0" eaLnBrk="1" fontAlgn="auto" latinLnBrk="0" hangingPunct="1">
+              <a:lnSpc>
+                <a:spcPct val="110000"/>
+              </a:lnSpc>
+              <a:spcBef>
+                <a:spcPts val="900"/>
+              </a:spcBef>
+              <a:spcAft>
+                <a:spcPts val="0"/>
+              </a:spcAft>
+              <a:buClr>
+                <a:schemeClr val="tx1">
+                  <a:lumMod val="85000"/>
+                  <a:lumOff val="15000"/>
+                </a:schemeClr>
+              </a:buClr>
+              <a:buSzTx/>
+              <a:buFont typeface="Garamond" pitchFamily="18" charset="0"/>
+              <a:buNone/>
+              <a:tabLst/>
+              <a:defRPr/>
+            </a:pPr>
+            <a:endParaRPr kumimoji="0" lang="en-US" sz="1500" b="0" i="0" u="none" strike="noStrike" kern="1200" cap="none" spc="0" normalizeH="0" baseline="0" noProof="0" smtClean="0">
+              <a:ln>
+                <a:noFill/>
+              </a:ln>
+              <a:solidFill>
+                <a:schemeClr val="tx1"/>
+              </a:solidFill>
+              <a:effectLst/>
+              <a:uLnTx/>
+              <a:uFillTx/>
+              <a:latin typeface="+mn-lt"/>
+              <a:ea typeface="+mn-ea"/>
+              <a:cs typeface="+mn-cs"/>
+            </a:endParaRPr>
+          </a:p>
+          <a:p>
+            <a:pPr marL="182880" marR="0" lvl="0" indent="-182880" algn="l" defTabSz="914400" rtl="0" eaLnBrk="1" fontAlgn="auto" latinLnBrk="0" hangingPunct="1">
+              <a:lnSpc>
+                <a:spcPct val="110000"/>
+              </a:lnSpc>
+              <a:spcBef>
+                <a:spcPts val="900"/>
+              </a:spcBef>
+              <a:spcAft>
+                <a:spcPts val="0"/>
+              </a:spcAft>
+              <a:buClr>
+                <a:schemeClr val="tx1">
+                  <a:lumMod val="85000"/>
+                  <a:lumOff val="15000"/>
+                </a:schemeClr>
+              </a:buClr>
+              <a:buSzTx/>
+              <a:buFont typeface="Garamond" pitchFamily="18" charset="0"/>
+              <a:buChar char="◦"/>
+              <a:tabLst/>
+              <a:defRPr/>
+            </a:pPr>
+            <a:r>
+              <a:rPr kumimoji="0" lang="en-US" sz="2400" b="0" i="0" u="none" strike="noStrike" kern="1200" cap="none" spc="0" normalizeH="0" baseline="0" noProof="0" smtClean="0">
+                <a:ln>
+                  <a:noFill/>
+                </a:ln>
+                <a:solidFill>
+                  <a:schemeClr val="tx1"/>
+                </a:solidFill>
+                <a:effectLst/>
+                <a:uLnTx/>
+                <a:uFillTx/>
+                <a:latin typeface="Times New Roman" pitchFamily="18" charset="0"/>
+                <a:ea typeface="+mn-ea"/>
+                <a:cs typeface="Times New Roman" pitchFamily="18" charset="0"/>
+              </a:rPr>
+              <a:t>Se il progetto non usa alcuna libreria di supporto, il codice del vector drawable sarà:</a:t>
+            </a:r>
+          </a:p>
+          <a:p>
+            <a:pPr marL="182880" marR="0" lvl="0" indent="-182880" algn="l" defTabSz="914400" rtl="0" eaLnBrk="1" fontAlgn="auto" latinLnBrk="0" hangingPunct="1">
+              <a:lnSpc>
+                <a:spcPct val="110000"/>
+              </a:lnSpc>
+              <a:spcBef>
+                <a:spcPts val="900"/>
+              </a:spcBef>
+              <a:spcAft>
+                <a:spcPts val="0"/>
+              </a:spcAft>
+              <a:buClr>
+                <a:schemeClr val="tx1">
+                  <a:lumMod val="85000"/>
+                  <a:lumOff val="15000"/>
+                </a:schemeClr>
+              </a:buClr>
+              <a:buSzTx/>
+              <a:buFont typeface="Garamond" pitchFamily="18" charset="0"/>
+              <a:buNone/>
+              <a:tabLst/>
+              <a:defRPr/>
+            </a:pPr>
+            <a:r>
+              <a:rPr kumimoji="0" lang="it-IT" sz="1900" b="0" i="0" u="none" strike="noStrike" kern="1200" cap="none" spc="0" normalizeH="0" baseline="0" noProof="0" smtClean="0">
+                <a:ln>
+                  <a:noFill/>
+                </a:ln>
+                <a:solidFill>
+                  <a:schemeClr val="tx1"/>
+                </a:solidFill>
+                <a:effectLst/>
+                <a:uLnTx/>
+                <a:uFillTx/>
+                <a:latin typeface="+mn-lt"/>
+                <a:ea typeface="+mn-ea"/>
+                <a:cs typeface="+mn-cs"/>
+              </a:rPr>
+              <a:t>android:src="@drawable/ic_build_black_24dp"</a:t>
+            </a:r>
+          </a:p>
+          <a:p>
+            <a:pPr marL="182880" marR="0" lvl="0" indent="-182880" algn="l" defTabSz="914400" rtl="0" eaLnBrk="1" fontAlgn="auto" latinLnBrk="0" hangingPunct="1">
+              <a:lnSpc>
+                <a:spcPct val="110000"/>
+              </a:lnSpc>
+              <a:spcBef>
+                <a:spcPts val="900"/>
+              </a:spcBef>
+              <a:spcAft>
+                <a:spcPts val="0"/>
+              </a:spcAft>
+              <a:buClr>
+                <a:schemeClr val="tx1">
+                  <a:lumMod val="85000"/>
+                  <a:lumOff val="15000"/>
+                </a:schemeClr>
+              </a:buClr>
+              <a:buSzTx/>
+              <a:buFont typeface="Garamond" pitchFamily="18" charset="0"/>
+              <a:buChar char="◦"/>
+              <a:tabLst/>
+              <a:defRPr/>
+            </a:pPr>
+            <a:endParaRPr kumimoji="0" lang="it-IT" sz="1500" b="0" i="0" u="none" strike="noStrike" kern="1200" cap="none" spc="0" normalizeH="0" baseline="0" noProof="0">
+              <a:ln>
+                <a:noFill/>
+              </a:ln>
+              <a:solidFill>
+                <a:schemeClr val="tx1"/>
+              </a:solidFill>
+              <a:effectLst/>
+              <a:uLnTx/>
+              <a:uFillTx/>
+              <a:latin typeface="+mn-lt"/>
+              <a:ea typeface="+mn-ea"/>
+              <a:cs typeface="+mn-cs"/>
+            </a:endParaRPr>
+          </a:p>
+        </p:txBody>
+      </p:sp>
+    </p:spTree>
+  </p:cSld>
+  <p:clrMapOvr>
+    <a:masterClrMapping/>
+  </p:clrMapOvr>
+</p:sld>
+</file>
+
+<file path=ppt/slides/slide37.xml><?xml version="1.0" encoding="utf-8"?>
+<p:sld xmlns:a="http://schemas.openxmlformats.org/drawingml/2006/main" xmlns:r="http://schemas.openxmlformats.org/officeDocument/2006/relationships" xmlns:p="http://schemas.openxmlformats.org/presentationml/2006/main">
+  <p:cSld>
+    <p:spTree>
+      <p:nvGrpSpPr>
+        <p:cNvPr id="1" name=""/>
+        <p:cNvGrpSpPr/>
+        <p:nvPr/>
+      </p:nvGrpSpPr>
+      <p:grpSpPr>
+        <a:xfrm>
+          <a:off x="0" y="0"/>
+          <a:ext cx="0" cy="0"/>
+          <a:chOff x="0" y="0"/>
+          <a:chExt cx="0" cy="0"/>
+        </a:xfrm>
+      </p:grpSpPr>
+      <p:sp>
+        <p:nvSpPr>
+          <p:cNvPr id="2" name="Titolo 1"/>
+          <p:cNvSpPr>
+            <a:spLocks noGrp="1"/>
+          </p:cNvSpPr>
+          <p:nvPr>
+            <p:ph type="title"/>
+          </p:nvPr>
+        </p:nvSpPr>
+        <p:spPr/>
+        <p:txBody>
+          <a:bodyPr/>
+          <a:lstStyle/>
+          <a:p>
+            <a:r>
+              <a:rPr lang="it-IT" smtClean="0"/>
+              <a:t>Fare riferimento a un vector drawable</a:t>
+            </a:r>
+            <a:endParaRPr lang="it-IT"/>
+          </a:p>
+        </p:txBody>
+      </p:sp>
+      <p:sp>
+        <p:nvSpPr>
+          <p:cNvPr id="3" name="Segnaposto contenuto 2"/>
+          <p:cNvSpPr>
+            <a:spLocks noGrp="1"/>
+          </p:cNvSpPr>
+          <p:nvPr>
+            <p:ph idx="1"/>
+          </p:nvPr>
+        </p:nvSpPr>
+        <p:spPr/>
+        <p:txBody>
+          <a:bodyPr>
+            <a:normAutofit/>
+          </a:bodyPr>
+          <a:lstStyle/>
+          <a:p>
+            <a:r>
+              <a:rPr lang="it-IT" sz="2400" smtClean="0">
+                <a:latin typeface="Times New Roman" pitchFamily="18" charset="0"/>
+                <a:cs typeface="Times New Roman" pitchFamily="18" charset="0"/>
+              </a:rPr>
+              <a:t>Nel codice, nella maggior parte dei casi, ci si può riferire ai vector drawables con “@drawable” (per XML) o “</a:t>
+            </a:r>
+            <a:r>
+              <a:rPr lang="it-IT" sz="2400" smtClean="0">
+                <a:latin typeface="Courier New" pitchFamily="49" charset="0"/>
+                <a:cs typeface="Courier New" pitchFamily="49" charset="0"/>
+              </a:rPr>
+              <a:t>Drawable</a:t>
+            </a:r>
+            <a:r>
+              <a:rPr lang="it-IT" sz="2400" smtClean="0">
+                <a:latin typeface="Times New Roman" pitchFamily="18" charset="0"/>
+                <a:cs typeface="Times New Roman" pitchFamily="18" charset="0"/>
+              </a:rPr>
+              <a:t>” (in codice Java).</a:t>
+            </a:r>
+          </a:p>
+          <a:p>
+            <a:r>
+              <a:rPr lang="it-IT" sz="2400" smtClean="0">
+                <a:latin typeface="Times New Roman" pitchFamily="18" charset="0"/>
+                <a:cs typeface="Times New Roman" pitchFamily="18" charset="0"/>
+              </a:rPr>
+              <a:t>Mettere un fucking screen</a:t>
+            </a:r>
+          </a:p>
+          <a:p>
+            <a:endParaRPr lang="it-IT" sz="2400" smtClean="0">
+              <a:latin typeface="Times New Roman" pitchFamily="18" charset="0"/>
+              <a:cs typeface="Times New Roman" pitchFamily="18" charset="0"/>
+            </a:endParaRPr>
+          </a:p>
+          <a:p>
+            <a:endParaRPr lang="it-IT" sz="2400" smtClean="0">
+              <a:latin typeface="Times New Roman" pitchFamily="18" charset="0"/>
+              <a:cs typeface="Times New Roman" pitchFamily="18" charset="0"/>
+            </a:endParaRPr>
+          </a:p>
+          <a:p>
+            <a:endParaRPr lang="it-IT" sz="2400" smtClean="0">
+              <a:latin typeface="Times New Roman" pitchFamily="18" charset="0"/>
+              <a:cs typeface="Times New Roman" pitchFamily="18" charset="0"/>
+            </a:endParaRPr>
+          </a:p>
+          <a:p>
+            <a:pPr>
+              <a:buNone/>
+            </a:pPr>
+            <a:r>
+              <a:rPr lang="it-IT" sz="2400" smtClean="0">
+                <a:latin typeface="Times New Roman" pitchFamily="18" charset="0"/>
+                <a:cs typeface="Times New Roman" pitchFamily="18" charset="0"/>
+              </a:rPr>
+              <a:t>Si può accedere alle risorse vector drawable solo dal thread principale.</a:t>
+            </a:r>
+            <a:endParaRPr lang="it-IT" sz="2400">
+              <a:latin typeface="Times New Roman" pitchFamily="18" charset="0"/>
+              <a:cs typeface="Times New Roman" pitchFamily="18" charset="0"/>
+            </a:endParaRPr>
+          </a:p>
+        </p:txBody>
+      </p:sp>
+      <p:sp>
+        <p:nvSpPr>
+          <p:cNvPr id="4" name="Segnaposto data 3"/>
+          <p:cNvSpPr>
+            <a:spLocks noGrp="1"/>
+          </p:cNvSpPr>
+          <p:nvPr>
+            <p:ph type="dt" sz="half" idx="10"/>
+          </p:nvPr>
+        </p:nvSpPr>
+        <p:spPr/>
+        <p:txBody>
+          <a:bodyPr/>
+          <a:lstStyle/>
+          <a:p>
+            <a:pPr rtl="0"/>
+            <a:fld id="{85E0D28E-6F2F-4715-A424-3B01AC64AD4B}" type="datetime1">
+              <a:rPr lang="it-IT" smtClean="0"/>
+              <a:pPr rtl="0"/>
+              <a:t>07/06/2020</a:t>
+            </a:fld>
+            <a:endParaRPr lang="en-US"/>
+          </a:p>
+        </p:txBody>
+      </p:sp>
+    </p:spTree>
+  </p:cSld>
+  <p:clrMapOvr>
+    <a:masterClrMapping/>
+  </p:clrMapOvr>
+</p:sld>
+</file>
+
+<file path=ppt/slides/slide38.xml><?xml version="1.0" encoding="utf-8"?>
+<p:sld xmlns:a="http://schemas.openxmlformats.org/drawingml/2006/main" xmlns:r="http://schemas.openxmlformats.org/officeDocument/2006/relationships" xmlns:p="http://schemas.openxmlformats.org/presentationml/2006/main">
+  <p:cSld>
+    <p:spTree>
+      <p:nvGrpSpPr>
+        <p:cNvPr id="1" name=""/>
+        <p:cNvGrpSpPr/>
+        <p:nvPr/>
+      </p:nvGrpSpPr>
+      <p:grpSpPr>
+        <a:xfrm>
+          <a:off x="0" y="0"/>
+          <a:ext cx="0" cy="0"/>
+          <a:chOff x="0" y="0"/>
+          <a:chExt cx="0" cy="0"/>
+        </a:xfrm>
+      </p:grpSpPr>
+      <p:sp>
+        <p:nvSpPr>
+          <p:cNvPr id="2" name="Titolo 1"/>
+          <p:cNvSpPr>
+            <a:spLocks noGrp="1"/>
+          </p:cNvSpPr>
+          <p:nvPr>
+            <p:ph type="title"/>
+          </p:nvPr>
+        </p:nvSpPr>
+        <p:spPr/>
+        <p:txBody>
+          <a:bodyPr/>
+          <a:lstStyle/>
+          <a:p>
+            <a:r>
+              <a:rPr lang="it-IT" smtClean="0"/>
+              <a:t>Fare riferimento a un vector drawable</a:t>
+            </a:r>
+            <a:endParaRPr lang="it-IT"/>
+          </a:p>
+        </p:txBody>
+      </p:sp>
+      <p:sp>
+        <p:nvSpPr>
+          <p:cNvPr id="3" name="Segnaposto contenuto 2"/>
+          <p:cNvSpPr>
+            <a:spLocks noGrp="1"/>
+          </p:cNvSpPr>
+          <p:nvPr>
+            <p:ph idx="1"/>
+          </p:nvPr>
+        </p:nvSpPr>
+        <p:spPr>
+          <a:xfrm>
+            <a:off x="1066800" y="1939834"/>
+            <a:ext cx="10058400" cy="3849624"/>
+          </a:xfrm>
+        </p:spPr>
+        <p:txBody>
+          <a:bodyPr>
+            <a:normAutofit fontScale="92500" lnSpcReduction="20000"/>
+          </a:bodyPr>
+          <a:lstStyle/>
+          <a:p>
+            <a:r>
+              <a:rPr lang="it-IT" sz="2400" smtClean="0">
+                <a:latin typeface="Times New Roman" pitchFamily="18" charset="0"/>
+                <a:cs typeface="Times New Roman" pitchFamily="18" charset="0"/>
+              </a:rPr>
+              <a:t>Per esempio, lo snippet seguente di codice XML applica l’immagine a una view:</a:t>
+            </a:r>
+          </a:p>
+          <a:p>
+            <a:pPr>
+              <a:buNone/>
+            </a:pPr>
+            <a:r>
+              <a:rPr lang="en-US" sz="1900" smtClean="0"/>
+              <a:t>&lt;ImageView</a:t>
+            </a:r>
+            <a:br>
+              <a:rPr lang="en-US" sz="1900" smtClean="0"/>
+            </a:br>
+            <a:r>
+              <a:rPr lang="en-US" sz="1900" smtClean="0"/>
+              <a:t>    android:layout_height="wrap_content"</a:t>
+            </a:r>
+            <a:br>
+              <a:rPr lang="en-US" sz="1900" smtClean="0"/>
+            </a:br>
+            <a:r>
+              <a:rPr lang="en-US" sz="1900" smtClean="0"/>
+              <a:t>    android:layout_width="wrap_content"</a:t>
+            </a:r>
+            <a:br>
+              <a:rPr lang="en-US" sz="1900" smtClean="0"/>
+            </a:br>
+            <a:r>
+              <a:rPr lang="en-US" sz="1900" smtClean="0"/>
+              <a:t>    android:src="@drawable/myimage</a:t>
+            </a:r>
+            <a:r>
+              <a:rPr lang="en-US" sz="1900" smtClean="0"/>
+              <a:t>" </a:t>
+            </a:r>
+            <a:r>
+              <a:rPr lang="en-US" sz="1900" smtClean="0"/>
+              <a:t>/&gt;</a:t>
+            </a:r>
+          </a:p>
+          <a:p>
+            <a:pPr>
+              <a:buNone/>
+            </a:pPr>
+            <a:endParaRPr lang="en-US" smtClean="0"/>
+          </a:p>
+          <a:p>
+            <a:r>
+              <a:rPr lang="en-US" sz="2400" smtClean="0">
+                <a:latin typeface="Times New Roman" pitchFamily="18" charset="0"/>
+                <a:cs typeface="Times New Roman" pitchFamily="18" charset="0"/>
+              </a:rPr>
+              <a:t>E il seguente codice Java richiama l’immagine come Drawable: </a:t>
+            </a:r>
+          </a:p>
+          <a:p>
+            <a:pPr>
+              <a:buNone/>
+            </a:pPr>
+            <a:r>
+              <a:rPr lang="en-US" sz="1900" smtClean="0"/>
+              <a:t>Resources res = </a:t>
+            </a:r>
+            <a:r>
+              <a:rPr lang="en-US" sz="1900" smtClean="0"/>
+              <a:t>getResources</a:t>
+            </a:r>
+            <a:r>
+              <a:rPr lang="en-US" sz="1900" smtClean="0"/>
+              <a:t>();</a:t>
+            </a:r>
+          </a:p>
+          <a:p>
+            <a:pPr>
+              <a:buNone/>
+            </a:pPr>
+            <a:r>
+              <a:rPr lang="en-US" sz="1900" smtClean="0"/>
+              <a:t>Drawable </a:t>
+            </a:r>
+            <a:r>
+              <a:rPr lang="en-US" sz="1900" smtClean="0"/>
+              <a:t>drawable = res.getDrawable(R.drawable.myimage, </a:t>
+            </a:r>
+            <a:r>
+              <a:rPr lang="en-US" sz="1900" smtClean="0"/>
+              <a:t>getTheme</a:t>
+            </a:r>
+            <a:r>
+              <a:rPr lang="en-US" sz="1900" smtClean="0"/>
+              <a:t>());</a:t>
+            </a:r>
+          </a:p>
+          <a:p>
+            <a:pPr>
+              <a:buNone/>
+            </a:pPr>
+            <a:r>
+              <a:rPr lang="it-IT" sz="2400" smtClean="0">
+                <a:latin typeface="Times New Roman" pitchFamily="18" charset="0"/>
+                <a:cs typeface="Times New Roman" pitchFamily="18" charset="0"/>
+              </a:rPr>
+              <a:t>Il metodo getResources() risiete nella classe Context, che è applicata agli oggetti di UI quali attività, frammenti, layout, view ecc.</a:t>
+            </a:r>
+          </a:p>
+          <a:p>
+            <a:pPr>
+              <a:buNone/>
+            </a:pPr>
+            <a:endParaRPr lang="it-IT"/>
+          </a:p>
+        </p:txBody>
+      </p:sp>
+      <p:sp>
+        <p:nvSpPr>
+          <p:cNvPr id="4" name="Segnaposto data 3"/>
+          <p:cNvSpPr>
+            <a:spLocks noGrp="1"/>
+          </p:cNvSpPr>
+          <p:nvPr>
+            <p:ph type="dt" sz="half" idx="10"/>
+          </p:nvPr>
+        </p:nvSpPr>
+        <p:spPr/>
+        <p:txBody>
+          <a:bodyPr/>
+          <a:lstStyle/>
+          <a:p>
+            <a:pPr rtl="0"/>
+            <a:fld id="{85E0D28E-6F2F-4715-A424-3B01AC64AD4B}" type="datetime1">
+              <a:rPr lang="it-IT" smtClean="0"/>
+              <a:pPr rtl="0"/>
+              <a:t>07/06/2020</a:t>
+            </a:fld>
+            <a:endParaRPr lang="en-US"/>
+          </a:p>
+        </p:txBody>
+      </p:sp>
+    </p:spTree>
+  </p:cSld>
+  <p:clrMapOvr>
+    <a:masterClrMapping/>
+  </p:clrMapOvr>
+</p:sld>
+</file>
+
+<file path=ppt/slides/slide39.xml><?xml version="1.0" encoding="utf-8"?>
+<p:sld xmlns:a="http://schemas.openxmlformats.org/drawingml/2006/main" xmlns:r="http://schemas.openxmlformats.org/officeDocument/2006/relationships" xmlns:p="http://schemas.openxmlformats.org/presentationml/2006/main">
+  <p:cSld>
+    <p:spTree>
+      <p:nvGrpSpPr>
+        <p:cNvPr id="1" name=""/>
+        <p:cNvGrpSpPr/>
+        <p:nvPr/>
+      </p:nvGrpSpPr>
+      <p:grpSpPr>
+        <a:xfrm>
+          <a:off x="0" y="0"/>
+          <a:ext cx="0" cy="0"/>
+          <a:chOff x="0" y="0"/>
+          <a:chExt cx="0" cy="0"/>
+        </a:xfrm>
+      </p:grpSpPr>
+      <p:sp>
+        <p:nvSpPr>
+          <p:cNvPr id="2" name="Titolo 1"/>
+          <p:cNvSpPr>
+            <a:spLocks noGrp="1"/>
+          </p:cNvSpPr>
+          <p:nvPr>
+            <p:ph type="title"/>
+          </p:nvPr>
+        </p:nvSpPr>
+        <p:spPr/>
+        <p:txBody>
+          <a:bodyPr/>
+          <a:lstStyle/>
+          <a:p>
+            <a:r>
+              <a:rPr lang="it-IT" smtClean="0"/>
+              <a:t>Fare riferimento a un vector drawable</a:t>
+            </a:r>
+            <a:endParaRPr lang="it-IT"/>
+          </a:p>
+        </p:txBody>
+      </p:sp>
+      <p:sp>
+        <p:nvSpPr>
+          <p:cNvPr id="3" name="Segnaposto contenuto 2"/>
+          <p:cNvSpPr>
+            <a:spLocks noGrp="1"/>
+          </p:cNvSpPr>
+          <p:nvPr>
+            <p:ph idx="1"/>
+          </p:nvPr>
+        </p:nvSpPr>
+        <p:spPr/>
+        <p:txBody>
+          <a:bodyPr/>
+          <a:lstStyle/>
+          <a:p>
+            <a:r>
+              <a:rPr lang="it-IT" sz="2400" smtClean="0">
+                <a:latin typeface="Times New Roman" pitchFamily="18" charset="0"/>
+                <a:cs typeface="Times New Roman" pitchFamily="18" charset="0"/>
+              </a:rPr>
+              <a:t>Se l’app usa la libreria di supporto, ci si può riferire a un vector drawable con uno statemant app:srcCompat :</a:t>
+            </a:r>
+          </a:p>
+          <a:p>
+            <a:pPr>
+              <a:buNone/>
+            </a:pPr>
+            <a:endParaRPr lang="it-IT" sz="2400" smtClean="0">
+              <a:latin typeface="Times New Roman" pitchFamily="18" charset="0"/>
+              <a:cs typeface="Times New Roman" pitchFamily="18" charset="0"/>
+            </a:endParaRPr>
+          </a:p>
+          <a:p>
+            <a:pPr>
+              <a:buNone/>
+            </a:pPr>
+            <a:r>
+              <a:rPr lang="en-US" sz="1800" smtClean="0"/>
+              <a:t>&lt;ImageView</a:t>
+            </a:r>
+            <a:br>
+              <a:rPr lang="en-US" sz="1800" smtClean="0"/>
+            </a:br>
+            <a:r>
+              <a:rPr lang="en-US" sz="1800" smtClean="0"/>
+              <a:t>    android:layout_height="wrap_content"</a:t>
+            </a:r>
+            <a:br>
+              <a:rPr lang="en-US" sz="1800" smtClean="0"/>
+            </a:br>
+            <a:r>
+              <a:rPr lang="en-US" sz="1800" smtClean="0"/>
+              <a:t>    android:layout_width="wrap_content"</a:t>
+            </a:r>
+            <a:br>
+              <a:rPr lang="en-US" sz="1800" smtClean="0"/>
+            </a:br>
+            <a:r>
+              <a:rPr lang="en-US" sz="1800" smtClean="0"/>
+              <a:t>    app:srcCompat="@drawable/myimage</a:t>
+            </a:r>
+            <a:r>
+              <a:rPr lang="en-US" sz="1800" smtClean="0"/>
+              <a:t>" </a:t>
+            </a:r>
+            <a:r>
+              <a:rPr lang="en-US" sz="1800" smtClean="0"/>
+              <a:t>/&gt;</a:t>
+            </a:r>
+            <a:endParaRPr lang="it-IT" sz="1800" smtClean="0"/>
+          </a:p>
+          <a:p>
+            <a:endParaRPr lang="it-IT" smtClean="0"/>
+          </a:p>
+        </p:txBody>
+      </p:sp>
+      <p:sp>
+        <p:nvSpPr>
+          <p:cNvPr id="4" name="Segnaposto data 3"/>
+          <p:cNvSpPr>
+            <a:spLocks noGrp="1"/>
+          </p:cNvSpPr>
+          <p:nvPr>
+            <p:ph type="dt" sz="half" idx="10"/>
+          </p:nvPr>
+        </p:nvSpPr>
+        <p:spPr/>
+        <p:txBody>
+          <a:bodyPr/>
+          <a:lstStyle/>
+          <a:p>
+            <a:pPr rtl="0"/>
+            <a:fld id="{85E0D28E-6F2F-4715-A424-3B01AC64AD4B}" type="datetime1">
+              <a:rPr lang="it-IT" smtClean="0"/>
+              <a:pPr rtl="0"/>
+              <a:t>07/06/2020</a:t>
+            </a:fld>
+            <a:endParaRPr lang="en-US"/>
+          </a:p>
+        </p:txBody>
+      </p:sp>
+    </p:spTree>
   </p:cSld>
   <p:clrMapOvr>
     <a:masterClrMapping/>
@@ -8603,7 +10593,7 @@
           <p:cNvPr id="2" name="Titolo 1">
             <a:extLst>
               <a:ext uri="{FF2B5EF4-FFF2-40B4-BE49-F238E27FC236}">
-                <a16:creationId xmlns:a16="http://schemas.microsoft.com/office/drawing/2014/main" xmlns="" id="{E220F6AF-1752-43FE-8D9A-A6757A9BC433}"/>
+                <a16:creationId xmlns="" xmlns:a16="http://schemas.microsoft.com/office/drawing/2014/main" id="{3398F7C4-7514-4AE3-BC85-857C4736813B}"/>
               </a:ext>
             </a:extLst>
           </p:cNvPr>
@@ -8620,10 +10610,16 @@
           <a:lstStyle/>
           <a:p>
             <a:r>
-              <a:rPr lang="it-IT" dirty="0">
-                <a:cs typeface="Times New Roman" panose="02020603050405020304" pitchFamily="18" charset="0"/>
-              </a:rPr>
-              <a:t>Immagine Vettoriale</a:t>
+              <a:rPr lang="it-IT" dirty="0"/>
+              <a:t>Perché usare </a:t>
+            </a:r>
+            <a:r>
+              <a:rPr lang="it-IT" dirty="0" err="1"/>
+              <a:t>Vector</a:t>
+            </a:r>
+            <a:r>
+              <a:rPr lang="it-IT" dirty="0"/>
+              <a:t> Asset Studio</a:t>
             </a:r>
           </a:p>
         </p:txBody>
@@ -8633,7 +10629,7 @@
           <p:cNvPr id="3" name="Segnaposto contenuto 2">
             <a:extLst>
               <a:ext uri="{FF2B5EF4-FFF2-40B4-BE49-F238E27FC236}">
-                <a16:creationId xmlns:a16="http://schemas.microsoft.com/office/drawing/2014/main" xmlns="" id="{5B6073A4-E04E-4386-BCB8-4F4D1730C4CE}"/>
+                <a16:creationId xmlns="" xmlns:a16="http://schemas.microsoft.com/office/drawing/2014/main" id="{9DBC0072-9DC3-4488-B012-6C28443F48FA}"/>
               </a:ext>
             </a:extLst>
           </p:cNvPr>
@@ -8646,45 +10642,743 @@
         </p:nvSpPr>
         <p:spPr/>
         <p:txBody>
-          <a:bodyPr>
-            <a:normAutofit/>
-          </a:bodyPr>
-          <a:lstStyle/>
-          <a:p>
-            <a:r>
-              <a:rPr lang="it-IT" sz="3200" dirty="0">
-                <a:latin typeface="Times New Roman" panose="02020603050405020304" pitchFamily="18" charset="0"/>
-                <a:cs typeface="Times New Roman" panose="02020603050405020304" pitchFamily="18" charset="0"/>
-              </a:rPr>
-              <a:t>Descritte mediante un insieme di primitive geometriche che definiscono punti, linee, curve e poligoni.</a:t>
-            </a:r>
-          </a:p>
+          <a:bodyPr/>
+          <a:lstStyle/>
           <a:p>
             <a:pPr marL="0" indent="0">
               <a:buNone/>
             </a:pPr>
-            <a:endParaRPr lang="it-IT" sz="3200" dirty="0">
-              <a:latin typeface="Times New Roman" panose="02020603050405020304" pitchFamily="18" charset="0"/>
-              <a:cs typeface="Times New Roman" panose="02020603050405020304" pitchFamily="18" charset="0"/>
+            <a:r>
+              <a:rPr lang="it-IT" sz="2400" dirty="0">
+                <a:latin typeface="Times New Roman" panose="02020603050405020304" pitchFamily="18" charset="0"/>
+                <a:cs typeface="Times New Roman" panose="02020603050405020304" pitchFamily="18" charset="0"/>
+              </a:rPr>
+              <a:t>Android Studio include uno strumento chiamato </a:t>
+            </a:r>
+            <a:r>
+              <a:rPr lang="it-IT" sz="2400" dirty="0" err="1">
+                <a:latin typeface="Times New Roman" panose="02020603050405020304" pitchFamily="18" charset="0"/>
+                <a:cs typeface="Times New Roman" panose="02020603050405020304" pitchFamily="18" charset="0"/>
+              </a:rPr>
+              <a:t>Vector</a:t>
+            </a:r>
+            <a:r>
+              <a:rPr lang="it-IT" sz="2400" dirty="0">
+                <a:latin typeface="Times New Roman" panose="02020603050405020304" pitchFamily="18" charset="0"/>
+                <a:cs typeface="Times New Roman" panose="02020603050405020304" pitchFamily="18" charset="0"/>
+              </a:rPr>
+              <a:t> Asset Studio che serve ad aggiungere icone materiali e importare file SVG (Scalable </a:t>
+            </a:r>
+            <a:r>
+              <a:rPr lang="it-IT" sz="2400" dirty="0" err="1">
+                <a:latin typeface="Times New Roman" panose="02020603050405020304" pitchFamily="18" charset="0"/>
+                <a:cs typeface="Times New Roman" panose="02020603050405020304" pitchFamily="18" charset="0"/>
+              </a:rPr>
+              <a:t>Vector</a:t>
+            </a:r>
+            <a:r>
+              <a:rPr lang="it-IT" sz="2400" dirty="0">
+                <a:latin typeface="Times New Roman" panose="02020603050405020304" pitchFamily="18" charset="0"/>
+                <a:cs typeface="Times New Roman" panose="02020603050405020304" pitchFamily="18" charset="0"/>
+              </a:rPr>
+              <a:t> Graphic) e PSD (Photoshop </a:t>
+            </a:r>
+            <a:r>
+              <a:rPr lang="it-IT" sz="2400" dirty="0" err="1">
+                <a:latin typeface="Times New Roman" panose="02020603050405020304" pitchFamily="18" charset="0"/>
+                <a:cs typeface="Times New Roman" panose="02020603050405020304" pitchFamily="18" charset="0"/>
+              </a:rPr>
+              <a:t>Document</a:t>
+            </a:r>
+            <a:r>
+              <a:rPr lang="it-IT" sz="2400" dirty="0">
+                <a:latin typeface="Times New Roman" panose="02020603050405020304" pitchFamily="18" charset="0"/>
+                <a:cs typeface="Times New Roman" panose="02020603050405020304" pitchFamily="18" charset="0"/>
+              </a:rPr>
+              <a:t>) nel proprio progetto come risorse </a:t>
+            </a:r>
+            <a:r>
+              <a:rPr lang="it-IT" sz="2400" dirty="0" err="1">
+                <a:latin typeface="Times New Roman" panose="02020603050405020304" pitchFamily="18" charset="0"/>
+                <a:cs typeface="Times New Roman" panose="02020603050405020304" pitchFamily="18" charset="0"/>
+              </a:rPr>
+              <a:t>vector</a:t>
+            </a:r>
+            <a:r>
+              <a:rPr lang="it-IT" sz="2400" dirty="0">
+                <a:latin typeface="Times New Roman" panose="02020603050405020304" pitchFamily="18" charset="0"/>
+                <a:cs typeface="Times New Roman" panose="02020603050405020304" pitchFamily="18" charset="0"/>
+              </a:rPr>
+              <a:t> </a:t>
+            </a:r>
+            <a:r>
+              <a:rPr lang="it-IT" sz="2400" dirty="0" err="1">
+                <a:latin typeface="Times New Roman" panose="02020603050405020304" pitchFamily="18" charset="0"/>
+                <a:cs typeface="Times New Roman" panose="02020603050405020304" pitchFamily="18" charset="0"/>
+              </a:rPr>
+              <a:t>drawables</a:t>
+            </a:r>
+            <a:r>
+              <a:rPr lang="it-IT" sz="2400" dirty="0">
+                <a:latin typeface="Times New Roman" panose="02020603050405020304" pitchFamily="18" charset="0"/>
+                <a:cs typeface="Times New Roman" panose="02020603050405020304" pitchFamily="18" charset="0"/>
+              </a:rPr>
+              <a:t>. Usare questi invece che i bitmaps serve a ridurre la dimensione del proprio APK perché lo stesso file può essere ridimensionato per diverse densità dello schermo, senza rinunciare alla qualità dell’immagine.</a:t>
+            </a:r>
+          </a:p>
+          <a:p>
+            <a:endParaRPr lang="it-IT" dirty="0"/>
+          </a:p>
+        </p:txBody>
+      </p:sp>
+      <p:sp>
+        <p:nvSpPr>
+          <p:cNvPr id="4" name="Segnaposto data 3">
+            <a:extLst>
+              <a:ext uri="{FF2B5EF4-FFF2-40B4-BE49-F238E27FC236}">
+                <a16:creationId xmlns="" xmlns:a16="http://schemas.microsoft.com/office/drawing/2014/main" id="{52341729-1279-416E-B91D-C28FD193F910}"/>
+              </a:ext>
+            </a:extLst>
+          </p:cNvPr>
+          <p:cNvSpPr>
+            <a:spLocks noGrp="1"/>
+          </p:cNvSpPr>
+          <p:nvPr>
+            <p:ph type="dt" sz="half" idx="10"/>
+          </p:nvPr>
+        </p:nvSpPr>
+        <p:spPr/>
+        <p:txBody>
+          <a:bodyPr/>
+          <a:lstStyle/>
+          <a:p>
+            <a:pPr rtl="0"/>
+            <a:fld id="{85E0D28E-6F2F-4715-A424-3B01AC64AD4B}" type="datetime1">
+              <a:rPr lang="it-IT" smtClean="0"/>
+              <a:pPr rtl="0"/>
+              <a:t>07/06/2020</a:t>
+            </a:fld>
+            <a:endParaRPr lang="en-US"/>
+          </a:p>
+        </p:txBody>
+      </p:sp>
+      <p:sp>
+        <p:nvSpPr>
+          <p:cNvPr id="5" name="CasellaDiTesto 4"/>
+          <p:cNvSpPr txBox="1"/>
+          <p:nvPr/>
+        </p:nvSpPr>
+        <p:spPr>
+          <a:xfrm>
+            <a:off x="1159329" y="5910943"/>
+            <a:ext cx="4261757" cy="307777"/>
+          </a:xfrm>
+          <a:prstGeom prst="rect">
+            <a:avLst/>
+          </a:prstGeom>
+          <a:noFill/>
+        </p:spPr>
+        <p:txBody>
+          <a:bodyPr wrap="square" rtlCol="0">
+            <a:spAutoFit/>
+          </a:bodyPr>
+          <a:lstStyle/>
+          <a:p>
+            <a:r>
+              <a:rPr lang="it-IT" sz="1400" smtClean="0">
+                <a:latin typeface="Arial Rounded MT Bold" pitchFamily="34" charset="0"/>
+                <a:ea typeface="Batang" pitchFamily="18" charset="-127"/>
+              </a:rPr>
+              <a:t>Vector Asset Studio - Introduzione</a:t>
+            </a:r>
+            <a:endParaRPr lang="it-IT" sz="1400">
+              <a:latin typeface="Arial Rounded MT Bold" pitchFamily="34" charset="0"/>
+              <a:ea typeface="Batang" pitchFamily="18" charset="-127"/>
             </a:endParaRPr>
-          </a:p>
-          <a:p>
-            <a:r>
-              <a:rPr lang="it-IT" sz="3200" dirty="0">
-                <a:latin typeface="Times New Roman" panose="02020603050405020304" pitchFamily="18" charset="0"/>
-                <a:cs typeface="Times New Roman" panose="02020603050405020304" pitchFamily="18" charset="0"/>
-              </a:rPr>
-              <a:t>Definite attraverso equazioni matematiche e indipendenti dalla risoluzione.</a:t>
-            </a:r>
           </a:p>
         </p:txBody>
       </p:sp>
     </p:spTree>
     <p:extLst>
       <p:ext uri="{BB962C8B-B14F-4D97-AF65-F5344CB8AC3E}">
-        <p14:creationId xmlns:p14="http://schemas.microsoft.com/office/powerpoint/2010/main" xmlns="" val="28250"/>
+        <p14:creationId xmlns="" xmlns:p14="http://schemas.microsoft.com/office/powerpoint/2010/main" val="3065832474"/>
       </p:ext>
     </p:extLst>
+  </p:cSld>
+  <p:clrMapOvr>
+    <a:masterClrMapping/>
+  </p:clrMapOvr>
+</p:sld>
+</file>
+
+<file path=ppt/slides/slide40.xml><?xml version="1.0" encoding="utf-8"?>
+<p:sld xmlns:a="http://schemas.openxmlformats.org/drawingml/2006/main" xmlns:r="http://schemas.openxmlformats.org/officeDocument/2006/relationships" xmlns:p="http://schemas.openxmlformats.org/presentationml/2006/main">
+  <p:cSld>
+    <p:spTree>
+      <p:nvGrpSpPr>
+        <p:cNvPr id="1" name=""/>
+        <p:cNvGrpSpPr/>
+        <p:nvPr/>
+      </p:nvGrpSpPr>
+      <p:grpSpPr>
+        <a:xfrm>
+          <a:off x="0" y="0"/>
+          <a:ext cx="0" cy="0"/>
+          <a:chOff x="0" y="0"/>
+          <a:chExt cx="0" cy="0"/>
+        </a:xfrm>
+      </p:grpSpPr>
+      <p:sp>
+        <p:nvSpPr>
+          <p:cNvPr id="2" name="Titolo 1"/>
+          <p:cNvSpPr>
+            <a:spLocks noGrp="1"/>
+          </p:cNvSpPr>
+          <p:nvPr>
+            <p:ph type="title"/>
+          </p:nvPr>
+        </p:nvSpPr>
+        <p:spPr/>
+        <p:txBody>
+          <a:bodyPr/>
+          <a:lstStyle/>
+          <a:p>
+            <a:r>
+              <a:rPr lang="it-IT" smtClean="0"/>
+              <a:t>Fare riferimento a un vector drawable</a:t>
+            </a:r>
+            <a:endParaRPr lang="it-IT"/>
+          </a:p>
+        </p:txBody>
+      </p:sp>
+      <p:sp>
+        <p:nvSpPr>
+          <p:cNvPr id="3" name="Segnaposto contenuto 2"/>
+          <p:cNvSpPr>
+            <a:spLocks noGrp="1"/>
+          </p:cNvSpPr>
+          <p:nvPr>
+            <p:ph idx="1"/>
+          </p:nvPr>
+        </p:nvSpPr>
+        <p:spPr/>
+        <p:txBody>
+          <a:bodyPr/>
+          <a:lstStyle/>
+          <a:p>
+            <a:r>
+              <a:rPr lang="it-IT" sz="2400" smtClean="0">
+                <a:latin typeface="Times New Roman" pitchFamily="18" charset="0"/>
+                <a:cs typeface="Times New Roman" pitchFamily="18" charset="0"/>
+              </a:rPr>
+              <a:t>Occasionalmente si può avere il bisogno di typecastare la risorsa drawable alla sua classe esatta, come quando serve usare caratteristiche specifiche della classe  VectorDrawable. Per farlo, bisogna usare il seguente codice </a:t>
+            </a:r>
+            <a:r>
+              <a:rPr lang="it-IT" sz="2400" smtClean="0">
+                <a:latin typeface="Times New Roman" pitchFamily="18" charset="0"/>
+                <a:cs typeface="Times New Roman" pitchFamily="18" charset="0"/>
+              </a:rPr>
+              <a:t>Java</a:t>
+            </a:r>
+            <a:r>
+              <a:rPr lang="it-IT" sz="2400" smtClean="0">
+                <a:latin typeface="Times New Roman" pitchFamily="18" charset="0"/>
+                <a:cs typeface="Times New Roman" pitchFamily="18" charset="0"/>
+              </a:rPr>
+              <a:t>:</a:t>
+            </a:r>
+          </a:p>
+          <a:p>
+            <a:pPr>
+              <a:buNone/>
+            </a:pPr>
+            <a:endParaRPr lang="it-IT" sz="2400" smtClean="0">
+              <a:latin typeface="Times New Roman" pitchFamily="18" charset="0"/>
+              <a:cs typeface="Times New Roman" pitchFamily="18" charset="0"/>
+            </a:endParaRPr>
+          </a:p>
+          <a:p>
+            <a:pPr>
+              <a:buNone/>
+            </a:pPr>
+            <a:r>
+              <a:rPr lang="en-US" sz="1800" smtClean="0">
+                <a:latin typeface="+mj-lt"/>
+              </a:rPr>
+              <a:t>if (Build.VERSION.SDK_INT &gt;= Build.VERSION_CODES.LOLLIPOP) {</a:t>
+            </a:r>
+            <a:br>
+              <a:rPr lang="en-US" sz="1800" smtClean="0">
+                <a:latin typeface="+mj-lt"/>
+              </a:rPr>
+            </a:br>
+            <a:r>
+              <a:rPr lang="en-US" sz="1800" smtClean="0">
+                <a:latin typeface="+mj-lt"/>
+              </a:rPr>
+              <a:t>   VectorDrawable vectorDrawable = (VectorDrawable) drawable;</a:t>
+            </a:r>
+            <a:br>
+              <a:rPr lang="en-US" sz="1800" smtClean="0">
+                <a:latin typeface="+mj-lt"/>
+              </a:rPr>
+            </a:br>
+            <a:r>
+              <a:rPr lang="en-US" sz="1800" smtClean="0">
+                <a:latin typeface="+mj-lt"/>
+              </a:rPr>
+              <a:t>} else {</a:t>
+            </a:r>
+            <a:br>
+              <a:rPr lang="en-US" sz="1800" smtClean="0">
+                <a:latin typeface="+mj-lt"/>
+              </a:rPr>
+            </a:br>
+            <a:r>
+              <a:rPr lang="en-US" sz="1800" smtClean="0">
+                <a:latin typeface="+mj-lt"/>
+              </a:rPr>
+              <a:t>   BitmapDrawable bitmapDrawable = (BitmapDrawable) drawable;</a:t>
+            </a:r>
+            <a:br>
+              <a:rPr lang="en-US" sz="1800" smtClean="0">
+                <a:latin typeface="+mj-lt"/>
+              </a:rPr>
+            </a:br>
+            <a:r>
+              <a:rPr lang="en-US" sz="1800" smtClean="0">
+                <a:latin typeface="+mj-lt"/>
+              </a:rPr>
+              <a:t>}</a:t>
+            </a:r>
+            <a:endParaRPr lang="it-IT" sz="1800" smtClean="0">
+              <a:latin typeface="+mj-lt"/>
+              <a:cs typeface="Times New Roman" pitchFamily="18" charset="0"/>
+            </a:endParaRPr>
+          </a:p>
+          <a:p>
+            <a:endParaRPr lang="it-IT"/>
+          </a:p>
+        </p:txBody>
+      </p:sp>
+      <p:sp>
+        <p:nvSpPr>
+          <p:cNvPr id="4" name="Segnaposto data 3"/>
+          <p:cNvSpPr>
+            <a:spLocks noGrp="1"/>
+          </p:cNvSpPr>
+          <p:nvPr>
+            <p:ph type="dt" sz="half" idx="10"/>
+          </p:nvPr>
+        </p:nvSpPr>
+        <p:spPr/>
+        <p:txBody>
+          <a:bodyPr/>
+          <a:lstStyle/>
+          <a:p>
+            <a:pPr rtl="0"/>
+            <a:fld id="{85E0D28E-6F2F-4715-A424-3B01AC64AD4B}" type="datetime1">
+              <a:rPr lang="it-IT" smtClean="0"/>
+              <a:pPr rtl="0"/>
+              <a:t>07/06/2020</a:t>
+            </a:fld>
+            <a:endParaRPr lang="en-US"/>
+          </a:p>
+        </p:txBody>
+      </p:sp>
+    </p:spTree>
+  </p:cSld>
+  <p:clrMapOvr>
+    <a:masterClrMapping/>
+  </p:clrMapOvr>
+</p:sld>
+</file>
+
+<file path=ppt/slides/slide41.xml><?xml version="1.0" encoding="utf-8"?>
+<p:sld xmlns:a="http://schemas.openxmlformats.org/drawingml/2006/main" xmlns:r="http://schemas.openxmlformats.org/officeDocument/2006/relationships" xmlns:p="http://schemas.openxmlformats.org/presentationml/2006/main">
+  <p:cSld>
+    <p:spTree>
+      <p:nvGrpSpPr>
+        <p:cNvPr id="1" name=""/>
+        <p:cNvGrpSpPr/>
+        <p:nvPr/>
+      </p:nvGrpSpPr>
+      <p:grpSpPr>
+        <a:xfrm>
+          <a:off x="0" y="0"/>
+          <a:ext cx="0" cy="0"/>
+          <a:chOff x="0" y="0"/>
+          <a:chExt cx="0" cy="0"/>
+        </a:xfrm>
+      </p:grpSpPr>
+      <p:sp>
+        <p:nvSpPr>
+          <p:cNvPr id="2" name="Titolo 1"/>
+          <p:cNvSpPr>
+            <a:spLocks noGrp="1"/>
+          </p:cNvSpPr>
+          <p:nvPr>
+            <p:ph type="title"/>
+          </p:nvPr>
+        </p:nvSpPr>
+        <p:spPr/>
+        <p:txBody>
+          <a:bodyPr/>
+          <a:lstStyle/>
+          <a:p>
+            <a:endParaRPr lang="it-IT"/>
+          </a:p>
+        </p:txBody>
+      </p:sp>
+      <p:sp>
+        <p:nvSpPr>
+          <p:cNvPr id="3" name="Segnaposto contenuto 2"/>
+          <p:cNvSpPr>
+            <a:spLocks noGrp="1"/>
+          </p:cNvSpPr>
+          <p:nvPr>
+            <p:ph idx="1"/>
+          </p:nvPr>
+        </p:nvSpPr>
+        <p:spPr/>
+        <p:txBody>
+          <a:bodyPr/>
+          <a:lstStyle/>
+          <a:p>
+            <a:endParaRPr lang="it-IT"/>
+          </a:p>
+        </p:txBody>
+      </p:sp>
+      <p:sp>
+        <p:nvSpPr>
+          <p:cNvPr id="4" name="Segnaposto data 3"/>
+          <p:cNvSpPr>
+            <a:spLocks noGrp="1"/>
+          </p:cNvSpPr>
+          <p:nvPr>
+            <p:ph type="dt" sz="half" idx="10"/>
+          </p:nvPr>
+        </p:nvSpPr>
+        <p:spPr/>
+        <p:txBody>
+          <a:bodyPr/>
+          <a:lstStyle/>
+          <a:p>
+            <a:pPr rtl="0"/>
+            <a:fld id="{85E0D28E-6F2F-4715-A424-3B01AC64AD4B}" type="datetime1">
+              <a:rPr lang="it-IT" smtClean="0"/>
+              <a:pPr rtl="0"/>
+              <a:t>07/06/2020</a:t>
+            </a:fld>
+            <a:endParaRPr lang="en-US"/>
+          </a:p>
+        </p:txBody>
+      </p:sp>
+    </p:spTree>
+  </p:cSld>
+  <p:clrMapOvr>
+    <a:masterClrMapping/>
+  </p:clrMapOvr>
+</p:sld>
+</file>
+
+<file path=ppt/slides/slide42.xml><?xml version="1.0" encoding="utf-8"?>
+<p:sld xmlns:a="http://schemas.openxmlformats.org/drawingml/2006/main" xmlns:r="http://schemas.openxmlformats.org/officeDocument/2006/relationships" xmlns:p="http://schemas.openxmlformats.org/presentationml/2006/main">
+  <p:cSld>
+    <p:spTree>
+      <p:nvGrpSpPr>
+        <p:cNvPr id="1" name=""/>
+        <p:cNvGrpSpPr/>
+        <p:nvPr/>
+      </p:nvGrpSpPr>
+      <p:grpSpPr>
+        <a:xfrm>
+          <a:off x="0" y="0"/>
+          <a:ext cx="0" cy="0"/>
+          <a:chOff x="0" y="0"/>
+          <a:chExt cx="0" cy="0"/>
+        </a:xfrm>
+      </p:grpSpPr>
+      <p:sp>
+        <p:nvSpPr>
+          <p:cNvPr id="2" name="Titolo 1"/>
+          <p:cNvSpPr>
+            <a:spLocks noGrp="1"/>
+          </p:cNvSpPr>
+          <p:nvPr>
+            <p:ph type="title"/>
+          </p:nvPr>
+        </p:nvSpPr>
+        <p:spPr/>
+        <p:txBody>
+          <a:bodyPr/>
+          <a:lstStyle/>
+          <a:p>
+            <a:endParaRPr lang="it-IT"/>
+          </a:p>
+        </p:txBody>
+      </p:sp>
+      <p:sp>
+        <p:nvSpPr>
+          <p:cNvPr id="3" name="Segnaposto contenuto 2"/>
+          <p:cNvSpPr>
+            <a:spLocks noGrp="1"/>
+          </p:cNvSpPr>
+          <p:nvPr>
+            <p:ph idx="1"/>
+          </p:nvPr>
+        </p:nvSpPr>
+        <p:spPr/>
+        <p:txBody>
+          <a:bodyPr/>
+          <a:lstStyle/>
+          <a:p>
+            <a:endParaRPr lang="it-IT"/>
+          </a:p>
+        </p:txBody>
+      </p:sp>
+      <p:sp>
+        <p:nvSpPr>
+          <p:cNvPr id="4" name="Segnaposto data 3"/>
+          <p:cNvSpPr>
+            <a:spLocks noGrp="1"/>
+          </p:cNvSpPr>
+          <p:nvPr>
+            <p:ph type="dt" sz="half" idx="10"/>
+          </p:nvPr>
+        </p:nvSpPr>
+        <p:spPr/>
+        <p:txBody>
+          <a:bodyPr/>
+          <a:lstStyle/>
+          <a:p>
+            <a:pPr rtl="0"/>
+            <a:fld id="{85E0D28E-6F2F-4715-A424-3B01AC64AD4B}" type="datetime1">
+              <a:rPr lang="it-IT" smtClean="0"/>
+              <a:pPr rtl="0"/>
+              <a:t>07/06/2020</a:t>
+            </a:fld>
+            <a:endParaRPr lang="en-US"/>
+          </a:p>
+        </p:txBody>
+      </p:sp>
+    </p:spTree>
+  </p:cSld>
+  <p:clrMapOvr>
+    <a:masterClrMapping/>
+  </p:clrMapOvr>
+</p:sld>
+</file>
+
+<file path=ppt/slides/slide43.xml><?xml version="1.0" encoding="utf-8"?>
+<p:sld xmlns:a="http://schemas.openxmlformats.org/drawingml/2006/main" xmlns:r="http://schemas.openxmlformats.org/officeDocument/2006/relationships" xmlns:p="http://schemas.openxmlformats.org/presentationml/2006/main">
+  <p:cSld>
+    <p:spTree>
+      <p:nvGrpSpPr>
+        <p:cNvPr id="1" name=""/>
+        <p:cNvGrpSpPr/>
+        <p:nvPr/>
+      </p:nvGrpSpPr>
+      <p:grpSpPr>
+        <a:xfrm>
+          <a:off x="0" y="0"/>
+          <a:ext cx="0" cy="0"/>
+          <a:chOff x="0" y="0"/>
+          <a:chExt cx="0" cy="0"/>
+        </a:xfrm>
+      </p:grpSpPr>
+      <p:sp>
+        <p:nvSpPr>
+          <p:cNvPr id="2" name="Titolo 1"/>
+          <p:cNvSpPr>
+            <a:spLocks noGrp="1"/>
+          </p:cNvSpPr>
+          <p:nvPr>
+            <p:ph type="title"/>
+          </p:nvPr>
+        </p:nvSpPr>
+        <p:spPr/>
+        <p:txBody>
+          <a:bodyPr/>
+          <a:lstStyle/>
+          <a:p>
+            <a:r>
+              <a:rPr lang="it-IT" smtClean="0"/>
+              <a:t>Modificare codice XML generato</a:t>
+            </a:r>
+            <a:endParaRPr lang="it-IT"/>
+          </a:p>
+        </p:txBody>
+      </p:sp>
+      <p:sp>
+        <p:nvSpPr>
+          <p:cNvPr id="3" name="Segnaposto contenuto 2"/>
+          <p:cNvSpPr>
+            <a:spLocks noGrp="1"/>
+          </p:cNvSpPr>
+          <p:nvPr>
+            <p:ph idx="1"/>
+          </p:nvPr>
+        </p:nvSpPr>
+        <p:spPr/>
+        <p:txBody>
+          <a:bodyPr/>
+          <a:lstStyle/>
+          <a:p>
+            <a:r>
+              <a:rPr lang="it-IT" smtClean="0"/>
+              <a:t>Qua escono un boston de slide ma adesso piscio</a:t>
+            </a:r>
+            <a:endParaRPr lang="it-IT"/>
+          </a:p>
+        </p:txBody>
+      </p:sp>
+      <p:sp>
+        <p:nvSpPr>
+          <p:cNvPr id="4" name="Segnaposto data 3"/>
+          <p:cNvSpPr>
+            <a:spLocks noGrp="1"/>
+          </p:cNvSpPr>
+          <p:nvPr>
+            <p:ph type="dt" sz="half" idx="10"/>
+          </p:nvPr>
+        </p:nvSpPr>
+        <p:spPr/>
+        <p:txBody>
+          <a:bodyPr/>
+          <a:lstStyle/>
+          <a:p>
+            <a:pPr rtl="0"/>
+            <a:fld id="{85E0D28E-6F2F-4715-A424-3B01AC64AD4B}" type="datetime1">
+              <a:rPr lang="it-IT" smtClean="0"/>
+              <a:pPr rtl="0"/>
+              <a:t>07/06/2020</a:t>
+            </a:fld>
+            <a:endParaRPr lang="en-US"/>
+          </a:p>
+        </p:txBody>
+      </p:sp>
+    </p:spTree>
+  </p:cSld>
+  <p:clrMapOvr>
+    <a:masterClrMapping/>
+  </p:clrMapOvr>
+</p:sld>
+</file>
+
+<file path=ppt/slides/slide44.xml><?xml version="1.0" encoding="utf-8"?>
+<p:sld xmlns:a="http://schemas.openxmlformats.org/drawingml/2006/main" xmlns:r="http://schemas.openxmlformats.org/officeDocument/2006/relationships" xmlns:p="http://schemas.openxmlformats.org/presentationml/2006/main">
+  <p:cSld>
+    <p:spTree>
+      <p:nvGrpSpPr>
+        <p:cNvPr id="1" name=""/>
+        <p:cNvGrpSpPr/>
+        <p:nvPr/>
+      </p:nvGrpSpPr>
+      <p:grpSpPr>
+        <a:xfrm>
+          <a:off x="0" y="0"/>
+          <a:ext cx="0" cy="0"/>
+          <a:chOff x="0" y="0"/>
+          <a:chExt cx="0" cy="0"/>
+        </a:xfrm>
+      </p:grpSpPr>
+      <p:sp>
+        <p:nvSpPr>
+          <p:cNvPr id="2" name="Titolo 1"/>
+          <p:cNvSpPr>
+            <a:spLocks noGrp="1"/>
+          </p:cNvSpPr>
+          <p:nvPr>
+            <p:ph type="title"/>
+          </p:nvPr>
+        </p:nvSpPr>
+        <p:spPr/>
+        <p:txBody>
+          <a:bodyPr/>
+          <a:lstStyle/>
+          <a:p>
+            <a:r>
+              <a:rPr lang="it-IT" smtClean="0"/>
+              <a:t>Cose da rivedere sulle slide</a:t>
+            </a:r>
+            <a:endParaRPr lang="it-IT"/>
+          </a:p>
+        </p:txBody>
+      </p:sp>
+      <p:sp>
+        <p:nvSpPr>
+          <p:cNvPr id="3" name="Segnaposto contenuto 2"/>
+          <p:cNvSpPr>
+            <a:spLocks noGrp="1"/>
+          </p:cNvSpPr>
+          <p:nvPr>
+            <p:ph idx="1"/>
+          </p:nvPr>
+        </p:nvSpPr>
+        <p:spPr/>
+        <p:txBody>
+          <a:bodyPr/>
+          <a:lstStyle/>
+          <a:p>
+            <a:r>
+              <a:rPr lang="it-IT" smtClean="0"/>
+              <a:t>In uno stesso argomento:  scrivere sempre il titolo come in “mostrare vector drawable su widget”, oppure scrivere l’argomento in basso a sinistra piccolino come in “introduzione” (mi piace di più la prima scelta)</a:t>
+            </a:r>
+          </a:p>
+          <a:p>
+            <a:r>
+              <a:rPr lang="it-IT" smtClean="0"/>
+              <a:t>Caricare parecchi screen per fare più slide, soprattutto dove ci sono dei passaggi da seguire</a:t>
+            </a:r>
+          </a:p>
+          <a:p>
+            <a:r>
+              <a:rPr lang="it-IT" smtClean="0"/>
+              <a:t>Rendere consistente il font e lo sfondo slide</a:t>
+            </a:r>
+          </a:p>
+          <a:p>
+            <a:r>
+              <a:rPr lang="it-IT" smtClean="0"/>
+              <a:t>Consiglio di luca bec: a Regoli piacciono le slide a fondo bianco – cambiare queste</a:t>
+            </a:r>
+          </a:p>
+          <a:p>
+            <a:r>
+              <a:rPr lang="it-IT" smtClean="0"/>
+              <a:t>Quando ci sono scritti gli snippet, possibilmente riscriverli su android studio e caricare le immagini invece che le scritte (solo che così non si può fare copia e incolla, come faceva Falessi quel cane)</a:t>
+            </a:r>
+            <a:endParaRPr lang="it-IT"/>
+          </a:p>
+        </p:txBody>
+      </p:sp>
+      <p:sp>
+        <p:nvSpPr>
+          <p:cNvPr id="4" name="Segnaposto data 3"/>
+          <p:cNvSpPr>
+            <a:spLocks noGrp="1"/>
+          </p:cNvSpPr>
+          <p:nvPr>
+            <p:ph type="dt" sz="half" idx="10"/>
+          </p:nvPr>
+        </p:nvSpPr>
+        <p:spPr/>
+        <p:txBody>
+          <a:bodyPr/>
+          <a:lstStyle/>
+          <a:p>
+            <a:pPr rtl="0"/>
+            <a:fld id="{85E0D28E-6F2F-4715-A424-3B01AC64AD4B}" type="datetime1">
+              <a:rPr lang="it-IT" smtClean="0"/>
+              <a:pPr rtl="0"/>
+              <a:t>07/06/2020</a:t>
+            </a:fld>
+            <a:endParaRPr lang="en-US"/>
+          </a:p>
+        </p:txBody>
+      </p:sp>
+    </p:spTree>
   </p:cSld>
   <p:clrMapOvr>
     <a:masterClrMapping/>
@@ -8714,7 +11408,7 @@
           <p:cNvPr id="2" name="Titolo 1">
             <a:extLst>
               <a:ext uri="{FF2B5EF4-FFF2-40B4-BE49-F238E27FC236}">
-                <a16:creationId xmlns:a16="http://schemas.microsoft.com/office/drawing/2014/main" xmlns="" id="{1649DCAD-FA38-436C-B106-A235F4692CCA}"/>
+                <a16:creationId xmlns="" xmlns:a16="http://schemas.microsoft.com/office/drawing/2014/main" id="{833E92F7-52A9-4816-8B4F-FF5856EEA76B}"/>
               </a:ext>
             </a:extLst>
           </p:cNvPr>
@@ -8727,12 +11421,16 @@
         </p:nvSpPr>
         <p:spPr/>
         <p:txBody>
-          <a:bodyPr/>
-          <a:lstStyle/>
-          <a:p>
-            <a:r>
-              <a:rPr lang="it-IT" dirty="0"/>
-              <a:t>Pro e contro dei due formati</a:t>
+          <a:bodyPr>
+            <a:normAutofit/>
+          </a:bodyPr>
+          <a:lstStyle/>
+          <a:p>
+            <a:r>
+              <a:rPr lang="it-IT" dirty="0">
+                <a:cs typeface="Times New Roman" panose="02020603050405020304" pitchFamily="18" charset="0"/>
+              </a:rPr>
+              <a:t>Tipi di grafica vettoriale supportati</a:t>
             </a:r>
           </a:p>
         </p:txBody>
@@ -8742,7 +11440,7 @@
           <p:cNvPr id="3" name="Segnaposto contenuto 2">
             <a:extLst>
               <a:ext uri="{FF2B5EF4-FFF2-40B4-BE49-F238E27FC236}">
-                <a16:creationId xmlns:a16="http://schemas.microsoft.com/office/drawing/2014/main" xmlns="" id="{AE9CA38E-DEB8-4B3C-A7EF-B065EE73E1B7}"/>
+                <a16:creationId xmlns="" xmlns:a16="http://schemas.microsoft.com/office/drawing/2014/main" id="{C07759CF-19AE-4727-AFE3-6FB54EE58A26}"/>
               </a:ext>
             </a:extLst>
           </p:cNvPr>
@@ -8756,7 +11454,7 @@
         <p:spPr/>
         <p:txBody>
           <a:bodyPr>
-            <a:normAutofit/>
+            <a:normAutofit fontScale="92500" lnSpcReduction="20000"/>
           </a:bodyPr>
           <a:lstStyle/>
           <a:p>
@@ -8764,106 +11462,213 @@
               <a:buNone/>
             </a:pPr>
             <a:r>
-              <a:rPr lang="it-IT" sz="3200" dirty="0">
+              <a:rPr lang="it-IT" sz="2600" dirty="0">
                 <a:latin typeface="Times New Roman" panose="02020603050405020304" pitchFamily="18" charset="0"/>
                 <a:cs typeface="Times New Roman" panose="02020603050405020304" pitchFamily="18" charset="0"/>
               </a:rPr>
-              <a:t>Le immagini </a:t>
-            </a:r>
-            <a:r>
-              <a:rPr lang="it-IT" sz="3200" dirty="0" err="1">
+              <a:t>Google </a:t>
+            </a:r>
+            <a:r>
+              <a:rPr lang="it-IT" sz="2600" dirty="0" err="1">
                 <a:latin typeface="Times New Roman" panose="02020603050405020304" pitchFamily="18" charset="0"/>
                 <a:cs typeface="Times New Roman" panose="02020603050405020304" pitchFamily="18" charset="0"/>
               </a:rPr>
-              <a:t>raster</a:t>
-            </a:r>
-            <a:r>
-              <a:rPr lang="it-IT" sz="3200" dirty="0">
+              <a:t>Material</a:t>
+            </a:r>
+            <a:r>
+              <a:rPr lang="it-IT" sz="2600" dirty="0">
                 <a:latin typeface="Times New Roman" panose="02020603050405020304" pitchFamily="18" charset="0"/>
                 <a:cs typeface="Times New Roman" panose="02020603050405020304" pitchFamily="18" charset="0"/>
               </a:rPr>
-              <a:t>:</a:t>
-            </a:r>
-          </a:p>
-          <a:p>
-            <a:r>
-              <a:rPr lang="it-IT" sz="2800" dirty="0">
+              <a:t> Design offre icone materiali che si possono usare nelle applicazioni Android. </a:t>
+            </a:r>
+            <a:r>
+              <a:rPr lang="it-IT" sz="2600" dirty="0" err="1">
                 <a:latin typeface="Times New Roman" panose="02020603050405020304" pitchFamily="18" charset="0"/>
                 <a:cs typeface="Times New Roman" panose="02020603050405020304" pitchFamily="18" charset="0"/>
               </a:rPr>
-              <a:t>Il principale vantaggio di un’immagine </a:t>
-            </a:r>
-            <a:r>
-              <a:rPr lang="it-IT" sz="2800" dirty="0" err="1">
+              <a:t>Vector</a:t>
+            </a:r>
+            <a:r>
+              <a:rPr lang="it-IT" sz="2600" dirty="0">
                 <a:latin typeface="Times New Roman" panose="02020603050405020304" pitchFamily="18" charset="0"/>
                 <a:cs typeface="Times New Roman" panose="02020603050405020304" pitchFamily="18" charset="0"/>
               </a:rPr>
-              <a:t>raster</a:t>
-            </a:r>
-            <a:r>
-              <a:rPr lang="it-IT" sz="2800" dirty="0">
+              <a:t> Asset Studio aiuta l’utente a scegliere, importare e dimensionare queste icone, per poi poter definire l’opacità e anche le impostazioni di mirroring.</a:t>
+            </a:r>
+          </a:p>
+          <a:p>
+            <a:pPr marL="0" indent="0">
+              <a:buNone/>
+            </a:pPr>
+            <a:r>
+              <a:rPr lang="it-IT" sz="2600" dirty="0">
                 <a:latin typeface="Times New Roman" panose="02020603050405020304" pitchFamily="18" charset="0"/>
                 <a:cs typeface="Times New Roman" panose="02020603050405020304" pitchFamily="18" charset="0"/>
               </a:rPr>
-              <a:t> è che, grazie ai milioni di pixel che la compongono, può rappresentare svariati dettagli. </a:t>
-            </a:r>
-          </a:p>
-          <a:p>
-            <a:r>
-              <a:rPr lang="it-IT" sz="2800" dirty="0">
+              <a:t>Con </a:t>
+            </a:r>
+            <a:r>
+              <a:rPr lang="it-IT" sz="2600" dirty="0" err="1">
                 <a:latin typeface="Times New Roman" panose="02020603050405020304" pitchFamily="18" charset="0"/>
                 <a:cs typeface="Times New Roman" panose="02020603050405020304" pitchFamily="18" charset="0"/>
               </a:rPr>
-              <a:t>Lo svantaggio </a:t>
-            </a:r>
-            <a:r>
-              <a:rPr lang="it-IT" sz="2800">
+              <a:t>Vector</a:t>
+            </a:r>
+            <a:r>
+              <a:rPr lang="it-IT" sz="2600" dirty="0">
                 <a:latin typeface="Times New Roman" panose="02020603050405020304" pitchFamily="18" charset="0"/>
                 <a:cs typeface="Times New Roman" panose="02020603050405020304" pitchFamily="18" charset="0"/>
               </a:rPr>
-              <a:t>è </a:t>
-            </a:r>
-            <a:r>
-              <a:rPr lang="it-IT" sz="2800" smtClean="0">
+              <a:t> Asset Studio, inoltre, l’utente può importare i propri file SVG e PSD, anche se non ne supporta tutti gli aspetti. Una volta scelto il file, </a:t>
+            </a:r>
+            <a:r>
+              <a:rPr lang="it-IT" sz="2600" dirty="0" err="1">
                 <a:latin typeface="Times New Roman" panose="02020603050405020304" pitchFamily="18" charset="0"/>
                 <a:cs typeface="Times New Roman" panose="02020603050405020304" pitchFamily="18" charset="0"/>
               </a:rPr>
-              <a:t>che nel </a:t>
-            </a:r>
-            <a:r>
-              <a:rPr lang="it-IT" sz="2800" dirty="0">
+              <a:t>Vector</a:t>
+            </a:r>
+            <a:r>
+              <a:rPr lang="it-IT" sz="2600" dirty="0">
                 <a:latin typeface="Times New Roman" panose="02020603050405020304" pitchFamily="18" charset="0"/>
                 <a:cs typeface="Times New Roman" panose="02020603050405020304" pitchFamily="18" charset="0"/>
               </a:rPr>
-              <a:t>momento in cui vengono ingrandite oltre le loro dimensioni originali, subiscono perdite di dettagli e appaiono sgranate o dentellate (Effetto </a:t>
-            </a:r>
-            <a:r>
-              <a:rPr lang="it-IT" sz="2800" dirty="0" err="1">
+              <a:t> Asset Studio fornisce un feedback immediato se il codice grafico è supportato o no. Poi converte il file in un XML che contiene codice </a:t>
+            </a:r>
+            <a:r>
+              <a:rPr lang="it-IT" sz="2600" dirty="0" err="1">
+                <a:latin typeface="Courier New" pitchFamily="49" charset="0"/>
+                <a:cs typeface="Courier New" pitchFamily="49" charset="0"/>
+              </a:rPr>
+              <a:t>VectorDrawable</a:t>
+            </a:r>
+            <a:r>
+              <a:rPr lang="it-IT" sz="2600" dirty="0">
                 <a:latin typeface="Times New Roman" panose="02020603050405020304" pitchFamily="18" charset="0"/>
                 <a:cs typeface="Times New Roman" panose="02020603050405020304" pitchFamily="18" charset="0"/>
               </a:rPr>
-              <a:t>Pixellatura</a:t>
-            </a:r>
-            <a:r>
-              <a:rPr lang="it-IT" sz="2800" dirty="0">
+              <a:t>. Per versioni Android 5.0 (API </a:t>
+            </a:r>
+            <a:r>
+              <a:rPr lang="it-IT" sz="2600" dirty="0" err="1">
                 <a:latin typeface="Times New Roman" panose="02020603050405020304" pitchFamily="18" charset="0"/>
                 <a:cs typeface="Times New Roman" panose="02020603050405020304" pitchFamily="18" charset="0"/>
               </a:rPr>
-              <a:t>).</a:t>
-            </a:r>
-          </a:p>
-          <a:p>
-            <a:endParaRPr lang="it-IT" sz="3600" dirty="0"/>
-          </a:p>
-          <a:p>
-            <a:endParaRPr lang="it-IT" sz="3600" dirty="0"/>
+              <a:t>level</a:t>
+            </a:r>
+            <a:r>
+              <a:rPr lang="it-IT" sz="2600" dirty="0">
+                <a:latin typeface="Times New Roman" panose="02020603050405020304" pitchFamily="18" charset="0"/>
+                <a:cs typeface="Times New Roman" panose="02020603050405020304" pitchFamily="18" charset="0"/>
+              </a:rPr>
+              <a:t> 21) e più recenti, si può usare la classe </a:t>
+            </a:r>
+            <a:r>
+              <a:rPr lang="it-IT" sz="2600" dirty="0" err="1">
+                <a:latin typeface="Courier New" pitchFamily="49" charset="0"/>
+                <a:cs typeface="Courier New" pitchFamily="49" charset="0"/>
+              </a:rPr>
+              <a:t>AnimatedVectorDrawable</a:t>
+            </a:r>
+            <a:r>
+              <a:rPr lang="it-IT" sz="2600" dirty="0">
+                <a:latin typeface="Times New Roman" panose="02020603050405020304" pitchFamily="18" charset="0"/>
+                <a:cs typeface="Times New Roman" panose="02020603050405020304" pitchFamily="18" charset="0"/>
+              </a:rPr>
+              <a:t> per, appunto, animare le proprietà della classe </a:t>
+            </a:r>
+            <a:r>
+              <a:rPr lang="it-IT" sz="2600" dirty="0" err="1">
+                <a:latin typeface="Courier New" pitchFamily="49" charset="0"/>
+                <a:cs typeface="Courier New" pitchFamily="49" charset="0"/>
+              </a:rPr>
+              <a:t>VectorDrawable</a:t>
+            </a:r>
+            <a:r>
+              <a:rPr lang="it-IT" sz="2600" dirty="0">
+                <a:latin typeface="Times New Roman" panose="02020603050405020304" pitchFamily="18" charset="0"/>
+                <a:cs typeface="Times New Roman" panose="02020603050405020304" pitchFamily="18" charset="0"/>
+              </a:rPr>
+              <a:t>.</a:t>
+            </a:r>
+          </a:p>
+          <a:p>
+            <a:endParaRPr lang="it-IT" dirty="0"/>
+          </a:p>
+        </p:txBody>
+      </p:sp>
+      <p:sp>
+        <p:nvSpPr>
+          <p:cNvPr id="4" name="Segnaposto data 3">
+            <a:extLst>
+              <a:ext uri="{FF2B5EF4-FFF2-40B4-BE49-F238E27FC236}">
+                <a16:creationId xmlns="" xmlns:a16="http://schemas.microsoft.com/office/drawing/2014/main" id="{9F73E2D9-1246-4573-B0FE-02611677EC5D}"/>
+              </a:ext>
+            </a:extLst>
+          </p:cNvPr>
+          <p:cNvSpPr>
+            <a:spLocks noGrp="1"/>
+          </p:cNvSpPr>
+          <p:nvPr>
+            <p:ph type="dt" sz="half" idx="10"/>
+          </p:nvPr>
+        </p:nvSpPr>
+        <p:spPr/>
+        <p:txBody>
+          <a:bodyPr/>
+          <a:lstStyle/>
+          <a:p>
+            <a:pPr rtl="0"/>
+            <a:fld id="{85E0D28E-6F2F-4715-A424-3B01AC64AD4B}" type="datetime1">
+              <a:rPr lang="it-IT" smtClean="0"/>
+              <a:pPr rtl="0"/>
+              <a:t>07/06/2020</a:t>
+            </a:fld>
+            <a:endParaRPr lang="en-US"/>
+          </a:p>
+        </p:txBody>
+      </p:sp>
+      <p:sp>
+        <p:nvSpPr>
+          <p:cNvPr id="5" name="CasellaDiTesto 4"/>
+          <p:cNvSpPr txBox="1"/>
+          <p:nvPr/>
+        </p:nvSpPr>
+        <p:spPr>
+          <a:xfrm>
+            <a:off x="1094015" y="5992585"/>
+            <a:ext cx="4261757" cy="307777"/>
+          </a:xfrm>
+          <a:prstGeom prst="rect">
+            <a:avLst/>
+          </a:prstGeom>
+          <a:noFill/>
+        </p:spPr>
+        <p:txBody>
+          <a:bodyPr wrap="square" rtlCol="0">
+            <a:spAutoFit/>
+          </a:bodyPr>
+          <a:lstStyle/>
+          <a:p>
+            <a:r>
+              <a:rPr lang="it-IT" sz="1400" smtClean="0">
+                <a:latin typeface="Arial Rounded MT Bold" pitchFamily="34" charset="0"/>
+                <a:ea typeface="Batang" pitchFamily="18" charset="-127"/>
+              </a:rPr>
+              <a:t>Vector Asset Studio - Introduzione</a:t>
+            </a:r>
+            <a:endParaRPr lang="it-IT" sz="1400">
+              <a:latin typeface="Arial Rounded MT Bold" pitchFamily="34" charset="0"/>
+              <a:ea typeface="Batang" pitchFamily="18" charset="-127"/>
+            </a:endParaRPr>
           </a:p>
         </p:txBody>
       </p:sp>
     </p:spTree>
     <p:extLst>
       <p:ext uri="{BB962C8B-B14F-4D97-AF65-F5344CB8AC3E}">
-        <p14:creationId xmlns:p14="http://schemas.microsoft.com/office/powerpoint/2010/main" xmlns="" val="1909592427"/>
+        <p14:creationId xmlns="" xmlns:p14="http://schemas.microsoft.com/office/powerpoint/2010/main" val="2328969674"/>
       </p:ext>
     </p:extLst>
   </p:cSld>
@@ -8895,7 +11700,7 @@
           <p:cNvPr id="2" name="Titolo 1">
             <a:extLst>
               <a:ext uri="{FF2B5EF4-FFF2-40B4-BE49-F238E27FC236}">
-                <a16:creationId xmlns:a16="http://schemas.microsoft.com/office/drawing/2014/main" xmlns="" id="{DB6E8F6D-14C5-4FD7-BE1E-94F2CEBBD047}"/>
+                <a16:creationId xmlns="" xmlns:a16="http://schemas.microsoft.com/office/drawing/2014/main" id="{08E9130B-3DA2-4409-B4FB-4ED5F7053F10}"/>
               </a:ext>
             </a:extLst>
           </p:cNvPr>
@@ -8908,12 +11713,28 @@
         </p:nvSpPr>
         <p:spPr/>
         <p:txBody>
-          <a:bodyPr/>
-          <a:lstStyle/>
-          <a:p>
-            <a:r>
-              <a:rPr lang="it-IT" dirty="0"/>
-              <a:t>Pro e contro dei due formati (2)</a:t>
+          <a:bodyPr>
+            <a:normAutofit/>
+          </a:bodyPr>
+          <a:lstStyle/>
+          <a:p>
+            <a:r>
+              <a:rPr lang="it-IT" dirty="0">
+                <a:cs typeface="Times New Roman" panose="02020603050405020304" pitchFamily="18" charset="0"/>
+              </a:rPr>
+              <a:t>Compatibilità di </a:t>
+            </a:r>
+            <a:r>
+              <a:rPr lang="it-IT" dirty="0" err="1">
+                <a:cs typeface="Times New Roman" panose="02020603050405020304" pitchFamily="18" charset="0"/>
+              </a:rPr>
+              <a:t>Vector</a:t>
+            </a:r>
+            <a:r>
+              <a:rPr lang="it-IT" dirty="0">
+                <a:cs typeface="Times New Roman" panose="02020603050405020304" pitchFamily="18" charset="0"/>
+              </a:rPr>
+              <a:t> Asset Studio</a:t>
             </a:r>
           </a:p>
         </p:txBody>
@@ -8923,7 +11744,7 @@
           <p:cNvPr id="3" name="Segnaposto contenuto 2">
             <a:extLst>
               <a:ext uri="{FF2B5EF4-FFF2-40B4-BE49-F238E27FC236}">
-                <a16:creationId xmlns:a16="http://schemas.microsoft.com/office/drawing/2014/main" xmlns="" id="{7197C251-8208-4015-BFF1-537AC8FD5152}"/>
+                <a16:creationId xmlns="" xmlns:a16="http://schemas.microsoft.com/office/drawing/2014/main" id="{72B4423A-4DCE-4192-89A0-E056AA2241FF}"/>
               </a:ext>
             </a:extLst>
           </p:cNvPr>
@@ -8934,97 +11755,284 @@
             <p:ph idx="1"/>
           </p:nvPr>
         </p:nvSpPr>
-        <p:spPr>
-          <a:xfrm>
-            <a:off x="1066800" y="2185416"/>
-            <a:ext cx="10058400" cy="3849624"/>
-          </a:xfrm>
-        </p:spPr>
-        <p:txBody>
-          <a:bodyPr/>
+        <p:spPr/>
+        <p:txBody>
+          <a:bodyPr>
+            <a:normAutofit/>
+          </a:bodyPr>
           <a:lstStyle/>
           <a:p>
             <a:pPr marL="0" indent="0">
               <a:buNone/>
             </a:pPr>
             <a:r>
-              <a:rPr lang="it-IT" sz="3200" dirty="0">
+              <a:rPr lang="it-IT" sz="2400" dirty="0">
                 <a:latin typeface="Times New Roman" panose="02020603050405020304" pitchFamily="18" charset="0"/>
                 <a:cs typeface="Times New Roman" panose="02020603050405020304" pitchFamily="18" charset="0"/>
               </a:rPr>
-              <a:t>Le immagini vettoriali:</a:t>
-            </a:r>
-            <a:endParaRPr lang="it-IT" dirty="0"/>
-          </a:p>
-          <a:p>
-            <a:r>
-              <a:rPr lang="it-IT" sz="2800" dirty="0">
+              <a:t>Se l’app ha come target versioni Lollipop o più recenti, tutta l’API </a:t>
+            </a:r>
+            <a:r>
+              <a:rPr lang="it-IT" sz="2400" dirty="0" err="1">
                 <a:latin typeface="Times New Roman" panose="02020603050405020304" pitchFamily="18" charset="0"/>
                 <a:cs typeface="Times New Roman" panose="02020603050405020304" pitchFamily="18" charset="0"/>
               </a:rPr>
-              <a:t>Possono essere ingrandite all’infinito senza subire alcuna perdita di qualità e definizione, inoltre</a:t>
-            </a:r>
-            <a:r>
-              <a:rPr lang="it-IT" b="1" dirty="0"/>
+              <a:t>spec</a:t>
+            </a:r>
+            <a:r>
+              <a:rPr lang="it-IT" sz="2400" dirty="0">
+                <a:latin typeface="Times New Roman" panose="02020603050405020304" pitchFamily="18" charset="0"/>
+                <a:cs typeface="Times New Roman" panose="02020603050405020304" pitchFamily="18" charset="0"/>
+              </a:rPr>
+              <a:t> è supportata.  </a:t>
+            </a:r>
+          </a:p>
+          <a:p>
+            <a:pPr marL="0" indent="0">
+              <a:buNone/>
+            </a:pPr>
+            <a:r>
+              <a:rPr lang="it-IT" sz="2400" dirty="0">
+                <a:latin typeface="Times New Roman" panose="02020603050405020304" pitchFamily="18" charset="0"/>
+                <a:cs typeface="Times New Roman" panose="02020603050405020304" pitchFamily="18" charset="0"/>
+              </a:rPr>
+              <a:t>Se la versione di </a:t>
+            </a:r>
+            <a:r>
+              <a:rPr lang="it-IT" sz="2400" dirty="0" err="1">
+                <a:latin typeface="Times New Roman" panose="02020603050405020304" pitchFamily="18" charset="0"/>
+                <a:cs typeface="Times New Roman" panose="02020603050405020304" pitchFamily="18" charset="0"/>
+              </a:rPr>
+              <a:t>sdk</a:t>
+            </a:r>
+            <a:r>
+              <a:rPr lang="it-IT" sz="2400" dirty="0">
+                <a:latin typeface="Times New Roman" panose="02020603050405020304" pitchFamily="18" charset="0"/>
+                <a:cs typeface="Times New Roman" panose="02020603050405020304" pitchFamily="18" charset="0"/>
+              </a:rPr>
+              <a:t> è minore di 21 ho alcune limitazioni:</a:t>
+            </a:r>
+          </a:p>
+          <a:p>
+            <a:r>
+              <a:rPr lang="it-IT" sz="2400" dirty="0">
+                <a:latin typeface="Times New Roman" panose="02020603050405020304" pitchFamily="18" charset="0"/>
+                <a:cs typeface="Times New Roman" panose="02020603050405020304" pitchFamily="18" charset="0"/>
+              </a:rPr>
+              <a:t>I tag &lt;group&gt; e &lt;clip-</a:t>
+            </a:r>
+            <a:r>
+              <a:rPr lang="it-IT" sz="2400" dirty="0" err="1">
+                <a:latin typeface="Times New Roman" panose="02020603050405020304" pitchFamily="18" charset="0"/>
+                <a:cs typeface="Times New Roman" panose="02020603050405020304" pitchFamily="18" charset="0"/>
+              </a:rPr>
+              <a:t>path</a:t>
+            </a:r>
+            <a:r>
+              <a:rPr lang="it-IT" sz="2400" dirty="0">
+                <a:latin typeface="Times New Roman" panose="02020603050405020304" pitchFamily="18" charset="0"/>
+                <a:cs typeface="Times New Roman" panose="02020603050405020304" pitchFamily="18" charset="0"/>
+              </a:rPr>
+              <a:t>&gt; non sono supportati.</a:t>
+            </a:r>
+          </a:p>
+          <a:p>
+            <a:r>
+              <a:rPr lang="it-IT" sz="2400" dirty="0">
+                <a:latin typeface="Times New Roman" panose="02020603050405020304" pitchFamily="18" charset="0"/>
+                <a:cs typeface="Times New Roman" panose="02020603050405020304" pitchFamily="18" charset="0"/>
+              </a:rPr>
+              <a:t>Posso avere solo file png statici: nel file SML del </a:t>
+            </a:r>
+            <a:r>
+              <a:rPr lang="it-IT" sz="2400" dirty="0" err="1">
+                <a:latin typeface="Times New Roman" panose="02020603050405020304" pitchFamily="18" charset="0"/>
+                <a:cs typeface="Times New Roman" panose="02020603050405020304" pitchFamily="18" charset="0"/>
+              </a:rPr>
+              <a:t>vector</a:t>
+            </a:r>
+            <a:r>
+              <a:rPr lang="it-IT" sz="2400" dirty="0">
+                <a:latin typeface="Times New Roman" panose="02020603050405020304" pitchFamily="18" charset="0"/>
+                <a:cs typeface="Times New Roman" panose="02020603050405020304" pitchFamily="18" charset="0"/>
+              </a:rPr>
               <a:t> </a:t>
             </a:r>
             <a:r>
-              <a:rPr lang="it-IT" sz="2800" dirty="0">
+              <a:rPr lang="it-IT" sz="2400" dirty="0" err="1">
                 <a:latin typeface="Times New Roman" panose="02020603050405020304" pitchFamily="18" charset="0"/>
                 <a:cs typeface="Times New Roman" panose="02020603050405020304" pitchFamily="18" charset="0"/>
               </a:rPr>
-              <a:t>il peso (in byte) di un documento è inferiore rispetto ad uno </a:t>
-            </a:r>
-            <a:r>
-              <a:rPr lang="it-IT" sz="2800" dirty="0" err="1">
+              <a:t>drawable</a:t>
+            </a:r>
+            <a:r>
+              <a:rPr lang="it-IT" sz="2400" dirty="0">
                 <a:latin typeface="Times New Roman" panose="02020603050405020304" pitchFamily="18" charset="0"/>
                 <a:cs typeface="Times New Roman" panose="02020603050405020304" pitchFamily="18" charset="0"/>
               </a:rPr>
-              <a:t>raster</a:t>
-            </a:r>
-            <a:r>
-              <a:rPr lang="it-IT" sz="2800" dirty="0">
+              <a:t> non supporto attributi dinamici (</a:t>
+            </a:r>
+            <a:r>
+              <a:rPr lang="it-IT" sz="2400" dirty="0" err="1">
                 <a:latin typeface="Times New Roman" panose="02020603050405020304" pitchFamily="18" charset="0"/>
                 <a:cs typeface="Times New Roman" panose="02020603050405020304" pitchFamily="18" charset="0"/>
               </a:rPr>
-              <a:t>.</a:t>
-            </a:r>
-          </a:p>
-          <a:p>
-            <a:r>
-              <a:rPr lang="it-IT" sz="2800" dirty="0">
+              <a:t>theming</a:t>
+            </a:r>
+            <a:r>
+              <a:rPr lang="it-IT" sz="2400" dirty="0">
                 <a:latin typeface="Times New Roman" panose="02020603050405020304" pitchFamily="18" charset="0"/>
                 <a:cs typeface="Times New Roman" panose="02020603050405020304" pitchFamily="18" charset="0"/>
               </a:rPr>
-              <a:t>Meno intuitive rispetto alle immagini </a:t>
-            </a:r>
-            <a:r>
-              <a:rPr lang="it-IT" sz="2800" dirty="0" err="1">
+              <a:t>, </a:t>
+            </a:r>
+            <a:r>
+              <a:rPr lang="it-IT" sz="2400">
                 <a:latin typeface="Times New Roman" panose="02020603050405020304" pitchFamily="18" charset="0"/>
                 <a:cs typeface="Times New Roman" panose="02020603050405020304" pitchFamily="18" charset="0"/>
               </a:rPr>
-              <a:t>raster</a:t>
-            </a:r>
-            <a:r>
-              <a:rPr lang="it-IT" sz="2800" dirty="0">
+              <a:t>auto </a:t>
+            </a:r>
+            <a:r>
+              <a:rPr lang="it-IT" sz="2400" smtClean="0">
                 <a:latin typeface="Times New Roman" panose="02020603050405020304" pitchFamily="18" charset="0"/>
                 <a:cs typeface="Times New Roman" panose="02020603050405020304" pitchFamily="18" charset="0"/>
               </a:rPr>
-              <a:t>, è più complicato lavorarci e bisogna conoscere a fondo gli strumenti da utilizzare.</a:t>
-            </a:r>
-          </a:p>
-          <a:p>
-            <a:endParaRPr lang="it-IT" sz="2800" dirty="0">
+              <a:t>mirroring…).</a:t>
+            </a:r>
+            <a:endParaRPr lang="it-IT" sz="2400" dirty="0">
               <a:latin typeface="Times New Roman" panose="02020603050405020304" pitchFamily="18" charset="0"/>
               <a:cs typeface="Times New Roman" panose="02020603050405020304" pitchFamily="18" charset="0"/>
             </a:endParaRPr>
           </a:p>
+          <a:p>
+            <a:r>
+              <a:rPr lang="it-IT" sz="2400" dirty="0">
+                <a:latin typeface="Times New Roman" panose="02020603050405020304" pitchFamily="18" charset="0"/>
+                <a:cs typeface="Times New Roman" panose="02020603050405020304" pitchFamily="18" charset="0"/>
+              </a:rPr>
+              <a:t>Non sono supportate le </a:t>
+            </a:r>
+            <a:r>
+              <a:rPr lang="it-IT" sz="2400" dirty="0" err="1">
+                <a:latin typeface="Times New Roman" panose="02020603050405020304" pitchFamily="18" charset="0"/>
+                <a:cs typeface="Times New Roman" panose="02020603050405020304" pitchFamily="18" charset="0"/>
+              </a:rPr>
+              <a:t>resources</a:t>
+            </a:r>
+            <a:r>
+              <a:rPr lang="it-IT" sz="2400" dirty="0">
+                <a:latin typeface="Times New Roman" panose="02020603050405020304" pitchFamily="18" charset="0"/>
+                <a:cs typeface="Times New Roman" panose="02020603050405020304" pitchFamily="18" charset="0"/>
+              </a:rPr>
+              <a:t> </a:t>
+            </a:r>
+            <a:r>
+              <a:rPr lang="it-IT" sz="2400" dirty="0" err="1">
+                <a:latin typeface="Times New Roman" panose="02020603050405020304" pitchFamily="18" charset="0"/>
+                <a:cs typeface="Times New Roman" panose="02020603050405020304" pitchFamily="18" charset="0"/>
+              </a:rPr>
+              <a:t>references</a:t>
+            </a:r>
+            <a:r>
+              <a:rPr lang="it-IT" sz="2400" dirty="0">
+                <a:latin typeface="Times New Roman" panose="02020603050405020304" pitchFamily="18" charset="0"/>
+                <a:cs typeface="Times New Roman" panose="02020603050405020304" pitchFamily="18" charset="0"/>
+              </a:rPr>
+              <a:t> ad altri file </a:t>
+            </a:r>
+            <a:r>
+              <a:rPr lang="it-IT" sz="2400">
+                <a:latin typeface="Times New Roman" panose="02020603050405020304" pitchFamily="18" charset="0"/>
+                <a:cs typeface="Times New Roman" panose="02020603050405020304" pitchFamily="18" charset="0"/>
+              </a:rPr>
+              <a:t>SML</a:t>
+            </a:r>
+            <a:r>
+              <a:rPr lang="it-IT" sz="2400" smtClean="0">
+                <a:latin typeface="Times New Roman" panose="02020603050405020304" pitchFamily="18" charset="0"/>
+                <a:cs typeface="Times New Roman" panose="02020603050405020304" pitchFamily="18" charset="0"/>
+              </a:rPr>
+              <a:t>.</a:t>
+            </a:r>
+            <a:endParaRPr lang="it-IT" sz="2400" dirty="0">
+              <a:latin typeface="Times New Roman" panose="02020603050405020304" pitchFamily="18" charset="0"/>
+              <a:cs typeface="Times New Roman" panose="02020603050405020304" pitchFamily="18" charset="0"/>
+            </a:endParaRPr>
+          </a:p>
+        </p:txBody>
+      </p:sp>
+      <p:sp>
+        <p:nvSpPr>
+          <p:cNvPr id="4" name="Segnaposto data 3">
+            <a:extLst>
+              <a:ext uri="{FF2B5EF4-FFF2-40B4-BE49-F238E27FC236}">
+                <a16:creationId xmlns="" xmlns:a16="http://schemas.microsoft.com/office/drawing/2014/main" id="{385DA464-32FA-4976-83FD-03C573CDCF7E}"/>
+              </a:ext>
+            </a:extLst>
+          </p:cNvPr>
+          <p:cNvSpPr>
+            <a:spLocks noGrp="1"/>
+          </p:cNvSpPr>
+          <p:nvPr>
+            <p:ph type="dt" sz="half" idx="10"/>
+          </p:nvPr>
+        </p:nvSpPr>
+        <p:spPr/>
+        <p:txBody>
+          <a:bodyPr/>
+          <a:lstStyle/>
+          <a:p>
+            <a:pPr rtl="0"/>
+            <a:fld id="{85E0D28E-6F2F-4715-A424-3B01AC64AD4B}" type="datetime1">
+              <a:rPr lang="it-IT" smtClean="0"/>
+              <a:pPr rtl="0"/>
+              <a:t>07/06/2020</a:t>
+            </a:fld>
+            <a:endParaRPr lang="en-US"/>
+          </a:p>
+        </p:txBody>
+      </p:sp>
+      <p:sp>
+        <p:nvSpPr>
+          <p:cNvPr id="5" name="CasellaDiTesto 4"/>
+          <p:cNvSpPr txBox="1"/>
+          <p:nvPr/>
+        </p:nvSpPr>
+        <p:spPr>
+          <a:xfrm>
+            <a:off x="1159329" y="5910943"/>
+            <a:ext cx="4261757" cy="307777"/>
+          </a:xfrm>
+          <a:prstGeom prst="rect">
+            <a:avLst/>
+          </a:prstGeom>
+          <a:noFill/>
+        </p:spPr>
+        <p:txBody>
+          <a:bodyPr wrap="square" rtlCol="0">
+            <a:spAutoFit/>
+          </a:bodyPr>
+          <a:lstStyle/>
+          <a:p>
+            <a:r>
+              <a:rPr lang="it-IT" sz="1400" smtClean="0">
+                <a:latin typeface="Arial Rounded MT Bold" pitchFamily="34" charset="0"/>
+                <a:ea typeface="Batang" pitchFamily="18" charset="-127"/>
+              </a:rPr>
+              <a:t>Vector Asset Studio - Introduzione</a:t>
+            </a:r>
+            <a:endParaRPr lang="it-IT" sz="1400">
+              <a:latin typeface="Arial Rounded MT Bold" pitchFamily="34" charset="0"/>
+              <a:ea typeface="Batang" pitchFamily="18" charset="-127"/>
+            </a:endParaRPr>
+          </a:p>
         </p:txBody>
       </p:sp>
     </p:spTree>
     <p:extLst>
       <p:ext uri="{BB962C8B-B14F-4D97-AF65-F5344CB8AC3E}">
-        <p14:creationId xmlns:p14="http://schemas.microsoft.com/office/powerpoint/2010/main" xmlns="" val="2542699001"/>
+        <p14:creationId xmlns="" xmlns:p14="http://schemas.microsoft.com/office/powerpoint/2010/main" val="520281786"/>
       </p:ext>
     </p:extLst>
   </p:cSld>
@@ -9068,7 +12076,7 @@
           <a:p>
             <a:r>
               <a:rPr lang="it-IT" smtClean="0"/>
-              <a:t>In conclusione</a:t>
+              <a:t>Compatibilità di Vector Asset Studio (2)</a:t>
             </a:r>
             <a:endParaRPr lang="it-IT"/>
           </a:p>
@@ -9089,58 +12097,28 @@
           <a:bodyPr/>
           <a:lstStyle/>
           <a:p>
-            <a:pPr>
+            <a:pPr marL="0" indent="0">
               <a:buNone/>
             </a:pPr>
             <a:r>
               <a:rPr lang="it-IT" sz="2400" smtClean="0">
-                <a:latin typeface="Times New Roman" pitchFamily="18" charset="0"/>
-                <a:cs typeface="Times New Roman" pitchFamily="18" charset="0"/>
-              </a:rPr>
-              <a:t>Il vector drawable è appropriato per icone semplici, mentre quelle con troppi dettagli funzionano meglio come immagini </a:t>
-            </a:r>
-            <a:r>
-              <a:rPr lang="it-IT" sz="2400" smtClean="0">
-                <a:latin typeface="Times New Roman" pitchFamily="18" charset="0"/>
-                <a:cs typeface="Times New Roman" pitchFamily="18" charset="0"/>
-              </a:rPr>
-              <a:t>bitmap</a:t>
-            </a:r>
-            <a:r>
-              <a:rPr lang="it-IT" sz="2400" smtClean="0">
-                <a:latin typeface="Times New Roman" pitchFamily="18" charset="0"/>
-                <a:cs typeface="Times New Roman" pitchFamily="18" charset="0"/>
-              </a:rPr>
-              <a:t>.</a:t>
-            </a:r>
-          </a:p>
-          <a:p>
-            <a:pPr>
+                <a:latin typeface="Times New Roman" panose="02020603050405020304" pitchFamily="18" charset="0"/>
+                <a:cs typeface="Times New Roman" panose="02020603050405020304" pitchFamily="18" charset="0"/>
+              </a:rPr>
+              <a:t>Inoltre,la finestra di anteprima in Android Studio usa un meccanismo di display diverso da quello in vector asset studio.</a:t>
+            </a:r>
+          </a:p>
+          <a:p>
+            <a:pPr marL="0" indent="0">
               <a:buNone/>
             </a:pPr>
             <a:r>
               <a:rPr lang="it-IT" sz="2400" smtClean="0">
-                <a:latin typeface="Times New Roman" pitchFamily="18" charset="0"/>
-                <a:cs typeface="Times New Roman" pitchFamily="18" charset="0"/>
-              </a:rPr>
-              <a:t>Inoltre il caricamento </a:t>
-            </a:r>
-            <a:r>
-              <a:rPr lang="it-IT" sz="2400" smtClean="0">
-                <a:latin typeface="Times New Roman" pitchFamily="18" charset="0"/>
-                <a:cs typeface="Times New Roman" pitchFamily="18" charset="0"/>
-              </a:rPr>
-              <a:t>iniziale di un vector drawable può costare di più in termini di cicli di CPU rispetto alla corrispondente immagine bitmap. Mentre successivamente l’uso di memoria è simile tra le due.</a:t>
-            </a:r>
-          </a:p>
-          <a:p>
-            <a:pPr>
-              <a:buNone/>
-            </a:pPr>
-            <a:endParaRPr lang="it-IT" sz="2400" smtClean="0">
-              <a:latin typeface="Times New Roman" pitchFamily="18" charset="0"/>
-              <a:cs typeface="Times New Roman" pitchFamily="18" charset="0"/>
-            </a:endParaRPr>
+                <a:latin typeface="Times New Roman" panose="02020603050405020304" pitchFamily="18" charset="0"/>
+                <a:cs typeface="Times New Roman" panose="02020603050405020304" pitchFamily="18" charset="0"/>
+              </a:rPr>
+              <a:t>Infine, se devo typecastare gli oggetti drawable nel codice java, devo castarli come bitmap drawable invece di vector drawable (solo in dispositivi pre Lollipop).</a:t>
+            </a:r>
           </a:p>
           <a:p>
             <a:endParaRPr lang="it-IT"/>
@@ -9166,9 +12144,45 @@
             <a:fld id="{85E0D28E-6F2F-4715-A424-3B01AC64AD4B}" type="datetime1">
               <a:rPr lang="it-IT" smtClean="0"/>
               <a:pPr rtl="0"/>
-              <a:t>21/05/2020</a:t>
+              <a:t>07/06/2020</a:t>
             </a:fld>
             <a:endParaRPr lang="en-US"/>
+          </a:p>
+        </p:txBody>
+      </p:sp>
+      <p:sp>
+        <p:nvSpPr>
+          <p:cNvPr id="5" name="CasellaDiTesto 4"/>
+          <p:cNvSpPr txBox="1"/>
+          <p:nvPr/>
+        </p:nvSpPr>
+        <p:spPr>
+          <a:xfrm>
+            <a:off x="1159329" y="5910943"/>
+            <a:ext cx="4261757" cy="307777"/>
+          </a:xfrm>
+          <a:prstGeom prst="rect">
+            <a:avLst/>
+          </a:prstGeom>
+          <a:noFill/>
+        </p:spPr>
+        <p:txBody>
+          <a:bodyPr wrap="square" rtlCol="0">
+            <a:spAutoFit/>
+          </a:bodyPr>
+          <a:lstStyle/>
+          <a:p>
+            <a:r>
+              <a:rPr lang="it-IT" sz="1400" smtClean="0">
+                <a:latin typeface="Arial Rounded MT Bold" pitchFamily="34" charset="0"/>
+                <a:ea typeface="Batang" pitchFamily="18" charset="-127"/>
+              </a:rPr>
+              <a:t>Vector Asset Studio - Introduzione</a:t>
+            </a:r>
+            <a:endParaRPr lang="it-IT" sz="1400">
+              <a:latin typeface="Arial Rounded MT Bold" pitchFamily="34" charset="0"/>
+              <a:ea typeface="Batang" pitchFamily="18" charset="-127"/>
+            </a:endParaRPr>
           </a:p>
         </p:txBody>
       </p:sp>
@@ -9199,7 +12213,13 @@
       </p:grpSpPr>
       <p:sp>
         <p:nvSpPr>
-          <p:cNvPr id="2" name="Titolo 1"/>
+          <p:cNvPr id="2" name="Titolo 1">
+            <a:extLst>
+              <a:ext uri="{FF2B5EF4-FFF2-40B4-BE49-F238E27FC236}">
+                <a16:creationId xmlns="" xmlns:a16="http://schemas.microsoft.com/office/drawing/2014/main" id="{353D50A2-DC09-42B6-89B9-3753B89C9AC8}"/>
+              </a:ext>
+            </a:extLst>
+          </p:cNvPr>
           <p:cNvSpPr>
             <a:spLocks noGrp="1"/>
           </p:cNvSpPr>
@@ -9213,16 +12233,35 @@
           <a:lstStyle/>
           <a:p>
             <a:r>
-              <a:rPr lang="it-IT" smtClean="0"/>
-              <a:t>Riguardo Vector Asset Studio</a:t>
-            </a:r>
-            <a:endParaRPr lang="it-IT"/>
-          </a:p>
-        </p:txBody>
-      </p:sp>
-      <p:sp>
-        <p:nvSpPr>
-          <p:cNvPr id="3" name="Segnaposto contenuto 2"/>
+              <a:rPr lang="it-IT" dirty="0">
+                <a:cs typeface="Times New Roman" panose="02020603050405020304" pitchFamily="18" charset="0"/>
+              </a:rPr>
+              <a:t>Immagine </a:t>
+            </a:r>
+            <a:r>
+              <a:rPr lang="it-IT" dirty="0" err="1">
+                <a:cs typeface="Times New Roman" panose="02020603050405020304" pitchFamily="18" charset="0"/>
+              </a:rPr>
+              <a:t>Raster</a:t>
+            </a:r>
+            <a:r>
+              <a:rPr lang="it-IT" dirty="0">
+                <a:cs typeface="Times New Roman" panose="02020603050405020304" pitchFamily="18" charset="0"/>
+              </a:rPr>
+              <a:t> o Bitmap</a:t>
+            </a:r>
+          </a:p>
+        </p:txBody>
+      </p:sp>
+      <p:sp>
+        <p:nvSpPr>
+          <p:cNvPr id="3" name="Segnaposto contenuto 2">
+            <a:extLst>
+              <a:ext uri="{FF2B5EF4-FFF2-40B4-BE49-F238E27FC236}">
+                <a16:creationId xmlns="" xmlns:a16="http://schemas.microsoft.com/office/drawing/2014/main" id="{F7BF9498-2030-41D6-B346-7142A4149882}"/>
+              </a:ext>
+            </a:extLst>
+          </p:cNvPr>
           <p:cNvSpPr>
             <a:spLocks noGrp="1"/>
           </p:cNvSpPr>
@@ -9233,102 +12272,44 @@
         <p:spPr/>
         <p:txBody>
           <a:bodyPr>
-            <a:normAutofit lnSpcReduction="10000"/>
+            <a:normAutofit/>
           </a:bodyPr>
           <a:lstStyle/>
           <a:p>
-            <a:pPr>
+            <a:r>
+              <a:rPr lang="it-IT" sz="3200" dirty="0">
+                <a:latin typeface="Times New Roman" panose="02020603050405020304" pitchFamily="18" charset="0"/>
+                <a:cs typeface="Times New Roman" panose="02020603050405020304" pitchFamily="18" charset="0"/>
+              </a:rPr>
+              <a:t>Immagini fotografiche (scattate per esempio con lo smartphone) che possono essere in formato JPG, PNG, GIF oppure TIFF.</a:t>
+            </a:r>
+          </a:p>
+          <a:p>
+            <a:pPr marL="0" indent="0">
               <a:buNone/>
             </a:pPr>
-            <a:r>
-              <a:rPr lang="it-IT" sz="2400" smtClean="0">
-                <a:latin typeface="Times New Roman" pitchFamily="18" charset="0"/>
-                <a:cs typeface="Times New Roman" pitchFamily="18" charset="0"/>
-              </a:rPr>
-              <a:t>Vector Asset Studio aggiunge una grafica vettoriale al progetto con un file XML che descrive l’immagine.</a:t>
-            </a:r>
-          </a:p>
-          <a:p>
-            <a:pPr>
-              <a:buNone/>
-            </a:pPr>
-            <a:r>
-              <a:rPr lang="it-IT" sz="2400" smtClean="0">
-                <a:latin typeface="Times New Roman" pitchFamily="18" charset="0"/>
-                <a:cs typeface="Times New Roman" pitchFamily="18" charset="0"/>
-              </a:rPr>
-              <a:t>Le versioni da Android 4.4 (API level 20) e più vecchie non supportano i vector drawables. In questi casi con Vector Asset Studio si può solo generare file PNG (Portable Network Graphic) o usare la libreria di supporto.</a:t>
-            </a:r>
-          </a:p>
-          <a:p>
-            <a:pPr>
-              <a:buNone/>
-            </a:pPr>
-            <a:r>
-              <a:rPr lang="it-IT" sz="2400" smtClean="0">
-                <a:latin typeface="Times New Roman" pitchFamily="18" charset="0"/>
-                <a:cs typeface="Times New Roman" pitchFamily="18" charset="0"/>
-              </a:rPr>
-              <a:t>Per la retrocompatibilità, Vector Asset Studio genera immagini bitmap del vector drawable. I drawable sono nello stesso package nell’APK.</a:t>
-            </a:r>
-          </a:p>
-          <a:p>
-            <a:pPr>
-              <a:buNone/>
-            </a:pPr>
-            <a:r>
-              <a:rPr lang="it-IT" sz="2400" smtClean="0">
-                <a:latin typeface="Times New Roman" pitchFamily="18" charset="0"/>
-                <a:cs typeface="Times New Roman" pitchFamily="18" charset="0"/>
-              </a:rPr>
-              <a:t>Per fare riferimento ai vector drawables uso Drawable nel codice Java oppure </a:t>
-            </a:r>
-            <a:r>
-              <a:rPr lang="it-IT" sz="2400" smtClean="0">
-                <a:latin typeface="Courier New" pitchFamily="49" charset="0"/>
-                <a:cs typeface="Courier New" pitchFamily="49" charset="0"/>
-              </a:rPr>
-              <a:t>@drawable </a:t>
-            </a:r>
-            <a:r>
-              <a:rPr lang="it-IT" sz="2400" smtClean="0">
-                <a:latin typeface="Times New Roman" pitchFamily="18" charset="0"/>
-                <a:cs typeface="Times New Roman" pitchFamily="18" charset="0"/>
-              </a:rPr>
-              <a:t>in XML.</a:t>
-            </a:r>
-          </a:p>
-          <a:p>
-            <a:endParaRPr lang="it-IT"/>
-          </a:p>
-        </p:txBody>
-      </p:sp>
-      <p:sp>
-        <p:nvSpPr>
-          <p:cNvPr id="4" name="Segnaposto data 3"/>
-          <p:cNvSpPr>
-            <a:spLocks noGrp="1"/>
-          </p:cNvSpPr>
-          <p:nvPr>
-            <p:ph type="dt" sz="half" idx="10"/>
-          </p:nvPr>
-        </p:nvSpPr>
-        <p:spPr/>
-        <p:txBody>
-          <a:bodyPr/>
-          <a:lstStyle/>
-          <a:p>
-            <a:pPr rtl="0"/>
-            <a:fld id="{85E0D28E-6F2F-4715-A424-3B01AC64AD4B}" type="datetime1">
-              <a:rPr lang="it-IT" smtClean="0"/>
-              <a:pPr rtl="0"/>
-              <a:t>21/05/2020</a:t>
-            </a:fld>
-            <a:endParaRPr lang="en-US"/>
+            <a:endParaRPr lang="it-IT" sz="3200" dirty="0">
+              <a:latin typeface="Times New Roman" panose="02020603050405020304" pitchFamily="18" charset="0"/>
+              <a:cs typeface="Times New Roman" panose="02020603050405020304" pitchFamily="18" charset="0"/>
+            </a:endParaRPr>
+          </a:p>
+          <a:p>
+            <a:r>
+              <a:rPr lang="it-IT" sz="3200" dirty="0">
+                <a:latin typeface="Times New Roman" panose="02020603050405020304" pitchFamily="18" charset="0"/>
+                <a:cs typeface="Times New Roman" panose="02020603050405020304" pitchFamily="18" charset="0"/>
+              </a:rPr>
+              <a:t>Dimensione e risoluzione propria.</a:t>
+            </a:r>
           </a:p>
         </p:txBody>
       </p:sp>
     </p:spTree>
+    <p:extLst>
+      <p:ext uri="{BB962C8B-B14F-4D97-AF65-F5344CB8AC3E}">
+        <p14:creationId xmlns="" xmlns:p14="http://schemas.microsoft.com/office/powerpoint/2010/main" val="237379470"/>
+      </p:ext>
+    </p:extLst>
   </p:cSld>
   <p:clrMapOvr>
     <a:masterClrMapping/>
@@ -9358,7 +12339,7 @@
           <p:cNvPr id="2" name="Titolo 1">
             <a:extLst>
               <a:ext uri="{FF2B5EF4-FFF2-40B4-BE49-F238E27FC236}">
-                <a16:creationId xmlns:a16="http://schemas.microsoft.com/office/drawing/2014/main" xmlns="" id="{3398F7C4-7514-4AE3-BC85-857C4736813B}"/>
+                <a16:creationId xmlns="" xmlns:a16="http://schemas.microsoft.com/office/drawing/2014/main" id="{E220F6AF-1752-43FE-8D9A-A6757A9BC433}"/>
               </a:ext>
             </a:extLst>
           </p:cNvPr>
@@ -9375,16 +12356,10 @@
           <a:lstStyle/>
           <a:p>
             <a:r>
-              <a:rPr lang="it-IT" dirty="0"/>
-              <a:t>Perché usare </a:t>
-            </a:r>
-            <a:r>
-              <a:rPr lang="it-IT" dirty="0" err="1"/>
-              <a:t>Vector</a:t>
-            </a:r>
-            <a:r>
-              <a:rPr lang="it-IT" dirty="0"/>
-              <a:t> Asset Studio</a:t>
+              <a:rPr lang="it-IT" dirty="0">
+                <a:cs typeface="Times New Roman" panose="02020603050405020304" pitchFamily="18" charset="0"/>
+              </a:rPr>
+              <a:t>Immagine Vettoriale</a:t>
             </a:r>
           </a:p>
         </p:txBody>
@@ -9394,7 +12369,7 @@
           <p:cNvPr id="3" name="Segnaposto contenuto 2">
             <a:extLst>
               <a:ext uri="{FF2B5EF4-FFF2-40B4-BE49-F238E27FC236}">
-                <a16:creationId xmlns:a16="http://schemas.microsoft.com/office/drawing/2014/main" xmlns="" id="{9DBC0072-9DC3-4488-B012-6C28443F48FA}"/>
+                <a16:creationId xmlns="" xmlns:a16="http://schemas.microsoft.com/office/drawing/2014/main" id="{5B6073A4-E04E-4386-BCB8-4F4D1730C4CE}"/>
               </a:ext>
             </a:extLst>
           </p:cNvPr>
@@ -9407,130 +12382,43 @@
         </p:nvSpPr>
         <p:spPr/>
         <p:txBody>
-          <a:bodyPr/>
-          <a:lstStyle/>
+          <a:bodyPr>
+            <a:normAutofit/>
+          </a:bodyPr>
+          <a:lstStyle/>
+          <a:p>
+            <a:r>
+              <a:rPr lang="it-IT" sz="3200" dirty="0">
+                <a:latin typeface="Times New Roman" panose="02020603050405020304" pitchFamily="18" charset="0"/>
+                <a:cs typeface="Times New Roman" panose="02020603050405020304" pitchFamily="18" charset="0"/>
+              </a:rPr>
+              <a:t>Descritte mediante un insieme di primitive geometriche che definiscono punti, linee, curve e poligoni.</a:t>
+            </a:r>
+          </a:p>
           <a:p>
             <a:pPr marL="0" indent="0">
               <a:buNone/>
             </a:pPr>
-            <a:r>
-              <a:rPr lang="it-IT" sz="2400" dirty="0">
+            <a:endParaRPr lang="it-IT" sz="3200" dirty="0">
+              <a:latin typeface="Times New Roman" panose="02020603050405020304" pitchFamily="18" charset="0"/>
+              <a:cs typeface="Times New Roman" panose="02020603050405020304" pitchFamily="18" charset="0"/>
+            </a:endParaRPr>
+          </a:p>
+          <a:p>
+            <a:r>
+              <a:rPr lang="it-IT" sz="3200" dirty="0">
                 <a:latin typeface="Times New Roman" panose="02020603050405020304" pitchFamily="18" charset="0"/>
                 <a:cs typeface="Times New Roman" panose="02020603050405020304" pitchFamily="18" charset="0"/>
               </a:rPr>
-              <a:t>Android Studio include uno strumento chiamato </a:t>
-            </a:r>
-            <a:r>
-              <a:rPr lang="it-IT" sz="2400" dirty="0" err="1">
-                <a:latin typeface="Times New Roman" panose="02020603050405020304" pitchFamily="18" charset="0"/>
-                <a:cs typeface="Times New Roman" panose="02020603050405020304" pitchFamily="18" charset="0"/>
-              </a:rPr>
-              <a:t>Vector</a:t>
-            </a:r>
-            <a:r>
-              <a:rPr lang="it-IT" sz="2400" dirty="0">
-                <a:latin typeface="Times New Roman" panose="02020603050405020304" pitchFamily="18" charset="0"/>
-                <a:cs typeface="Times New Roman" panose="02020603050405020304" pitchFamily="18" charset="0"/>
-              </a:rPr>
-              <a:t> Asset Studio che serve ad aggiungere icone materiali e importare file SVG (Scalable </a:t>
-            </a:r>
-            <a:r>
-              <a:rPr lang="it-IT" sz="2400" dirty="0" err="1">
-                <a:latin typeface="Times New Roman" panose="02020603050405020304" pitchFamily="18" charset="0"/>
-                <a:cs typeface="Times New Roman" panose="02020603050405020304" pitchFamily="18" charset="0"/>
-              </a:rPr>
-              <a:t>Vector</a:t>
-            </a:r>
-            <a:r>
-              <a:rPr lang="it-IT" sz="2400" dirty="0">
-                <a:latin typeface="Times New Roman" panose="02020603050405020304" pitchFamily="18" charset="0"/>
-                <a:cs typeface="Times New Roman" panose="02020603050405020304" pitchFamily="18" charset="0"/>
-              </a:rPr>
-              <a:t> Graphic) e PSD (Photoshop </a:t>
-            </a:r>
-            <a:r>
-              <a:rPr lang="it-IT" sz="2400" dirty="0" err="1">
-                <a:latin typeface="Times New Roman" panose="02020603050405020304" pitchFamily="18" charset="0"/>
-                <a:cs typeface="Times New Roman" panose="02020603050405020304" pitchFamily="18" charset="0"/>
-              </a:rPr>
-              <a:t>Document</a:t>
-            </a:r>
-            <a:r>
-              <a:rPr lang="it-IT" sz="2400" dirty="0">
-                <a:latin typeface="Times New Roman" panose="02020603050405020304" pitchFamily="18" charset="0"/>
-                <a:cs typeface="Times New Roman" panose="02020603050405020304" pitchFamily="18" charset="0"/>
-              </a:rPr>
-              <a:t>) nel proprio progetto come risorse </a:t>
-            </a:r>
-            <a:r>
-              <a:rPr lang="it-IT" sz="2400" dirty="0" err="1">
-                <a:latin typeface="Times New Roman" panose="02020603050405020304" pitchFamily="18" charset="0"/>
-                <a:cs typeface="Times New Roman" panose="02020603050405020304" pitchFamily="18" charset="0"/>
-              </a:rPr>
-              <a:t>vector</a:t>
-            </a:r>
-            <a:r>
-              <a:rPr lang="it-IT" sz="2400" dirty="0">
-                <a:latin typeface="Times New Roman" panose="02020603050405020304" pitchFamily="18" charset="0"/>
-                <a:cs typeface="Times New Roman" panose="02020603050405020304" pitchFamily="18" charset="0"/>
-              </a:rPr>
-              <a:t> </a:t>
-            </a:r>
-            <a:r>
-              <a:rPr lang="it-IT" sz="2400" dirty="0" err="1">
-                <a:latin typeface="Times New Roman" panose="02020603050405020304" pitchFamily="18" charset="0"/>
-                <a:cs typeface="Times New Roman" panose="02020603050405020304" pitchFamily="18" charset="0"/>
-              </a:rPr>
-              <a:t>drawables</a:t>
-            </a:r>
-            <a:r>
-              <a:rPr lang="it-IT" sz="2400" dirty="0">
-                <a:latin typeface="Times New Roman" panose="02020603050405020304" pitchFamily="18" charset="0"/>
-                <a:cs typeface="Times New Roman" panose="02020603050405020304" pitchFamily="18" charset="0"/>
-              </a:rPr>
-              <a:t>. Usare questi invece che i bitmaps serve a ridurre la dimensione del proprio APK perché lo stesso file può essere ridimensionato per diverse densità dello schermo, senza rinunciare alla qualità dell’immagine.</a:t>
-            </a:r>
-          </a:p>
-          <a:p>
-            <a:endParaRPr lang="it-IT" dirty="0"/>
-          </a:p>
-        </p:txBody>
-      </p:sp>
-      <p:sp>
-        <p:nvSpPr>
-          <p:cNvPr id="4" name="Segnaposto data 3">
-            <a:extLst>
-              <a:ext uri="{FF2B5EF4-FFF2-40B4-BE49-F238E27FC236}">
-                <a16:creationId xmlns:a16="http://schemas.microsoft.com/office/drawing/2014/main" xmlns="" id="{52341729-1279-416E-B91D-C28FD193F910}"/>
-              </a:ext>
-            </a:extLst>
-          </p:cNvPr>
-          <p:cNvSpPr>
-            <a:spLocks noGrp="1"/>
-          </p:cNvSpPr>
-          <p:nvPr>
-            <p:ph type="dt" sz="half" idx="10"/>
-          </p:nvPr>
-        </p:nvSpPr>
-        <p:spPr/>
-        <p:txBody>
-          <a:bodyPr/>
-          <a:lstStyle/>
-          <a:p>
-            <a:pPr rtl="0"/>
-            <a:fld id="{85E0D28E-6F2F-4715-A424-3B01AC64AD4B}" type="datetime1">
-              <a:rPr lang="it-IT" smtClean="0"/>
-              <a:pPr rtl="0"/>
-              <a:t>21/05/2020</a:t>
-            </a:fld>
-            <a:endParaRPr lang="en-US"/>
+              <a:t>Definite attraverso equazioni matematiche e indipendenti dalla risoluzione.</a:t>
+            </a:r>
           </a:p>
         </p:txBody>
       </p:sp>
     </p:spTree>
     <p:extLst>
       <p:ext uri="{BB962C8B-B14F-4D97-AF65-F5344CB8AC3E}">
-        <p14:creationId xmlns:p14="http://schemas.microsoft.com/office/powerpoint/2010/main" xmlns="" val="3065832474"/>
+        <p14:creationId xmlns="" xmlns:p14="http://schemas.microsoft.com/office/powerpoint/2010/main" val="28250"/>
       </p:ext>
     </p:extLst>
   </p:cSld>
@@ -9810,7 +12698,7 @@
   <a:extraClrSchemeLst/>
   <a:extLst>
     <a:ext uri="{05A4C25C-085E-4340-85A3-A5531E510DB2}">
-      <thm15:themeFamily xmlns:thm15="http://schemas.microsoft.com/office/thememl/2012/main" xmlns="" name="Office_41798854_TF78438558" id="{03469F01-97D1-4A1E-853B-6A26B56D87BB}" vid="{335298E4-38AB-4269-9352-375A27B59611}"/>
+      <thm15:themeFamily xmlns="" xmlns:thm15="http://schemas.microsoft.com/office/thememl/2012/main" name="Office_41798854_TF78438558" id="{03469F01-97D1-4A1E-853B-6A26B56D87BB}" vid="{335298E4-38AB-4269-9352-375A27B59611}"/>
     </a:ext>
   </a:extLst>
 </a:theme>
@@ -10071,7 +12959,7 @@
   <a:extraClrSchemeLst/>
   <a:extLst>
     <a:ext uri="{05A4C25C-085E-4340-85A3-A5531E510DB2}">
-      <thm15:themeFamily xmlns:thm15="http://schemas.microsoft.com/office/thememl/2012/main" xmlns="" name="Office Theme" id="{62F939B6-93AF-4DB8-9C6B-D6C7DFDC589F}" vid="{4A3C46E8-61CC-4603-A589-7422A47A8E4A}"/>
+      <thm15:themeFamily xmlns="" xmlns:thm15="http://schemas.microsoft.com/office/thememl/2012/main" name="Office Theme" id="{62F939B6-93AF-4DB8-9C6B-D6C7DFDC589F}" vid="{4A3C46E8-61CC-4603-A589-7422A47A8E4A}"/>
     </a:ext>
   </a:extLst>
 </a:theme>
@@ -10332,7 +13220,7 @@
   <a:extraClrSchemeLst/>
   <a:extLst>
     <a:ext uri="{05A4C25C-085E-4340-85A3-A5531E510DB2}">
-      <thm15:themeFamily xmlns:thm15="http://schemas.microsoft.com/office/thememl/2012/main" xmlns="" name="Office Theme" id="{62F939B6-93AF-4DB8-9C6B-D6C7DFDC589F}" vid="{4A3C46E8-61CC-4603-A589-7422A47A8E4A}"/>
+      <thm15:themeFamily xmlns="" xmlns:thm15="http://schemas.microsoft.com/office/thememl/2012/main" name="Office Theme" id="{62F939B6-93AF-4DB8-9C6B-D6C7DFDC589F}" vid="{4A3C46E8-61CC-4603-A589-7422A47A8E4A}"/>
     </a:ext>
   </a:extLst>
 </a:theme>

--- a/Vector asset studio.pptx
+++ b/Vector asset studio.pptx
@@ -5,10 +5,10 @@
     <p:sldMasterId id="2147483673" r:id="rId1"/>
   </p:sldMasterIdLst>
   <p:notesMasterIdLst>
-    <p:notesMasterId r:id="rId46"/>
+    <p:notesMasterId r:id="rId52"/>
   </p:notesMasterIdLst>
   <p:handoutMasterIdLst>
-    <p:handoutMasterId r:id="rId47"/>
+    <p:handoutMasterId r:id="rId53"/>
   </p:handoutMasterIdLst>
   <p:sldIdLst>
     <p:sldId id="257" r:id="rId2"/>
@@ -51,10 +51,16 @@
     <p:sldId id="302" r:id="rId39"/>
     <p:sldId id="303" r:id="rId40"/>
     <p:sldId id="304" r:id="rId41"/>
-    <p:sldId id="306" r:id="rId42"/>
-    <p:sldId id="307" r:id="rId43"/>
-    <p:sldId id="308" r:id="rId44"/>
-    <p:sldId id="300" r:id="rId45"/>
+    <p:sldId id="308" r:id="rId42"/>
+    <p:sldId id="309" r:id="rId43"/>
+    <p:sldId id="310" r:id="rId44"/>
+    <p:sldId id="311" r:id="rId45"/>
+    <p:sldId id="312" r:id="rId46"/>
+    <p:sldId id="313" r:id="rId47"/>
+    <p:sldId id="314" r:id="rId48"/>
+    <p:sldId id="315" r:id="rId49"/>
+    <p:sldId id="316" r:id="rId50"/>
+    <p:sldId id="300" r:id="rId51"/>
   </p:sldIdLst>
   <p:sldSz cx="12192000" cy="6858000"/>
   <p:notesSz cx="6858000" cy="9144000"/>
@@ -155,10 +161,10 @@
   </p:defaultTextStyle>
   <p:extLst>
     <p:ext uri="{EFAFB233-063F-42B5-8137-9DF3F51BA10A}">
-      <p15:sldGuideLst xmlns="" xmlns:p15="http://schemas.microsoft.com/office/powerpoint/2012/main"/>
+      <p15:sldGuideLst xmlns:p15="http://schemas.microsoft.com/office/powerpoint/2012/main" xmlns=""/>
     </p:ext>
     <p:ext uri="{2D200454-40CA-4A62-9FC3-DE9A4176ACB9}">
-      <p15:notesGuideLst xmlns="" xmlns:p15="http://schemas.microsoft.com/office/powerpoint/2012/main"/>
+      <p15:notesGuideLst xmlns:p15="http://schemas.microsoft.com/office/powerpoint/2012/main" xmlns=""/>
     </p:ext>
   </p:extLst>
 </p:presentation>
@@ -255,7 +261,7 @@
             <a:fld id="{227A3769-973A-471F-AE95-803ACD9DB45A}" type="datetime1">
               <a:rPr lang="it-IT" smtClean="0"/>
               <a:pPr rtl="0"/>
-              <a:t>07/06/2020</a:t>
+              <a:t>09/06/2020</a:t>
             </a:fld>
             <a:endParaRPr lang="en-US" dirty="0"/>
           </a:p>
@@ -333,7 +339,7 @@
     </p:spTree>
     <p:extLst>
       <p:ext uri="{BB962C8B-B14F-4D97-AF65-F5344CB8AC3E}">
-        <p14:creationId xmlns="" xmlns:p14="http://schemas.microsoft.com/office/powerpoint/2010/main" val="1938533960"/>
+        <p14:creationId xmlns:p14="http://schemas.microsoft.com/office/powerpoint/2010/main" xmlns="" val="1938533960"/>
       </p:ext>
     </p:extLst>
   </p:cSld>
@@ -427,7 +433,7 @@
             <a:fld id="{F8B562AB-E890-432E-8086-3C35B5B6BC74}" type="datetime1">
               <a:rPr lang="it-IT" smtClean="0"/>
               <a:pPr rtl="0"/>
-              <a:t>07/06/2020</a:t>
+              <a:t>09/06/2020</a:t>
             </a:fld>
             <a:endParaRPr lang="en-US"/>
           </a:p>
@@ -600,7 +606,7 @@
     </p:spTree>
     <p:extLst>
       <p:ext uri="{BB962C8B-B14F-4D97-AF65-F5344CB8AC3E}">
-        <p14:creationId xmlns="" xmlns:p14="http://schemas.microsoft.com/office/powerpoint/2010/main" val="3889581830"/>
+        <p14:creationId xmlns:p14="http://schemas.microsoft.com/office/powerpoint/2010/main" xmlns="" val="3889581830"/>
       </p:ext>
     </p:extLst>
   </p:cSld>
@@ -723,7 +729,7 @@
           <p:cNvPr id="5" name="Rettangolo 4">
             <a:extLst>
               <a:ext uri="{FF2B5EF4-FFF2-40B4-BE49-F238E27FC236}">
-                <a16:creationId xmlns="" xmlns:a16="http://schemas.microsoft.com/office/drawing/2014/main" id="{904DB13E-F722-4ED6-BB00-556651E95281}"/>
+                <a16:creationId xmlns:a16="http://schemas.microsoft.com/office/drawing/2014/main" xmlns="" id="{904DB13E-F722-4ED6-BB00-556651E95281}"/>
               </a:ext>
             </a:extLst>
           </p:cNvPr>
@@ -872,7 +878,7 @@
           <p:cNvPr id="7" name="Gruppo 6">
             <a:extLst>
               <a:ext uri="{FF2B5EF4-FFF2-40B4-BE49-F238E27FC236}">
-                <a16:creationId xmlns="" xmlns:a16="http://schemas.microsoft.com/office/drawing/2014/main" id="{E26428D7-C6F3-473D-A360-A3F5C3E8728C}"/>
+                <a16:creationId xmlns:a16="http://schemas.microsoft.com/office/drawing/2014/main" xmlns="" id="{E26428D7-C6F3-473D-A360-A3F5C3E8728C}"/>
               </a:ext>
             </a:extLst>
           </p:cNvPr>
@@ -1174,7 +1180,7 @@
             <a:fld id="{46B2AB89-642D-461B-88E3-BE7E49276E6D}" type="datetime1">
               <a:rPr lang="it-IT" smtClean="0"/>
               <a:pPr rtl="0"/>
-              <a:t>07/06/2020</a:t>
+              <a:t>09/06/2020</a:t>
             </a:fld>
             <a:endParaRPr lang="en-US" dirty="0"/>
           </a:p>
@@ -1260,7 +1266,7 @@
     </p:spTree>
     <p:extLst>
       <p:ext uri="{BB962C8B-B14F-4D97-AF65-F5344CB8AC3E}">
-        <p14:creationId xmlns="" xmlns:p14="http://schemas.microsoft.com/office/powerpoint/2010/main" val="4147770102"/>
+        <p14:creationId xmlns:p14="http://schemas.microsoft.com/office/powerpoint/2010/main" xmlns="" val="4147770102"/>
       </p:ext>
     </p:extLst>
   </p:cSld>
@@ -1382,7 +1388,7 @@
             <a:fld id="{FB6DF1C0-0F0C-4064-ABD6-C9C1782C86AE}" type="datetime1">
               <a:rPr lang="it-IT" smtClean="0"/>
               <a:pPr rtl="0"/>
-              <a:t>07/06/2020</a:t>
+              <a:t>09/06/2020</a:t>
             </a:fld>
             <a:endParaRPr lang="en-US"/>
           </a:p>
@@ -1436,7 +1442,7 @@
     </p:spTree>
     <p:extLst>
       <p:ext uri="{BB962C8B-B14F-4D97-AF65-F5344CB8AC3E}">
-        <p14:creationId xmlns="" xmlns:p14="http://schemas.microsoft.com/office/powerpoint/2010/main" val="4023329902"/>
+        <p14:creationId xmlns:p14="http://schemas.microsoft.com/office/powerpoint/2010/main" xmlns="" val="4023329902"/>
       </p:ext>
     </p:extLst>
   </p:cSld>
@@ -1568,7 +1574,7 @@
             <a:fld id="{CD3A0FBA-A5A6-4E7F-AECA-E819E1A4206B}" type="datetime1">
               <a:rPr lang="it-IT" smtClean="0"/>
               <a:pPr rtl="0"/>
-              <a:t>07/06/2020</a:t>
+              <a:t>09/06/2020</a:t>
             </a:fld>
             <a:endParaRPr lang="en-US"/>
           </a:p>
@@ -1622,7 +1628,7 @@
     </p:spTree>
     <p:extLst>
       <p:ext uri="{BB962C8B-B14F-4D97-AF65-F5344CB8AC3E}">
-        <p14:creationId xmlns="" xmlns:p14="http://schemas.microsoft.com/office/powerpoint/2010/main" val="1510073493"/>
+        <p14:creationId xmlns:p14="http://schemas.microsoft.com/office/powerpoint/2010/main" xmlns="" val="1510073493"/>
       </p:ext>
     </p:extLst>
   </p:cSld>
@@ -1744,7 +1750,7 @@
             <a:fld id="{85E0D28E-6F2F-4715-A424-3B01AC64AD4B}" type="datetime1">
               <a:rPr lang="it-IT" smtClean="0"/>
               <a:pPr rtl="0"/>
-              <a:t>07/06/2020</a:t>
+              <a:t>09/06/2020</a:t>
             </a:fld>
             <a:endParaRPr lang="en-US"/>
           </a:p>
@@ -1798,7 +1804,7 @@
     </p:spTree>
     <p:extLst>
       <p:ext uri="{BB962C8B-B14F-4D97-AF65-F5344CB8AC3E}">
-        <p14:creationId xmlns="" xmlns:p14="http://schemas.microsoft.com/office/powerpoint/2010/main" val="2153708790"/>
+        <p14:creationId xmlns:p14="http://schemas.microsoft.com/office/powerpoint/2010/main" xmlns="" val="2153708790"/>
       </p:ext>
     </p:extLst>
   </p:cSld>
@@ -1830,7 +1836,7 @@
           <p:cNvPr id="15" name="Rettangolo 14">
             <a:extLst>
               <a:ext uri="{FF2B5EF4-FFF2-40B4-BE49-F238E27FC236}">
-                <a16:creationId xmlns="" xmlns:a16="http://schemas.microsoft.com/office/drawing/2014/main" id="{0A4A1889-E37C-4EC3-9E41-9DAD221CF389}"/>
+                <a16:creationId xmlns:a16="http://schemas.microsoft.com/office/drawing/2014/main" xmlns="" id="{0A4A1889-E37C-4EC3-9E41-9DAD221CF389}"/>
               </a:ext>
             </a:extLst>
           </p:cNvPr>
@@ -2028,7 +2034,7 @@
           <p:cNvPr id="16" name="Gruppo 15">
             <a:extLst>
               <a:ext uri="{FF2B5EF4-FFF2-40B4-BE49-F238E27FC236}">
-                <a16:creationId xmlns="" xmlns:a16="http://schemas.microsoft.com/office/drawing/2014/main" id="{1683EB04-C23E-490C-A1A6-030CF79D23C8}"/>
+                <a16:creationId xmlns:a16="http://schemas.microsoft.com/office/drawing/2014/main" xmlns="" id="{1683EB04-C23E-490C-A1A6-030CF79D23C8}"/>
               </a:ext>
             </a:extLst>
           </p:cNvPr>
@@ -2048,7 +2054,7 @@
             <p:cNvPr id="17" name="Connettore diritto 16">
               <a:extLst>
                 <a:ext uri="{FF2B5EF4-FFF2-40B4-BE49-F238E27FC236}">
-                  <a16:creationId xmlns="" xmlns:a16="http://schemas.microsoft.com/office/drawing/2014/main" id="{F8A84C03-E1CA-4A4E-81D6-9BB0C335B7A0}"/>
+                  <a16:creationId xmlns:a16="http://schemas.microsoft.com/office/drawing/2014/main" xmlns="" id="{F8A84C03-E1CA-4A4E-81D6-9BB0C335B7A0}"/>
                 </a:ext>
               </a:extLst>
             </p:cNvPr>
@@ -2096,7 +2102,7 @@
             <p:cNvPr id="18" name="Connettore diritto 17">
               <a:extLst>
                 <a:ext uri="{FF2B5EF4-FFF2-40B4-BE49-F238E27FC236}">
-                  <a16:creationId xmlns="" xmlns:a16="http://schemas.microsoft.com/office/drawing/2014/main" id="{4A26FB5A-D5D1-4DAB-AC43-7F51A7F2D197}"/>
+                  <a16:creationId xmlns:a16="http://schemas.microsoft.com/office/drawing/2014/main" xmlns="" id="{4A26FB5A-D5D1-4DAB-AC43-7F51A7F2D197}"/>
                 </a:ext>
               </a:extLst>
             </p:cNvPr>
@@ -2144,7 +2150,7 @@
             <p:cNvPr id="19" name="Connettore diritto 18">
               <a:extLst>
                 <a:ext uri="{FF2B5EF4-FFF2-40B4-BE49-F238E27FC236}">
-                  <a16:creationId xmlns="" xmlns:a16="http://schemas.microsoft.com/office/drawing/2014/main" id="{49303F14-E560-4C02-94F4-B4695FE26813}"/>
+                  <a16:creationId xmlns:a16="http://schemas.microsoft.com/office/drawing/2014/main" xmlns="" id="{49303F14-E560-4C02-94F4-B4695FE26813}"/>
                 </a:ext>
               </a:extLst>
             </p:cNvPr>
@@ -2349,7 +2355,7 @@
             <a:fld id="{F953424F-4FD0-4DEA-A244-2F5A83926123}" type="datetime1">
               <a:rPr lang="it-IT" smtClean="0"/>
               <a:pPr rtl="0"/>
-              <a:t>07/06/2020</a:t>
+              <a:t>09/06/2020</a:t>
             </a:fld>
             <a:endParaRPr lang="en-US" dirty="0"/>
           </a:p>
@@ -2435,7 +2441,7 @@
     </p:spTree>
     <p:extLst>
       <p:ext uri="{BB962C8B-B14F-4D97-AF65-F5344CB8AC3E}">
-        <p14:creationId xmlns="" xmlns:p14="http://schemas.microsoft.com/office/powerpoint/2010/main" val="606071433"/>
+        <p14:creationId xmlns:p14="http://schemas.microsoft.com/office/powerpoint/2010/main" xmlns="" val="606071433"/>
       </p:ext>
     </p:extLst>
   </p:cSld>
@@ -2675,7 +2681,7 @@
             <a:fld id="{ED487A35-6EB2-4106-87BE-5998F37E93E7}" type="datetime1">
               <a:rPr lang="it-IT" smtClean="0"/>
               <a:pPr rtl="0"/>
-              <a:t>07/06/2020</a:t>
+              <a:t>09/06/2020</a:t>
             </a:fld>
             <a:endParaRPr lang="en-US"/>
           </a:p>
@@ -2729,7 +2735,7 @@
     </p:spTree>
     <p:extLst>
       <p:ext uri="{BB962C8B-B14F-4D97-AF65-F5344CB8AC3E}">
-        <p14:creationId xmlns="" xmlns:p14="http://schemas.microsoft.com/office/powerpoint/2010/main" val="2744672162"/>
+        <p14:creationId xmlns:p14="http://schemas.microsoft.com/office/powerpoint/2010/main" xmlns="" val="2744672162"/>
       </p:ext>
     </p:extLst>
   </p:cSld>
@@ -3118,7 +3124,7 @@
             <a:fld id="{6D0A2449-0E6F-4EC8-9AF5-127FFF9E4F17}" type="datetime1">
               <a:rPr lang="it-IT" smtClean="0"/>
               <a:pPr rtl="0"/>
-              <a:t>07/06/2020</a:t>
+              <a:t>09/06/2020</a:t>
             </a:fld>
             <a:endParaRPr lang="en-US"/>
           </a:p>
@@ -3172,7 +3178,7 @@
     </p:spTree>
     <p:extLst>
       <p:ext uri="{BB962C8B-B14F-4D97-AF65-F5344CB8AC3E}">
-        <p14:creationId xmlns="" xmlns:p14="http://schemas.microsoft.com/office/powerpoint/2010/main" val="2929960713"/>
+        <p14:creationId xmlns:p14="http://schemas.microsoft.com/office/powerpoint/2010/main" xmlns="" val="2929960713"/>
       </p:ext>
     </p:extLst>
   </p:cSld>
@@ -3242,7 +3248,7 @@
             <a:fld id="{43ECC08F-3232-4266-A826-505EFF618F02}" type="datetime1">
               <a:rPr lang="it-IT" smtClean="0"/>
               <a:pPr rtl="0"/>
-              <a:t>07/06/2020</a:t>
+              <a:t>09/06/2020</a:t>
             </a:fld>
             <a:endParaRPr lang="en-US"/>
           </a:p>
@@ -3296,7 +3302,7 @@
     </p:spTree>
     <p:extLst>
       <p:ext uri="{BB962C8B-B14F-4D97-AF65-F5344CB8AC3E}">
-        <p14:creationId xmlns="" xmlns:p14="http://schemas.microsoft.com/office/powerpoint/2010/main" val="2667413146"/>
+        <p14:creationId xmlns:p14="http://schemas.microsoft.com/office/powerpoint/2010/main" xmlns="" val="2667413146"/>
       </p:ext>
     </p:extLst>
   </p:cSld>
@@ -3342,7 +3348,7 @@
             <a:fld id="{6CC19903-FCE7-40DD-9ABE-472E27EE3DF9}" type="datetime1">
               <a:rPr lang="it-IT" smtClean="0"/>
               <a:pPr rtl="0"/>
-              <a:t>07/06/2020</a:t>
+              <a:t>09/06/2020</a:t>
             </a:fld>
             <a:endParaRPr lang="en-US"/>
           </a:p>
@@ -3396,7 +3402,7 @@
     </p:spTree>
     <p:extLst>
       <p:ext uri="{BB962C8B-B14F-4D97-AF65-F5344CB8AC3E}">
-        <p14:creationId xmlns="" xmlns:p14="http://schemas.microsoft.com/office/powerpoint/2010/main" val="907247122"/>
+        <p14:creationId xmlns:p14="http://schemas.microsoft.com/office/powerpoint/2010/main" xmlns="" val="907247122"/>
       </p:ext>
     </p:extLst>
   </p:cSld>
@@ -3428,7 +3434,7 @@
           <p:cNvPr id="10" name="Rettangolo 9">
             <a:extLst>
               <a:ext uri="{FF2B5EF4-FFF2-40B4-BE49-F238E27FC236}">
-                <a16:creationId xmlns="" xmlns:a16="http://schemas.microsoft.com/office/drawing/2014/main" id="{D5E1BBF9-8BEF-4353-BA68-30AAF9EBD8D8}"/>
+                <a16:creationId xmlns:a16="http://schemas.microsoft.com/office/drawing/2014/main" xmlns="" id="{D5E1BBF9-8BEF-4353-BA68-30AAF9EBD8D8}"/>
               </a:ext>
             </a:extLst>
           </p:cNvPr>
@@ -3475,7 +3481,7 @@
           <p:cNvPr id="13" name="Rettangolo 12">
             <a:extLst>
               <a:ext uri="{FF2B5EF4-FFF2-40B4-BE49-F238E27FC236}">
-                <a16:creationId xmlns="" xmlns:a16="http://schemas.microsoft.com/office/drawing/2014/main" id="{5B941C21-2A5D-4912-AB06-1BB0C0EB6AE1}"/>
+                <a16:creationId xmlns:a16="http://schemas.microsoft.com/office/drawing/2014/main" xmlns="" id="{5B941C21-2A5D-4912-AB06-1BB0C0EB6AE1}"/>
               </a:ext>
             </a:extLst>
           </p:cNvPr>
@@ -3765,7 +3771,7 @@
             <a:fld id="{24F848B3-DD0C-4C86-9703-1DC7B521FCF8}" type="datetime1">
               <a:rPr lang="it-IT" smtClean="0"/>
               <a:pPr rtl="0"/>
-              <a:t>07/06/2020</a:t>
+              <a:t>09/06/2020</a:t>
             </a:fld>
             <a:endParaRPr lang="en-US"/>
           </a:p>
@@ -3844,7 +3850,7 @@
     </p:spTree>
     <p:extLst>
       <p:ext uri="{BB962C8B-B14F-4D97-AF65-F5344CB8AC3E}">
-        <p14:creationId xmlns="" xmlns:p14="http://schemas.microsoft.com/office/powerpoint/2010/main" val="2488602163"/>
+        <p14:creationId xmlns:p14="http://schemas.microsoft.com/office/powerpoint/2010/main" xmlns="" val="2488602163"/>
       </p:ext>
     </p:extLst>
   </p:cSld>
@@ -3876,7 +3882,7 @@
           <p:cNvPr id="11" name="Rettangolo 10">
             <a:extLst>
               <a:ext uri="{FF2B5EF4-FFF2-40B4-BE49-F238E27FC236}">
-                <a16:creationId xmlns="" xmlns:a16="http://schemas.microsoft.com/office/drawing/2014/main" id="{E687CA98-D9C7-497F-A1DA-7D22F8753BCE}"/>
+                <a16:creationId xmlns:a16="http://schemas.microsoft.com/office/drawing/2014/main" xmlns="" id="{E687CA98-D9C7-497F-A1DA-7D22F8753BCE}"/>
               </a:ext>
             </a:extLst>
           </p:cNvPr>
@@ -4032,7 +4038,7 @@
             <a:fld id="{711CFEF3-F103-4E31-9572-24F0BC84FDFF}" type="datetime1">
               <a:rPr lang="it-IT" smtClean="0"/>
               <a:pPr rtl="0"/>
-              <a:t>07/06/2020</a:t>
+              <a:t>09/06/2020</a:t>
             </a:fld>
             <a:endParaRPr lang="en-US" dirty="0"/>
           </a:p>
@@ -4116,7 +4122,7 @@
           <p:cNvPr id="12" name="Rettangolo 11">
             <a:extLst>
               <a:ext uri="{FF2B5EF4-FFF2-40B4-BE49-F238E27FC236}">
-                <a16:creationId xmlns="" xmlns:a16="http://schemas.microsoft.com/office/drawing/2014/main" id="{F8B3D8CC-BB13-41A5-8F34-B8E84A4F9534}"/>
+                <a16:creationId xmlns:a16="http://schemas.microsoft.com/office/drawing/2014/main" xmlns="" id="{F8B3D8CC-BB13-41A5-8F34-B8E84A4F9534}"/>
               </a:ext>
             </a:extLst>
           </p:cNvPr>
@@ -4282,7 +4288,7 @@
     </p:spTree>
     <p:extLst>
       <p:ext uri="{BB962C8B-B14F-4D97-AF65-F5344CB8AC3E}">
-        <p14:creationId xmlns="" xmlns:p14="http://schemas.microsoft.com/office/powerpoint/2010/main" val="2678223080"/>
+        <p14:creationId xmlns:p14="http://schemas.microsoft.com/office/powerpoint/2010/main" xmlns="" val="2678223080"/>
       </p:ext>
     </p:extLst>
   </p:cSld>
@@ -4319,7 +4325,7 @@
           <p:cNvPr id="9" name="Rettangolo 8">
             <a:extLst>
               <a:ext uri="{FF2B5EF4-FFF2-40B4-BE49-F238E27FC236}">
-                <a16:creationId xmlns="" xmlns:a16="http://schemas.microsoft.com/office/drawing/2014/main" id="{1E94681D-2A4C-4A8D-B9B5-31D440D0328D}"/>
+                <a16:creationId xmlns:a16="http://schemas.microsoft.com/office/drawing/2014/main" xmlns="" id="{1E94681D-2A4C-4A8D-B9B5-31D440D0328D}"/>
               </a:ext>
             </a:extLst>
           </p:cNvPr>
@@ -4554,7 +4560,7 @@
             <a:fld id="{8A8228F9-9C50-4094-9999-09A1682E91E0}" type="datetime1">
               <a:rPr lang="it-IT" smtClean="0"/>
               <a:pPr rtl="0"/>
-              <a:t>07/06/2020</a:t>
+              <a:t>09/06/2020</a:t>
             </a:fld>
             <a:endParaRPr lang="en-US" dirty="0"/>
           </a:p>
@@ -4646,7 +4652,7 @@
     </p:spTree>
     <p:extLst>
       <p:ext uri="{BB962C8B-B14F-4D97-AF65-F5344CB8AC3E}">
-        <p14:creationId xmlns="" xmlns:p14="http://schemas.microsoft.com/office/powerpoint/2010/main" val="3811577630"/>
+        <p14:creationId xmlns:p14="http://schemas.microsoft.com/office/powerpoint/2010/main" xmlns="" val="3811577630"/>
       </p:ext>
     </p:extLst>
   </p:cSld>
@@ -5039,7 +5045,7 @@
           <p:cNvPr id="6" name="Immagine 5" descr="Primo piano di un logo&#10;&#10;Descrizione generata automaticamente">
             <a:extLst>
               <a:ext uri="{FF2B5EF4-FFF2-40B4-BE49-F238E27FC236}">
-                <a16:creationId xmlns="" xmlns:a16="http://schemas.microsoft.com/office/drawing/2014/main" id="{8045422F-7258-40AC-BD2E-2469AA448922}"/>
+                <a16:creationId xmlns:a16="http://schemas.microsoft.com/office/drawing/2014/main" xmlns="" id="{8045422F-7258-40AC-BD2E-2469AA448922}"/>
               </a:ext>
             </a:extLst>
           </p:cNvPr>
@@ -5052,7 +5058,7 @@
           <a:blip r:embed="rId2" cstate="print">
             <a:extLst>
               <a:ext uri="{28A0092B-C50C-407E-A947-70E740481C1C}">
-                <a14:useLocalDpi xmlns="" xmlns:a14="http://schemas.microsoft.com/office/drawing/2010/main" val="0"/>
+                <a14:useLocalDpi xmlns:a14="http://schemas.microsoft.com/office/drawing/2010/main" xmlns="" val="0"/>
               </a:ext>
             </a:extLst>
           </a:blip>
@@ -5074,10 +5080,10 @@
           <p:cNvPr id="82" name="Rettangolo 81">
             <a:extLst>
               <a:ext uri="{FF2B5EF4-FFF2-40B4-BE49-F238E27FC236}">
-                <a16:creationId xmlns="" xmlns:a16="http://schemas.microsoft.com/office/drawing/2014/main" id="{2644B391-9BFE-445C-A9EC-F544BB85FBC7}"/>
+                <a16:creationId xmlns:a16="http://schemas.microsoft.com/office/drawing/2014/main" xmlns="" id="{2644B391-9BFE-445C-A9EC-F544BB85FBC7}"/>
               </a:ext>
               <a:ext uri="{C183D7F6-B498-43B3-948B-1728B52AA6E4}">
-                <adec:decorative xmlns="" xmlns:adec="http://schemas.microsoft.com/office/drawing/2017/decorative" val="1"/>
+                <adec:decorative xmlns:adec="http://schemas.microsoft.com/office/drawing/2017/decorative" xmlns="" val="1"/>
               </a:ext>
             </a:extLst>
           </p:cNvPr>
@@ -5087,7 +5093,7 @@
           <p:nvPr>
             <p:extLst>
               <p:ext uri="{386F3935-93C4-4BCD-93E2-E3B085C9AB24}">
-                <p16:designElem xmlns="" xmlns:p16="http://schemas.microsoft.com/office/powerpoint/2015/main" val="1"/>
+                <p16:designElem xmlns:p16="http://schemas.microsoft.com/office/powerpoint/2015/main" xmlns="" val="1"/>
               </p:ext>
             </p:extLst>
           </p:nvPr>
@@ -5119,10 +5125,10 @@
           <p:cNvPr id="84" name="Rettangolo 83">
             <a:extLst>
               <a:ext uri="{FF2B5EF4-FFF2-40B4-BE49-F238E27FC236}">
-                <a16:creationId xmlns="" xmlns:a16="http://schemas.microsoft.com/office/drawing/2014/main" id="{80F26E69-87D9-4655-AE7B-280A87AA3CAD}"/>
+                <a16:creationId xmlns:a16="http://schemas.microsoft.com/office/drawing/2014/main" xmlns="" id="{80F26E69-87D9-4655-AE7B-280A87AA3CAD}"/>
               </a:ext>
               <a:ext uri="{C183D7F6-B498-43B3-948B-1728B52AA6E4}">
-                <adec:decorative xmlns="" xmlns:adec="http://schemas.microsoft.com/office/drawing/2017/decorative" val="1"/>
+                <adec:decorative xmlns:adec="http://schemas.microsoft.com/office/drawing/2017/decorative" xmlns="" val="1"/>
               </a:ext>
             </a:extLst>
           </p:cNvPr>
@@ -5132,7 +5138,7 @@
           <p:nvPr>
             <p:extLst>
               <p:ext uri="{386F3935-93C4-4BCD-93E2-E3B085C9AB24}">
-                <p16:designElem xmlns="" xmlns:p16="http://schemas.microsoft.com/office/powerpoint/2015/main" val="1"/>
+                <p16:designElem xmlns:p16="http://schemas.microsoft.com/office/powerpoint/2015/main" xmlns="" val="1"/>
               </p:ext>
             </p:extLst>
           </p:nvPr>
@@ -5163,7 +5169,7 @@
           <p:cNvPr id="2" name="Titolo 1">
             <a:extLst>
               <a:ext uri="{FF2B5EF4-FFF2-40B4-BE49-F238E27FC236}">
-                <a16:creationId xmlns="" xmlns:a16="http://schemas.microsoft.com/office/drawing/2014/main" id="{18C3B467-088C-4F3D-A9A7-105C4E1E20CD}"/>
+                <a16:creationId xmlns:a16="http://schemas.microsoft.com/office/drawing/2014/main" xmlns="" id="{18C3B467-088C-4F3D-A9A7-105C4E1E20CD}"/>
               </a:ext>
             </a:extLst>
           </p:cNvPr>
@@ -5220,7 +5226,7 @@
     </p:spTree>
     <p:extLst>
       <p:ext uri="{BB962C8B-B14F-4D97-AF65-F5344CB8AC3E}">
-        <p14:creationId xmlns="" xmlns:p14="http://schemas.microsoft.com/office/powerpoint/2010/main" val="2584280759"/>
+        <p14:creationId xmlns:p14="http://schemas.microsoft.com/office/powerpoint/2010/main" xmlns="" val="2584280759"/>
       </p:ext>
     </p:extLst>
   </p:cSld>
@@ -5252,7 +5258,7 @@
           <p:cNvPr id="2" name="Titolo 1">
             <a:extLst>
               <a:ext uri="{FF2B5EF4-FFF2-40B4-BE49-F238E27FC236}">
-                <a16:creationId xmlns="" xmlns:a16="http://schemas.microsoft.com/office/drawing/2014/main" id="{1649DCAD-FA38-436C-B106-A235F4692CCA}"/>
+                <a16:creationId xmlns:a16="http://schemas.microsoft.com/office/drawing/2014/main" xmlns="" id="{1649DCAD-FA38-436C-B106-A235F4692CCA}"/>
               </a:ext>
             </a:extLst>
           </p:cNvPr>
@@ -5280,7 +5286,7 @@
           <p:cNvPr id="3" name="Segnaposto contenuto 2">
             <a:extLst>
               <a:ext uri="{FF2B5EF4-FFF2-40B4-BE49-F238E27FC236}">
-                <a16:creationId xmlns="" xmlns:a16="http://schemas.microsoft.com/office/drawing/2014/main" id="{AE9CA38E-DEB8-4B3C-A7EF-B065EE73E1B7}"/>
+                <a16:creationId xmlns:a16="http://schemas.microsoft.com/office/drawing/2014/main" xmlns="" id="{AE9CA38E-DEB8-4B3C-A7EF-B065EE73E1B7}"/>
               </a:ext>
             </a:extLst>
           </p:cNvPr>
@@ -5401,7 +5407,7 @@
     </p:spTree>
     <p:extLst>
       <p:ext uri="{BB962C8B-B14F-4D97-AF65-F5344CB8AC3E}">
-        <p14:creationId xmlns="" xmlns:p14="http://schemas.microsoft.com/office/powerpoint/2010/main" val="1909592427"/>
+        <p14:creationId xmlns:p14="http://schemas.microsoft.com/office/powerpoint/2010/main" xmlns="" val="1909592427"/>
       </p:ext>
     </p:extLst>
   </p:cSld>
@@ -5433,7 +5439,7 @@
           <p:cNvPr id="2" name="Titolo 1">
             <a:extLst>
               <a:ext uri="{FF2B5EF4-FFF2-40B4-BE49-F238E27FC236}">
-                <a16:creationId xmlns="" xmlns:a16="http://schemas.microsoft.com/office/drawing/2014/main" id="{DB6E8F6D-14C5-4FD7-BE1E-94F2CEBBD047}"/>
+                <a16:creationId xmlns:a16="http://schemas.microsoft.com/office/drawing/2014/main" xmlns="" id="{DB6E8F6D-14C5-4FD7-BE1E-94F2CEBBD047}"/>
               </a:ext>
             </a:extLst>
           </p:cNvPr>
@@ -5461,7 +5467,7 @@
           <p:cNvPr id="3" name="Segnaposto contenuto 2">
             <a:extLst>
               <a:ext uri="{FF2B5EF4-FFF2-40B4-BE49-F238E27FC236}">
-                <a16:creationId xmlns="" xmlns:a16="http://schemas.microsoft.com/office/drawing/2014/main" id="{7197C251-8208-4015-BFF1-537AC8FD5152}"/>
+                <a16:creationId xmlns:a16="http://schemas.microsoft.com/office/drawing/2014/main" xmlns="" id="{7197C251-8208-4015-BFF1-537AC8FD5152}"/>
               </a:ext>
             </a:extLst>
           </p:cNvPr>
@@ -5562,7 +5568,7 @@
     </p:spTree>
     <p:extLst>
       <p:ext uri="{BB962C8B-B14F-4D97-AF65-F5344CB8AC3E}">
-        <p14:creationId xmlns="" xmlns:p14="http://schemas.microsoft.com/office/powerpoint/2010/main" val="2542699001"/>
+        <p14:creationId xmlns:p14="http://schemas.microsoft.com/office/powerpoint/2010/main" xmlns="" val="2542699001"/>
       </p:ext>
     </p:extLst>
   </p:cSld>
@@ -5664,31 +5670,6 @@
           </a:p>
         </p:txBody>
       </p:sp>
-      <p:sp>
-        <p:nvSpPr>
-          <p:cNvPr id="4" name="Segnaposto data 3"/>
-          <p:cNvSpPr>
-            <a:spLocks noGrp="1"/>
-          </p:cNvSpPr>
-          <p:nvPr>
-            <p:ph type="dt" sz="half" idx="10"/>
-          </p:nvPr>
-        </p:nvSpPr>
-        <p:spPr/>
-        <p:txBody>
-          <a:bodyPr/>
-          <a:lstStyle/>
-          <a:p>
-            <a:pPr rtl="0"/>
-            <a:fld id="{85E0D28E-6F2F-4715-A424-3B01AC64AD4B}" type="datetime1">
-              <a:rPr lang="it-IT" smtClean="0"/>
-              <a:pPr rtl="0"/>
-              <a:t>07/06/2020</a:t>
-            </a:fld>
-            <a:endParaRPr lang="en-US"/>
-          </a:p>
-        </p:txBody>
-      </p:sp>
     </p:spTree>
   </p:cSld>
   <p:clrMapOvr>
@@ -5719,7 +5700,7 @@
           <p:cNvPr id="2" name="Titolo 1">
             <a:extLst>
               <a:ext uri="{FF2B5EF4-FFF2-40B4-BE49-F238E27FC236}">
-                <a16:creationId xmlns="" xmlns:a16="http://schemas.microsoft.com/office/drawing/2014/main" id="{1447AD0D-D9DC-4BD5-B662-30885C940A73}"/>
+                <a16:creationId xmlns:a16="http://schemas.microsoft.com/office/drawing/2014/main" xmlns="" id="{1447AD0D-D9DC-4BD5-B662-30885C940A73}"/>
               </a:ext>
             </a:extLst>
           </p:cNvPr>
@@ -5749,7 +5730,7 @@
           <p:cNvPr id="3" name="Segnaposto contenuto 2">
             <a:extLst>
               <a:ext uri="{FF2B5EF4-FFF2-40B4-BE49-F238E27FC236}">
-                <a16:creationId xmlns="" xmlns:a16="http://schemas.microsoft.com/office/drawing/2014/main" id="{FD9C302A-E7AA-40AD-8F0F-C6D9EFCC88F5}"/>
+                <a16:creationId xmlns:a16="http://schemas.microsoft.com/office/drawing/2014/main" xmlns="" id="{FD9C302A-E7AA-40AD-8F0F-C6D9EFCC88F5}"/>
               </a:ext>
             </a:extLst>
           </p:cNvPr>
@@ -5778,41 +5759,10 @@
           </a:p>
         </p:txBody>
       </p:sp>
-      <p:sp>
-        <p:nvSpPr>
-          <p:cNvPr id="4" name="Segnaposto data 3">
-            <a:extLst>
-              <a:ext uri="{FF2B5EF4-FFF2-40B4-BE49-F238E27FC236}">
-                <a16:creationId xmlns="" xmlns:a16="http://schemas.microsoft.com/office/drawing/2014/main" id="{F8E17882-5E17-41CC-8F32-7C442B1A3160}"/>
-              </a:ext>
-            </a:extLst>
-          </p:cNvPr>
-          <p:cNvSpPr>
-            <a:spLocks noGrp="1"/>
-          </p:cNvSpPr>
-          <p:nvPr>
-            <p:ph type="dt" sz="half" idx="10"/>
-          </p:nvPr>
-        </p:nvSpPr>
-        <p:spPr/>
-        <p:txBody>
-          <a:bodyPr/>
-          <a:lstStyle/>
-          <a:p>
-            <a:pPr rtl="0"/>
-            <a:fld id="{85E0D28E-6F2F-4715-A424-3B01AC64AD4B}" type="datetime1">
-              <a:rPr lang="it-IT" smtClean="0"/>
-              <a:pPr rtl="0"/>
-              <a:t>07/06/2020</a:t>
-            </a:fld>
-            <a:endParaRPr lang="en-US"/>
-          </a:p>
-        </p:txBody>
-      </p:sp>
     </p:spTree>
     <p:extLst>
       <p:ext uri="{BB962C8B-B14F-4D97-AF65-F5344CB8AC3E}">
-        <p14:creationId xmlns="" xmlns:p14="http://schemas.microsoft.com/office/powerpoint/2010/main" val="2009069328"/>
+        <p14:creationId xmlns:p14="http://schemas.microsoft.com/office/powerpoint/2010/main" xmlns="" val="2009069328"/>
       </p:ext>
     </p:extLst>
   </p:cSld>
@@ -5844,7 +5794,7 @@
           <p:cNvPr id="2" name="Titolo 1">
             <a:extLst>
               <a:ext uri="{FF2B5EF4-FFF2-40B4-BE49-F238E27FC236}">
-                <a16:creationId xmlns="" xmlns:a16="http://schemas.microsoft.com/office/drawing/2014/main" id="{64A3D193-E597-4EF9-9B61-D8F702BBDA6B}"/>
+                <a16:creationId xmlns:a16="http://schemas.microsoft.com/office/drawing/2014/main" xmlns="" id="{64A3D193-E597-4EF9-9B61-D8F702BBDA6B}"/>
               </a:ext>
             </a:extLst>
           </p:cNvPr>
@@ -5874,7 +5824,7 @@
           <p:cNvPr id="3" name="Segnaposto contenuto 2">
             <a:extLst>
               <a:ext uri="{FF2B5EF4-FFF2-40B4-BE49-F238E27FC236}">
-                <a16:creationId xmlns="" xmlns:a16="http://schemas.microsoft.com/office/drawing/2014/main" id="{78D544C2-8FC2-4FAB-8544-0FAFF728A8E0}"/>
+                <a16:creationId xmlns:a16="http://schemas.microsoft.com/office/drawing/2014/main" xmlns="" id="{78D544C2-8FC2-4FAB-8544-0FAFF728A8E0}"/>
               </a:ext>
             </a:extLst>
           </p:cNvPr>
@@ -5906,7 +5856,7 @@
     </p:spTree>
     <p:extLst>
       <p:ext uri="{BB962C8B-B14F-4D97-AF65-F5344CB8AC3E}">
-        <p14:creationId xmlns="" xmlns:p14="http://schemas.microsoft.com/office/powerpoint/2010/main" val="3152011591"/>
+        <p14:creationId xmlns:p14="http://schemas.microsoft.com/office/powerpoint/2010/main" xmlns="" val="3152011591"/>
       </p:ext>
     </p:extLst>
   </p:cSld>
@@ -5990,31 +5940,6 @@
           </a:p>
           <a:p>
             <a:endParaRPr lang="it-IT"/>
-          </a:p>
-        </p:txBody>
-      </p:sp>
-      <p:sp>
-        <p:nvSpPr>
-          <p:cNvPr id="4" name="Segnaposto data 3"/>
-          <p:cNvSpPr>
-            <a:spLocks noGrp="1"/>
-          </p:cNvSpPr>
-          <p:nvPr>
-            <p:ph type="dt" sz="half" idx="10"/>
-          </p:nvPr>
-        </p:nvSpPr>
-        <p:spPr/>
-        <p:txBody>
-          <a:bodyPr/>
-          <a:lstStyle/>
-          <a:p>
-            <a:pPr rtl="0"/>
-            <a:fld id="{85E0D28E-6F2F-4715-A424-3B01AC64AD4B}" type="datetime1">
-              <a:rPr lang="it-IT" smtClean="0"/>
-              <a:pPr rtl="0"/>
-              <a:t>07/06/2020</a:t>
-            </a:fld>
-            <a:endParaRPr lang="en-US"/>
           </a:p>
         </p:txBody>
       </p:sp>
@@ -6638,7 +6563,7 @@
           <p:cNvPr id="4" name="Titolo 3">
             <a:extLst>
               <a:ext uri="{FF2B5EF4-FFF2-40B4-BE49-F238E27FC236}">
-                <a16:creationId xmlns="" xmlns:a16="http://schemas.microsoft.com/office/drawing/2014/main" id="{6042F595-4D4D-4185-86A7-CBC567109825}"/>
+                <a16:creationId xmlns:a16="http://schemas.microsoft.com/office/drawing/2014/main" xmlns="" id="{6042F595-4D4D-4185-86A7-CBC567109825}"/>
               </a:ext>
             </a:extLst>
           </p:cNvPr>
@@ -6680,7 +6605,7 @@
           <p:cNvPr id="7" name="Segnaposto contenuto 6">
             <a:extLst>
               <a:ext uri="{FF2B5EF4-FFF2-40B4-BE49-F238E27FC236}">
-                <a16:creationId xmlns="" xmlns:a16="http://schemas.microsoft.com/office/drawing/2014/main" id="{7869F837-450C-4E6A-A262-9F07239CD2B8}"/>
+                <a16:creationId xmlns:a16="http://schemas.microsoft.com/office/drawing/2014/main" xmlns="" id="{7869F837-450C-4E6A-A262-9F07239CD2B8}"/>
               </a:ext>
             </a:extLst>
           </p:cNvPr>
@@ -6829,7 +6754,7 @@
     </p:spTree>
     <p:extLst>
       <p:ext uri="{BB962C8B-B14F-4D97-AF65-F5344CB8AC3E}">
-        <p14:creationId xmlns="" xmlns:p14="http://schemas.microsoft.com/office/powerpoint/2010/main" val="183243182"/>
+        <p14:creationId xmlns:p14="http://schemas.microsoft.com/office/powerpoint/2010/main" xmlns="" val="183243182"/>
       </p:ext>
     </p:extLst>
   </p:cSld>
@@ -6904,14 +6829,7 @@
                 <a:latin typeface="Times New Roman" pitchFamily="18" charset="0"/>
                 <a:cs typeface="Times New Roman" pitchFamily="18" charset="0"/>
               </a:rPr>
-              <a:t>Prima </a:t>
-            </a:r>
-            <a:r>
-              <a:rPr lang="it-IT" sz="2600" smtClean="0">
-                <a:latin typeface="Times New Roman" pitchFamily="18" charset="0"/>
-                <a:cs typeface="Times New Roman" pitchFamily="18" charset="0"/>
-              </a:rPr>
-              <a:t>di usare Vector Asset Studio bisogna aggiungere una dichiarazione nel file </a:t>
+              <a:t>Prima di usare Vector Asset Studio bisogna aggiungere una dichiarazione nel file </a:t>
             </a:r>
             <a:r>
               <a:rPr lang="it-IT" sz="2400" smtClean="0">
@@ -7039,7 +6957,7 @@
           <p:cNvPr id="2" name="Titolo 1">
             <a:extLst>
               <a:ext uri="{FF2B5EF4-FFF2-40B4-BE49-F238E27FC236}">
-                <a16:creationId xmlns="" xmlns:a16="http://schemas.microsoft.com/office/drawing/2014/main" id="{9AE4C8B6-E0B8-485F-A4DA-8628A66B76D2}"/>
+                <a16:creationId xmlns:a16="http://schemas.microsoft.com/office/drawing/2014/main" xmlns="" id="{9AE4C8B6-E0B8-485F-A4DA-8628A66B76D2}"/>
               </a:ext>
             </a:extLst>
           </p:cNvPr>
@@ -7072,7 +6990,7 @@
           <p:cNvPr id="6" name="Segnaposto contenuto 5">
             <a:extLst>
               <a:ext uri="{FF2B5EF4-FFF2-40B4-BE49-F238E27FC236}">
-                <a16:creationId xmlns="" xmlns:a16="http://schemas.microsoft.com/office/drawing/2014/main" id="{4BDEEE29-91C2-4DC2-978E-B83B3D557396}"/>
+                <a16:creationId xmlns:a16="http://schemas.microsoft.com/office/drawing/2014/main" xmlns="" id="{4BDEEE29-91C2-4DC2-978E-B83B3D557396}"/>
               </a:ext>
             </a:extLst>
           </p:cNvPr>
@@ -7087,7 +7005,7 @@
           <a:blip r:embed="rId2" cstate="print">
             <a:extLst>
               <a:ext uri="{28A0092B-C50C-407E-A947-70E740481C1C}">
-                <a14:useLocalDpi xmlns="" xmlns:a14="http://schemas.microsoft.com/office/drawing/2010/main" val="0"/>
+                <a14:useLocalDpi xmlns:a14="http://schemas.microsoft.com/office/drawing/2010/main" xmlns="" val="0"/>
               </a:ext>
             </a:extLst>
           </a:blip>
@@ -7139,7 +7057,7 @@
           <p:cNvPr id="12" name="CasellaDiTesto 11">
             <a:extLst>
               <a:ext uri="{FF2B5EF4-FFF2-40B4-BE49-F238E27FC236}">
-                <a16:creationId xmlns="" xmlns:a16="http://schemas.microsoft.com/office/drawing/2014/main" id="{E837BDAC-7E9D-4633-A500-EAEDA6613B83}"/>
+                <a16:creationId xmlns:a16="http://schemas.microsoft.com/office/drawing/2014/main" xmlns="" id="{E837BDAC-7E9D-4633-A500-EAEDA6613B83}"/>
               </a:ext>
             </a:extLst>
           </p:cNvPr>
@@ -7217,7 +7135,7 @@
     </p:spTree>
     <p:extLst>
       <p:ext uri="{BB962C8B-B14F-4D97-AF65-F5344CB8AC3E}">
-        <p14:creationId xmlns="" xmlns:p14="http://schemas.microsoft.com/office/powerpoint/2010/main" val="2197971088"/>
+        <p14:creationId xmlns:p14="http://schemas.microsoft.com/office/powerpoint/2010/main" xmlns="" val="2197971088"/>
       </p:ext>
     </p:extLst>
   </p:cSld>
@@ -7249,7 +7167,7 @@
           <p:cNvPr id="6" name="Segnaposto contenuto 5">
             <a:extLst>
               <a:ext uri="{FF2B5EF4-FFF2-40B4-BE49-F238E27FC236}">
-                <a16:creationId xmlns="" xmlns:a16="http://schemas.microsoft.com/office/drawing/2014/main" id="{0F35DE8C-3ACD-459B-9345-5DB90C6EC9FD}"/>
+                <a16:creationId xmlns:a16="http://schemas.microsoft.com/office/drawing/2014/main" xmlns="" id="{0F35DE8C-3ACD-459B-9345-5DB90C6EC9FD}"/>
               </a:ext>
             </a:extLst>
           </p:cNvPr>
@@ -7264,7 +7182,7 @@
           <a:blip r:embed="rId2" cstate="print">
             <a:extLst>
               <a:ext uri="{28A0092B-C50C-407E-A947-70E740481C1C}">
-                <a14:useLocalDpi xmlns="" xmlns:a14="http://schemas.microsoft.com/office/drawing/2010/main" val="0"/>
+                <a14:useLocalDpi xmlns:a14="http://schemas.microsoft.com/office/drawing/2010/main" xmlns="" val="0"/>
               </a:ext>
             </a:extLst>
           </a:blip>
@@ -7283,7 +7201,7 @@
           <p:cNvPr id="7" name="CasellaDiTesto 6">
             <a:extLst>
               <a:ext uri="{FF2B5EF4-FFF2-40B4-BE49-F238E27FC236}">
-                <a16:creationId xmlns="" xmlns:a16="http://schemas.microsoft.com/office/drawing/2014/main" id="{EC7460D1-A244-474C-932D-C3A68EF124A9}"/>
+                <a16:creationId xmlns:a16="http://schemas.microsoft.com/office/drawing/2014/main" xmlns="" id="{EC7460D1-A244-474C-932D-C3A68EF124A9}"/>
               </a:ext>
             </a:extLst>
           </p:cNvPr>
@@ -7442,7 +7360,7 @@
     </p:spTree>
     <p:extLst>
       <p:ext uri="{BB962C8B-B14F-4D97-AF65-F5344CB8AC3E}">
-        <p14:creationId xmlns="" xmlns:p14="http://schemas.microsoft.com/office/powerpoint/2010/main" val="2387262453"/>
+        <p14:creationId xmlns:p14="http://schemas.microsoft.com/office/powerpoint/2010/main" xmlns="" val="2387262453"/>
       </p:ext>
     </p:extLst>
   </p:cSld>
@@ -7726,37 +7644,12 @@
           </a:p>
         </p:txBody>
       </p:sp>
-      <p:sp>
-        <p:nvSpPr>
-          <p:cNvPr id="4" name="Segnaposto data 3"/>
-          <p:cNvSpPr>
-            <a:spLocks noGrp="1"/>
-          </p:cNvSpPr>
-          <p:nvPr>
-            <p:ph type="dt" sz="half" idx="10"/>
-          </p:nvPr>
-        </p:nvSpPr>
-        <p:spPr/>
-        <p:txBody>
-          <a:bodyPr/>
-          <a:lstStyle/>
-          <a:p>
-            <a:pPr rtl="0"/>
-            <a:fld id="{85E0D28E-6F2F-4715-A424-3B01AC64AD4B}" type="datetime1">
-              <a:rPr lang="it-IT" smtClean="0"/>
-              <a:pPr rtl="0"/>
-              <a:t>07/06/2020</a:t>
-            </a:fld>
-            <a:endParaRPr lang="en-US"/>
-          </a:p>
-        </p:txBody>
-      </p:sp>
       <p:pic>
         <p:nvPicPr>
           <p:cNvPr id="5" name="Segnaposto contenuto 5">
             <a:extLst>
               <a:ext uri="{FF2B5EF4-FFF2-40B4-BE49-F238E27FC236}">
-                <a16:creationId xmlns="" xmlns:a16="http://schemas.microsoft.com/office/drawing/2014/main" id="{0F35DE8C-3ACD-459B-9345-5DB90C6EC9FD}"/>
+                <a16:creationId xmlns:a16="http://schemas.microsoft.com/office/drawing/2014/main" xmlns="" id="{0F35DE8C-3ACD-459B-9345-5DB90C6EC9FD}"/>
               </a:ext>
             </a:extLst>
           </p:cNvPr>
@@ -7769,7 +7662,7 @@
           <a:blip r:embed="rId2" cstate="print">
             <a:extLst>
               <a:ext uri="{28A0092B-C50C-407E-A947-70E740481C1C}">
-                <a14:useLocalDpi xmlns="" xmlns:a14="http://schemas.microsoft.com/office/drawing/2010/main" val="0"/>
+                <a14:useLocalDpi xmlns:a14="http://schemas.microsoft.com/office/drawing/2010/main" xmlns="" val="0"/>
               </a:ext>
             </a:extLst>
           </a:blip>
@@ -7874,58 +7767,19 @@
                 <a:latin typeface="Times New Roman" panose="02020603050405020304" pitchFamily="18" charset="0"/>
                 <a:cs typeface="Times New Roman" panose="02020603050405020304" pitchFamily="18" charset="0"/>
               </a:rPr>
-              <a:t>Apparirà la finestra per selezionare l’icona</a:t>
-            </a:r>
+              <a:t>Apparirà la finestra per selezionare l’icona. </a:t>
+            </a:r>
+          </a:p>
+          <a:p>
+            <a:pPr marL="0" lvl="0">
+              <a:buNone/>
+            </a:pPr>
             <a:r>
               <a:rPr lang="it-IT" sz="2400" smtClean="0">
                 <a:latin typeface="Times New Roman" panose="02020603050405020304" pitchFamily="18" charset="0"/>
                 <a:cs typeface="Times New Roman" panose="02020603050405020304" pitchFamily="18" charset="0"/>
               </a:rPr>
-              <a:t>. </a:t>
-            </a:r>
-            <a:endParaRPr lang="it-IT" sz="2400" smtClean="0">
-              <a:latin typeface="Times New Roman" panose="02020603050405020304" pitchFamily="18" charset="0"/>
-              <a:cs typeface="Times New Roman" panose="02020603050405020304" pitchFamily="18" charset="0"/>
-            </a:endParaRPr>
-          </a:p>
-          <a:p>
-            <a:pPr marL="0" lvl="0">
-              <a:buNone/>
-            </a:pPr>
-            <a:r>
-              <a:rPr lang="it-IT" sz="2400" smtClean="0">
-                <a:latin typeface="Times New Roman" panose="02020603050405020304" pitchFamily="18" charset="0"/>
-                <a:cs typeface="Times New Roman" panose="02020603050405020304" pitchFamily="18" charset="0"/>
-              </a:rPr>
-              <a:t>È possibile </a:t>
-            </a:r>
-            <a:r>
-              <a:rPr lang="it-IT" sz="2400" smtClean="0">
-                <a:latin typeface="Times New Roman" panose="02020603050405020304" pitchFamily="18" charset="0"/>
-                <a:cs typeface="Times New Roman" panose="02020603050405020304" pitchFamily="18" charset="0"/>
-              </a:rPr>
-              <a:t>selezionare le icone in base alle </a:t>
-            </a:r>
-            <a:r>
-              <a:rPr lang="it-IT" sz="2400" smtClean="0">
-                <a:latin typeface="Times New Roman" panose="02020603050405020304" pitchFamily="18" charset="0"/>
-                <a:cs typeface="Times New Roman" panose="02020603050405020304" pitchFamily="18" charset="0"/>
-              </a:rPr>
-              <a:t>categorie </a:t>
-            </a:r>
-            <a:r>
-              <a:rPr lang="it-IT" sz="2400" smtClean="0">
-                <a:latin typeface="Times New Roman" panose="02020603050405020304" pitchFamily="18" charset="0"/>
-                <a:cs typeface="Times New Roman" panose="02020603050405020304" pitchFamily="18" charset="0"/>
-              </a:rPr>
-              <a:t>nella </a:t>
-            </a:r>
-            <a:r>
-              <a:rPr lang="it-IT" sz="2400" smtClean="0">
-                <a:latin typeface="Times New Roman" panose="02020603050405020304" pitchFamily="18" charset="0"/>
-                <a:cs typeface="Times New Roman" panose="02020603050405020304" pitchFamily="18" charset="0"/>
-              </a:rPr>
-              <a:t>lista a sinistra. </a:t>
+              <a:t>È possibile selezionare le icone in base alle categorie nella lista a sinistra. </a:t>
             </a:r>
           </a:p>
           <a:p>
@@ -7943,7 +7797,7 @@
           <a:blip r:embed="rId2" cstate="print">
             <a:extLst>
               <a:ext uri="{28A0092B-C50C-407E-A947-70E740481C1C}">
-                <a14:useLocalDpi xmlns:ve="http://schemas.openxmlformats.org/markup-compatibility/2006" xmlns:m="http://schemas.openxmlformats.org/officeDocument/2006/math" xmlns:wp="http://schemas.openxmlformats.org/drawingml/2006/wordprocessingDrawing" xmlns:wne="http://schemas.microsoft.com/office/word/2006/wordml" xmlns:a14="http://schemas.microsoft.com/office/drawing/2010/main" xmlns:wps="http://schemas.microsoft.com/office/word/2010/wordprocessingShape" xmlns:wpi="http://schemas.microsoft.com/office/word/2010/wordprocessingInk" xmlns:wpg="http://schemas.microsoft.com/office/word/2010/wordprocessingGroup" xmlns:w16se="http://schemas.microsoft.com/office/word/2015/wordml/symex" xmlns:w16cid="http://schemas.microsoft.com/office/word/2016/wordml/cid" xmlns:w15="http://schemas.microsoft.com/office/word/2012/wordml" xmlns:w14="http://schemas.microsoft.com/office/word/2010/wordml" xmlns:w="http://schemas.openxmlformats.org/wordprocessingml/2006/main" xmlns:w10="urn:schemas-microsoft-com:office:word" xmlns:wp14="http://schemas.microsoft.com/office/word/2010/wordprocessingDrawing" xmlns:v="urn:schemas-microsoft-com:vml" xmlns:o="urn:schemas-microsoft-com:office:office" xmlns:am3d="http://schemas.microsoft.com/office/drawing/2017/model3d" xmlns:aink="http://schemas.microsoft.com/office/drawing/2016/ink" xmlns:mc="http://schemas.openxmlformats.org/markup-compatibility/2006" xmlns:cx8="http://schemas.microsoft.com/office/drawing/2016/5/14/chartex" xmlns:cx7="http://schemas.microsoft.com/office/drawing/2016/5/13/chartex" xmlns:cx6="http://schemas.microsoft.com/office/drawing/2016/5/12/chartex" xmlns:cx5="http://schemas.microsoft.com/office/drawing/2016/5/11/chartex" xmlns:cx4="http://schemas.microsoft.com/office/drawing/2016/5/10/chartex" xmlns:cx3="http://schemas.microsoft.com/office/drawing/2016/5/9/chartex" xmlns:cx2="http://schemas.microsoft.com/office/drawing/2015/10/21/chartex" xmlns:cx1="http://schemas.microsoft.com/office/drawing/2015/9/8/chartex" xmlns:cx="http://schemas.microsoft.com/office/drawing/2014/chartex" xmlns:wpc="http://schemas.microsoft.com/office/word/2010/wordprocessingCanvas" xmlns="" xmlns:pic="http://schemas.openxmlformats.org/drawingml/2006/picture" xmlns:lc="http://schemas.openxmlformats.org/drawingml/2006/lockedCanvas" val="0"/>
+                <a14:useLocalDpi xmlns:lc="http://schemas.openxmlformats.org/drawingml/2006/lockedCanvas" xmlns:pic="http://schemas.openxmlformats.org/drawingml/2006/picture" xmlns="" xmlns:wpc="http://schemas.microsoft.com/office/word/2010/wordprocessingCanvas" xmlns:cx="http://schemas.microsoft.com/office/drawing/2014/chartex" xmlns:cx1="http://schemas.microsoft.com/office/drawing/2015/9/8/chartex" xmlns:cx2="http://schemas.microsoft.com/office/drawing/2015/10/21/chartex" xmlns:cx3="http://schemas.microsoft.com/office/drawing/2016/5/9/chartex" xmlns:cx4="http://schemas.microsoft.com/office/drawing/2016/5/10/chartex" xmlns:cx5="http://schemas.microsoft.com/office/drawing/2016/5/11/chartex" xmlns:cx6="http://schemas.microsoft.com/office/drawing/2016/5/12/chartex" xmlns:cx7="http://schemas.microsoft.com/office/drawing/2016/5/13/chartex" xmlns:cx8="http://schemas.microsoft.com/office/drawing/2016/5/14/chartex" xmlns:mc="http://schemas.openxmlformats.org/markup-compatibility/2006" xmlns:aink="http://schemas.microsoft.com/office/drawing/2016/ink" xmlns:am3d="http://schemas.microsoft.com/office/drawing/2017/model3d" xmlns:o="urn:schemas-microsoft-com:office:office" xmlns:v="urn:schemas-microsoft-com:vml" xmlns:wp14="http://schemas.microsoft.com/office/word/2010/wordprocessingDrawing" xmlns:w10="urn:schemas-microsoft-com:office:word" xmlns:w="http://schemas.openxmlformats.org/wordprocessingml/2006/main" xmlns:w14="http://schemas.microsoft.com/office/word/2010/wordml" xmlns:w15="http://schemas.microsoft.com/office/word/2012/wordml" xmlns:w16cid="http://schemas.microsoft.com/office/word/2016/wordml/cid" xmlns:w16se="http://schemas.microsoft.com/office/word/2015/wordml/symex" xmlns:wpg="http://schemas.microsoft.com/office/word/2010/wordprocessingGroup" xmlns:wpi="http://schemas.microsoft.com/office/word/2010/wordprocessingInk" xmlns:wps="http://schemas.microsoft.com/office/word/2010/wordprocessingShape" xmlns:a14="http://schemas.microsoft.com/office/drawing/2010/main" xmlns:wne="http://schemas.microsoft.com/office/word/2006/wordml" xmlns:wp="http://schemas.openxmlformats.org/drawingml/2006/wordprocessingDrawing" xmlns:m="http://schemas.openxmlformats.org/officeDocument/2006/math" xmlns:ve="http://schemas.openxmlformats.org/markup-compatibility/2006" val="0"/>
               </a:ext>
             </a:extLst>
           </a:blip>
@@ -8130,31 +7984,6 @@
       </p:grpSpPr>
       <p:sp>
         <p:nvSpPr>
-          <p:cNvPr id="4" name="Segnaposto data 3"/>
-          <p:cNvSpPr>
-            <a:spLocks noGrp="1"/>
-          </p:cNvSpPr>
-          <p:nvPr>
-            <p:ph type="dt" sz="half" idx="10"/>
-          </p:nvPr>
-        </p:nvSpPr>
-        <p:spPr/>
-        <p:txBody>
-          <a:bodyPr/>
-          <a:lstStyle/>
-          <a:p>
-            <a:pPr rtl="0"/>
-            <a:fld id="{85E0D28E-6F2F-4715-A424-3B01AC64AD4B}" type="datetime1">
-              <a:rPr lang="it-IT" smtClean="0"/>
-              <a:pPr rtl="0"/>
-              <a:t>07/06/2020</a:t>
-            </a:fld>
-            <a:endParaRPr lang="en-US"/>
-          </a:p>
-        </p:txBody>
-      </p:sp>
-      <p:sp>
-        <p:nvSpPr>
           <p:cNvPr id="5" name="CasellaDiTesto 4"/>
           <p:cNvSpPr txBox="1"/>
           <p:nvPr/>
@@ -8316,7 +8145,7 @@
           <p:cNvPr id="7" name="Segnaposto contenuto 5">
             <a:extLst>
               <a:ext uri="{FF2B5EF4-FFF2-40B4-BE49-F238E27FC236}">
-                <a16:creationId xmlns="" xmlns:a16="http://schemas.microsoft.com/office/drawing/2014/main" id="{4897E952-8496-4CAA-AE2B-A29C31AC6738}"/>
+                <a16:creationId xmlns:a16="http://schemas.microsoft.com/office/drawing/2014/main" xmlns="" id="{4897E952-8496-4CAA-AE2B-A29C31AC6738}"/>
               </a:ext>
             </a:extLst>
           </p:cNvPr>
@@ -8331,7 +8160,7 @@
           <a:blip r:embed="rId2" cstate="print">
             <a:extLst>
               <a:ext uri="{28A0092B-C50C-407E-A947-70E740481C1C}">
-                <a14:useLocalDpi xmlns="" xmlns:a14="http://schemas.microsoft.com/office/drawing/2010/main" val="0"/>
+                <a14:useLocalDpi xmlns:a14="http://schemas.microsoft.com/office/drawing/2010/main" xmlns="" val="0"/>
               </a:ext>
             </a:extLst>
           </a:blip>
@@ -8403,47 +8232,8 @@
                 <a:latin typeface="Times New Roman" panose="02020603050405020304" pitchFamily="18" charset="0"/>
                 <a:cs typeface="Times New Roman" panose="02020603050405020304" pitchFamily="18" charset="0"/>
               </a:rPr>
-              <a:t>In entrambi i casi </a:t>
-            </a:r>
-            <a:r>
-              <a:rPr lang="it-IT" sz="2400" smtClean="0">
-                <a:latin typeface="Times New Roman" panose="02020603050405020304" pitchFamily="18" charset="0"/>
-                <a:cs typeface="Times New Roman" panose="02020603050405020304" pitchFamily="18" charset="0"/>
-              </a:rPr>
-              <a:t>si </a:t>
-            </a:r>
-            <a:r>
-              <a:rPr lang="it-IT" sz="2400" smtClean="0">
-                <a:latin typeface="Times New Roman" panose="02020603050405020304" pitchFamily="18" charset="0"/>
-                <a:cs typeface="Times New Roman" panose="02020603050405020304" pitchFamily="18" charset="0"/>
-              </a:rPr>
-              <a:t>vedrà </a:t>
-            </a:r>
-            <a:r>
-              <a:rPr lang="it-IT" sz="2400" smtClean="0">
-                <a:latin typeface="Times New Roman" panose="02020603050405020304" pitchFamily="18" charset="0"/>
-                <a:cs typeface="Times New Roman" panose="02020603050405020304" pitchFamily="18" charset="0"/>
-              </a:rPr>
-              <a:t>un’anteprima </a:t>
-            </a:r>
-            <a:r>
-              <a:rPr lang="it-IT" sz="2400" smtClean="0">
-                <a:latin typeface="Times New Roman" panose="02020603050405020304" pitchFamily="18" charset="0"/>
-                <a:cs typeface="Times New Roman" panose="02020603050405020304" pitchFamily="18" charset="0"/>
-              </a:rPr>
-              <a:t>dell’immagine </a:t>
-            </a:r>
-            <a:r>
-              <a:rPr lang="it-IT" sz="2400" smtClean="0">
-                <a:latin typeface="Times New Roman" panose="02020603050405020304" pitchFamily="18" charset="0"/>
-                <a:cs typeface="Times New Roman" panose="02020603050405020304" pitchFamily="18" charset="0"/>
-              </a:rPr>
-              <a:t>scelta.</a:t>
-            </a:r>
-            <a:endParaRPr lang="it-IT" sz="2400" smtClean="0">
-              <a:latin typeface="Times New Roman" panose="02020603050405020304" pitchFamily="18" charset="0"/>
-              <a:cs typeface="Times New Roman" panose="02020603050405020304" pitchFamily="18" charset="0"/>
-            </a:endParaRPr>
+              <a:t>In entrambi i casi si vedrà un’anteprima dell’immagine scelta.</a:t>
+            </a:r>
           </a:p>
           <a:p>
             <a:pPr>
@@ -8478,31 +8268,6 @@
               <a:latin typeface="Times New Roman" panose="02020603050405020304" pitchFamily="18" charset="0"/>
               <a:cs typeface="Times New Roman" panose="02020603050405020304" pitchFamily="18" charset="0"/>
             </a:endParaRPr>
-          </a:p>
-        </p:txBody>
-      </p:sp>
-      <p:sp>
-        <p:nvSpPr>
-          <p:cNvPr id="4" name="Segnaposto data 3"/>
-          <p:cNvSpPr>
-            <a:spLocks noGrp="1"/>
-          </p:cNvSpPr>
-          <p:nvPr>
-            <p:ph type="dt" sz="half" idx="10"/>
-          </p:nvPr>
-        </p:nvSpPr>
-        <p:spPr/>
-        <p:txBody>
-          <a:bodyPr/>
-          <a:lstStyle/>
-          <a:p>
-            <a:pPr rtl="0"/>
-            <a:fld id="{85E0D28E-6F2F-4715-A424-3B01AC64AD4B}" type="datetime1">
-              <a:rPr lang="it-IT" smtClean="0"/>
-              <a:pPr rtl="0"/>
-              <a:t>07/06/2020</a:t>
-            </a:fld>
-            <a:endParaRPr lang="en-US"/>
           </a:p>
         </p:txBody>
       </p:sp>
@@ -8511,7 +8276,7 @@
           <p:cNvPr id="5" name="Segnaposto contenuto 5">
             <a:extLst>
               <a:ext uri="{FF2B5EF4-FFF2-40B4-BE49-F238E27FC236}">
-                <a16:creationId xmlns="" xmlns:a16="http://schemas.microsoft.com/office/drawing/2014/main" id="{61510913-41E3-435E-A44C-417D65A7502B}"/>
+                <a16:creationId xmlns:a16="http://schemas.microsoft.com/office/drawing/2014/main" xmlns="" id="{61510913-41E3-435E-A44C-417D65A7502B}"/>
               </a:ext>
             </a:extLst>
           </p:cNvPr>
@@ -8524,7 +8289,7 @@
           <a:blip r:embed="rId2" cstate="print">
             <a:extLst>
               <a:ext uri="{28A0092B-C50C-407E-A947-70E740481C1C}">
-                <a14:useLocalDpi xmlns="" xmlns:a14="http://schemas.microsoft.com/office/drawing/2010/main" val="0"/>
+                <a14:useLocalDpi xmlns:a14="http://schemas.microsoft.com/office/drawing/2010/main" xmlns="" val="0"/>
               </a:ext>
             </a:extLst>
           </a:blip>
@@ -8669,31 +8434,6 @@
           </a:p>
           <a:p>
             <a:endParaRPr lang="it-IT"/>
-          </a:p>
-        </p:txBody>
-      </p:sp>
-      <p:sp>
-        <p:nvSpPr>
-          <p:cNvPr id="4" name="Segnaposto data 3"/>
-          <p:cNvSpPr>
-            <a:spLocks noGrp="1"/>
-          </p:cNvSpPr>
-          <p:nvPr>
-            <p:ph type="dt" sz="half" idx="10"/>
-          </p:nvPr>
-        </p:nvSpPr>
-        <p:spPr/>
-        <p:txBody>
-          <a:bodyPr/>
-          <a:lstStyle/>
-          <a:p>
-            <a:pPr rtl="0"/>
-            <a:fld id="{85E0D28E-6F2F-4715-A424-3B01AC64AD4B}" type="datetime1">
-              <a:rPr lang="it-IT" smtClean="0"/>
-              <a:pPr rtl="0"/>
-              <a:t>07/06/2020</a:t>
-            </a:fld>
-            <a:endParaRPr lang="en-US"/>
           </a:p>
         </p:txBody>
       </p:sp>
@@ -9181,31 +8921,6 @@
           </a:p>
         </p:txBody>
       </p:sp>
-      <p:sp>
-        <p:nvSpPr>
-          <p:cNvPr id="4" name="Segnaposto data 3"/>
-          <p:cNvSpPr>
-            <a:spLocks noGrp="1"/>
-          </p:cNvSpPr>
-          <p:nvPr>
-            <p:ph type="dt" sz="half" idx="10"/>
-          </p:nvPr>
-        </p:nvSpPr>
-        <p:spPr/>
-        <p:txBody>
-          <a:bodyPr/>
-          <a:lstStyle/>
-          <a:p>
-            <a:pPr rtl="0"/>
-            <a:fld id="{85E0D28E-6F2F-4715-A424-3B01AC64AD4B}" type="datetime1">
-              <a:rPr lang="it-IT" smtClean="0"/>
-              <a:pPr rtl="0"/>
-              <a:t>07/06/2020</a:t>
-            </a:fld>
-            <a:endParaRPr lang="en-US"/>
-          </a:p>
-        </p:txBody>
-      </p:sp>
     </p:spTree>
   </p:cSld>
   <p:clrMapOvr>
@@ -9288,59 +9003,20 @@
                 <a:latin typeface="Times New Roman" pitchFamily="18" charset="0"/>
                 <a:cs typeface="Times New Roman" pitchFamily="18" charset="0"/>
               </a:rPr>
-              <a:t> </a:t>
-            </a:r>
+              <a:t> //mettere qualche screen in questa slide e quella precedente</a:t>
+            </a:r>
+          </a:p>
+          <a:p>
+            <a:pPr>
+              <a:buNone/>
+            </a:pPr>
             <a:r>
               <a:rPr lang="it-IT" sz="2400" smtClean="0">
                 <a:latin typeface="Times New Roman" pitchFamily="18" charset="0"/>
                 <a:cs typeface="Times New Roman" pitchFamily="18" charset="0"/>
               </a:rPr>
-              <a:t>//mettere qualche screen in questa slide e quella precedente</a:t>
-            </a:r>
-          </a:p>
-          <a:p>
-            <a:pPr>
-              <a:buNone/>
-            </a:pPr>
-            <a:r>
-              <a:rPr lang="it-IT" sz="2400" smtClean="0">
-                <a:latin typeface="Times New Roman" pitchFamily="18" charset="0"/>
-                <a:cs typeface="Times New Roman" pitchFamily="18" charset="0"/>
-              </a:rPr>
-              <a:t> </a:t>
-            </a:r>
-            <a:r>
-              <a:rPr lang="it-IT" sz="2400" smtClean="0">
-                <a:latin typeface="Times New Roman" pitchFamily="18" charset="0"/>
-                <a:cs typeface="Times New Roman" pitchFamily="18" charset="0"/>
-              </a:rPr>
-              <a:t>// anche una per ogni punto o ogni due punti e fare più slide</a:t>
-            </a:r>
-          </a:p>
-        </p:txBody>
-      </p:sp>
-      <p:sp>
-        <p:nvSpPr>
-          <p:cNvPr id="4" name="Segnaposto data 3"/>
-          <p:cNvSpPr>
-            <a:spLocks noGrp="1"/>
-          </p:cNvSpPr>
-          <p:nvPr>
-            <p:ph type="dt" sz="half" idx="10"/>
-          </p:nvPr>
-        </p:nvSpPr>
-        <p:spPr/>
-        <p:txBody>
-          <a:bodyPr/>
-          <a:lstStyle/>
-          <a:p>
-            <a:pPr rtl="0"/>
-            <a:fld id="{85E0D28E-6F2F-4715-A424-3B01AC64AD4B}" type="datetime1">
-              <a:rPr lang="it-IT" smtClean="0"/>
-              <a:pPr rtl="0"/>
-              <a:t>07/06/2020</a:t>
-            </a:fld>
-            <a:endParaRPr lang="en-US"/>
+              <a:t> // anche una per ogni punto o ogni due punti e fare più slide</a:t>
+            </a:r>
           </a:p>
         </p:txBody>
       </p:sp>
@@ -9450,31 +9126,6 @@
           </a:p>
         </p:txBody>
       </p:sp>
-      <p:sp>
-        <p:nvSpPr>
-          <p:cNvPr id="4" name="Segnaposto data 3"/>
-          <p:cNvSpPr>
-            <a:spLocks noGrp="1"/>
-          </p:cNvSpPr>
-          <p:nvPr>
-            <p:ph type="dt" sz="half" idx="10"/>
-          </p:nvPr>
-        </p:nvSpPr>
-        <p:spPr/>
-        <p:txBody>
-          <a:bodyPr/>
-          <a:lstStyle/>
-          <a:p>
-            <a:pPr rtl="0"/>
-            <a:fld id="{85E0D28E-6F2F-4715-A424-3B01AC64AD4B}" type="datetime1">
-              <a:rPr lang="it-IT" smtClean="0"/>
-              <a:pPr rtl="0"/>
-              <a:t>07/06/2020</a:t>
-            </a:fld>
-            <a:endParaRPr lang="en-US"/>
-          </a:p>
-        </p:txBody>
-      </p:sp>
     </p:spTree>
   </p:cSld>
   <p:clrMapOvr>
@@ -9520,31 +9171,6 @@
               <a:t>Mostrare vector drawable su widget</a:t>
             </a:r>
             <a:endParaRPr lang="it-IT"/>
-          </a:p>
-        </p:txBody>
-      </p:sp>
-      <p:sp>
-        <p:nvSpPr>
-          <p:cNvPr id="4" name="Segnaposto data 3"/>
-          <p:cNvSpPr>
-            <a:spLocks noGrp="1"/>
-          </p:cNvSpPr>
-          <p:nvPr>
-            <p:ph type="dt" sz="half" idx="10"/>
-          </p:nvPr>
-        </p:nvSpPr>
-        <p:spPr/>
-        <p:txBody>
-          <a:bodyPr/>
-          <a:lstStyle/>
-          <a:p>
-            <a:pPr rtl="0"/>
-            <a:fld id="{85E0D28E-6F2F-4715-A424-3B01AC64AD4B}" type="datetime1">
-              <a:rPr lang="it-IT" smtClean="0"/>
-              <a:pPr rtl="0"/>
-              <a:t>07/06/2020</a:t>
-            </a:fld>
-            <a:endParaRPr lang="en-US"/>
           </a:p>
         </p:txBody>
       </p:sp>
@@ -10175,31 +9801,6 @@
           </a:p>
         </p:txBody>
       </p:sp>
-      <p:sp>
-        <p:nvSpPr>
-          <p:cNvPr id="4" name="Segnaposto data 3"/>
-          <p:cNvSpPr>
-            <a:spLocks noGrp="1"/>
-          </p:cNvSpPr>
-          <p:nvPr>
-            <p:ph type="dt" sz="half" idx="10"/>
-          </p:nvPr>
-        </p:nvSpPr>
-        <p:spPr/>
-        <p:txBody>
-          <a:bodyPr/>
-          <a:lstStyle/>
-          <a:p>
-            <a:pPr rtl="0"/>
-            <a:fld id="{85E0D28E-6F2F-4715-A424-3B01AC64AD4B}" type="datetime1">
-              <a:rPr lang="it-IT" smtClean="0"/>
-              <a:pPr rtl="0"/>
-              <a:t>07/06/2020</a:t>
-            </a:fld>
-            <a:endParaRPr lang="en-US"/>
-          </a:p>
-        </p:txBody>
-      </p:sp>
     </p:spTree>
   </p:cSld>
   <p:clrMapOvr>
@@ -10305,15 +9906,7 @@
             </a:br>
             <a:r>
               <a:rPr lang="en-US" sz="1900" smtClean="0"/>
-              <a:t>    android:src="@drawable/myimage</a:t>
-            </a:r>
-            <a:r>
-              <a:rPr lang="en-US" sz="1900" smtClean="0"/>
-              <a:t>" </a:t>
-            </a:r>
-            <a:r>
-              <a:rPr lang="en-US" sz="1900" smtClean="0"/>
-              <a:t>/&gt;</a:t>
+              <a:t>    android:src="@drawable/myimage" /&gt;</a:t>
             </a:r>
           </a:p>
           <a:p>
@@ -10337,36 +9930,16 @@
             </a:pPr>
             <a:r>
               <a:rPr lang="en-US" sz="1900" smtClean="0"/>
-              <a:t>Resources res = </a:t>
-            </a:r>
+              <a:t>Resources res = getResources();</a:t>
+            </a:r>
+          </a:p>
+          <a:p>
+            <a:pPr>
+              <a:buNone/>
+            </a:pPr>
             <a:r>
               <a:rPr lang="en-US" sz="1900" smtClean="0"/>
-              <a:t>getResources</a:t>
-            </a:r>
-            <a:r>
-              <a:rPr lang="en-US" sz="1900" smtClean="0"/>
-              <a:t>();</a:t>
-            </a:r>
-          </a:p>
-          <a:p>
-            <a:pPr>
-              <a:buNone/>
-            </a:pPr>
-            <a:r>
-              <a:rPr lang="en-US" sz="1900" smtClean="0"/>
-              <a:t>Drawable </a:t>
-            </a:r>
-            <a:r>
-              <a:rPr lang="en-US" sz="1900" smtClean="0"/>
-              <a:t>drawable = res.getDrawable(R.drawable.myimage, </a:t>
-            </a:r>
-            <a:r>
-              <a:rPr lang="en-US" sz="1900" smtClean="0"/>
-              <a:t>getTheme</a:t>
-            </a:r>
-            <a:r>
-              <a:rPr lang="en-US" sz="1900" smtClean="0"/>
-              <a:t>());</a:t>
+              <a:t>Drawable drawable = res.getDrawable(R.drawable.myimage, getTheme());</a:t>
             </a:r>
           </a:p>
           <a:p>
@@ -10386,31 +9959,6 @@
               <a:buNone/>
             </a:pPr>
             <a:endParaRPr lang="it-IT"/>
-          </a:p>
-        </p:txBody>
-      </p:sp>
-      <p:sp>
-        <p:nvSpPr>
-          <p:cNvPr id="4" name="Segnaposto data 3"/>
-          <p:cNvSpPr>
-            <a:spLocks noGrp="1"/>
-          </p:cNvSpPr>
-          <p:nvPr>
-            <p:ph type="dt" sz="half" idx="10"/>
-          </p:nvPr>
-        </p:nvSpPr>
-        <p:spPr/>
-        <p:txBody>
-          <a:bodyPr/>
-          <a:lstStyle/>
-          <a:p>
-            <a:pPr rtl="0"/>
-            <a:fld id="{85E0D28E-6F2F-4715-A424-3B01AC64AD4B}" type="datetime1">
-              <a:rPr lang="it-IT" smtClean="0"/>
-              <a:pPr rtl="0"/>
-              <a:t>07/06/2020</a:t>
-            </a:fld>
-            <a:endParaRPr lang="en-US"/>
           </a:p>
         </p:txBody>
       </p:sp>
@@ -10521,45 +10069,12 @@
             </a:br>
             <a:r>
               <a:rPr lang="en-US" sz="1800" smtClean="0"/>
-              <a:t>    app:srcCompat="@drawable/myimage</a:t>
-            </a:r>
-            <a:r>
-              <a:rPr lang="en-US" sz="1800" smtClean="0"/>
-              <a:t>" </a:t>
-            </a:r>
-            <a:r>
-              <a:rPr lang="en-US" sz="1800" smtClean="0"/>
-              <a:t>/&gt;</a:t>
+              <a:t>    app:srcCompat="@drawable/myimage" /&gt;</a:t>
             </a:r>
             <a:endParaRPr lang="it-IT" sz="1800" smtClean="0"/>
           </a:p>
           <a:p>
             <a:endParaRPr lang="it-IT" smtClean="0"/>
-          </a:p>
-        </p:txBody>
-      </p:sp>
-      <p:sp>
-        <p:nvSpPr>
-          <p:cNvPr id="4" name="Segnaposto data 3"/>
-          <p:cNvSpPr>
-            <a:spLocks noGrp="1"/>
-          </p:cNvSpPr>
-          <p:nvPr>
-            <p:ph type="dt" sz="half" idx="10"/>
-          </p:nvPr>
-        </p:nvSpPr>
-        <p:spPr/>
-        <p:txBody>
-          <a:bodyPr/>
-          <a:lstStyle/>
-          <a:p>
-            <a:pPr rtl="0"/>
-            <a:fld id="{85E0D28E-6F2F-4715-A424-3B01AC64AD4B}" type="datetime1">
-              <a:rPr lang="it-IT" smtClean="0"/>
-              <a:pPr rtl="0"/>
-              <a:t>07/06/2020</a:t>
-            </a:fld>
-            <a:endParaRPr lang="en-US"/>
           </a:p>
         </p:txBody>
       </p:sp>
@@ -10593,7 +10108,7 @@
           <p:cNvPr id="2" name="Titolo 1">
             <a:extLst>
               <a:ext uri="{FF2B5EF4-FFF2-40B4-BE49-F238E27FC236}">
-                <a16:creationId xmlns="" xmlns:a16="http://schemas.microsoft.com/office/drawing/2014/main" id="{3398F7C4-7514-4AE3-BC85-857C4736813B}"/>
+                <a16:creationId xmlns:a16="http://schemas.microsoft.com/office/drawing/2014/main" xmlns="" id="{3398F7C4-7514-4AE3-BC85-857C4736813B}"/>
               </a:ext>
             </a:extLst>
           </p:cNvPr>
@@ -10629,7 +10144,7 @@
           <p:cNvPr id="3" name="Segnaposto contenuto 2">
             <a:extLst>
               <a:ext uri="{FF2B5EF4-FFF2-40B4-BE49-F238E27FC236}">
-                <a16:creationId xmlns="" xmlns:a16="http://schemas.microsoft.com/office/drawing/2014/main" id="{9DBC0072-9DC3-4488-B012-6C28443F48FA}"/>
+                <a16:creationId xmlns:a16="http://schemas.microsoft.com/office/drawing/2014/main" xmlns="" id="{9DBC0072-9DC3-4488-B012-6C28443F48FA}"/>
               </a:ext>
             </a:extLst>
           </p:cNvPr>
@@ -10728,37 +10243,6 @@
           </a:p>
           <a:p>
             <a:endParaRPr lang="it-IT" dirty="0"/>
-          </a:p>
-        </p:txBody>
-      </p:sp>
-      <p:sp>
-        <p:nvSpPr>
-          <p:cNvPr id="4" name="Segnaposto data 3">
-            <a:extLst>
-              <a:ext uri="{FF2B5EF4-FFF2-40B4-BE49-F238E27FC236}">
-                <a16:creationId xmlns="" xmlns:a16="http://schemas.microsoft.com/office/drawing/2014/main" id="{52341729-1279-416E-B91D-C28FD193F910}"/>
-              </a:ext>
-            </a:extLst>
-          </p:cNvPr>
-          <p:cNvSpPr>
-            <a:spLocks noGrp="1"/>
-          </p:cNvSpPr>
-          <p:nvPr>
-            <p:ph type="dt" sz="half" idx="10"/>
-          </p:nvPr>
-        </p:nvSpPr>
-        <p:spPr/>
-        <p:txBody>
-          <a:bodyPr/>
-          <a:lstStyle/>
-          <a:p>
-            <a:pPr rtl="0"/>
-            <a:fld id="{85E0D28E-6F2F-4715-A424-3B01AC64AD4B}" type="datetime1">
-              <a:rPr lang="it-IT" smtClean="0"/>
-              <a:pPr rtl="0"/>
-              <a:t>07/06/2020</a:t>
-            </a:fld>
-            <a:endParaRPr lang="en-US"/>
           </a:p>
         </p:txBody>
       </p:sp>
@@ -10801,7 +10285,7 @@
     </p:spTree>
     <p:extLst>
       <p:ext uri="{BB962C8B-B14F-4D97-AF65-F5344CB8AC3E}">
-        <p14:creationId xmlns="" xmlns:p14="http://schemas.microsoft.com/office/powerpoint/2010/main" val="3065832474"/>
+        <p14:creationId xmlns:p14="http://schemas.microsoft.com/office/powerpoint/2010/main" xmlns="" val="3065832474"/>
       </p:ext>
     </p:extLst>
   </p:cSld>
@@ -10871,21 +10355,7 @@
                 <a:latin typeface="Times New Roman" pitchFamily="18" charset="0"/>
                 <a:cs typeface="Times New Roman" pitchFamily="18" charset="0"/>
               </a:rPr>
-              <a:t>Occasionalmente si può avere il bisogno di typecastare la risorsa drawable alla sua classe esatta, come quando serve usare caratteristiche specifiche della classe  VectorDrawable. Per farlo, bisogna usare il seguente codice </a:t>
-            </a:r>
-            <a:r>
-              <a:rPr lang="it-IT" sz="2400" smtClean="0">
-                <a:latin typeface="Times New Roman" pitchFamily="18" charset="0"/>
-                <a:cs typeface="Times New Roman" pitchFamily="18" charset="0"/>
-              </a:rPr>
-              <a:t>Java</a:t>
-            </a:r>
-            <a:r>
-              <a:rPr lang="it-IT" sz="2400" smtClean="0">
-                <a:latin typeface="Times New Roman" pitchFamily="18" charset="0"/>
-                <a:cs typeface="Times New Roman" pitchFamily="18" charset="0"/>
-              </a:rPr>
-              <a:t>:</a:t>
+              <a:t>Occasionalmente si può avere il bisogno di typecastare la risorsa drawable alla sua classe esatta, come quando serve usare caratteristiche specifiche della classe  VectorDrawable. Per farlo, bisogna usare il seguente codice Java:</a:t>
             </a:r>
           </a:p>
           <a:p>
@@ -10958,31 +10428,6 @@
           </a:p>
           <a:p>
             <a:endParaRPr lang="it-IT"/>
-          </a:p>
-        </p:txBody>
-      </p:sp>
-      <p:sp>
-        <p:nvSpPr>
-          <p:cNvPr id="4" name="Segnaposto data 3"/>
-          <p:cNvSpPr>
-            <a:spLocks noGrp="1"/>
-          </p:cNvSpPr>
-          <p:nvPr>
-            <p:ph type="dt" sz="half" idx="10"/>
-          </p:nvPr>
-        </p:nvSpPr>
-        <p:spPr/>
-        <p:txBody>
-          <a:bodyPr/>
-          <a:lstStyle/>
-          <a:p>
-            <a:pPr rtl="0"/>
-            <a:fld id="{85E0D28E-6F2F-4715-A424-3B01AC64AD4B}" type="datetime1">
-              <a:rPr lang="it-IT" smtClean="0"/>
-              <a:pPr rtl="0"/>
-              <a:t>07/06/2020</a:t>
-            </a:fld>
-            <a:endParaRPr lang="en-US"/>
           </a:p>
         </p:txBody>
       </p:sp>
@@ -11026,6 +10471,10 @@
           <a:bodyPr/>
           <a:lstStyle/>
           <a:p>
+            <a:r>
+              <a:rPr lang="it-IT" smtClean="0"/>
+              <a:t>Modificare codice XML generato</a:t>
+            </a:r>
             <a:endParaRPr lang="it-IT"/>
           </a:p>
         </p:txBody>
@@ -11042,35 +10491,74 @@
         </p:nvSpPr>
         <p:spPr/>
         <p:txBody>
-          <a:bodyPr/>
-          <a:lstStyle/>
+          <a:bodyPr>
+            <a:normAutofit lnSpcReduction="10000"/>
+          </a:bodyPr>
+          <a:lstStyle/>
+          <a:p>
+            <a:pPr>
+              <a:buNone/>
+            </a:pPr>
+            <a:r>
+              <a:rPr lang="it-IT" sz="2400" smtClean="0">
+                <a:latin typeface="Times New Roman" pitchFamily="18" charset="0"/>
+                <a:cs typeface="Times New Roman" pitchFamily="18" charset="0"/>
+              </a:rPr>
+              <a:t>È possibile modificare il codice XML del vector drawable, ma non i file PNG e i corrispondenti codici XML generati a tempo di costruzione. In ogni caso, non è una pratica raccomandata.</a:t>
+            </a:r>
+          </a:p>
+          <a:p>
+            <a:pPr>
+              <a:buNone/>
+            </a:pPr>
+            <a:r>
+              <a:rPr lang="it-IT" sz="2400" smtClean="0">
+                <a:latin typeface="Times New Roman" pitchFamily="18" charset="0"/>
+                <a:cs typeface="Times New Roman" pitchFamily="18" charset="0"/>
+              </a:rPr>
+              <a:t>Quando si usa la tecnica di generazione PNG, VAS si assicura che il vector drawable corrisponda al PNG, e che il manifest contenga il codice corretto. Se si aggiunge codice che non è supportato su Android 4.4 (API level 20) o precedenti, il vettore e le immagini PNG potrebbero essere differenti.</a:t>
+            </a:r>
+            <a:endParaRPr lang="it-IT" sz="2400" b="1" smtClean="0">
+              <a:latin typeface="Times New Roman" pitchFamily="18" charset="0"/>
+              <a:cs typeface="Times New Roman" pitchFamily="18" charset="0"/>
+            </a:endParaRPr>
+          </a:p>
+          <a:p>
+            <a:pPr>
+              <a:buNone/>
+            </a:pPr>
+            <a:r>
+              <a:rPr lang="it-IT" sz="2400" smtClean="0">
+                <a:latin typeface="Times New Roman" pitchFamily="18" charset="0"/>
+                <a:cs typeface="Times New Roman" pitchFamily="18" charset="0"/>
+              </a:rPr>
+              <a:t>Inoltre bisogna assicurarsi che il manifest contenga codice che supporti i cambiamenti.</a:t>
+            </a:r>
+            <a:endParaRPr lang="it-IT" sz="2400" b="1" smtClean="0">
+              <a:latin typeface="Times New Roman" pitchFamily="18" charset="0"/>
+              <a:cs typeface="Times New Roman" pitchFamily="18" charset="0"/>
+            </a:endParaRPr>
+          </a:p>
+          <a:p>
+            <a:pPr>
+              <a:buNone/>
+            </a:pPr>
+            <a:endParaRPr lang="it-IT" sz="2400" smtClean="0">
+              <a:latin typeface="Times New Roman" pitchFamily="18" charset="0"/>
+              <a:cs typeface="Times New Roman" pitchFamily="18" charset="0"/>
+            </a:endParaRPr>
+          </a:p>
+          <a:p>
+            <a:pPr>
+              <a:buNone/>
+            </a:pPr>
+            <a:endParaRPr lang="it-IT" sz="2400" smtClean="0">
+              <a:latin typeface="Times New Roman" pitchFamily="18" charset="0"/>
+              <a:cs typeface="Times New Roman" pitchFamily="18" charset="0"/>
+            </a:endParaRPr>
+          </a:p>
           <a:p>
             <a:endParaRPr lang="it-IT"/>
-          </a:p>
-        </p:txBody>
-      </p:sp>
-      <p:sp>
-        <p:nvSpPr>
-          <p:cNvPr id="4" name="Segnaposto data 3"/>
-          <p:cNvSpPr>
-            <a:spLocks noGrp="1"/>
-          </p:cNvSpPr>
-          <p:nvPr>
-            <p:ph type="dt" sz="half" idx="10"/>
-          </p:nvPr>
-        </p:nvSpPr>
-        <p:spPr/>
-        <p:txBody>
-          <a:bodyPr/>
-          <a:lstStyle/>
-          <a:p>
-            <a:pPr rtl="0"/>
-            <a:fld id="{85E0D28E-6F2F-4715-A424-3B01AC64AD4B}" type="datetime1">
-              <a:rPr lang="it-IT" smtClean="0"/>
-              <a:pPr rtl="0"/>
-              <a:t>07/06/2020</a:t>
-            </a:fld>
-            <a:endParaRPr lang="en-US"/>
           </a:p>
         </p:txBody>
       </p:sp>
@@ -11114,6 +10602,10 @@
           <a:bodyPr/>
           <a:lstStyle/>
           <a:p>
+            <a:r>
+              <a:rPr lang="it-IT" smtClean="0"/>
+              <a:t>Modificare codice XML generato</a:t>
+            </a:r>
             <a:endParaRPr lang="it-IT"/>
           </a:p>
         </p:txBody>
@@ -11130,38 +10622,67 @@
         </p:nvSpPr>
         <p:spPr/>
         <p:txBody>
-          <a:bodyPr/>
-          <a:lstStyle/>
-          <a:p>
-            <a:endParaRPr lang="it-IT"/>
-          </a:p>
-        </p:txBody>
-      </p:sp>
-      <p:sp>
-        <p:nvSpPr>
-          <p:cNvPr id="4" name="Segnaposto data 3"/>
-          <p:cNvSpPr>
-            <a:spLocks noGrp="1"/>
-          </p:cNvSpPr>
-          <p:nvPr>
-            <p:ph type="dt" sz="half" idx="10"/>
-          </p:nvPr>
-        </p:nvSpPr>
-        <p:spPr/>
-        <p:txBody>
-          <a:bodyPr/>
-          <a:lstStyle/>
-          <a:p>
-            <a:pPr rtl="0"/>
-            <a:fld id="{85E0D28E-6F2F-4715-A424-3B01AC64AD4B}" type="datetime1">
-              <a:rPr lang="it-IT" smtClean="0"/>
-              <a:pPr rtl="0"/>
-              <a:t>07/06/2020</a:t>
-            </a:fld>
-            <a:endParaRPr lang="en-US"/>
-          </a:p>
-        </p:txBody>
-      </p:sp>
+          <a:bodyPr>
+            <a:normAutofit/>
+          </a:bodyPr>
+          <a:lstStyle/>
+          <a:p>
+            <a:pPr>
+              <a:buNone/>
+            </a:pPr>
+            <a:r>
+              <a:rPr lang="it-IT" sz="2400" smtClean="0">
+                <a:latin typeface="Times New Roman" pitchFamily="18" charset="0"/>
+                <a:cs typeface="Times New Roman" pitchFamily="18" charset="0"/>
+              </a:rPr>
+              <a:t>Per modificare il file XML quando non si usa la libreria di supporto:</a:t>
+            </a:r>
+          </a:p>
+          <a:p>
+            <a:r>
+              <a:rPr lang="it-IT" sz="2400" smtClean="0">
+                <a:latin typeface="Times New Roman" pitchFamily="18" charset="0"/>
+                <a:cs typeface="Times New Roman" pitchFamily="18" charset="0"/>
+              </a:rPr>
+              <a:t>Nella project window, fare doppio click sul file XML generato nel folder drawable.</a:t>
+            </a:r>
+            <a:endParaRPr lang="it-IT" sz="2400">
+              <a:latin typeface="Times New Roman" pitchFamily="18" charset="0"/>
+              <a:cs typeface="Times New Roman" pitchFamily="18" charset="0"/>
+            </a:endParaRPr>
+          </a:p>
+        </p:txBody>
+      </p:sp>
+      <p:pic>
+        <p:nvPicPr>
+          <p:cNvPr id="5" name="Immagine 4" descr="https://developer.android.com/images/tools/vas-codepreview_2-2_2x.png"/>
+          <p:cNvPicPr/>
+          <p:nvPr/>
+        </p:nvPicPr>
+        <p:blipFill>
+          <a:blip r:embed="rId2" cstate="print"/>
+          <a:srcRect/>
+          <a:stretch>
+            <a:fillRect/>
+          </a:stretch>
+        </p:blipFill>
+        <p:spPr bwMode="auto">
+          <a:xfrm>
+            <a:off x="3298372" y="3608614"/>
+            <a:ext cx="5306786" cy="2514600"/>
+          </a:xfrm>
+          <a:prstGeom prst="rect">
+            <a:avLst/>
+          </a:prstGeom>
+          <a:noFill/>
+          <a:ln w="9525">
+            <a:noFill/>
+            <a:miter lim="800000"/>
+            <a:headEnd/>
+            <a:tailEnd/>
+          </a:ln>
+        </p:spPr>
+      </p:pic>
     </p:spTree>
   </p:cSld>
   <p:clrMapOvr>
@@ -11212,7 +10733,7 @@
       </p:sp>
       <p:sp>
         <p:nvSpPr>
-          <p:cNvPr id="3" name="Segnaposto contenuto 2"/>
+          <p:cNvPr id="6" name="Segnaposto contenuto 5"/>
           <p:cNvSpPr>
             <a:spLocks noGrp="1"/>
           </p:cNvSpPr>
@@ -11226,35 +10747,83 @@
           <a:lstStyle/>
           <a:p>
             <a:r>
-              <a:rPr lang="it-IT" smtClean="0"/>
-              <a:t>Qua escono un boston de slide ma adesso piscio</a:t>
-            </a:r>
+              <a:rPr lang="it-IT" sz="2400" smtClean="0">
+                <a:latin typeface="Times New Roman" pitchFamily="18" charset="0"/>
+                <a:cs typeface="Times New Roman" pitchFamily="18" charset="0"/>
+              </a:rPr>
+              <a:t>Modificare il codice XML basandosi su cosa è supportato dal livello minimo di API:</a:t>
+            </a:r>
+          </a:p>
+          <a:p>
+            <a:pPr lvl="1">
+              <a:buFont typeface="Wingdings" pitchFamily="2" charset="2"/>
+              <a:buChar char="§"/>
+            </a:pPr>
+            <a:r>
+              <a:rPr lang="it-IT" sz="2400" smtClean="0">
+                <a:latin typeface="Times New Roman" pitchFamily="18" charset="0"/>
+                <a:cs typeface="Times New Roman" pitchFamily="18" charset="0"/>
+              </a:rPr>
+              <a:t>Per Android 5.0 (API level 21) e superiori</a:t>
+            </a:r>
+            <a:r>
+              <a:rPr lang="it-IT" sz="2400" smtClean="0">
+                <a:latin typeface="Times New Roman" pitchFamily="18" charset="0"/>
+                <a:cs typeface="Times New Roman" pitchFamily="18" charset="0"/>
+              </a:rPr>
+              <a:t>, </a:t>
+            </a:r>
+            <a:r>
+              <a:rPr lang="it-IT" sz="2400" smtClean="0">
+                <a:latin typeface="Times New Roman" pitchFamily="18" charset="0"/>
+                <a:cs typeface="Times New Roman" pitchFamily="18" charset="0"/>
+              </a:rPr>
+              <a:t>Vector Asset Studio supporta </a:t>
+            </a:r>
+            <a:r>
+              <a:rPr lang="it-IT" sz="2400" smtClean="0">
+                <a:latin typeface="Times New Roman" pitchFamily="18" charset="0"/>
+                <a:cs typeface="Times New Roman" pitchFamily="18" charset="0"/>
+              </a:rPr>
+              <a:t>tutti gli elementi Drawable e VectorDrawable. È possibile aggiungere elementi XML e cambiare i valori.</a:t>
+            </a:r>
+          </a:p>
+          <a:p>
+            <a:pPr lvl="1">
+              <a:buFont typeface="Wingdings" pitchFamily="2" charset="2"/>
+              <a:buChar char="§"/>
+            </a:pPr>
+            <a:r>
+              <a:rPr lang="it-IT" sz="2400" smtClean="0">
+                <a:latin typeface="Times New Roman" pitchFamily="18" charset="0"/>
+                <a:cs typeface="Times New Roman" pitchFamily="18" charset="0"/>
+              </a:rPr>
+              <a:t>Per Android 4.4 (API level 20) e inferiori</a:t>
+            </a:r>
+            <a:r>
+              <a:rPr lang="it-IT" sz="2400" smtClean="0">
+                <a:latin typeface="Times New Roman" pitchFamily="18" charset="0"/>
+                <a:cs typeface="Times New Roman" pitchFamily="18" charset="0"/>
+              </a:rPr>
+              <a:t>, </a:t>
+            </a:r>
+            <a:r>
+              <a:rPr lang="it-IT" sz="2400" smtClean="0">
+                <a:latin typeface="Times New Roman" pitchFamily="18" charset="0"/>
+                <a:cs typeface="Times New Roman" pitchFamily="18" charset="0"/>
+              </a:rPr>
+              <a:t>Vector Asset Studio supporta </a:t>
+            </a:r>
+            <a:r>
+              <a:rPr lang="it-IT" sz="2400" smtClean="0">
+                <a:latin typeface="Times New Roman" pitchFamily="18" charset="0"/>
+                <a:cs typeface="Times New Roman" pitchFamily="18" charset="0"/>
+              </a:rPr>
+              <a:t>tutti gli elementi drawable e un sottoinsieme di elementi VectorDrawable. È possibile cambiare i valori nel codice generato e aggiungere elementi XML che sono supportati.</a:t>
+            </a:r>
+          </a:p>
+          <a:p>
             <a:endParaRPr lang="it-IT"/>
-          </a:p>
-        </p:txBody>
-      </p:sp>
-      <p:sp>
-        <p:nvSpPr>
-          <p:cNvPr id="4" name="Segnaposto data 3"/>
-          <p:cNvSpPr>
-            <a:spLocks noGrp="1"/>
-          </p:cNvSpPr>
-          <p:nvPr>
-            <p:ph type="dt" sz="half" idx="10"/>
-          </p:nvPr>
-        </p:nvSpPr>
-        <p:spPr/>
-        <p:txBody>
-          <a:bodyPr/>
-          <a:lstStyle/>
-          <a:p>
-            <a:pPr rtl="0"/>
-            <a:fld id="{85E0D28E-6F2F-4715-A424-3B01AC64AD4B}" type="datetime1">
-              <a:rPr lang="it-IT" smtClean="0"/>
-              <a:pPr rtl="0"/>
-              <a:t>07/06/2020</a:t>
-            </a:fld>
-            <a:endParaRPr lang="en-US"/>
           </a:p>
         </p:txBody>
       </p:sp>
@@ -11300,7 +10869,7 @@
           <a:p>
             <a:r>
               <a:rPr lang="it-IT" smtClean="0"/>
-              <a:t>Cose da rivedere sulle slide</a:t>
+              <a:t>Modificare codice XML generato</a:t>
             </a:r>
             <a:endParaRPr lang="it-IT"/>
           </a:p>
@@ -11318,36 +10887,394 @@
         </p:nvSpPr>
         <p:spPr/>
         <p:txBody>
+          <a:bodyPr>
+            <a:normAutofit/>
+          </a:bodyPr>
+          <a:lstStyle/>
+          <a:p>
+            <a:r>
+              <a:rPr lang="it-IT" sz="2400" smtClean="0">
+                <a:latin typeface="Times New Roman" pitchFamily="18" charset="0"/>
+                <a:cs typeface="Times New Roman" pitchFamily="18" charset="0"/>
+              </a:rPr>
+              <a:t>Costruire il progetto e controllare che il vector drawable e le immagini raster corrispondenti appaiano allo stesso modo.</a:t>
+            </a:r>
+          </a:p>
+          <a:p>
+            <a:pPr>
+              <a:buNone/>
+            </a:pPr>
+            <a:r>
+              <a:rPr lang="it-IT" sz="2400" smtClean="0">
+                <a:latin typeface="Times New Roman" pitchFamily="18" charset="0"/>
+                <a:cs typeface="Times New Roman" pitchFamily="18" charset="0"/>
+              </a:rPr>
+              <a:t>Ricordare che i file PNG generati potrebbero apparire diversamente da come mostrati nell’anteprima, causa diversi motori di rendering o per qualche cambiamento sul vector drawable prima del Build finale.</a:t>
+            </a:r>
+            <a:endParaRPr lang="it-IT" sz="2400">
+              <a:latin typeface="Times New Roman" pitchFamily="18" charset="0"/>
+              <a:cs typeface="Times New Roman" pitchFamily="18" charset="0"/>
+            </a:endParaRPr>
+          </a:p>
+        </p:txBody>
+      </p:sp>
+    </p:spTree>
+  </p:cSld>
+  <p:clrMapOvr>
+    <a:masterClrMapping/>
+  </p:clrMapOvr>
+</p:sld>
+</file>
+
+<file path=ppt/slides/slide45.xml><?xml version="1.0" encoding="utf-8"?>
+<p:sld xmlns:a="http://schemas.openxmlformats.org/drawingml/2006/main" xmlns:r="http://schemas.openxmlformats.org/officeDocument/2006/relationships" xmlns:p="http://schemas.openxmlformats.org/presentationml/2006/main">
+  <p:cSld>
+    <p:spTree>
+      <p:nvGrpSpPr>
+        <p:cNvPr id="1" name=""/>
+        <p:cNvGrpSpPr/>
+        <p:nvPr/>
+      </p:nvGrpSpPr>
+      <p:grpSpPr>
+        <a:xfrm>
+          <a:off x="0" y="0"/>
+          <a:ext cx="0" cy="0"/>
+          <a:chOff x="0" y="0"/>
+          <a:chExt cx="0" cy="0"/>
+        </a:xfrm>
+      </p:grpSpPr>
+      <p:sp>
+        <p:nvSpPr>
+          <p:cNvPr id="2" name="Titolo 1"/>
+          <p:cNvSpPr>
+            <a:spLocks noGrp="1"/>
+          </p:cNvSpPr>
+          <p:nvPr>
+            <p:ph type="title"/>
+          </p:nvPr>
+        </p:nvSpPr>
+        <p:spPr/>
+        <p:txBody>
           <a:bodyPr/>
           <a:lstStyle/>
           <a:p>
             <a:r>
               <a:rPr lang="it-IT" smtClean="0"/>
-              <a:t>In uno stesso argomento:  scrivere sempre il titolo come in “mostrare vector drawable su widget”, oppure scrivere l’argomento in basso a sinistra piccolino come in “introduzione” (mi piace di più la prima scelta)</a:t>
-            </a:r>
-          </a:p>
+              <a:t>Modificare codice XML generato</a:t>
+            </a:r>
+            <a:endParaRPr lang="it-IT"/>
+          </a:p>
+        </p:txBody>
+      </p:sp>
+      <p:sp>
+        <p:nvSpPr>
+          <p:cNvPr id="3" name="Segnaposto contenuto 2"/>
+          <p:cNvSpPr>
+            <a:spLocks noGrp="1"/>
+          </p:cNvSpPr>
+          <p:nvPr>
+            <p:ph idx="1"/>
+          </p:nvPr>
+        </p:nvSpPr>
+        <p:spPr/>
+        <p:txBody>
+          <a:bodyPr>
+            <a:normAutofit/>
+          </a:bodyPr>
+          <a:lstStyle/>
+          <a:p>
+            <a:r>
+              <a:rPr lang="it-IT" sz="2400" smtClean="0">
+                <a:latin typeface="Times New Roman" pitchFamily="18" charset="0"/>
+                <a:cs typeface="Times New Roman" pitchFamily="18" charset="0"/>
+              </a:rPr>
+              <a:t>Se si aggiunge codice al file XML creato da Vector Asset Studio, qualsiasi aspetto non supportato da Android 4.4 e inferiori non apparirà nel file PNG generato. Di conseguenza, quando si aggiunge codice, bisogna sempre controllare che il PNG generato corrisponda al vector drawable.</a:t>
+            </a:r>
+          </a:p>
+          <a:p>
+            <a:pPr>
+              <a:buNone/>
+            </a:pPr>
+            <a:r>
+              <a:rPr lang="it-IT" sz="2400" smtClean="0">
+                <a:latin typeface="Times New Roman" pitchFamily="18" charset="0"/>
+                <a:cs typeface="Times New Roman" pitchFamily="18" charset="0"/>
+              </a:rPr>
+              <a:t>Per farlo, si può fare doppio click sull’immagine PNG mostrata nel margine sinistro dell’editor di codice, quando il codice si riferisce al drawable.</a:t>
+            </a:r>
+            <a:endParaRPr lang="it-IT" sz="2400">
+              <a:latin typeface="Times New Roman" pitchFamily="18" charset="0"/>
+              <a:cs typeface="Times New Roman" pitchFamily="18" charset="0"/>
+            </a:endParaRPr>
+          </a:p>
+        </p:txBody>
+      </p:sp>
+    </p:spTree>
+  </p:cSld>
+  <p:clrMapOvr>
+    <a:masterClrMapping/>
+  </p:clrMapOvr>
+</p:sld>
+</file>
+
+<file path=ppt/slides/slide46.xml><?xml version="1.0" encoding="utf-8"?>
+<p:sld xmlns:a="http://schemas.openxmlformats.org/drawingml/2006/main" xmlns:r="http://schemas.openxmlformats.org/officeDocument/2006/relationships" xmlns:p="http://schemas.openxmlformats.org/presentationml/2006/main">
+  <p:cSld>
+    <p:spTree>
+      <p:nvGrpSpPr>
+        <p:cNvPr id="1" name=""/>
+        <p:cNvGrpSpPr/>
+        <p:nvPr/>
+      </p:nvGrpSpPr>
+      <p:grpSpPr>
+        <a:xfrm>
+          <a:off x="0" y="0"/>
+          <a:ext cx="0" cy="0"/>
+          <a:chOff x="0" y="0"/>
+          <a:chExt cx="0" cy="0"/>
+        </a:xfrm>
+      </p:grpSpPr>
+      <p:sp>
+        <p:nvSpPr>
+          <p:cNvPr id="2" name="Titolo 1"/>
+          <p:cNvSpPr>
+            <a:spLocks noGrp="1"/>
+          </p:cNvSpPr>
+          <p:nvPr>
+            <p:ph type="title"/>
+          </p:nvPr>
+        </p:nvSpPr>
+        <p:spPr/>
+        <p:txBody>
+          <a:bodyPr/>
+          <a:lstStyle/>
           <a:p>
             <a:r>
               <a:rPr lang="it-IT" smtClean="0"/>
-              <a:t>Caricare parecchi screen per fare più slide, soprattutto dove ci sono dei passaggi da seguire</a:t>
-            </a:r>
-          </a:p>
+              <a:t>Modificare codice XML generato</a:t>
+            </a:r>
+            <a:endParaRPr lang="it-IT"/>
+          </a:p>
+        </p:txBody>
+      </p:sp>
+      <p:sp>
+        <p:nvSpPr>
+          <p:cNvPr id="3" name="Segnaposto contenuto 2"/>
+          <p:cNvSpPr>
+            <a:spLocks noGrp="1"/>
+          </p:cNvSpPr>
+          <p:nvPr>
+            <p:ph idx="1"/>
+          </p:nvPr>
+        </p:nvSpPr>
+        <p:spPr/>
+        <p:txBody>
+          <a:bodyPr>
+            <a:normAutofit/>
+          </a:bodyPr>
+          <a:lstStyle/>
+          <a:p>
+            <a:pPr>
+              <a:buNone/>
+            </a:pPr>
+            <a:r>
+              <a:rPr lang="it-IT" sz="2400" smtClean="0">
+                <a:latin typeface="Times New Roman" pitchFamily="18" charset="0"/>
+                <a:cs typeface="Times New Roman" pitchFamily="18" charset="0"/>
+              </a:rPr>
+              <a:t>In figura si può vedere il codice riferito al vector drawable. Sulla sinistra dell’editor di codice è possibile vedere il file PNG corrispondente:</a:t>
+            </a:r>
+            <a:endParaRPr lang="it-IT" sz="2400">
+              <a:latin typeface="Times New Roman" pitchFamily="18" charset="0"/>
+              <a:cs typeface="Times New Roman" pitchFamily="18" charset="0"/>
+            </a:endParaRPr>
+          </a:p>
+        </p:txBody>
+      </p:sp>
+      <p:pic>
+        <p:nvPicPr>
+          <p:cNvPr id="5" name="Immagine 4" descr="https://developer.android.com/images/tools/vas-imageincode_2-2_2x.png"/>
+          <p:cNvPicPr/>
+          <p:nvPr/>
+        </p:nvPicPr>
+        <p:blipFill>
+          <a:blip r:embed="rId2" cstate="print"/>
+          <a:srcRect/>
+          <a:stretch>
+            <a:fillRect/>
+          </a:stretch>
+        </p:blipFill>
+        <p:spPr bwMode="auto">
+          <a:xfrm>
+            <a:off x="3657600" y="3249387"/>
+            <a:ext cx="4376057" cy="2612570"/>
+          </a:xfrm>
+          <a:prstGeom prst="rect">
+            <a:avLst/>
+          </a:prstGeom>
+          <a:noFill/>
+          <a:ln w="9525">
+            <a:noFill/>
+            <a:miter lim="800000"/>
+            <a:headEnd/>
+            <a:tailEnd/>
+          </a:ln>
+        </p:spPr>
+      </p:pic>
+    </p:spTree>
+  </p:cSld>
+  <p:clrMapOvr>
+    <a:masterClrMapping/>
+  </p:clrMapOvr>
+</p:sld>
+</file>
+
+<file path=ppt/slides/slide47.xml><?xml version="1.0" encoding="utf-8"?>
+<p:sld xmlns:a="http://schemas.openxmlformats.org/drawingml/2006/main" xmlns:r="http://schemas.openxmlformats.org/officeDocument/2006/relationships" xmlns:p="http://schemas.openxmlformats.org/presentationml/2006/main">
+  <p:cSld>
+    <p:spTree>
+      <p:nvGrpSpPr>
+        <p:cNvPr id="1" name=""/>
+        <p:cNvGrpSpPr/>
+        <p:nvPr/>
+      </p:nvGrpSpPr>
+      <p:grpSpPr>
+        <a:xfrm>
+          <a:off x="0" y="0"/>
+          <a:ext cx="0" cy="0"/>
+          <a:chOff x="0" y="0"/>
+          <a:chExt cx="0" cy="0"/>
+        </a:xfrm>
+      </p:grpSpPr>
+      <p:sp>
+        <p:nvSpPr>
+          <p:cNvPr id="2" name="Titolo 1"/>
+          <p:cNvSpPr>
+            <a:spLocks noGrp="1"/>
+          </p:cNvSpPr>
+          <p:nvPr>
+            <p:ph type="title"/>
+          </p:nvPr>
+        </p:nvSpPr>
+        <p:spPr>
+          <a:xfrm>
+            <a:off x="1066800" y="642594"/>
+            <a:ext cx="10314214" cy="1371600"/>
+          </a:xfrm>
+        </p:spPr>
+        <p:txBody>
+          <a:bodyPr/>
+          <a:lstStyle/>
           <a:p>
             <a:r>
               <a:rPr lang="it-IT" smtClean="0"/>
-              <a:t>Rendere consistente il font e lo sfondo slide</a:t>
-            </a:r>
+              <a:t>Rimuovere vector drawable da progetto</a:t>
+            </a:r>
+            <a:endParaRPr lang="it-IT"/>
+          </a:p>
+        </p:txBody>
+      </p:sp>
+      <p:sp>
+        <p:nvSpPr>
+          <p:cNvPr id="3" name="Segnaposto contenuto 2"/>
+          <p:cNvSpPr>
+            <a:spLocks noGrp="1"/>
+          </p:cNvSpPr>
+          <p:nvPr>
+            <p:ph idx="1"/>
+          </p:nvPr>
+        </p:nvSpPr>
+        <p:spPr/>
+        <p:txBody>
+          <a:bodyPr/>
+          <a:lstStyle/>
+          <a:p>
+            <a:pPr>
+              <a:buNone/>
+            </a:pPr>
+            <a:r>
+              <a:rPr lang="it-IT" sz="2400" smtClean="0">
+                <a:latin typeface="Times New Roman" pitchFamily="18" charset="0"/>
+                <a:cs typeface="Times New Roman" pitchFamily="18" charset="0"/>
+              </a:rPr>
+              <a:t>Per rimuovere un vector drawable dal proprio progetto:</a:t>
+            </a:r>
+          </a:p>
+          <a:p>
+            <a:r>
+              <a:rPr lang="it-IT" sz="2400" smtClean="0">
+                <a:latin typeface="Times New Roman" pitchFamily="18" charset="0"/>
+                <a:cs typeface="Times New Roman" pitchFamily="18" charset="0"/>
+              </a:rPr>
+              <a:t>Nella project window, eliminare il file XML generato selezionando il file e premendo il tasto Canc, o selezionare Modifica &gt; Cancella.  Si </a:t>
+            </a:r>
+            <a:r>
+              <a:rPr lang="it-IT" sz="2400" smtClean="0">
+                <a:latin typeface="Times New Roman" pitchFamily="18" charset="0"/>
+                <a:cs typeface="Times New Roman" pitchFamily="18" charset="0"/>
+              </a:rPr>
+              <a:t>aprirà la finestra di eliminazione sicura.</a:t>
+            </a:r>
+          </a:p>
+          <a:p>
+            <a:endParaRPr lang="it-IT" smtClean="0"/>
           </a:p>
           <a:p>
             <a:r>
               <a:rPr lang="it-IT" smtClean="0"/>
-              <a:t>Consiglio di luca bec: a Regoli piacciono le slide a fondo bianco – cambiare queste</a:t>
-            </a:r>
-          </a:p>
+              <a:t>//inserire screen</a:t>
+            </a:r>
+          </a:p>
+        </p:txBody>
+      </p:sp>
+    </p:spTree>
+  </p:cSld>
+  <p:clrMapOvr>
+    <a:masterClrMapping/>
+  </p:clrMapOvr>
+</p:sld>
+</file>
+
+<file path=ppt/slides/slide48.xml><?xml version="1.0" encoding="utf-8"?>
+<p:sld xmlns:a="http://schemas.openxmlformats.org/drawingml/2006/main" xmlns:r="http://schemas.openxmlformats.org/officeDocument/2006/relationships" xmlns:p="http://schemas.openxmlformats.org/presentationml/2006/main">
+  <p:cSld>
+    <p:spTree>
+      <p:nvGrpSpPr>
+        <p:cNvPr id="1" name=""/>
+        <p:cNvGrpSpPr/>
+        <p:nvPr/>
+      </p:nvGrpSpPr>
+      <p:grpSpPr>
+        <a:xfrm>
+          <a:off x="0" y="0"/>
+          <a:ext cx="0" cy="0"/>
+          <a:chOff x="0" y="0"/>
+          <a:chExt cx="0" cy="0"/>
+        </a:xfrm>
+      </p:grpSpPr>
+      <p:sp>
+        <p:nvSpPr>
+          <p:cNvPr id="2" name="Titolo 1"/>
+          <p:cNvSpPr>
+            <a:spLocks noGrp="1"/>
+          </p:cNvSpPr>
+          <p:nvPr>
+            <p:ph type="title"/>
+          </p:nvPr>
+        </p:nvSpPr>
+        <p:spPr>
+          <a:xfrm>
+            <a:off x="1066799" y="642594"/>
+            <a:ext cx="10281557" cy="1371600"/>
+          </a:xfrm>
+        </p:spPr>
+        <p:txBody>
+          <a:bodyPr/>
+          <a:lstStyle/>
           <a:p>
             <a:r>
               <a:rPr lang="it-IT" smtClean="0"/>
-              <a:t>Quando ci sono scritti gli snippet, possibilmente riscriverli su android studio e caricare le immagini invece che le scritte (solo che così non si può fare copia e incolla, come faceva Falessi quel cane)</a:t>
+              <a:t>Rimuovere vector drawable da progetto</a:t>
             </a:r>
             <a:endParaRPr lang="it-IT"/>
           </a:p>
@@ -11355,12 +11282,12 @@
       </p:sp>
       <p:sp>
         <p:nvSpPr>
-          <p:cNvPr id="4" name="Segnaposto data 3"/>
-          <p:cNvSpPr>
-            <a:spLocks noGrp="1"/>
-          </p:cNvSpPr>
-          <p:nvPr>
-            <p:ph type="dt" sz="half" idx="10"/>
+          <p:cNvPr id="3" name="Segnaposto contenuto 2"/>
+          <p:cNvSpPr>
+            <a:spLocks noGrp="1"/>
+          </p:cNvSpPr>
+          <p:nvPr>
+            <p:ph idx="1"/>
           </p:nvPr>
         </p:nvSpPr>
         <p:spPr/>
@@ -11368,13 +11295,137 @@
           <a:bodyPr/>
           <a:lstStyle/>
           <a:p>
-            <a:pPr rtl="0"/>
-            <a:fld id="{85E0D28E-6F2F-4715-A424-3B01AC64AD4B}" type="datetime1">
+            <a:r>
+              <a:rPr lang="it-IT" sz="2400" smtClean="0">
+                <a:latin typeface="Times New Roman" pitchFamily="18" charset="0"/>
+                <a:cs typeface="Times New Roman" pitchFamily="18" charset="0"/>
+              </a:rPr>
+              <a:t>Facoltativamente, selezionare le opzioni per trovare dove viene utilizzato il file nel progetto e fare click su OK. Android Studio elimina il file dal progetto e dal drive.</a:t>
+            </a:r>
+          </a:p>
+          <a:p>
+            <a:pPr>
+              <a:buNone/>
+            </a:pPr>
+            <a:r>
+              <a:rPr lang="it-IT" sz="2400" smtClean="0">
+                <a:latin typeface="Times New Roman" pitchFamily="18" charset="0"/>
+                <a:cs typeface="Times New Roman" pitchFamily="18" charset="0"/>
+              </a:rPr>
+              <a:t>Però, se si è scelto di cercare dove il file è usato nel progetto e vengono trovati utilizzi, è possibile controllarli e decidere se cancellare il file o non farlo.</a:t>
+            </a:r>
+          </a:p>
+          <a:p>
+            <a:pPr>
+              <a:buNone/>
+            </a:pPr>
+            <a:endParaRPr lang="it-IT" smtClean="0"/>
+          </a:p>
+          <a:p>
+            <a:pPr>
+              <a:buNone/>
+            </a:pPr>
+            <a:r>
               <a:rPr lang="it-IT" smtClean="0"/>
-              <a:pPr rtl="0"/>
-              <a:t>07/06/2020</a:t>
-            </a:fld>
-            <a:endParaRPr lang="en-US"/>
+              <a:t>//inserire screen</a:t>
+            </a:r>
+            <a:endParaRPr lang="it-IT"/>
+          </a:p>
+        </p:txBody>
+      </p:sp>
+    </p:spTree>
+  </p:cSld>
+  <p:clrMapOvr>
+    <a:masterClrMapping/>
+  </p:clrMapOvr>
+</p:sld>
+</file>
+
+<file path=ppt/slides/slide49.xml><?xml version="1.0" encoding="utf-8"?>
+<p:sld xmlns:a="http://schemas.openxmlformats.org/drawingml/2006/main" xmlns:r="http://schemas.openxmlformats.org/officeDocument/2006/relationships" xmlns:p="http://schemas.openxmlformats.org/presentationml/2006/main">
+  <p:cSld>
+    <p:spTree>
+      <p:nvGrpSpPr>
+        <p:cNvPr id="1" name=""/>
+        <p:cNvGrpSpPr/>
+        <p:nvPr/>
+      </p:nvGrpSpPr>
+      <p:grpSpPr>
+        <a:xfrm>
+          <a:off x="0" y="0"/>
+          <a:ext cx="0" cy="0"/>
+          <a:chOff x="0" y="0"/>
+          <a:chExt cx="0" cy="0"/>
+        </a:xfrm>
+      </p:grpSpPr>
+      <p:sp>
+        <p:nvSpPr>
+          <p:cNvPr id="2" name="Titolo 1"/>
+          <p:cNvSpPr>
+            <a:spLocks noGrp="1"/>
+          </p:cNvSpPr>
+          <p:nvPr>
+            <p:ph type="title"/>
+          </p:nvPr>
+        </p:nvSpPr>
+        <p:spPr>
+          <a:xfrm>
+            <a:off x="1066799" y="642594"/>
+            <a:ext cx="10346871" cy="1371600"/>
+          </a:xfrm>
+        </p:spPr>
+        <p:txBody>
+          <a:bodyPr/>
+          <a:lstStyle/>
+          <a:p>
+            <a:r>
+              <a:rPr lang="it-IT" smtClean="0"/>
+              <a:t>Rimuovere vector drawable da progetto</a:t>
+            </a:r>
+            <a:endParaRPr lang="it-IT"/>
+          </a:p>
+        </p:txBody>
+      </p:sp>
+      <p:sp>
+        <p:nvSpPr>
+          <p:cNvPr id="3" name="Segnaposto contenuto 2"/>
+          <p:cNvSpPr>
+            <a:spLocks noGrp="1"/>
+          </p:cNvSpPr>
+          <p:nvPr>
+            <p:ph idx="1"/>
+          </p:nvPr>
+        </p:nvSpPr>
+        <p:spPr/>
+        <p:txBody>
+          <a:bodyPr/>
+          <a:lstStyle/>
+          <a:p>
+            <a:r>
+              <a:rPr lang="it-IT" sz="2400" smtClean="0">
+                <a:latin typeface="Times New Roman" pitchFamily="18" charset="0"/>
+                <a:cs typeface="Times New Roman" pitchFamily="18" charset="0"/>
+              </a:rPr>
+              <a:t>Selezionare Build &gt; Clean Project</a:t>
+            </a:r>
+          </a:p>
+          <a:p>
+            <a:pPr>
+              <a:buNone/>
+            </a:pPr>
+            <a:r>
+              <a:rPr lang="it-IT" sz="2400" smtClean="0">
+                <a:latin typeface="Times New Roman" pitchFamily="18" charset="0"/>
+                <a:cs typeface="Times New Roman" pitchFamily="18" charset="0"/>
+              </a:rPr>
+              <a:t>Qualsiasi file PNG e XML autogenerato, corrispondente al vector drawable cancellato, verrà definitivamente rimosso dal progetto e dal drive.</a:t>
+            </a:r>
+          </a:p>
+          <a:p>
+            <a:pPr>
+              <a:buNone/>
+            </a:pPr>
+            <a:endParaRPr lang="it-IT"/>
           </a:p>
         </p:txBody>
       </p:sp>
@@ -11408,7 +11459,7 @@
           <p:cNvPr id="2" name="Titolo 1">
             <a:extLst>
               <a:ext uri="{FF2B5EF4-FFF2-40B4-BE49-F238E27FC236}">
-                <a16:creationId xmlns="" xmlns:a16="http://schemas.microsoft.com/office/drawing/2014/main" id="{833E92F7-52A9-4816-8B4F-FF5856EEA76B}"/>
+                <a16:creationId xmlns:a16="http://schemas.microsoft.com/office/drawing/2014/main" xmlns="" id="{833E92F7-52A9-4816-8B4F-FF5856EEA76B}"/>
               </a:ext>
             </a:extLst>
           </p:cNvPr>
@@ -11440,7 +11491,7 @@
           <p:cNvPr id="3" name="Segnaposto contenuto 2">
             <a:extLst>
               <a:ext uri="{FF2B5EF4-FFF2-40B4-BE49-F238E27FC236}">
-                <a16:creationId xmlns="" xmlns:a16="http://schemas.microsoft.com/office/drawing/2014/main" id="{C07759CF-19AE-4727-AFE3-6FB54EE58A26}"/>
+                <a16:creationId xmlns:a16="http://schemas.microsoft.com/office/drawing/2014/main" xmlns="" id="{C07759CF-19AE-4727-AFE3-6FB54EE58A26}"/>
               </a:ext>
             </a:extLst>
           </p:cNvPr>
@@ -11595,37 +11646,6 @@
           </a:p>
           <a:p>
             <a:endParaRPr lang="it-IT" dirty="0"/>
-          </a:p>
-        </p:txBody>
-      </p:sp>
-      <p:sp>
-        <p:nvSpPr>
-          <p:cNvPr id="4" name="Segnaposto data 3">
-            <a:extLst>
-              <a:ext uri="{FF2B5EF4-FFF2-40B4-BE49-F238E27FC236}">
-                <a16:creationId xmlns="" xmlns:a16="http://schemas.microsoft.com/office/drawing/2014/main" id="{9F73E2D9-1246-4573-B0FE-02611677EC5D}"/>
-              </a:ext>
-            </a:extLst>
-          </p:cNvPr>
-          <p:cNvSpPr>
-            <a:spLocks noGrp="1"/>
-          </p:cNvSpPr>
-          <p:nvPr>
-            <p:ph type="dt" sz="half" idx="10"/>
-          </p:nvPr>
-        </p:nvSpPr>
-        <p:spPr/>
-        <p:txBody>
-          <a:bodyPr/>
-          <a:lstStyle/>
-          <a:p>
-            <a:pPr rtl="0"/>
-            <a:fld id="{85E0D28E-6F2F-4715-A424-3B01AC64AD4B}" type="datetime1">
-              <a:rPr lang="it-IT" smtClean="0"/>
-              <a:pPr rtl="0"/>
-              <a:t>07/06/2020</a:t>
-            </a:fld>
-            <a:endParaRPr lang="en-US"/>
           </a:p>
         </p:txBody>
       </p:sp>
@@ -11668,9 +11688,109 @@
     </p:spTree>
     <p:extLst>
       <p:ext uri="{BB962C8B-B14F-4D97-AF65-F5344CB8AC3E}">
-        <p14:creationId xmlns="" xmlns:p14="http://schemas.microsoft.com/office/powerpoint/2010/main" val="2328969674"/>
+        <p14:creationId xmlns:p14="http://schemas.microsoft.com/office/powerpoint/2010/main" xmlns="" val="2328969674"/>
       </p:ext>
     </p:extLst>
+  </p:cSld>
+  <p:clrMapOvr>
+    <a:masterClrMapping/>
+  </p:clrMapOvr>
+</p:sld>
+</file>
+
+<file path=ppt/slides/slide50.xml><?xml version="1.0" encoding="utf-8"?>
+<p:sld xmlns:a="http://schemas.openxmlformats.org/drawingml/2006/main" xmlns:r="http://schemas.openxmlformats.org/officeDocument/2006/relationships" xmlns:p="http://schemas.openxmlformats.org/presentationml/2006/main">
+  <p:cSld>
+    <p:spTree>
+      <p:nvGrpSpPr>
+        <p:cNvPr id="1" name=""/>
+        <p:cNvGrpSpPr/>
+        <p:nvPr/>
+      </p:nvGrpSpPr>
+      <p:grpSpPr>
+        <a:xfrm>
+          <a:off x="0" y="0"/>
+          <a:ext cx="0" cy="0"/>
+          <a:chOff x="0" y="0"/>
+          <a:chExt cx="0" cy="0"/>
+        </a:xfrm>
+      </p:grpSpPr>
+      <p:sp>
+        <p:nvSpPr>
+          <p:cNvPr id="2" name="Titolo 1"/>
+          <p:cNvSpPr>
+            <a:spLocks noGrp="1"/>
+          </p:cNvSpPr>
+          <p:nvPr>
+            <p:ph type="title"/>
+          </p:nvPr>
+        </p:nvSpPr>
+        <p:spPr/>
+        <p:txBody>
+          <a:bodyPr/>
+          <a:lstStyle/>
+          <a:p>
+            <a:r>
+              <a:rPr lang="it-IT" smtClean="0"/>
+              <a:t>Cose da rivedere sulle slide</a:t>
+            </a:r>
+            <a:endParaRPr lang="it-IT"/>
+          </a:p>
+        </p:txBody>
+      </p:sp>
+      <p:sp>
+        <p:nvSpPr>
+          <p:cNvPr id="3" name="Segnaposto contenuto 2"/>
+          <p:cNvSpPr>
+            <a:spLocks noGrp="1"/>
+          </p:cNvSpPr>
+          <p:nvPr>
+            <p:ph idx="1"/>
+          </p:nvPr>
+        </p:nvSpPr>
+        <p:spPr/>
+        <p:txBody>
+          <a:bodyPr/>
+          <a:lstStyle/>
+          <a:p>
+            <a:r>
+              <a:rPr lang="it-IT" smtClean="0"/>
+              <a:t>In uno stesso argomento:  scrivere sempre il titolo come in “mostrare vector drawable su widget”, oppure scrivere l’argomento in basso a sinistra piccolino come in “introduzione” </a:t>
+            </a:r>
+            <a:r>
+              <a:rPr lang="it-IT" smtClean="0"/>
+              <a:t>(meglio la prima)</a:t>
+            </a:r>
+            <a:endParaRPr lang="it-IT" smtClean="0"/>
+          </a:p>
+          <a:p>
+            <a:r>
+              <a:rPr lang="it-IT" smtClean="0"/>
+              <a:t>Caricare parecchi screen per fare più slide, soprattutto dove ci sono dei passaggi da seguire</a:t>
+            </a:r>
+          </a:p>
+          <a:p>
+            <a:r>
+              <a:rPr lang="it-IT" smtClean="0"/>
+              <a:t>Rendere consistente il font e lo sfondo slide</a:t>
+            </a:r>
+          </a:p>
+          <a:p>
+            <a:r>
+              <a:rPr lang="it-IT" smtClean="0"/>
+              <a:t>Consiglio di luca bec: a Regoli piacciono le slide a fondo bianco – cambiare queste</a:t>
+            </a:r>
+          </a:p>
+          <a:p>
+            <a:r>
+              <a:rPr lang="it-IT" smtClean="0"/>
+              <a:t>Quando ci sono scritti gli snippet, possibilmente riscriverli su android studio e caricare le immagini invece che le scritte (solo che così non si può fare copia e incolla, come faceva Falessi quel cane)</a:t>
+            </a:r>
+            <a:endParaRPr lang="it-IT"/>
+          </a:p>
+        </p:txBody>
+      </p:sp>
+    </p:spTree>
   </p:cSld>
   <p:clrMapOvr>
     <a:masterClrMapping/>
@@ -11700,7 +11820,7 @@
           <p:cNvPr id="2" name="Titolo 1">
             <a:extLst>
               <a:ext uri="{FF2B5EF4-FFF2-40B4-BE49-F238E27FC236}">
-                <a16:creationId xmlns="" xmlns:a16="http://schemas.microsoft.com/office/drawing/2014/main" id="{08E9130B-3DA2-4409-B4FB-4ED5F7053F10}"/>
+                <a16:creationId xmlns:a16="http://schemas.microsoft.com/office/drawing/2014/main" xmlns="" id="{08E9130B-3DA2-4409-B4FB-4ED5F7053F10}"/>
               </a:ext>
             </a:extLst>
           </p:cNvPr>
@@ -11744,7 +11864,7 @@
           <p:cNvPr id="3" name="Segnaposto contenuto 2">
             <a:extLst>
               <a:ext uri="{FF2B5EF4-FFF2-40B4-BE49-F238E27FC236}">
-                <a16:creationId xmlns="" xmlns:a16="http://schemas.microsoft.com/office/drawing/2014/main" id="{72B4423A-4DCE-4192-89A0-E056AA2241FF}"/>
+                <a16:creationId xmlns:a16="http://schemas.microsoft.com/office/drawing/2014/main" xmlns="" id="{72B4423A-4DCE-4192-89A0-E056AA2241FF}"/>
               </a:ext>
             </a:extLst>
           </p:cNvPr>
@@ -11959,37 +12079,6 @@
               <a:latin typeface="Times New Roman" panose="02020603050405020304" pitchFamily="18" charset="0"/>
               <a:cs typeface="Times New Roman" panose="02020603050405020304" pitchFamily="18" charset="0"/>
             </a:endParaRPr>
-          </a:p>
-        </p:txBody>
-      </p:sp>
-      <p:sp>
-        <p:nvSpPr>
-          <p:cNvPr id="4" name="Segnaposto data 3">
-            <a:extLst>
-              <a:ext uri="{FF2B5EF4-FFF2-40B4-BE49-F238E27FC236}">
-                <a16:creationId xmlns="" xmlns:a16="http://schemas.microsoft.com/office/drawing/2014/main" id="{385DA464-32FA-4976-83FD-03C573CDCF7E}"/>
-              </a:ext>
-            </a:extLst>
-          </p:cNvPr>
-          <p:cNvSpPr>
-            <a:spLocks noGrp="1"/>
-          </p:cNvSpPr>
-          <p:nvPr>
-            <p:ph type="dt" sz="half" idx="10"/>
-          </p:nvPr>
-        </p:nvSpPr>
-        <p:spPr/>
-        <p:txBody>
-          <a:bodyPr/>
-          <a:lstStyle/>
-          <a:p>
-            <a:pPr rtl="0"/>
-            <a:fld id="{85E0D28E-6F2F-4715-A424-3B01AC64AD4B}" type="datetime1">
-              <a:rPr lang="it-IT" smtClean="0"/>
-              <a:pPr rtl="0"/>
-              <a:t>07/06/2020</a:t>
-            </a:fld>
-            <a:endParaRPr lang="en-US"/>
           </a:p>
         </p:txBody>
       </p:sp>
@@ -12032,7 +12121,7 @@
     </p:spTree>
     <p:extLst>
       <p:ext uri="{BB962C8B-B14F-4D97-AF65-F5344CB8AC3E}">
-        <p14:creationId xmlns="" xmlns:p14="http://schemas.microsoft.com/office/powerpoint/2010/main" val="520281786"/>
+        <p14:creationId xmlns:p14="http://schemas.microsoft.com/office/powerpoint/2010/main" xmlns="" val="520281786"/>
       </p:ext>
     </p:extLst>
   </p:cSld>
@@ -12127,31 +12216,6 @@
       </p:sp>
       <p:sp>
         <p:nvSpPr>
-          <p:cNvPr id="4" name="Segnaposto data 3"/>
-          <p:cNvSpPr>
-            <a:spLocks noGrp="1"/>
-          </p:cNvSpPr>
-          <p:nvPr>
-            <p:ph type="dt" sz="half" idx="10"/>
-          </p:nvPr>
-        </p:nvSpPr>
-        <p:spPr/>
-        <p:txBody>
-          <a:bodyPr/>
-          <a:lstStyle/>
-          <a:p>
-            <a:pPr rtl="0"/>
-            <a:fld id="{85E0D28E-6F2F-4715-A424-3B01AC64AD4B}" type="datetime1">
-              <a:rPr lang="it-IT" smtClean="0"/>
-              <a:pPr rtl="0"/>
-              <a:t>07/06/2020</a:t>
-            </a:fld>
-            <a:endParaRPr lang="en-US"/>
-          </a:p>
-        </p:txBody>
-      </p:sp>
-      <p:sp>
-        <p:nvSpPr>
           <p:cNvPr id="5" name="CasellaDiTesto 4"/>
           <p:cNvSpPr txBox="1"/>
           <p:nvPr/>
@@ -12216,7 +12280,7 @@
           <p:cNvPr id="2" name="Titolo 1">
             <a:extLst>
               <a:ext uri="{FF2B5EF4-FFF2-40B4-BE49-F238E27FC236}">
-                <a16:creationId xmlns="" xmlns:a16="http://schemas.microsoft.com/office/drawing/2014/main" id="{353D50A2-DC09-42B6-89B9-3753B89C9AC8}"/>
+                <a16:creationId xmlns:a16="http://schemas.microsoft.com/office/drawing/2014/main" xmlns="" id="{353D50A2-DC09-42B6-89B9-3753B89C9AC8}"/>
               </a:ext>
             </a:extLst>
           </p:cNvPr>
@@ -12258,7 +12322,7 @@
           <p:cNvPr id="3" name="Segnaposto contenuto 2">
             <a:extLst>
               <a:ext uri="{FF2B5EF4-FFF2-40B4-BE49-F238E27FC236}">
-                <a16:creationId xmlns="" xmlns:a16="http://schemas.microsoft.com/office/drawing/2014/main" id="{F7BF9498-2030-41D6-B346-7142A4149882}"/>
+                <a16:creationId xmlns:a16="http://schemas.microsoft.com/office/drawing/2014/main" xmlns="" id="{F7BF9498-2030-41D6-B346-7142A4149882}"/>
               </a:ext>
             </a:extLst>
           </p:cNvPr>
@@ -12307,7 +12371,7 @@
     </p:spTree>
     <p:extLst>
       <p:ext uri="{BB962C8B-B14F-4D97-AF65-F5344CB8AC3E}">
-        <p14:creationId xmlns="" xmlns:p14="http://schemas.microsoft.com/office/powerpoint/2010/main" val="237379470"/>
+        <p14:creationId xmlns:p14="http://schemas.microsoft.com/office/powerpoint/2010/main" xmlns="" val="237379470"/>
       </p:ext>
     </p:extLst>
   </p:cSld>
@@ -12339,7 +12403,7 @@
           <p:cNvPr id="2" name="Titolo 1">
             <a:extLst>
               <a:ext uri="{FF2B5EF4-FFF2-40B4-BE49-F238E27FC236}">
-                <a16:creationId xmlns="" xmlns:a16="http://schemas.microsoft.com/office/drawing/2014/main" id="{E220F6AF-1752-43FE-8D9A-A6757A9BC433}"/>
+                <a16:creationId xmlns:a16="http://schemas.microsoft.com/office/drawing/2014/main" xmlns="" id="{E220F6AF-1752-43FE-8D9A-A6757A9BC433}"/>
               </a:ext>
             </a:extLst>
           </p:cNvPr>
@@ -12369,7 +12433,7 @@
           <p:cNvPr id="3" name="Segnaposto contenuto 2">
             <a:extLst>
               <a:ext uri="{FF2B5EF4-FFF2-40B4-BE49-F238E27FC236}">
-                <a16:creationId xmlns="" xmlns:a16="http://schemas.microsoft.com/office/drawing/2014/main" id="{5B6073A4-E04E-4386-BCB8-4F4D1730C4CE}"/>
+                <a16:creationId xmlns:a16="http://schemas.microsoft.com/office/drawing/2014/main" xmlns="" id="{5B6073A4-E04E-4386-BCB8-4F4D1730C4CE}"/>
               </a:ext>
             </a:extLst>
           </p:cNvPr>
@@ -12418,7 +12482,7 @@
     </p:spTree>
     <p:extLst>
       <p:ext uri="{BB962C8B-B14F-4D97-AF65-F5344CB8AC3E}">
-        <p14:creationId xmlns="" xmlns:p14="http://schemas.microsoft.com/office/powerpoint/2010/main" val="28250"/>
+        <p14:creationId xmlns:p14="http://schemas.microsoft.com/office/powerpoint/2010/main" xmlns="" val="28250"/>
       </p:ext>
     </p:extLst>
   </p:cSld>
@@ -12698,7 +12762,7 @@
   <a:extraClrSchemeLst/>
   <a:extLst>
     <a:ext uri="{05A4C25C-085E-4340-85A3-A5531E510DB2}">
-      <thm15:themeFamily xmlns="" xmlns:thm15="http://schemas.microsoft.com/office/thememl/2012/main" name="Office_41798854_TF78438558" id="{03469F01-97D1-4A1E-853B-6A26B56D87BB}" vid="{335298E4-38AB-4269-9352-375A27B59611}"/>
+      <thm15:themeFamily xmlns:thm15="http://schemas.microsoft.com/office/thememl/2012/main" xmlns="" name="Office_41798854_TF78438558" id="{03469F01-97D1-4A1E-853B-6A26B56D87BB}" vid="{335298E4-38AB-4269-9352-375A27B59611}"/>
     </a:ext>
   </a:extLst>
 </a:theme>
@@ -12959,7 +13023,7 @@
   <a:extraClrSchemeLst/>
   <a:extLst>
     <a:ext uri="{05A4C25C-085E-4340-85A3-A5531E510DB2}">
-      <thm15:themeFamily xmlns="" xmlns:thm15="http://schemas.microsoft.com/office/thememl/2012/main" name="Office Theme" id="{62F939B6-93AF-4DB8-9C6B-D6C7DFDC589F}" vid="{4A3C46E8-61CC-4603-A589-7422A47A8E4A}"/>
+      <thm15:themeFamily xmlns:thm15="http://schemas.microsoft.com/office/thememl/2012/main" xmlns="" name="Office Theme" id="{62F939B6-93AF-4DB8-9C6B-D6C7DFDC589F}" vid="{4A3C46E8-61CC-4603-A589-7422A47A8E4A}"/>
     </a:ext>
   </a:extLst>
 </a:theme>
@@ -13220,7 +13284,7 @@
   <a:extraClrSchemeLst/>
   <a:extLst>
     <a:ext uri="{05A4C25C-085E-4340-85A3-A5531E510DB2}">
-      <thm15:themeFamily xmlns="" xmlns:thm15="http://schemas.microsoft.com/office/thememl/2012/main" name="Office Theme" id="{62F939B6-93AF-4DB8-9C6B-D6C7DFDC589F}" vid="{4A3C46E8-61CC-4603-A589-7422A47A8E4A}"/>
+      <thm15:themeFamily xmlns:thm15="http://schemas.microsoft.com/office/thememl/2012/main" xmlns="" name="Office Theme" id="{62F939B6-93AF-4DB8-9C6B-D6C7DFDC589F}" vid="{4A3C46E8-61CC-4603-A589-7422A47A8E4A}"/>
     </a:ext>
   </a:extLst>
 </a:theme>

--- a/Vector asset studio.pptx
+++ b/Vector asset studio.pptx
@@ -16,8 +16,8 @@
     <p:sldId id="277" r:id="rId4"/>
     <p:sldId id="267" r:id="rId5"/>
     <p:sldId id="268" r:id="rId6"/>
-    <p:sldId id="266" r:id="rId7"/>
-    <p:sldId id="275" r:id="rId8"/>
+    <p:sldId id="317" r:id="rId7"/>
+    <p:sldId id="266" r:id="rId8"/>
     <p:sldId id="262" r:id="rId9"/>
     <p:sldId id="263" r:id="rId10"/>
     <p:sldId id="264" r:id="rId11"/>
@@ -32,15 +32,15 @@
     <p:sldId id="281" r:id="rId20"/>
     <p:sldId id="284" r:id="rId21"/>
     <p:sldId id="271" r:id="rId22"/>
-    <p:sldId id="272" r:id="rId23"/>
-    <p:sldId id="285" r:id="rId24"/>
+    <p:sldId id="322" r:id="rId23"/>
+    <p:sldId id="323" r:id="rId24"/>
     <p:sldId id="286" r:id="rId25"/>
     <p:sldId id="287" r:id="rId26"/>
-    <p:sldId id="288" r:id="rId27"/>
-    <p:sldId id="289" r:id="rId28"/>
+    <p:sldId id="318" r:id="rId27"/>
+    <p:sldId id="319" r:id="rId28"/>
     <p:sldId id="291" r:id="rId29"/>
-    <p:sldId id="293" r:id="rId30"/>
-    <p:sldId id="292" r:id="rId31"/>
+    <p:sldId id="320" r:id="rId30"/>
+    <p:sldId id="321" r:id="rId31"/>
     <p:sldId id="290" r:id="rId32"/>
     <p:sldId id="294" r:id="rId33"/>
     <p:sldId id="296" r:id="rId34"/>
@@ -161,10 +161,21 @@
   </p:defaultTextStyle>
   <p:extLst>
     <p:ext uri="{EFAFB233-063F-42B5-8137-9DF3F51BA10A}">
-      <p15:sldGuideLst xmlns:p15="http://schemas.microsoft.com/office/powerpoint/2012/main" xmlns=""/>
+      <p15:sldGuideLst xmlns:p15="http://schemas.microsoft.com/office/powerpoint/2012/main">
+        <p15:guide id="1" orient="horz" pos="2160">
+          <p15:clr>
+            <a:srgbClr val="A4A3A4"/>
+          </p15:clr>
+        </p15:guide>
+        <p15:guide id="2" pos="3840">
+          <p15:clr>
+            <a:srgbClr val="A4A3A4"/>
+          </p15:clr>
+        </p15:guide>
+      </p15:sldGuideLst>
     </p:ext>
     <p:ext uri="{2D200454-40CA-4A62-9FC3-DE9A4176ACB9}">
-      <p15:notesGuideLst xmlns:p15="http://schemas.microsoft.com/office/powerpoint/2012/main" xmlns=""/>
+      <p15:notesGuideLst xmlns:p15="http://schemas.microsoft.com/office/powerpoint/2012/main"/>
     </p:ext>
   </p:extLst>
 </p:presentation>
@@ -261,7 +272,7 @@
             <a:fld id="{227A3769-973A-471F-AE95-803ACD9DB45A}" type="datetime1">
               <a:rPr lang="it-IT" smtClean="0"/>
               <a:pPr rtl="0"/>
-              <a:t>09/06/2020</a:t>
+              <a:t>22/06/2020</a:t>
             </a:fld>
             <a:endParaRPr lang="en-US" dirty="0"/>
           </a:p>
@@ -339,7 +350,7 @@
     </p:spTree>
     <p:extLst>
       <p:ext uri="{BB962C8B-B14F-4D97-AF65-F5344CB8AC3E}">
-        <p14:creationId xmlns:p14="http://schemas.microsoft.com/office/powerpoint/2010/main" xmlns="" val="1938533960"/>
+        <p14:creationId xmlns:p14="http://schemas.microsoft.com/office/powerpoint/2010/main" val="1938533960"/>
       </p:ext>
     </p:extLst>
   </p:cSld>
@@ -433,7 +444,7 @@
             <a:fld id="{F8B562AB-E890-432E-8086-3C35B5B6BC74}" type="datetime1">
               <a:rPr lang="it-IT" smtClean="0"/>
               <a:pPr rtl="0"/>
-              <a:t>09/06/2020</a:t>
+              <a:t>22/06/2020</a:t>
             </a:fld>
             <a:endParaRPr lang="en-US"/>
           </a:p>
@@ -606,7 +617,7 @@
     </p:spTree>
     <p:extLst>
       <p:ext uri="{BB962C8B-B14F-4D97-AF65-F5344CB8AC3E}">
-        <p14:creationId xmlns:p14="http://schemas.microsoft.com/office/powerpoint/2010/main" xmlns="" val="3889581830"/>
+        <p14:creationId xmlns:p14="http://schemas.microsoft.com/office/powerpoint/2010/main" val="3889581830"/>
       </p:ext>
     </p:extLst>
   </p:cSld>
@@ -729,7 +740,7 @@
           <p:cNvPr id="5" name="Rettangolo 4">
             <a:extLst>
               <a:ext uri="{FF2B5EF4-FFF2-40B4-BE49-F238E27FC236}">
-                <a16:creationId xmlns:a16="http://schemas.microsoft.com/office/drawing/2014/main" xmlns="" id="{904DB13E-F722-4ED6-BB00-556651E95281}"/>
+                <a16:creationId xmlns:a16="http://schemas.microsoft.com/office/drawing/2014/main" id="{904DB13E-F722-4ED6-BB00-556651E95281}"/>
               </a:ext>
             </a:extLst>
           </p:cNvPr>
@@ -878,7 +889,7 @@
           <p:cNvPr id="7" name="Gruppo 6">
             <a:extLst>
               <a:ext uri="{FF2B5EF4-FFF2-40B4-BE49-F238E27FC236}">
-                <a16:creationId xmlns:a16="http://schemas.microsoft.com/office/drawing/2014/main" xmlns="" id="{E26428D7-C6F3-473D-A360-A3F5C3E8728C}"/>
+                <a16:creationId xmlns:a16="http://schemas.microsoft.com/office/drawing/2014/main" id="{E26428D7-C6F3-473D-A360-A3F5C3E8728C}"/>
               </a:ext>
             </a:extLst>
           </p:cNvPr>
@@ -1180,7 +1191,7 @@
             <a:fld id="{46B2AB89-642D-461B-88E3-BE7E49276E6D}" type="datetime1">
               <a:rPr lang="it-IT" smtClean="0"/>
               <a:pPr rtl="0"/>
-              <a:t>09/06/2020</a:t>
+              <a:t>22/06/2020</a:t>
             </a:fld>
             <a:endParaRPr lang="en-US" dirty="0"/>
           </a:p>
@@ -1266,7 +1277,7 @@
     </p:spTree>
     <p:extLst>
       <p:ext uri="{BB962C8B-B14F-4D97-AF65-F5344CB8AC3E}">
-        <p14:creationId xmlns:p14="http://schemas.microsoft.com/office/powerpoint/2010/main" xmlns="" val="4147770102"/>
+        <p14:creationId xmlns:p14="http://schemas.microsoft.com/office/powerpoint/2010/main" val="4147770102"/>
       </p:ext>
     </p:extLst>
   </p:cSld>
@@ -1388,7 +1399,7 @@
             <a:fld id="{FB6DF1C0-0F0C-4064-ABD6-C9C1782C86AE}" type="datetime1">
               <a:rPr lang="it-IT" smtClean="0"/>
               <a:pPr rtl="0"/>
-              <a:t>09/06/2020</a:t>
+              <a:t>22/06/2020</a:t>
             </a:fld>
             <a:endParaRPr lang="en-US"/>
           </a:p>
@@ -1442,7 +1453,7 @@
     </p:spTree>
     <p:extLst>
       <p:ext uri="{BB962C8B-B14F-4D97-AF65-F5344CB8AC3E}">
-        <p14:creationId xmlns:p14="http://schemas.microsoft.com/office/powerpoint/2010/main" xmlns="" val="4023329902"/>
+        <p14:creationId xmlns:p14="http://schemas.microsoft.com/office/powerpoint/2010/main" val="4023329902"/>
       </p:ext>
     </p:extLst>
   </p:cSld>
@@ -1574,7 +1585,7 @@
             <a:fld id="{CD3A0FBA-A5A6-4E7F-AECA-E819E1A4206B}" type="datetime1">
               <a:rPr lang="it-IT" smtClean="0"/>
               <a:pPr rtl="0"/>
-              <a:t>09/06/2020</a:t>
+              <a:t>22/06/2020</a:t>
             </a:fld>
             <a:endParaRPr lang="en-US"/>
           </a:p>
@@ -1628,7 +1639,7 @@
     </p:spTree>
     <p:extLst>
       <p:ext uri="{BB962C8B-B14F-4D97-AF65-F5344CB8AC3E}">
-        <p14:creationId xmlns:p14="http://schemas.microsoft.com/office/powerpoint/2010/main" xmlns="" val="1510073493"/>
+        <p14:creationId xmlns:p14="http://schemas.microsoft.com/office/powerpoint/2010/main" val="1510073493"/>
       </p:ext>
     </p:extLst>
   </p:cSld>
@@ -1750,7 +1761,7 @@
             <a:fld id="{85E0D28E-6F2F-4715-A424-3B01AC64AD4B}" type="datetime1">
               <a:rPr lang="it-IT" smtClean="0"/>
               <a:pPr rtl="0"/>
-              <a:t>09/06/2020</a:t>
+              <a:t>22/06/2020</a:t>
             </a:fld>
             <a:endParaRPr lang="en-US"/>
           </a:p>
@@ -1804,7 +1815,7 @@
     </p:spTree>
     <p:extLst>
       <p:ext uri="{BB962C8B-B14F-4D97-AF65-F5344CB8AC3E}">
-        <p14:creationId xmlns:p14="http://schemas.microsoft.com/office/powerpoint/2010/main" xmlns="" val="2153708790"/>
+        <p14:creationId xmlns:p14="http://schemas.microsoft.com/office/powerpoint/2010/main" val="2153708790"/>
       </p:ext>
     </p:extLst>
   </p:cSld>
@@ -1836,7 +1847,7 @@
           <p:cNvPr id="15" name="Rettangolo 14">
             <a:extLst>
               <a:ext uri="{FF2B5EF4-FFF2-40B4-BE49-F238E27FC236}">
-                <a16:creationId xmlns:a16="http://schemas.microsoft.com/office/drawing/2014/main" xmlns="" id="{0A4A1889-E37C-4EC3-9E41-9DAD221CF389}"/>
+                <a16:creationId xmlns:a16="http://schemas.microsoft.com/office/drawing/2014/main" id="{0A4A1889-E37C-4EC3-9E41-9DAD221CF389}"/>
               </a:ext>
             </a:extLst>
           </p:cNvPr>
@@ -2034,7 +2045,7 @@
           <p:cNvPr id="16" name="Gruppo 15">
             <a:extLst>
               <a:ext uri="{FF2B5EF4-FFF2-40B4-BE49-F238E27FC236}">
-                <a16:creationId xmlns:a16="http://schemas.microsoft.com/office/drawing/2014/main" xmlns="" id="{1683EB04-C23E-490C-A1A6-030CF79D23C8}"/>
+                <a16:creationId xmlns:a16="http://schemas.microsoft.com/office/drawing/2014/main" id="{1683EB04-C23E-490C-A1A6-030CF79D23C8}"/>
               </a:ext>
             </a:extLst>
           </p:cNvPr>
@@ -2054,7 +2065,7 @@
             <p:cNvPr id="17" name="Connettore diritto 16">
               <a:extLst>
                 <a:ext uri="{FF2B5EF4-FFF2-40B4-BE49-F238E27FC236}">
-                  <a16:creationId xmlns:a16="http://schemas.microsoft.com/office/drawing/2014/main" xmlns="" id="{F8A84C03-E1CA-4A4E-81D6-9BB0C335B7A0}"/>
+                  <a16:creationId xmlns:a16="http://schemas.microsoft.com/office/drawing/2014/main" id="{F8A84C03-E1CA-4A4E-81D6-9BB0C335B7A0}"/>
                 </a:ext>
               </a:extLst>
             </p:cNvPr>
@@ -2102,7 +2113,7 @@
             <p:cNvPr id="18" name="Connettore diritto 17">
               <a:extLst>
                 <a:ext uri="{FF2B5EF4-FFF2-40B4-BE49-F238E27FC236}">
-                  <a16:creationId xmlns:a16="http://schemas.microsoft.com/office/drawing/2014/main" xmlns="" id="{4A26FB5A-D5D1-4DAB-AC43-7F51A7F2D197}"/>
+                  <a16:creationId xmlns:a16="http://schemas.microsoft.com/office/drawing/2014/main" id="{4A26FB5A-D5D1-4DAB-AC43-7F51A7F2D197}"/>
                 </a:ext>
               </a:extLst>
             </p:cNvPr>
@@ -2150,7 +2161,7 @@
             <p:cNvPr id="19" name="Connettore diritto 18">
               <a:extLst>
                 <a:ext uri="{FF2B5EF4-FFF2-40B4-BE49-F238E27FC236}">
-                  <a16:creationId xmlns:a16="http://schemas.microsoft.com/office/drawing/2014/main" xmlns="" id="{49303F14-E560-4C02-94F4-B4695FE26813}"/>
+                  <a16:creationId xmlns:a16="http://schemas.microsoft.com/office/drawing/2014/main" id="{49303F14-E560-4C02-94F4-B4695FE26813}"/>
                 </a:ext>
               </a:extLst>
             </p:cNvPr>
@@ -2355,7 +2366,7 @@
             <a:fld id="{F953424F-4FD0-4DEA-A244-2F5A83926123}" type="datetime1">
               <a:rPr lang="it-IT" smtClean="0"/>
               <a:pPr rtl="0"/>
-              <a:t>09/06/2020</a:t>
+              <a:t>22/06/2020</a:t>
             </a:fld>
             <a:endParaRPr lang="en-US" dirty="0"/>
           </a:p>
@@ -2441,7 +2452,7 @@
     </p:spTree>
     <p:extLst>
       <p:ext uri="{BB962C8B-B14F-4D97-AF65-F5344CB8AC3E}">
-        <p14:creationId xmlns:p14="http://schemas.microsoft.com/office/powerpoint/2010/main" xmlns="" val="606071433"/>
+        <p14:creationId xmlns:p14="http://schemas.microsoft.com/office/powerpoint/2010/main" val="606071433"/>
       </p:ext>
     </p:extLst>
   </p:cSld>
@@ -2681,7 +2692,7 @@
             <a:fld id="{ED487A35-6EB2-4106-87BE-5998F37E93E7}" type="datetime1">
               <a:rPr lang="it-IT" smtClean="0"/>
               <a:pPr rtl="0"/>
-              <a:t>09/06/2020</a:t>
+              <a:t>22/06/2020</a:t>
             </a:fld>
             <a:endParaRPr lang="en-US"/>
           </a:p>
@@ -2735,7 +2746,7 @@
     </p:spTree>
     <p:extLst>
       <p:ext uri="{BB962C8B-B14F-4D97-AF65-F5344CB8AC3E}">
-        <p14:creationId xmlns:p14="http://schemas.microsoft.com/office/powerpoint/2010/main" xmlns="" val="2744672162"/>
+        <p14:creationId xmlns:p14="http://schemas.microsoft.com/office/powerpoint/2010/main" val="2744672162"/>
       </p:ext>
     </p:extLst>
   </p:cSld>
@@ -3124,7 +3135,7 @@
             <a:fld id="{6D0A2449-0E6F-4EC8-9AF5-127FFF9E4F17}" type="datetime1">
               <a:rPr lang="it-IT" smtClean="0"/>
               <a:pPr rtl="0"/>
-              <a:t>09/06/2020</a:t>
+              <a:t>22/06/2020</a:t>
             </a:fld>
             <a:endParaRPr lang="en-US"/>
           </a:p>
@@ -3178,7 +3189,7 @@
     </p:spTree>
     <p:extLst>
       <p:ext uri="{BB962C8B-B14F-4D97-AF65-F5344CB8AC3E}">
-        <p14:creationId xmlns:p14="http://schemas.microsoft.com/office/powerpoint/2010/main" xmlns="" val="2929960713"/>
+        <p14:creationId xmlns:p14="http://schemas.microsoft.com/office/powerpoint/2010/main" val="2929960713"/>
       </p:ext>
     </p:extLst>
   </p:cSld>
@@ -3248,7 +3259,7 @@
             <a:fld id="{43ECC08F-3232-4266-A826-505EFF618F02}" type="datetime1">
               <a:rPr lang="it-IT" smtClean="0"/>
               <a:pPr rtl="0"/>
-              <a:t>09/06/2020</a:t>
+              <a:t>22/06/2020</a:t>
             </a:fld>
             <a:endParaRPr lang="en-US"/>
           </a:p>
@@ -3302,7 +3313,7 @@
     </p:spTree>
     <p:extLst>
       <p:ext uri="{BB962C8B-B14F-4D97-AF65-F5344CB8AC3E}">
-        <p14:creationId xmlns:p14="http://schemas.microsoft.com/office/powerpoint/2010/main" xmlns="" val="2667413146"/>
+        <p14:creationId xmlns:p14="http://schemas.microsoft.com/office/powerpoint/2010/main" val="2667413146"/>
       </p:ext>
     </p:extLst>
   </p:cSld>
@@ -3348,7 +3359,7 @@
             <a:fld id="{6CC19903-FCE7-40DD-9ABE-472E27EE3DF9}" type="datetime1">
               <a:rPr lang="it-IT" smtClean="0"/>
               <a:pPr rtl="0"/>
-              <a:t>09/06/2020</a:t>
+              <a:t>22/06/2020</a:t>
             </a:fld>
             <a:endParaRPr lang="en-US"/>
           </a:p>
@@ -3402,7 +3413,7 @@
     </p:spTree>
     <p:extLst>
       <p:ext uri="{BB962C8B-B14F-4D97-AF65-F5344CB8AC3E}">
-        <p14:creationId xmlns:p14="http://schemas.microsoft.com/office/powerpoint/2010/main" xmlns="" val="907247122"/>
+        <p14:creationId xmlns:p14="http://schemas.microsoft.com/office/powerpoint/2010/main" val="907247122"/>
       </p:ext>
     </p:extLst>
   </p:cSld>
@@ -3434,7 +3445,7 @@
           <p:cNvPr id="10" name="Rettangolo 9">
             <a:extLst>
               <a:ext uri="{FF2B5EF4-FFF2-40B4-BE49-F238E27FC236}">
-                <a16:creationId xmlns:a16="http://schemas.microsoft.com/office/drawing/2014/main" xmlns="" id="{D5E1BBF9-8BEF-4353-BA68-30AAF9EBD8D8}"/>
+                <a16:creationId xmlns:a16="http://schemas.microsoft.com/office/drawing/2014/main" id="{D5E1BBF9-8BEF-4353-BA68-30AAF9EBD8D8}"/>
               </a:ext>
             </a:extLst>
           </p:cNvPr>
@@ -3481,7 +3492,7 @@
           <p:cNvPr id="13" name="Rettangolo 12">
             <a:extLst>
               <a:ext uri="{FF2B5EF4-FFF2-40B4-BE49-F238E27FC236}">
-                <a16:creationId xmlns:a16="http://schemas.microsoft.com/office/drawing/2014/main" xmlns="" id="{5B941C21-2A5D-4912-AB06-1BB0C0EB6AE1}"/>
+                <a16:creationId xmlns:a16="http://schemas.microsoft.com/office/drawing/2014/main" id="{5B941C21-2A5D-4912-AB06-1BB0C0EB6AE1}"/>
               </a:ext>
             </a:extLst>
           </p:cNvPr>
@@ -3771,7 +3782,7 @@
             <a:fld id="{24F848B3-DD0C-4C86-9703-1DC7B521FCF8}" type="datetime1">
               <a:rPr lang="it-IT" smtClean="0"/>
               <a:pPr rtl="0"/>
-              <a:t>09/06/2020</a:t>
+              <a:t>22/06/2020</a:t>
             </a:fld>
             <a:endParaRPr lang="en-US"/>
           </a:p>
@@ -3850,7 +3861,7 @@
     </p:spTree>
     <p:extLst>
       <p:ext uri="{BB962C8B-B14F-4D97-AF65-F5344CB8AC3E}">
-        <p14:creationId xmlns:p14="http://schemas.microsoft.com/office/powerpoint/2010/main" xmlns="" val="2488602163"/>
+        <p14:creationId xmlns:p14="http://schemas.microsoft.com/office/powerpoint/2010/main" val="2488602163"/>
       </p:ext>
     </p:extLst>
   </p:cSld>
@@ -3882,7 +3893,7 @@
           <p:cNvPr id="11" name="Rettangolo 10">
             <a:extLst>
               <a:ext uri="{FF2B5EF4-FFF2-40B4-BE49-F238E27FC236}">
-                <a16:creationId xmlns:a16="http://schemas.microsoft.com/office/drawing/2014/main" xmlns="" id="{E687CA98-D9C7-497F-A1DA-7D22F8753BCE}"/>
+                <a16:creationId xmlns:a16="http://schemas.microsoft.com/office/drawing/2014/main" id="{E687CA98-D9C7-497F-A1DA-7D22F8753BCE}"/>
               </a:ext>
             </a:extLst>
           </p:cNvPr>
@@ -4038,7 +4049,7 @@
             <a:fld id="{711CFEF3-F103-4E31-9572-24F0BC84FDFF}" type="datetime1">
               <a:rPr lang="it-IT" smtClean="0"/>
               <a:pPr rtl="0"/>
-              <a:t>09/06/2020</a:t>
+              <a:t>22/06/2020</a:t>
             </a:fld>
             <a:endParaRPr lang="en-US" dirty="0"/>
           </a:p>
@@ -4122,7 +4133,7 @@
           <p:cNvPr id="12" name="Rettangolo 11">
             <a:extLst>
               <a:ext uri="{FF2B5EF4-FFF2-40B4-BE49-F238E27FC236}">
-                <a16:creationId xmlns:a16="http://schemas.microsoft.com/office/drawing/2014/main" xmlns="" id="{F8B3D8CC-BB13-41A5-8F34-B8E84A4F9534}"/>
+                <a16:creationId xmlns:a16="http://schemas.microsoft.com/office/drawing/2014/main" id="{F8B3D8CC-BB13-41A5-8F34-B8E84A4F9534}"/>
               </a:ext>
             </a:extLst>
           </p:cNvPr>
@@ -4288,7 +4299,7 @@
     </p:spTree>
     <p:extLst>
       <p:ext uri="{BB962C8B-B14F-4D97-AF65-F5344CB8AC3E}">
-        <p14:creationId xmlns:p14="http://schemas.microsoft.com/office/powerpoint/2010/main" xmlns="" val="2678223080"/>
+        <p14:creationId xmlns:p14="http://schemas.microsoft.com/office/powerpoint/2010/main" val="2678223080"/>
       </p:ext>
     </p:extLst>
   </p:cSld>
@@ -4325,7 +4336,7 @@
           <p:cNvPr id="9" name="Rettangolo 8">
             <a:extLst>
               <a:ext uri="{FF2B5EF4-FFF2-40B4-BE49-F238E27FC236}">
-                <a16:creationId xmlns:a16="http://schemas.microsoft.com/office/drawing/2014/main" xmlns="" id="{1E94681D-2A4C-4A8D-B9B5-31D440D0328D}"/>
+                <a16:creationId xmlns:a16="http://schemas.microsoft.com/office/drawing/2014/main" id="{1E94681D-2A4C-4A8D-B9B5-31D440D0328D}"/>
               </a:ext>
             </a:extLst>
           </p:cNvPr>
@@ -4560,7 +4571,7 @@
             <a:fld id="{8A8228F9-9C50-4094-9999-09A1682E91E0}" type="datetime1">
               <a:rPr lang="it-IT" smtClean="0"/>
               <a:pPr rtl="0"/>
-              <a:t>09/06/2020</a:t>
+              <a:t>22/06/2020</a:t>
             </a:fld>
             <a:endParaRPr lang="en-US" dirty="0"/>
           </a:p>
@@ -4652,7 +4663,7 @@
     </p:spTree>
     <p:extLst>
       <p:ext uri="{BB962C8B-B14F-4D97-AF65-F5344CB8AC3E}">
-        <p14:creationId xmlns:p14="http://schemas.microsoft.com/office/powerpoint/2010/main" xmlns="" val="3811577630"/>
+        <p14:creationId xmlns:p14="http://schemas.microsoft.com/office/powerpoint/2010/main" val="3811577630"/>
       </p:ext>
     </p:extLst>
   </p:cSld>
@@ -5045,7 +5056,7 @@
           <p:cNvPr id="6" name="Immagine 5" descr="Primo piano di un logo&#10;&#10;Descrizione generata automaticamente">
             <a:extLst>
               <a:ext uri="{FF2B5EF4-FFF2-40B4-BE49-F238E27FC236}">
-                <a16:creationId xmlns:a16="http://schemas.microsoft.com/office/drawing/2014/main" xmlns="" id="{8045422F-7258-40AC-BD2E-2469AA448922}"/>
+                <a16:creationId xmlns:a16="http://schemas.microsoft.com/office/drawing/2014/main" id="{8045422F-7258-40AC-BD2E-2469AA448922}"/>
               </a:ext>
             </a:extLst>
           </p:cNvPr>
@@ -5058,7 +5069,7 @@
           <a:blip r:embed="rId2" cstate="print">
             <a:extLst>
               <a:ext uri="{28A0092B-C50C-407E-A947-70E740481C1C}">
-                <a14:useLocalDpi xmlns:a14="http://schemas.microsoft.com/office/drawing/2010/main" xmlns="" val="0"/>
+                <a14:useLocalDpi xmlns:a14="http://schemas.microsoft.com/office/drawing/2010/main" val="0"/>
               </a:ext>
             </a:extLst>
           </a:blip>
@@ -5080,10 +5091,10 @@
           <p:cNvPr id="82" name="Rettangolo 81">
             <a:extLst>
               <a:ext uri="{FF2B5EF4-FFF2-40B4-BE49-F238E27FC236}">
-                <a16:creationId xmlns:a16="http://schemas.microsoft.com/office/drawing/2014/main" xmlns="" id="{2644B391-9BFE-445C-A9EC-F544BB85FBC7}"/>
+                <a16:creationId xmlns:a16="http://schemas.microsoft.com/office/drawing/2014/main" id="{2644B391-9BFE-445C-A9EC-F544BB85FBC7}"/>
               </a:ext>
               <a:ext uri="{C183D7F6-B498-43B3-948B-1728B52AA6E4}">
-                <adec:decorative xmlns:adec="http://schemas.microsoft.com/office/drawing/2017/decorative" xmlns="" val="1"/>
+                <adec:decorative xmlns:adec="http://schemas.microsoft.com/office/drawing/2017/decorative" val="1"/>
               </a:ext>
             </a:extLst>
           </p:cNvPr>
@@ -5093,7 +5104,7 @@
           <p:nvPr>
             <p:extLst>
               <p:ext uri="{386F3935-93C4-4BCD-93E2-E3B085C9AB24}">
-                <p16:designElem xmlns:p16="http://schemas.microsoft.com/office/powerpoint/2015/main" xmlns="" val="1"/>
+                <p16:designElem xmlns:p16="http://schemas.microsoft.com/office/powerpoint/2015/main" val="1"/>
               </p:ext>
             </p:extLst>
           </p:nvPr>
@@ -5125,10 +5136,10 @@
           <p:cNvPr id="84" name="Rettangolo 83">
             <a:extLst>
               <a:ext uri="{FF2B5EF4-FFF2-40B4-BE49-F238E27FC236}">
-                <a16:creationId xmlns:a16="http://schemas.microsoft.com/office/drawing/2014/main" xmlns="" id="{80F26E69-87D9-4655-AE7B-280A87AA3CAD}"/>
+                <a16:creationId xmlns:a16="http://schemas.microsoft.com/office/drawing/2014/main" id="{80F26E69-87D9-4655-AE7B-280A87AA3CAD}"/>
               </a:ext>
               <a:ext uri="{C183D7F6-B498-43B3-948B-1728B52AA6E4}">
-                <adec:decorative xmlns:adec="http://schemas.microsoft.com/office/drawing/2017/decorative" xmlns="" val="1"/>
+                <adec:decorative xmlns:adec="http://schemas.microsoft.com/office/drawing/2017/decorative" val="1"/>
               </a:ext>
             </a:extLst>
           </p:cNvPr>
@@ -5138,7 +5149,7 @@
           <p:nvPr>
             <p:extLst>
               <p:ext uri="{386F3935-93C4-4BCD-93E2-E3B085C9AB24}">
-                <p16:designElem xmlns:p16="http://schemas.microsoft.com/office/powerpoint/2015/main" xmlns="" val="1"/>
+                <p16:designElem xmlns:p16="http://schemas.microsoft.com/office/powerpoint/2015/main" val="1"/>
               </p:ext>
             </p:extLst>
           </p:nvPr>
@@ -5169,7 +5180,7 @@
           <p:cNvPr id="2" name="Titolo 1">
             <a:extLst>
               <a:ext uri="{FF2B5EF4-FFF2-40B4-BE49-F238E27FC236}">
-                <a16:creationId xmlns:a16="http://schemas.microsoft.com/office/drawing/2014/main" xmlns="" id="{18C3B467-088C-4F3D-A9A7-105C4E1E20CD}"/>
+                <a16:creationId xmlns:a16="http://schemas.microsoft.com/office/drawing/2014/main" id="{18C3B467-088C-4F3D-A9A7-105C4E1E20CD}"/>
               </a:ext>
             </a:extLst>
           </p:cNvPr>
@@ -5188,11 +5199,20 @@
         </p:spPr>
         <p:txBody>
           <a:bodyPr rtlCol="0">
-            <a:normAutofit/>
+            <a:normAutofit fontScale="90000"/>
           </a:bodyPr>
           <a:lstStyle/>
           <a:p>
             <a:pPr rtl="0"/>
+            <a:br>
+              <a:rPr lang="it-IT" sz="4400" dirty="0">
+                <a:solidFill>
+                  <a:schemeClr val="tx1"/>
+                </a:solidFill>
+                <a:latin typeface="Times New Roman" panose="02020603050405020304" pitchFamily="18" charset="0"/>
+                <a:cs typeface="Times New Roman" panose="02020603050405020304" pitchFamily="18" charset="0"/>
+              </a:rPr>
+            </a:br>
             <a:r>
               <a:rPr lang="it-IT" sz="4400" dirty="0" err="1">
                 <a:solidFill>
@@ -5226,7 +5246,7 @@
     </p:spTree>
     <p:extLst>
       <p:ext uri="{BB962C8B-B14F-4D97-AF65-F5344CB8AC3E}">
-        <p14:creationId xmlns:p14="http://schemas.microsoft.com/office/powerpoint/2010/main" xmlns="" val="2584280759"/>
+        <p14:creationId xmlns:p14="http://schemas.microsoft.com/office/powerpoint/2010/main" val="2584280759"/>
       </p:ext>
     </p:extLst>
   </p:cSld>
@@ -5258,7 +5278,7 @@
           <p:cNvPr id="2" name="Titolo 1">
             <a:extLst>
               <a:ext uri="{FF2B5EF4-FFF2-40B4-BE49-F238E27FC236}">
-                <a16:creationId xmlns:a16="http://schemas.microsoft.com/office/drawing/2014/main" xmlns="" id="{1649DCAD-FA38-436C-B106-A235F4692CCA}"/>
+                <a16:creationId xmlns:a16="http://schemas.microsoft.com/office/drawing/2014/main" id="{1649DCAD-FA38-436C-B106-A235F4692CCA}"/>
               </a:ext>
             </a:extLst>
           </p:cNvPr>
@@ -5286,7 +5306,7 @@
           <p:cNvPr id="3" name="Segnaposto contenuto 2">
             <a:extLst>
               <a:ext uri="{FF2B5EF4-FFF2-40B4-BE49-F238E27FC236}">
-                <a16:creationId xmlns:a16="http://schemas.microsoft.com/office/drawing/2014/main" xmlns="" id="{AE9CA38E-DEB8-4B3C-A7EF-B065EE73E1B7}"/>
+                <a16:creationId xmlns:a16="http://schemas.microsoft.com/office/drawing/2014/main" id="{AE9CA38E-DEB8-4B3C-A7EF-B065EE73E1B7}"/>
               </a:ext>
             </a:extLst>
           </p:cNvPr>
@@ -5308,21 +5328,21 @@
               <a:buNone/>
             </a:pPr>
             <a:r>
-              <a:rPr lang="it-IT" sz="3200" dirty="0">
+              <a:rPr lang="it-IT" sz="2400" dirty="0">
                 <a:latin typeface="Times New Roman" panose="02020603050405020304" pitchFamily="18" charset="0"/>
                 <a:cs typeface="Times New Roman" panose="02020603050405020304" pitchFamily="18" charset="0"/>
               </a:rPr>
               <a:t>Le immagini </a:t>
             </a:r>
             <a:r>
-              <a:rPr lang="it-IT" sz="3200" dirty="0" err="1">
+              <a:rPr lang="it-IT" sz="2400" dirty="0" err="1">
                 <a:latin typeface="Times New Roman" panose="02020603050405020304" pitchFamily="18" charset="0"/>
                 <a:cs typeface="Times New Roman" panose="02020603050405020304" pitchFamily="18" charset="0"/>
               </a:rPr>
               <a:t>raster</a:t>
             </a:r>
             <a:r>
-              <a:rPr lang="it-IT" sz="3200" dirty="0">
+              <a:rPr lang="it-IT" sz="2400" dirty="0">
                 <a:latin typeface="Times New Roman" panose="02020603050405020304" pitchFamily="18" charset="0"/>
                 <a:cs typeface="Times New Roman" panose="02020603050405020304" pitchFamily="18" charset="0"/>
               </a:rPr>
@@ -5331,21 +5351,21 @@
           </a:p>
           <a:p>
             <a:r>
-              <a:rPr lang="it-IT" sz="2800" dirty="0">
+              <a:rPr lang="it-IT" sz="2400" dirty="0">
                 <a:latin typeface="Times New Roman" panose="02020603050405020304" pitchFamily="18" charset="0"/>
                 <a:cs typeface="Times New Roman" panose="02020603050405020304" pitchFamily="18" charset="0"/>
               </a:rPr>
               <a:t>Il principale vantaggio di un’immagine </a:t>
             </a:r>
             <a:r>
-              <a:rPr lang="it-IT" sz="2800" dirty="0" err="1">
+              <a:rPr lang="it-IT" sz="2400" dirty="0" err="1">
                 <a:latin typeface="Times New Roman" panose="02020603050405020304" pitchFamily="18" charset="0"/>
                 <a:cs typeface="Times New Roman" panose="02020603050405020304" pitchFamily="18" charset="0"/>
               </a:rPr>
               <a:t>raster</a:t>
             </a:r>
             <a:r>
-              <a:rPr lang="it-IT" sz="2800" dirty="0">
+              <a:rPr lang="it-IT" sz="2400" dirty="0">
                 <a:latin typeface="Times New Roman" panose="02020603050405020304" pitchFamily="18" charset="0"/>
                 <a:cs typeface="Times New Roman" panose="02020603050405020304" pitchFamily="18" charset="0"/>
               </a:rPr>
@@ -5354,42 +5374,21 @@
           </a:p>
           <a:p>
             <a:r>
-              <a:rPr lang="it-IT" sz="2800" dirty="0">
-                <a:latin typeface="Times New Roman" panose="02020603050405020304" pitchFamily="18" charset="0"/>
-                <a:cs typeface="Times New Roman" panose="02020603050405020304" pitchFamily="18" charset="0"/>
-              </a:rPr>
-              <a:t>Lo svantaggio </a:t>
-            </a:r>
-            <a:r>
-              <a:rPr lang="it-IT" sz="2800">
-                <a:latin typeface="Times New Roman" panose="02020603050405020304" pitchFamily="18" charset="0"/>
-                <a:cs typeface="Times New Roman" panose="02020603050405020304" pitchFamily="18" charset="0"/>
-              </a:rPr>
-              <a:t>è </a:t>
-            </a:r>
-            <a:r>
-              <a:rPr lang="it-IT" sz="2800" smtClean="0">
-                <a:latin typeface="Times New Roman" panose="02020603050405020304" pitchFamily="18" charset="0"/>
-                <a:cs typeface="Times New Roman" panose="02020603050405020304" pitchFamily="18" charset="0"/>
-              </a:rPr>
-              <a:t>che nel </a:t>
-            </a:r>
-            <a:r>
-              <a:rPr lang="it-IT" sz="2800" dirty="0">
-                <a:latin typeface="Times New Roman" panose="02020603050405020304" pitchFamily="18" charset="0"/>
-                <a:cs typeface="Times New Roman" panose="02020603050405020304" pitchFamily="18" charset="0"/>
-              </a:rPr>
-              <a:t>momento in cui vengono ingrandite oltre le loro dimensioni originali, subiscono perdite di dettagli e appaiono sgranate o dentellate (Effetto </a:t>
-            </a:r>
-            <a:r>
-              <a:rPr lang="it-IT" sz="2800" dirty="0" err="1">
-                <a:latin typeface="Times New Roman" panose="02020603050405020304" pitchFamily="18" charset="0"/>
-                <a:cs typeface="Times New Roman" panose="02020603050405020304" pitchFamily="18" charset="0"/>
-              </a:rPr>
-              <a:t>Pixellatura</a:t>
-            </a:r>
-            <a:r>
-              <a:rPr lang="it-IT" sz="2800" dirty="0">
+              <a:rPr lang="it-IT" sz="2400" dirty="0">
+                <a:latin typeface="Times New Roman" panose="02020603050405020304" pitchFamily="18" charset="0"/>
+                <a:cs typeface="Times New Roman" panose="02020603050405020304" pitchFamily="18" charset="0"/>
+              </a:rPr>
+              <a:t>Lo svantaggio è che nel momento in cui vengono ingrandite oltre le loro dimensioni originali, subiscono perdite di dettagli e appaiono sgranate o dentellate (effetto </a:t>
+            </a:r>
+            <a:r>
+              <a:rPr lang="it-IT" sz="2400" dirty="0" err="1">
+                <a:latin typeface="Times New Roman" panose="02020603050405020304" pitchFamily="18" charset="0"/>
+                <a:cs typeface="Times New Roman" panose="02020603050405020304" pitchFamily="18" charset="0"/>
+              </a:rPr>
+              <a:t>pixellatura</a:t>
+            </a:r>
+            <a:r>
+              <a:rPr lang="it-IT" sz="2400" dirty="0">
                 <a:latin typeface="Times New Roman" panose="02020603050405020304" pitchFamily="18" charset="0"/>
                 <a:cs typeface="Times New Roman" panose="02020603050405020304" pitchFamily="18" charset="0"/>
               </a:rPr>
@@ -5407,7 +5406,7 @@
     </p:spTree>
     <p:extLst>
       <p:ext uri="{BB962C8B-B14F-4D97-AF65-F5344CB8AC3E}">
-        <p14:creationId xmlns:p14="http://schemas.microsoft.com/office/powerpoint/2010/main" xmlns="" val="1909592427"/>
+        <p14:creationId xmlns:p14="http://schemas.microsoft.com/office/powerpoint/2010/main" val="1909592427"/>
       </p:ext>
     </p:extLst>
   </p:cSld>
@@ -5439,7 +5438,7 @@
           <p:cNvPr id="2" name="Titolo 1">
             <a:extLst>
               <a:ext uri="{FF2B5EF4-FFF2-40B4-BE49-F238E27FC236}">
-                <a16:creationId xmlns:a16="http://schemas.microsoft.com/office/drawing/2014/main" xmlns="" id="{DB6E8F6D-14C5-4FD7-BE1E-94F2CEBBD047}"/>
+                <a16:creationId xmlns:a16="http://schemas.microsoft.com/office/drawing/2014/main" id="{DB6E8F6D-14C5-4FD7-BE1E-94F2CEBBD047}"/>
               </a:ext>
             </a:extLst>
           </p:cNvPr>
@@ -5457,7 +5456,7 @@
           <a:p>
             <a:r>
               <a:rPr lang="it-IT" dirty="0"/>
-              <a:t>Pro e contro dei due formati (2)</a:t>
+              <a:t>Pro e contro dei due formati</a:t>
             </a:r>
           </a:p>
         </p:txBody>
@@ -5467,7 +5466,7 @@
           <p:cNvPr id="3" name="Segnaposto contenuto 2">
             <a:extLst>
               <a:ext uri="{FF2B5EF4-FFF2-40B4-BE49-F238E27FC236}">
-                <a16:creationId xmlns:a16="http://schemas.microsoft.com/office/drawing/2014/main" xmlns="" id="{7197C251-8208-4015-BFF1-537AC8FD5152}"/>
+                <a16:creationId xmlns:a16="http://schemas.microsoft.com/office/drawing/2014/main" id="{7197C251-8208-4015-BFF1-537AC8FD5152}"/>
               </a:ext>
             </a:extLst>
           </p:cNvPr>
@@ -5492,42 +5491,42 @@
               <a:buNone/>
             </a:pPr>
             <a:r>
-              <a:rPr lang="it-IT" sz="3200" dirty="0">
+              <a:rPr lang="it-IT" sz="2400" dirty="0">
                 <a:latin typeface="Times New Roman" panose="02020603050405020304" pitchFamily="18" charset="0"/>
                 <a:cs typeface="Times New Roman" panose="02020603050405020304" pitchFamily="18" charset="0"/>
               </a:rPr>
               <a:t>Le immagini vettoriali:</a:t>
             </a:r>
-            <a:endParaRPr lang="it-IT" dirty="0"/>
-          </a:p>
-          <a:p>
-            <a:r>
-              <a:rPr lang="it-IT" sz="2800" dirty="0">
+            <a:endParaRPr lang="it-IT" sz="2400" dirty="0"/>
+          </a:p>
+          <a:p>
+            <a:r>
+              <a:rPr lang="it-IT" sz="2400" dirty="0">
                 <a:latin typeface="Times New Roman" panose="02020603050405020304" pitchFamily="18" charset="0"/>
                 <a:cs typeface="Times New Roman" panose="02020603050405020304" pitchFamily="18" charset="0"/>
               </a:rPr>
               <a:t>Possono essere ingrandite all’infinito senza subire alcuna perdita di qualità e definizione, inoltre</a:t>
             </a:r>
             <a:r>
-              <a:rPr lang="it-IT" b="1" dirty="0"/>
+              <a:rPr lang="it-IT" sz="2400" b="1" dirty="0"/>
               <a:t> </a:t>
             </a:r>
             <a:r>
-              <a:rPr lang="it-IT" sz="2800" dirty="0">
+              <a:rPr lang="it-IT" sz="2400" dirty="0">
                 <a:latin typeface="Times New Roman" panose="02020603050405020304" pitchFamily="18" charset="0"/>
                 <a:cs typeface="Times New Roman" panose="02020603050405020304" pitchFamily="18" charset="0"/>
               </a:rPr>
               <a:t>il peso (in byte) di un documento è inferiore rispetto ad uno </a:t>
             </a:r>
             <a:r>
-              <a:rPr lang="it-IT" sz="2800" dirty="0" err="1">
+              <a:rPr lang="it-IT" sz="2400" dirty="0" err="1">
                 <a:latin typeface="Times New Roman" panose="02020603050405020304" pitchFamily="18" charset="0"/>
                 <a:cs typeface="Times New Roman" panose="02020603050405020304" pitchFamily="18" charset="0"/>
               </a:rPr>
               <a:t>raster</a:t>
             </a:r>
             <a:r>
-              <a:rPr lang="it-IT" sz="2800" dirty="0">
+              <a:rPr lang="it-IT" sz="2400" dirty="0">
                 <a:latin typeface="Times New Roman" panose="02020603050405020304" pitchFamily="18" charset="0"/>
                 <a:cs typeface="Times New Roman" panose="02020603050405020304" pitchFamily="18" charset="0"/>
               </a:rPr>
@@ -5536,21 +5535,21 @@
           </a:p>
           <a:p>
             <a:r>
-              <a:rPr lang="it-IT" sz="2800" dirty="0">
-                <a:latin typeface="Times New Roman" panose="02020603050405020304" pitchFamily="18" charset="0"/>
-                <a:cs typeface="Times New Roman" panose="02020603050405020304" pitchFamily="18" charset="0"/>
-              </a:rPr>
-              <a:t>Meno intuitive rispetto alle immagini </a:t>
-            </a:r>
-            <a:r>
-              <a:rPr lang="it-IT" sz="2800" dirty="0" err="1">
+              <a:rPr lang="it-IT" sz="2400" dirty="0">
+                <a:latin typeface="Times New Roman" panose="02020603050405020304" pitchFamily="18" charset="0"/>
+                <a:cs typeface="Times New Roman" panose="02020603050405020304" pitchFamily="18" charset="0"/>
+              </a:rPr>
+              <a:t>Sono meno intuitive da usare rispetto alle immagini </a:t>
+            </a:r>
+            <a:r>
+              <a:rPr lang="it-IT" sz="2400" dirty="0" err="1">
                 <a:latin typeface="Times New Roman" panose="02020603050405020304" pitchFamily="18" charset="0"/>
                 <a:cs typeface="Times New Roman" panose="02020603050405020304" pitchFamily="18" charset="0"/>
               </a:rPr>
               <a:t>raster</a:t>
             </a:r>
             <a:r>
-              <a:rPr lang="it-IT" sz="2800" dirty="0">
+              <a:rPr lang="it-IT" sz="2400" dirty="0">
                 <a:latin typeface="Times New Roman" panose="02020603050405020304" pitchFamily="18" charset="0"/>
                 <a:cs typeface="Times New Roman" panose="02020603050405020304" pitchFamily="18" charset="0"/>
               </a:rPr>
@@ -5568,7 +5567,7 @@
     </p:spTree>
     <p:extLst>
       <p:ext uri="{BB962C8B-B14F-4D97-AF65-F5344CB8AC3E}">
-        <p14:creationId xmlns:p14="http://schemas.microsoft.com/office/powerpoint/2010/main" xmlns="" val="2542699001"/>
+        <p14:creationId xmlns:p14="http://schemas.microsoft.com/office/powerpoint/2010/main" val="2542699001"/>
       </p:ext>
     </p:extLst>
   </p:cSld>
@@ -5611,10 +5610,9 @@
           <a:lstStyle/>
           <a:p>
             <a:r>
-              <a:rPr lang="it-IT" smtClean="0"/>
+              <a:rPr lang="it-IT"/>
               <a:t>In conclusione</a:t>
             </a:r>
-            <a:endParaRPr lang="it-IT"/>
           </a:p>
         </p:txBody>
       </p:sp>
@@ -5632,41 +5630,97 @@
         <p:txBody>
           <a:bodyPr/>
           <a:lstStyle/>
+          <a:p>
+            <a:pPr marL="0">
+              <a:buNone/>
+            </a:pPr>
+            <a:r>
+              <a:rPr lang="it-IT" sz="2400" dirty="0">
+                <a:latin typeface="Times New Roman" pitchFamily="18" charset="0"/>
+                <a:cs typeface="Times New Roman" pitchFamily="18" charset="0"/>
+              </a:rPr>
+              <a:t>Il </a:t>
+            </a:r>
+            <a:r>
+              <a:rPr lang="it-IT" sz="2400" dirty="0" err="1">
+                <a:latin typeface="Times New Roman" panose="02020603050405020304" pitchFamily="18" charset="0"/>
+                <a:cs typeface="Times New Roman" panose="02020603050405020304" pitchFamily="18" charset="0"/>
+              </a:rPr>
+              <a:t>vector</a:t>
+            </a:r>
+            <a:r>
+              <a:rPr lang="it-IT" sz="2400" dirty="0">
+                <a:latin typeface="Times New Roman" panose="02020603050405020304" pitchFamily="18" charset="0"/>
+                <a:cs typeface="Times New Roman" panose="02020603050405020304" pitchFamily="18" charset="0"/>
+              </a:rPr>
+              <a:t> </a:t>
+            </a:r>
+            <a:r>
+              <a:rPr lang="it-IT" sz="2400" dirty="0" err="1">
+                <a:latin typeface="Times New Roman" panose="02020603050405020304" pitchFamily="18" charset="0"/>
+                <a:cs typeface="Times New Roman" panose="02020603050405020304" pitchFamily="18" charset="0"/>
+              </a:rPr>
+              <a:t>drawable</a:t>
+            </a:r>
+            <a:r>
+              <a:rPr lang="it-IT" sz="2400" dirty="0">
+                <a:latin typeface="Times New Roman" panose="02020603050405020304" pitchFamily="18" charset="0"/>
+                <a:cs typeface="Times New Roman" panose="02020603050405020304" pitchFamily="18" charset="0"/>
+              </a:rPr>
+              <a:t> è appropriato per icone semplici, mentre quelle con troppi dettagli funzionano meglio come immagini bitmap.</a:t>
+            </a:r>
+          </a:p>
+          <a:p>
+            <a:pPr marL="0">
+              <a:buNone/>
+            </a:pPr>
+            <a:r>
+              <a:rPr lang="it-IT" sz="2400" dirty="0">
+                <a:latin typeface="Times New Roman" panose="02020603050405020304" pitchFamily="18" charset="0"/>
+                <a:cs typeface="Times New Roman" panose="02020603050405020304" pitchFamily="18" charset="0"/>
+              </a:rPr>
+              <a:t>Inoltre il caricamento iniziale di un </a:t>
+            </a:r>
+            <a:r>
+              <a:rPr lang="it-IT" sz="2400" dirty="0" err="1">
+                <a:latin typeface="Times New Roman" panose="02020603050405020304" pitchFamily="18" charset="0"/>
+                <a:cs typeface="Times New Roman" panose="02020603050405020304" pitchFamily="18" charset="0"/>
+              </a:rPr>
+              <a:t>vector</a:t>
+            </a:r>
+            <a:r>
+              <a:rPr lang="it-IT" sz="2400" dirty="0">
+                <a:latin typeface="Times New Roman" panose="02020603050405020304" pitchFamily="18" charset="0"/>
+                <a:cs typeface="Times New Roman" panose="02020603050405020304" pitchFamily="18" charset="0"/>
+              </a:rPr>
+              <a:t> </a:t>
+            </a:r>
+            <a:r>
+              <a:rPr lang="it-IT" sz="2400" dirty="0" err="1">
+                <a:latin typeface="Times New Roman" panose="02020603050405020304" pitchFamily="18" charset="0"/>
+                <a:cs typeface="Times New Roman" panose="02020603050405020304" pitchFamily="18" charset="0"/>
+              </a:rPr>
+              <a:t>drawable</a:t>
+            </a:r>
+            <a:r>
+              <a:rPr lang="it-IT" sz="2400" dirty="0">
+                <a:latin typeface="Times New Roman" panose="02020603050405020304" pitchFamily="18" charset="0"/>
+                <a:cs typeface="Times New Roman" panose="02020603050405020304" pitchFamily="18" charset="0"/>
+              </a:rPr>
+              <a:t> può costare di più in termini di cicli di CPU rispetto alla corrispondente immagine bitmap. Mentre l’uso di memoria, una volta caricati, è simile tra i due.</a:t>
+            </a:r>
+          </a:p>
           <a:p>
             <a:pPr>
               <a:buNone/>
             </a:pPr>
-            <a:r>
-              <a:rPr lang="it-IT" sz="2400" smtClean="0">
-                <a:latin typeface="Times New Roman" pitchFamily="18" charset="0"/>
-                <a:cs typeface="Times New Roman" pitchFamily="18" charset="0"/>
-              </a:rPr>
-              <a:t>Il vector drawable è appropriato per icone semplici, mentre quelle con troppi dettagli funzionano meglio come immagini bitmap.</a:t>
-            </a:r>
-          </a:p>
-          <a:p>
-            <a:pPr>
-              <a:buNone/>
-            </a:pPr>
-            <a:r>
-              <a:rPr lang="it-IT" sz="2400" smtClean="0">
-                <a:latin typeface="Times New Roman" pitchFamily="18" charset="0"/>
-                <a:cs typeface="Times New Roman" pitchFamily="18" charset="0"/>
-              </a:rPr>
-              <a:t>Inoltre il caricamento iniziale di un vector drawable può costare di più in termini di cicli di CPU rispetto alla corrispondente immagine bitmap. Mentre successivamente l’uso di memoria è simile tra le due.</a:t>
-            </a:r>
-          </a:p>
-          <a:p>
-            <a:pPr>
-              <a:buNone/>
-            </a:pPr>
-            <a:endParaRPr lang="it-IT" sz="2400" smtClean="0">
+            <a:endParaRPr lang="it-IT" sz="2400" dirty="0">
               <a:latin typeface="Times New Roman" pitchFamily="18" charset="0"/>
               <a:cs typeface="Times New Roman" pitchFamily="18" charset="0"/>
             </a:endParaRPr>
           </a:p>
           <a:p>
-            <a:endParaRPr lang="it-IT"/>
+            <a:endParaRPr lang="it-IT" dirty="0"/>
           </a:p>
         </p:txBody>
       </p:sp>
@@ -5700,7 +5754,7 @@
           <p:cNvPr id="2" name="Titolo 1">
             <a:extLst>
               <a:ext uri="{FF2B5EF4-FFF2-40B4-BE49-F238E27FC236}">
-                <a16:creationId xmlns:a16="http://schemas.microsoft.com/office/drawing/2014/main" xmlns="" id="{1447AD0D-D9DC-4BD5-B662-30885C940A73}"/>
+                <a16:creationId xmlns:a16="http://schemas.microsoft.com/office/drawing/2014/main" id="{1447AD0D-D9DC-4BD5-B662-30885C940A73}"/>
               </a:ext>
             </a:extLst>
           </p:cNvPr>
@@ -5730,7 +5784,7 @@
           <p:cNvPr id="3" name="Segnaposto contenuto 2">
             <a:extLst>
               <a:ext uri="{FF2B5EF4-FFF2-40B4-BE49-F238E27FC236}">
-                <a16:creationId xmlns:a16="http://schemas.microsoft.com/office/drawing/2014/main" xmlns="" id="{FD9C302A-E7AA-40AD-8F0F-C6D9EFCC88F5}"/>
+                <a16:creationId xmlns:a16="http://schemas.microsoft.com/office/drawing/2014/main" id="{FD9C302A-E7AA-40AD-8F0F-C6D9EFCC88F5}"/>
               </a:ext>
             </a:extLst>
           </p:cNvPr>
@@ -5762,7 +5816,7 @@
     </p:spTree>
     <p:extLst>
       <p:ext uri="{BB962C8B-B14F-4D97-AF65-F5344CB8AC3E}">
-        <p14:creationId xmlns:p14="http://schemas.microsoft.com/office/powerpoint/2010/main" xmlns="" val="2009069328"/>
+        <p14:creationId xmlns:p14="http://schemas.microsoft.com/office/powerpoint/2010/main" val="2009069328"/>
       </p:ext>
     </p:extLst>
   </p:cSld>
@@ -5794,7 +5848,7 @@
           <p:cNvPr id="2" name="Titolo 1">
             <a:extLst>
               <a:ext uri="{FF2B5EF4-FFF2-40B4-BE49-F238E27FC236}">
-                <a16:creationId xmlns:a16="http://schemas.microsoft.com/office/drawing/2014/main" xmlns="" id="{64A3D193-E597-4EF9-9B61-D8F702BBDA6B}"/>
+                <a16:creationId xmlns:a16="http://schemas.microsoft.com/office/drawing/2014/main" id="{64A3D193-E597-4EF9-9B61-D8F702BBDA6B}"/>
               </a:ext>
             </a:extLst>
           </p:cNvPr>
@@ -5824,7 +5878,7 @@
           <p:cNvPr id="3" name="Segnaposto contenuto 2">
             <a:extLst>
               <a:ext uri="{FF2B5EF4-FFF2-40B4-BE49-F238E27FC236}">
-                <a16:creationId xmlns:a16="http://schemas.microsoft.com/office/drawing/2014/main" xmlns="" id="{78D544C2-8FC2-4FAB-8544-0FAFF728A8E0}"/>
+                <a16:creationId xmlns:a16="http://schemas.microsoft.com/office/drawing/2014/main" id="{78D544C2-8FC2-4FAB-8544-0FAFF728A8E0}"/>
               </a:ext>
             </a:extLst>
           </p:cNvPr>
@@ -5845,7 +5899,7 @@
                 <a:latin typeface="Times New Roman" panose="02020603050405020304" pitchFamily="18" charset="0"/>
                 <a:cs typeface="Times New Roman" panose="02020603050405020304" pitchFamily="18" charset="0"/>
               </a:rPr>
-              <a:t>Il PSD è un formato di file proprietario sviluppato da Adobe Systems. La sua particolarità è quella di essere un formato di grafica vettoriale molto versatile. È utilizzato per creare immagini vettoriali  e progetti multimediali. </a:t>
+              <a:t>Il PSD è un formato di file proprietario sviluppato da Adobe Systems. La sua particolarità è quella di essere un formato di grafica vettoriale molto versatile. È utilizzato per creare immagini vettoriali e progetti multimediali. </a:t>
             </a:r>
           </a:p>
           <a:p>
@@ -5856,7 +5910,7 @@
     </p:spTree>
     <p:extLst>
       <p:ext uri="{BB962C8B-B14F-4D97-AF65-F5344CB8AC3E}">
-        <p14:creationId xmlns:p14="http://schemas.microsoft.com/office/powerpoint/2010/main" xmlns="" val="3152011591"/>
+        <p14:creationId xmlns:p14="http://schemas.microsoft.com/office/powerpoint/2010/main" val="3152011591"/>
       </p:ext>
     </p:extLst>
   </p:cSld>
@@ -5899,10 +5953,9 @@
           <a:lstStyle/>
           <a:p>
             <a:r>
-              <a:rPr lang="it-IT" smtClean="0"/>
+              <a:rPr lang="it-IT"/>
               <a:t>Best Practices</a:t>
             </a:r>
-            <a:endParaRPr lang="it-IT"/>
           </a:p>
         </p:txBody>
       </p:sp>
@@ -5922,7 +5975,7 @@
           <a:lstStyle/>
           <a:p>
             <a:r>
-              <a:rPr lang="it-IT" sz="2400" smtClean="0">
+              <a:rPr lang="it-IT" sz="2400" dirty="0">
                 <a:latin typeface="Times New Roman" pitchFamily="18" charset="0"/>
                 <a:cs typeface="Times New Roman" pitchFamily="18" charset="0"/>
               </a:rPr>
@@ -5931,15 +5984,57 @@
           </a:p>
           <a:p>
             <a:r>
-              <a:rPr lang="it-IT" sz="2400" smtClean="0">
-                <a:latin typeface="Times New Roman" pitchFamily="18" charset="0"/>
-                <a:cs typeface="Times New Roman" pitchFamily="18" charset="0"/>
-              </a:rPr>
-              <a:t>Sebbene i vector drawables supportino anche più di un colore, spesso è raccomandabile usare icone nere (android:fillColor=”#FF000000”). In questo modo è possibile aggiungere una tinta, che diventerà il colore dell’icona. Se il colore dell’icona non è nero, il colore potrebbe fondersi con quello della tinta.</a:t>
-            </a:r>
-          </a:p>
-          <a:p>
-            <a:endParaRPr lang="it-IT"/>
+              <a:rPr lang="it-IT" sz="2400" dirty="0">
+                <a:latin typeface="Times New Roman" pitchFamily="18" charset="0"/>
+                <a:cs typeface="Times New Roman" pitchFamily="18" charset="0"/>
+              </a:rPr>
+              <a:t>Sebbene i </a:t>
+            </a:r>
+            <a:r>
+              <a:rPr lang="it-IT" sz="2400" dirty="0" err="1">
+                <a:latin typeface="Times New Roman" pitchFamily="18" charset="0"/>
+                <a:cs typeface="Times New Roman" pitchFamily="18" charset="0"/>
+              </a:rPr>
+              <a:t>vector</a:t>
+            </a:r>
+            <a:r>
+              <a:rPr lang="it-IT" sz="2400" dirty="0">
+                <a:latin typeface="Times New Roman" pitchFamily="18" charset="0"/>
+                <a:cs typeface="Times New Roman" pitchFamily="18" charset="0"/>
+              </a:rPr>
+              <a:t> </a:t>
+            </a:r>
+            <a:r>
+              <a:rPr lang="it-IT" sz="2400" dirty="0" err="1">
+                <a:latin typeface="Times New Roman" pitchFamily="18" charset="0"/>
+                <a:cs typeface="Times New Roman" pitchFamily="18" charset="0"/>
+              </a:rPr>
+              <a:t>drawables</a:t>
+            </a:r>
+            <a:r>
+              <a:rPr lang="it-IT" sz="2400" dirty="0">
+                <a:latin typeface="Times New Roman" pitchFamily="18" charset="0"/>
+                <a:cs typeface="Times New Roman" pitchFamily="18" charset="0"/>
+              </a:rPr>
+              <a:t> supportino anche più di un colore, spesso è raccomandabile usare icone nere (</a:t>
+            </a:r>
+            <a:r>
+              <a:rPr lang="it-IT" sz="2400" dirty="0" err="1">
+                <a:latin typeface="Times New Roman" pitchFamily="18" charset="0"/>
+                <a:cs typeface="Times New Roman" pitchFamily="18" charset="0"/>
+              </a:rPr>
+              <a:t>android:fillColor</a:t>
+            </a:r>
+            <a:r>
+              <a:rPr lang="it-IT" sz="2400" dirty="0">
+                <a:latin typeface="Times New Roman" pitchFamily="18" charset="0"/>
+                <a:cs typeface="Times New Roman" pitchFamily="18" charset="0"/>
+              </a:rPr>
+              <a:t>=”#FF000000”). In questo modo è possibile aggiungere una tinta, che diventerà il colore dell’icona. Se il colore dell’icona non è nero, potrebbe fondersi con quello della tinta.</a:t>
+            </a:r>
+          </a:p>
+          <a:p>
+            <a:endParaRPr lang="it-IT" dirty="0"/>
           </a:p>
         </p:txBody>
       </p:sp>
@@ -5984,10 +6079,9 @@
           <a:lstStyle/>
           <a:p>
             <a:r>
-              <a:rPr lang="it-IT" smtClean="0"/>
+              <a:rPr lang="it-IT" dirty="0"/>
               <a:t>Caso di errore</a:t>
             </a:r>
-            <a:endParaRPr lang="it-IT"/>
           </a:p>
         </p:txBody>
       </p:sp>
@@ -6007,15 +6101,43 @@
           <a:lstStyle/>
           <a:p>
             <a:r>
-              <a:rPr lang="it-IT" sz="2400" smtClean="0">
-                <a:latin typeface="Times New Roman" pitchFamily="18" charset="0"/>
-                <a:cs typeface="Times New Roman" pitchFamily="18" charset="0"/>
-              </a:rPr>
-              <a:t>In questo strumento non sono ancora supportate alcune funzionalità, nel caso in cui venga trovato qualcosa non supportato nel file svg, verrà riportato come errore in basso nella finestra, con annessi error details.</a:t>
-            </a:r>
-          </a:p>
-          <a:p>
-            <a:endParaRPr lang="it-IT"/>
+              <a:rPr lang="it-IT" sz="2400" dirty="0">
+                <a:latin typeface="Times New Roman" pitchFamily="18" charset="0"/>
+                <a:cs typeface="Times New Roman" pitchFamily="18" charset="0"/>
+              </a:rPr>
+              <a:t>In questo strumento non sono ancora supportate alcune funzionalità, nel caso in cui venga trovato qualcosa non supportato nel file SVG, verrà riportato come errore in basso nella finestra, con annessi </a:t>
+            </a:r>
+            <a:r>
+              <a:rPr lang="it-IT" sz="2400" dirty="0" err="1">
+                <a:latin typeface="Times New Roman" pitchFamily="18" charset="0"/>
+                <a:cs typeface="Times New Roman" pitchFamily="18" charset="0"/>
+              </a:rPr>
+              <a:t>error</a:t>
+            </a:r>
+            <a:r>
+              <a:rPr lang="it-IT" sz="2400" dirty="0">
+                <a:latin typeface="Times New Roman" pitchFamily="18" charset="0"/>
+                <a:cs typeface="Times New Roman" pitchFamily="18" charset="0"/>
+              </a:rPr>
+              <a:t> </a:t>
+            </a:r>
+            <a:r>
+              <a:rPr lang="it-IT" sz="2400" dirty="0" err="1">
+                <a:latin typeface="Times New Roman" pitchFamily="18" charset="0"/>
+                <a:cs typeface="Times New Roman" pitchFamily="18" charset="0"/>
+              </a:rPr>
+              <a:t>details</a:t>
+            </a:r>
+            <a:r>
+              <a:rPr lang="it-IT" sz="2400" dirty="0">
+                <a:latin typeface="Times New Roman" pitchFamily="18" charset="0"/>
+                <a:cs typeface="Times New Roman" pitchFamily="18" charset="0"/>
+              </a:rPr>
+              <a:t>.</a:t>
+            </a:r>
+          </a:p>
+          <a:p>
+            <a:endParaRPr lang="it-IT" dirty="0"/>
           </a:p>
         </p:txBody>
       </p:sp>
@@ -6060,10 +6182,9 @@
           <a:lstStyle/>
           <a:p>
             <a:r>
-              <a:rPr lang="it-IT" smtClean="0"/>
+              <a:rPr lang="it-IT"/>
               <a:t>Generazione di PNG</a:t>
             </a:r>
-            <a:endParaRPr lang="it-IT"/>
           </a:p>
         </p:txBody>
       </p:sp>
@@ -6084,31 +6205,157 @@
           </a:bodyPr>
           <a:lstStyle/>
           <a:p>
-            <a:pPr>
+            <a:pPr marL="0">
               <a:buNone/>
             </a:pPr>
             <a:r>
-              <a:rPr lang="it-IT" sz="2400" smtClean="0">
-                <a:latin typeface="Times New Roman" pitchFamily="18" charset="0"/>
-                <a:cs typeface="Times New Roman" pitchFamily="18" charset="0"/>
-              </a:rPr>
-              <a:t>Per le versioni precedenti ad Android 5.0, Vector Asset Studio aggiunge il file vector drawable al progetto, inoltre Gradle crea immagini PNG bitmap a varie risoluzioni. Le densità delle immagini PNG sono specificate dalla proprietà generatedDensities del Domain Specific Language in un file build.gradle.</a:t>
-            </a:r>
-          </a:p>
-          <a:p>
-            <a:pPr>
+              <a:rPr lang="it-IT" sz="2400" dirty="0">
+                <a:latin typeface="Times New Roman" panose="02020603050405020304" pitchFamily="18" charset="0"/>
+                <a:cs typeface="Times New Roman" panose="02020603050405020304" pitchFamily="18" charset="0"/>
+              </a:rPr>
+              <a:t>Per le versioni precedenti ad Android 5.0, </a:t>
+            </a:r>
+            <a:r>
+              <a:rPr lang="it-IT" sz="2400" dirty="0" err="1">
+                <a:latin typeface="Times New Roman" panose="02020603050405020304" pitchFamily="18" charset="0"/>
+                <a:cs typeface="Times New Roman" panose="02020603050405020304" pitchFamily="18" charset="0"/>
+              </a:rPr>
+              <a:t>Vector</a:t>
+            </a:r>
+            <a:r>
+              <a:rPr lang="it-IT" sz="2400" dirty="0">
+                <a:latin typeface="Times New Roman" panose="02020603050405020304" pitchFamily="18" charset="0"/>
+                <a:cs typeface="Times New Roman" panose="02020603050405020304" pitchFamily="18" charset="0"/>
+              </a:rPr>
+              <a:t> Asset Studio aggiunge </a:t>
+            </a:r>
+            <a:r>
+              <a:rPr lang="it-IT" sz="2400" dirty="0" err="1">
+                <a:latin typeface="Times New Roman" panose="02020603050405020304" pitchFamily="18" charset="0"/>
+                <a:cs typeface="Times New Roman" panose="02020603050405020304" pitchFamily="18" charset="0"/>
+              </a:rPr>
+              <a:t>vector</a:t>
+            </a:r>
+            <a:r>
+              <a:rPr lang="it-IT" sz="2400" dirty="0">
+                <a:latin typeface="Times New Roman" panose="02020603050405020304" pitchFamily="18" charset="0"/>
+                <a:cs typeface="Times New Roman" panose="02020603050405020304" pitchFamily="18" charset="0"/>
+              </a:rPr>
+              <a:t> </a:t>
+            </a:r>
+            <a:r>
+              <a:rPr lang="it-IT" sz="2400" dirty="0" err="1">
+                <a:latin typeface="Times New Roman" panose="02020603050405020304" pitchFamily="18" charset="0"/>
+                <a:cs typeface="Times New Roman" panose="02020603050405020304" pitchFamily="18" charset="0"/>
+              </a:rPr>
+              <a:t>drawable</a:t>
+            </a:r>
+            <a:r>
+              <a:rPr lang="it-IT" sz="2400" dirty="0">
+                <a:latin typeface="Times New Roman" panose="02020603050405020304" pitchFamily="18" charset="0"/>
+                <a:cs typeface="Times New Roman" panose="02020603050405020304" pitchFamily="18" charset="0"/>
+              </a:rPr>
+              <a:t> al progetto, inoltre </a:t>
+            </a:r>
+            <a:r>
+              <a:rPr lang="it-IT" sz="2400" dirty="0" err="1">
+                <a:latin typeface="Times New Roman" panose="02020603050405020304" pitchFamily="18" charset="0"/>
+                <a:cs typeface="Times New Roman" panose="02020603050405020304" pitchFamily="18" charset="0"/>
+              </a:rPr>
+              <a:t>Gradle</a:t>
+            </a:r>
+            <a:r>
+              <a:rPr lang="it-IT" sz="2400" dirty="0">
+                <a:latin typeface="Times New Roman" panose="02020603050405020304" pitchFamily="18" charset="0"/>
+                <a:cs typeface="Times New Roman" panose="02020603050405020304" pitchFamily="18" charset="0"/>
+              </a:rPr>
+              <a:t> crea immagini PNG bitmap a varie risoluzioni. Le densità delle immagini PNG sono specificate dalla proprietà </a:t>
+            </a:r>
+            <a:r>
+              <a:rPr lang="it-IT" sz="2400" dirty="0" err="1">
+                <a:latin typeface="Times New Roman" panose="02020603050405020304" pitchFamily="18" charset="0"/>
+                <a:cs typeface="Times New Roman" panose="02020603050405020304" pitchFamily="18" charset="0"/>
+              </a:rPr>
+              <a:t>generatedDensities</a:t>
+            </a:r>
+            <a:r>
+              <a:rPr lang="it-IT" sz="2400" dirty="0">
+                <a:latin typeface="Times New Roman" panose="02020603050405020304" pitchFamily="18" charset="0"/>
+                <a:cs typeface="Times New Roman" panose="02020603050405020304" pitchFamily="18" charset="0"/>
+              </a:rPr>
+              <a:t> del Domain </a:t>
+            </a:r>
+            <a:r>
+              <a:rPr lang="it-IT" sz="2400" dirty="0" err="1">
+                <a:latin typeface="Times New Roman" panose="02020603050405020304" pitchFamily="18" charset="0"/>
+                <a:cs typeface="Times New Roman" panose="02020603050405020304" pitchFamily="18" charset="0"/>
+              </a:rPr>
+              <a:t>Specific</a:t>
+            </a:r>
+            <a:r>
+              <a:rPr lang="it-IT" sz="2400" dirty="0">
+                <a:latin typeface="Times New Roman" panose="02020603050405020304" pitchFamily="18" charset="0"/>
+                <a:cs typeface="Times New Roman" panose="02020603050405020304" pitchFamily="18" charset="0"/>
+              </a:rPr>
+              <a:t> Language in un file </a:t>
+            </a:r>
+            <a:r>
+              <a:rPr lang="it-IT" sz="2200" dirty="0" err="1">
+                <a:latin typeface="Courier New" panose="02070309020205020404" pitchFamily="49" charset="0"/>
+                <a:cs typeface="Courier New" panose="02070309020205020404" pitchFamily="49" charset="0"/>
+              </a:rPr>
+              <a:t>build.gradle</a:t>
+            </a:r>
+            <a:r>
+              <a:rPr lang="it-IT" sz="2400" dirty="0">
+                <a:latin typeface="Times New Roman" panose="02020603050405020304" pitchFamily="18" charset="0"/>
+                <a:cs typeface="Times New Roman" panose="02020603050405020304" pitchFamily="18" charset="0"/>
+              </a:rPr>
+              <a:t>.</a:t>
+            </a:r>
+          </a:p>
+          <a:p>
+            <a:pPr marL="0">
               <a:buNone/>
             </a:pPr>
             <a:r>
-              <a:rPr lang="it-IT" sz="2400" smtClean="0">
-                <a:latin typeface="Times New Roman" pitchFamily="18" charset="0"/>
-                <a:cs typeface="Times New Roman" pitchFamily="18" charset="0"/>
-              </a:rPr>
-              <a:t>Per le versioni successive ad Android 5.0, Vector Asset Studio supporta tutti gli elementi VectorDrawable.</a:t>
-            </a:r>
-          </a:p>
-          <a:p>
-            <a:endParaRPr lang="it-IT"/>
+              <a:rPr lang="it-IT" sz="2400" dirty="0">
+                <a:latin typeface="Times New Roman" panose="02020603050405020304" pitchFamily="18" charset="0"/>
+                <a:cs typeface="Times New Roman" panose="02020603050405020304" pitchFamily="18" charset="0"/>
+              </a:rPr>
+              <a:t>Per le versioni successive ad Android 5.0, </a:t>
+            </a:r>
+            <a:r>
+              <a:rPr lang="it-IT" sz="2400" dirty="0" err="1">
+                <a:latin typeface="Times New Roman" panose="02020603050405020304" pitchFamily="18" charset="0"/>
+                <a:cs typeface="Times New Roman" panose="02020603050405020304" pitchFamily="18" charset="0"/>
+              </a:rPr>
+              <a:t>Vector</a:t>
+            </a:r>
+            <a:r>
+              <a:rPr lang="it-IT" sz="2400" dirty="0">
+                <a:latin typeface="Times New Roman" panose="02020603050405020304" pitchFamily="18" charset="0"/>
+                <a:cs typeface="Times New Roman" panose="02020603050405020304" pitchFamily="18" charset="0"/>
+              </a:rPr>
+              <a:t> Asset Studio supporta tutti gli elementi </a:t>
+            </a:r>
+            <a:r>
+              <a:rPr lang="it-IT" sz="2400" dirty="0" err="1">
+                <a:latin typeface="Times New Roman" panose="02020603050405020304" pitchFamily="18" charset="0"/>
+                <a:cs typeface="Times New Roman" panose="02020603050405020304" pitchFamily="18" charset="0"/>
+              </a:rPr>
+              <a:t>VectorDrawable</a:t>
+            </a:r>
+            <a:r>
+              <a:rPr lang="it-IT" sz="2400" dirty="0">
+                <a:latin typeface="Times New Roman" panose="02020603050405020304" pitchFamily="18" charset="0"/>
+                <a:cs typeface="Times New Roman" panose="02020603050405020304" pitchFamily="18" charset="0"/>
+              </a:rPr>
+              <a:t>.</a:t>
+            </a:r>
+          </a:p>
+          <a:p>
+            <a:endParaRPr lang="it-IT" dirty="0"/>
           </a:p>
         </p:txBody>
       </p:sp>
@@ -6162,39 +6409,61 @@
             <a:pPr>
               <a:buNone/>
             </a:pPr>
-            <a:endParaRPr lang="it-IT" sz="2400" smtClean="0">
+            <a:endParaRPr lang="it-IT" sz="2400" dirty="0">
               <a:latin typeface="Times New Roman" pitchFamily="18" charset="0"/>
               <a:cs typeface="Times New Roman" pitchFamily="18" charset="0"/>
             </a:endParaRPr>
           </a:p>
           <a:p>
+            <a:pPr marL="0">
+              <a:buNone/>
+            </a:pPr>
+            <a:r>
+              <a:rPr lang="it-IT" sz="2400" dirty="0">
+                <a:latin typeface="Times New Roman" panose="02020603050405020304" pitchFamily="18" charset="0"/>
+                <a:cs typeface="Times New Roman" panose="02020603050405020304" pitchFamily="18" charset="0"/>
+              </a:rPr>
+              <a:t>Per la retrocompatibilità con Android 4.4 e precedenti, </a:t>
+            </a:r>
+            <a:r>
+              <a:rPr lang="it-IT" sz="2400" dirty="0" err="1">
+                <a:latin typeface="Times New Roman" panose="02020603050405020304" pitchFamily="18" charset="0"/>
+                <a:cs typeface="Times New Roman" panose="02020603050405020304" pitchFamily="18" charset="0"/>
+              </a:rPr>
+              <a:t>Vector</a:t>
+            </a:r>
+            <a:r>
+              <a:rPr lang="it-IT" sz="2400" dirty="0">
+                <a:latin typeface="Times New Roman" panose="02020603050405020304" pitchFamily="18" charset="0"/>
+                <a:cs typeface="Times New Roman" panose="02020603050405020304" pitchFamily="18" charset="0"/>
+              </a:rPr>
+              <a:t> Asset Studio supporta i seguenti elementi XML:</a:t>
+            </a:r>
+          </a:p>
+          <a:p>
             <a:pPr>
               <a:buNone/>
             </a:pPr>
-            <a:r>
-              <a:rPr lang="it-IT" sz="2400" smtClean="0">
-                <a:latin typeface="Times New Roman" pitchFamily="18" charset="0"/>
-                <a:cs typeface="Times New Roman" pitchFamily="18" charset="0"/>
-              </a:rPr>
-              <a:t>Per la retrocompatibilità con Android 4.4 e precedenti, Vector Asset Studio supporta i seguenti elementi XML:</a:t>
-            </a:r>
+            <a:endParaRPr lang="it-IT" sz="2400" dirty="0">
+              <a:latin typeface="Times New Roman" pitchFamily="18" charset="0"/>
+              <a:cs typeface="Times New Roman" pitchFamily="18" charset="0"/>
+            </a:endParaRPr>
           </a:p>
           <a:p>
             <a:pPr>
               <a:buNone/>
             </a:pPr>
-            <a:endParaRPr lang="it-IT" sz="2400" smtClean="0">
-              <a:latin typeface="Times New Roman" pitchFamily="18" charset="0"/>
-              <a:cs typeface="Times New Roman" pitchFamily="18" charset="0"/>
-            </a:endParaRPr>
-          </a:p>
-          <a:p>
-            <a:pPr>
-              <a:buNone/>
-            </a:pPr>
-            <a:r>
-              <a:rPr lang="it-IT" sz="2400" smtClean="0"/>
-              <a:t>&lt;vector&gt;</a:t>
+            <a:r>
+              <a:rPr lang="it-IT" sz="2400" dirty="0"/>
+              <a:t>&lt;</a:t>
+            </a:r>
+            <a:r>
+              <a:rPr lang="it-IT" sz="2400" dirty="0" err="1"/>
+              <a:t>vector</a:t>
+            </a:r>
+            <a:r>
+              <a:rPr lang="it-IT" sz="2400" dirty="0"/>
+              <a:t>&gt;</a:t>
             </a:r>
           </a:p>
           <a:p>
@@ -6203,9 +6472,10 @@
               <a:buChar char="§"/>
             </a:pPr>
             <a:r>
-              <a:rPr lang="it-IT" sz="2200" smtClean="0"/>
+              <a:rPr lang="it-IT" sz="2200" dirty="0" err="1"/>
               <a:t>android:width</a:t>
             </a:r>
+            <a:endParaRPr lang="it-IT" sz="2200" dirty="0"/>
           </a:p>
           <a:p>
             <a:pPr lvl="1">
@@ -6213,9 +6483,10 @@
               <a:buChar char="§"/>
             </a:pPr>
             <a:r>
-              <a:rPr lang="it-IT" sz="2200" smtClean="0"/>
+              <a:rPr lang="it-IT" sz="2200" dirty="0" err="1"/>
               <a:t>android:height</a:t>
             </a:r>
+            <a:endParaRPr lang="it-IT" sz="2200" dirty="0"/>
           </a:p>
           <a:p>
             <a:pPr lvl="1">
@@ -6223,9 +6494,10 @@
               <a:buChar char="§"/>
             </a:pPr>
             <a:r>
-              <a:rPr lang="it-IT" sz="2200" smtClean="0"/>
+              <a:rPr lang="it-IT" sz="2200" dirty="0" err="1"/>
               <a:t>android:viewportWidth</a:t>
             </a:r>
+            <a:endParaRPr lang="it-IT" sz="2200" dirty="0"/>
           </a:p>
           <a:p>
             <a:pPr lvl="1">
@@ -6233,9 +6505,10 @@
               <a:buChar char="§"/>
             </a:pPr>
             <a:r>
-              <a:rPr lang="it-IT" sz="2200" smtClean="0"/>
+              <a:rPr lang="it-IT" sz="2200" dirty="0" err="1"/>
               <a:t>android:viewportHeight</a:t>
             </a:r>
+            <a:endParaRPr lang="it-IT" sz="2200" dirty="0"/>
           </a:p>
           <a:p>
             <a:pPr lvl="1">
@@ -6243,15 +6516,16 @@
               <a:buChar char="§"/>
             </a:pPr>
             <a:r>
-              <a:rPr lang="it-IT" sz="2200" smtClean="0"/>
+              <a:rPr lang="it-IT" sz="2200" dirty="0" err="1"/>
               <a:t>android:alpha</a:t>
             </a:r>
+            <a:endParaRPr lang="it-IT" sz="2200" dirty="0"/>
           </a:p>
           <a:p>
             <a:pPr>
               <a:buNone/>
             </a:pPr>
-            <a:endParaRPr lang="it-IT" sz="2400" smtClean="0">
+            <a:endParaRPr lang="it-IT" sz="2400" dirty="0">
               <a:latin typeface="Times New Roman" pitchFamily="18" charset="0"/>
               <a:cs typeface="Times New Roman" pitchFamily="18" charset="0"/>
             </a:endParaRPr>
@@ -6260,7 +6534,7 @@
             <a:pPr>
               <a:buNone/>
             </a:pPr>
-            <a:endParaRPr lang="it-IT" sz="2400">
+            <a:endParaRPr lang="it-IT" sz="2400" dirty="0">
               <a:latin typeface="Times New Roman" pitchFamily="18" charset="0"/>
               <a:cs typeface="Times New Roman" pitchFamily="18" charset="0"/>
             </a:endParaRPr>
@@ -6318,7 +6592,7 @@
               <a:buNone/>
             </a:pPr>
             <a:r>
-              <a:rPr lang="it-IT" sz="2400" smtClean="0"/>
+              <a:rPr lang="it-IT" sz="2400" dirty="0"/>
               <a:t>&lt;group&gt;</a:t>
             </a:r>
           </a:p>
@@ -6328,9 +6602,10 @@
               <a:buChar char="§"/>
             </a:pPr>
             <a:r>
-              <a:rPr lang="it-IT" sz="2200" smtClean="0"/>
+              <a:rPr lang="it-IT" sz="2200" dirty="0" err="1"/>
               <a:t>android:rotation</a:t>
             </a:r>
+            <a:endParaRPr lang="it-IT" sz="2200" dirty="0"/>
           </a:p>
           <a:p>
             <a:pPr lvl="1" indent="0">
@@ -6338,9 +6613,10 @@
               <a:buChar char="§"/>
             </a:pPr>
             <a:r>
-              <a:rPr lang="it-IT" sz="2200" smtClean="0"/>
+              <a:rPr lang="it-IT" sz="2200" dirty="0" err="1"/>
               <a:t>android:pivotX</a:t>
             </a:r>
+            <a:endParaRPr lang="it-IT" sz="2200" dirty="0"/>
           </a:p>
           <a:p>
             <a:pPr lvl="1" indent="0">
@@ -6348,9 +6624,10 @@
               <a:buChar char="§"/>
             </a:pPr>
             <a:r>
-              <a:rPr lang="it-IT" sz="2200" smtClean="0"/>
+              <a:rPr lang="it-IT" sz="2200" dirty="0" err="1"/>
               <a:t>android:pivotY</a:t>
             </a:r>
+            <a:endParaRPr lang="it-IT" sz="2200" dirty="0"/>
           </a:p>
           <a:p>
             <a:pPr lvl="1" indent="0">
@@ -6358,9 +6635,10 @@
               <a:buChar char="§"/>
             </a:pPr>
             <a:r>
-              <a:rPr lang="it-IT" sz="2200" smtClean="0"/>
+              <a:rPr lang="it-IT" sz="2200" dirty="0" err="1"/>
               <a:t>android:scaleX</a:t>
             </a:r>
+            <a:endParaRPr lang="it-IT" sz="2200" dirty="0"/>
           </a:p>
           <a:p>
             <a:pPr lvl="1" indent="0">
@@ -6368,9 +6646,10 @@
               <a:buChar char="§"/>
             </a:pPr>
             <a:r>
-              <a:rPr lang="it-IT" sz="2200" smtClean="0"/>
+              <a:rPr lang="it-IT" sz="2200" dirty="0" err="1"/>
               <a:t>android:scaleY</a:t>
             </a:r>
+            <a:endParaRPr lang="it-IT" sz="2200" dirty="0"/>
           </a:p>
           <a:p>
             <a:pPr lvl="1" indent="0">
@@ -6378,9 +6657,10 @@
               <a:buChar char="§"/>
             </a:pPr>
             <a:r>
-              <a:rPr lang="it-IT" sz="2200" smtClean="0"/>
+              <a:rPr lang="it-IT" sz="2200" dirty="0" err="1"/>
               <a:t>android:translateX</a:t>
             </a:r>
+            <a:endParaRPr lang="it-IT" sz="2200" dirty="0"/>
           </a:p>
           <a:p>
             <a:pPr lvl="1" indent="0">
@@ -6388,15 +6668,16 @@
               <a:buChar char="§"/>
             </a:pPr>
             <a:r>
-              <a:rPr lang="it-IT" sz="2200" smtClean="0"/>
+              <a:rPr lang="it-IT" sz="2200" dirty="0" err="1"/>
               <a:t>android:translateY</a:t>
             </a:r>
+            <a:endParaRPr lang="it-IT" sz="2200" dirty="0"/>
           </a:p>
           <a:p>
             <a:pPr indent="0">
               <a:buNone/>
             </a:pPr>
-            <a:endParaRPr lang="it-IT" sz="2400">
+            <a:endParaRPr lang="it-IT" sz="2400" dirty="0">
               <a:latin typeface="+mj-lt"/>
               <a:cs typeface="Courier New" pitchFamily="49" charset="0"/>
             </a:endParaRPr>
@@ -6426,7 +6707,7 @@
           <a:lstStyle/>
           <a:p>
             <a:r>
-              <a:rPr lang="it-IT" sz="2400" smtClean="0"/>
+              <a:rPr lang="it-IT" sz="2400"/>
               <a:t>&lt;path&gt;</a:t>
             </a:r>
           </a:p>
@@ -6436,7 +6717,7 @@
               <a:buChar char="§"/>
             </a:pPr>
             <a:r>
-              <a:rPr lang="it-IT" sz="2200" smtClean="0"/>
+              <a:rPr lang="it-IT" sz="2200"/>
               <a:t> android:pathData </a:t>
             </a:r>
           </a:p>
@@ -6446,7 +6727,7 @@
               <a:buChar char="§"/>
             </a:pPr>
             <a:r>
-              <a:rPr lang="it-IT" sz="2200" smtClean="0"/>
+              <a:rPr lang="it-IT" sz="2200"/>
               <a:t> android:fillColor</a:t>
             </a:r>
           </a:p>
@@ -6456,7 +6737,7 @@
               <a:buChar char="§"/>
             </a:pPr>
             <a:r>
-              <a:rPr lang="it-IT" sz="2200" smtClean="0"/>
+              <a:rPr lang="it-IT" sz="2200"/>
               <a:t> android:strokeColor</a:t>
             </a:r>
           </a:p>
@@ -6466,7 +6747,7 @@
               <a:buChar char="§"/>
             </a:pPr>
             <a:r>
-              <a:rPr lang="it-IT" sz="2200" smtClean="0"/>
+              <a:rPr lang="it-IT" sz="2200"/>
               <a:t> android:strokeWidth</a:t>
             </a:r>
           </a:p>
@@ -6476,7 +6757,7 @@
               <a:buChar char="§"/>
             </a:pPr>
             <a:r>
-              <a:rPr lang="it-IT" sz="2200" smtClean="0"/>
+              <a:rPr lang="it-IT" sz="2200"/>
               <a:t> android:strokeAlpha</a:t>
             </a:r>
           </a:p>
@@ -6486,7 +6767,7 @@
               <a:buChar char="§"/>
             </a:pPr>
             <a:r>
-              <a:rPr lang="it-IT" sz="2200" smtClean="0"/>
+              <a:rPr lang="it-IT" sz="2200"/>
               <a:t> android:fillAlpha</a:t>
             </a:r>
           </a:p>
@@ -6496,7 +6777,7 @@
               <a:buChar char="§"/>
             </a:pPr>
             <a:r>
-              <a:rPr lang="it-IT" sz="2200" smtClean="0"/>
+              <a:rPr lang="it-IT" sz="2200"/>
               <a:t> android:strokeLineCap</a:t>
             </a:r>
           </a:p>
@@ -6506,7 +6787,7 @@
               <a:buChar char="§"/>
             </a:pPr>
             <a:r>
-              <a:rPr lang="it-IT" sz="2200" smtClean="0"/>
+              <a:rPr lang="it-IT" sz="2200"/>
               <a:t> android:strokeLineJoin</a:t>
             </a:r>
           </a:p>
@@ -6516,7 +6797,7 @@
               <a:buChar char="§"/>
             </a:pPr>
             <a:r>
-              <a:rPr lang="it-IT" sz="2200" smtClean="0"/>
+              <a:rPr lang="it-IT" sz="2200"/>
               <a:t> android:strokeMiterLimit</a:t>
             </a:r>
           </a:p>
@@ -6563,7 +6844,7 @@
           <p:cNvPr id="4" name="Titolo 3">
             <a:extLst>
               <a:ext uri="{FF2B5EF4-FFF2-40B4-BE49-F238E27FC236}">
-                <a16:creationId xmlns:a16="http://schemas.microsoft.com/office/drawing/2014/main" xmlns="" id="{6042F595-4D4D-4185-86A7-CBC567109825}"/>
+                <a16:creationId xmlns:a16="http://schemas.microsoft.com/office/drawing/2014/main" id="{6042F595-4D4D-4185-86A7-CBC567109825}"/>
               </a:ext>
             </a:extLst>
           </p:cNvPr>
@@ -6580,22 +6861,16 @@
           <a:lstStyle/>
           <a:p>
             <a:r>
+              <a:rPr lang="it-IT" dirty="0" err="1">
+                <a:cs typeface="Times New Roman" panose="02020603050405020304" pitchFamily="18" charset="0"/>
+              </a:rPr>
+              <a:t>Vector</a:t>
+            </a:r>
+            <a:r>
               <a:rPr lang="it-IT" dirty="0">
                 <a:cs typeface="Times New Roman" panose="02020603050405020304" pitchFamily="18" charset="0"/>
               </a:rPr>
-              <a:t>Cos’è </a:t>
-            </a:r>
-            <a:r>
-              <a:rPr lang="it-IT" dirty="0" err="1">
-                <a:cs typeface="Times New Roman" panose="02020603050405020304" pitchFamily="18" charset="0"/>
-              </a:rPr>
-              <a:t>Vector</a:t>
-            </a:r>
-            <a:r>
-              <a:rPr lang="it-IT" dirty="0">
-                <a:cs typeface="Times New Roman" panose="02020603050405020304" pitchFamily="18" charset="0"/>
-              </a:rPr>
-              <a:t> Asset Studio?</a:t>
+              <a:t> Asset Studio - Introduzione</a:t>
             </a:r>
           </a:p>
         </p:txBody>
@@ -6605,7 +6880,7 @@
           <p:cNvPr id="7" name="Segnaposto contenuto 6">
             <a:extLst>
               <a:ext uri="{FF2B5EF4-FFF2-40B4-BE49-F238E27FC236}">
-                <a16:creationId xmlns:a16="http://schemas.microsoft.com/office/drawing/2014/main" xmlns="" id="{7869F837-450C-4E6A-A262-9F07239CD2B8}"/>
+                <a16:creationId xmlns:a16="http://schemas.microsoft.com/office/drawing/2014/main" id="{7869F837-450C-4E6A-A262-9F07239CD2B8}"/>
               </a:ext>
             </a:extLst>
           </p:cNvPr>
@@ -6627,81 +6902,95 @@
               <a:buNone/>
             </a:pPr>
             <a:r>
-              <a:rPr lang="it-IT" sz="3200" dirty="0">
+              <a:rPr lang="it-IT" sz="2400" dirty="0">
                 <a:latin typeface="Times New Roman" panose="02020603050405020304" pitchFamily="18" charset="0"/>
                 <a:cs typeface="Times New Roman" panose="02020603050405020304" pitchFamily="18" charset="0"/>
               </a:rPr>
               <a:t>Da Android Studio 1.4 è stato introdotto </a:t>
             </a:r>
             <a:r>
-              <a:rPr lang="it-IT" sz="3200" dirty="0" err="1">
+              <a:rPr lang="it-IT" sz="2400" dirty="0" err="1">
                 <a:latin typeface="Times New Roman" panose="02020603050405020304" pitchFamily="18" charset="0"/>
                 <a:cs typeface="Times New Roman" panose="02020603050405020304" pitchFamily="18" charset="0"/>
               </a:rPr>
               <a:t>Vector</a:t>
             </a:r>
             <a:r>
-              <a:rPr lang="it-IT" sz="3200" dirty="0">
+              <a:rPr lang="it-IT" sz="2400" dirty="0">
                 <a:latin typeface="Times New Roman" panose="02020603050405020304" pitchFamily="18" charset="0"/>
                 <a:cs typeface="Times New Roman" panose="02020603050405020304" pitchFamily="18" charset="0"/>
               </a:rPr>
               <a:t> Asset Studio, un tool per prendere un </a:t>
             </a:r>
             <a:r>
-              <a:rPr lang="it-IT" sz="3200" dirty="0" err="1">
+              <a:rPr lang="it-IT" sz="2400" dirty="0" err="1">
                 <a:latin typeface="Times New Roman" panose="02020603050405020304" pitchFamily="18" charset="0"/>
                 <a:cs typeface="Times New Roman" panose="02020603050405020304" pitchFamily="18" charset="0"/>
               </a:rPr>
               <a:t>vector</a:t>
             </a:r>
             <a:r>
-              <a:rPr lang="it-IT" sz="3200" dirty="0">
-                <a:latin typeface="Times New Roman" panose="02020603050405020304" pitchFamily="18" charset="0"/>
-                <a:cs typeface="Times New Roman" panose="02020603050405020304" pitchFamily="18" charset="0"/>
-              </a:rPr>
-              <a:t> asset da </a:t>
-            </a:r>
-            <a:r>
-              <a:rPr lang="it-IT" sz="3200" dirty="0" err="1">
+              <a:rPr lang="it-IT" sz="2400" dirty="0">
+                <a:latin typeface="Times New Roman" panose="02020603050405020304" pitchFamily="18" charset="0"/>
+                <a:cs typeface="Times New Roman" panose="02020603050405020304" pitchFamily="18" charset="0"/>
+              </a:rPr>
+              <a:t> asset dalla libreria </a:t>
+            </a:r>
+            <a:r>
+              <a:rPr lang="it-IT" sz="2400" dirty="0" err="1">
                 <a:latin typeface="Times New Roman" panose="02020603050405020304" pitchFamily="18" charset="0"/>
                 <a:cs typeface="Times New Roman" panose="02020603050405020304" pitchFamily="18" charset="0"/>
               </a:rPr>
               <a:t>material</a:t>
             </a:r>
             <a:r>
-              <a:rPr lang="it-IT" sz="3200" dirty="0">
+              <a:rPr lang="it-IT" sz="2400" dirty="0">
                 <a:latin typeface="Times New Roman" panose="02020603050405020304" pitchFamily="18" charset="0"/>
                 <a:cs typeface="Times New Roman" panose="02020603050405020304" pitchFamily="18" charset="0"/>
               </a:rPr>
               <a:t> design </a:t>
             </a:r>
             <a:r>
-              <a:rPr lang="it-IT" sz="3200" dirty="0" err="1">
+              <a:rPr lang="it-IT" sz="2400" dirty="0" err="1">
                 <a:latin typeface="Times New Roman" panose="02020603050405020304" pitchFamily="18" charset="0"/>
                 <a:cs typeface="Times New Roman" panose="02020603050405020304" pitchFamily="18" charset="0"/>
               </a:rPr>
               <a:t>icon</a:t>
             </a:r>
             <a:r>
-              <a:rPr lang="it-IT" sz="3200" dirty="0">
-                <a:latin typeface="Times New Roman" panose="02020603050405020304" pitchFamily="18" charset="0"/>
-                <a:cs typeface="Times New Roman" panose="02020603050405020304" pitchFamily="18" charset="0"/>
-              </a:rPr>
-              <a:t> library, o convertire file </a:t>
-            </a:r>
-            <a:r>
-              <a:rPr lang="it-IT" sz="3200" dirty="0" err="1">
-                <a:latin typeface="Times New Roman" panose="02020603050405020304" pitchFamily="18" charset="0"/>
-                <a:cs typeface="Times New Roman" panose="02020603050405020304" pitchFamily="18" charset="0"/>
-              </a:rPr>
-              <a:t>svg</a:t>
-            </a:r>
-            <a:r>
-              <a:rPr lang="it-IT" sz="3200" dirty="0">
-                <a:latin typeface="Times New Roman" panose="02020603050405020304" pitchFamily="18" charset="0"/>
-                <a:cs typeface="Times New Roman" panose="02020603050405020304" pitchFamily="18" charset="0"/>
-              </a:rPr>
-              <a:t> in immagini vettoriali.</a:t>
+              <a:rPr lang="it-IT" sz="2400" dirty="0">
+                <a:latin typeface="Times New Roman" panose="02020603050405020304" pitchFamily="18" charset="0"/>
+                <a:cs typeface="Times New Roman" panose="02020603050405020304" pitchFamily="18" charset="0"/>
+              </a:rPr>
+              <a:t>, o convertire file SVG in </a:t>
+            </a:r>
+            <a:r>
+              <a:rPr lang="it-IT" sz="2400" dirty="0" err="1">
+                <a:latin typeface="Times New Roman" panose="02020603050405020304" pitchFamily="18" charset="0"/>
+                <a:cs typeface="Times New Roman" panose="02020603050405020304" pitchFamily="18" charset="0"/>
+              </a:rPr>
+              <a:t>vector</a:t>
+            </a:r>
+            <a:r>
+              <a:rPr lang="it-IT" sz="2400" dirty="0">
+                <a:latin typeface="Times New Roman" panose="02020603050405020304" pitchFamily="18" charset="0"/>
+                <a:cs typeface="Times New Roman" panose="02020603050405020304" pitchFamily="18" charset="0"/>
+              </a:rPr>
+              <a:t> </a:t>
+            </a:r>
+            <a:r>
+              <a:rPr lang="it-IT" sz="2400" dirty="0" err="1">
+                <a:latin typeface="Times New Roman" panose="02020603050405020304" pitchFamily="18" charset="0"/>
+                <a:cs typeface="Times New Roman" panose="02020603050405020304" pitchFamily="18" charset="0"/>
+              </a:rPr>
+              <a:t>drawable</a:t>
+            </a:r>
+            <a:r>
+              <a:rPr lang="it-IT" sz="2400" dirty="0">
+                <a:latin typeface="Times New Roman" panose="02020603050405020304" pitchFamily="18" charset="0"/>
+                <a:cs typeface="Times New Roman" panose="02020603050405020304" pitchFamily="18" charset="0"/>
+              </a:rPr>
+              <a:t>.</a:t>
             </a:r>
           </a:p>
           <a:p>
@@ -6715,46 +7004,10 @@
           </a:p>
         </p:txBody>
       </p:sp>
-      <p:sp>
-        <p:nvSpPr>
-          <p:cNvPr id="5" name="CasellaDiTesto 4"/>
-          <p:cNvSpPr txBox="1"/>
-          <p:nvPr/>
-        </p:nvSpPr>
-        <p:spPr>
-          <a:xfrm>
-            <a:off x="1159329" y="5910943"/>
-            <a:ext cx="4261757" cy="307777"/>
-          </a:xfrm>
-          <a:prstGeom prst="rect">
-            <a:avLst/>
-          </a:prstGeom>
-          <a:noFill/>
-        </p:spPr>
-        <p:txBody>
-          <a:bodyPr wrap="square" rtlCol="0">
-            <a:spAutoFit/>
-          </a:bodyPr>
-          <a:lstStyle/>
-          <a:p>
-            <a:r>
-              <a:rPr lang="it-IT" sz="1400" smtClean="0">
-                <a:latin typeface="Arial Rounded MT Bold" pitchFamily="34" charset="0"/>
-                <a:ea typeface="Batang" pitchFamily="18" charset="-127"/>
-              </a:rPr>
-              <a:t>Vector Asset Studio - Introduzione</a:t>
-            </a:r>
-            <a:endParaRPr lang="it-IT" sz="1400">
-              <a:latin typeface="Arial Rounded MT Bold" pitchFamily="34" charset="0"/>
-              <a:ea typeface="Batang" pitchFamily="18" charset="-127"/>
-            </a:endParaRPr>
-          </a:p>
-        </p:txBody>
-      </p:sp>
     </p:spTree>
     <p:extLst>
       <p:ext uri="{BB962C8B-B14F-4D97-AF65-F5344CB8AC3E}">
-        <p14:creationId xmlns:p14="http://schemas.microsoft.com/office/powerpoint/2010/main" xmlns="" val="183243182"/>
+        <p14:creationId xmlns:p14="http://schemas.microsoft.com/office/powerpoint/2010/main" val="183243182"/>
       </p:ext>
     </p:extLst>
   </p:cSld>
@@ -6797,10 +7050,9 @@
           <a:lstStyle/>
           <a:p>
             <a:r>
-              <a:rPr lang="it-IT" smtClean="0"/>
+              <a:rPr lang="it-IT"/>
               <a:t>Libreria di supporto</a:t>
             </a:r>
-            <a:endParaRPr lang="it-IT"/>
           </a:p>
         </p:txBody>
       </p:sp>
@@ -6821,106 +7073,144 @@
           </a:bodyPr>
           <a:lstStyle/>
           <a:p>
+            <a:pPr marL="0">
+              <a:lnSpc>
+                <a:spcPct val="130000"/>
+              </a:lnSpc>
+              <a:buNone/>
+            </a:pPr>
+            <a:r>
+              <a:rPr lang="it-IT" sz="2600" dirty="0">
+                <a:latin typeface="Times New Roman" panose="02020603050405020304" pitchFamily="18" charset="0"/>
+                <a:cs typeface="Times New Roman" panose="02020603050405020304" pitchFamily="18" charset="0"/>
+              </a:rPr>
+              <a:t>Prima di usare </a:t>
+            </a:r>
+            <a:r>
+              <a:rPr lang="it-IT" sz="2600" dirty="0" err="1">
+                <a:latin typeface="Times New Roman" panose="02020603050405020304" pitchFamily="18" charset="0"/>
+                <a:cs typeface="Times New Roman" panose="02020603050405020304" pitchFamily="18" charset="0"/>
+              </a:rPr>
+              <a:t>Vector</a:t>
+            </a:r>
+            <a:r>
+              <a:rPr lang="it-IT" sz="2600" dirty="0">
+                <a:latin typeface="Times New Roman" panose="02020603050405020304" pitchFamily="18" charset="0"/>
+                <a:cs typeface="Times New Roman" panose="02020603050405020304" pitchFamily="18" charset="0"/>
+              </a:rPr>
+              <a:t> Asset Studio bisogna aggiungere una dichiarazione nel file </a:t>
+            </a:r>
+            <a:r>
+              <a:rPr lang="it-IT" sz="2600" dirty="0" err="1">
+                <a:latin typeface="Courier New" panose="02070309020205020404" pitchFamily="49" charset="0"/>
+                <a:cs typeface="Courier New" panose="02070309020205020404" pitchFamily="49" charset="0"/>
+              </a:rPr>
+              <a:t>build.gradle</a:t>
+            </a:r>
+            <a:r>
+              <a:rPr lang="it-IT" sz="2600" dirty="0">
+                <a:latin typeface="Times New Roman" panose="02020603050405020304" pitchFamily="18" charset="0"/>
+                <a:cs typeface="Times New Roman" panose="02020603050405020304" pitchFamily="18" charset="0"/>
+              </a:rPr>
+              <a:t>:</a:t>
+            </a:r>
+            <a:endParaRPr lang="it-IT" sz="2600" dirty="0">
+              <a:solidFill>
+                <a:srgbClr val="FF0000"/>
+              </a:solidFill>
+              <a:latin typeface="Times New Roman" panose="02020603050405020304" pitchFamily="18" charset="0"/>
+              <a:cs typeface="Times New Roman" panose="02020603050405020304" pitchFamily="18" charset="0"/>
+            </a:endParaRPr>
+          </a:p>
+          <a:p>
             <a:pPr>
               <a:buNone/>
             </a:pPr>
             <a:r>
-              <a:rPr lang="it-IT" sz="2600" smtClean="0">
-                <a:latin typeface="Times New Roman" pitchFamily="18" charset="0"/>
-                <a:cs typeface="Times New Roman" pitchFamily="18" charset="0"/>
-              </a:rPr>
-              <a:t>Prima di usare Vector Asset Studio bisogna aggiungere una dichiarazione nel file </a:t>
-            </a:r>
-            <a:r>
-              <a:rPr lang="it-IT" sz="2400" smtClean="0">
-                <a:latin typeface="Courier New" pitchFamily="49" charset="0"/>
-                <a:cs typeface="Courier New" pitchFamily="49" charset="0"/>
-              </a:rPr>
-              <a:t>build.gradle</a:t>
-            </a:r>
-            <a:r>
-              <a:rPr lang="it-IT" sz="2400" smtClean="0">
-                <a:latin typeface="Times New Roman" pitchFamily="18" charset="0"/>
-                <a:cs typeface="Times New Roman" pitchFamily="18" charset="0"/>
-              </a:rPr>
-              <a:t>: </a:t>
-            </a:r>
-            <a:r>
-              <a:rPr lang="it-IT" sz="2400" smtClean="0">
-                <a:solidFill>
-                  <a:srgbClr val="FF0000"/>
-                </a:solidFill>
-                <a:latin typeface="Times New Roman" pitchFamily="18" charset="0"/>
-                <a:cs typeface="Times New Roman" pitchFamily="18" charset="0"/>
-              </a:rPr>
-              <a:t>// inserire snippet fare screen</a:t>
-            </a:r>
-          </a:p>
-          <a:p>
-            <a:pPr>
-              <a:buNone/>
-            </a:pPr>
-            <a:r>
-              <a:rPr lang="it-IT" sz="2400" smtClean="0"/>
-              <a:t>android {</a:t>
+              <a:rPr lang="it-IT" sz="2400" dirty="0" err="1"/>
+              <a:t>android</a:t>
+            </a:r>
+            <a:r>
+              <a:rPr lang="it-IT" sz="2400" dirty="0"/>
+              <a:t> {</a:t>
             </a:r>
             <a:br>
-              <a:rPr lang="it-IT" sz="2400" smtClean="0"/>
+              <a:rPr lang="it-IT" sz="2400" dirty="0"/>
             </a:br>
             <a:r>
-              <a:rPr lang="it-IT" sz="2400" smtClean="0"/>
-              <a:t>  defaultConfig {</a:t>
+              <a:rPr lang="it-IT" sz="2400" dirty="0"/>
+              <a:t>  </a:t>
+            </a:r>
+            <a:r>
+              <a:rPr lang="it-IT" sz="2400" dirty="0" err="1"/>
+              <a:t>defaultConfig</a:t>
+            </a:r>
+            <a:r>
+              <a:rPr lang="it-IT" sz="2400" dirty="0"/>
+              <a:t> {</a:t>
             </a:r>
             <a:br>
-              <a:rPr lang="it-IT" sz="2400" smtClean="0"/>
+              <a:rPr lang="it-IT" sz="2400" dirty="0"/>
             </a:br>
             <a:r>
-              <a:rPr lang="it-IT" sz="2400" smtClean="0"/>
-              <a:t>    vectorDrawables.useSupportLibrary = true</a:t>
+              <a:rPr lang="it-IT" sz="2400" dirty="0"/>
+              <a:t>    </a:t>
+            </a:r>
+            <a:r>
+              <a:rPr lang="it-IT" sz="2400" dirty="0" err="1"/>
+              <a:t>vectorDrawables.useSupportLibrary</a:t>
+            </a:r>
+            <a:r>
+              <a:rPr lang="it-IT" sz="2400" dirty="0"/>
+              <a:t> = </a:t>
+            </a:r>
+            <a:r>
+              <a:rPr lang="it-IT" sz="2400" dirty="0" err="1"/>
+              <a:t>true</a:t>
             </a:r>
             <a:br>
-              <a:rPr lang="it-IT" sz="2400" smtClean="0"/>
+              <a:rPr lang="it-IT" sz="2400" dirty="0"/>
             </a:br>
             <a:r>
-              <a:rPr lang="it-IT" sz="2400" smtClean="0"/>
+              <a:rPr lang="it-IT" sz="2400" dirty="0"/>
               <a:t>  }</a:t>
             </a:r>
             <a:br>
-              <a:rPr lang="it-IT" sz="2400" smtClean="0"/>
+              <a:rPr lang="it-IT" sz="2400" dirty="0"/>
             </a:br>
             <a:r>
-              <a:rPr lang="it-IT" sz="2400" smtClean="0"/>
+              <a:rPr lang="it-IT" sz="2400" dirty="0"/>
               <a:t>}</a:t>
             </a:r>
             <a:br>
-              <a:rPr lang="it-IT" sz="2400" smtClean="0"/>
+              <a:rPr lang="it-IT" sz="2400" dirty="0"/>
             </a:br>
-            <a:r>
-              <a:rPr lang="it-IT" sz="2400" smtClean="0"/>
-              <a:t/>
-            </a:r>
             <a:br>
-              <a:rPr lang="it-IT" sz="2400" smtClean="0"/>
+              <a:rPr lang="it-IT" sz="2400" dirty="0"/>
             </a:br>
             <a:r>
-              <a:rPr lang="it-IT" sz="2400" smtClean="0"/>
-              <a:t>dependencies {</a:t>
+              <a:rPr lang="it-IT" sz="2400" dirty="0" err="1"/>
+              <a:t>dependencies</a:t>
+            </a:r>
+            <a:r>
+              <a:rPr lang="it-IT" sz="2400" dirty="0"/>
+              <a:t> {</a:t>
             </a:r>
             <a:br>
-              <a:rPr lang="it-IT" sz="2400" smtClean="0"/>
+              <a:rPr lang="it-IT" sz="2400" dirty="0"/>
             </a:br>
             <a:r>
-              <a:rPr lang="it-IT" sz="2400" smtClean="0"/>
+              <a:rPr lang="it-IT" sz="2400" dirty="0"/>
               <a:t>  compile 'com.android.support:appcompat-v7:23.2.0'</a:t>
             </a:r>
             <a:br>
-              <a:rPr lang="it-IT" sz="2400" smtClean="0"/>
+              <a:rPr lang="it-IT" sz="2400" dirty="0"/>
             </a:br>
             <a:r>
-              <a:rPr lang="it-IT" sz="2400" smtClean="0"/>
+              <a:rPr lang="it-IT" sz="2400" dirty="0"/>
               <a:t>}</a:t>
             </a:r>
-            <a:endParaRPr lang="it-IT" sz="2400">
+            <a:endParaRPr lang="it-IT" sz="2400" dirty="0">
               <a:latin typeface="Times New Roman" pitchFamily="18" charset="0"/>
               <a:cs typeface="Times New Roman" pitchFamily="18" charset="0"/>
             </a:endParaRPr>
@@ -6957,7 +7247,7 @@
           <p:cNvPr id="2" name="Titolo 1">
             <a:extLst>
               <a:ext uri="{FF2B5EF4-FFF2-40B4-BE49-F238E27FC236}">
-                <a16:creationId xmlns:a16="http://schemas.microsoft.com/office/drawing/2014/main" xmlns="" id="{9AE4C8B6-E0B8-485F-A4DA-8628A66B76D2}"/>
+                <a16:creationId xmlns:a16="http://schemas.microsoft.com/office/drawing/2014/main" id="{9AE4C8B6-E0B8-485F-A4DA-8628A66B76D2}"/>
               </a:ext>
             </a:extLst>
           </p:cNvPr>
@@ -6974,14 +7264,23 @@
           <a:lstStyle/>
           <a:p>
             <a:r>
-              <a:rPr lang="it-IT" smtClean="0">
-                <a:cs typeface="Times New Roman" panose="02020603050405020304" pitchFamily="18" charset="0"/>
-              </a:rPr>
-              <a:t>Avviare Vector Asset Studio</a:t>
-            </a:r>
-            <a:endParaRPr lang="it-IT" dirty="0">
-              <a:cs typeface="Times New Roman" panose="02020603050405020304" pitchFamily="18" charset="0"/>
-            </a:endParaRPr>
+              <a:rPr lang="it-IT" dirty="0">
+                <a:cs typeface="Times New Roman" panose="02020603050405020304" pitchFamily="18" charset="0"/>
+              </a:rPr>
+              <a:t>Avviare </a:t>
+            </a:r>
+            <a:r>
+              <a:rPr lang="it-IT" dirty="0" err="1">
+                <a:cs typeface="Times New Roman" panose="02020603050405020304" pitchFamily="18" charset="0"/>
+              </a:rPr>
+              <a:t>Vector</a:t>
+            </a:r>
+            <a:r>
+              <a:rPr lang="it-IT" dirty="0">
+                <a:cs typeface="Times New Roman" panose="02020603050405020304" pitchFamily="18" charset="0"/>
+              </a:rPr>
+              <a:t> Asset Studio</a:t>
+            </a:r>
           </a:p>
         </p:txBody>
       </p:sp>
@@ -6990,7 +7289,7 @@
           <p:cNvPr id="6" name="Segnaposto contenuto 5">
             <a:extLst>
               <a:ext uri="{FF2B5EF4-FFF2-40B4-BE49-F238E27FC236}">
-                <a16:creationId xmlns:a16="http://schemas.microsoft.com/office/drawing/2014/main" xmlns="" id="{4BDEEE29-91C2-4DC2-978E-B83B3D557396}"/>
+                <a16:creationId xmlns:a16="http://schemas.microsoft.com/office/drawing/2014/main" id="{4BDEEE29-91C2-4DC2-978E-B83B3D557396}"/>
               </a:ext>
             </a:extLst>
           </p:cNvPr>
@@ -7005,7 +7304,7 @@
           <a:blip r:embed="rId2" cstate="print">
             <a:extLst>
               <a:ext uri="{28A0092B-C50C-407E-A947-70E740481C1C}">
-                <a14:useLocalDpi xmlns:a14="http://schemas.microsoft.com/office/drawing/2010/main" xmlns="" val="0"/>
+                <a14:useLocalDpi xmlns:a14="http://schemas.microsoft.com/office/drawing/2010/main" val="0"/>
               </a:ext>
             </a:extLst>
           </a:blip>
@@ -7014,8 +7313,8 @@
         </p:blipFill>
         <p:spPr>
           <a:xfrm>
-            <a:off x="997226" y="2743200"/>
-            <a:ext cx="10183450" cy="3575010"/>
+            <a:off x="1066800" y="2743200"/>
+            <a:ext cx="10267950" cy="3575010"/>
           </a:xfrm>
           <a:prstGeom prst="rect">
             <a:avLst/>
@@ -7057,7 +7356,7 @@
           <p:cNvPr id="12" name="CasellaDiTesto 11">
             <a:extLst>
               <a:ext uri="{FF2B5EF4-FFF2-40B4-BE49-F238E27FC236}">
-                <a16:creationId xmlns:a16="http://schemas.microsoft.com/office/drawing/2014/main" xmlns="" id="{E837BDAC-7E9D-4633-A500-EAEDA6613B83}"/>
+                <a16:creationId xmlns:a16="http://schemas.microsoft.com/office/drawing/2014/main" id="{E837BDAC-7E9D-4633-A500-EAEDA6613B83}"/>
               </a:ext>
             </a:extLst>
           </p:cNvPr>
@@ -7066,8 +7365,8 @@
         </p:nvSpPr>
         <p:spPr>
           <a:xfrm>
-            <a:off x="768625" y="1828800"/>
-            <a:ext cx="10792003" cy="830997"/>
+            <a:off x="997226" y="1828800"/>
+            <a:ext cx="10563402" cy="830997"/>
           </a:xfrm>
           <a:prstGeom prst="rect">
             <a:avLst/>
@@ -7081,53 +7380,25 @@
           <a:lstStyle/>
           <a:p>
             <a:r>
-              <a:rPr lang="it-IT" sz="2400" smtClean="0">
-                <a:latin typeface="Times New Roman" pitchFamily="18" charset="0"/>
-                <a:cs typeface="Times New Roman" pitchFamily="18" charset="0"/>
-              </a:rPr>
-              <a:t>Fare </a:t>
-            </a:r>
-            <a:r>
-              <a:rPr lang="it-IT" sz="2400" dirty="0">
-                <a:latin typeface="Times New Roman" pitchFamily="18" charset="0"/>
-                <a:cs typeface="Times New Roman" pitchFamily="18" charset="0"/>
-              </a:rPr>
-              <a:t>click destro su qualsiasi folder nell’applicazione, poi passare il cursore su New </a:t>
-            </a:r>
-            <a:r>
-              <a:rPr lang="it-IT" sz="2400">
-                <a:latin typeface="Times New Roman" pitchFamily="18" charset="0"/>
-                <a:cs typeface="Times New Roman" pitchFamily="18" charset="0"/>
-              </a:rPr>
-              <a:t>e </a:t>
-            </a:r>
-            <a:r>
-              <a:rPr lang="it-IT" sz="2400" smtClean="0">
-                <a:latin typeface="Times New Roman" pitchFamily="18" charset="0"/>
-                <a:cs typeface="Times New Roman" pitchFamily="18" charset="0"/>
-              </a:rPr>
-              <a:t>poi cliccare su Vector </a:t>
-            </a:r>
-            <a:r>
-              <a:rPr lang="it-IT" sz="2400" dirty="0">
-                <a:latin typeface="Times New Roman" pitchFamily="18" charset="0"/>
-                <a:cs typeface="Times New Roman" pitchFamily="18" charset="0"/>
-              </a:rPr>
-              <a:t>A</a:t>
-            </a:r>
-            <a:r>
-              <a:rPr lang="it-IT" sz="2400" smtClean="0">
-                <a:latin typeface="Times New Roman" pitchFamily="18" charset="0"/>
-                <a:cs typeface="Times New Roman" pitchFamily="18" charset="0"/>
-              </a:rPr>
-              <a:t>sset</a:t>
-            </a:r>
-            <a:r>
-              <a:rPr lang="it-IT" sz="2400" dirty="0">
-                <a:latin typeface="Times New Roman" pitchFamily="18" charset="0"/>
-                <a:cs typeface="Times New Roman" pitchFamily="18" charset="0"/>
-              </a:rPr>
-              <a:t>. </a:t>
+              <a:rPr lang="it-IT" sz="2400" dirty="0">
+                <a:latin typeface="Times New Roman" pitchFamily="18" charset="0"/>
+                <a:cs typeface="Times New Roman" pitchFamily="18" charset="0"/>
+              </a:rPr>
+              <a:t>Fare click destro su qualsiasi folder nell’applicazione, poi passare il cursore su New e poi cliccare su </a:t>
+            </a:r>
+            <a:r>
+              <a:rPr lang="it-IT" sz="2400" dirty="0" err="1">
+                <a:latin typeface="Times New Roman" pitchFamily="18" charset="0"/>
+                <a:cs typeface="Times New Roman" pitchFamily="18" charset="0"/>
+              </a:rPr>
+              <a:t>Vector</a:t>
+            </a:r>
+            <a:r>
+              <a:rPr lang="it-IT" sz="2400" dirty="0">
+                <a:latin typeface="Times New Roman" pitchFamily="18" charset="0"/>
+                <a:cs typeface="Times New Roman" pitchFamily="18" charset="0"/>
+              </a:rPr>
+              <a:t> Asset. </a:t>
             </a:r>
           </a:p>
         </p:txBody>
@@ -7135,7 +7406,7 @@
     </p:spTree>
     <p:extLst>
       <p:ext uri="{BB962C8B-B14F-4D97-AF65-F5344CB8AC3E}">
-        <p14:creationId xmlns:p14="http://schemas.microsoft.com/office/powerpoint/2010/main" xmlns="" val="2197971088"/>
+        <p14:creationId xmlns:p14="http://schemas.microsoft.com/office/powerpoint/2010/main" val="2197971088"/>
       </p:ext>
     </p:extLst>
   </p:cSld>
@@ -7162,27 +7433,194 @@
           <a:chExt cx="0" cy="0"/>
         </a:xfrm>
       </p:grpSpPr>
+      <p:sp>
+        <p:nvSpPr>
+          <p:cNvPr id="2" name="Titolo 1">
+            <a:extLst>
+              <a:ext uri="{FF2B5EF4-FFF2-40B4-BE49-F238E27FC236}">
+                <a16:creationId xmlns:a16="http://schemas.microsoft.com/office/drawing/2014/main" id="{E2F0D0C0-C81D-43A2-9EA9-FAB21E45A8E9}"/>
+              </a:ext>
+            </a:extLst>
+          </p:cNvPr>
+          <p:cNvSpPr>
+            <a:spLocks noGrp="1"/>
+          </p:cNvSpPr>
+          <p:nvPr>
+            <p:ph type="title"/>
+          </p:nvPr>
+        </p:nvSpPr>
+        <p:spPr/>
+        <p:txBody>
+          <a:bodyPr/>
+          <a:lstStyle/>
+          <a:p>
+            <a:r>
+              <a:rPr lang="it-IT" dirty="0">
+                <a:cs typeface="Times New Roman" panose="02020603050405020304" pitchFamily="18" charset="0"/>
+              </a:rPr>
+              <a:t>Avviare </a:t>
+            </a:r>
+            <a:r>
+              <a:rPr lang="it-IT" dirty="0" err="1">
+                <a:cs typeface="Times New Roman" panose="02020603050405020304" pitchFamily="18" charset="0"/>
+              </a:rPr>
+              <a:t>Vector</a:t>
+            </a:r>
+            <a:r>
+              <a:rPr lang="it-IT" dirty="0">
+                <a:cs typeface="Times New Roman" panose="02020603050405020304" pitchFamily="18" charset="0"/>
+              </a:rPr>
+              <a:t> Asset Studio</a:t>
+            </a:r>
+            <a:endParaRPr lang="it-IT" dirty="0"/>
+          </a:p>
+        </p:txBody>
+      </p:sp>
+      <p:sp>
+        <p:nvSpPr>
+          <p:cNvPr id="3" name="Segnaposto contenuto 2">
+            <a:extLst>
+              <a:ext uri="{FF2B5EF4-FFF2-40B4-BE49-F238E27FC236}">
+                <a16:creationId xmlns:a16="http://schemas.microsoft.com/office/drawing/2014/main" id="{C48C5C40-80CB-46DF-9F87-EAB30C488E18}"/>
+              </a:ext>
+            </a:extLst>
+          </p:cNvPr>
+          <p:cNvSpPr>
+            <a:spLocks noGrp="1"/>
+          </p:cNvSpPr>
+          <p:nvPr>
+            <p:ph idx="1"/>
+          </p:nvPr>
+        </p:nvSpPr>
+        <p:spPr>
+          <a:xfrm>
+            <a:off x="1066800" y="2103120"/>
+            <a:ext cx="4866640" cy="3849624"/>
+          </a:xfrm>
+        </p:spPr>
+        <p:txBody>
+          <a:bodyPr>
+            <a:normAutofit fontScale="92500"/>
+          </a:bodyPr>
+          <a:lstStyle/>
+          <a:p>
+            <a:pPr marL="0" indent="0">
+              <a:buNone/>
+            </a:pPr>
+            <a:r>
+              <a:rPr lang="it-IT" sz="2400" dirty="0">
+                <a:latin typeface="Times New Roman" panose="02020603050405020304" pitchFamily="18" charset="0"/>
+                <a:cs typeface="Times New Roman" panose="02020603050405020304" pitchFamily="18" charset="0"/>
+              </a:rPr>
+              <a:t>Apparirà la schermata per configurare il </a:t>
+            </a:r>
+            <a:r>
+              <a:rPr lang="it-IT" sz="2400" dirty="0" err="1">
+                <a:latin typeface="Times New Roman" panose="02020603050405020304" pitchFamily="18" charset="0"/>
+                <a:cs typeface="Times New Roman" panose="02020603050405020304" pitchFamily="18" charset="0"/>
+              </a:rPr>
+              <a:t>Vector</a:t>
+            </a:r>
+            <a:r>
+              <a:rPr lang="it-IT" sz="2400" dirty="0">
+                <a:latin typeface="Times New Roman" panose="02020603050405020304" pitchFamily="18" charset="0"/>
+                <a:cs typeface="Times New Roman" panose="02020603050405020304" pitchFamily="18" charset="0"/>
+              </a:rPr>
+              <a:t> Asset: posso scegliere dalla libreria di </a:t>
+            </a:r>
+            <a:r>
+              <a:rPr lang="it-IT" sz="2400" dirty="0" err="1">
+                <a:latin typeface="Times New Roman" panose="02020603050405020304" pitchFamily="18" charset="0"/>
+                <a:cs typeface="Times New Roman" panose="02020603050405020304" pitchFamily="18" charset="0"/>
+              </a:rPr>
+              <a:t>material</a:t>
+            </a:r>
+            <a:r>
+              <a:rPr lang="it-IT" sz="2400" dirty="0">
+                <a:latin typeface="Times New Roman" panose="02020603050405020304" pitchFamily="18" charset="0"/>
+                <a:cs typeface="Times New Roman" panose="02020603050405020304" pitchFamily="18" charset="0"/>
+              </a:rPr>
+              <a:t> </a:t>
+            </a:r>
+            <a:r>
+              <a:rPr lang="it-IT" sz="2400" dirty="0" err="1">
+                <a:latin typeface="Times New Roman" panose="02020603050405020304" pitchFamily="18" charset="0"/>
+                <a:cs typeface="Times New Roman" panose="02020603050405020304" pitchFamily="18" charset="0"/>
+              </a:rPr>
+              <a:t>icon</a:t>
+            </a:r>
+            <a:r>
+              <a:rPr lang="it-IT" sz="2400" dirty="0">
+                <a:latin typeface="Times New Roman" panose="02020603050405020304" pitchFamily="18" charset="0"/>
+                <a:cs typeface="Times New Roman" panose="02020603050405020304" pitchFamily="18" charset="0"/>
+              </a:rPr>
+              <a:t> cliccando su Clip Art. Si aprirà una finestra con tutti gli assets della libreria, ne scelgo una e clicco ok. </a:t>
+            </a:r>
+          </a:p>
+          <a:p>
+            <a:pPr marL="0" indent="0">
+              <a:buNone/>
+            </a:pPr>
+            <a:r>
+              <a:rPr lang="it-IT" sz="2400" dirty="0">
+                <a:latin typeface="Times New Roman" panose="02020603050405020304" pitchFamily="18" charset="0"/>
+                <a:cs typeface="Times New Roman" panose="02020603050405020304" pitchFamily="18" charset="0"/>
+              </a:rPr>
+              <a:t>Inoltre sono presenti delle opzioni per modificare altezza, larghezza, opacità, </a:t>
+            </a:r>
+            <a:r>
+              <a:rPr lang="it-IT" sz="2400" dirty="0" err="1">
+                <a:latin typeface="Times New Roman" panose="02020603050405020304" pitchFamily="18" charset="0"/>
+                <a:cs typeface="Times New Roman" panose="02020603050405020304" pitchFamily="18" charset="0"/>
+              </a:rPr>
+              <a:t>automirroring</a:t>
+            </a:r>
+            <a:r>
+              <a:rPr lang="it-IT" sz="2400" dirty="0">
+                <a:latin typeface="Times New Roman" panose="02020603050405020304" pitchFamily="18" charset="0"/>
+                <a:cs typeface="Times New Roman" panose="02020603050405020304" pitchFamily="18" charset="0"/>
+              </a:rPr>
+              <a:t> (versione 21 in poi) </a:t>
+            </a:r>
+            <a:r>
+              <a:rPr lang="it-IT" sz="2400" dirty="0" err="1">
+                <a:latin typeface="Times New Roman" panose="02020603050405020304" pitchFamily="18" charset="0"/>
+                <a:cs typeface="Times New Roman" panose="02020603050405020304" pitchFamily="18" charset="0"/>
+              </a:rPr>
+              <a:t>ecc</a:t>
+            </a:r>
+            <a:r>
+              <a:rPr lang="it-IT" sz="2400" dirty="0">
+                <a:latin typeface="Times New Roman" panose="02020603050405020304" pitchFamily="18" charset="0"/>
+                <a:cs typeface="Times New Roman" panose="02020603050405020304" pitchFamily="18" charset="0"/>
+              </a:rPr>
+              <a:t>…</a:t>
+            </a:r>
+          </a:p>
+          <a:p>
+            <a:endParaRPr lang="it-IT" dirty="0"/>
+          </a:p>
+        </p:txBody>
+      </p:sp>
       <p:pic>
         <p:nvPicPr>
-          <p:cNvPr id="6" name="Segnaposto contenuto 5">
+          <p:cNvPr id="5" name="Segnaposto contenuto 5">
             <a:extLst>
               <a:ext uri="{FF2B5EF4-FFF2-40B4-BE49-F238E27FC236}">
-                <a16:creationId xmlns:a16="http://schemas.microsoft.com/office/drawing/2014/main" xmlns="" id="{0F35DE8C-3ACD-459B-9345-5DB90C6EC9FD}"/>
+                <a16:creationId xmlns:a16="http://schemas.microsoft.com/office/drawing/2014/main" id="{A5596593-4ACA-47D8-8CF7-C24BBE0625ED}"/>
               </a:ext>
             </a:extLst>
           </p:cNvPr>
           <p:cNvPicPr>
-            <a:picLocks noGrp="1" noChangeAspect="1"/>
+            <a:picLocks noChangeAspect="1"/>
           </p:cNvPicPr>
-          <p:nvPr>
-            <p:ph idx="1"/>
-          </p:nvPr>
+          <p:nvPr/>
         </p:nvPicPr>
         <p:blipFill rotWithShape="1">
           <a:blip r:embed="rId2" cstate="print">
             <a:extLst>
               <a:ext uri="{28A0092B-C50C-407E-A947-70E740481C1C}">
-                <a14:useLocalDpi xmlns:a14="http://schemas.microsoft.com/office/drawing/2010/main" xmlns="" val="0"/>
+                <a14:useLocalDpi xmlns:a14="http://schemas.microsoft.com/office/drawing/2010/main" val="0"/>
               </a:ext>
             </a:extLst>
           </a:blip>
@@ -7191,176 +7629,18 @@
         </p:blipFill>
         <p:spPr>
           <a:xfrm>
-            <a:off x="6096000" y="1833280"/>
+            <a:off x="5933440" y="2014194"/>
             <a:ext cx="5682016" cy="3628167"/>
-          </a:xfrm>
-        </p:spPr>
-      </p:pic>
-      <p:sp>
-        <p:nvSpPr>
-          <p:cNvPr id="7" name="CasellaDiTesto 6">
-            <a:extLst>
-              <a:ext uri="{FF2B5EF4-FFF2-40B4-BE49-F238E27FC236}">
-                <a16:creationId xmlns:a16="http://schemas.microsoft.com/office/drawing/2014/main" xmlns="" id="{EC7460D1-A244-474C-932D-C3A68EF124A9}"/>
-              </a:ext>
-            </a:extLst>
-          </p:cNvPr>
-          <p:cNvSpPr txBox="1"/>
-          <p:nvPr/>
-        </p:nvSpPr>
-        <p:spPr>
-          <a:xfrm>
-            <a:off x="666059" y="1729947"/>
-            <a:ext cx="5145206" cy="4062651"/>
           </a:xfrm>
           <a:prstGeom prst="rect">
             <a:avLst/>
           </a:prstGeom>
-          <a:noFill/>
         </p:spPr>
-        <p:txBody>
-          <a:bodyPr wrap="square" rtlCol="0">
-            <a:spAutoFit/>
-          </a:bodyPr>
-          <a:lstStyle/>
-          <a:p>
-            <a:r>
-              <a:rPr lang="it-IT" sz="2400" smtClean="0">
-                <a:latin typeface="Times New Roman" panose="02020603050405020304" pitchFamily="18" charset="0"/>
-                <a:cs typeface="Times New Roman" panose="02020603050405020304" pitchFamily="18" charset="0"/>
-              </a:rPr>
-              <a:t>Apparirà la schermata per configurare il Vector Asset: posso </a:t>
-            </a:r>
-            <a:r>
-              <a:rPr lang="it-IT" sz="2400" dirty="0">
-                <a:latin typeface="Times New Roman" panose="02020603050405020304" pitchFamily="18" charset="0"/>
-                <a:cs typeface="Times New Roman" panose="02020603050405020304" pitchFamily="18" charset="0"/>
-              </a:rPr>
-              <a:t>scegliere dalla libreria di </a:t>
-            </a:r>
-            <a:r>
-              <a:rPr lang="it-IT" sz="2400" err="1">
-                <a:latin typeface="Times New Roman" panose="02020603050405020304" pitchFamily="18" charset="0"/>
-                <a:cs typeface="Times New Roman" panose="02020603050405020304" pitchFamily="18" charset="0"/>
-              </a:rPr>
-              <a:t>material</a:t>
-            </a:r>
-            <a:r>
-              <a:rPr lang="it-IT" sz="2400">
-                <a:latin typeface="Times New Roman" panose="02020603050405020304" pitchFamily="18" charset="0"/>
-                <a:cs typeface="Times New Roman" panose="02020603050405020304" pitchFamily="18" charset="0"/>
-              </a:rPr>
-              <a:t> </a:t>
-            </a:r>
-            <a:r>
-              <a:rPr lang="it-IT" sz="2400" smtClean="0">
-                <a:latin typeface="Times New Roman" panose="02020603050405020304" pitchFamily="18" charset="0"/>
-                <a:cs typeface="Times New Roman" panose="02020603050405020304" pitchFamily="18" charset="0"/>
-              </a:rPr>
-              <a:t>icon cliccando </a:t>
-            </a:r>
-            <a:r>
-              <a:rPr lang="it-IT" sz="2400" dirty="0">
-                <a:latin typeface="Times New Roman" panose="02020603050405020304" pitchFamily="18" charset="0"/>
-                <a:cs typeface="Times New Roman" panose="02020603050405020304" pitchFamily="18" charset="0"/>
-              </a:rPr>
-              <a:t>su Clip Art. </a:t>
-            </a:r>
-            <a:r>
-              <a:rPr lang="it-IT" sz="2400">
-                <a:latin typeface="Times New Roman" panose="02020603050405020304" pitchFamily="18" charset="0"/>
-                <a:cs typeface="Times New Roman" panose="02020603050405020304" pitchFamily="18" charset="0"/>
-              </a:rPr>
-              <a:t>Si </a:t>
-            </a:r>
-            <a:r>
-              <a:rPr lang="it-IT" sz="2400" smtClean="0">
-                <a:latin typeface="Times New Roman" panose="02020603050405020304" pitchFamily="18" charset="0"/>
-                <a:cs typeface="Times New Roman" panose="02020603050405020304" pitchFamily="18" charset="0"/>
-              </a:rPr>
-              <a:t>aprirà </a:t>
-            </a:r>
-            <a:r>
-              <a:rPr lang="it-IT" sz="2400" dirty="0">
-                <a:latin typeface="Times New Roman" panose="02020603050405020304" pitchFamily="18" charset="0"/>
-                <a:cs typeface="Times New Roman" panose="02020603050405020304" pitchFamily="18" charset="0"/>
-              </a:rPr>
-              <a:t>una finestra con tutti gli assets della libreria, ne scelgo una e clicco </a:t>
-            </a:r>
-            <a:r>
-              <a:rPr lang="it-IT" sz="2400">
-                <a:latin typeface="Times New Roman" panose="02020603050405020304" pitchFamily="18" charset="0"/>
-                <a:cs typeface="Times New Roman" panose="02020603050405020304" pitchFamily="18" charset="0"/>
-              </a:rPr>
-              <a:t>ok</a:t>
-            </a:r>
-            <a:r>
-              <a:rPr lang="it-IT" sz="2400" smtClean="0">
-                <a:latin typeface="Times New Roman" panose="02020603050405020304" pitchFamily="18" charset="0"/>
-                <a:cs typeface="Times New Roman" panose="02020603050405020304" pitchFamily="18" charset="0"/>
-              </a:rPr>
-              <a:t>. </a:t>
-            </a:r>
-          </a:p>
-          <a:p>
-            <a:endParaRPr lang="it-IT" sz="2400" smtClean="0">
-              <a:latin typeface="Times New Roman" panose="02020603050405020304" pitchFamily="18" charset="0"/>
-              <a:cs typeface="Times New Roman" panose="02020603050405020304" pitchFamily="18" charset="0"/>
-            </a:endParaRPr>
-          </a:p>
-          <a:p>
-            <a:r>
-              <a:rPr lang="it-IT" sz="2400" smtClean="0">
-                <a:latin typeface="Times New Roman" panose="02020603050405020304" pitchFamily="18" charset="0"/>
-                <a:cs typeface="Times New Roman" panose="02020603050405020304" pitchFamily="18" charset="0"/>
-              </a:rPr>
-              <a:t>Inoltre </a:t>
-            </a:r>
-            <a:r>
-              <a:rPr lang="it-IT" sz="2400" dirty="0">
-                <a:latin typeface="Times New Roman" panose="02020603050405020304" pitchFamily="18" charset="0"/>
-                <a:cs typeface="Times New Roman" panose="02020603050405020304" pitchFamily="18" charset="0"/>
-              </a:rPr>
-              <a:t>sono presenti delle opzioni per modificare altezza, larghezza, opacità, </a:t>
-            </a:r>
-            <a:r>
-              <a:rPr lang="it-IT" sz="2400" dirty="0" err="1">
-                <a:latin typeface="Times New Roman" panose="02020603050405020304" pitchFamily="18" charset="0"/>
-                <a:cs typeface="Times New Roman" panose="02020603050405020304" pitchFamily="18" charset="0"/>
-              </a:rPr>
-              <a:t>automirroring</a:t>
-            </a:r>
-            <a:r>
-              <a:rPr lang="it-IT" sz="2400" dirty="0">
-                <a:latin typeface="Times New Roman" panose="02020603050405020304" pitchFamily="18" charset="0"/>
-                <a:cs typeface="Times New Roman" panose="02020603050405020304" pitchFamily="18" charset="0"/>
-              </a:rPr>
-              <a:t> (versione 21 in poi) </a:t>
-            </a:r>
-            <a:r>
-              <a:rPr lang="it-IT" sz="2400" dirty="0" err="1">
-                <a:latin typeface="Times New Roman" panose="02020603050405020304" pitchFamily="18" charset="0"/>
-                <a:cs typeface="Times New Roman" panose="02020603050405020304" pitchFamily="18" charset="0"/>
-              </a:rPr>
-              <a:t>ecc</a:t>
-            </a:r>
-            <a:r>
-              <a:rPr lang="it-IT" sz="2400" dirty="0">
-                <a:latin typeface="Times New Roman" panose="02020603050405020304" pitchFamily="18" charset="0"/>
-                <a:cs typeface="Times New Roman" panose="02020603050405020304" pitchFamily="18" charset="0"/>
-              </a:rPr>
-              <a:t>…</a:t>
-            </a:r>
-          </a:p>
-          <a:p>
-            <a:endParaRPr lang="it-IT" dirty="0"/>
-          </a:p>
-        </p:txBody>
-      </p:sp>
+      </p:pic>
     </p:spTree>
     <p:extLst>
       <p:ext uri="{BB962C8B-B14F-4D97-AF65-F5344CB8AC3E}">
-        <p14:creationId xmlns:p14="http://schemas.microsoft.com/office/powerpoint/2010/main" xmlns="" val="2387262453"/>
+        <p14:creationId xmlns:p14="http://schemas.microsoft.com/office/powerpoint/2010/main" val="567560765"/>
       </p:ext>
     </p:extLst>
   </p:cSld>
@@ -7389,7 +7669,56 @@
       </p:grpSpPr>
       <p:sp>
         <p:nvSpPr>
-          <p:cNvPr id="3" name="Segnaposto contenuto 2"/>
+          <p:cNvPr id="2" name="Titolo 1">
+            <a:extLst>
+              <a:ext uri="{FF2B5EF4-FFF2-40B4-BE49-F238E27FC236}">
+                <a16:creationId xmlns:a16="http://schemas.microsoft.com/office/drawing/2014/main" id="{5A4EAA41-7C38-4A7C-98BE-F10D8E175A07}"/>
+              </a:ext>
+            </a:extLst>
+          </p:cNvPr>
+          <p:cNvSpPr>
+            <a:spLocks noGrp="1"/>
+          </p:cNvSpPr>
+          <p:nvPr>
+            <p:ph type="title"/>
+          </p:nvPr>
+        </p:nvSpPr>
+        <p:spPr/>
+        <p:txBody>
+          <a:bodyPr/>
+          <a:lstStyle/>
+          <a:p>
+            <a:r>
+              <a:rPr lang="it-IT" dirty="0">
+                <a:cs typeface="Times New Roman" panose="02020603050405020304" pitchFamily="18" charset="0"/>
+              </a:rPr>
+              <a:t>Avviare </a:t>
+            </a:r>
+            <a:r>
+              <a:rPr lang="it-IT" dirty="0" err="1">
+                <a:cs typeface="Times New Roman" panose="02020603050405020304" pitchFamily="18" charset="0"/>
+              </a:rPr>
+              <a:t>Vector</a:t>
+            </a:r>
+            <a:r>
+              <a:rPr lang="it-IT" dirty="0">
+                <a:cs typeface="Times New Roman" panose="02020603050405020304" pitchFamily="18" charset="0"/>
+              </a:rPr>
+              <a:t> Asset Studio</a:t>
+            </a:r>
+            <a:endParaRPr lang="it-IT" dirty="0"/>
+          </a:p>
+        </p:txBody>
+      </p:sp>
+      <p:sp>
+        <p:nvSpPr>
+          <p:cNvPr id="3" name="Segnaposto contenuto 2">
+            <a:extLst>
+              <a:ext uri="{FF2B5EF4-FFF2-40B4-BE49-F238E27FC236}">
+                <a16:creationId xmlns:a16="http://schemas.microsoft.com/office/drawing/2014/main" id="{C7C25159-D1FB-41EB-BA52-19337B292C0B}"/>
+              </a:ext>
+            </a:extLst>
+          </p:cNvPr>
           <p:cNvSpPr>
             <a:spLocks noGrp="1"/>
           </p:cNvSpPr>
@@ -7399,8 +7728,8 @@
         </p:nvSpPr>
         <p:spPr>
           <a:xfrm>
-            <a:off x="1001486" y="1754342"/>
-            <a:ext cx="10058400" cy="5103658"/>
+            <a:off x="514350" y="2099805"/>
+            <a:ext cx="10058400" cy="3849624"/>
           </a:xfrm>
         </p:spPr>
         <p:txBody>
@@ -7411,48 +7740,115 @@
               <a:buNone/>
             </a:pPr>
             <a:r>
-              <a:rPr lang="it-IT" sz="2400" smtClean="0">
-                <a:latin typeface="Times New Roman" pitchFamily="18" charset="0"/>
-                <a:cs typeface="Times New Roman" pitchFamily="18" charset="0"/>
-              </a:rPr>
-              <a:t>Se appare la finestra “Need newer Android plugin for Gradle”, va corretta la versione del gradle seguendo i passaggi:</a:t>
+              <a:rPr lang="it-IT" sz="2400" dirty="0">
+                <a:latin typeface="Times New Roman" pitchFamily="18" charset="0"/>
+                <a:cs typeface="Times New Roman" pitchFamily="18" charset="0"/>
+              </a:rPr>
+              <a:t>Se appare la finestra “</a:t>
+            </a:r>
+            <a:r>
+              <a:rPr lang="it-IT" sz="2400" dirty="0" err="1">
+                <a:latin typeface="Times New Roman" pitchFamily="18" charset="0"/>
+                <a:cs typeface="Times New Roman" pitchFamily="18" charset="0"/>
+              </a:rPr>
+              <a:t>Need</a:t>
+            </a:r>
+            <a:r>
+              <a:rPr lang="it-IT" sz="2400" dirty="0">
+                <a:latin typeface="Times New Roman" pitchFamily="18" charset="0"/>
+                <a:cs typeface="Times New Roman" pitchFamily="18" charset="0"/>
+              </a:rPr>
+              <a:t> </a:t>
+            </a:r>
+            <a:r>
+              <a:rPr lang="it-IT" sz="2400" dirty="0" err="1">
+                <a:latin typeface="Times New Roman" pitchFamily="18" charset="0"/>
+                <a:cs typeface="Times New Roman" pitchFamily="18" charset="0"/>
+              </a:rPr>
+              <a:t>newer</a:t>
+            </a:r>
+            <a:r>
+              <a:rPr lang="it-IT" sz="2400" dirty="0">
+                <a:latin typeface="Times New Roman" pitchFamily="18" charset="0"/>
+                <a:cs typeface="Times New Roman" pitchFamily="18" charset="0"/>
+              </a:rPr>
+              <a:t> Android plugin for </a:t>
+            </a:r>
+            <a:r>
+              <a:rPr lang="it-IT" sz="2400" dirty="0" err="1">
+                <a:latin typeface="Times New Roman" pitchFamily="18" charset="0"/>
+                <a:cs typeface="Times New Roman" pitchFamily="18" charset="0"/>
+              </a:rPr>
+              <a:t>Gradle</a:t>
+            </a:r>
+            <a:r>
+              <a:rPr lang="it-IT" sz="2400" dirty="0">
+                <a:latin typeface="Times New Roman" pitchFamily="18" charset="0"/>
+                <a:cs typeface="Times New Roman" pitchFamily="18" charset="0"/>
+              </a:rPr>
+              <a:t>”, va corretta la versione del </a:t>
+            </a:r>
+            <a:r>
+              <a:rPr lang="it-IT" sz="2400" dirty="0" err="1">
+                <a:latin typeface="Times New Roman" pitchFamily="18" charset="0"/>
+                <a:cs typeface="Times New Roman" pitchFamily="18" charset="0"/>
+              </a:rPr>
+              <a:t>gradle</a:t>
+            </a:r>
+            <a:r>
+              <a:rPr lang="it-IT" sz="2400" dirty="0">
+                <a:latin typeface="Times New Roman" pitchFamily="18" charset="0"/>
+                <a:cs typeface="Times New Roman" pitchFamily="18" charset="0"/>
+              </a:rPr>
+              <a:t> seguendo i passaggi:</a:t>
             </a:r>
           </a:p>
           <a:p>
             <a:pPr lvl="2"/>
             <a:r>
-              <a:rPr lang="it-IT" sz="2400" smtClean="0">
+              <a:rPr lang="it-IT" sz="2400" dirty="0">
                 <a:latin typeface="Times New Roman" pitchFamily="18" charset="0"/>
                 <a:cs typeface="Times New Roman" pitchFamily="18" charset="0"/>
               </a:rPr>
               <a:t>Seleziona </a:t>
             </a:r>
             <a:r>
-              <a:rPr lang="it-IT" sz="2400" b="1" smtClean="0">
+              <a:rPr lang="it-IT" sz="2400" b="1" dirty="0">
                 <a:latin typeface="Times New Roman" pitchFamily="18" charset="0"/>
                 <a:cs typeface="Times New Roman" pitchFamily="18" charset="0"/>
               </a:rPr>
               <a:t>File</a:t>
             </a:r>
             <a:r>
-              <a:rPr lang="it-IT" sz="2400" smtClean="0">
+              <a:rPr lang="it-IT" sz="2400" dirty="0">
                 <a:latin typeface="Times New Roman" pitchFamily="18" charset="0"/>
                 <a:cs typeface="Times New Roman" pitchFamily="18" charset="0"/>
               </a:rPr>
               <a:t> &gt; </a:t>
             </a:r>
             <a:r>
-              <a:rPr lang="it-IT" sz="2400" b="1" smtClean="0">
-                <a:latin typeface="Times New Roman" pitchFamily="18" charset="0"/>
-                <a:cs typeface="Times New Roman" pitchFamily="18" charset="0"/>
-              </a:rPr>
-              <a:t>Project Structure</a:t>
-            </a:r>
+              <a:rPr lang="it-IT" sz="2400" b="1" dirty="0">
+                <a:latin typeface="Times New Roman" pitchFamily="18" charset="0"/>
+                <a:cs typeface="Times New Roman" pitchFamily="18" charset="0"/>
+              </a:rPr>
+              <a:t>Project </a:t>
+            </a:r>
+            <a:r>
+              <a:rPr lang="it-IT" sz="2400" b="1" dirty="0" err="1">
+                <a:latin typeface="Times New Roman" pitchFamily="18" charset="0"/>
+                <a:cs typeface="Times New Roman" pitchFamily="18" charset="0"/>
+              </a:rPr>
+              <a:t>Structure</a:t>
+            </a:r>
+            <a:endParaRPr lang="it-IT" sz="2400" b="1" dirty="0">
+              <a:latin typeface="Times New Roman" pitchFamily="18" charset="0"/>
+              <a:cs typeface="Times New Roman" pitchFamily="18" charset="0"/>
+            </a:endParaRPr>
           </a:p>
           <a:p>
             <a:pPr lvl="2"/>
             <a:r>
-              <a:rPr lang="it-IT" sz="2400" smtClean="0">
+              <a:rPr lang="it-IT" sz="2400" dirty="0">
                 <a:latin typeface="Times New Roman" pitchFamily="18" charset="0"/>
                 <a:cs typeface="Times New Roman" pitchFamily="18" charset="0"/>
               </a:rPr>
@@ -7462,64 +7858,104 @@
           <a:p>
             <a:pPr lvl="2"/>
             <a:r>
-              <a:rPr lang="it-IT" sz="2400" smtClean="0">
-                <a:latin typeface="Times New Roman" pitchFamily="18" charset="0"/>
-                <a:cs typeface="Times New Roman" pitchFamily="18" charset="0"/>
-              </a:rPr>
-              <a:t>Nel campo Android Plugin Version, cambiare la versione del plugin Android per Gradle alla 1.5.0 o più recente, poi clicca OK</a:t>
+              <a:rPr lang="it-IT" sz="2400" dirty="0">
+                <a:latin typeface="Times New Roman" pitchFamily="18" charset="0"/>
+                <a:cs typeface="Times New Roman" pitchFamily="18" charset="0"/>
+              </a:rPr>
+              <a:t>Nel campo Android Plugin Version, cambiare la versione del plugin Android per </a:t>
+            </a:r>
+            <a:r>
+              <a:rPr lang="it-IT" sz="2400" dirty="0" err="1">
+                <a:latin typeface="Times New Roman" pitchFamily="18" charset="0"/>
+                <a:cs typeface="Times New Roman" pitchFamily="18" charset="0"/>
+              </a:rPr>
+              <a:t>Gradle</a:t>
+            </a:r>
+            <a:r>
+              <a:rPr lang="it-IT" sz="2400" dirty="0">
+                <a:latin typeface="Times New Roman" pitchFamily="18" charset="0"/>
+                <a:cs typeface="Times New Roman" pitchFamily="18" charset="0"/>
+              </a:rPr>
+              <a:t> alla 1.5.0 o più recente, poi clicca OK</a:t>
             </a:r>
           </a:p>
           <a:p>
             <a:pPr lvl="2"/>
             <a:r>
-              <a:rPr lang="it-IT" sz="2400" smtClean="0">
-                <a:latin typeface="Times New Roman" pitchFamily="18" charset="0"/>
-                <a:cs typeface="Times New Roman" pitchFamily="18" charset="0"/>
-              </a:rPr>
-              <a:t>Nella Android view della </a:t>
-            </a:r>
-            <a:r>
-              <a:rPr lang="it-IT" sz="2400" i="1" smtClean="0">
+              <a:rPr lang="it-IT" sz="2400" dirty="0">
+                <a:latin typeface="Times New Roman" pitchFamily="18" charset="0"/>
+                <a:cs typeface="Times New Roman" pitchFamily="18" charset="0"/>
+              </a:rPr>
+              <a:t>Nella Android </a:t>
+            </a:r>
+            <a:r>
+              <a:rPr lang="it-IT" sz="2400" dirty="0" err="1">
+                <a:latin typeface="Times New Roman" pitchFamily="18" charset="0"/>
+                <a:cs typeface="Times New Roman" pitchFamily="18" charset="0"/>
+              </a:rPr>
+              <a:t>view</a:t>
+            </a:r>
+            <a:r>
+              <a:rPr lang="it-IT" sz="2400" dirty="0">
+                <a:latin typeface="Times New Roman" pitchFamily="18" charset="0"/>
+                <a:cs typeface="Times New Roman" pitchFamily="18" charset="0"/>
+              </a:rPr>
+              <a:t> della </a:t>
+            </a:r>
+            <a:r>
+              <a:rPr lang="it-IT" sz="2400" i="1" dirty="0">
                 <a:latin typeface="Times New Roman" pitchFamily="18" charset="0"/>
                 <a:cs typeface="Times New Roman" pitchFamily="18" charset="0"/>
               </a:rPr>
               <a:t>Project window</a:t>
             </a:r>
             <a:r>
-              <a:rPr lang="it-IT" sz="2400" smtClean="0">
+              <a:rPr lang="it-IT" sz="2400" dirty="0">
                 <a:latin typeface="Times New Roman" pitchFamily="18" charset="0"/>
                 <a:cs typeface="Times New Roman" pitchFamily="18" charset="0"/>
               </a:rPr>
               <a:t>, clicca con il tasto destro il folder res e seleziona </a:t>
             </a:r>
             <a:r>
-              <a:rPr lang="it-IT" sz="2400" b="1" smtClean="0">
+              <a:rPr lang="it-IT" sz="2400" b="1" dirty="0">
                 <a:latin typeface="Times New Roman" pitchFamily="18" charset="0"/>
                 <a:cs typeface="Times New Roman" pitchFamily="18" charset="0"/>
               </a:rPr>
               <a:t>New</a:t>
             </a:r>
             <a:r>
-              <a:rPr lang="it-IT" sz="2400" smtClean="0">
+              <a:rPr lang="it-IT" sz="2400" dirty="0">
                 <a:latin typeface="Times New Roman" pitchFamily="18" charset="0"/>
                 <a:cs typeface="Times New Roman" pitchFamily="18" charset="0"/>
               </a:rPr>
               <a:t> &gt; </a:t>
             </a:r>
             <a:r>
-              <a:rPr lang="it-IT" sz="2400" b="1" smtClean="0">
-                <a:latin typeface="Times New Roman" pitchFamily="18" charset="0"/>
-                <a:cs typeface="Times New Roman" pitchFamily="18" charset="0"/>
-              </a:rPr>
-              <a:t>Vector Asset</a:t>
-            </a:r>
-          </a:p>
-          <a:p>
-            <a:endParaRPr lang="it-IT"/>
+              <a:rPr lang="it-IT" sz="2400" b="1" dirty="0" err="1">
+                <a:latin typeface="Times New Roman" pitchFamily="18" charset="0"/>
+                <a:cs typeface="Times New Roman" pitchFamily="18" charset="0"/>
+              </a:rPr>
+              <a:t>Vector</a:t>
+            </a:r>
+            <a:r>
+              <a:rPr lang="it-IT" sz="2400" b="1" dirty="0">
+                <a:latin typeface="Times New Roman" pitchFamily="18" charset="0"/>
+                <a:cs typeface="Times New Roman" pitchFamily="18" charset="0"/>
+              </a:rPr>
+              <a:t> Asset</a:t>
+            </a:r>
+          </a:p>
+          <a:p>
+            <a:endParaRPr lang="it-IT" dirty="0"/>
           </a:p>
         </p:txBody>
       </p:sp>
     </p:spTree>
+    <p:extLst>
+      <p:ext uri="{BB962C8B-B14F-4D97-AF65-F5344CB8AC3E}">
+        <p14:creationId xmlns:p14="http://schemas.microsoft.com/office/powerpoint/2010/main" val="1285998820"/>
+      </p:ext>
+    </p:extLst>
   </p:cSld>
   <p:clrMapOvr>
     <a:masterClrMapping/>
@@ -7560,10 +7996,9 @@
           <a:lstStyle/>
           <a:p>
             <a:r>
-              <a:rPr lang="it-IT" smtClean="0"/>
+              <a:rPr lang="it-IT"/>
               <a:t>Come importare una grafica vettoriale</a:t>
             </a:r>
-            <a:endParaRPr lang="it-IT"/>
           </a:p>
         </p:txBody>
       </p:sp>
@@ -7579,8 +8014,8 @@
         </p:nvSpPr>
         <p:spPr>
           <a:xfrm>
-            <a:off x="702129" y="2168434"/>
-            <a:ext cx="5225142" cy="3849624"/>
+            <a:off x="1066799" y="2168434"/>
+            <a:ext cx="4860471" cy="3849624"/>
           </a:xfrm>
         </p:spPr>
         <p:txBody>
@@ -7589,25 +8024,32 @@
           </a:bodyPr>
           <a:lstStyle/>
           <a:p>
-            <a:pPr>
+            <a:pPr marL="0" indent="0">
               <a:buNone/>
             </a:pPr>
             <a:r>
-              <a:rPr lang="it-IT" sz="2400" smtClean="0">
-                <a:latin typeface="Times New Roman" pitchFamily="18" charset="0"/>
-                <a:cs typeface="Times New Roman" pitchFamily="18" charset="0"/>
-              </a:rPr>
-              <a:t>Vector Asset Studio aiuta a importare grafiche vettoriali  nel proprio progetto.</a:t>
-            </a:r>
-          </a:p>
-          <a:p>
-            <a:pPr>
+              <a:rPr lang="it-IT" sz="2400" dirty="0" err="1">
+                <a:latin typeface="Times New Roman" panose="02020603050405020304" pitchFamily="18" charset="0"/>
+                <a:cs typeface="Times New Roman" panose="02020603050405020304" pitchFamily="18" charset="0"/>
+              </a:rPr>
+              <a:t>Vector</a:t>
+            </a:r>
+            <a:r>
+              <a:rPr lang="it-IT" sz="2400" dirty="0">
+                <a:latin typeface="Times New Roman" panose="02020603050405020304" pitchFamily="18" charset="0"/>
+                <a:cs typeface="Times New Roman" panose="02020603050405020304" pitchFamily="18" charset="0"/>
+              </a:rPr>
+              <a:t> Asset Studio aiuta a importare grafiche vettoriali  nel proprio progetto.</a:t>
+            </a:r>
+          </a:p>
+          <a:p>
+            <a:pPr marL="0" indent="0">
               <a:buNone/>
             </a:pPr>
             <a:r>
-              <a:rPr lang="it-IT" sz="2400" smtClean="0">
-                <a:latin typeface="Times New Roman" pitchFamily="18" charset="0"/>
-                <a:cs typeface="Times New Roman" pitchFamily="18" charset="0"/>
+              <a:rPr lang="it-IT" sz="2400" dirty="0">
+                <a:latin typeface="Times New Roman" panose="02020603050405020304" pitchFamily="18" charset="0"/>
+                <a:cs typeface="Times New Roman" panose="02020603050405020304" pitchFamily="18" charset="0"/>
               </a:rPr>
               <a:t>Questo è possibile seguendo una delle seguenti procedure:</a:t>
             </a:r>
@@ -7618,11 +8060,39 @@
               <a:buChar char="§"/>
             </a:pPr>
             <a:r>
-              <a:rPr lang="it-IT" sz="2200" smtClean="0">
-                <a:latin typeface="Times New Roman" pitchFamily="18" charset="0"/>
-                <a:cs typeface="Times New Roman" pitchFamily="18" charset="0"/>
-              </a:rPr>
-              <a:t>Aggiungere una material icon (Clip Art)</a:t>
+              <a:rPr lang="it-IT" sz="2200" dirty="0">
+                <a:latin typeface="Times New Roman" pitchFamily="18" charset="0"/>
+                <a:cs typeface="Times New Roman" pitchFamily="18" charset="0"/>
+              </a:rPr>
+              <a:t>Aggiungere una </a:t>
+            </a:r>
+            <a:r>
+              <a:rPr lang="it-IT" sz="2200" dirty="0" err="1">
+                <a:latin typeface="Times New Roman" pitchFamily="18" charset="0"/>
+                <a:cs typeface="Times New Roman" pitchFamily="18" charset="0"/>
+              </a:rPr>
+              <a:t>material</a:t>
+            </a:r>
+            <a:r>
+              <a:rPr lang="it-IT" sz="2200" dirty="0">
+                <a:latin typeface="Times New Roman" pitchFamily="18" charset="0"/>
+                <a:cs typeface="Times New Roman" pitchFamily="18" charset="0"/>
+              </a:rPr>
+              <a:t> </a:t>
+            </a:r>
+            <a:r>
+              <a:rPr lang="it-IT" sz="2200" dirty="0" err="1">
+                <a:latin typeface="Times New Roman" pitchFamily="18" charset="0"/>
+                <a:cs typeface="Times New Roman" pitchFamily="18" charset="0"/>
+              </a:rPr>
+              <a:t>icon</a:t>
+            </a:r>
+            <a:r>
+              <a:rPr lang="it-IT" sz="2200" dirty="0">
+                <a:latin typeface="Times New Roman" pitchFamily="18" charset="0"/>
+                <a:cs typeface="Times New Roman" pitchFamily="18" charset="0"/>
+              </a:rPr>
+              <a:t> (Clip Art)</a:t>
             </a:r>
           </a:p>
           <a:p>
@@ -7631,16 +8101,12 @@
               <a:buChar char="§"/>
             </a:pPr>
             <a:r>
-              <a:rPr lang="it-IT" sz="2200" smtClean="0">
+              <a:rPr lang="it-IT" sz="2200" dirty="0">
                 <a:latin typeface="Times New Roman" pitchFamily="18" charset="0"/>
                 <a:cs typeface="Times New Roman" pitchFamily="18" charset="0"/>
               </a:rPr>
               <a:t>Importare un file SVG o PSD</a:t>
             </a:r>
-            <a:endParaRPr lang="it-IT" sz="2200">
-              <a:latin typeface="Times New Roman" pitchFamily="18" charset="0"/>
-              <a:cs typeface="Times New Roman" pitchFamily="18" charset="0"/>
-            </a:endParaRPr>
           </a:p>
         </p:txBody>
       </p:sp>
@@ -7649,7 +8115,7 @@
           <p:cNvPr id="5" name="Segnaposto contenuto 5">
             <a:extLst>
               <a:ext uri="{FF2B5EF4-FFF2-40B4-BE49-F238E27FC236}">
-                <a16:creationId xmlns:a16="http://schemas.microsoft.com/office/drawing/2014/main" xmlns="" id="{0F35DE8C-3ACD-459B-9345-5DB90C6EC9FD}"/>
+                <a16:creationId xmlns:a16="http://schemas.microsoft.com/office/drawing/2014/main" id="{0F35DE8C-3ACD-459B-9345-5DB90C6EC9FD}"/>
               </a:ext>
             </a:extLst>
           </p:cNvPr>
@@ -7662,7 +8128,7 @@
           <a:blip r:embed="rId2" cstate="print">
             <a:extLst>
               <a:ext uri="{28A0092B-C50C-407E-A947-70E740481C1C}">
-                <a14:useLocalDpi xmlns:a14="http://schemas.microsoft.com/office/drawing/2010/main" xmlns="" val="0"/>
+                <a14:useLocalDpi xmlns:a14="http://schemas.microsoft.com/office/drawing/2010/main" val="0"/>
               </a:ext>
             </a:extLst>
           </a:blip>
@@ -7671,7 +8137,7 @@
         </p:blipFill>
         <p:spPr>
           <a:xfrm>
-            <a:off x="5998028" y="1849608"/>
+            <a:off x="5998028" y="2014194"/>
             <a:ext cx="5682016" cy="3628167"/>
           </a:xfrm>
           <a:prstGeom prst="rect">
@@ -7720,10 +8186,22 @@
           <a:lstStyle/>
           <a:p>
             <a:r>
-              <a:rPr lang="it-IT" smtClean="0"/>
-              <a:t>Aggiungere una material icon</a:t>
-            </a:r>
-            <a:endParaRPr lang="it-IT"/>
+              <a:rPr lang="it-IT" dirty="0"/>
+              <a:t>Aggiungere una </a:t>
+            </a:r>
+            <a:r>
+              <a:rPr lang="it-IT" dirty="0" err="1"/>
+              <a:t>material</a:t>
+            </a:r>
+            <a:r>
+              <a:rPr lang="it-IT" dirty="0"/>
+              <a:t> </a:t>
+            </a:r>
+            <a:r>
+              <a:rPr lang="it-IT" dirty="0" err="1"/>
+              <a:t>icon</a:t>
+            </a:r>
+            <a:endParaRPr lang="it-IT" dirty="0"/>
           </a:p>
         </p:txBody>
       </p:sp>
@@ -7751,11 +8229,53 @@
               <a:buNone/>
             </a:pPr>
             <a:r>
-              <a:rPr lang="it-IT" sz="2400" smtClean="0">
-                <a:latin typeface="Times New Roman" panose="02020603050405020304" pitchFamily="18" charset="0"/>
-                <a:cs typeface="Times New Roman" panose="02020603050405020304" pitchFamily="18" charset="0"/>
-              </a:rPr>
-              <a:t>In Vector Asset Studio selezionare la voce Material Icon.</a:t>
+              <a:rPr lang="it-IT" sz="2400" dirty="0">
+                <a:latin typeface="Times New Roman" panose="02020603050405020304" pitchFamily="18" charset="0"/>
+                <a:cs typeface="Times New Roman" panose="02020603050405020304" pitchFamily="18" charset="0"/>
+              </a:rPr>
+              <a:t>In </a:t>
+            </a:r>
+            <a:r>
+              <a:rPr lang="it-IT" sz="2400" dirty="0" err="1">
+                <a:latin typeface="Times New Roman" panose="02020603050405020304" pitchFamily="18" charset="0"/>
+                <a:cs typeface="Times New Roman" panose="02020603050405020304" pitchFamily="18" charset="0"/>
+              </a:rPr>
+              <a:t>Vector</a:t>
+            </a:r>
+            <a:r>
+              <a:rPr lang="it-IT" sz="2400" dirty="0">
+                <a:latin typeface="Times New Roman" panose="02020603050405020304" pitchFamily="18" charset="0"/>
+                <a:cs typeface="Times New Roman" panose="02020603050405020304" pitchFamily="18" charset="0"/>
+              </a:rPr>
+              <a:t> Asset Studio selezionare la voce </a:t>
+            </a:r>
+            <a:r>
+              <a:rPr lang="it-IT" sz="2400" dirty="0" err="1">
+                <a:latin typeface="Times New Roman" panose="02020603050405020304" pitchFamily="18" charset="0"/>
+                <a:cs typeface="Times New Roman" panose="02020603050405020304" pitchFamily="18" charset="0"/>
+              </a:rPr>
+              <a:t>Material</a:t>
+            </a:r>
+            <a:r>
+              <a:rPr lang="it-IT" sz="2400" dirty="0">
+                <a:latin typeface="Times New Roman" panose="02020603050405020304" pitchFamily="18" charset="0"/>
+                <a:cs typeface="Times New Roman" panose="02020603050405020304" pitchFamily="18" charset="0"/>
+              </a:rPr>
+              <a:t> </a:t>
+            </a:r>
+            <a:r>
+              <a:rPr lang="it-IT" sz="2400" dirty="0" err="1">
+                <a:latin typeface="Times New Roman" panose="02020603050405020304" pitchFamily="18" charset="0"/>
+                <a:cs typeface="Times New Roman" panose="02020603050405020304" pitchFamily="18" charset="0"/>
+              </a:rPr>
+              <a:t>Icon</a:t>
+            </a:r>
+            <a:r>
+              <a:rPr lang="it-IT" sz="2400" dirty="0">
+                <a:latin typeface="Times New Roman" panose="02020603050405020304" pitchFamily="18" charset="0"/>
+                <a:cs typeface="Times New Roman" panose="02020603050405020304" pitchFamily="18" charset="0"/>
+              </a:rPr>
+              <a:t>.</a:t>
             </a:r>
           </a:p>
           <a:p>
@@ -7763,7 +8283,7 @@
               <a:buNone/>
             </a:pPr>
             <a:r>
-              <a:rPr lang="it-IT" sz="2400" smtClean="0">
+              <a:rPr lang="it-IT" sz="2400" dirty="0">
                 <a:latin typeface="Times New Roman" panose="02020603050405020304" pitchFamily="18" charset="0"/>
                 <a:cs typeface="Times New Roman" panose="02020603050405020304" pitchFamily="18" charset="0"/>
               </a:rPr>
@@ -7775,7 +8295,7 @@
               <a:buNone/>
             </a:pPr>
             <a:r>
-              <a:rPr lang="it-IT" sz="2400" smtClean="0">
+              <a:rPr lang="it-IT" sz="2400" dirty="0">
                 <a:latin typeface="Times New Roman" panose="02020603050405020304" pitchFamily="18" charset="0"/>
                 <a:cs typeface="Times New Roman" panose="02020603050405020304" pitchFamily="18" charset="0"/>
               </a:rPr>
@@ -7783,7 +8303,7 @@
             </a:r>
           </a:p>
           <a:p>
-            <a:endParaRPr lang="it-IT"/>
+            <a:endParaRPr lang="it-IT" dirty="0"/>
           </a:p>
         </p:txBody>
       </p:sp>
@@ -7797,7 +8317,7 @@
           <a:blip r:embed="rId2" cstate="print">
             <a:extLst>
               <a:ext uri="{28A0092B-C50C-407E-A947-70E740481C1C}">
-                <a14:useLocalDpi xmlns:lc="http://schemas.openxmlformats.org/drawingml/2006/lockedCanvas" xmlns:pic="http://schemas.openxmlformats.org/drawingml/2006/picture" xmlns="" xmlns:wpc="http://schemas.microsoft.com/office/word/2010/wordprocessingCanvas" xmlns:cx="http://schemas.microsoft.com/office/drawing/2014/chartex" xmlns:cx1="http://schemas.microsoft.com/office/drawing/2015/9/8/chartex" xmlns:cx2="http://schemas.microsoft.com/office/drawing/2015/10/21/chartex" xmlns:cx3="http://schemas.microsoft.com/office/drawing/2016/5/9/chartex" xmlns:cx4="http://schemas.microsoft.com/office/drawing/2016/5/10/chartex" xmlns:cx5="http://schemas.microsoft.com/office/drawing/2016/5/11/chartex" xmlns:cx6="http://schemas.microsoft.com/office/drawing/2016/5/12/chartex" xmlns:cx7="http://schemas.microsoft.com/office/drawing/2016/5/13/chartex" xmlns:cx8="http://schemas.microsoft.com/office/drawing/2016/5/14/chartex" xmlns:mc="http://schemas.openxmlformats.org/markup-compatibility/2006" xmlns:aink="http://schemas.microsoft.com/office/drawing/2016/ink" xmlns:am3d="http://schemas.microsoft.com/office/drawing/2017/model3d" xmlns:o="urn:schemas-microsoft-com:office:office" xmlns:v="urn:schemas-microsoft-com:vml" xmlns:wp14="http://schemas.microsoft.com/office/word/2010/wordprocessingDrawing" xmlns:w10="urn:schemas-microsoft-com:office:word" xmlns:w="http://schemas.openxmlformats.org/wordprocessingml/2006/main" xmlns:w14="http://schemas.microsoft.com/office/word/2010/wordml" xmlns:w15="http://schemas.microsoft.com/office/word/2012/wordml" xmlns:w16cid="http://schemas.microsoft.com/office/word/2016/wordml/cid" xmlns:w16se="http://schemas.microsoft.com/office/word/2015/wordml/symex" xmlns:wpg="http://schemas.microsoft.com/office/word/2010/wordprocessingGroup" xmlns:wpi="http://schemas.microsoft.com/office/word/2010/wordprocessingInk" xmlns:wps="http://schemas.microsoft.com/office/word/2010/wordprocessingShape" xmlns:a14="http://schemas.microsoft.com/office/drawing/2010/main" xmlns:wne="http://schemas.microsoft.com/office/word/2006/wordml" xmlns:wp="http://schemas.openxmlformats.org/drawingml/2006/wordprocessingDrawing" xmlns:m="http://schemas.openxmlformats.org/officeDocument/2006/math" xmlns:ve="http://schemas.openxmlformats.org/markup-compatibility/2006" val="0"/>
+                <a14:useLocalDpi xmlns:a14="http://schemas.microsoft.com/office/drawing/2010/main" val="0"/>
               </a:ext>
             </a:extLst>
           </a:blip>
@@ -7847,87 +8367,219 @@
       </p:grpSpPr>
       <p:sp>
         <p:nvSpPr>
-          <p:cNvPr id="5" name="CasellaDiTesto 4"/>
-          <p:cNvSpPr txBox="1"/>
-          <p:nvPr/>
-        </p:nvSpPr>
-        <p:spPr>
-          <a:xfrm>
-            <a:off x="1012371" y="1469571"/>
-            <a:ext cx="10140043" cy="3785652"/>
-          </a:xfrm>
-          <a:prstGeom prst="rect">
-            <a:avLst/>
-          </a:prstGeom>
-          <a:noFill/>
-        </p:spPr>
-        <p:txBody>
-          <a:bodyPr wrap="square" rtlCol="0">
-            <a:spAutoFit/>
+          <p:cNvPr id="2" name="Titolo 1">
+            <a:extLst>
+              <a:ext uri="{FF2B5EF4-FFF2-40B4-BE49-F238E27FC236}">
+                <a16:creationId xmlns:a16="http://schemas.microsoft.com/office/drawing/2014/main" id="{BA29E871-CCDC-430C-95E3-AC6997AC32ED}"/>
+              </a:ext>
+            </a:extLst>
+          </p:cNvPr>
+          <p:cNvSpPr>
+            <a:spLocks noGrp="1"/>
+          </p:cNvSpPr>
+          <p:nvPr>
+            <p:ph type="title"/>
+          </p:nvPr>
+        </p:nvSpPr>
+        <p:spPr/>
+        <p:txBody>
+          <a:bodyPr/>
+          <a:lstStyle/>
+          <a:p>
+            <a:r>
+              <a:rPr lang="it-IT" dirty="0"/>
+              <a:t>Aggiungere una </a:t>
+            </a:r>
+            <a:r>
+              <a:rPr lang="it-IT" dirty="0" err="1"/>
+              <a:t>material</a:t>
+            </a:r>
+            <a:r>
+              <a:rPr lang="it-IT" dirty="0"/>
+              <a:t> </a:t>
+            </a:r>
+            <a:r>
+              <a:rPr lang="it-IT" dirty="0" err="1"/>
+              <a:t>icon</a:t>
+            </a:r>
+            <a:endParaRPr lang="it-IT" dirty="0"/>
+          </a:p>
+        </p:txBody>
+      </p:sp>
+      <p:sp>
+        <p:nvSpPr>
+          <p:cNvPr id="3" name="Segnaposto contenuto 2">
+            <a:extLst>
+              <a:ext uri="{FF2B5EF4-FFF2-40B4-BE49-F238E27FC236}">
+                <a16:creationId xmlns:a16="http://schemas.microsoft.com/office/drawing/2014/main" id="{4E5CAACE-8405-46BE-A514-4EE998737B0E}"/>
+              </a:ext>
+            </a:extLst>
+          </p:cNvPr>
+          <p:cNvSpPr>
+            <a:spLocks noGrp="1"/>
+          </p:cNvSpPr>
+          <p:nvPr>
+            <p:ph idx="1"/>
+          </p:nvPr>
+        </p:nvSpPr>
+        <p:spPr/>
+        <p:txBody>
+          <a:bodyPr>
+            <a:normAutofit fontScale="92500" lnSpcReduction="20000"/>
           </a:bodyPr>
           <a:lstStyle/>
           <a:p>
-            <a:r>
-              <a:rPr lang="it-IT" sz="2400" smtClean="0">
-                <a:latin typeface="Times New Roman" pitchFamily="18" charset="0"/>
-                <a:cs typeface="Times New Roman" pitchFamily="18" charset="0"/>
-              </a:rPr>
-              <a:t>Dopo aver selezionato l’icona, questa apparirà nella Vector Drawable Preview.</a:t>
-            </a:r>
-          </a:p>
-          <a:p>
-            <a:r>
-              <a:rPr lang="it-IT" sz="2400" smtClean="0">
-                <a:latin typeface="Times New Roman" pitchFamily="18" charset="0"/>
-                <a:cs typeface="Times New Roman" pitchFamily="18" charset="0"/>
-              </a:rPr>
-              <a:t>Qui sarà possibile modificare alcune impostazioni, come il nome dell’icona, la grandezza, l’opacità o il mirroring right to left.</a:t>
-            </a:r>
-          </a:p>
-          <a:p>
-            <a:r>
-              <a:rPr lang="it-IT" sz="2400" b="1" smtClean="0">
+            <a:pPr marL="0" indent="0">
+              <a:buNone/>
+            </a:pPr>
+            <a:r>
+              <a:rPr lang="it-IT" sz="2400" dirty="0">
+                <a:latin typeface="Times New Roman" pitchFamily="18" charset="0"/>
+                <a:cs typeface="Times New Roman" pitchFamily="18" charset="0"/>
+              </a:rPr>
+              <a:t>Dopo aver selezionato l’icona, questa apparirà nella </a:t>
+            </a:r>
+            <a:r>
+              <a:rPr lang="it-IT" sz="2400" dirty="0" err="1">
+                <a:latin typeface="Times New Roman" pitchFamily="18" charset="0"/>
+                <a:cs typeface="Times New Roman" pitchFamily="18" charset="0"/>
+              </a:rPr>
+              <a:t>Vector</a:t>
+            </a:r>
+            <a:r>
+              <a:rPr lang="it-IT" sz="2400" dirty="0">
+                <a:latin typeface="Times New Roman" pitchFamily="18" charset="0"/>
+                <a:cs typeface="Times New Roman" pitchFamily="18" charset="0"/>
+              </a:rPr>
+              <a:t> </a:t>
+            </a:r>
+            <a:r>
+              <a:rPr lang="it-IT" sz="2400" dirty="0" err="1">
+                <a:latin typeface="Times New Roman" pitchFamily="18" charset="0"/>
+                <a:cs typeface="Times New Roman" pitchFamily="18" charset="0"/>
+              </a:rPr>
+              <a:t>Drawable</a:t>
+            </a:r>
+            <a:r>
+              <a:rPr lang="it-IT" sz="2400" dirty="0">
+                <a:latin typeface="Times New Roman" pitchFamily="18" charset="0"/>
+                <a:cs typeface="Times New Roman" pitchFamily="18" charset="0"/>
+              </a:rPr>
+              <a:t> Preview.</a:t>
+            </a:r>
+          </a:p>
+          <a:p>
+            <a:pPr marL="0" indent="0">
+              <a:buNone/>
+            </a:pPr>
+            <a:r>
+              <a:rPr lang="it-IT" sz="2400" dirty="0">
+                <a:latin typeface="Times New Roman" pitchFamily="18" charset="0"/>
+                <a:cs typeface="Times New Roman" pitchFamily="18" charset="0"/>
+              </a:rPr>
+              <a:t>Qui sarà possibile modificare alcune impostazioni, come il nome dell’icona, la grandezza, l’opacità o il mirroring </a:t>
+            </a:r>
+            <a:r>
+              <a:rPr lang="it-IT" sz="2400" dirty="0" err="1">
+                <a:latin typeface="Times New Roman" pitchFamily="18" charset="0"/>
+                <a:cs typeface="Times New Roman" pitchFamily="18" charset="0"/>
+              </a:rPr>
+              <a:t>right</a:t>
+            </a:r>
+            <a:r>
+              <a:rPr lang="it-IT" sz="2400" dirty="0">
+                <a:latin typeface="Times New Roman" pitchFamily="18" charset="0"/>
+                <a:cs typeface="Times New Roman" pitchFamily="18" charset="0"/>
+              </a:rPr>
+              <a:t> to </a:t>
+            </a:r>
+            <a:r>
+              <a:rPr lang="it-IT" sz="2400" dirty="0" err="1">
+                <a:latin typeface="Times New Roman" pitchFamily="18" charset="0"/>
+                <a:cs typeface="Times New Roman" pitchFamily="18" charset="0"/>
+              </a:rPr>
+              <a:t>left</a:t>
+            </a:r>
+            <a:r>
+              <a:rPr lang="it-IT" sz="2400" dirty="0">
+                <a:latin typeface="Times New Roman" pitchFamily="18" charset="0"/>
+                <a:cs typeface="Times New Roman" pitchFamily="18" charset="0"/>
+              </a:rPr>
+              <a:t>.</a:t>
+            </a:r>
+          </a:p>
+          <a:p>
+            <a:r>
+              <a:rPr lang="it-IT" sz="2400" b="1" dirty="0">
                 <a:latin typeface="Times New Roman" pitchFamily="18" charset="0"/>
                 <a:cs typeface="Times New Roman" pitchFamily="18" charset="0"/>
               </a:rPr>
               <a:t>Nome</a:t>
             </a:r>
             <a:r>
-              <a:rPr lang="it-IT" sz="2400" smtClean="0">
-                <a:latin typeface="Times New Roman" pitchFamily="18" charset="0"/>
-                <a:cs typeface="Times New Roman" pitchFamily="18" charset="0"/>
-              </a:rPr>
-              <a:t>: inizialmente è quello predefinito. Quando viene cambiato, Vector Asset Studio crea un nome unico (aggiungendo eventualmente un numero alla fine).</a:t>
+              <a:rPr lang="it-IT" sz="2400" dirty="0">
+                <a:latin typeface="Times New Roman" pitchFamily="18" charset="0"/>
+                <a:cs typeface="Times New Roman" pitchFamily="18" charset="0"/>
+              </a:rPr>
+              <a:t>: inizialmente è quello predefinito. Quando viene cambiato, </a:t>
+            </a:r>
+            <a:r>
+              <a:rPr lang="it-IT" sz="2400" dirty="0" err="1">
+                <a:latin typeface="Times New Roman" pitchFamily="18" charset="0"/>
+                <a:cs typeface="Times New Roman" pitchFamily="18" charset="0"/>
+              </a:rPr>
+              <a:t>Vector</a:t>
+            </a:r>
+            <a:r>
+              <a:rPr lang="it-IT" sz="2400" dirty="0">
+                <a:latin typeface="Times New Roman" pitchFamily="18" charset="0"/>
+                <a:cs typeface="Times New Roman" pitchFamily="18" charset="0"/>
+              </a:rPr>
+              <a:t> Asset Studio crea un nome unico (aggiungendo eventualmente un numero alla fine).</a:t>
             </a:r>
           </a:p>
           <a:p>
             <a:pPr algn="just"/>
             <a:r>
-              <a:rPr lang="it-IT" sz="2400" b="1" smtClean="0">
+              <a:rPr lang="it-IT" sz="2400" b="1" dirty="0" err="1">
                 <a:latin typeface="Times New Roman" pitchFamily="18" charset="0"/>
                 <a:cs typeface="Times New Roman" pitchFamily="18" charset="0"/>
               </a:rPr>
               <a:t>Override</a:t>
             </a:r>
             <a:r>
-              <a:rPr lang="it-IT" sz="2400" smtClean="0">
-                <a:latin typeface="Times New Roman" pitchFamily="18" charset="0"/>
-                <a:cs typeface="Times New Roman" pitchFamily="18" charset="0"/>
-              </a:rPr>
-              <a:t>: selezionare se si vuole cambiare la grandezza dell’immagine. La grandezza predefinita è di 24x24 dp.</a:t>
+              <a:rPr lang="it-IT" sz="2400" dirty="0">
+                <a:latin typeface="Times New Roman" pitchFamily="18" charset="0"/>
+                <a:cs typeface="Times New Roman" pitchFamily="18" charset="0"/>
+              </a:rPr>
+              <a:t>: selezionare se si vuole cambiare la grandezza dell’immagine. La grandezza predefinita è di 24x24 </a:t>
+            </a:r>
+            <a:r>
+              <a:rPr lang="it-IT" sz="2400" dirty="0" err="1">
+                <a:latin typeface="Times New Roman" pitchFamily="18" charset="0"/>
+                <a:cs typeface="Times New Roman" pitchFamily="18" charset="0"/>
+              </a:rPr>
+              <a:t>dp</a:t>
+            </a:r>
+            <a:r>
+              <a:rPr lang="it-IT" sz="2400" dirty="0">
+                <a:latin typeface="Times New Roman" pitchFamily="18" charset="0"/>
+                <a:cs typeface="Times New Roman" pitchFamily="18" charset="0"/>
+              </a:rPr>
+              <a:t>.</a:t>
             </a:r>
           </a:p>
           <a:p>
             <a:pPr algn="just"/>
             <a:r>
-              <a:rPr lang="it-IT" sz="2400" b="1" smtClean="0">
+              <a:rPr lang="it-IT" sz="2400" b="1" dirty="0">
                 <a:latin typeface="Times New Roman" pitchFamily="18" charset="0"/>
                 <a:cs typeface="Times New Roman" pitchFamily="18" charset="0"/>
               </a:rPr>
               <a:t>Opacità</a:t>
             </a:r>
             <a:r>
-              <a:rPr lang="it-IT" sz="2400" smtClean="0">
+              <a:rPr lang="it-IT" sz="2400" dirty="0">
                 <a:latin typeface="Times New Roman" pitchFamily="18" charset="0"/>
                 <a:cs typeface="Times New Roman" pitchFamily="18" charset="0"/>
               </a:rPr>
@@ -7937,27 +8589,35 @@
           <a:p>
             <a:pPr algn="just"/>
             <a:r>
-              <a:rPr lang="it-IT" sz="2400" b="1" smtClean="0">
+              <a:rPr lang="it-IT" sz="2400" b="1" dirty="0">
                 <a:latin typeface="Times New Roman" pitchFamily="18" charset="0"/>
                 <a:cs typeface="Times New Roman" pitchFamily="18" charset="0"/>
               </a:rPr>
               <a:t>Mirroring RTL</a:t>
             </a:r>
             <a:r>
-              <a:rPr lang="it-IT" sz="2400" smtClean="0">
+              <a:rPr lang="it-IT" sz="2400" dirty="0">
                 <a:latin typeface="Times New Roman" pitchFamily="18" charset="0"/>
                 <a:cs typeface="Times New Roman" pitchFamily="18" charset="0"/>
               </a:rPr>
               <a:t>: selezionare se si vuole mostrare l’immagine specchiata quando il layout è da destra a sinistra, invece che da sinistra a destra.</a:t>
             </a:r>
-            <a:endParaRPr lang="it-IT" sz="2400" b="1" smtClean="0">
+            <a:endParaRPr lang="it-IT" sz="2400" b="1" dirty="0">
               <a:latin typeface="Times New Roman" pitchFamily="18" charset="0"/>
               <a:cs typeface="Times New Roman" pitchFamily="18" charset="0"/>
             </a:endParaRPr>
           </a:p>
+          <a:p>
+            <a:endParaRPr lang="it-IT" dirty="0"/>
+          </a:p>
         </p:txBody>
       </p:sp>
     </p:spTree>
+    <p:extLst>
+      <p:ext uri="{BB962C8B-B14F-4D97-AF65-F5344CB8AC3E}">
+        <p14:creationId xmlns:p14="http://schemas.microsoft.com/office/powerpoint/2010/main" val="1662975462"/>
+      </p:ext>
+    </p:extLst>
   </p:cSld>
   <p:clrMapOvr>
     <a:masterClrMapping/>
@@ -7984,79 +8644,256 @@
       </p:grpSpPr>
       <p:sp>
         <p:nvSpPr>
-          <p:cNvPr id="5" name="CasellaDiTesto 4"/>
-          <p:cNvSpPr txBox="1"/>
-          <p:nvPr/>
-        </p:nvSpPr>
-        <p:spPr>
-          <a:xfrm>
-            <a:off x="898072" y="1730829"/>
-            <a:ext cx="10384971" cy="3046988"/>
-          </a:xfrm>
-          <a:prstGeom prst="rect">
-            <a:avLst/>
-          </a:prstGeom>
-          <a:noFill/>
-        </p:spPr>
-        <p:txBody>
-          <a:bodyPr wrap="square" rtlCol="0">
-            <a:spAutoFit/>
+          <p:cNvPr id="2" name="Titolo 1">
+            <a:extLst>
+              <a:ext uri="{FF2B5EF4-FFF2-40B4-BE49-F238E27FC236}">
+                <a16:creationId xmlns:a16="http://schemas.microsoft.com/office/drawing/2014/main" id="{F76B4879-7781-411B-966B-1196CE5E1ABA}"/>
+              </a:ext>
+            </a:extLst>
+          </p:cNvPr>
+          <p:cNvSpPr>
+            <a:spLocks noGrp="1"/>
+          </p:cNvSpPr>
+          <p:nvPr>
+            <p:ph type="title"/>
+          </p:nvPr>
+        </p:nvSpPr>
+        <p:spPr/>
+        <p:txBody>
+          <a:bodyPr/>
+          <a:lstStyle/>
+          <a:p>
+            <a:r>
+              <a:rPr lang="it-IT" dirty="0"/>
+              <a:t>Aggiungere una </a:t>
+            </a:r>
+            <a:r>
+              <a:rPr lang="it-IT" dirty="0" err="1"/>
+              <a:t>material</a:t>
+            </a:r>
+            <a:r>
+              <a:rPr lang="it-IT" dirty="0"/>
+              <a:t> </a:t>
+            </a:r>
+            <a:r>
+              <a:rPr lang="it-IT" dirty="0" err="1"/>
+              <a:t>icon</a:t>
+            </a:r>
+            <a:endParaRPr lang="it-IT" dirty="0"/>
+          </a:p>
+        </p:txBody>
+      </p:sp>
+      <p:sp>
+        <p:nvSpPr>
+          <p:cNvPr id="3" name="Segnaposto contenuto 2">
+            <a:extLst>
+              <a:ext uri="{FF2B5EF4-FFF2-40B4-BE49-F238E27FC236}">
+                <a16:creationId xmlns:a16="http://schemas.microsoft.com/office/drawing/2014/main" id="{04CBDDDD-FBD4-414B-BBA4-3E5C3AB64303}"/>
+              </a:ext>
+            </a:extLst>
+          </p:cNvPr>
+          <p:cNvSpPr>
+            <a:spLocks noGrp="1"/>
+          </p:cNvSpPr>
+          <p:nvPr>
+            <p:ph idx="1"/>
+          </p:nvPr>
+        </p:nvSpPr>
+        <p:spPr/>
+        <p:txBody>
+          <a:bodyPr>
+            <a:normAutofit/>
           </a:bodyPr>
           <a:lstStyle/>
           <a:p>
             <a:r>
-              <a:rPr lang="it-IT" sz="2400" smtClean="0">
-                <a:latin typeface="Times New Roman" pitchFamily="18" charset="0"/>
-                <a:cs typeface="Times New Roman" pitchFamily="18" charset="0"/>
-              </a:rPr>
-              <a:t>Dopo aver cambiato le impostazioni, è possibile cambiare il modulo e la directory delle risorse selezionando il set di risorse in cui si vuole aggiungere il vector drawable.</a:t>
-            </a:r>
-          </a:p>
-          <a:p>
-            <a:r>
-              <a:rPr lang="it-IT" sz="2400" smtClean="0">
-                <a:latin typeface="Times New Roman" pitchFamily="18" charset="0"/>
-                <a:cs typeface="Times New Roman" pitchFamily="18" charset="0"/>
-              </a:rPr>
-              <a:t>Per definire un nuovo set, selezionare File &gt; Project Structure &gt; app &gt; Build Types.</a:t>
-            </a:r>
-          </a:p>
-          <a:p>
-            <a:endParaRPr lang="it-IT" sz="2400" smtClean="0">
-              <a:latin typeface="Times New Roman" pitchFamily="18" charset="0"/>
-              <a:cs typeface="Times New Roman" pitchFamily="18" charset="0"/>
-            </a:endParaRPr>
-          </a:p>
-          <a:p>
-            <a:r>
-              <a:rPr lang="it-IT" sz="2400" smtClean="0">
-                <a:latin typeface="Times New Roman" pitchFamily="18" charset="0"/>
-                <a:cs typeface="Times New Roman" pitchFamily="18" charset="0"/>
-              </a:rPr>
-              <a:t>Fatto questo, Vector Asset Studio aggiungerà un file XML al progetto, che definisce il vector drawable, e che viene messo nel folder </a:t>
-            </a:r>
-            <a:r>
-              <a:rPr lang="it-IT" sz="2200" smtClean="0">
+              <a:rPr lang="it-IT" sz="2400" dirty="0">
+                <a:latin typeface="Times New Roman" pitchFamily="18" charset="0"/>
+                <a:cs typeface="Times New Roman" pitchFamily="18" charset="0"/>
+              </a:rPr>
+              <a:t>Dopo aver cambiato le impostazioni, è possibile cambiare il modulo e la directory delle risorse selezionando il set di risorse in cui si vuole aggiungere il </a:t>
+            </a:r>
+            <a:r>
+              <a:rPr lang="it-IT" sz="2400" dirty="0" err="1">
+                <a:latin typeface="Times New Roman" pitchFamily="18" charset="0"/>
+                <a:cs typeface="Times New Roman" pitchFamily="18" charset="0"/>
+              </a:rPr>
+              <a:t>vector</a:t>
+            </a:r>
+            <a:r>
+              <a:rPr lang="it-IT" sz="2400" dirty="0">
+                <a:latin typeface="Times New Roman" pitchFamily="18" charset="0"/>
+                <a:cs typeface="Times New Roman" pitchFamily="18" charset="0"/>
+              </a:rPr>
+              <a:t> </a:t>
+            </a:r>
+            <a:r>
+              <a:rPr lang="it-IT" sz="2400" dirty="0" err="1">
+                <a:latin typeface="Times New Roman" pitchFamily="18" charset="0"/>
+                <a:cs typeface="Times New Roman" pitchFamily="18" charset="0"/>
+              </a:rPr>
+              <a:t>drawable</a:t>
+            </a:r>
+            <a:r>
+              <a:rPr lang="it-IT" sz="2400" dirty="0">
+                <a:latin typeface="Times New Roman" pitchFamily="18" charset="0"/>
+                <a:cs typeface="Times New Roman" pitchFamily="18" charset="0"/>
+              </a:rPr>
+              <a:t>.</a:t>
+            </a:r>
+          </a:p>
+          <a:p>
+            <a:r>
+              <a:rPr lang="it-IT" sz="2400" dirty="0">
+                <a:latin typeface="Times New Roman" pitchFamily="18" charset="0"/>
+                <a:cs typeface="Times New Roman" pitchFamily="18" charset="0"/>
+              </a:rPr>
+              <a:t>Per definire un nuovo set, selezionare File &gt; Project </a:t>
+            </a:r>
+            <a:r>
+              <a:rPr lang="it-IT" sz="2400" dirty="0" err="1">
+                <a:latin typeface="Times New Roman" pitchFamily="18" charset="0"/>
+                <a:cs typeface="Times New Roman" pitchFamily="18" charset="0"/>
+              </a:rPr>
+              <a:t>Structure</a:t>
+            </a:r>
+            <a:r>
+              <a:rPr lang="it-IT" sz="2400" dirty="0">
+                <a:latin typeface="Times New Roman" pitchFamily="18" charset="0"/>
+                <a:cs typeface="Times New Roman" pitchFamily="18" charset="0"/>
+              </a:rPr>
+              <a:t> &gt; app &gt; Build </a:t>
+            </a:r>
+            <a:r>
+              <a:rPr lang="it-IT" sz="2400" dirty="0" err="1">
+                <a:latin typeface="Times New Roman" pitchFamily="18" charset="0"/>
+                <a:cs typeface="Times New Roman" pitchFamily="18" charset="0"/>
+              </a:rPr>
+              <a:t>Types</a:t>
+            </a:r>
+            <a:r>
+              <a:rPr lang="it-IT" sz="2400" dirty="0">
+                <a:latin typeface="Times New Roman" pitchFamily="18" charset="0"/>
+                <a:cs typeface="Times New Roman" pitchFamily="18" charset="0"/>
+              </a:rPr>
+              <a:t>.</a:t>
+            </a:r>
+          </a:p>
+          <a:p>
+            <a:r>
+              <a:rPr lang="it-IT" sz="2400" dirty="0">
+                <a:latin typeface="Times New Roman" pitchFamily="18" charset="0"/>
+                <a:cs typeface="Times New Roman" pitchFamily="18" charset="0"/>
+              </a:rPr>
+              <a:t>Fatto questo, </a:t>
+            </a:r>
+            <a:r>
+              <a:rPr lang="it-IT" sz="2400" dirty="0" err="1">
+                <a:latin typeface="Times New Roman" pitchFamily="18" charset="0"/>
+                <a:cs typeface="Times New Roman" pitchFamily="18" charset="0"/>
+              </a:rPr>
+              <a:t>Vector</a:t>
+            </a:r>
+            <a:r>
+              <a:rPr lang="it-IT" sz="2400" dirty="0">
+                <a:latin typeface="Times New Roman" pitchFamily="18" charset="0"/>
+                <a:cs typeface="Times New Roman" pitchFamily="18" charset="0"/>
+              </a:rPr>
+              <a:t> Asset Studio aggiungerà un file XML al progetto, che definisce il </a:t>
+            </a:r>
+            <a:r>
+              <a:rPr lang="it-IT" sz="2400" dirty="0" err="1">
+                <a:latin typeface="Times New Roman" pitchFamily="18" charset="0"/>
+                <a:cs typeface="Times New Roman" pitchFamily="18" charset="0"/>
+              </a:rPr>
+              <a:t>vector</a:t>
+            </a:r>
+            <a:r>
+              <a:rPr lang="it-IT" sz="2400" dirty="0">
+                <a:latin typeface="Times New Roman" pitchFamily="18" charset="0"/>
+                <a:cs typeface="Times New Roman" pitchFamily="18" charset="0"/>
+              </a:rPr>
+              <a:t> </a:t>
+            </a:r>
+            <a:r>
+              <a:rPr lang="it-IT" sz="2400" dirty="0" err="1">
+                <a:latin typeface="Times New Roman" pitchFamily="18" charset="0"/>
+                <a:cs typeface="Times New Roman" pitchFamily="18" charset="0"/>
+              </a:rPr>
+              <a:t>drawable</a:t>
+            </a:r>
+            <a:r>
+              <a:rPr lang="it-IT" sz="2400" dirty="0">
+                <a:latin typeface="Times New Roman" pitchFamily="18" charset="0"/>
+                <a:cs typeface="Times New Roman" pitchFamily="18" charset="0"/>
+              </a:rPr>
+              <a:t>, e che viene messo nel folder </a:t>
+            </a:r>
+            <a:r>
+              <a:rPr lang="it-IT" sz="2200" dirty="0">
                 <a:latin typeface="Courier New" pitchFamily="49" charset="0"/>
                 <a:cs typeface="Courier New" pitchFamily="49" charset="0"/>
               </a:rPr>
-              <a:t>app/src/main/res/drawable</a:t>
-            </a:r>
-            <a:r>
-              <a:rPr lang="it-IT" sz="2400" smtClean="0">
+              <a:t>app/</a:t>
+            </a:r>
+            <a:r>
+              <a:rPr lang="it-IT" sz="2200" dirty="0" err="1">
+                <a:latin typeface="Courier New" pitchFamily="49" charset="0"/>
+                <a:cs typeface="Courier New" pitchFamily="49" charset="0"/>
+              </a:rPr>
+              <a:t>src</a:t>
+            </a:r>
+            <a:r>
+              <a:rPr lang="it-IT" sz="2200" dirty="0">
+                <a:latin typeface="Courier New" pitchFamily="49" charset="0"/>
+                <a:cs typeface="Courier New" pitchFamily="49" charset="0"/>
+              </a:rPr>
+              <a:t>/</a:t>
+            </a:r>
+            <a:r>
+              <a:rPr lang="it-IT" sz="2200" dirty="0" err="1">
+                <a:latin typeface="Courier New" pitchFamily="49" charset="0"/>
+                <a:cs typeface="Courier New" pitchFamily="49" charset="0"/>
+              </a:rPr>
+              <a:t>main</a:t>
+            </a:r>
+            <a:r>
+              <a:rPr lang="it-IT" sz="2200" dirty="0">
+                <a:latin typeface="Courier New" pitchFamily="49" charset="0"/>
+                <a:cs typeface="Courier New" pitchFamily="49" charset="0"/>
+              </a:rPr>
+              <a:t>/res/</a:t>
+            </a:r>
+            <a:r>
+              <a:rPr lang="it-IT" sz="2200" dirty="0" err="1">
+                <a:latin typeface="Courier New" pitchFamily="49" charset="0"/>
+                <a:cs typeface="Courier New" pitchFamily="49" charset="0"/>
+              </a:rPr>
+              <a:t>drawable</a:t>
+            </a:r>
+            <a:r>
+              <a:rPr lang="it-IT" sz="1600" dirty="0">
                 <a:latin typeface="Times New Roman" pitchFamily="18" charset="0"/>
                 <a:cs typeface="Times New Roman" pitchFamily="18" charset="0"/>
               </a:rPr>
               <a:t>.</a:t>
             </a:r>
-            <a:endParaRPr lang="it-IT" sz="2400">
+            <a:endParaRPr lang="it-IT" sz="1600" dirty="0">
               <a:latin typeface="Courier New" pitchFamily="49" charset="0"/>
               <a:cs typeface="Courier New" pitchFamily="49" charset="0"/>
             </a:endParaRPr>
           </a:p>
+          <a:p>
+            <a:endParaRPr lang="it-IT" dirty="0"/>
+          </a:p>
         </p:txBody>
       </p:sp>
     </p:spTree>
+    <p:extLst>
+      <p:ext uri="{BB962C8B-B14F-4D97-AF65-F5344CB8AC3E}">
+        <p14:creationId xmlns:p14="http://schemas.microsoft.com/office/powerpoint/2010/main" val="751576600"/>
+      </p:ext>
+    </p:extLst>
   </p:cSld>
   <p:clrMapOvr>
     <a:masterClrMapping/>
@@ -8097,10 +8934,9 @@
           <a:lstStyle/>
           <a:p>
             <a:r>
-              <a:rPr lang="it-IT" smtClean="0"/>
+              <a:rPr lang="it-IT" dirty="0"/>
               <a:t>Importare un file SVG o PSD</a:t>
             </a:r>
-            <a:endParaRPr lang="it-IT"/>
           </a:p>
         </p:txBody>
       </p:sp>
@@ -8112,8 +8948,8 @@
         </p:nvSpPr>
         <p:spPr>
           <a:xfrm>
-            <a:off x="1175657" y="3151415"/>
-            <a:ext cx="4098472" cy="1200329"/>
+            <a:off x="1066800" y="3151415"/>
+            <a:ext cx="4207329" cy="1200329"/>
           </a:xfrm>
           <a:prstGeom prst="rect">
             <a:avLst/>
@@ -8127,16 +8963,26 @@
           <a:lstStyle/>
           <a:p>
             <a:r>
-              <a:rPr lang="it-IT" sz="2400" smtClean="0">
-                <a:latin typeface="Times New Roman" pitchFamily="18" charset="0"/>
-                <a:cs typeface="Times New Roman" pitchFamily="18" charset="0"/>
-              </a:rPr>
-              <a:t>Cliccando su Local File posso selezionare un mio file SVG o PSD indicandone il path.</a:t>
-            </a:r>
-            <a:endParaRPr lang="it-IT" sz="2400">
-              <a:latin typeface="Times New Roman" pitchFamily="18" charset="0"/>
-              <a:cs typeface="Times New Roman" pitchFamily="18" charset="0"/>
-            </a:endParaRPr>
+              <a:rPr lang="it-IT" sz="2400" dirty="0">
+                <a:latin typeface="Times New Roman" pitchFamily="18" charset="0"/>
+                <a:cs typeface="Times New Roman" pitchFamily="18" charset="0"/>
+              </a:rPr>
+              <a:t>Cliccando su Local File posso selezionare un mio file SVG o PSD indicandone il </a:t>
+            </a:r>
+            <a:r>
+              <a:rPr lang="it-IT" sz="2400" dirty="0" err="1">
+                <a:latin typeface="Times New Roman" pitchFamily="18" charset="0"/>
+                <a:cs typeface="Times New Roman" pitchFamily="18" charset="0"/>
+              </a:rPr>
+              <a:t>path</a:t>
+            </a:r>
+            <a:r>
+              <a:rPr lang="it-IT" sz="2400" dirty="0">
+                <a:latin typeface="Times New Roman" pitchFamily="18" charset="0"/>
+                <a:cs typeface="Times New Roman" pitchFamily="18" charset="0"/>
+              </a:rPr>
+              <a:t>.</a:t>
+            </a:r>
           </a:p>
         </p:txBody>
       </p:sp>
@@ -8145,7 +8991,7 @@
           <p:cNvPr id="7" name="Segnaposto contenuto 5">
             <a:extLst>
               <a:ext uri="{FF2B5EF4-FFF2-40B4-BE49-F238E27FC236}">
-                <a16:creationId xmlns:a16="http://schemas.microsoft.com/office/drawing/2014/main" xmlns="" id="{4897E952-8496-4CAA-AE2B-A29C31AC6738}"/>
+                <a16:creationId xmlns:a16="http://schemas.microsoft.com/office/drawing/2014/main" id="{4897E952-8496-4CAA-AE2B-A29C31AC6738}"/>
               </a:ext>
             </a:extLst>
           </p:cNvPr>
@@ -8160,7 +9006,7 @@
           <a:blip r:embed="rId2" cstate="print">
             <a:extLst>
               <a:ext uri="{28A0092B-C50C-407E-A947-70E740481C1C}">
-                <a14:useLocalDpi xmlns:a14="http://schemas.microsoft.com/office/drawing/2010/main" xmlns="" val="0"/>
+                <a14:useLocalDpi xmlns:a14="http://schemas.microsoft.com/office/drawing/2010/main" val="0"/>
               </a:ext>
             </a:extLst>
           </a:blip>
@@ -8201,7 +9047,41 @@
       </p:grpSpPr>
       <p:sp>
         <p:nvSpPr>
-          <p:cNvPr id="3" name="Segnaposto contenuto 2"/>
+          <p:cNvPr id="2" name="Titolo 1">
+            <a:extLst>
+              <a:ext uri="{FF2B5EF4-FFF2-40B4-BE49-F238E27FC236}">
+                <a16:creationId xmlns:a16="http://schemas.microsoft.com/office/drawing/2014/main" id="{26A9B841-7F0D-41E0-BB46-A7B5DE15A83B}"/>
+              </a:ext>
+            </a:extLst>
+          </p:cNvPr>
+          <p:cNvSpPr>
+            <a:spLocks noGrp="1"/>
+          </p:cNvSpPr>
+          <p:nvPr>
+            <p:ph type="title"/>
+          </p:nvPr>
+        </p:nvSpPr>
+        <p:spPr/>
+        <p:txBody>
+          <a:bodyPr/>
+          <a:lstStyle/>
+          <a:p>
+            <a:r>
+              <a:rPr lang="it-IT" dirty="0"/>
+              <a:t>Importare un file SVG o PSD</a:t>
+            </a:r>
+          </a:p>
+        </p:txBody>
+      </p:sp>
+      <p:sp>
+        <p:nvSpPr>
+          <p:cNvPr id="3" name="Segnaposto contenuto 2">
+            <a:extLst>
+              <a:ext uri="{FF2B5EF4-FFF2-40B4-BE49-F238E27FC236}">
+                <a16:creationId xmlns:a16="http://schemas.microsoft.com/office/drawing/2014/main" id="{909CEFB6-39A5-4F80-BC1A-B02BF7E6A3E2}"/>
+              </a:ext>
+            </a:extLst>
+          </p:cNvPr>
           <p:cNvSpPr>
             <a:spLocks noGrp="1"/>
           </p:cNvSpPr>
@@ -8211,63 +9091,119 @@
         </p:nvSpPr>
         <p:spPr>
           <a:xfrm>
-            <a:off x="751114" y="1890848"/>
-            <a:ext cx="5241472" cy="3849624"/>
+            <a:off x="1066800" y="2103120"/>
+            <a:ext cx="4933950" cy="3849624"/>
           </a:xfrm>
         </p:spPr>
         <p:txBody>
-          <a:bodyPr>
-            <a:noAutofit/>
-          </a:bodyPr>
+          <a:bodyPr/>
           <a:lstStyle/>
           <a:p>
-            <a:pPr>
+            <a:pPr marL="0">
               <a:lnSpc>
                 <a:spcPct val="100000"/>
               </a:lnSpc>
               <a:buNone/>
             </a:pPr>
             <a:r>
-              <a:rPr lang="it-IT" sz="2400" smtClean="0">
-                <a:latin typeface="Times New Roman" panose="02020603050405020304" pitchFamily="18" charset="0"/>
-                <a:cs typeface="Times New Roman" panose="02020603050405020304" pitchFamily="18" charset="0"/>
+              <a:rPr lang="it-IT" sz="2400" dirty="0">
+                <a:latin typeface="Times New Roman" pitchFamily="18" charset="0"/>
+                <a:cs typeface="Times New Roman" pitchFamily="18" charset="0"/>
               </a:rPr>
               <a:t>In entrambi i casi si vedrà un’anteprima dell’immagine scelta.</a:t>
             </a:r>
           </a:p>
           <a:p>
-            <a:pPr>
+            <a:pPr marL="0">
               <a:lnSpc>
                 <a:spcPct val="100000"/>
               </a:lnSpc>
               <a:buNone/>
             </a:pPr>
             <a:r>
-              <a:rPr lang="it-IT" sz="2400" smtClean="0">
-                <a:latin typeface="Times New Roman" panose="02020603050405020304" pitchFamily="18" charset="0"/>
-                <a:cs typeface="Times New Roman" panose="02020603050405020304" pitchFamily="18" charset="0"/>
-              </a:rPr>
-              <a:t>Nella pagina successiva si può vedere il file SML nella directory web/drawable.</a:t>
-            </a:r>
-          </a:p>
-          <a:p>
-            <a:pPr>
+              <a:rPr lang="it-IT" sz="2400" dirty="0">
+                <a:latin typeface="Times New Roman" pitchFamily="18" charset="0"/>
+                <a:cs typeface="Times New Roman" pitchFamily="18" charset="0"/>
+              </a:rPr>
+              <a:t>Nella pagina successiva si può vedere il file SML nella directory web/</a:t>
+            </a:r>
+            <a:r>
+              <a:rPr lang="it-IT" sz="2400" dirty="0" err="1">
+                <a:latin typeface="Times New Roman" pitchFamily="18" charset="0"/>
+                <a:cs typeface="Times New Roman" pitchFamily="18" charset="0"/>
+              </a:rPr>
+              <a:t>drawable</a:t>
+            </a:r>
+            <a:r>
+              <a:rPr lang="it-IT" sz="2400" dirty="0">
+                <a:latin typeface="Times New Roman" pitchFamily="18" charset="0"/>
+                <a:cs typeface="Times New Roman" pitchFamily="18" charset="0"/>
+              </a:rPr>
+              <a:t>.</a:t>
+            </a:r>
+          </a:p>
+          <a:p>
+            <a:pPr marL="0">
               <a:lnSpc>
                 <a:spcPct val="100000"/>
               </a:lnSpc>
               <a:buNone/>
             </a:pPr>
             <a:r>
-              <a:rPr lang="it-IT" sz="2400" smtClean="0">
-                <a:latin typeface="Times New Roman" panose="02020603050405020304" pitchFamily="18" charset="0"/>
-                <a:cs typeface="Times New Roman" panose="02020603050405020304" pitchFamily="18" charset="0"/>
-              </a:rPr>
-              <a:t>Premendo Finish si conferma il Path in cui verrà salvata l’immagine.</a:t>
-            </a:r>
-            <a:endParaRPr lang="it-IT" sz="2400" dirty="0">
-              <a:latin typeface="Times New Roman" panose="02020603050405020304" pitchFamily="18" charset="0"/>
-              <a:cs typeface="Times New Roman" panose="02020603050405020304" pitchFamily="18" charset="0"/>
-            </a:endParaRPr>
+              <a:rPr lang="it-IT" sz="2400" dirty="0">
+                <a:latin typeface="Times New Roman" pitchFamily="18" charset="0"/>
+                <a:cs typeface="Times New Roman" pitchFamily="18" charset="0"/>
+              </a:rPr>
+              <a:t>Premendo Finish si conferma il </a:t>
+            </a:r>
+            <a:r>
+              <a:rPr lang="it-IT" sz="2400" dirty="0" err="1">
+                <a:latin typeface="Times New Roman" pitchFamily="18" charset="0"/>
+                <a:cs typeface="Times New Roman" pitchFamily="18" charset="0"/>
+              </a:rPr>
+              <a:t>Path</a:t>
+            </a:r>
+            <a:r>
+              <a:rPr lang="it-IT" sz="2400" dirty="0">
+                <a:latin typeface="Times New Roman" pitchFamily="18" charset="0"/>
+                <a:cs typeface="Times New Roman" pitchFamily="18" charset="0"/>
+              </a:rPr>
+              <a:t> in cui verrà salvata l’immagine.</a:t>
+            </a:r>
+          </a:p>
+          <a:p>
+            <a:endParaRPr lang="it-IT" dirty="0"/>
+          </a:p>
+        </p:txBody>
+      </p:sp>
+      <p:sp>
+        <p:nvSpPr>
+          <p:cNvPr id="4" name="Segnaposto data 3">
+            <a:extLst>
+              <a:ext uri="{FF2B5EF4-FFF2-40B4-BE49-F238E27FC236}">
+                <a16:creationId xmlns:a16="http://schemas.microsoft.com/office/drawing/2014/main" id="{A8C0B0CC-465A-40AD-B41A-5B6B8E1D06B2}"/>
+              </a:ext>
+            </a:extLst>
+          </p:cNvPr>
+          <p:cNvSpPr>
+            <a:spLocks noGrp="1"/>
+          </p:cNvSpPr>
+          <p:nvPr>
+            <p:ph type="dt" sz="half" idx="10"/>
+          </p:nvPr>
+        </p:nvSpPr>
+        <p:spPr/>
+        <p:txBody>
+          <a:bodyPr/>
+          <a:lstStyle/>
+          <a:p>
+            <a:pPr rtl="0"/>
+            <a:fld id="{85E0D28E-6F2F-4715-A424-3B01AC64AD4B}" type="datetime1">
+              <a:rPr lang="it-IT" smtClean="0"/>
+              <a:pPr rtl="0"/>
+              <a:t>22/06/2020</a:t>
+            </a:fld>
+            <a:endParaRPr lang="en-US"/>
           </a:p>
         </p:txBody>
       </p:sp>
@@ -8276,7 +9212,7 @@
           <p:cNvPr id="5" name="Segnaposto contenuto 5">
             <a:extLst>
               <a:ext uri="{FF2B5EF4-FFF2-40B4-BE49-F238E27FC236}">
-                <a16:creationId xmlns:a16="http://schemas.microsoft.com/office/drawing/2014/main" xmlns="" id="{61510913-41E3-435E-A44C-417D65A7502B}"/>
+                <a16:creationId xmlns:a16="http://schemas.microsoft.com/office/drawing/2014/main" id="{1F31C3FB-D597-4434-97B7-236C8FA296CF}"/>
               </a:ext>
             </a:extLst>
           </p:cNvPr>
@@ -8289,7 +9225,7 @@
           <a:blip r:embed="rId2" cstate="print">
             <a:extLst>
               <a:ext uri="{28A0092B-C50C-407E-A947-70E740481C1C}">
-                <a14:useLocalDpi xmlns:a14="http://schemas.microsoft.com/office/drawing/2010/main" xmlns="" val="0"/>
+                <a14:useLocalDpi xmlns:a14="http://schemas.microsoft.com/office/drawing/2010/main" val="0"/>
               </a:ext>
             </a:extLst>
           </a:blip>
@@ -8298,7 +9234,7 @@
         </p:blipFill>
         <p:spPr>
           <a:xfrm>
-            <a:off x="6145384" y="1393708"/>
+            <a:off x="6096000" y="1828005"/>
             <a:ext cx="5404832" cy="4124739"/>
           </a:xfrm>
           <a:prstGeom prst="rect">
@@ -8307,6 +9243,11 @@
         </p:spPr>
       </p:pic>
     </p:spTree>
+    <p:extLst>
+      <p:ext uri="{BB962C8B-B14F-4D97-AF65-F5344CB8AC3E}">
+        <p14:creationId xmlns:p14="http://schemas.microsoft.com/office/powerpoint/2010/main" val="1059328917"/>
+      </p:ext>
+    </p:extLst>
   </p:cSld>
   <p:clrMapOvr>
     <a:masterClrMapping/>
@@ -8347,10 +9288,18 @@
           <a:lstStyle/>
           <a:p>
             <a:r>
-              <a:rPr lang="it-IT" smtClean="0"/>
-              <a:t>Riguardo Vector Asset Studio</a:t>
-            </a:r>
-            <a:endParaRPr lang="it-IT"/>
+              <a:rPr lang="it-IT" dirty="0" err="1">
+                <a:cs typeface="Times New Roman" panose="02020603050405020304" pitchFamily="18" charset="0"/>
+              </a:rPr>
+              <a:t>Vector</a:t>
+            </a:r>
+            <a:r>
+              <a:rPr lang="it-IT" dirty="0">
+                <a:cs typeface="Times New Roman" panose="02020603050405020304" pitchFamily="18" charset="0"/>
+              </a:rPr>
+              <a:t> Asset Studio - Introduzione</a:t>
+            </a:r>
+            <a:endParaRPr lang="it-IT" dirty="0"/>
           </a:p>
         </p:txBody>
       </p:sp>
@@ -8367,109 +9316,253 @@
         <p:spPr/>
         <p:txBody>
           <a:bodyPr>
-            <a:normAutofit lnSpcReduction="10000"/>
+            <a:normAutofit fontScale="92500" lnSpcReduction="20000"/>
           </a:bodyPr>
           <a:lstStyle/>
           <a:p>
-            <a:pPr>
+            <a:pPr marL="0" indent="0">
+              <a:lnSpc>
+                <a:spcPct val="120000"/>
+              </a:lnSpc>
               <a:buNone/>
             </a:pPr>
             <a:r>
-              <a:rPr lang="it-IT" sz="2400" smtClean="0">
-                <a:latin typeface="Times New Roman" pitchFamily="18" charset="0"/>
-                <a:cs typeface="Times New Roman" pitchFamily="18" charset="0"/>
-              </a:rPr>
-              <a:t>Vector Asset Studio aggiunge una grafica vettoriale al progetto con un file XML che descrive l’immagine.</a:t>
-            </a:r>
-          </a:p>
-          <a:p>
-            <a:pPr>
+              <a:rPr lang="it-IT" sz="2600" dirty="0" err="1">
+                <a:latin typeface="Times New Roman" panose="02020603050405020304" pitchFamily="18" charset="0"/>
+                <a:cs typeface="Times New Roman" panose="02020603050405020304" pitchFamily="18" charset="0"/>
+              </a:rPr>
+              <a:t>Vector</a:t>
+            </a:r>
+            <a:r>
+              <a:rPr lang="it-IT" sz="2600" dirty="0">
+                <a:latin typeface="Times New Roman" panose="02020603050405020304" pitchFamily="18" charset="0"/>
+                <a:cs typeface="Times New Roman" panose="02020603050405020304" pitchFamily="18" charset="0"/>
+              </a:rPr>
+              <a:t> Asset Studio aggiunge una grafica vettoriale al progetto con un file XML che descrive l’immagine.</a:t>
+            </a:r>
+          </a:p>
+          <a:p>
+            <a:pPr marL="0" indent="0">
+              <a:lnSpc>
+                <a:spcPct val="120000"/>
+              </a:lnSpc>
               <a:buNone/>
             </a:pPr>
             <a:r>
-              <a:rPr lang="it-IT" sz="2400" smtClean="0">
-                <a:latin typeface="Times New Roman" pitchFamily="18" charset="0"/>
-                <a:cs typeface="Times New Roman" pitchFamily="18" charset="0"/>
-              </a:rPr>
-              <a:t>Le versioni da Android 4.4 (API level 20) e più vecchie non supportano i vector drawables. In questi casi con Vector Asset Studio si può solo generare file PNG (Portable Network Graphic) o usare la libreria di supporto.</a:t>
-            </a:r>
-          </a:p>
-          <a:p>
-            <a:pPr>
+              <a:rPr lang="it-IT" sz="2600" dirty="0">
+                <a:latin typeface="Times New Roman" panose="02020603050405020304" pitchFamily="18" charset="0"/>
+                <a:cs typeface="Times New Roman" panose="02020603050405020304" pitchFamily="18" charset="0"/>
+              </a:rPr>
+              <a:t>Le versioni da Android 4.4 (API </a:t>
+            </a:r>
+            <a:r>
+              <a:rPr lang="it-IT" sz="2600" dirty="0" err="1">
+                <a:latin typeface="Times New Roman" panose="02020603050405020304" pitchFamily="18" charset="0"/>
+                <a:cs typeface="Times New Roman" panose="02020603050405020304" pitchFamily="18" charset="0"/>
+              </a:rPr>
+              <a:t>level</a:t>
+            </a:r>
+            <a:r>
+              <a:rPr lang="it-IT" sz="2600" dirty="0">
+                <a:latin typeface="Times New Roman" panose="02020603050405020304" pitchFamily="18" charset="0"/>
+                <a:cs typeface="Times New Roman" panose="02020603050405020304" pitchFamily="18" charset="0"/>
+              </a:rPr>
+              <a:t> 20) e più vecchie non supportano i </a:t>
+            </a:r>
+            <a:r>
+              <a:rPr lang="it-IT" sz="2600" dirty="0" err="1">
+                <a:latin typeface="Times New Roman" panose="02020603050405020304" pitchFamily="18" charset="0"/>
+                <a:cs typeface="Times New Roman" panose="02020603050405020304" pitchFamily="18" charset="0"/>
+              </a:rPr>
+              <a:t>vector</a:t>
+            </a:r>
+            <a:r>
+              <a:rPr lang="it-IT" sz="2600" dirty="0">
+                <a:latin typeface="Times New Roman" panose="02020603050405020304" pitchFamily="18" charset="0"/>
+                <a:cs typeface="Times New Roman" panose="02020603050405020304" pitchFamily="18" charset="0"/>
+              </a:rPr>
+              <a:t> </a:t>
+            </a:r>
+            <a:r>
+              <a:rPr lang="it-IT" sz="2600" dirty="0" err="1">
+                <a:latin typeface="Times New Roman" panose="02020603050405020304" pitchFamily="18" charset="0"/>
+                <a:cs typeface="Times New Roman" panose="02020603050405020304" pitchFamily="18" charset="0"/>
+              </a:rPr>
+              <a:t>drawables</a:t>
+            </a:r>
+            <a:r>
+              <a:rPr lang="it-IT" sz="2600" dirty="0">
+                <a:latin typeface="Times New Roman" panose="02020603050405020304" pitchFamily="18" charset="0"/>
+                <a:cs typeface="Times New Roman" panose="02020603050405020304" pitchFamily="18" charset="0"/>
+              </a:rPr>
+              <a:t>. In questi casi con </a:t>
+            </a:r>
+            <a:r>
+              <a:rPr lang="it-IT" sz="2600" dirty="0" err="1">
+                <a:latin typeface="Times New Roman" panose="02020603050405020304" pitchFamily="18" charset="0"/>
+                <a:cs typeface="Times New Roman" panose="02020603050405020304" pitchFamily="18" charset="0"/>
+              </a:rPr>
+              <a:t>Vector</a:t>
+            </a:r>
+            <a:r>
+              <a:rPr lang="it-IT" sz="2600" dirty="0">
+                <a:latin typeface="Times New Roman" panose="02020603050405020304" pitchFamily="18" charset="0"/>
+                <a:cs typeface="Times New Roman" panose="02020603050405020304" pitchFamily="18" charset="0"/>
+              </a:rPr>
+              <a:t> Asset Studio si possono solo generare file PNG (</a:t>
+            </a:r>
+            <a:r>
+              <a:rPr lang="it-IT" sz="2600" dirty="0" err="1">
+                <a:latin typeface="Times New Roman" panose="02020603050405020304" pitchFamily="18" charset="0"/>
+                <a:cs typeface="Times New Roman" panose="02020603050405020304" pitchFamily="18" charset="0"/>
+              </a:rPr>
+              <a:t>Portable</a:t>
+            </a:r>
+            <a:r>
+              <a:rPr lang="it-IT" sz="2600" dirty="0">
+                <a:latin typeface="Times New Roman" panose="02020603050405020304" pitchFamily="18" charset="0"/>
+                <a:cs typeface="Times New Roman" panose="02020603050405020304" pitchFamily="18" charset="0"/>
+              </a:rPr>
+              <a:t> Network Graphic) o usare la libreria di supporto.</a:t>
+            </a:r>
+          </a:p>
+          <a:p>
+            <a:pPr marL="0" indent="0">
+              <a:lnSpc>
+                <a:spcPct val="120000"/>
+              </a:lnSpc>
               <a:buNone/>
             </a:pPr>
             <a:r>
-              <a:rPr lang="it-IT" sz="2400" smtClean="0">
-                <a:latin typeface="Times New Roman" pitchFamily="18" charset="0"/>
-                <a:cs typeface="Times New Roman" pitchFamily="18" charset="0"/>
-              </a:rPr>
-              <a:t>Per la retrocompatibilità, Vector Asset Studio genera immagini bitmap del vector drawable. I drawable sono nello stesso package nell’APK.</a:t>
-            </a:r>
-          </a:p>
-          <a:p>
-            <a:pPr>
+              <a:rPr lang="it-IT" sz="2600" dirty="0">
+                <a:latin typeface="Times New Roman" panose="02020603050405020304" pitchFamily="18" charset="0"/>
+                <a:cs typeface="Times New Roman" panose="02020603050405020304" pitchFamily="18" charset="0"/>
+              </a:rPr>
+              <a:t>Per la retrocompatibilità, </a:t>
+            </a:r>
+            <a:r>
+              <a:rPr lang="it-IT" sz="2600" dirty="0" err="1">
+                <a:latin typeface="Times New Roman" panose="02020603050405020304" pitchFamily="18" charset="0"/>
+                <a:cs typeface="Times New Roman" panose="02020603050405020304" pitchFamily="18" charset="0"/>
+              </a:rPr>
+              <a:t>Vector</a:t>
+            </a:r>
+            <a:r>
+              <a:rPr lang="it-IT" sz="2600" dirty="0">
+                <a:latin typeface="Times New Roman" panose="02020603050405020304" pitchFamily="18" charset="0"/>
+                <a:cs typeface="Times New Roman" panose="02020603050405020304" pitchFamily="18" charset="0"/>
+              </a:rPr>
+              <a:t> Asset Studio genera immagini bitmap del </a:t>
+            </a:r>
+            <a:r>
+              <a:rPr lang="it-IT" sz="2600" dirty="0" err="1">
+                <a:latin typeface="Times New Roman" panose="02020603050405020304" pitchFamily="18" charset="0"/>
+                <a:cs typeface="Times New Roman" panose="02020603050405020304" pitchFamily="18" charset="0"/>
+              </a:rPr>
+              <a:t>vector</a:t>
+            </a:r>
+            <a:r>
+              <a:rPr lang="it-IT" sz="2600" dirty="0">
+                <a:latin typeface="Times New Roman" panose="02020603050405020304" pitchFamily="18" charset="0"/>
+                <a:cs typeface="Times New Roman" panose="02020603050405020304" pitchFamily="18" charset="0"/>
+              </a:rPr>
+              <a:t> </a:t>
+            </a:r>
+            <a:r>
+              <a:rPr lang="it-IT" sz="2600" dirty="0" err="1">
+                <a:latin typeface="Times New Roman" panose="02020603050405020304" pitchFamily="18" charset="0"/>
+                <a:cs typeface="Times New Roman" panose="02020603050405020304" pitchFamily="18" charset="0"/>
+              </a:rPr>
+              <a:t>drawable</a:t>
+            </a:r>
+            <a:r>
+              <a:rPr lang="it-IT" sz="2600" dirty="0">
+                <a:latin typeface="Times New Roman" panose="02020603050405020304" pitchFamily="18" charset="0"/>
+                <a:cs typeface="Times New Roman" panose="02020603050405020304" pitchFamily="18" charset="0"/>
+              </a:rPr>
+              <a:t>. I </a:t>
+            </a:r>
+            <a:r>
+              <a:rPr lang="it-IT" sz="2600" dirty="0" err="1">
+                <a:latin typeface="Times New Roman" panose="02020603050405020304" pitchFamily="18" charset="0"/>
+                <a:cs typeface="Times New Roman" panose="02020603050405020304" pitchFamily="18" charset="0"/>
+              </a:rPr>
+              <a:t>drawable</a:t>
+            </a:r>
+            <a:r>
+              <a:rPr lang="it-IT" sz="2600" dirty="0">
+                <a:latin typeface="Times New Roman" panose="02020603050405020304" pitchFamily="18" charset="0"/>
+                <a:cs typeface="Times New Roman" panose="02020603050405020304" pitchFamily="18" charset="0"/>
+              </a:rPr>
+              <a:t> sono nello stesso package nell’APK.</a:t>
+            </a:r>
+          </a:p>
+          <a:p>
+            <a:pPr marL="0" indent="0">
+              <a:lnSpc>
+                <a:spcPct val="120000"/>
+              </a:lnSpc>
               <a:buNone/>
             </a:pPr>
             <a:r>
-              <a:rPr lang="it-IT" sz="2400" smtClean="0">
-                <a:latin typeface="Times New Roman" pitchFamily="18" charset="0"/>
-                <a:cs typeface="Times New Roman" pitchFamily="18" charset="0"/>
-              </a:rPr>
-              <a:t>Per fare riferimento ai vector drawables uso Drawable nel codice Java oppure </a:t>
-            </a:r>
-            <a:r>
-              <a:rPr lang="it-IT" sz="2400" smtClean="0">
-                <a:latin typeface="Courier New" pitchFamily="49" charset="0"/>
-                <a:cs typeface="Courier New" pitchFamily="49" charset="0"/>
-              </a:rPr>
-              <a:t>@drawable </a:t>
-            </a:r>
-            <a:r>
-              <a:rPr lang="it-IT" sz="2400" smtClean="0">
-                <a:latin typeface="Times New Roman" pitchFamily="18" charset="0"/>
-                <a:cs typeface="Times New Roman" pitchFamily="18" charset="0"/>
-              </a:rPr>
-              <a:t>in XML.</a:t>
-            </a:r>
-          </a:p>
-          <a:p>
-            <a:endParaRPr lang="it-IT"/>
-          </a:p>
-        </p:txBody>
-      </p:sp>
-      <p:sp>
-        <p:nvSpPr>
-          <p:cNvPr id="5" name="CasellaDiTesto 4"/>
-          <p:cNvSpPr txBox="1"/>
-          <p:nvPr/>
-        </p:nvSpPr>
-        <p:spPr>
-          <a:xfrm>
-            <a:off x="1159329" y="5910943"/>
-            <a:ext cx="4261757" cy="307777"/>
-          </a:xfrm>
-          <a:prstGeom prst="rect">
-            <a:avLst/>
-          </a:prstGeom>
-          <a:noFill/>
-        </p:spPr>
-        <p:txBody>
-          <a:bodyPr wrap="square" rtlCol="0">
-            <a:spAutoFit/>
-          </a:bodyPr>
-          <a:lstStyle/>
-          <a:p>
-            <a:r>
-              <a:rPr lang="it-IT" sz="1400" smtClean="0">
-                <a:latin typeface="Arial Rounded MT Bold" pitchFamily="34" charset="0"/>
-                <a:ea typeface="Batang" pitchFamily="18" charset="-127"/>
-              </a:rPr>
-              <a:t>Vector Asset Studio - Introduzione</a:t>
-            </a:r>
-            <a:endParaRPr lang="it-IT" sz="1400">
-              <a:latin typeface="Arial Rounded MT Bold" pitchFamily="34" charset="0"/>
-              <a:ea typeface="Batang" pitchFamily="18" charset="-127"/>
-            </a:endParaRPr>
+              <a:rPr lang="it-IT" sz="2600" dirty="0" err="1">
+                <a:latin typeface="Times New Roman" panose="02020603050405020304" pitchFamily="18" charset="0"/>
+                <a:cs typeface="Times New Roman" panose="02020603050405020304" pitchFamily="18" charset="0"/>
+              </a:rPr>
+              <a:t>Vector</a:t>
+            </a:r>
+            <a:r>
+              <a:rPr lang="it-IT" sz="2600" dirty="0">
+                <a:latin typeface="Times New Roman" panose="02020603050405020304" pitchFamily="18" charset="0"/>
+                <a:cs typeface="Times New Roman" panose="02020603050405020304" pitchFamily="18" charset="0"/>
+              </a:rPr>
+              <a:t> </a:t>
+            </a:r>
+            <a:r>
+              <a:rPr lang="it-IT" sz="2600" dirty="0" err="1">
+                <a:latin typeface="Times New Roman" panose="02020603050405020304" pitchFamily="18" charset="0"/>
+                <a:cs typeface="Times New Roman" panose="02020603050405020304" pitchFamily="18" charset="0"/>
+              </a:rPr>
+              <a:t>Drawable</a:t>
+            </a:r>
+            <a:r>
+              <a:rPr lang="it-IT" sz="2600" dirty="0">
+                <a:latin typeface="Times New Roman" panose="02020603050405020304" pitchFamily="18" charset="0"/>
+                <a:cs typeface="Times New Roman" panose="02020603050405020304" pitchFamily="18" charset="0"/>
+              </a:rPr>
+              <a:t> fa riferimento alla classe </a:t>
+            </a:r>
+            <a:r>
+              <a:rPr lang="it-IT" sz="2600" dirty="0" err="1">
+                <a:latin typeface="Courier New" panose="02070309020205020404" pitchFamily="49" charset="0"/>
+                <a:cs typeface="Courier New" panose="02070309020205020404" pitchFamily="49" charset="0"/>
+              </a:rPr>
+              <a:t>Drawable</a:t>
+            </a:r>
+            <a:r>
+              <a:rPr lang="it-IT" sz="2600" dirty="0">
+                <a:latin typeface="Times New Roman" panose="02020603050405020304" pitchFamily="18" charset="0"/>
+                <a:cs typeface="Times New Roman" panose="02020603050405020304" pitchFamily="18" charset="0"/>
+              </a:rPr>
+              <a:t> nel codice Java oppure @</a:t>
+            </a:r>
+            <a:r>
+              <a:rPr lang="it-IT" sz="2600" dirty="0" err="1">
+                <a:latin typeface="Times New Roman" panose="02020603050405020304" pitchFamily="18" charset="0"/>
+                <a:cs typeface="Times New Roman" panose="02020603050405020304" pitchFamily="18" charset="0"/>
+              </a:rPr>
+              <a:t>drawable</a:t>
+            </a:r>
+            <a:r>
+              <a:rPr lang="it-IT" sz="2600" dirty="0">
+                <a:latin typeface="Times New Roman" panose="02020603050405020304" pitchFamily="18" charset="0"/>
+                <a:cs typeface="Times New Roman" panose="02020603050405020304" pitchFamily="18" charset="0"/>
+              </a:rPr>
+              <a:t> in XML.</a:t>
+            </a:r>
+          </a:p>
+          <a:p>
+            <a:endParaRPr lang="it-IT" dirty="0"/>
           </a:p>
         </p:txBody>
       </p:sp>
@@ -8500,56 +9593,216 @@
       </p:grpSpPr>
       <p:sp>
         <p:nvSpPr>
-          <p:cNvPr id="5" name="CasellaDiTesto 4"/>
-          <p:cNvSpPr txBox="1"/>
-          <p:nvPr/>
-        </p:nvSpPr>
-        <p:spPr>
-          <a:xfrm>
-            <a:off x="865416" y="2024742"/>
-            <a:ext cx="10531928" cy="2677656"/>
-          </a:xfrm>
-          <a:prstGeom prst="rect">
-            <a:avLst/>
-          </a:prstGeom>
-          <a:noFill/>
-        </p:spPr>
-        <p:txBody>
-          <a:bodyPr wrap="square" rtlCol="0">
-            <a:spAutoFit/>
-          </a:bodyPr>
+          <p:cNvPr id="2" name="Titolo 1">
+            <a:extLst>
+              <a:ext uri="{FF2B5EF4-FFF2-40B4-BE49-F238E27FC236}">
+                <a16:creationId xmlns:a16="http://schemas.microsoft.com/office/drawing/2014/main" id="{51066AFF-3BD8-4BF7-869B-B4156CA70610}"/>
+              </a:ext>
+            </a:extLst>
+          </p:cNvPr>
+          <p:cNvSpPr>
+            <a:spLocks noGrp="1"/>
+          </p:cNvSpPr>
+          <p:nvPr>
+            <p:ph type="title"/>
+          </p:nvPr>
+        </p:nvSpPr>
+        <p:spPr/>
+        <p:txBody>
+          <a:bodyPr/>
           <a:lstStyle/>
           <a:p>
             <a:r>
-              <a:rPr lang="it-IT" sz="2400" smtClean="0">
-                <a:latin typeface="Times New Roman" pitchFamily="18" charset="0"/>
-                <a:cs typeface="Times New Roman" pitchFamily="18" charset="0"/>
-              </a:rPr>
-              <a:t>Dopo aver scelto l’immagine desiderata, questa apparirà nella Vector Drawable Preview, e anche in questo caso è possibile modificare nome, grandezza, opacità e mirroring RTL allo stesso modo.</a:t>
-            </a:r>
-          </a:p>
-          <a:p>
-            <a:endParaRPr lang="it-IT" sz="2400" smtClean="0">
-              <a:latin typeface="Times New Roman" pitchFamily="18" charset="0"/>
-              <a:cs typeface="Times New Roman" pitchFamily="18" charset="0"/>
-            </a:endParaRPr>
-          </a:p>
-          <a:p>
-            <a:r>
-              <a:rPr lang="it-IT" sz="2400" smtClean="0">
-                <a:latin typeface="Times New Roman" pitchFamily="18" charset="0"/>
-                <a:cs typeface="Times New Roman" pitchFamily="18" charset="0"/>
-              </a:rPr>
-              <a:t>Poi bisogna scegliere il set di risorse in cui aggiungere il vector drawable e infine Vector Asset Studio aggiungerà un file XML al progetto. Dall’Android view della Project window è possibile vedere il file XML generato nel folder drawable.</a:t>
-            </a:r>
-            <a:endParaRPr lang="it-IT" sz="2400">
-              <a:latin typeface="Times New Roman" pitchFamily="18" charset="0"/>
-              <a:cs typeface="Times New Roman" pitchFamily="18" charset="0"/>
-            </a:endParaRPr>
+              <a:rPr lang="it-IT" dirty="0"/>
+              <a:t>Importare un file SVG o PSD</a:t>
+            </a:r>
+          </a:p>
+        </p:txBody>
+      </p:sp>
+      <p:sp>
+        <p:nvSpPr>
+          <p:cNvPr id="3" name="Segnaposto contenuto 2">
+            <a:extLst>
+              <a:ext uri="{FF2B5EF4-FFF2-40B4-BE49-F238E27FC236}">
+                <a16:creationId xmlns:a16="http://schemas.microsoft.com/office/drawing/2014/main" id="{29F48180-26C9-4A99-9570-15CF2F34CDD1}"/>
+              </a:ext>
+            </a:extLst>
+          </p:cNvPr>
+          <p:cNvSpPr>
+            <a:spLocks noGrp="1"/>
+          </p:cNvSpPr>
+          <p:nvPr>
+            <p:ph idx="1"/>
+          </p:nvPr>
+        </p:nvSpPr>
+        <p:spPr/>
+        <p:txBody>
+          <a:bodyPr/>
+          <a:lstStyle/>
+          <a:p>
+            <a:pPr marL="0" indent="0">
+              <a:buNone/>
+            </a:pPr>
+            <a:r>
+              <a:rPr lang="it-IT" sz="2400" dirty="0">
+                <a:latin typeface="Times New Roman" pitchFamily="18" charset="0"/>
+                <a:cs typeface="Times New Roman" pitchFamily="18" charset="0"/>
+              </a:rPr>
+              <a:t>Dopo aver scelto l’immagine desiderata, questa apparirà nella </a:t>
+            </a:r>
+            <a:r>
+              <a:rPr lang="it-IT" sz="2400" dirty="0" err="1">
+                <a:latin typeface="Times New Roman" pitchFamily="18" charset="0"/>
+                <a:cs typeface="Times New Roman" pitchFamily="18" charset="0"/>
+              </a:rPr>
+              <a:t>Vector</a:t>
+            </a:r>
+            <a:r>
+              <a:rPr lang="it-IT" sz="2400" dirty="0">
+                <a:latin typeface="Times New Roman" pitchFamily="18" charset="0"/>
+                <a:cs typeface="Times New Roman" pitchFamily="18" charset="0"/>
+              </a:rPr>
+              <a:t> </a:t>
+            </a:r>
+            <a:r>
+              <a:rPr lang="it-IT" sz="2400" dirty="0" err="1">
+                <a:latin typeface="Times New Roman" pitchFamily="18" charset="0"/>
+                <a:cs typeface="Times New Roman" pitchFamily="18" charset="0"/>
+              </a:rPr>
+              <a:t>Drawable</a:t>
+            </a:r>
+            <a:r>
+              <a:rPr lang="it-IT" sz="2400" dirty="0">
+                <a:latin typeface="Times New Roman" pitchFamily="18" charset="0"/>
+                <a:cs typeface="Times New Roman" pitchFamily="18" charset="0"/>
+              </a:rPr>
+              <a:t> Preview, e anche in questo caso è possibile modificare nome, grandezza, opacità e mirroring RTL allo stesso modo.</a:t>
+            </a:r>
+          </a:p>
+          <a:p>
+            <a:pPr marL="0" indent="0">
+              <a:buNone/>
+            </a:pPr>
+            <a:r>
+              <a:rPr lang="it-IT" sz="2400" dirty="0">
+                <a:latin typeface="Times New Roman" pitchFamily="18" charset="0"/>
+                <a:cs typeface="Times New Roman" pitchFamily="18" charset="0"/>
+              </a:rPr>
+              <a:t>Poi bisogna scegliere il set di risorse in cui aggiungere il </a:t>
+            </a:r>
+            <a:r>
+              <a:rPr lang="it-IT" sz="2400" dirty="0" err="1">
+                <a:latin typeface="Times New Roman" pitchFamily="18" charset="0"/>
+                <a:cs typeface="Times New Roman" pitchFamily="18" charset="0"/>
+              </a:rPr>
+              <a:t>vector</a:t>
+            </a:r>
+            <a:r>
+              <a:rPr lang="it-IT" sz="2400" dirty="0">
+                <a:latin typeface="Times New Roman" pitchFamily="18" charset="0"/>
+                <a:cs typeface="Times New Roman" pitchFamily="18" charset="0"/>
+              </a:rPr>
+              <a:t> </a:t>
+            </a:r>
+            <a:r>
+              <a:rPr lang="it-IT" sz="2400" dirty="0" err="1">
+                <a:latin typeface="Times New Roman" pitchFamily="18" charset="0"/>
+                <a:cs typeface="Times New Roman" pitchFamily="18" charset="0"/>
+              </a:rPr>
+              <a:t>drawable</a:t>
+            </a:r>
+            <a:r>
+              <a:rPr lang="it-IT" sz="2400" dirty="0">
+                <a:latin typeface="Times New Roman" pitchFamily="18" charset="0"/>
+                <a:cs typeface="Times New Roman" pitchFamily="18" charset="0"/>
+              </a:rPr>
+              <a:t> e infine </a:t>
+            </a:r>
+            <a:r>
+              <a:rPr lang="it-IT" sz="2400" dirty="0" err="1">
+                <a:latin typeface="Times New Roman" pitchFamily="18" charset="0"/>
+                <a:cs typeface="Times New Roman" pitchFamily="18" charset="0"/>
+              </a:rPr>
+              <a:t>Vector</a:t>
+            </a:r>
+            <a:r>
+              <a:rPr lang="it-IT" sz="2400" dirty="0">
+                <a:latin typeface="Times New Roman" pitchFamily="18" charset="0"/>
+                <a:cs typeface="Times New Roman" pitchFamily="18" charset="0"/>
+              </a:rPr>
+              <a:t> Asset Studio aggiungerà un file XML al progetto. Dall’Android </a:t>
+            </a:r>
+            <a:r>
+              <a:rPr lang="it-IT" sz="2400" dirty="0" err="1">
+                <a:latin typeface="Times New Roman" pitchFamily="18" charset="0"/>
+                <a:cs typeface="Times New Roman" pitchFamily="18" charset="0"/>
+              </a:rPr>
+              <a:t>view</a:t>
+            </a:r>
+            <a:r>
+              <a:rPr lang="it-IT" sz="2400" dirty="0">
+                <a:latin typeface="Times New Roman" pitchFamily="18" charset="0"/>
+                <a:cs typeface="Times New Roman" pitchFamily="18" charset="0"/>
+              </a:rPr>
+              <a:t> della Project window è possibile vedere il file XML generato nel folder </a:t>
+            </a:r>
+            <a:r>
+              <a:rPr lang="it-IT" sz="2400" dirty="0" err="1">
+                <a:latin typeface="Times New Roman" pitchFamily="18" charset="0"/>
+                <a:cs typeface="Times New Roman" pitchFamily="18" charset="0"/>
+              </a:rPr>
+              <a:t>drawable</a:t>
+            </a:r>
+            <a:r>
+              <a:rPr lang="it-IT" sz="2400" dirty="0">
+                <a:latin typeface="Times New Roman" pitchFamily="18" charset="0"/>
+                <a:cs typeface="Times New Roman" pitchFamily="18" charset="0"/>
+              </a:rPr>
+              <a:t>.</a:t>
+            </a:r>
+          </a:p>
+          <a:p>
+            <a:endParaRPr lang="it-IT" dirty="0"/>
+          </a:p>
+        </p:txBody>
+      </p:sp>
+      <p:sp>
+        <p:nvSpPr>
+          <p:cNvPr id="4" name="Segnaposto data 3">
+            <a:extLst>
+              <a:ext uri="{FF2B5EF4-FFF2-40B4-BE49-F238E27FC236}">
+                <a16:creationId xmlns:a16="http://schemas.microsoft.com/office/drawing/2014/main" id="{B07D5DB2-B338-4562-BB12-8E3CC415AAE1}"/>
+              </a:ext>
+            </a:extLst>
+          </p:cNvPr>
+          <p:cNvSpPr>
+            <a:spLocks noGrp="1"/>
+          </p:cNvSpPr>
+          <p:nvPr>
+            <p:ph type="dt" sz="half" idx="10"/>
+          </p:nvPr>
+        </p:nvSpPr>
+        <p:spPr/>
+        <p:txBody>
+          <a:bodyPr/>
+          <a:lstStyle/>
+          <a:p>
+            <a:pPr rtl="0"/>
+            <a:fld id="{85E0D28E-6F2F-4715-A424-3B01AC64AD4B}" type="datetime1">
+              <a:rPr lang="it-IT" smtClean="0"/>
+              <a:pPr rtl="0"/>
+              <a:t>22/06/2020</a:t>
+            </a:fld>
+            <a:endParaRPr lang="en-US"/>
           </a:p>
         </p:txBody>
       </p:sp>
     </p:spTree>
+    <p:extLst>
+      <p:ext uri="{BB962C8B-B14F-4D97-AF65-F5344CB8AC3E}">
+        <p14:creationId xmlns:p14="http://schemas.microsoft.com/office/powerpoint/2010/main" val="2834384708"/>
+      </p:ext>
+    </p:extLst>
   </p:cSld>
   <p:clrMapOvr>
     <a:masterClrMapping/>
@@ -8590,10 +9843,9 @@
           <a:lstStyle/>
           <a:p>
             <a:r>
-              <a:rPr lang="it-IT" smtClean="0"/>
+              <a:rPr lang="it-IT"/>
               <a:t>Costruire il progetto</a:t>
             </a:r>
-            <a:endParaRPr lang="it-IT"/>
           </a:p>
         </p:txBody>
       </p:sp>
@@ -8620,37 +9872,107 @@
           <a:lstStyle/>
           <a:p>
             <a:r>
-              <a:rPr lang="it-IT" sz="2400" smtClean="0">
-                <a:latin typeface="Times New Roman" pitchFamily="18" charset="0"/>
-                <a:cs typeface="Times New Roman" pitchFamily="18" charset="0"/>
-              </a:rPr>
-              <a:t>Se il livello minimo dell’API è Android 4.4 (API level 20) o più basso e non è abilitata la libreria di supporto, Vector Asset Studio genererà in entrambi i casi un file PNG.</a:t>
-            </a:r>
-          </a:p>
-          <a:p>
-            <a:r>
-              <a:rPr lang="it-IT" sz="2400" smtClean="0">
-                <a:latin typeface="Times New Roman" pitchFamily="18" charset="0"/>
-                <a:cs typeface="Times New Roman" pitchFamily="18" charset="0"/>
-              </a:rPr>
-              <a:t>Dalla Project files view della Project window è possibile vedere il file PNG generato e i file XML nel folder </a:t>
-            </a:r>
-            <a:r>
-              <a:rPr lang="it-IT" sz="2200" smtClean="0">
+              <a:rPr lang="it-IT" sz="2400" dirty="0">
+                <a:latin typeface="Times New Roman" pitchFamily="18" charset="0"/>
+                <a:cs typeface="Times New Roman" pitchFamily="18" charset="0"/>
+              </a:rPr>
+              <a:t>Se il livello minimo dell’API è Android 4.4 (API </a:t>
+            </a:r>
+            <a:r>
+              <a:rPr lang="it-IT" sz="2400" dirty="0" err="1">
+                <a:latin typeface="Times New Roman" pitchFamily="18" charset="0"/>
+                <a:cs typeface="Times New Roman" pitchFamily="18" charset="0"/>
+              </a:rPr>
+              <a:t>level</a:t>
+            </a:r>
+            <a:r>
+              <a:rPr lang="it-IT" sz="2400" dirty="0">
+                <a:latin typeface="Times New Roman" pitchFamily="18" charset="0"/>
+                <a:cs typeface="Times New Roman" pitchFamily="18" charset="0"/>
+              </a:rPr>
+              <a:t> 20) o più basso e non è abilitata la libreria di supporto, </a:t>
+            </a:r>
+            <a:r>
+              <a:rPr lang="it-IT" sz="2400" dirty="0" err="1">
+                <a:latin typeface="Times New Roman" pitchFamily="18" charset="0"/>
+                <a:cs typeface="Times New Roman" pitchFamily="18" charset="0"/>
+              </a:rPr>
+              <a:t>Vector</a:t>
+            </a:r>
+            <a:r>
+              <a:rPr lang="it-IT" sz="2400" dirty="0">
+                <a:latin typeface="Times New Roman" pitchFamily="18" charset="0"/>
+                <a:cs typeface="Times New Roman" pitchFamily="18" charset="0"/>
+              </a:rPr>
+              <a:t> Asset Studio genererà in entrambi i casi un file PNG.</a:t>
+            </a:r>
+          </a:p>
+          <a:p>
+            <a:r>
+              <a:rPr lang="it-IT" sz="2400" dirty="0">
+                <a:latin typeface="Times New Roman" pitchFamily="18" charset="0"/>
+                <a:cs typeface="Times New Roman" pitchFamily="18" charset="0"/>
+              </a:rPr>
+              <a:t>Dalla Project files </a:t>
+            </a:r>
+            <a:r>
+              <a:rPr lang="it-IT" sz="2400" dirty="0" err="1">
+                <a:latin typeface="Times New Roman" pitchFamily="18" charset="0"/>
+                <a:cs typeface="Times New Roman" pitchFamily="18" charset="0"/>
+              </a:rPr>
+              <a:t>view</a:t>
+            </a:r>
+            <a:r>
+              <a:rPr lang="it-IT" sz="2400" dirty="0">
+                <a:latin typeface="Times New Roman" pitchFamily="18" charset="0"/>
+                <a:cs typeface="Times New Roman" pitchFamily="18" charset="0"/>
+              </a:rPr>
+              <a:t> della Project window è possibile vedere il file PNG generato e i file XML nel folder </a:t>
+            </a:r>
+            <a:r>
+              <a:rPr lang="it-IT" sz="2200" dirty="0">
                 <a:latin typeface="Courier New" pitchFamily="49" charset="0"/>
                 <a:cs typeface="Courier New" pitchFamily="49" charset="0"/>
               </a:rPr>
-              <a:t>app/build/generated/res/pngs/debug</a:t>
-            </a:r>
-            <a:r>
-              <a:rPr lang="it-IT" sz="2400" smtClean="0">
+              <a:t>app/build/</a:t>
+            </a:r>
+            <a:r>
+              <a:rPr lang="it-IT" sz="2200" dirty="0" err="1">
                 <a:latin typeface="Courier New" pitchFamily="49" charset="0"/>
                 <a:cs typeface="Courier New" pitchFamily="49" charset="0"/>
               </a:rPr>
+              <a:t>generated</a:t>
+            </a:r>
+            <a:r>
+              <a:rPr lang="it-IT" sz="2200" dirty="0">
+                <a:latin typeface="Courier New" pitchFamily="49" charset="0"/>
+                <a:cs typeface="Courier New" pitchFamily="49" charset="0"/>
+              </a:rPr>
+              <a:t>/res/</a:t>
+            </a:r>
+            <a:r>
+              <a:rPr lang="it-IT" sz="2200" dirty="0" err="1">
+                <a:latin typeface="Courier New" pitchFamily="49" charset="0"/>
+                <a:cs typeface="Courier New" pitchFamily="49" charset="0"/>
+              </a:rPr>
+              <a:t>pngs</a:t>
+            </a:r>
+            <a:r>
+              <a:rPr lang="it-IT" sz="2200" dirty="0">
+                <a:latin typeface="Courier New" pitchFamily="49" charset="0"/>
+                <a:cs typeface="Courier New" pitchFamily="49" charset="0"/>
+              </a:rPr>
+              <a:t>/debug</a:t>
+            </a:r>
+            <a:r>
+              <a:rPr lang="it-IT" sz="2400" dirty="0">
+                <a:latin typeface="Courier New" pitchFamily="49" charset="0"/>
+                <a:cs typeface="Courier New" pitchFamily="49" charset="0"/>
+              </a:rPr>
               <a:t>/</a:t>
             </a:r>
             <a:r>
-              <a:rPr lang="it-IT" sz="2400" smtClean="0">
+              <a:rPr lang="it-IT" sz="2400" dirty="0">
                 <a:latin typeface="Times New Roman" pitchFamily="18" charset="0"/>
                 <a:cs typeface="Times New Roman" pitchFamily="18" charset="0"/>
               </a:rPr>
@@ -8658,7 +9980,7 @@
             </a:r>
           </a:p>
           <a:p>
-            <a:endParaRPr lang="it-IT" sz="2400" smtClean="0">
+            <a:endParaRPr lang="it-IT" sz="2400" dirty="0">
               <a:latin typeface="Times New Roman" pitchFamily="18" charset="0"/>
               <a:cs typeface="Times New Roman" pitchFamily="18" charset="0"/>
             </a:endParaRPr>
@@ -8666,33 +9988,40 @@
           <a:p>
             <a:pPr algn="just"/>
             <a:r>
-              <a:rPr lang="it-IT" sz="2400" b="1" smtClean="0">
-                <a:latin typeface="Times New Roman" pitchFamily="18" charset="0"/>
-                <a:cs typeface="Times New Roman" pitchFamily="18" charset="0"/>
-              </a:rPr>
-              <a:t>Best Practice</a:t>
-            </a:r>
-            <a:r>
-              <a:rPr lang="it-IT" sz="2400" smtClean="0">
+              <a:rPr lang="it-IT" sz="2400" b="1" dirty="0">
+                <a:latin typeface="Times New Roman" pitchFamily="18" charset="0"/>
+                <a:cs typeface="Times New Roman" pitchFamily="18" charset="0"/>
+              </a:rPr>
+              <a:t>Best </a:t>
+            </a:r>
+            <a:r>
+              <a:rPr lang="it-IT" sz="2400" b="1" dirty="0" err="1">
+                <a:latin typeface="Times New Roman" pitchFamily="18" charset="0"/>
+                <a:cs typeface="Times New Roman" pitchFamily="18" charset="0"/>
+              </a:rPr>
+              <a:t>Practice</a:t>
+            </a:r>
+            <a:r>
+              <a:rPr lang="it-IT" sz="2400" dirty="0">
                 <a:latin typeface="Times New Roman" pitchFamily="18" charset="0"/>
                 <a:cs typeface="Times New Roman" pitchFamily="18" charset="0"/>
               </a:rPr>
               <a:t>: è consigliato non modificare questi file generati, piuttosto lavorare sul file XML.</a:t>
             </a:r>
             <a:r>
-              <a:rPr lang="it-IT" sz="2400" smtClean="0">
+              <a:rPr lang="it-IT" sz="2400" dirty="0">
                 <a:latin typeface="Courier New" pitchFamily="49" charset="0"/>
                 <a:cs typeface="Courier New" pitchFamily="49" charset="0"/>
               </a:rPr>
               <a:t> </a:t>
             </a:r>
-            <a:endParaRPr lang="it-IT" sz="2400" smtClean="0">
+            <a:endParaRPr lang="it-IT" sz="2400" dirty="0">
               <a:latin typeface="Times New Roman" pitchFamily="18" charset="0"/>
               <a:cs typeface="Times New Roman" pitchFamily="18" charset="0"/>
             </a:endParaRPr>
           </a:p>
           <a:p>
-            <a:endParaRPr lang="it-IT" sz="2400">
+            <a:endParaRPr lang="it-IT" sz="2400" dirty="0">
               <a:latin typeface="Times New Roman" pitchFamily="18" charset="0"/>
               <a:cs typeface="Times New Roman" pitchFamily="18" charset="0"/>
             </a:endParaRPr>
@@ -8745,10 +10074,9 @@
           <a:lstStyle/>
           <a:p>
             <a:r>
-              <a:rPr lang="it-IT" smtClean="0"/>
+              <a:rPr lang="it-IT"/>
               <a:t>Aggiungere un vector drawable al layout</a:t>
             </a:r>
-            <a:endParaRPr lang="it-IT"/>
           </a:p>
         </p:txBody>
       </p:sp>
@@ -8761,7 +10089,7 @@
         <p:spPr>
           <a:xfrm>
             <a:off x="1012371" y="2710542"/>
-            <a:ext cx="3477986" cy="1938992"/>
+            <a:ext cx="3289248" cy="1938992"/>
           </a:xfrm>
           <a:prstGeom prst="rect">
             <a:avLst/>
@@ -8775,16 +10103,40 @@
           <a:lstStyle/>
           <a:p>
             <a:r>
-              <a:rPr lang="it-IT" sz="2400" smtClean="0">
-                <a:latin typeface="Times New Roman" pitchFamily="18" charset="0"/>
-                <a:cs typeface="Times New Roman" pitchFamily="18" charset="0"/>
-              </a:rPr>
-              <a:t>Nel layout è possibile impostare qualsiasi widget relativo alle icone per indicare un vector drawable.</a:t>
-            </a:r>
-            <a:endParaRPr lang="it-IT" sz="2400">
-              <a:latin typeface="Times New Roman" pitchFamily="18" charset="0"/>
-              <a:cs typeface="Times New Roman" pitchFamily="18" charset="0"/>
-            </a:endParaRPr>
+              <a:rPr lang="it-IT" sz="2400" dirty="0">
+                <a:latin typeface="Times New Roman" pitchFamily="18" charset="0"/>
+                <a:cs typeface="Times New Roman" pitchFamily="18" charset="0"/>
+              </a:rPr>
+              <a:t>Nel layout è possibile impostare qualsiasi widget relativo alle icone per indicare un </a:t>
+            </a:r>
+            <a:r>
+              <a:rPr lang="it-IT" sz="2400" dirty="0" err="1">
+                <a:latin typeface="Times New Roman" pitchFamily="18" charset="0"/>
+                <a:cs typeface="Times New Roman" pitchFamily="18" charset="0"/>
+              </a:rPr>
+              <a:t>vector</a:t>
+            </a:r>
+            <a:r>
+              <a:rPr lang="it-IT" sz="2400" dirty="0">
+                <a:latin typeface="Times New Roman" pitchFamily="18" charset="0"/>
+                <a:cs typeface="Times New Roman" pitchFamily="18" charset="0"/>
+              </a:rPr>
+              <a:t> </a:t>
+            </a:r>
+            <a:r>
+              <a:rPr lang="it-IT" sz="2400" dirty="0" err="1">
+                <a:latin typeface="Times New Roman" pitchFamily="18" charset="0"/>
+                <a:cs typeface="Times New Roman" pitchFamily="18" charset="0"/>
+              </a:rPr>
+              <a:t>drawable</a:t>
+            </a:r>
+            <a:r>
+              <a:rPr lang="it-IT" sz="2400" dirty="0">
+                <a:latin typeface="Times New Roman" pitchFamily="18" charset="0"/>
+                <a:cs typeface="Times New Roman" pitchFamily="18" charset="0"/>
+              </a:rPr>
+              <a:t>.</a:t>
+            </a:r>
           </a:p>
         </p:txBody>
       </p:sp>
@@ -8859,10 +10211,9 @@
           <a:lstStyle/>
           <a:p>
             <a:r>
-              <a:rPr lang="it-IT" smtClean="0"/>
+              <a:rPr lang="it-IT"/>
               <a:t>Mostrare vector drawable su widget</a:t>
             </a:r>
-            <a:endParaRPr lang="it-IT"/>
           </a:p>
         </p:txBody>
       </p:sp>
@@ -8882,25 +10233,67 @@
           <a:lstStyle/>
           <a:p>
             <a:r>
-              <a:rPr lang="it-IT" sz="2400" smtClean="0">
-                <a:latin typeface="Times New Roman" pitchFamily="18" charset="0"/>
-                <a:cs typeface="Times New Roman" pitchFamily="18" charset="0"/>
-              </a:rPr>
-              <a:t>Aprire il progetto e importare un vector drawable.</a:t>
-            </a:r>
-          </a:p>
-          <a:p>
-            <a:r>
-              <a:rPr lang="it-IT" sz="2400" smtClean="0">
-                <a:latin typeface="Times New Roman" pitchFamily="18" charset="0"/>
-                <a:cs typeface="Times New Roman" pitchFamily="18" charset="0"/>
-              </a:rPr>
-              <a:t>Nella Android view della Project window, fare doppio click sul file layout XML</a:t>
-            </a:r>
-          </a:p>
-          <a:p>
-            <a:r>
-              <a:rPr lang="it-IT" sz="2400" smtClean="0">
+              <a:rPr lang="it-IT" sz="2400" dirty="0">
+                <a:latin typeface="Times New Roman" pitchFamily="18" charset="0"/>
+                <a:cs typeface="Times New Roman" pitchFamily="18" charset="0"/>
+              </a:rPr>
+              <a:t>Aprire il progetto e importare un </a:t>
+            </a:r>
+            <a:r>
+              <a:rPr lang="it-IT" sz="2400" dirty="0" err="1">
+                <a:latin typeface="Times New Roman" pitchFamily="18" charset="0"/>
+                <a:cs typeface="Times New Roman" pitchFamily="18" charset="0"/>
+              </a:rPr>
+              <a:t>vector</a:t>
+            </a:r>
+            <a:r>
+              <a:rPr lang="it-IT" sz="2400" dirty="0">
+                <a:latin typeface="Times New Roman" pitchFamily="18" charset="0"/>
+                <a:cs typeface="Times New Roman" pitchFamily="18" charset="0"/>
+              </a:rPr>
+              <a:t> </a:t>
+            </a:r>
+            <a:r>
+              <a:rPr lang="it-IT" sz="2400" dirty="0" err="1">
+                <a:latin typeface="Times New Roman" pitchFamily="18" charset="0"/>
+                <a:cs typeface="Times New Roman" pitchFamily="18" charset="0"/>
+              </a:rPr>
+              <a:t>drawable</a:t>
+            </a:r>
+            <a:r>
+              <a:rPr lang="it-IT" sz="2400" dirty="0">
+                <a:latin typeface="Times New Roman" pitchFamily="18" charset="0"/>
+                <a:cs typeface="Times New Roman" pitchFamily="18" charset="0"/>
+              </a:rPr>
+              <a:t>.</a:t>
+            </a:r>
+          </a:p>
+          <a:p>
+            <a:r>
+              <a:rPr lang="it-IT" sz="2400" dirty="0">
+                <a:latin typeface="Times New Roman" pitchFamily="18" charset="0"/>
+                <a:cs typeface="Times New Roman" pitchFamily="18" charset="0"/>
+              </a:rPr>
+              <a:t>Nella Android </a:t>
+            </a:r>
+            <a:r>
+              <a:rPr lang="it-IT" sz="2400" dirty="0" err="1">
+                <a:latin typeface="Times New Roman" pitchFamily="18" charset="0"/>
+                <a:cs typeface="Times New Roman" pitchFamily="18" charset="0"/>
+              </a:rPr>
+              <a:t>view</a:t>
+            </a:r>
+            <a:r>
+              <a:rPr lang="it-IT" sz="2400" dirty="0">
+                <a:latin typeface="Times New Roman" pitchFamily="18" charset="0"/>
+                <a:cs typeface="Times New Roman" pitchFamily="18" charset="0"/>
+              </a:rPr>
+              <a:t> della Project window, fare doppio click sul file layout XML</a:t>
+            </a:r>
+          </a:p>
+          <a:p>
+            <a:r>
+              <a:rPr lang="it-IT" sz="2400" dirty="0">
                 <a:latin typeface="Times New Roman" pitchFamily="18" charset="0"/>
                 <a:cs typeface="Times New Roman" pitchFamily="18" charset="0"/>
               </a:rPr>
@@ -8909,15 +10302,29 @@
           </a:p>
           <a:p>
             <a:r>
-              <a:rPr lang="it-IT" sz="2400" smtClean="0">
-                <a:latin typeface="Times New Roman" pitchFamily="18" charset="0"/>
-                <a:cs typeface="Times New Roman" pitchFamily="18" charset="0"/>
-              </a:rPr>
-              <a:t>Trascina un widget (per esempio un ImageButton) dalla Palette nell’editor di layout</a:t>
-            </a:r>
-          </a:p>
-          <a:p>
-            <a:endParaRPr lang="it-IT"/>
+              <a:rPr lang="it-IT" sz="2400" dirty="0">
+                <a:latin typeface="Times New Roman" pitchFamily="18" charset="0"/>
+                <a:cs typeface="Times New Roman" pitchFamily="18" charset="0"/>
+              </a:rPr>
+              <a:t>Trascina un widget (per esempio un </a:t>
+            </a:r>
+            <a:r>
+              <a:rPr lang="it-IT" sz="2400" dirty="0" err="1">
+                <a:latin typeface="Times New Roman" pitchFamily="18" charset="0"/>
+                <a:cs typeface="Times New Roman" pitchFamily="18" charset="0"/>
+              </a:rPr>
+              <a:t>ImageButton</a:t>
+            </a:r>
+            <a:r>
+              <a:rPr lang="it-IT" sz="2400" dirty="0">
+                <a:latin typeface="Times New Roman" pitchFamily="18" charset="0"/>
+                <a:cs typeface="Times New Roman" pitchFamily="18" charset="0"/>
+              </a:rPr>
+              <a:t>) dalla Palette nell’editor di layout</a:t>
+            </a:r>
+          </a:p>
+          <a:p>
+            <a:endParaRPr lang="it-IT" dirty="0"/>
           </a:p>
         </p:txBody>
       </p:sp>
@@ -8962,10 +10369,9 @@
           <a:lstStyle/>
           <a:p>
             <a:r>
-              <a:rPr lang="it-IT" smtClean="0"/>
+              <a:rPr lang="it-IT"/>
               <a:t>Mostrare vector drawable su widget</a:t>
             </a:r>
-            <a:endParaRPr lang="it-IT"/>
           </a:p>
         </p:txBody>
       </p:sp>
@@ -8987,11 +10393,109 @@
           <a:lstStyle/>
           <a:p>
             <a:r>
-              <a:rPr lang="it-IT" sz="2400" smtClean="0">
-                <a:latin typeface="Times New Roman" pitchFamily="18" charset="0"/>
-                <a:cs typeface="Times New Roman" pitchFamily="18" charset="0"/>
-              </a:rPr>
-              <a:t>Nella finestra Resources, selezionare Drawable nel pannello di sinistra, poi selezionare il vector drawable importato e dare l’OK. Il vector drawable apparirà nell’ImageButton nel layout.</a:t>
+              <a:rPr lang="it-IT" sz="2400" dirty="0">
+                <a:latin typeface="Times New Roman" pitchFamily="18" charset="0"/>
+                <a:cs typeface="Times New Roman" pitchFamily="18" charset="0"/>
+              </a:rPr>
+              <a:t>Nella finestra </a:t>
+            </a:r>
+            <a:r>
+              <a:rPr lang="it-IT" sz="2400" dirty="0" err="1">
+                <a:latin typeface="Times New Roman" pitchFamily="18" charset="0"/>
+                <a:cs typeface="Times New Roman" pitchFamily="18" charset="0"/>
+              </a:rPr>
+              <a:t>Resources</a:t>
+            </a:r>
+            <a:r>
+              <a:rPr lang="it-IT" sz="2400" dirty="0">
+                <a:latin typeface="Times New Roman" pitchFamily="18" charset="0"/>
+                <a:cs typeface="Times New Roman" pitchFamily="18" charset="0"/>
+              </a:rPr>
+              <a:t>, selezionare </a:t>
+            </a:r>
+            <a:r>
+              <a:rPr lang="it-IT" sz="2400" dirty="0" err="1">
+                <a:latin typeface="Times New Roman" pitchFamily="18" charset="0"/>
+                <a:cs typeface="Times New Roman" pitchFamily="18" charset="0"/>
+              </a:rPr>
+              <a:t>Drawable</a:t>
+            </a:r>
+            <a:r>
+              <a:rPr lang="it-IT" sz="2400" dirty="0">
+                <a:latin typeface="Times New Roman" pitchFamily="18" charset="0"/>
+                <a:cs typeface="Times New Roman" pitchFamily="18" charset="0"/>
+              </a:rPr>
+              <a:t> nel pannello di sinistra, poi selezionare il </a:t>
+            </a:r>
+            <a:r>
+              <a:rPr lang="it-IT" sz="2400" dirty="0" err="1">
+                <a:latin typeface="Times New Roman" pitchFamily="18" charset="0"/>
+                <a:cs typeface="Times New Roman" pitchFamily="18" charset="0"/>
+              </a:rPr>
+              <a:t>vector</a:t>
+            </a:r>
+            <a:r>
+              <a:rPr lang="it-IT" sz="2400" dirty="0">
+                <a:latin typeface="Times New Roman" pitchFamily="18" charset="0"/>
+                <a:cs typeface="Times New Roman" pitchFamily="18" charset="0"/>
+              </a:rPr>
+              <a:t> </a:t>
+            </a:r>
+            <a:r>
+              <a:rPr lang="it-IT" sz="2400" dirty="0" err="1">
+                <a:latin typeface="Times New Roman" pitchFamily="18" charset="0"/>
+                <a:cs typeface="Times New Roman" pitchFamily="18" charset="0"/>
+              </a:rPr>
+              <a:t>drawable</a:t>
+            </a:r>
+            <a:r>
+              <a:rPr lang="it-IT" sz="2400" dirty="0">
+                <a:latin typeface="Times New Roman" pitchFamily="18" charset="0"/>
+                <a:cs typeface="Times New Roman" pitchFamily="18" charset="0"/>
+              </a:rPr>
+              <a:t> importato e dare l’OK. Il </a:t>
+            </a:r>
+            <a:r>
+              <a:rPr lang="it-IT" sz="2400" dirty="0" err="1">
+                <a:latin typeface="Times New Roman" pitchFamily="18" charset="0"/>
+                <a:cs typeface="Times New Roman" pitchFamily="18" charset="0"/>
+              </a:rPr>
+              <a:t>vector</a:t>
+            </a:r>
+            <a:r>
+              <a:rPr lang="it-IT" sz="2400" dirty="0">
+                <a:latin typeface="Times New Roman" pitchFamily="18" charset="0"/>
+                <a:cs typeface="Times New Roman" pitchFamily="18" charset="0"/>
+              </a:rPr>
+              <a:t> </a:t>
+            </a:r>
+            <a:r>
+              <a:rPr lang="it-IT" sz="2400" dirty="0" err="1">
+                <a:latin typeface="Times New Roman" pitchFamily="18" charset="0"/>
+                <a:cs typeface="Times New Roman" pitchFamily="18" charset="0"/>
+              </a:rPr>
+              <a:t>drawable</a:t>
+            </a:r>
+            <a:r>
+              <a:rPr lang="it-IT" sz="2400" dirty="0">
+                <a:latin typeface="Times New Roman" pitchFamily="18" charset="0"/>
+                <a:cs typeface="Times New Roman" pitchFamily="18" charset="0"/>
+              </a:rPr>
+              <a:t> apparirà nell’</a:t>
+            </a:r>
+            <a:r>
+              <a:rPr lang="it-IT" sz="2400" dirty="0" err="1">
+                <a:latin typeface="Times New Roman" pitchFamily="18" charset="0"/>
+                <a:cs typeface="Times New Roman" pitchFamily="18" charset="0"/>
+              </a:rPr>
+              <a:t>ImageButton</a:t>
+            </a:r>
+            <a:r>
+              <a:rPr lang="it-IT" sz="2400" dirty="0">
+                <a:latin typeface="Times New Roman" pitchFamily="18" charset="0"/>
+                <a:cs typeface="Times New Roman" pitchFamily="18" charset="0"/>
+              </a:rPr>
+              <a:t> nel layout.</a:t>
             </a:r>
           </a:p>
           <a:p>
@@ -8999,7 +10503,7 @@
               <a:buNone/>
             </a:pPr>
             <a:r>
-              <a:rPr lang="it-IT" sz="2400" smtClean="0">
+              <a:rPr lang="it-IT" sz="2400" dirty="0">
                 <a:latin typeface="Times New Roman" pitchFamily="18" charset="0"/>
                 <a:cs typeface="Times New Roman" pitchFamily="18" charset="0"/>
               </a:rPr>
@@ -9011,7 +10515,7 @@
               <a:buNone/>
             </a:pPr>
             <a:r>
-              <a:rPr lang="it-IT" sz="2400" smtClean="0">
+              <a:rPr lang="it-IT" sz="2400" dirty="0">
                 <a:latin typeface="Times New Roman" pitchFamily="18" charset="0"/>
                 <a:cs typeface="Times New Roman" pitchFamily="18" charset="0"/>
               </a:rPr>
@@ -9061,10 +10565,9 @@
           <a:lstStyle/>
           <a:p>
             <a:r>
-              <a:rPr lang="it-IT" smtClean="0"/>
+              <a:rPr lang="it-IT"/>
               <a:t>Mostrare vector drawable su widget</a:t>
             </a:r>
-            <a:endParaRPr lang="it-IT"/>
           </a:p>
         </p:txBody>
       </p:sp>
@@ -9086,24 +10589,80 @@
           <a:lstStyle/>
           <a:p>
             <a:r>
-              <a:rPr lang="it-IT" sz="2400" smtClean="0">
-                <a:latin typeface="Times New Roman" pitchFamily="18" charset="0"/>
-                <a:cs typeface="Times New Roman" pitchFamily="18" charset="0"/>
-              </a:rPr>
-              <a:t>Per cambiare il colore dell’immagine nell’accent color, andare su Proprietà e cliccare sui tre puntini accanto a Tint.</a:t>
-            </a:r>
-          </a:p>
-          <a:p>
-            <a:r>
-              <a:rPr lang="it-IT" sz="2400" smtClean="0">
-                <a:latin typeface="Times New Roman" pitchFamily="18" charset="0"/>
-                <a:cs typeface="Times New Roman" pitchFamily="18" charset="0"/>
-              </a:rPr>
-              <a:t>Nella finestra Resources, cliccare su Color nel pannello sinistro, selezionare colorAccent e dare l’OK.</a:t>
-            </a:r>
-          </a:p>
-          <a:p>
-            <a:endParaRPr lang="it-IT" sz="2400" smtClean="0">
+              <a:rPr lang="it-IT" sz="2400" dirty="0">
+                <a:latin typeface="Times New Roman" pitchFamily="18" charset="0"/>
+                <a:cs typeface="Times New Roman" pitchFamily="18" charset="0"/>
+              </a:rPr>
+              <a:t>Per cambiare il colore dell’immagine </a:t>
+            </a:r>
+            <a:r>
+              <a:rPr lang="it-IT" sz="2400" dirty="0" err="1">
+                <a:latin typeface="Times New Roman" pitchFamily="18" charset="0"/>
+                <a:cs typeface="Times New Roman" pitchFamily="18" charset="0"/>
+              </a:rPr>
+              <a:t>nell’accent</a:t>
+            </a:r>
+            <a:r>
+              <a:rPr lang="it-IT" sz="2400" dirty="0">
+                <a:latin typeface="Times New Roman" pitchFamily="18" charset="0"/>
+                <a:cs typeface="Times New Roman" pitchFamily="18" charset="0"/>
+              </a:rPr>
+              <a:t> color, andare su Proprietà e cliccare sui tre puntini accanto a </a:t>
+            </a:r>
+            <a:r>
+              <a:rPr lang="it-IT" sz="2400" dirty="0" err="1">
+                <a:latin typeface="Times New Roman" pitchFamily="18" charset="0"/>
+                <a:cs typeface="Times New Roman" pitchFamily="18" charset="0"/>
+              </a:rPr>
+              <a:t>Tint</a:t>
+            </a:r>
+            <a:r>
+              <a:rPr lang="it-IT" sz="2400" dirty="0">
+                <a:latin typeface="Times New Roman" pitchFamily="18" charset="0"/>
+                <a:cs typeface="Times New Roman" pitchFamily="18" charset="0"/>
+              </a:rPr>
+              <a:t>.</a:t>
+            </a:r>
+          </a:p>
+          <a:p>
+            <a:r>
+              <a:rPr lang="it-IT" sz="2400" dirty="0">
+                <a:latin typeface="Times New Roman" pitchFamily="18" charset="0"/>
+                <a:cs typeface="Times New Roman" pitchFamily="18" charset="0"/>
+              </a:rPr>
+              <a:t>Nella finestra </a:t>
+            </a:r>
+            <a:r>
+              <a:rPr lang="it-IT" sz="2400" dirty="0" err="1">
+                <a:latin typeface="Times New Roman" pitchFamily="18" charset="0"/>
+                <a:cs typeface="Times New Roman" pitchFamily="18" charset="0"/>
+              </a:rPr>
+              <a:t>Resources</a:t>
+            </a:r>
+            <a:r>
+              <a:rPr lang="it-IT" sz="2400" dirty="0">
+                <a:latin typeface="Times New Roman" pitchFamily="18" charset="0"/>
+                <a:cs typeface="Times New Roman" pitchFamily="18" charset="0"/>
+              </a:rPr>
+              <a:t>, cliccare su Color nel pannello sinistro, selezionare </a:t>
+            </a:r>
+            <a:r>
+              <a:rPr lang="it-IT" sz="2400" dirty="0" err="1">
+                <a:latin typeface="Times New Roman" pitchFamily="18" charset="0"/>
+                <a:cs typeface="Times New Roman" pitchFamily="18" charset="0"/>
+              </a:rPr>
+              <a:t>colorAccent</a:t>
+            </a:r>
+            <a:r>
+              <a:rPr lang="it-IT" sz="2400" dirty="0">
+                <a:latin typeface="Times New Roman" pitchFamily="18" charset="0"/>
+                <a:cs typeface="Times New Roman" pitchFamily="18" charset="0"/>
+              </a:rPr>
+              <a:t> e dare l’OK.</a:t>
+            </a:r>
+          </a:p>
+          <a:p>
+            <a:endParaRPr lang="it-IT" sz="2400" dirty="0">
               <a:latin typeface="Times New Roman" pitchFamily="18" charset="0"/>
               <a:cs typeface="Times New Roman" pitchFamily="18" charset="0"/>
             </a:endParaRPr>
@@ -9113,16 +10672,12 @@
               <a:buNone/>
             </a:pPr>
             <a:r>
-              <a:rPr lang="it-IT" sz="2400" smtClean="0">
+              <a:rPr lang="it-IT" sz="2400" dirty="0">
                 <a:latin typeface="Times New Roman" pitchFamily="18" charset="0"/>
                 <a:cs typeface="Times New Roman" pitchFamily="18" charset="0"/>
               </a:rPr>
               <a:t>//anche qua caricare uno due screen</a:t>
             </a:r>
-            <a:endParaRPr lang="it-IT" sz="2400">
-              <a:latin typeface="Times New Roman" pitchFamily="18" charset="0"/>
-              <a:cs typeface="Times New Roman" pitchFamily="18" charset="0"/>
-            </a:endParaRPr>
           </a:p>
         </p:txBody>
       </p:sp>
@@ -9167,10 +10722,9 @@
           <a:lstStyle/>
           <a:p>
             <a:r>
-              <a:rPr lang="it-IT" smtClean="0"/>
+              <a:rPr lang="it-IT"/>
               <a:t>Mostrare vector drawable su widget</a:t>
             </a:r>
-            <a:endParaRPr lang="it-IT"/>
           </a:p>
         </p:txBody>
       </p:sp>
@@ -9193,7 +10747,7 @@
         </p:spPr>
         <p:txBody>
           <a:bodyPr vert="horz" lIns="91440" tIns="45720" rIns="91440" bIns="45720" rtlCol="0">
-            <a:normAutofit fontScale="92500" lnSpcReduction="20000"/>
+            <a:normAutofit fontScale="85000" lnSpcReduction="20000"/>
           </a:bodyPr>
           <a:lstStyle/>
           <a:p>
@@ -9220,7 +10774,7 @@
               <a:defRPr/>
             </a:pPr>
             <a:r>
-              <a:rPr kumimoji="0" lang="it-IT" sz="2400" b="0" i="0" u="none" strike="noStrike" kern="1200" cap="none" spc="0" normalizeH="0" baseline="0" noProof="0" smtClean="0">
+              <a:rPr kumimoji="0" lang="it-IT" sz="2800" b="0" i="0" u="none" strike="noStrike" kern="1200" cap="none" spc="0" normalizeH="0" baseline="0" noProof="0" dirty="0">
                 <a:ln>
                   <a:noFill/>
                 </a:ln>
@@ -9261,7 +10815,7 @@
               <a:defRPr/>
             </a:pPr>
             <a:r>
-              <a:rPr kumimoji="0" lang="en-US" sz="1900" b="0" i="0" u="none" strike="noStrike" kern="1200" cap="none" spc="0" normalizeH="0" baseline="0" noProof="0" smtClean="0">
+              <a:rPr kumimoji="0" lang="en-US" sz="1900" b="0" i="0" u="none" strike="noStrike" kern="1200" cap="none" spc="0" normalizeH="0" baseline="0" noProof="0" dirty="0">
                 <a:ln>
                   <a:noFill/>
                 </a:ln>
@@ -9275,10 +10829,10 @@
                 <a:ea typeface="+mn-ea"/>
                 <a:cs typeface="+mn-cs"/>
               </a:rPr>
-              <a:t>&lt;ImageButton</a:t>
-            </a:r>
-            <a:br>
-              <a:rPr kumimoji="0" lang="en-US" sz="1900" b="0" i="0" u="none" strike="noStrike" kern="1200" cap="none" spc="0" normalizeH="0" baseline="0" noProof="0" smtClean="0">
+              <a:t>&lt;</a:t>
+            </a:r>
+            <a:r>
+              <a:rPr kumimoji="0" lang="en-US" sz="1900" b="0" i="0" u="none" strike="noStrike" kern="1200" cap="none" spc="0" normalizeH="0" baseline="0" noProof="0" dirty="0" err="1">
                 <a:ln>
                   <a:noFill/>
                 </a:ln>
@@ -9292,9 +10846,10 @@
                 <a:ea typeface="+mn-ea"/>
                 <a:cs typeface="+mn-cs"/>
               </a:rPr>
-            </a:br>
-            <a:r>
-              <a:rPr kumimoji="0" lang="en-US" sz="1900" b="0" i="0" u="none" strike="noStrike" kern="1200" cap="none" spc="0" normalizeH="0" baseline="0" noProof="0" smtClean="0">
+              <a:t>ImageButton</a:t>
+            </a:r>
+            <a:br>
+              <a:rPr kumimoji="0" lang="en-US" sz="1900" b="0" i="0" u="none" strike="noStrike" kern="1200" cap="none" spc="0" normalizeH="0" baseline="0" noProof="0" dirty="0">
                 <a:ln>
                   <a:noFill/>
                 </a:ln>
@@ -9308,10 +10863,9 @@
                 <a:ea typeface="+mn-ea"/>
                 <a:cs typeface="+mn-cs"/>
               </a:rPr>
-              <a:t>  android:layout_width="wrap_content"</a:t>
-            </a:r>
-            <a:br>
-              <a:rPr kumimoji="0" lang="en-US" sz="1900" b="0" i="0" u="none" strike="noStrike" kern="1200" cap="none" spc="0" normalizeH="0" baseline="0" noProof="0" smtClean="0">
+            </a:br>
+            <a:r>
+              <a:rPr kumimoji="0" lang="en-US" sz="1900" b="0" i="0" u="none" strike="noStrike" kern="1200" cap="none" spc="0" normalizeH="0" baseline="0" noProof="0" dirty="0">
                 <a:ln>
                   <a:noFill/>
                 </a:ln>
@@ -9325,9 +10879,10 @@
                 <a:ea typeface="+mn-ea"/>
                 <a:cs typeface="+mn-cs"/>
               </a:rPr>
-            </a:br>
-            <a:r>
-              <a:rPr kumimoji="0" lang="en-US" sz="1900" b="0" i="0" u="none" strike="noStrike" kern="1200" cap="none" spc="0" normalizeH="0" baseline="0" noProof="0" smtClean="0">
+              <a:t>  </a:t>
+            </a:r>
+            <a:r>
+              <a:rPr kumimoji="0" lang="en-US" sz="1900" b="0" i="0" u="none" strike="noStrike" kern="1200" cap="none" spc="0" normalizeH="0" baseline="0" noProof="0" dirty="0" err="1">
                 <a:ln>
                   <a:noFill/>
                 </a:ln>
@@ -9341,10 +10896,10 @@
                 <a:ea typeface="+mn-ea"/>
                 <a:cs typeface="+mn-cs"/>
               </a:rPr>
-              <a:t>  android:layout_height="wrap_content"</a:t>
-            </a:r>
-            <a:br>
-              <a:rPr kumimoji="0" lang="en-US" sz="1900" b="0" i="0" u="none" strike="noStrike" kern="1200" cap="none" spc="0" normalizeH="0" baseline="0" noProof="0" smtClean="0">
+              <a:t>android:layout_width</a:t>
+            </a:r>
+            <a:r>
+              <a:rPr kumimoji="0" lang="en-US" sz="1900" b="0" i="0" u="none" strike="noStrike" kern="1200" cap="none" spc="0" normalizeH="0" baseline="0" noProof="0" dirty="0">
                 <a:ln>
                   <a:noFill/>
                 </a:ln>
@@ -9358,9 +10913,10 @@
                 <a:ea typeface="+mn-ea"/>
                 <a:cs typeface="+mn-cs"/>
               </a:rPr>
-            </a:br>
-            <a:r>
-              <a:rPr kumimoji="0" lang="en-US" sz="1900" b="0" i="0" u="none" strike="noStrike" kern="1200" cap="none" spc="0" normalizeH="0" baseline="0" noProof="0" smtClean="0">
+              <a:t>="</a:t>
+            </a:r>
+            <a:r>
+              <a:rPr kumimoji="0" lang="en-US" sz="1900" b="0" i="0" u="none" strike="noStrike" kern="1200" cap="none" spc="0" normalizeH="0" baseline="0" noProof="0" dirty="0" err="1">
                 <a:ln>
                   <a:noFill/>
                 </a:ln>
@@ -9374,10 +10930,10 @@
                 <a:ea typeface="+mn-ea"/>
                 <a:cs typeface="+mn-cs"/>
               </a:rPr>
-              <a:t>  app:srcCompat="@drawable/ic_build_black_24dp"</a:t>
-            </a:r>
-            <a:br>
-              <a:rPr kumimoji="0" lang="en-US" sz="1900" b="0" i="0" u="none" strike="noStrike" kern="1200" cap="none" spc="0" normalizeH="0" baseline="0" noProof="0" smtClean="0">
+              <a:t>wrap_content</a:t>
+            </a:r>
+            <a:r>
+              <a:rPr kumimoji="0" lang="en-US" sz="1900" b="0" i="0" u="none" strike="noStrike" kern="1200" cap="none" spc="0" normalizeH="0" baseline="0" noProof="0" dirty="0">
                 <a:ln>
                   <a:noFill/>
                 </a:ln>
@@ -9391,9 +10947,10 @@
                 <a:ea typeface="+mn-ea"/>
                 <a:cs typeface="+mn-cs"/>
               </a:rPr>
-            </a:br>
-            <a:r>
-              <a:rPr kumimoji="0" lang="en-US" sz="1900" b="0" i="0" u="none" strike="noStrike" kern="1200" cap="none" spc="0" normalizeH="0" baseline="0" noProof="0" smtClean="0">
+              <a:t>"</a:t>
+            </a:r>
+            <a:br>
+              <a:rPr kumimoji="0" lang="en-US" sz="1900" b="0" i="0" u="none" strike="noStrike" kern="1200" cap="none" spc="0" normalizeH="0" baseline="0" noProof="0" dirty="0">
                 <a:ln>
                   <a:noFill/>
                 </a:ln>
@@ -9407,10 +10964,9 @@
                 <a:ea typeface="+mn-ea"/>
                 <a:cs typeface="+mn-cs"/>
               </a:rPr>
-              <a:t>  tools:layout_editor_absoluteX="11dp"</a:t>
-            </a:r>
-            <a:br>
-              <a:rPr kumimoji="0" lang="en-US" sz="1900" b="0" i="0" u="none" strike="noStrike" kern="1200" cap="none" spc="0" normalizeH="0" baseline="0" noProof="0" smtClean="0">
+            </a:br>
+            <a:r>
+              <a:rPr kumimoji="0" lang="en-US" sz="1900" b="0" i="0" u="none" strike="noStrike" kern="1200" cap="none" spc="0" normalizeH="0" baseline="0" noProof="0" dirty="0">
                 <a:ln>
                   <a:noFill/>
                 </a:ln>
@@ -9424,9 +10980,10 @@
                 <a:ea typeface="+mn-ea"/>
                 <a:cs typeface="+mn-cs"/>
               </a:rPr>
-            </a:br>
-            <a:r>
-              <a:rPr kumimoji="0" lang="en-US" sz="1900" b="0" i="0" u="none" strike="noStrike" kern="1200" cap="none" spc="0" normalizeH="0" baseline="0" noProof="0" smtClean="0">
+              <a:t>  </a:t>
+            </a:r>
+            <a:r>
+              <a:rPr kumimoji="0" lang="en-US" sz="1900" b="0" i="0" u="none" strike="noStrike" kern="1200" cap="none" spc="0" normalizeH="0" baseline="0" noProof="0" dirty="0" err="1">
                 <a:ln>
                   <a:noFill/>
                 </a:ln>
@@ -9440,10 +10997,10 @@
                 <a:ea typeface="+mn-ea"/>
                 <a:cs typeface="+mn-cs"/>
               </a:rPr>
-              <a:t>  tools:layout_editor_absoluteY="225dp"</a:t>
-            </a:r>
-            <a:br>
-              <a:rPr kumimoji="0" lang="en-US" sz="1900" b="0" i="0" u="none" strike="noStrike" kern="1200" cap="none" spc="0" normalizeH="0" baseline="0" noProof="0" smtClean="0">
+              <a:t>android:layout_height</a:t>
+            </a:r>
+            <a:r>
+              <a:rPr kumimoji="0" lang="en-US" sz="1900" b="0" i="0" u="none" strike="noStrike" kern="1200" cap="none" spc="0" normalizeH="0" baseline="0" noProof="0" dirty="0">
                 <a:ln>
                   <a:noFill/>
                 </a:ln>
@@ -9457,9 +11014,10 @@
                 <a:ea typeface="+mn-ea"/>
                 <a:cs typeface="+mn-cs"/>
               </a:rPr>
-            </a:br>
-            <a:r>
-              <a:rPr kumimoji="0" lang="en-US" sz="1900" b="0" i="0" u="none" strike="noStrike" kern="1200" cap="none" spc="0" normalizeH="0" baseline="0" noProof="0" smtClean="0">
+              <a:t>="</a:t>
+            </a:r>
+            <a:r>
+              <a:rPr kumimoji="0" lang="en-US" sz="1900" b="0" i="0" u="none" strike="noStrike" kern="1200" cap="none" spc="0" normalizeH="0" baseline="0" noProof="0" dirty="0" err="1">
                 <a:ln>
                   <a:noFill/>
                 </a:ln>
@@ -9473,10 +11031,10 @@
                 <a:ea typeface="+mn-ea"/>
                 <a:cs typeface="+mn-cs"/>
               </a:rPr>
-              <a:t>  android:id="@+id/imageButton"</a:t>
-            </a:r>
-            <a:br>
-              <a:rPr kumimoji="0" lang="en-US" sz="1900" b="0" i="0" u="none" strike="noStrike" kern="1200" cap="none" spc="0" normalizeH="0" baseline="0" noProof="0" smtClean="0">
+              <a:t>wrap_content</a:t>
+            </a:r>
+            <a:r>
+              <a:rPr kumimoji="0" lang="en-US" sz="1900" b="0" i="0" u="none" strike="noStrike" kern="1200" cap="none" spc="0" normalizeH="0" baseline="0" noProof="0" dirty="0">
                 <a:ln>
                   <a:noFill/>
                 </a:ln>
@@ -9490,9 +11048,10 @@
                 <a:ea typeface="+mn-ea"/>
                 <a:cs typeface="+mn-cs"/>
               </a:rPr>
-            </a:br>
-            <a:r>
-              <a:rPr kumimoji="0" lang="en-US" sz="1900" b="0" i="0" u="none" strike="noStrike" kern="1200" cap="none" spc="0" normalizeH="0" baseline="0" noProof="0" smtClean="0">
+              <a:t>"</a:t>
+            </a:r>
+            <a:br>
+              <a:rPr kumimoji="0" lang="en-US" sz="1900" b="0" i="0" u="none" strike="noStrike" kern="1200" cap="none" spc="0" normalizeH="0" baseline="0" noProof="0" dirty="0">
                 <a:ln>
                   <a:noFill/>
                 </a:ln>
@@ -9506,7 +11065,393 @@
                 <a:ea typeface="+mn-ea"/>
                 <a:cs typeface="+mn-cs"/>
               </a:rPr>
-              <a:t>  android:tint="@color/colorAccent" /&gt;</a:t>
+            </a:br>
+            <a:r>
+              <a:rPr kumimoji="0" lang="en-US" sz="1900" b="0" i="0" u="none" strike="noStrike" kern="1200" cap="none" spc="0" normalizeH="0" baseline="0" noProof="0" dirty="0">
+                <a:ln>
+                  <a:noFill/>
+                </a:ln>
+                <a:solidFill>
+                  <a:schemeClr val="tx1"/>
+                </a:solidFill>
+                <a:effectLst/>
+                <a:uLnTx/>
+                <a:uFillTx/>
+                <a:latin typeface="+mn-lt"/>
+                <a:ea typeface="+mn-ea"/>
+                <a:cs typeface="+mn-cs"/>
+              </a:rPr>
+              <a:t>  </a:t>
+            </a:r>
+            <a:r>
+              <a:rPr kumimoji="0" lang="en-US" sz="1900" b="0" i="0" u="none" strike="noStrike" kern="1200" cap="none" spc="0" normalizeH="0" baseline="0" noProof="0" dirty="0" err="1">
+                <a:ln>
+                  <a:noFill/>
+                </a:ln>
+                <a:solidFill>
+                  <a:schemeClr val="tx1"/>
+                </a:solidFill>
+                <a:effectLst/>
+                <a:uLnTx/>
+                <a:uFillTx/>
+                <a:latin typeface="+mn-lt"/>
+                <a:ea typeface="+mn-ea"/>
+                <a:cs typeface="+mn-cs"/>
+              </a:rPr>
+              <a:t>app:srcCompat</a:t>
+            </a:r>
+            <a:r>
+              <a:rPr kumimoji="0" lang="en-US" sz="1900" b="0" i="0" u="none" strike="noStrike" kern="1200" cap="none" spc="0" normalizeH="0" baseline="0" noProof="0" dirty="0">
+                <a:ln>
+                  <a:noFill/>
+                </a:ln>
+                <a:solidFill>
+                  <a:schemeClr val="tx1"/>
+                </a:solidFill>
+                <a:effectLst/>
+                <a:uLnTx/>
+                <a:uFillTx/>
+                <a:latin typeface="+mn-lt"/>
+                <a:ea typeface="+mn-ea"/>
+                <a:cs typeface="+mn-cs"/>
+              </a:rPr>
+              <a:t>="@drawable/ic_build_black_24dp"</a:t>
+            </a:r>
+            <a:br>
+              <a:rPr kumimoji="0" lang="en-US" sz="1900" b="0" i="0" u="none" strike="noStrike" kern="1200" cap="none" spc="0" normalizeH="0" baseline="0" noProof="0" dirty="0">
+                <a:ln>
+                  <a:noFill/>
+                </a:ln>
+                <a:solidFill>
+                  <a:schemeClr val="tx1"/>
+                </a:solidFill>
+                <a:effectLst/>
+                <a:uLnTx/>
+                <a:uFillTx/>
+                <a:latin typeface="+mn-lt"/>
+                <a:ea typeface="+mn-ea"/>
+                <a:cs typeface="+mn-cs"/>
+              </a:rPr>
+            </a:br>
+            <a:r>
+              <a:rPr kumimoji="0" lang="en-US" sz="1900" b="0" i="0" u="none" strike="noStrike" kern="1200" cap="none" spc="0" normalizeH="0" baseline="0" noProof="0" dirty="0">
+                <a:ln>
+                  <a:noFill/>
+                </a:ln>
+                <a:solidFill>
+                  <a:schemeClr val="tx1"/>
+                </a:solidFill>
+                <a:effectLst/>
+                <a:uLnTx/>
+                <a:uFillTx/>
+                <a:latin typeface="+mn-lt"/>
+                <a:ea typeface="+mn-ea"/>
+                <a:cs typeface="+mn-cs"/>
+              </a:rPr>
+              <a:t>  </a:t>
+            </a:r>
+            <a:r>
+              <a:rPr kumimoji="0" lang="en-US" sz="1900" b="0" i="0" u="none" strike="noStrike" kern="1200" cap="none" spc="0" normalizeH="0" baseline="0" noProof="0" dirty="0" err="1">
+                <a:ln>
+                  <a:noFill/>
+                </a:ln>
+                <a:solidFill>
+                  <a:schemeClr val="tx1"/>
+                </a:solidFill>
+                <a:effectLst/>
+                <a:uLnTx/>
+                <a:uFillTx/>
+                <a:latin typeface="+mn-lt"/>
+                <a:ea typeface="+mn-ea"/>
+                <a:cs typeface="+mn-cs"/>
+              </a:rPr>
+              <a:t>tools:layout_editor_absoluteX</a:t>
+            </a:r>
+            <a:r>
+              <a:rPr kumimoji="0" lang="en-US" sz="1900" b="0" i="0" u="none" strike="noStrike" kern="1200" cap="none" spc="0" normalizeH="0" baseline="0" noProof="0" dirty="0">
+                <a:ln>
+                  <a:noFill/>
+                </a:ln>
+                <a:solidFill>
+                  <a:schemeClr val="tx1"/>
+                </a:solidFill>
+                <a:effectLst/>
+                <a:uLnTx/>
+                <a:uFillTx/>
+                <a:latin typeface="+mn-lt"/>
+                <a:ea typeface="+mn-ea"/>
+                <a:cs typeface="+mn-cs"/>
+              </a:rPr>
+              <a:t>="11dp"</a:t>
+            </a:r>
+            <a:br>
+              <a:rPr kumimoji="0" lang="en-US" sz="1900" b="0" i="0" u="none" strike="noStrike" kern="1200" cap="none" spc="0" normalizeH="0" baseline="0" noProof="0" dirty="0">
+                <a:ln>
+                  <a:noFill/>
+                </a:ln>
+                <a:solidFill>
+                  <a:schemeClr val="tx1"/>
+                </a:solidFill>
+                <a:effectLst/>
+                <a:uLnTx/>
+                <a:uFillTx/>
+                <a:latin typeface="+mn-lt"/>
+                <a:ea typeface="+mn-ea"/>
+                <a:cs typeface="+mn-cs"/>
+              </a:rPr>
+            </a:br>
+            <a:r>
+              <a:rPr kumimoji="0" lang="en-US" sz="1900" b="0" i="0" u="none" strike="noStrike" kern="1200" cap="none" spc="0" normalizeH="0" baseline="0" noProof="0" dirty="0">
+                <a:ln>
+                  <a:noFill/>
+                </a:ln>
+                <a:solidFill>
+                  <a:schemeClr val="tx1"/>
+                </a:solidFill>
+                <a:effectLst/>
+                <a:uLnTx/>
+                <a:uFillTx/>
+                <a:latin typeface="+mn-lt"/>
+                <a:ea typeface="+mn-ea"/>
+                <a:cs typeface="+mn-cs"/>
+              </a:rPr>
+              <a:t>  </a:t>
+            </a:r>
+            <a:r>
+              <a:rPr kumimoji="0" lang="en-US" sz="1900" b="0" i="0" u="none" strike="noStrike" kern="1200" cap="none" spc="0" normalizeH="0" baseline="0" noProof="0" dirty="0" err="1">
+                <a:ln>
+                  <a:noFill/>
+                </a:ln>
+                <a:solidFill>
+                  <a:schemeClr val="tx1"/>
+                </a:solidFill>
+                <a:effectLst/>
+                <a:uLnTx/>
+                <a:uFillTx/>
+                <a:latin typeface="+mn-lt"/>
+                <a:ea typeface="+mn-ea"/>
+                <a:cs typeface="+mn-cs"/>
+              </a:rPr>
+              <a:t>tools:layout_editor_absoluteY</a:t>
+            </a:r>
+            <a:r>
+              <a:rPr kumimoji="0" lang="en-US" sz="1900" b="0" i="0" u="none" strike="noStrike" kern="1200" cap="none" spc="0" normalizeH="0" baseline="0" noProof="0" dirty="0">
+                <a:ln>
+                  <a:noFill/>
+                </a:ln>
+                <a:solidFill>
+                  <a:schemeClr val="tx1"/>
+                </a:solidFill>
+                <a:effectLst/>
+                <a:uLnTx/>
+                <a:uFillTx/>
+                <a:latin typeface="+mn-lt"/>
+                <a:ea typeface="+mn-ea"/>
+                <a:cs typeface="+mn-cs"/>
+              </a:rPr>
+              <a:t>="225dp"</a:t>
+            </a:r>
+            <a:br>
+              <a:rPr kumimoji="0" lang="en-US" sz="1900" b="0" i="0" u="none" strike="noStrike" kern="1200" cap="none" spc="0" normalizeH="0" baseline="0" noProof="0" dirty="0">
+                <a:ln>
+                  <a:noFill/>
+                </a:ln>
+                <a:solidFill>
+                  <a:schemeClr val="tx1"/>
+                </a:solidFill>
+                <a:effectLst/>
+                <a:uLnTx/>
+                <a:uFillTx/>
+                <a:latin typeface="+mn-lt"/>
+                <a:ea typeface="+mn-ea"/>
+                <a:cs typeface="+mn-cs"/>
+              </a:rPr>
+            </a:br>
+            <a:r>
+              <a:rPr kumimoji="0" lang="en-US" sz="1900" b="0" i="0" u="none" strike="noStrike" kern="1200" cap="none" spc="0" normalizeH="0" baseline="0" noProof="0" dirty="0">
+                <a:ln>
+                  <a:noFill/>
+                </a:ln>
+                <a:solidFill>
+                  <a:schemeClr val="tx1"/>
+                </a:solidFill>
+                <a:effectLst/>
+                <a:uLnTx/>
+                <a:uFillTx/>
+                <a:latin typeface="+mn-lt"/>
+                <a:ea typeface="+mn-ea"/>
+                <a:cs typeface="+mn-cs"/>
+              </a:rPr>
+              <a:t>  </a:t>
+            </a:r>
+            <a:r>
+              <a:rPr kumimoji="0" lang="en-US" sz="1900" b="0" i="0" u="none" strike="noStrike" kern="1200" cap="none" spc="0" normalizeH="0" baseline="0" noProof="0" dirty="0" err="1">
+                <a:ln>
+                  <a:noFill/>
+                </a:ln>
+                <a:solidFill>
+                  <a:schemeClr val="tx1"/>
+                </a:solidFill>
+                <a:effectLst/>
+                <a:uLnTx/>
+                <a:uFillTx/>
+                <a:latin typeface="+mn-lt"/>
+                <a:ea typeface="+mn-ea"/>
+                <a:cs typeface="+mn-cs"/>
+              </a:rPr>
+              <a:t>android:id</a:t>
+            </a:r>
+            <a:r>
+              <a:rPr kumimoji="0" lang="en-US" sz="1900" b="0" i="0" u="none" strike="noStrike" kern="1200" cap="none" spc="0" normalizeH="0" baseline="0" noProof="0" dirty="0">
+                <a:ln>
+                  <a:noFill/>
+                </a:ln>
+                <a:solidFill>
+                  <a:schemeClr val="tx1"/>
+                </a:solidFill>
+                <a:effectLst/>
+                <a:uLnTx/>
+                <a:uFillTx/>
+                <a:latin typeface="+mn-lt"/>
+                <a:ea typeface="+mn-ea"/>
+                <a:cs typeface="+mn-cs"/>
+              </a:rPr>
+              <a:t>="@+id/</a:t>
+            </a:r>
+            <a:r>
+              <a:rPr kumimoji="0" lang="en-US" sz="1900" b="0" i="0" u="none" strike="noStrike" kern="1200" cap="none" spc="0" normalizeH="0" baseline="0" noProof="0" dirty="0" err="1">
+                <a:ln>
+                  <a:noFill/>
+                </a:ln>
+                <a:solidFill>
+                  <a:schemeClr val="tx1"/>
+                </a:solidFill>
+                <a:effectLst/>
+                <a:uLnTx/>
+                <a:uFillTx/>
+                <a:latin typeface="+mn-lt"/>
+                <a:ea typeface="+mn-ea"/>
+                <a:cs typeface="+mn-cs"/>
+              </a:rPr>
+              <a:t>imageButton</a:t>
+            </a:r>
+            <a:r>
+              <a:rPr kumimoji="0" lang="en-US" sz="1900" b="0" i="0" u="none" strike="noStrike" kern="1200" cap="none" spc="0" normalizeH="0" baseline="0" noProof="0" dirty="0">
+                <a:ln>
+                  <a:noFill/>
+                </a:ln>
+                <a:solidFill>
+                  <a:schemeClr val="tx1"/>
+                </a:solidFill>
+                <a:effectLst/>
+                <a:uLnTx/>
+                <a:uFillTx/>
+                <a:latin typeface="+mn-lt"/>
+                <a:ea typeface="+mn-ea"/>
+                <a:cs typeface="+mn-cs"/>
+              </a:rPr>
+              <a:t>"</a:t>
+            </a:r>
+            <a:br>
+              <a:rPr kumimoji="0" lang="en-US" sz="1900" b="0" i="0" u="none" strike="noStrike" kern="1200" cap="none" spc="0" normalizeH="0" baseline="0" noProof="0" dirty="0">
+                <a:ln>
+                  <a:noFill/>
+                </a:ln>
+                <a:solidFill>
+                  <a:schemeClr val="tx1"/>
+                </a:solidFill>
+                <a:effectLst/>
+                <a:uLnTx/>
+                <a:uFillTx/>
+                <a:latin typeface="+mn-lt"/>
+                <a:ea typeface="+mn-ea"/>
+                <a:cs typeface="+mn-cs"/>
+              </a:rPr>
+            </a:br>
+            <a:r>
+              <a:rPr kumimoji="0" lang="en-US" sz="1900" b="0" i="0" u="none" strike="noStrike" kern="1200" cap="none" spc="0" normalizeH="0" baseline="0" noProof="0" dirty="0">
+                <a:ln>
+                  <a:noFill/>
+                </a:ln>
+                <a:solidFill>
+                  <a:schemeClr val="tx1"/>
+                </a:solidFill>
+                <a:effectLst/>
+                <a:uLnTx/>
+                <a:uFillTx/>
+                <a:latin typeface="+mn-lt"/>
+                <a:ea typeface="+mn-ea"/>
+                <a:cs typeface="+mn-cs"/>
+              </a:rPr>
+              <a:t>  </a:t>
+            </a:r>
+            <a:r>
+              <a:rPr kumimoji="0" lang="en-US" sz="1900" b="0" i="0" u="none" strike="noStrike" kern="1200" cap="none" spc="0" normalizeH="0" baseline="0" noProof="0" dirty="0" err="1">
+                <a:ln>
+                  <a:noFill/>
+                </a:ln>
+                <a:solidFill>
+                  <a:schemeClr val="tx1"/>
+                </a:solidFill>
+                <a:effectLst/>
+                <a:uLnTx/>
+                <a:uFillTx/>
+                <a:latin typeface="+mn-lt"/>
+                <a:ea typeface="+mn-ea"/>
+                <a:cs typeface="+mn-cs"/>
+              </a:rPr>
+              <a:t>android:tint</a:t>
+            </a:r>
+            <a:r>
+              <a:rPr kumimoji="0" lang="en-US" sz="1900" b="0" i="0" u="none" strike="noStrike" kern="1200" cap="none" spc="0" normalizeH="0" baseline="0" noProof="0" dirty="0">
+                <a:ln>
+                  <a:noFill/>
+                </a:ln>
+                <a:solidFill>
+                  <a:schemeClr val="tx1"/>
+                </a:solidFill>
+                <a:effectLst/>
+                <a:uLnTx/>
+                <a:uFillTx/>
+                <a:latin typeface="+mn-lt"/>
+                <a:ea typeface="+mn-ea"/>
+                <a:cs typeface="+mn-cs"/>
+              </a:rPr>
+              <a:t>="@color/</a:t>
+            </a:r>
+            <a:r>
+              <a:rPr kumimoji="0" lang="en-US" sz="1900" b="0" i="0" u="none" strike="noStrike" kern="1200" cap="none" spc="0" normalizeH="0" baseline="0" noProof="0" dirty="0" err="1">
+                <a:ln>
+                  <a:noFill/>
+                </a:ln>
+                <a:solidFill>
+                  <a:schemeClr val="tx1"/>
+                </a:solidFill>
+                <a:effectLst/>
+                <a:uLnTx/>
+                <a:uFillTx/>
+                <a:latin typeface="+mn-lt"/>
+                <a:ea typeface="+mn-ea"/>
+                <a:cs typeface="+mn-cs"/>
+              </a:rPr>
+              <a:t>colorAccent</a:t>
+            </a:r>
+            <a:r>
+              <a:rPr kumimoji="0" lang="en-US" sz="1900" b="0" i="0" u="none" strike="noStrike" kern="1200" cap="none" spc="0" normalizeH="0" baseline="0" noProof="0" dirty="0">
+                <a:ln>
+                  <a:noFill/>
+                </a:ln>
+                <a:solidFill>
+                  <a:schemeClr val="tx1"/>
+                </a:solidFill>
+                <a:effectLst/>
+                <a:uLnTx/>
+                <a:uFillTx/>
+                <a:latin typeface="+mn-lt"/>
+                <a:ea typeface="+mn-ea"/>
+                <a:cs typeface="+mn-cs"/>
+              </a:rPr>
+              <a:t>" /&gt;</a:t>
             </a:r>
           </a:p>
           <a:p>
@@ -9532,7 +11477,7 @@
               <a:tabLst/>
               <a:defRPr/>
             </a:pPr>
-            <a:endParaRPr kumimoji="0" lang="en-US" sz="1500" b="0" i="0" u="none" strike="noStrike" kern="1200" cap="none" spc="0" normalizeH="0" baseline="0" noProof="0" smtClean="0">
+            <a:endParaRPr kumimoji="0" lang="en-US" sz="1500" b="0" i="0" u="none" strike="noStrike" kern="1200" cap="none" spc="0" normalizeH="0" baseline="0" noProof="0" dirty="0">
               <a:ln>
                 <a:noFill/>
               </a:ln>
@@ -9571,7 +11516,7 @@
               <a:defRPr/>
             </a:pPr>
             <a:r>
-              <a:rPr kumimoji="0" lang="en-US" sz="2400" b="0" i="0" u="none" strike="noStrike" kern="1200" cap="none" spc="0" normalizeH="0" baseline="0" noProof="0" smtClean="0">
+              <a:rPr kumimoji="0" lang="en-US" sz="2800" b="0" i="0" u="none" strike="noStrike" kern="1200" cap="none" spc="0" normalizeH="0" baseline="0" noProof="0" dirty="0">
                 <a:ln>
                   <a:noFill/>
                 </a:ln>
@@ -9585,7 +11530,269 @@
                 <a:ea typeface="+mn-ea"/>
                 <a:cs typeface="Times New Roman" pitchFamily="18" charset="0"/>
               </a:rPr>
-              <a:t>Se il progetto non usa alcuna libreria di supporto, il codice del vector drawable sarà:</a:t>
+              <a:t>Se </a:t>
+            </a:r>
+            <a:r>
+              <a:rPr kumimoji="0" lang="en-US" sz="2800" b="0" i="0" u="none" strike="noStrike" kern="1200" cap="none" spc="0" normalizeH="0" baseline="0" noProof="0" dirty="0" err="1">
+                <a:ln>
+                  <a:noFill/>
+                </a:ln>
+                <a:solidFill>
+                  <a:schemeClr val="tx1"/>
+                </a:solidFill>
+                <a:effectLst/>
+                <a:uLnTx/>
+                <a:uFillTx/>
+                <a:latin typeface="Times New Roman" pitchFamily="18" charset="0"/>
+                <a:ea typeface="+mn-ea"/>
+                <a:cs typeface="Times New Roman" pitchFamily="18" charset="0"/>
+              </a:rPr>
+              <a:t>il</a:t>
+            </a:r>
+            <a:r>
+              <a:rPr kumimoji="0" lang="en-US" sz="2800" b="0" i="0" u="none" strike="noStrike" kern="1200" cap="none" spc="0" normalizeH="0" baseline="0" noProof="0" dirty="0">
+                <a:ln>
+                  <a:noFill/>
+                </a:ln>
+                <a:solidFill>
+                  <a:schemeClr val="tx1"/>
+                </a:solidFill>
+                <a:effectLst/>
+                <a:uLnTx/>
+                <a:uFillTx/>
+                <a:latin typeface="Times New Roman" pitchFamily="18" charset="0"/>
+                <a:ea typeface="+mn-ea"/>
+                <a:cs typeface="Times New Roman" pitchFamily="18" charset="0"/>
+              </a:rPr>
+              <a:t> </a:t>
+            </a:r>
+            <a:r>
+              <a:rPr kumimoji="0" lang="en-US" sz="2800" b="0" i="0" u="none" strike="noStrike" kern="1200" cap="none" spc="0" normalizeH="0" baseline="0" noProof="0" dirty="0" err="1">
+                <a:ln>
+                  <a:noFill/>
+                </a:ln>
+                <a:solidFill>
+                  <a:schemeClr val="tx1"/>
+                </a:solidFill>
+                <a:effectLst/>
+                <a:uLnTx/>
+                <a:uFillTx/>
+                <a:latin typeface="Times New Roman" pitchFamily="18" charset="0"/>
+                <a:ea typeface="+mn-ea"/>
+                <a:cs typeface="Times New Roman" pitchFamily="18" charset="0"/>
+              </a:rPr>
+              <a:t>progetto</a:t>
+            </a:r>
+            <a:r>
+              <a:rPr kumimoji="0" lang="en-US" sz="2800" b="0" i="0" u="none" strike="noStrike" kern="1200" cap="none" spc="0" normalizeH="0" baseline="0" noProof="0" dirty="0">
+                <a:ln>
+                  <a:noFill/>
+                </a:ln>
+                <a:solidFill>
+                  <a:schemeClr val="tx1"/>
+                </a:solidFill>
+                <a:effectLst/>
+                <a:uLnTx/>
+                <a:uFillTx/>
+                <a:latin typeface="Times New Roman" pitchFamily="18" charset="0"/>
+                <a:ea typeface="+mn-ea"/>
+                <a:cs typeface="Times New Roman" pitchFamily="18" charset="0"/>
+              </a:rPr>
+              <a:t> non </a:t>
+            </a:r>
+            <a:r>
+              <a:rPr kumimoji="0" lang="en-US" sz="2800" b="0" i="0" u="none" strike="noStrike" kern="1200" cap="none" spc="0" normalizeH="0" baseline="0" noProof="0" dirty="0" err="1">
+                <a:ln>
+                  <a:noFill/>
+                </a:ln>
+                <a:solidFill>
+                  <a:schemeClr val="tx1"/>
+                </a:solidFill>
+                <a:effectLst/>
+                <a:uLnTx/>
+                <a:uFillTx/>
+                <a:latin typeface="Times New Roman" pitchFamily="18" charset="0"/>
+                <a:ea typeface="+mn-ea"/>
+                <a:cs typeface="Times New Roman" pitchFamily="18" charset="0"/>
+              </a:rPr>
+              <a:t>usa</a:t>
+            </a:r>
+            <a:r>
+              <a:rPr kumimoji="0" lang="en-US" sz="2800" b="0" i="0" u="none" strike="noStrike" kern="1200" cap="none" spc="0" normalizeH="0" baseline="0" noProof="0" dirty="0">
+                <a:ln>
+                  <a:noFill/>
+                </a:ln>
+                <a:solidFill>
+                  <a:schemeClr val="tx1"/>
+                </a:solidFill>
+                <a:effectLst/>
+                <a:uLnTx/>
+                <a:uFillTx/>
+                <a:latin typeface="Times New Roman" pitchFamily="18" charset="0"/>
+                <a:ea typeface="+mn-ea"/>
+                <a:cs typeface="Times New Roman" pitchFamily="18" charset="0"/>
+              </a:rPr>
+              <a:t> alcuna </a:t>
+            </a:r>
+            <a:r>
+              <a:rPr kumimoji="0" lang="en-US" sz="2800" b="0" i="0" u="none" strike="noStrike" kern="1200" cap="none" spc="0" normalizeH="0" baseline="0" noProof="0" dirty="0" err="1">
+                <a:ln>
+                  <a:noFill/>
+                </a:ln>
+                <a:solidFill>
+                  <a:schemeClr val="tx1"/>
+                </a:solidFill>
+                <a:effectLst/>
+                <a:uLnTx/>
+                <a:uFillTx/>
+                <a:latin typeface="Times New Roman" pitchFamily="18" charset="0"/>
+                <a:ea typeface="+mn-ea"/>
+                <a:cs typeface="Times New Roman" pitchFamily="18" charset="0"/>
+              </a:rPr>
+              <a:t>libreria</a:t>
+            </a:r>
+            <a:r>
+              <a:rPr kumimoji="0" lang="en-US" sz="2800" b="0" i="0" u="none" strike="noStrike" kern="1200" cap="none" spc="0" normalizeH="0" baseline="0" noProof="0" dirty="0">
+                <a:ln>
+                  <a:noFill/>
+                </a:ln>
+                <a:solidFill>
+                  <a:schemeClr val="tx1"/>
+                </a:solidFill>
+                <a:effectLst/>
+                <a:uLnTx/>
+                <a:uFillTx/>
+                <a:latin typeface="Times New Roman" pitchFamily="18" charset="0"/>
+                <a:ea typeface="+mn-ea"/>
+                <a:cs typeface="Times New Roman" pitchFamily="18" charset="0"/>
+              </a:rPr>
+              <a:t> di </a:t>
+            </a:r>
+            <a:r>
+              <a:rPr kumimoji="0" lang="en-US" sz="2800" b="0" i="0" u="none" strike="noStrike" kern="1200" cap="none" spc="0" normalizeH="0" baseline="0" noProof="0" dirty="0" err="1">
+                <a:ln>
+                  <a:noFill/>
+                </a:ln>
+                <a:solidFill>
+                  <a:schemeClr val="tx1"/>
+                </a:solidFill>
+                <a:effectLst/>
+                <a:uLnTx/>
+                <a:uFillTx/>
+                <a:latin typeface="Times New Roman" pitchFamily="18" charset="0"/>
+                <a:ea typeface="+mn-ea"/>
+                <a:cs typeface="Times New Roman" pitchFamily="18" charset="0"/>
+              </a:rPr>
+              <a:t>supporto</a:t>
+            </a:r>
+            <a:r>
+              <a:rPr kumimoji="0" lang="en-US" sz="2800" b="0" i="0" u="none" strike="noStrike" kern="1200" cap="none" spc="0" normalizeH="0" baseline="0" noProof="0" dirty="0">
+                <a:ln>
+                  <a:noFill/>
+                </a:ln>
+                <a:solidFill>
+                  <a:schemeClr val="tx1"/>
+                </a:solidFill>
+                <a:effectLst/>
+                <a:uLnTx/>
+                <a:uFillTx/>
+                <a:latin typeface="Times New Roman" pitchFamily="18" charset="0"/>
+                <a:ea typeface="+mn-ea"/>
+                <a:cs typeface="Times New Roman" pitchFamily="18" charset="0"/>
+              </a:rPr>
+              <a:t>, </a:t>
+            </a:r>
+            <a:r>
+              <a:rPr kumimoji="0" lang="en-US" sz="2800" b="0" i="0" u="none" strike="noStrike" kern="1200" cap="none" spc="0" normalizeH="0" baseline="0" noProof="0" dirty="0" err="1">
+                <a:ln>
+                  <a:noFill/>
+                </a:ln>
+                <a:solidFill>
+                  <a:schemeClr val="tx1"/>
+                </a:solidFill>
+                <a:effectLst/>
+                <a:uLnTx/>
+                <a:uFillTx/>
+                <a:latin typeface="Times New Roman" pitchFamily="18" charset="0"/>
+                <a:ea typeface="+mn-ea"/>
+                <a:cs typeface="Times New Roman" pitchFamily="18" charset="0"/>
+              </a:rPr>
+              <a:t>il</a:t>
+            </a:r>
+            <a:r>
+              <a:rPr kumimoji="0" lang="en-US" sz="2800" b="0" i="0" u="none" strike="noStrike" kern="1200" cap="none" spc="0" normalizeH="0" baseline="0" noProof="0" dirty="0">
+                <a:ln>
+                  <a:noFill/>
+                </a:ln>
+                <a:solidFill>
+                  <a:schemeClr val="tx1"/>
+                </a:solidFill>
+                <a:effectLst/>
+                <a:uLnTx/>
+                <a:uFillTx/>
+                <a:latin typeface="Times New Roman" pitchFamily="18" charset="0"/>
+                <a:ea typeface="+mn-ea"/>
+                <a:cs typeface="Times New Roman" pitchFamily="18" charset="0"/>
+              </a:rPr>
+              <a:t> </a:t>
+            </a:r>
+            <a:r>
+              <a:rPr kumimoji="0" lang="en-US" sz="2800" b="0" i="0" u="none" strike="noStrike" kern="1200" cap="none" spc="0" normalizeH="0" baseline="0" noProof="0" dirty="0" err="1">
+                <a:ln>
+                  <a:noFill/>
+                </a:ln>
+                <a:solidFill>
+                  <a:schemeClr val="tx1"/>
+                </a:solidFill>
+                <a:effectLst/>
+                <a:uLnTx/>
+                <a:uFillTx/>
+                <a:latin typeface="Times New Roman" pitchFamily="18" charset="0"/>
+                <a:ea typeface="+mn-ea"/>
+                <a:cs typeface="Times New Roman" pitchFamily="18" charset="0"/>
+              </a:rPr>
+              <a:t>codice</a:t>
+            </a:r>
+            <a:r>
+              <a:rPr kumimoji="0" lang="en-US" sz="2800" b="0" i="0" u="none" strike="noStrike" kern="1200" cap="none" spc="0" normalizeH="0" baseline="0" noProof="0" dirty="0">
+                <a:ln>
+                  <a:noFill/>
+                </a:ln>
+                <a:solidFill>
+                  <a:schemeClr val="tx1"/>
+                </a:solidFill>
+                <a:effectLst/>
+                <a:uLnTx/>
+                <a:uFillTx/>
+                <a:latin typeface="Times New Roman" pitchFamily="18" charset="0"/>
+                <a:ea typeface="+mn-ea"/>
+                <a:cs typeface="Times New Roman" pitchFamily="18" charset="0"/>
+              </a:rPr>
+              <a:t> del vector drawable </a:t>
+            </a:r>
+            <a:r>
+              <a:rPr lang="en-US" sz="2800" dirty="0" err="1">
+                <a:latin typeface="Times New Roman" pitchFamily="18" charset="0"/>
+                <a:cs typeface="Times New Roman" pitchFamily="18" charset="0"/>
+              </a:rPr>
+              <a:t>conterrà</a:t>
+            </a:r>
+            <a:r>
+              <a:rPr kumimoji="0" lang="en-US" sz="2800" b="0" i="0" u="none" strike="noStrike" kern="1200" cap="none" spc="0" normalizeH="0" baseline="0" noProof="0" dirty="0">
+                <a:ln>
+                  <a:noFill/>
+                </a:ln>
+                <a:solidFill>
+                  <a:schemeClr val="tx1"/>
+                </a:solidFill>
+                <a:effectLst/>
+                <a:uLnTx/>
+                <a:uFillTx/>
+                <a:latin typeface="Times New Roman" pitchFamily="18" charset="0"/>
+                <a:ea typeface="+mn-ea"/>
+                <a:cs typeface="Times New Roman" pitchFamily="18" charset="0"/>
+              </a:rPr>
+              <a:t>:</a:t>
             </a:r>
           </a:p>
           <a:p>
@@ -9612,7 +11819,7 @@
               <a:defRPr/>
             </a:pPr>
             <a:r>
-              <a:rPr kumimoji="0" lang="it-IT" sz="1900" b="0" i="0" u="none" strike="noStrike" kern="1200" cap="none" spc="0" normalizeH="0" baseline="0" noProof="0" smtClean="0">
+              <a:rPr kumimoji="0" lang="it-IT" sz="1900" b="0" i="0" u="none" strike="noStrike" kern="1200" cap="none" spc="0" normalizeH="0" baseline="0" noProof="0" dirty="0" err="1">
                 <a:ln>
                   <a:noFill/>
                 </a:ln>
@@ -9626,7 +11833,58 @@
                 <a:ea typeface="+mn-ea"/>
                 <a:cs typeface="+mn-cs"/>
               </a:rPr>
-              <a:t>android:src="@drawable/ic_build_black_24dp"</a:t>
+              <a:t>android:src</a:t>
+            </a:r>
+            <a:r>
+              <a:rPr kumimoji="0" lang="it-IT" sz="1900" b="0" i="0" u="none" strike="noStrike" kern="1200" cap="none" spc="0" normalizeH="0" baseline="0" noProof="0" dirty="0">
+                <a:ln>
+                  <a:noFill/>
+                </a:ln>
+                <a:solidFill>
+                  <a:schemeClr val="tx1"/>
+                </a:solidFill>
+                <a:effectLst/>
+                <a:uLnTx/>
+                <a:uFillTx/>
+                <a:latin typeface="+mn-lt"/>
+                <a:ea typeface="+mn-ea"/>
+                <a:cs typeface="+mn-cs"/>
+              </a:rPr>
+              <a:t>="@</a:t>
+            </a:r>
+            <a:r>
+              <a:rPr kumimoji="0" lang="it-IT" sz="1900" b="0" i="0" u="none" strike="noStrike" kern="1200" cap="none" spc="0" normalizeH="0" baseline="0" noProof="0" dirty="0" err="1">
+                <a:ln>
+                  <a:noFill/>
+                </a:ln>
+                <a:solidFill>
+                  <a:schemeClr val="tx1"/>
+                </a:solidFill>
+                <a:effectLst/>
+                <a:uLnTx/>
+                <a:uFillTx/>
+                <a:latin typeface="+mn-lt"/>
+                <a:ea typeface="+mn-ea"/>
+                <a:cs typeface="+mn-cs"/>
+              </a:rPr>
+              <a:t>drawable</a:t>
+            </a:r>
+            <a:r>
+              <a:rPr kumimoji="0" lang="it-IT" sz="1900" b="0" i="0" u="none" strike="noStrike" kern="1200" cap="none" spc="0" normalizeH="0" baseline="0" noProof="0" dirty="0">
+                <a:ln>
+                  <a:noFill/>
+                </a:ln>
+                <a:solidFill>
+                  <a:schemeClr val="tx1"/>
+                </a:solidFill>
+                <a:effectLst/>
+                <a:uLnTx/>
+                <a:uFillTx/>
+                <a:latin typeface="+mn-lt"/>
+                <a:ea typeface="+mn-ea"/>
+                <a:cs typeface="+mn-cs"/>
+              </a:rPr>
+              <a:t>/ic_build_black_24dp"</a:t>
             </a:r>
           </a:p>
           <a:p>
@@ -9652,7 +11910,7 @@
               <a:tabLst/>
               <a:defRPr/>
             </a:pPr>
-            <a:endParaRPr kumimoji="0" lang="it-IT" sz="1500" b="0" i="0" u="none" strike="noStrike" kern="1200" cap="none" spc="0" normalizeH="0" baseline="0" noProof="0">
+            <a:endParaRPr kumimoji="0" lang="it-IT" sz="1500" b="0" i="0" u="none" strike="noStrike" kern="1200" cap="none" spc="0" normalizeH="0" baseline="0" noProof="0" dirty="0">
               <a:ln>
                 <a:noFill/>
               </a:ln>
@@ -9710,10 +11968,9 @@
           <a:lstStyle/>
           <a:p>
             <a:r>
-              <a:rPr lang="it-IT" smtClean="0"/>
+              <a:rPr lang="it-IT"/>
               <a:t>Fare riferimento a un vector drawable</a:t>
             </a:r>
-            <a:endParaRPr lang="it-IT"/>
           </a:p>
         </p:txBody>
       </p:sp>
@@ -9735,21 +11992,63 @@
           <a:lstStyle/>
           <a:p>
             <a:r>
-              <a:rPr lang="it-IT" sz="2400" smtClean="0">
-                <a:latin typeface="Times New Roman" pitchFamily="18" charset="0"/>
-                <a:cs typeface="Times New Roman" pitchFamily="18" charset="0"/>
-              </a:rPr>
-              <a:t>Nel codice, nella maggior parte dei casi, ci si può riferire ai vector drawables con “@drawable” (per XML) o “</a:t>
-            </a:r>
-            <a:r>
-              <a:rPr lang="it-IT" sz="2400" smtClean="0">
+              <a:rPr lang="it-IT" sz="2400" dirty="0">
+                <a:latin typeface="Times New Roman" pitchFamily="18" charset="0"/>
+                <a:cs typeface="Times New Roman" pitchFamily="18" charset="0"/>
+              </a:rPr>
+              <a:t>Nel codice, nella maggior parte dei casi, ci si può riferire ai </a:t>
+            </a:r>
+            <a:r>
+              <a:rPr lang="it-IT" sz="2400" dirty="0" err="1">
+                <a:latin typeface="Times New Roman" pitchFamily="18" charset="0"/>
+                <a:cs typeface="Times New Roman" pitchFamily="18" charset="0"/>
+              </a:rPr>
+              <a:t>vector</a:t>
+            </a:r>
+            <a:r>
+              <a:rPr lang="it-IT" sz="2400" dirty="0">
+                <a:latin typeface="Times New Roman" pitchFamily="18" charset="0"/>
+                <a:cs typeface="Times New Roman" pitchFamily="18" charset="0"/>
+              </a:rPr>
+              <a:t> </a:t>
+            </a:r>
+            <a:r>
+              <a:rPr lang="it-IT" sz="2400" dirty="0" err="1">
+                <a:latin typeface="Times New Roman" pitchFamily="18" charset="0"/>
+                <a:cs typeface="Times New Roman" pitchFamily="18" charset="0"/>
+              </a:rPr>
+              <a:t>drawables</a:t>
+            </a:r>
+            <a:r>
+              <a:rPr lang="it-IT" sz="2400" dirty="0">
+                <a:latin typeface="Times New Roman" pitchFamily="18" charset="0"/>
+                <a:cs typeface="Times New Roman" pitchFamily="18" charset="0"/>
+              </a:rPr>
+              <a:t> con “@</a:t>
+            </a:r>
+            <a:r>
+              <a:rPr lang="it-IT" sz="2400" dirty="0" err="1">
+                <a:latin typeface="Times New Roman" pitchFamily="18" charset="0"/>
+                <a:cs typeface="Times New Roman" pitchFamily="18" charset="0"/>
+              </a:rPr>
+              <a:t>drawable</a:t>
+            </a:r>
+            <a:r>
+              <a:rPr lang="it-IT" sz="2400" dirty="0">
+                <a:latin typeface="Times New Roman" pitchFamily="18" charset="0"/>
+                <a:cs typeface="Times New Roman" pitchFamily="18" charset="0"/>
+              </a:rPr>
+              <a:t>” (per XML) o “</a:t>
+            </a:r>
+            <a:r>
+              <a:rPr lang="it-IT" sz="2400" dirty="0" err="1">
                 <a:latin typeface="Courier New" pitchFamily="49" charset="0"/>
                 <a:cs typeface="Courier New" pitchFamily="49" charset="0"/>
               </a:rPr>
               <a:t>Drawable</a:t>
             </a:r>
             <a:r>
-              <a:rPr lang="it-IT" sz="2400" smtClean="0">
+              <a:rPr lang="it-IT" sz="2400" dirty="0">
                 <a:latin typeface="Times New Roman" pitchFamily="18" charset="0"/>
                 <a:cs typeface="Times New Roman" pitchFamily="18" charset="0"/>
               </a:rPr>
@@ -9758,27 +12057,41 @@
           </a:p>
           <a:p>
             <a:r>
-              <a:rPr lang="it-IT" sz="2400" smtClean="0">
-                <a:latin typeface="Times New Roman" pitchFamily="18" charset="0"/>
-                <a:cs typeface="Times New Roman" pitchFamily="18" charset="0"/>
-              </a:rPr>
-              <a:t>Mettere un fucking screen</a:t>
-            </a:r>
-          </a:p>
-          <a:p>
-            <a:endParaRPr lang="it-IT" sz="2400" smtClean="0">
+              <a:rPr lang="it-IT" sz="2400" dirty="0">
+                <a:latin typeface="Times New Roman" pitchFamily="18" charset="0"/>
+                <a:cs typeface="Times New Roman" pitchFamily="18" charset="0"/>
+              </a:rPr>
+              <a:t>Mettere un </a:t>
+            </a:r>
+            <a:r>
+              <a:rPr lang="it-IT" sz="2400" dirty="0" err="1">
+                <a:latin typeface="Times New Roman" pitchFamily="18" charset="0"/>
+                <a:cs typeface="Times New Roman" pitchFamily="18" charset="0"/>
+              </a:rPr>
+              <a:t>fucking</a:t>
+            </a:r>
+            <a:r>
+              <a:rPr lang="it-IT" sz="2400" dirty="0">
+                <a:latin typeface="Times New Roman" pitchFamily="18" charset="0"/>
+                <a:cs typeface="Times New Roman" pitchFamily="18" charset="0"/>
+              </a:rPr>
+              <a:t> screen</a:t>
+            </a:r>
+          </a:p>
+          <a:p>
+            <a:endParaRPr lang="it-IT" sz="2400" dirty="0">
               <a:latin typeface="Times New Roman" pitchFamily="18" charset="0"/>
               <a:cs typeface="Times New Roman" pitchFamily="18" charset="0"/>
             </a:endParaRPr>
           </a:p>
           <a:p>
-            <a:endParaRPr lang="it-IT" sz="2400" smtClean="0">
+            <a:endParaRPr lang="it-IT" sz="2400" dirty="0">
               <a:latin typeface="Times New Roman" pitchFamily="18" charset="0"/>
               <a:cs typeface="Times New Roman" pitchFamily="18" charset="0"/>
             </a:endParaRPr>
           </a:p>
           <a:p>
-            <a:endParaRPr lang="it-IT" sz="2400" smtClean="0">
+            <a:endParaRPr lang="it-IT" sz="2400" dirty="0">
               <a:latin typeface="Times New Roman" pitchFamily="18" charset="0"/>
               <a:cs typeface="Times New Roman" pitchFamily="18" charset="0"/>
             </a:endParaRPr>
@@ -9788,16 +12101,54 @@
               <a:buNone/>
             </a:pPr>
             <a:r>
-              <a:rPr lang="it-IT" sz="2400" smtClean="0">
-                <a:latin typeface="Times New Roman" pitchFamily="18" charset="0"/>
-                <a:cs typeface="Times New Roman" pitchFamily="18" charset="0"/>
-              </a:rPr>
-              <a:t>Si può accedere alle risorse vector drawable solo dal thread principale.</a:t>
-            </a:r>
-            <a:endParaRPr lang="it-IT" sz="2400">
-              <a:latin typeface="Times New Roman" pitchFamily="18" charset="0"/>
-              <a:cs typeface="Times New Roman" pitchFamily="18" charset="0"/>
-            </a:endParaRPr>
+              <a:rPr lang="it-IT" sz="2400" dirty="0">
+                <a:latin typeface="Times New Roman" pitchFamily="18" charset="0"/>
+                <a:cs typeface="Times New Roman" pitchFamily="18" charset="0"/>
+              </a:rPr>
+              <a:t>Si può accedere alle risorse </a:t>
+            </a:r>
+            <a:r>
+              <a:rPr lang="it-IT" sz="2400" dirty="0" err="1">
+                <a:latin typeface="Times New Roman" pitchFamily="18" charset="0"/>
+                <a:cs typeface="Times New Roman" pitchFamily="18" charset="0"/>
+              </a:rPr>
+              <a:t>vector</a:t>
+            </a:r>
+            <a:r>
+              <a:rPr lang="it-IT" sz="2400" dirty="0">
+                <a:latin typeface="Times New Roman" pitchFamily="18" charset="0"/>
+                <a:cs typeface="Times New Roman" pitchFamily="18" charset="0"/>
+              </a:rPr>
+              <a:t> </a:t>
+            </a:r>
+            <a:r>
+              <a:rPr lang="it-IT" sz="2400" dirty="0" err="1">
+                <a:latin typeface="Times New Roman" pitchFamily="18" charset="0"/>
+                <a:cs typeface="Times New Roman" pitchFamily="18" charset="0"/>
+              </a:rPr>
+              <a:t>drawable</a:t>
+            </a:r>
+            <a:r>
+              <a:rPr lang="it-IT" sz="2400" dirty="0">
+                <a:latin typeface="Times New Roman" pitchFamily="18" charset="0"/>
+                <a:cs typeface="Times New Roman" pitchFamily="18" charset="0"/>
+              </a:rPr>
+              <a:t> solo dal </a:t>
+            </a:r>
+            <a:r>
+              <a:rPr lang="it-IT" sz="2400" dirty="0" err="1">
+                <a:latin typeface="Times New Roman" pitchFamily="18" charset="0"/>
+                <a:cs typeface="Times New Roman" pitchFamily="18" charset="0"/>
+              </a:rPr>
+              <a:t>thread</a:t>
+            </a:r>
+            <a:r>
+              <a:rPr lang="it-IT" sz="2400" dirty="0">
+                <a:latin typeface="Times New Roman" pitchFamily="18" charset="0"/>
+                <a:cs typeface="Times New Roman" pitchFamily="18" charset="0"/>
+              </a:rPr>
+              <a:t> principale.</a:t>
+            </a:r>
           </a:p>
         </p:txBody>
       </p:sp>
@@ -9842,10 +12193,9 @@
           <a:lstStyle/>
           <a:p>
             <a:r>
-              <a:rPr lang="it-IT" smtClean="0"/>
+              <a:rPr lang="it-IT"/>
               <a:t>Fare riferimento a un vector drawable</a:t>
             </a:r>
-            <a:endParaRPr lang="it-IT"/>
           </a:p>
         </p:txBody>
       </p:sp>
@@ -9867,16 +12217,44 @@
         </p:spPr>
         <p:txBody>
           <a:bodyPr>
-            <a:normAutofit fontScale="92500" lnSpcReduction="20000"/>
+            <a:normAutofit fontScale="77500" lnSpcReduction="20000"/>
           </a:bodyPr>
           <a:lstStyle/>
           <a:p>
             <a:r>
-              <a:rPr lang="it-IT" sz="2400" smtClean="0">
-                <a:latin typeface="Times New Roman" pitchFamily="18" charset="0"/>
-                <a:cs typeface="Times New Roman" pitchFamily="18" charset="0"/>
-              </a:rPr>
-              <a:t>Per esempio, lo snippet seguente di codice XML applica l’immagine a una view:</a:t>
+              <a:rPr lang="it-IT" sz="3100" dirty="0">
+                <a:latin typeface="Times New Roman" pitchFamily="18" charset="0"/>
+                <a:cs typeface="Times New Roman" pitchFamily="18" charset="0"/>
+              </a:rPr>
+              <a:t>Per esempio, lo </a:t>
+            </a:r>
+            <a:r>
+              <a:rPr lang="it-IT" sz="3100" dirty="0" err="1">
+                <a:latin typeface="Times New Roman" pitchFamily="18" charset="0"/>
+                <a:cs typeface="Times New Roman" pitchFamily="18" charset="0"/>
+              </a:rPr>
+              <a:t>snippet</a:t>
+            </a:r>
+            <a:r>
+              <a:rPr lang="it-IT" sz="3100" dirty="0">
+                <a:latin typeface="Times New Roman" pitchFamily="18" charset="0"/>
+                <a:cs typeface="Times New Roman" pitchFamily="18" charset="0"/>
+              </a:rPr>
+              <a:t> seguente di codice XML applica l’immagine a una </a:t>
+            </a:r>
+            <a:r>
+              <a:rPr lang="it-IT" sz="3100" dirty="0" err="1">
+                <a:latin typeface="Times New Roman" pitchFamily="18" charset="0"/>
+                <a:cs typeface="Times New Roman" pitchFamily="18" charset="0"/>
+              </a:rPr>
+              <a:t>view</a:t>
+            </a:r>
+            <a:r>
+              <a:rPr lang="it-IT" sz="3100" dirty="0">
+                <a:latin typeface="Times New Roman" pitchFamily="18" charset="0"/>
+                <a:cs typeface="Times New Roman" pitchFamily="18" charset="0"/>
+              </a:rPr>
+              <a:t>:</a:t>
             </a:r>
           </a:p>
           <a:p>
@@ -9884,44 +12262,166 @@
               <a:buNone/>
             </a:pPr>
             <a:r>
-              <a:rPr lang="en-US" sz="1900" smtClean="0"/>
-              <a:t>&lt;ImageView</a:t>
+              <a:rPr lang="en-US" sz="1900" dirty="0"/>
+              <a:t>&lt;</a:t>
+            </a:r>
+            <a:r>
+              <a:rPr lang="en-US" sz="1900" dirty="0" err="1"/>
+              <a:t>ImageView</a:t>
             </a:r>
             <a:br>
-              <a:rPr lang="en-US" sz="1900" smtClean="0"/>
+              <a:rPr lang="en-US" sz="1900" dirty="0"/>
             </a:br>
             <a:r>
-              <a:rPr lang="en-US" sz="1900" smtClean="0"/>
-              <a:t>    android:layout_height="wrap_content"</a:t>
+              <a:rPr lang="en-US" sz="1900" dirty="0"/>
+              <a:t>    </a:t>
+            </a:r>
+            <a:r>
+              <a:rPr lang="en-US" sz="1900" dirty="0" err="1"/>
+              <a:t>android:layout_height</a:t>
+            </a:r>
+            <a:r>
+              <a:rPr lang="en-US" sz="1900" dirty="0"/>
+              <a:t>="</a:t>
+            </a:r>
+            <a:r>
+              <a:rPr lang="en-US" sz="1900" dirty="0" err="1"/>
+              <a:t>wrap_content</a:t>
+            </a:r>
+            <a:r>
+              <a:rPr lang="en-US" sz="1900" dirty="0"/>
+              <a:t>"</a:t>
             </a:r>
             <a:br>
-              <a:rPr lang="en-US" sz="1900" smtClean="0"/>
+              <a:rPr lang="en-US" sz="1900" dirty="0"/>
             </a:br>
             <a:r>
-              <a:rPr lang="en-US" sz="1900" smtClean="0"/>
-              <a:t>    android:layout_width="wrap_content"</a:t>
+              <a:rPr lang="en-US" sz="1900" dirty="0"/>
+              <a:t>    </a:t>
+            </a:r>
+            <a:r>
+              <a:rPr lang="en-US" sz="1900" dirty="0" err="1"/>
+              <a:t>android:layout_width</a:t>
+            </a:r>
+            <a:r>
+              <a:rPr lang="en-US" sz="1900" dirty="0"/>
+              <a:t>="</a:t>
+            </a:r>
+            <a:r>
+              <a:rPr lang="en-US" sz="1900" dirty="0" err="1"/>
+              <a:t>wrap_content</a:t>
+            </a:r>
+            <a:r>
+              <a:rPr lang="en-US" sz="1900" dirty="0"/>
+              <a:t>"</a:t>
             </a:r>
             <a:br>
-              <a:rPr lang="en-US" sz="1900" smtClean="0"/>
+              <a:rPr lang="en-US" sz="1900" dirty="0"/>
             </a:br>
             <a:r>
-              <a:rPr lang="en-US" sz="1900" smtClean="0"/>
-              <a:t>    android:src="@drawable/myimage" /&gt;</a:t>
+              <a:rPr lang="en-US" sz="1900" dirty="0"/>
+              <a:t>    </a:t>
+            </a:r>
+            <a:r>
+              <a:rPr lang="en-US" sz="1900" dirty="0" err="1"/>
+              <a:t>android:src</a:t>
+            </a:r>
+            <a:r>
+              <a:rPr lang="en-US" sz="1900" dirty="0"/>
+              <a:t>="@drawable/</a:t>
+            </a:r>
+            <a:r>
+              <a:rPr lang="en-US" sz="1900" dirty="0" err="1"/>
+              <a:t>myimage</a:t>
+            </a:r>
+            <a:r>
+              <a:rPr lang="en-US" sz="1900" dirty="0"/>
+              <a:t>" /&gt;</a:t>
             </a:r>
           </a:p>
           <a:p>
             <a:pPr>
               <a:buNone/>
             </a:pPr>
-            <a:endParaRPr lang="en-US" smtClean="0"/>
-          </a:p>
-          <a:p>
-            <a:r>
-              <a:rPr lang="en-US" sz="2400" smtClean="0">
-                <a:latin typeface="Times New Roman" pitchFamily="18" charset="0"/>
-                <a:cs typeface="Times New Roman" pitchFamily="18" charset="0"/>
-              </a:rPr>
-              <a:t>E il seguente codice Java richiama l’immagine come Drawable: </a:t>
+            <a:endParaRPr lang="en-US" dirty="0"/>
+          </a:p>
+          <a:p>
+            <a:r>
+              <a:rPr lang="en-US" sz="3100" dirty="0">
+                <a:latin typeface="Times New Roman" pitchFamily="18" charset="0"/>
+                <a:cs typeface="Times New Roman" pitchFamily="18" charset="0"/>
+              </a:rPr>
+              <a:t>E </a:t>
+            </a:r>
+            <a:r>
+              <a:rPr lang="en-US" sz="3100" dirty="0" err="1">
+                <a:latin typeface="Times New Roman" pitchFamily="18" charset="0"/>
+                <a:cs typeface="Times New Roman" pitchFamily="18" charset="0"/>
+              </a:rPr>
+              <a:t>il</a:t>
+            </a:r>
+            <a:r>
+              <a:rPr lang="en-US" sz="3100" dirty="0">
+                <a:latin typeface="Times New Roman" pitchFamily="18" charset="0"/>
+                <a:cs typeface="Times New Roman" pitchFamily="18" charset="0"/>
+              </a:rPr>
+              <a:t> </a:t>
+            </a:r>
+            <a:r>
+              <a:rPr lang="en-US" sz="3100" dirty="0" err="1">
+                <a:latin typeface="Times New Roman" pitchFamily="18" charset="0"/>
+                <a:cs typeface="Times New Roman" pitchFamily="18" charset="0"/>
+              </a:rPr>
+              <a:t>seguente</a:t>
+            </a:r>
+            <a:r>
+              <a:rPr lang="en-US" sz="3100" dirty="0">
+                <a:latin typeface="Times New Roman" pitchFamily="18" charset="0"/>
+                <a:cs typeface="Times New Roman" pitchFamily="18" charset="0"/>
+              </a:rPr>
+              <a:t> </a:t>
+            </a:r>
+            <a:r>
+              <a:rPr lang="en-US" sz="3100" dirty="0" err="1">
+                <a:latin typeface="Times New Roman" pitchFamily="18" charset="0"/>
+                <a:cs typeface="Times New Roman" pitchFamily="18" charset="0"/>
+              </a:rPr>
+              <a:t>codice</a:t>
+            </a:r>
+            <a:r>
+              <a:rPr lang="en-US" sz="3100" dirty="0">
+                <a:latin typeface="Times New Roman" pitchFamily="18" charset="0"/>
+                <a:cs typeface="Times New Roman" pitchFamily="18" charset="0"/>
+              </a:rPr>
+              <a:t> Java </a:t>
+            </a:r>
+            <a:r>
+              <a:rPr lang="en-US" sz="3100" dirty="0" err="1">
+                <a:latin typeface="Times New Roman" pitchFamily="18" charset="0"/>
+                <a:cs typeface="Times New Roman" pitchFamily="18" charset="0"/>
+              </a:rPr>
+              <a:t>richiama</a:t>
+            </a:r>
+            <a:r>
+              <a:rPr lang="en-US" sz="3100" dirty="0">
+                <a:latin typeface="Times New Roman" pitchFamily="18" charset="0"/>
+                <a:cs typeface="Times New Roman" pitchFamily="18" charset="0"/>
+              </a:rPr>
+              <a:t> </a:t>
+            </a:r>
+            <a:r>
+              <a:rPr lang="en-US" sz="3100" dirty="0" err="1">
+                <a:latin typeface="Times New Roman" pitchFamily="18" charset="0"/>
+                <a:cs typeface="Times New Roman" pitchFamily="18" charset="0"/>
+              </a:rPr>
+              <a:t>l’immagine</a:t>
+            </a:r>
+            <a:r>
+              <a:rPr lang="en-US" sz="3100" dirty="0">
+                <a:latin typeface="Times New Roman" pitchFamily="18" charset="0"/>
+                <a:cs typeface="Times New Roman" pitchFamily="18" charset="0"/>
+              </a:rPr>
+              <a:t> come Drawable: </a:t>
             </a:r>
           </a:p>
           <a:p>
@@ -9929,8 +12429,16 @@
               <a:buNone/>
             </a:pPr>
             <a:r>
-              <a:rPr lang="en-US" sz="1900" smtClean="0"/>
-              <a:t>Resources res = getResources();</a:t>
+              <a:rPr lang="en-US" sz="1900" dirty="0"/>
+              <a:t>Resources res = </a:t>
+            </a:r>
+            <a:r>
+              <a:rPr lang="en-US" sz="1900" dirty="0" err="1"/>
+              <a:t>getResources</a:t>
+            </a:r>
+            <a:r>
+              <a:rPr lang="en-US" sz="1900" dirty="0"/>
+              <a:t>();</a:t>
             </a:r>
           </a:p>
           <a:p>
@@ -9938,27 +12446,101 @@
               <a:buNone/>
             </a:pPr>
             <a:r>
-              <a:rPr lang="en-US" sz="1900" smtClean="0"/>
-              <a:t>Drawable drawable = res.getDrawable(R.drawable.myimage, getTheme());</a:t>
+              <a:rPr lang="en-US" sz="1900" dirty="0"/>
+              <a:t>Drawable </a:t>
+            </a:r>
+            <a:r>
+              <a:rPr lang="en-US" sz="1900" dirty="0" err="1"/>
+              <a:t>drawable</a:t>
+            </a:r>
+            <a:r>
+              <a:rPr lang="en-US" sz="1900" dirty="0"/>
+              <a:t> = </a:t>
+            </a:r>
+            <a:r>
+              <a:rPr lang="en-US" sz="1900" dirty="0" err="1"/>
+              <a:t>res.getDrawable</a:t>
+            </a:r>
+            <a:r>
+              <a:rPr lang="en-US" sz="1900" dirty="0"/>
+              <a:t>(</a:t>
+            </a:r>
+            <a:r>
+              <a:rPr lang="en-US" sz="1900" dirty="0" err="1"/>
+              <a:t>R.drawable.myimage</a:t>
+            </a:r>
+            <a:r>
+              <a:rPr lang="en-US" sz="1900" dirty="0"/>
+              <a:t>, </a:t>
+            </a:r>
+            <a:r>
+              <a:rPr lang="en-US" sz="1900" dirty="0" err="1"/>
+              <a:t>getTheme</a:t>
+            </a:r>
+            <a:r>
+              <a:rPr lang="en-US" sz="1900" dirty="0"/>
+              <a:t>());</a:t>
+            </a:r>
+          </a:p>
+          <a:p>
+            <a:pPr marL="0">
+              <a:buNone/>
+            </a:pPr>
+            <a:r>
+              <a:rPr lang="it-IT" sz="2600" dirty="0">
+                <a:latin typeface="Times New Roman" pitchFamily="18" charset="0"/>
+                <a:cs typeface="Times New Roman" pitchFamily="18" charset="0"/>
+              </a:rPr>
+              <a:t>Il metodo </a:t>
+            </a:r>
+            <a:r>
+              <a:rPr lang="it-IT" sz="2600" dirty="0" err="1">
+                <a:latin typeface="Times New Roman" pitchFamily="18" charset="0"/>
+                <a:cs typeface="Times New Roman" pitchFamily="18" charset="0"/>
+              </a:rPr>
+              <a:t>getResources</a:t>
+            </a:r>
+            <a:r>
+              <a:rPr lang="it-IT" sz="2600" dirty="0">
+                <a:latin typeface="Times New Roman" pitchFamily="18" charset="0"/>
+                <a:cs typeface="Times New Roman" pitchFamily="18" charset="0"/>
+              </a:rPr>
+              <a:t>() è un metodo della classe </a:t>
+            </a:r>
+            <a:r>
+              <a:rPr lang="it-IT" sz="2600" dirty="0" err="1">
+                <a:latin typeface="Times New Roman" pitchFamily="18" charset="0"/>
+                <a:cs typeface="Times New Roman" pitchFamily="18" charset="0"/>
+              </a:rPr>
+              <a:t>Context</a:t>
+            </a:r>
+            <a:r>
+              <a:rPr lang="it-IT" sz="2600" dirty="0">
+                <a:latin typeface="Times New Roman" pitchFamily="18" charset="0"/>
+                <a:cs typeface="Times New Roman" pitchFamily="18" charset="0"/>
+              </a:rPr>
+              <a:t>, che è applicata agli oggetti di UI quali attività, frammenti, layout, </a:t>
+            </a:r>
+            <a:r>
+              <a:rPr lang="it-IT" sz="2600" dirty="0" err="1">
+                <a:latin typeface="Times New Roman" pitchFamily="18" charset="0"/>
+                <a:cs typeface="Times New Roman" pitchFamily="18" charset="0"/>
+              </a:rPr>
+              <a:t>view</a:t>
+            </a:r>
+            <a:r>
+              <a:rPr lang="it-IT" sz="2600" dirty="0">
+                <a:latin typeface="Times New Roman" pitchFamily="18" charset="0"/>
+                <a:cs typeface="Times New Roman" pitchFamily="18" charset="0"/>
+              </a:rPr>
+              <a:t> ecc.</a:t>
             </a:r>
           </a:p>
           <a:p>
             <a:pPr>
               <a:buNone/>
             </a:pPr>
-            <a:r>
-              <a:rPr lang="it-IT" sz="2400" smtClean="0">
-                <a:latin typeface="Times New Roman" pitchFamily="18" charset="0"/>
-                <a:cs typeface="Times New Roman" pitchFamily="18" charset="0"/>
-              </a:rPr>
-              <a:t>Il metodo getResources() risiete nella classe Context, che è applicata agli oggetti di UI quali attività, frammenti, layout, view ecc.</a:t>
-            </a:r>
-          </a:p>
-          <a:p>
-            <a:pPr>
-              <a:buNone/>
-            </a:pPr>
-            <a:endParaRPr lang="it-IT"/>
+            <a:endParaRPr lang="it-IT" dirty="0"/>
           </a:p>
         </p:txBody>
       </p:sp>
@@ -10003,10 +12585,9 @@
           <a:lstStyle/>
           <a:p>
             <a:r>
-              <a:rPr lang="it-IT" smtClean="0"/>
+              <a:rPr lang="it-IT"/>
               <a:t>Fare riferimento a un vector drawable</a:t>
             </a:r>
-            <a:endParaRPr lang="it-IT"/>
           </a:p>
         </p:txBody>
       </p:sp>
@@ -10026,18 +12607,74 @@
           <a:lstStyle/>
           <a:p>
             <a:r>
-              <a:rPr lang="it-IT" sz="2400" smtClean="0">
-                <a:latin typeface="Times New Roman" pitchFamily="18" charset="0"/>
-                <a:cs typeface="Times New Roman" pitchFamily="18" charset="0"/>
-              </a:rPr>
-              <a:t>Se l’app usa la libreria di supporto, ci si può riferire a un vector drawable con uno statemant app:srcCompat :</a:t>
+              <a:rPr lang="it-IT" sz="2400" dirty="0">
+                <a:latin typeface="Times New Roman" pitchFamily="18" charset="0"/>
+                <a:cs typeface="Times New Roman" pitchFamily="18" charset="0"/>
+              </a:rPr>
+              <a:t>Se l’app usa la libreria di supporto, ci si può riferire a un </a:t>
+            </a:r>
+            <a:r>
+              <a:rPr lang="it-IT" sz="2400" dirty="0" err="1">
+                <a:latin typeface="Times New Roman" pitchFamily="18" charset="0"/>
+                <a:cs typeface="Times New Roman" pitchFamily="18" charset="0"/>
+              </a:rPr>
+              <a:t>vector</a:t>
+            </a:r>
+            <a:r>
+              <a:rPr lang="it-IT" sz="2400" dirty="0">
+                <a:latin typeface="Times New Roman" pitchFamily="18" charset="0"/>
+                <a:cs typeface="Times New Roman" pitchFamily="18" charset="0"/>
+              </a:rPr>
+              <a:t> </a:t>
+            </a:r>
+            <a:r>
+              <a:rPr lang="it-IT" sz="2400" dirty="0" err="1">
+                <a:latin typeface="Times New Roman" pitchFamily="18" charset="0"/>
+                <a:cs typeface="Times New Roman" pitchFamily="18" charset="0"/>
+              </a:rPr>
+              <a:t>drawable</a:t>
+            </a:r>
+            <a:r>
+              <a:rPr lang="it-IT" sz="2400" dirty="0">
+                <a:latin typeface="Times New Roman" pitchFamily="18" charset="0"/>
+                <a:cs typeface="Times New Roman" pitchFamily="18" charset="0"/>
+              </a:rPr>
+              <a:t> con uno </a:t>
+            </a:r>
+            <a:r>
+              <a:rPr lang="it-IT" sz="2400" dirty="0" err="1">
+                <a:latin typeface="Times New Roman" pitchFamily="18" charset="0"/>
+                <a:cs typeface="Times New Roman" pitchFamily="18" charset="0"/>
+              </a:rPr>
+              <a:t>statemant</a:t>
+            </a:r>
+            <a:r>
+              <a:rPr lang="it-IT" sz="2400" dirty="0">
+                <a:latin typeface="Times New Roman" pitchFamily="18" charset="0"/>
+                <a:cs typeface="Times New Roman" pitchFamily="18" charset="0"/>
+              </a:rPr>
+              <a:t> </a:t>
+            </a:r>
+            <a:r>
+              <a:rPr lang="it-IT" sz="2400" dirty="0" err="1">
+                <a:latin typeface="Times New Roman" pitchFamily="18" charset="0"/>
+                <a:cs typeface="Times New Roman" pitchFamily="18" charset="0"/>
+              </a:rPr>
+              <a:t>app:srcCompat</a:t>
+            </a:r>
+            <a:r>
+              <a:rPr lang="it-IT" sz="2400" dirty="0">
+                <a:latin typeface="Times New Roman" pitchFamily="18" charset="0"/>
+                <a:cs typeface="Times New Roman" pitchFamily="18" charset="0"/>
+              </a:rPr>
+              <a:t> :</a:t>
             </a:r>
           </a:p>
           <a:p>
             <a:pPr>
               <a:buNone/>
             </a:pPr>
-            <a:endParaRPr lang="it-IT" sz="2400" smtClean="0">
+            <a:endParaRPr lang="it-IT" sz="2400" dirty="0">
               <a:latin typeface="Times New Roman" pitchFamily="18" charset="0"/>
               <a:cs typeface="Times New Roman" pitchFamily="18" charset="0"/>
             </a:endParaRPr>
@@ -10047,34 +12684,86 @@
               <a:buNone/>
             </a:pPr>
             <a:r>
-              <a:rPr lang="en-US" sz="1800" smtClean="0"/>
-              <a:t>&lt;ImageView</a:t>
+              <a:rPr lang="en-US" sz="1800" dirty="0"/>
+              <a:t>&lt;</a:t>
+            </a:r>
+            <a:r>
+              <a:rPr lang="en-US" sz="1800" dirty="0" err="1"/>
+              <a:t>ImageView</a:t>
             </a:r>
             <a:br>
-              <a:rPr lang="en-US" sz="1800" smtClean="0"/>
+              <a:rPr lang="en-US" sz="1800" dirty="0"/>
             </a:br>
             <a:r>
-              <a:rPr lang="en-US" sz="1800" smtClean="0"/>
-              <a:t>    android:layout_height="wrap_content"</a:t>
+              <a:rPr lang="en-US" sz="1800" dirty="0"/>
+              <a:t>    </a:t>
+            </a:r>
+            <a:r>
+              <a:rPr lang="en-US" sz="1800" dirty="0" err="1"/>
+              <a:t>android:layout_height</a:t>
+            </a:r>
+            <a:r>
+              <a:rPr lang="en-US" sz="1800" dirty="0"/>
+              <a:t>="</a:t>
+            </a:r>
+            <a:r>
+              <a:rPr lang="en-US" sz="1800" dirty="0" err="1"/>
+              <a:t>wrap_content</a:t>
+            </a:r>
+            <a:r>
+              <a:rPr lang="en-US" sz="1800" dirty="0"/>
+              <a:t>"</a:t>
             </a:r>
             <a:br>
-              <a:rPr lang="en-US" sz="1800" smtClean="0"/>
+              <a:rPr lang="en-US" sz="1800" dirty="0"/>
             </a:br>
             <a:r>
-              <a:rPr lang="en-US" sz="1800" smtClean="0"/>
-              <a:t>    android:layout_width="wrap_content"</a:t>
+              <a:rPr lang="en-US" sz="1800" dirty="0"/>
+              <a:t>    </a:t>
+            </a:r>
+            <a:r>
+              <a:rPr lang="en-US" sz="1800" dirty="0" err="1"/>
+              <a:t>android:layout_width</a:t>
+            </a:r>
+            <a:r>
+              <a:rPr lang="en-US" sz="1800" dirty="0"/>
+              <a:t>="</a:t>
+            </a:r>
+            <a:r>
+              <a:rPr lang="en-US" sz="1800" dirty="0" err="1"/>
+              <a:t>wrap_content</a:t>
+            </a:r>
+            <a:r>
+              <a:rPr lang="en-US" sz="1800" dirty="0"/>
+              <a:t>"</a:t>
             </a:r>
             <a:br>
-              <a:rPr lang="en-US" sz="1800" smtClean="0"/>
+              <a:rPr lang="en-US" sz="1800" dirty="0"/>
             </a:br>
             <a:r>
-              <a:rPr lang="en-US" sz="1800" smtClean="0"/>
-              <a:t>    app:srcCompat="@drawable/myimage" /&gt;</a:t>
-            </a:r>
-            <a:endParaRPr lang="it-IT" sz="1800" smtClean="0"/>
-          </a:p>
-          <a:p>
-            <a:endParaRPr lang="it-IT" smtClean="0"/>
+              <a:rPr lang="en-US" sz="1800" dirty="0"/>
+              <a:t>    </a:t>
+            </a:r>
+            <a:r>
+              <a:rPr lang="en-US" sz="1800" dirty="0" err="1"/>
+              <a:t>app:srcCompat</a:t>
+            </a:r>
+            <a:r>
+              <a:rPr lang="en-US" sz="1800" dirty="0"/>
+              <a:t>="@drawable/</a:t>
+            </a:r>
+            <a:r>
+              <a:rPr lang="en-US" sz="1800" dirty="0" err="1"/>
+              <a:t>myimage</a:t>
+            </a:r>
+            <a:r>
+              <a:rPr lang="en-US" sz="1800" dirty="0"/>
+              <a:t>" /&gt;</a:t>
+            </a:r>
+            <a:endParaRPr lang="it-IT" sz="1800" dirty="0"/>
+          </a:p>
+          <a:p>
+            <a:endParaRPr lang="it-IT" dirty="0"/>
           </a:p>
         </p:txBody>
       </p:sp>
@@ -10108,7 +12797,7 @@
           <p:cNvPr id="2" name="Titolo 1">
             <a:extLst>
               <a:ext uri="{FF2B5EF4-FFF2-40B4-BE49-F238E27FC236}">
-                <a16:creationId xmlns:a16="http://schemas.microsoft.com/office/drawing/2014/main" xmlns="" id="{3398F7C4-7514-4AE3-BC85-857C4736813B}"/>
+                <a16:creationId xmlns:a16="http://schemas.microsoft.com/office/drawing/2014/main" id="{3398F7C4-7514-4AE3-BC85-857C4736813B}"/>
               </a:ext>
             </a:extLst>
           </p:cNvPr>
@@ -10125,17 +12814,18 @@
           <a:lstStyle/>
           <a:p>
             <a:r>
-              <a:rPr lang="it-IT" dirty="0"/>
-              <a:t>Perché usare </a:t>
-            </a:r>
-            <a:r>
-              <a:rPr lang="it-IT" dirty="0" err="1"/>
+              <a:rPr lang="it-IT" dirty="0" err="1">
+                <a:cs typeface="Times New Roman" panose="02020603050405020304" pitchFamily="18" charset="0"/>
+              </a:rPr>
               <a:t>Vector</a:t>
             </a:r>
             <a:r>
-              <a:rPr lang="it-IT" dirty="0"/>
-              <a:t> Asset Studio</a:t>
-            </a:r>
+              <a:rPr lang="it-IT" dirty="0">
+                <a:cs typeface="Times New Roman" panose="02020603050405020304" pitchFamily="18" charset="0"/>
+              </a:rPr>
+              <a:t> Asset Studio - Introduzione</a:t>
+            </a:r>
+            <a:endParaRPr lang="it-IT" dirty="0"/>
           </a:p>
         </p:txBody>
       </p:sp>
@@ -10144,7 +12834,7 @@
           <p:cNvPr id="3" name="Segnaposto contenuto 2">
             <a:extLst>
               <a:ext uri="{FF2B5EF4-FFF2-40B4-BE49-F238E27FC236}">
-                <a16:creationId xmlns:a16="http://schemas.microsoft.com/office/drawing/2014/main" xmlns="" id="{9DBC0072-9DC3-4488-B012-6C28443F48FA}"/>
+                <a16:creationId xmlns:a16="http://schemas.microsoft.com/office/drawing/2014/main" id="{9DBC0072-9DC3-4488-B012-6C28443F48FA}"/>
               </a:ext>
             </a:extLst>
           </p:cNvPr>
@@ -10238,54 +12928,18 @@
                 <a:latin typeface="Times New Roman" panose="02020603050405020304" pitchFamily="18" charset="0"/>
                 <a:cs typeface="Times New Roman" panose="02020603050405020304" pitchFamily="18" charset="0"/>
               </a:rPr>
-              <a:t>. Usare questi invece che i bitmaps serve a ridurre la dimensione del proprio APK perché lo stesso file può essere ridimensionato per diverse densità dello schermo, senza rinunciare alla qualità dell’immagine.</a:t>
+              <a:t>. Usare questi invece che le immagini bitmap serve a ridurre la dimensione del proprio APK perché lo stesso file può essere ridimensionato per diverse densità dello schermo, senza rinunciare alla qualità dell’immagine.</a:t>
             </a:r>
           </a:p>
           <a:p>
             <a:endParaRPr lang="it-IT" dirty="0"/>
-          </a:p>
-        </p:txBody>
-      </p:sp>
-      <p:sp>
-        <p:nvSpPr>
-          <p:cNvPr id="5" name="CasellaDiTesto 4"/>
-          <p:cNvSpPr txBox="1"/>
-          <p:nvPr/>
-        </p:nvSpPr>
-        <p:spPr>
-          <a:xfrm>
-            <a:off x="1159329" y="5910943"/>
-            <a:ext cx="4261757" cy="307777"/>
-          </a:xfrm>
-          <a:prstGeom prst="rect">
-            <a:avLst/>
-          </a:prstGeom>
-          <a:noFill/>
-        </p:spPr>
-        <p:txBody>
-          <a:bodyPr wrap="square" rtlCol="0">
-            <a:spAutoFit/>
-          </a:bodyPr>
-          <a:lstStyle/>
-          <a:p>
-            <a:r>
-              <a:rPr lang="it-IT" sz="1400" smtClean="0">
-                <a:latin typeface="Arial Rounded MT Bold" pitchFamily="34" charset="0"/>
-                <a:ea typeface="Batang" pitchFamily="18" charset="-127"/>
-              </a:rPr>
-              <a:t>Vector Asset Studio - Introduzione</a:t>
-            </a:r>
-            <a:endParaRPr lang="it-IT" sz="1400">
-              <a:latin typeface="Arial Rounded MT Bold" pitchFamily="34" charset="0"/>
-              <a:ea typeface="Batang" pitchFamily="18" charset="-127"/>
-            </a:endParaRPr>
           </a:p>
         </p:txBody>
       </p:sp>
     </p:spTree>
     <p:extLst>
       <p:ext uri="{BB962C8B-B14F-4D97-AF65-F5344CB8AC3E}">
-        <p14:creationId xmlns:p14="http://schemas.microsoft.com/office/powerpoint/2010/main" xmlns="" val="3065832474"/>
+        <p14:creationId xmlns:p14="http://schemas.microsoft.com/office/powerpoint/2010/main" val="3065832474"/>
       </p:ext>
     </p:extLst>
   </p:cSld>
@@ -10328,10 +12982,9 @@
           <a:lstStyle/>
           <a:p>
             <a:r>
-              <a:rPr lang="it-IT" smtClean="0"/>
+              <a:rPr lang="it-IT"/>
               <a:t>Fare riferimento a un vector drawable</a:t>
             </a:r>
-            <a:endParaRPr lang="it-IT"/>
           </a:p>
         </p:txBody>
       </p:sp>
@@ -10351,18 +13004,60 @@
           <a:lstStyle/>
           <a:p>
             <a:r>
-              <a:rPr lang="it-IT" sz="2400" smtClean="0">
-                <a:latin typeface="Times New Roman" pitchFamily="18" charset="0"/>
-                <a:cs typeface="Times New Roman" pitchFamily="18" charset="0"/>
-              </a:rPr>
-              <a:t>Occasionalmente si può avere il bisogno di typecastare la risorsa drawable alla sua classe esatta, come quando serve usare caratteristiche specifiche della classe  VectorDrawable. Per farlo, bisogna usare il seguente codice Java:</a:t>
+              <a:rPr lang="it-IT" sz="2400" dirty="0">
+                <a:latin typeface="Times New Roman" pitchFamily="18" charset="0"/>
+                <a:cs typeface="Times New Roman" pitchFamily="18" charset="0"/>
+              </a:rPr>
+              <a:t>Occasionalmente si può avere il bisogno di </a:t>
+            </a:r>
+            <a:r>
+              <a:rPr lang="it-IT" sz="2400" dirty="0" err="1">
+                <a:latin typeface="Times New Roman" pitchFamily="18" charset="0"/>
+                <a:cs typeface="Times New Roman" pitchFamily="18" charset="0"/>
+              </a:rPr>
+              <a:t>typecastare</a:t>
+            </a:r>
+            <a:r>
+              <a:rPr lang="it-IT" sz="2400" dirty="0">
+                <a:latin typeface="Times New Roman" pitchFamily="18" charset="0"/>
+                <a:cs typeface="Times New Roman" pitchFamily="18" charset="0"/>
+              </a:rPr>
+              <a:t> la risorsa </a:t>
+            </a:r>
+            <a:r>
+              <a:rPr lang="it-IT" sz="2400" dirty="0" err="1">
+                <a:latin typeface="Times New Roman" pitchFamily="18" charset="0"/>
+                <a:cs typeface="Times New Roman" pitchFamily="18" charset="0"/>
+              </a:rPr>
+              <a:t>drawable</a:t>
+            </a:r>
+            <a:r>
+              <a:rPr lang="it-IT" sz="2400" dirty="0">
+                <a:latin typeface="Times New Roman" pitchFamily="18" charset="0"/>
+                <a:cs typeface="Times New Roman" pitchFamily="18" charset="0"/>
+              </a:rPr>
+              <a:t> alla sua classe esatta, come quando serve usare caratteristiche specifiche della classe </a:t>
+            </a:r>
+            <a:r>
+              <a:rPr lang="it-IT" sz="2400" dirty="0" err="1">
+                <a:latin typeface="Times New Roman" pitchFamily="18" charset="0"/>
+                <a:cs typeface="Times New Roman" pitchFamily="18" charset="0"/>
+              </a:rPr>
+              <a:t>VectorDrawable</a:t>
+            </a:r>
+            <a:r>
+              <a:rPr lang="it-IT" sz="2400" dirty="0">
+                <a:latin typeface="Times New Roman" pitchFamily="18" charset="0"/>
+                <a:cs typeface="Times New Roman" pitchFamily="18" charset="0"/>
+              </a:rPr>
+              <a:t>. Per farlo, bisogna usare il seguente codice Java:</a:t>
             </a:r>
           </a:p>
           <a:p>
             <a:pPr>
               <a:buNone/>
             </a:pPr>
-            <a:endParaRPr lang="it-IT" sz="2400" smtClean="0">
+            <a:endParaRPr lang="it-IT" sz="2400" dirty="0">
               <a:latin typeface="Times New Roman" pitchFamily="18" charset="0"/>
               <a:cs typeface="Times New Roman" pitchFamily="18" charset="0"/>
             </a:endParaRPr>
@@ -10372,62 +13067,158 @@
               <a:buNone/>
             </a:pPr>
             <a:r>
-              <a:rPr lang="en-US" sz="1800" smtClean="0">
+              <a:rPr lang="en-US" sz="1800" dirty="0">
                 <a:latin typeface="+mj-lt"/>
               </a:rPr>
-              <a:t>if (Build.VERSION.SDK_INT &gt;= Build.VERSION_CODES.LOLLIPOP) {</a:t>
+              <a:t>if (</a:t>
+            </a:r>
+            <a:r>
+              <a:rPr lang="en-US" sz="1800" dirty="0" err="1">
+                <a:latin typeface="+mj-lt"/>
+              </a:rPr>
+              <a:t>Build.VERSION.SDK_INT</a:t>
+            </a:r>
+            <a:r>
+              <a:rPr lang="en-US" sz="1800" dirty="0">
+                <a:latin typeface="+mj-lt"/>
+              </a:rPr>
+              <a:t> &gt;= </a:t>
+            </a:r>
+            <a:r>
+              <a:rPr lang="en-US" sz="1800" dirty="0" err="1">
+                <a:latin typeface="+mj-lt"/>
+              </a:rPr>
+              <a:t>Build.VERSION_CODES.LOLLIPOP</a:t>
+            </a:r>
+            <a:r>
+              <a:rPr lang="en-US" sz="1800" dirty="0">
+                <a:latin typeface="+mj-lt"/>
+              </a:rPr>
+              <a:t>) {</a:t>
             </a:r>
             <a:br>
-              <a:rPr lang="en-US" sz="1800" smtClean="0">
+              <a:rPr lang="en-US" sz="1800" dirty="0">
                 <a:latin typeface="+mj-lt"/>
               </a:rPr>
             </a:br>
             <a:r>
-              <a:rPr lang="en-US" sz="1800" smtClean="0">
+              <a:rPr lang="en-US" sz="1800" dirty="0">
                 <a:latin typeface="+mj-lt"/>
               </a:rPr>
-              <a:t>   VectorDrawable vectorDrawable = (VectorDrawable) drawable;</a:t>
+              <a:t>   </a:t>
+            </a:r>
+            <a:r>
+              <a:rPr lang="en-US" sz="1800" dirty="0" err="1">
+                <a:latin typeface="+mj-lt"/>
+              </a:rPr>
+              <a:t>VectorDrawable</a:t>
+            </a:r>
+            <a:r>
+              <a:rPr lang="en-US" sz="1800" dirty="0">
+                <a:latin typeface="+mj-lt"/>
+              </a:rPr>
+              <a:t> </a:t>
+            </a:r>
+            <a:r>
+              <a:rPr lang="en-US" sz="1800" dirty="0" err="1">
+                <a:latin typeface="+mj-lt"/>
+              </a:rPr>
+              <a:t>vectorDrawable</a:t>
+            </a:r>
+            <a:r>
+              <a:rPr lang="en-US" sz="1800" dirty="0">
+                <a:latin typeface="+mj-lt"/>
+              </a:rPr>
+              <a:t> = (</a:t>
+            </a:r>
+            <a:r>
+              <a:rPr lang="en-US" sz="1800" dirty="0" err="1">
+                <a:latin typeface="+mj-lt"/>
+              </a:rPr>
+              <a:t>VectorDrawable</a:t>
+            </a:r>
+            <a:r>
+              <a:rPr lang="en-US" sz="1800" dirty="0">
+                <a:latin typeface="+mj-lt"/>
+              </a:rPr>
+              <a:t>) drawable;</a:t>
             </a:r>
             <a:br>
-              <a:rPr lang="en-US" sz="1800" smtClean="0">
+              <a:rPr lang="en-US" sz="1800" dirty="0">
                 <a:latin typeface="+mj-lt"/>
               </a:rPr>
             </a:br>
             <a:r>
-              <a:rPr lang="en-US" sz="1800" smtClean="0">
+              <a:rPr lang="en-US" sz="1800" dirty="0">
                 <a:latin typeface="+mj-lt"/>
               </a:rPr>
               <a:t>} else {</a:t>
             </a:r>
             <a:br>
-              <a:rPr lang="en-US" sz="1800" smtClean="0">
+              <a:rPr lang="en-US" sz="1800" dirty="0">
                 <a:latin typeface="+mj-lt"/>
               </a:rPr>
             </a:br>
             <a:r>
-              <a:rPr lang="en-US" sz="1800" smtClean="0">
+              <a:rPr lang="en-US" sz="1800" dirty="0">
                 <a:latin typeface="+mj-lt"/>
               </a:rPr>
-              <a:t>   BitmapDrawable bitmapDrawable = (BitmapDrawable) drawable;</a:t>
+              <a:t>   </a:t>
+            </a:r>
+            <a:r>
+              <a:rPr lang="en-US" sz="1800" dirty="0" err="1">
+                <a:latin typeface="+mj-lt"/>
+              </a:rPr>
+              <a:t>BitmapDrawable</a:t>
+            </a:r>
+            <a:r>
+              <a:rPr lang="en-US" sz="1800" dirty="0">
+                <a:latin typeface="+mj-lt"/>
+              </a:rPr>
+              <a:t> </a:t>
+            </a:r>
+            <a:r>
+              <a:rPr lang="en-US" sz="1800" dirty="0" err="1">
+                <a:latin typeface="+mj-lt"/>
+              </a:rPr>
+              <a:t>bitmapDrawable</a:t>
+            </a:r>
+            <a:r>
+              <a:rPr lang="en-US" sz="1800" dirty="0">
+                <a:latin typeface="+mj-lt"/>
+              </a:rPr>
+              <a:t> = (</a:t>
+            </a:r>
+            <a:r>
+              <a:rPr lang="en-US" sz="1800" dirty="0" err="1">
+                <a:latin typeface="+mj-lt"/>
+              </a:rPr>
+              <a:t>BitmapDrawable</a:t>
+            </a:r>
+            <a:r>
+              <a:rPr lang="en-US" sz="1800" dirty="0">
+                <a:latin typeface="+mj-lt"/>
+              </a:rPr>
+              <a:t>) drawable;</a:t>
             </a:r>
             <a:br>
-              <a:rPr lang="en-US" sz="1800" smtClean="0">
+              <a:rPr lang="en-US" sz="1800" dirty="0">
                 <a:latin typeface="+mj-lt"/>
               </a:rPr>
             </a:br>
             <a:r>
-              <a:rPr lang="en-US" sz="1800" smtClean="0">
+              <a:rPr lang="en-US" sz="1800" dirty="0">
                 <a:latin typeface="+mj-lt"/>
               </a:rPr>
               <a:t>}</a:t>
             </a:r>
-            <a:endParaRPr lang="it-IT" sz="1800" smtClean="0">
+            <a:endParaRPr lang="it-IT" sz="1800" dirty="0">
               <a:latin typeface="+mj-lt"/>
               <a:cs typeface="Times New Roman" pitchFamily="18" charset="0"/>
             </a:endParaRPr>
           </a:p>
           <a:p>
-            <a:endParaRPr lang="it-IT"/>
+            <a:endParaRPr lang="it-IT" dirty="0"/>
           </a:p>
         </p:txBody>
       </p:sp>
@@ -10472,10 +13263,9 @@
           <a:lstStyle/>
           <a:p>
             <a:r>
-              <a:rPr lang="it-IT" smtClean="0"/>
+              <a:rPr lang="it-IT"/>
               <a:t>Modificare codice XML generato</a:t>
             </a:r>
-            <a:endParaRPr lang="it-IT"/>
           </a:p>
         </p:txBody>
       </p:sp>
@@ -10496,69 +13286,173 @@
           </a:bodyPr>
           <a:lstStyle/>
           <a:p>
+            <a:pPr marL="0">
+              <a:buNone/>
+            </a:pPr>
+            <a:r>
+              <a:rPr lang="it-IT" sz="2400" dirty="0">
+                <a:latin typeface="Times New Roman" pitchFamily="18" charset="0"/>
+                <a:cs typeface="Times New Roman" pitchFamily="18" charset="0"/>
+              </a:rPr>
+              <a:t>È possibile modificare il codice XML del </a:t>
+            </a:r>
+            <a:r>
+              <a:rPr lang="it-IT" sz="2400" dirty="0" err="1">
+                <a:latin typeface="Times New Roman" pitchFamily="18" charset="0"/>
+                <a:cs typeface="Times New Roman" pitchFamily="18" charset="0"/>
+              </a:rPr>
+              <a:t>vector</a:t>
+            </a:r>
+            <a:r>
+              <a:rPr lang="it-IT" sz="2400" dirty="0">
+                <a:latin typeface="Times New Roman" pitchFamily="18" charset="0"/>
+                <a:cs typeface="Times New Roman" pitchFamily="18" charset="0"/>
+              </a:rPr>
+              <a:t> </a:t>
+            </a:r>
+            <a:r>
+              <a:rPr lang="it-IT" sz="2400" dirty="0" err="1">
+                <a:latin typeface="Times New Roman" pitchFamily="18" charset="0"/>
+                <a:cs typeface="Times New Roman" pitchFamily="18" charset="0"/>
+              </a:rPr>
+              <a:t>drawable</a:t>
+            </a:r>
+            <a:r>
+              <a:rPr lang="it-IT" sz="2400" dirty="0">
+                <a:latin typeface="Times New Roman" pitchFamily="18" charset="0"/>
+                <a:cs typeface="Times New Roman" pitchFamily="18" charset="0"/>
+              </a:rPr>
+              <a:t>, ma non i file PNG e i corrispondenti codici XML generati a tempo di costruzione. In ogni caso, non è una pratica raccomandata.</a:t>
+            </a:r>
+          </a:p>
+          <a:p>
+            <a:pPr marL="0">
+              <a:buNone/>
+            </a:pPr>
+            <a:r>
+              <a:rPr lang="it-IT" sz="2400" dirty="0">
+                <a:latin typeface="Times New Roman" pitchFamily="18" charset="0"/>
+                <a:cs typeface="Times New Roman" pitchFamily="18" charset="0"/>
+              </a:rPr>
+              <a:t>Quando si usa la tecnica di generazione PNG, </a:t>
+            </a:r>
+            <a:r>
+              <a:rPr lang="it-IT" sz="2400" dirty="0" err="1">
+                <a:latin typeface="Times New Roman" pitchFamily="18" charset="0"/>
+                <a:cs typeface="Times New Roman" pitchFamily="18" charset="0"/>
+              </a:rPr>
+              <a:t>Vector</a:t>
+            </a:r>
+            <a:r>
+              <a:rPr lang="it-IT" sz="2400" dirty="0">
+                <a:latin typeface="Times New Roman" pitchFamily="18" charset="0"/>
+                <a:cs typeface="Times New Roman" pitchFamily="18" charset="0"/>
+              </a:rPr>
+              <a:t> Asset Studio si assicura che il </a:t>
+            </a:r>
+            <a:r>
+              <a:rPr lang="it-IT" sz="2400" dirty="0" err="1">
+                <a:latin typeface="Times New Roman" pitchFamily="18" charset="0"/>
+                <a:cs typeface="Times New Roman" pitchFamily="18" charset="0"/>
+              </a:rPr>
+              <a:t>vector</a:t>
+            </a:r>
+            <a:r>
+              <a:rPr lang="it-IT" sz="2400" dirty="0">
+                <a:latin typeface="Times New Roman" pitchFamily="18" charset="0"/>
+                <a:cs typeface="Times New Roman" pitchFamily="18" charset="0"/>
+              </a:rPr>
+              <a:t> </a:t>
+            </a:r>
+            <a:r>
+              <a:rPr lang="it-IT" sz="2400" dirty="0" err="1">
+                <a:latin typeface="Times New Roman" pitchFamily="18" charset="0"/>
+                <a:cs typeface="Times New Roman" pitchFamily="18" charset="0"/>
+              </a:rPr>
+              <a:t>drawable</a:t>
+            </a:r>
+            <a:r>
+              <a:rPr lang="it-IT" sz="2400" dirty="0">
+                <a:latin typeface="Times New Roman" pitchFamily="18" charset="0"/>
+                <a:cs typeface="Times New Roman" pitchFamily="18" charset="0"/>
+              </a:rPr>
+              <a:t> corrisponda al PNG, e che il </a:t>
+            </a:r>
+            <a:r>
+              <a:rPr lang="it-IT" sz="2400" dirty="0" err="1">
+                <a:latin typeface="Times New Roman" pitchFamily="18" charset="0"/>
+                <a:cs typeface="Times New Roman" pitchFamily="18" charset="0"/>
+              </a:rPr>
+              <a:t>manifest</a:t>
+            </a:r>
+            <a:r>
+              <a:rPr lang="it-IT" sz="2400" dirty="0">
+                <a:latin typeface="Times New Roman" pitchFamily="18" charset="0"/>
+                <a:cs typeface="Times New Roman" pitchFamily="18" charset="0"/>
+              </a:rPr>
+              <a:t> contenga il codice corretto. Se si aggiunge codice che non è supportato su Android 4.4 (API </a:t>
+            </a:r>
+            <a:r>
+              <a:rPr lang="it-IT" sz="2400" dirty="0" err="1">
+                <a:latin typeface="Times New Roman" pitchFamily="18" charset="0"/>
+                <a:cs typeface="Times New Roman" pitchFamily="18" charset="0"/>
+              </a:rPr>
+              <a:t>level</a:t>
+            </a:r>
+            <a:r>
+              <a:rPr lang="it-IT" sz="2400" dirty="0">
+                <a:latin typeface="Times New Roman" pitchFamily="18" charset="0"/>
+                <a:cs typeface="Times New Roman" pitchFamily="18" charset="0"/>
+              </a:rPr>
+              <a:t> 20) o precedenti, il vettore e le immagini PNG potrebbero essere differenti.</a:t>
+            </a:r>
+          </a:p>
+          <a:p>
+            <a:pPr marL="0">
+              <a:buNone/>
+            </a:pPr>
+            <a:r>
+              <a:rPr lang="it-IT" sz="2400" dirty="0">
+                <a:latin typeface="Times New Roman" pitchFamily="18" charset="0"/>
+                <a:cs typeface="Times New Roman" pitchFamily="18" charset="0"/>
+              </a:rPr>
+              <a:t>Inoltre bisogna assicurarsi che il </a:t>
+            </a:r>
+            <a:r>
+              <a:rPr lang="it-IT" sz="2400" dirty="0" err="1">
+                <a:latin typeface="Times New Roman" pitchFamily="18" charset="0"/>
+                <a:cs typeface="Times New Roman" pitchFamily="18" charset="0"/>
+              </a:rPr>
+              <a:t>manifest</a:t>
+            </a:r>
+            <a:r>
+              <a:rPr lang="it-IT" sz="2400" dirty="0">
+                <a:latin typeface="Times New Roman" pitchFamily="18" charset="0"/>
+                <a:cs typeface="Times New Roman" pitchFamily="18" charset="0"/>
+              </a:rPr>
+              <a:t> contenga codice che supporti i cambiamenti.</a:t>
+            </a:r>
+          </a:p>
+          <a:p>
             <a:pPr>
               <a:buNone/>
             </a:pPr>
-            <a:r>
-              <a:rPr lang="it-IT" sz="2400" smtClean="0">
-                <a:latin typeface="Times New Roman" pitchFamily="18" charset="0"/>
-                <a:cs typeface="Times New Roman" pitchFamily="18" charset="0"/>
-              </a:rPr>
-              <a:t>È possibile modificare il codice XML del vector drawable, ma non i file PNG e i corrispondenti codici XML generati a tempo di costruzione. In ogni caso, non è una pratica raccomandata.</a:t>
-            </a:r>
+            <a:endParaRPr lang="it-IT" sz="2400" dirty="0">
+              <a:latin typeface="Times New Roman" pitchFamily="18" charset="0"/>
+              <a:cs typeface="Times New Roman" pitchFamily="18" charset="0"/>
+            </a:endParaRPr>
           </a:p>
           <a:p>
             <a:pPr>
               <a:buNone/>
             </a:pPr>
-            <a:r>
-              <a:rPr lang="it-IT" sz="2400" smtClean="0">
-                <a:latin typeface="Times New Roman" pitchFamily="18" charset="0"/>
-                <a:cs typeface="Times New Roman" pitchFamily="18" charset="0"/>
-              </a:rPr>
-              <a:t>Quando si usa la tecnica di generazione PNG, VAS si assicura che il vector drawable corrisponda al PNG, e che il manifest contenga il codice corretto. Se si aggiunge codice che non è supportato su Android 4.4 (API level 20) o precedenti, il vettore e le immagini PNG potrebbero essere differenti.</a:t>
-            </a:r>
-            <a:endParaRPr lang="it-IT" sz="2400" b="1" smtClean="0">
+            <a:endParaRPr lang="it-IT" sz="2400" dirty="0">
               <a:latin typeface="Times New Roman" pitchFamily="18" charset="0"/>
               <a:cs typeface="Times New Roman" pitchFamily="18" charset="0"/>
             </a:endParaRPr>
           </a:p>
           <a:p>
-            <a:pPr>
-              <a:buNone/>
-            </a:pPr>
-            <a:r>
-              <a:rPr lang="it-IT" sz="2400" smtClean="0">
-                <a:latin typeface="Times New Roman" pitchFamily="18" charset="0"/>
-                <a:cs typeface="Times New Roman" pitchFamily="18" charset="0"/>
-              </a:rPr>
-              <a:t>Inoltre bisogna assicurarsi che il manifest contenga codice che supporti i cambiamenti.</a:t>
-            </a:r>
-            <a:endParaRPr lang="it-IT" sz="2400" b="1" smtClean="0">
-              <a:latin typeface="Times New Roman" pitchFamily="18" charset="0"/>
-              <a:cs typeface="Times New Roman" pitchFamily="18" charset="0"/>
-            </a:endParaRPr>
-          </a:p>
-          <a:p>
-            <a:pPr>
-              <a:buNone/>
-            </a:pPr>
-            <a:endParaRPr lang="it-IT" sz="2400" smtClean="0">
-              <a:latin typeface="Times New Roman" pitchFamily="18" charset="0"/>
-              <a:cs typeface="Times New Roman" pitchFamily="18" charset="0"/>
-            </a:endParaRPr>
-          </a:p>
-          <a:p>
-            <a:pPr>
-              <a:buNone/>
-            </a:pPr>
-            <a:endParaRPr lang="it-IT" sz="2400" smtClean="0">
-              <a:latin typeface="Times New Roman" pitchFamily="18" charset="0"/>
-              <a:cs typeface="Times New Roman" pitchFamily="18" charset="0"/>
-            </a:endParaRPr>
-          </a:p>
-          <a:p>
-            <a:endParaRPr lang="it-IT"/>
+            <a:endParaRPr lang="it-IT" dirty="0"/>
           </a:p>
         </p:txBody>
       </p:sp>
@@ -10603,10 +13497,9 @@
           <a:lstStyle/>
           <a:p>
             <a:r>
-              <a:rPr lang="it-IT" smtClean="0"/>
+              <a:rPr lang="it-IT"/>
               <a:t>Modificare codice XML generato</a:t>
             </a:r>
-            <a:endParaRPr lang="it-IT"/>
           </a:p>
         </p:txBody>
       </p:sp>
@@ -10631,7 +13524,7 @@
               <a:buNone/>
             </a:pPr>
             <a:r>
-              <a:rPr lang="it-IT" sz="2400" smtClean="0">
+              <a:rPr lang="it-IT" sz="2400" dirty="0">
                 <a:latin typeface="Times New Roman" pitchFamily="18" charset="0"/>
                 <a:cs typeface="Times New Roman" pitchFamily="18" charset="0"/>
               </a:rPr>
@@ -10640,16 +13533,26 @@
           </a:p>
           <a:p>
             <a:r>
-              <a:rPr lang="it-IT" sz="2400" smtClean="0">
-                <a:latin typeface="Times New Roman" pitchFamily="18" charset="0"/>
-                <a:cs typeface="Times New Roman" pitchFamily="18" charset="0"/>
-              </a:rPr>
-              <a:t>Nella project window, fare doppio click sul file XML generato nel folder drawable.</a:t>
-            </a:r>
-            <a:endParaRPr lang="it-IT" sz="2400">
-              <a:latin typeface="Times New Roman" pitchFamily="18" charset="0"/>
-              <a:cs typeface="Times New Roman" pitchFamily="18" charset="0"/>
-            </a:endParaRPr>
+              <a:rPr lang="it-IT" sz="2400" dirty="0">
+                <a:latin typeface="Times New Roman" pitchFamily="18" charset="0"/>
+                <a:cs typeface="Times New Roman" pitchFamily="18" charset="0"/>
+              </a:rPr>
+              <a:t>Nella project window, fare doppio click sul file XML generato nel folder </a:t>
+            </a:r>
+            <a:r>
+              <a:rPr lang="it-IT" sz="2400" dirty="0" err="1">
+                <a:latin typeface="Times New Roman" pitchFamily="18" charset="0"/>
+                <a:cs typeface="Times New Roman" pitchFamily="18" charset="0"/>
+              </a:rPr>
+              <a:t>drawable</a:t>
+            </a:r>
+            <a:r>
+              <a:rPr lang="it-IT" sz="2400" dirty="0">
+                <a:latin typeface="Times New Roman" pitchFamily="18" charset="0"/>
+                <a:cs typeface="Times New Roman" pitchFamily="18" charset="0"/>
+              </a:rPr>
+              <a:t>.</a:t>
+            </a:r>
           </a:p>
         </p:txBody>
       </p:sp>
@@ -10668,8 +13571,8 @@
         </p:blipFill>
         <p:spPr bwMode="auto">
           <a:xfrm>
-            <a:off x="3298372" y="3608614"/>
-            <a:ext cx="5306786" cy="2514600"/>
+            <a:off x="2724150" y="3228975"/>
+            <a:ext cx="8401050" cy="2894239"/>
           </a:xfrm>
           <a:prstGeom prst="rect">
             <a:avLst/>
@@ -10724,10 +13627,9 @@
           <a:lstStyle/>
           <a:p>
             <a:r>
-              <a:rPr lang="it-IT" smtClean="0"/>
+              <a:rPr lang="it-IT"/>
               <a:t>Modificare codice XML generato</a:t>
             </a:r>
-            <a:endParaRPr lang="it-IT"/>
           </a:p>
         </p:txBody>
       </p:sp>
@@ -10747,7 +13649,7 @@
           <a:lstStyle/>
           <a:p>
             <a:r>
-              <a:rPr lang="it-IT" sz="2400" smtClean="0">
+              <a:rPr lang="it-IT" sz="2400" dirty="0">
                 <a:latin typeface="Times New Roman" pitchFamily="18" charset="0"/>
                 <a:cs typeface="Times New Roman" pitchFamily="18" charset="0"/>
               </a:rPr>
@@ -10760,32 +13662,67 @@
               <a:buChar char="§"/>
             </a:pPr>
             <a:r>
-              <a:rPr lang="it-IT" sz="2400" smtClean="0">
-                <a:latin typeface="Times New Roman" pitchFamily="18" charset="0"/>
-                <a:cs typeface="Times New Roman" pitchFamily="18" charset="0"/>
-              </a:rPr>
-              <a:t>Per Android 5.0 (API level 21) e superiori</a:t>
-            </a:r>
-            <a:r>
-              <a:rPr lang="it-IT" sz="2400" smtClean="0">
-                <a:latin typeface="Times New Roman" pitchFamily="18" charset="0"/>
-                <a:cs typeface="Times New Roman" pitchFamily="18" charset="0"/>
-              </a:rPr>
-              <a:t>, </a:t>
-            </a:r>
-            <a:r>
-              <a:rPr lang="it-IT" sz="2400" smtClean="0">
-                <a:latin typeface="Times New Roman" pitchFamily="18" charset="0"/>
-                <a:cs typeface="Times New Roman" pitchFamily="18" charset="0"/>
-              </a:rPr>
-              <a:t>Vector Asset Studio supporta </a:t>
-            </a:r>
-            <a:r>
-              <a:rPr lang="it-IT" sz="2400" smtClean="0">
-                <a:latin typeface="Times New Roman" pitchFamily="18" charset="0"/>
-                <a:cs typeface="Times New Roman" pitchFamily="18" charset="0"/>
-              </a:rPr>
-              <a:t>tutti gli elementi Drawable e VectorDrawable. È possibile aggiungere elementi XML e cambiare i valori.</a:t>
+              <a:rPr lang="it-IT" sz="2400" dirty="0">
+                <a:latin typeface="Times New Roman" pitchFamily="18" charset="0"/>
+                <a:cs typeface="Times New Roman" pitchFamily="18" charset="0"/>
+              </a:rPr>
+              <a:t>Per Android 5.0 (API </a:t>
+            </a:r>
+            <a:r>
+              <a:rPr lang="it-IT" sz="2400" dirty="0" err="1">
+                <a:latin typeface="Times New Roman" pitchFamily="18" charset="0"/>
+                <a:cs typeface="Times New Roman" pitchFamily="18" charset="0"/>
+              </a:rPr>
+              <a:t>level</a:t>
+            </a:r>
+            <a:r>
+              <a:rPr lang="it-IT" sz="2400" dirty="0">
+                <a:latin typeface="Times New Roman" pitchFamily="18" charset="0"/>
+                <a:cs typeface="Times New Roman" pitchFamily="18" charset="0"/>
+              </a:rPr>
+              <a:t> 21) e superiori, </a:t>
+            </a:r>
+            <a:r>
+              <a:rPr lang="it-IT" sz="2400" dirty="0" err="1">
+                <a:latin typeface="Times New Roman" pitchFamily="18" charset="0"/>
+                <a:cs typeface="Times New Roman" pitchFamily="18" charset="0"/>
+              </a:rPr>
+              <a:t>Vector</a:t>
+            </a:r>
+            <a:r>
+              <a:rPr lang="it-IT" sz="2400" dirty="0">
+                <a:latin typeface="Times New Roman" pitchFamily="18" charset="0"/>
+                <a:cs typeface="Times New Roman" pitchFamily="18" charset="0"/>
+              </a:rPr>
+              <a:t> Asset Studio supporta tutti gli elementi </a:t>
+            </a:r>
+            <a:r>
+              <a:rPr lang="it-IT" sz="2400" dirty="0" err="1">
+                <a:latin typeface="Times New Roman" pitchFamily="18" charset="0"/>
+                <a:cs typeface="Times New Roman" pitchFamily="18" charset="0"/>
+              </a:rPr>
+              <a:t>Drawable</a:t>
+            </a:r>
+            <a:r>
+              <a:rPr lang="it-IT" sz="2400" dirty="0">
+                <a:latin typeface="Times New Roman" pitchFamily="18" charset="0"/>
+                <a:cs typeface="Times New Roman" pitchFamily="18" charset="0"/>
+              </a:rPr>
+              <a:t> e </a:t>
+            </a:r>
+            <a:r>
+              <a:rPr lang="it-IT" sz="2400" dirty="0" err="1">
+                <a:latin typeface="Times New Roman" pitchFamily="18" charset="0"/>
+                <a:cs typeface="Times New Roman" pitchFamily="18" charset="0"/>
+              </a:rPr>
+              <a:t>VectorDrawable</a:t>
+            </a:r>
+            <a:r>
+              <a:rPr lang="it-IT" sz="2400" dirty="0">
+                <a:latin typeface="Times New Roman" pitchFamily="18" charset="0"/>
+                <a:cs typeface="Times New Roman" pitchFamily="18" charset="0"/>
+              </a:rPr>
+              <a:t>. È possibile aggiungere elementi XML e cambiare i valori.</a:t>
             </a:r>
           </a:p>
           <a:p>
@@ -10794,36 +13731,71 @@
               <a:buChar char="§"/>
             </a:pPr>
             <a:r>
-              <a:rPr lang="it-IT" sz="2400" smtClean="0">
-                <a:latin typeface="Times New Roman" pitchFamily="18" charset="0"/>
-                <a:cs typeface="Times New Roman" pitchFamily="18" charset="0"/>
-              </a:rPr>
-              <a:t>Per Android 4.4 (API level 20) e inferiori</a:t>
-            </a:r>
-            <a:r>
-              <a:rPr lang="it-IT" sz="2400" smtClean="0">
-                <a:latin typeface="Times New Roman" pitchFamily="18" charset="0"/>
-                <a:cs typeface="Times New Roman" pitchFamily="18" charset="0"/>
-              </a:rPr>
-              <a:t>, </a:t>
-            </a:r>
-            <a:r>
-              <a:rPr lang="it-IT" sz="2400" smtClean="0">
-                <a:latin typeface="Times New Roman" pitchFamily="18" charset="0"/>
-                <a:cs typeface="Times New Roman" pitchFamily="18" charset="0"/>
-              </a:rPr>
-              <a:t>Vector Asset Studio supporta </a:t>
-            </a:r>
-            <a:r>
-              <a:rPr lang="it-IT" sz="2400" smtClean="0">
-                <a:latin typeface="Times New Roman" pitchFamily="18" charset="0"/>
-                <a:cs typeface="Times New Roman" pitchFamily="18" charset="0"/>
-              </a:rPr>
-              <a:t>tutti gli elementi drawable e un sottoinsieme di elementi VectorDrawable. È possibile cambiare i valori nel codice generato e aggiungere elementi XML che sono supportati.</a:t>
-            </a:r>
-          </a:p>
-          <a:p>
-            <a:endParaRPr lang="it-IT"/>
+              <a:rPr lang="it-IT" sz="2400" dirty="0">
+                <a:latin typeface="Times New Roman" pitchFamily="18" charset="0"/>
+                <a:cs typeface="Times New Roman" pitchFamily="18" charset="0"/>
+              </a:rPr>
+              <a:t>Per Android 4.4 (API </a:t>
+            </a:r>
+            <a:r>
+              <a:rPr lang="it-IT" sz="2400" dirty="0" err="1">
+                <a:latin typeface="Times New Roman" pitchFamily="18" charset="0"/>
+                <a:cs typeface="Times New Roman" pitchFamily="18" charset="0"/>
+              </a:rPr>
+              <a:t>level</a:t>
+            </a:r>
+            <a:r>
+              <a:rPr lang="it-IT" sz="2400" dirty="0">
+                <a:latin typeface="Times New Roman" pitchFamily="18" charset="0"/>
+                <a:cs typeface="Times New Roman" pitchFamily="18" charset="0"/>
+              </a:rPr>
+              <a:t> 20) e inferiori, </a:t>
+            </a:r>
+            <a:r>
+              <a:rPr lang="it-IT" sz="2400" dirty="0" err="1">
+                <a:latin typeface="Times New Roman" pitchFamily="18" charset="0"/>
+                <a:cs typeface="Times New Roman" pitchFamily="18" charset="0"/>
+              </a:rPr>
+              <a:t>Vector</a:t>
+            </a:r>
+            <a:r>
+              <a:rPr lang="it-IT" sz="2400" dirty="0">
+                <a:latin typeface="Times New Roman" pitchFamily="18" charset="0"/>
+                <a:cs typeface="Times New Roman" pitchFamily="18" charset="0"/>
+              </a:rPr>
+              <a:t> Asset Studio supporta tutti gli elementi </a:t>
+            </a:r>
+            <a:r>
+              <a:rPr lang="it-IT" sz="2400" dirty="0" err="1">
+                <a:latin typeface="Times New Roman" pitchFamily="18" charset="0"/>
+                <a:cs typeface="Times New Roman" pitchFamily="18" charset="0"/>
+              </a:rPr>
+              <a:t>drawable</a:t>
+            </a:r>
+            <a:r>
+              <a:rPr lang="it-IT" sz="2400" dirty="0">
+                <a:latin typeface="Times New Roman" pitchFamily="18" charset="0"/>
+                <a:cs typeface="Times New Roman" pitchFamily="18" charset="0"/>
+              </a:rPr>
+              <a:t> e un sottoinsieme di elementi </a:t>
+            </a:r>
+            <a:r>
+              <a:rPr lang="it-IT" sz="2400" dirty="0" err="1">
+                <a:latin typeface="Times New Roman" pitchFamily="18" charset="0"/>
+                <a:cs typeface="Times New Roman" pitchFamily="18" charset="0"/>
+              </a:rPr>
+              <a:t>VectorDrawable</a:t>
+            </a:r>
+            <a:r>
+              <a:rPr lang="it-IT" sz="2400" dirty="0">
+                <a:latin typeface="Times New Roman" pitchFamily="18" charset="0"/>
+                <a:cs typeface="Times New Roman" pitchFamily="18" charset="0"/>
+              </a:rPr>
+              <a:t>. È possibile cambiare i valori nel codice generato e aggiungere elementi XML che sono supportati.</a:t>
+            </a:r>
+          </a:p>
+          <a:p>
+            <a:endParaRPr lang="it-IT" dirty="0"/>
           </a:p>
         </p:txBody>
       </p:sp>
@@ -10868,10 +13840,9 @@
           <a:lstStyle/>
           <a:p>
             <a:r>
-              <a:rPr lang="it-IT" smtClean="0"/>
+              <a:rPr lang="it-IT" dirty="0"/>
               <a:t>Modificare codice XML generato</a:t>
             </a:r>
-            <a:endParaRPr lang="it-IT"/>
           </a:p>
         </p:txBody>
       </p:sp>
@@ -10893,28 +13864,94 @@
           <a:lstStyle/>
           <a:p>
             <a:r>
-              <a:rPr lang="it-IT" sz="2400" smtClean="0">
-                <a:latin typeface="Times New Roman" pitchFamily="18" charset="0"/>
-                <a:cs typeface="Times New Roman" pitchFamily="18" charset="0"/>
-              </a:rPr>
-              <a:t>Costruire il progetto e controllare che il vector drawable e le immagini raster corrispondenti appaiano allo stesso modo.</a:t>
-            </a:r>
-          </a:p>
-          <a:p>
-            <a:pPr>
+              <a:rPr lang="it-IT" sz="2400" dirty="0">
+                <a:latin typeface="Times New Roman" pitchFamily="18" charset="0"/>
+                <a:cs typeface="Times New Roman" pitchFamily="18" charset="0"/>
+              </a:rPr>
+              <a:t>Costruire il progetto e controllare che il </a:t>
+            </a:r>
+            <a:r>
+              <a:rPr lang="it-IT" sz="2400" dirty="0" err="1">
+                <a:latin typeface="Times New Roman" pitchFamily="18" charset="0"/>
+                <a:cs typeface="Times New Roman" pitchFamily="18" charset="0"/>
+              </a:rPr>
+              <a:t>vector</a:t>
+            </a:r>
+            <a:r>
+              <a:rPr lang="it-IT" sz="2400" dirty="0">
+                <a:latin typeface="Times New Roman" pitchFamily="18" charset="0"/>
+                <a:cs typeface="Times New Roman" pitchFamily="18" charset="0"/>
+              </a:rPr>
+              <a:t> </a:t>
+            </a:r>
+            <a:r>
+              <a:rPr lang="it-IT" sz="2400" dirty="0" err="1">
+                <a:latin typeface="Times New Roman" pitchFamily="18" charset="0"/>
+                <a:cs typeface="Times New Roman" pitchFamily="18" charset="0"/>
+              </a:rPr>
+              <a:t>drawable</a:t>
+            </a:r>
+            <a:r>
+              <a:rPr lang="it-IT" sz="2400" dirty="0">
+                <a:latin typeface="Times New Roman" pitchFamily="18" charset="0"/>
+                <a:cs typeface="Times New Roman" pitchFamily="18" charset="0"/>
+              </a:rPr>
+              <a:t> e le immagini </a:t>
+            </a:r>
+            <a:r>
+              <a:rPr lang="it-IT" sz="2400" dirty="0" err="1">
+                <a:latin typeface="Times New Roman" pitchFamily="18" charset="0"/>
+                <a:cs typeface="Times New Roman" pitchFamily="18" charset="0"/>
+              </a:rPr>
+              <a:t>raster</a:t>
+            </a:r>
+            <a:r>
+              <a:rPr lang="it-IT" sz="2400" dirty="0">
+                <a:latin typeface="Times New Roman" pitchFamily="18" charset="0"/>
+                <a:cs typeface="Times New Roman" pitchFamily="18" charset="0"/>
+              </a:rPr>
+              <a:t> corrispondenti appaiano allo stesso modo.</a:t>
+            </a:r>
+          </a:p>
+          <a:p>
+            <a:pPr marL="0">
               <a:buNone/>
             </a:pPr>
             <a:r>
-              <a:rPr lang="it-IT" sz="2400" smtClean="0">
-                <a:latin typeface="Times New Roman" pitchFamily="18" charset="0"/>
-                <a:cs typeface="Times New Roman" pitchFamily="18" charset="0"/>
-              </a:rPr>
-              <a:t>Ricordare che i file PNG generati potrebbero apparire diversamente da come mostrati nell’anteprima, causa diversi motori di rendering o per qualche cambiamento sul vector drawable prima del Build finale.</a:t>
-            </a:r>
-            <a:endParaRPr lang="it-IT" sz="2400">
-              <a:latin typeface="Times New Roman" pitchFamily="18" charset="0"/>
-              <a:cs typeface="Times New Roman" pitchFamily="18" charset="0"/>
-            </a:endParaRPr>
+              <a:rPr lang="it-IT" sz="2400" dirty="0">
+                <a:latin typeface="Times New Roman" pitchFamily="18" charset="0"/>
+                <a:cs typeface="Times New Roman" pitchFamily="18" charset="0"/>
+              </a:rPr>
+              <a:t>Ricordare che i file PNG generati potrebbero apparire diversamente da come mostrati nell’anteprima, causa diversi motori di rendering o per qualche cambiamento sul </a:t>
+            </a:r>
+            <a:r>
+              <a:rPr lang="it-IT" sz="2400" dirty="0" err="1">
+                <a:latin typeface="Times New Roman" pitchFamily="18" charset="0"/>
+                <a:cs typeface="Times New Roman" pitchFamily="18" charset="0"/>
+              </a:rPr>
+              <a:t>vector</a:t>
+            </a:r>
+            <a:r>
+              <a:rPr lang="it-IT" sz="2400" dirty="0">
+                <a:latin typeface="Times New Roman" pitchFamily="18" charset="0"/>
+                <a:cs typeface="Times New Roman" pitchFamily="18" charset="0"/>
+              </a:rPr>
+              <a:t> </a:t>
+            </a:r>
+            <a:r>
+              <a:rPr lang="it-IT" sz="2400" dirty="0" err="1">
+                <a:latin typeface="Times New Roman" pitchFamily="18" charset="0"/>
+                <a:cs typeface="Times New Roman" pitchFamily="18" charset="0"/>
+              </a:rPr>
+              <a:t>drawable</a:t>
+            </a:r>
+            <a:r>
+              <a:rPr lang="it-IT" sz="2400" dirty="0">
+                <a:latin typeface="Times New Roman" pitchFamily="18" charset="0"/>
+                <a:cs typeface="Times New Roman" pitchFamily="18" charset="0"/>
+              </a:rPr>
+              <a:t> prima del Build finale.</a:t>
+            </a:r>
           </a:p>
         </p:txBody>
       </p:sp>
@@ -10959,10 +13996,9 @@
           <a:lstStyle/>
           <a:p>
             <a:r>
-              <a:rPr lang="it-IT" smtClean="0"/>
+              <a:rPr lang="it-IT"/>
               <a:t>Modificare codice XML generato</a:t>
             </a:r>
-            <a:endParaRPr lang="it-IT"/>
           </a:p>
         </p:txBody>
       </p:sp>
@@ -10984,28 +14020,80 @@
           <a:lstStyle/>
           <a:p>
             <a:r>
-              <a:rPr lang="it-IT" sz="2400" smtClean="0">
-                <a:latin typeface="Times New Roman" pitchFamily="18" charset="0"/>
-                <a:cs typeface="Times New Roman" pitchFamily="18" charset="0"/>
-              </a:rPr>
-              <a:t>Se si aggiunge codice al file XML creato da Vector Asset Studio, qualsiasi aspetto non supportato da Android 4.4 e inferiori non apparirà nel file PNG generato. Di conseguenza, quando si aggiunge codice, bisogna sempre controllare che il PNG generato corrisponda al vector drawable.</a:t>
-            </a:r>
-          </a:p>
-          <a:p>
-            <a:pPr>
+              <a:rPr lang="it-IT" sz="2400" dirty="0">
+                <a:latin typeface="Times New Roman" pitchFamily="18" charset="0"/>
+                <a:cs typeface="Times New Roman" pitchFamily="18" charset="0"/>
+              </a:rPr>
+              <a:t>Se si aggiunge codice al file XML creato da </a:t>
+            </a:r>
+            <a:r>
+              <a:rPr lang="it-IT" sz="2400" dirty="0" err="1">
+                <a:latin typeface="Times New Roman" pitchFamily="18" charset="0"/>
+                <a:cs typeface="Times New Roman" pitchFamily="18" charset="0"/>
+              </a:rPr>
+              <a:t>Vector</a:t>
+            </a:r>
+            <a:r>
+              <a:rPr lang="it-IT" sz="2400" dirty="0">
+                <a:latin typeface="Times New Roman" pitchFamily="18" charset="0"/>
+                <a:cs typeface="Times New Roman" pitchFamily="18" charset="0"/>
+              </a:rPr>
+              <a:t> Asset Studio, qualsiasi aspetto non supportato da Android 4.4 e inferiori non apparirà nel file PNG generato. Di conseguenza, quando si aggiunge codice, bisogna sempre controllare che il PNG generato corrisponda al </a:t>
+            </a:r>
+            <a:r>
+              <a:rPr lang="it-IT" sz="2400" dirty="0" err="1">
+                <a:latin typeface="Times New Roman" pitchFamily="18" charset="0"/>
+                <a:cs typeface="Times New Roman" pitchFamily="18" charset="0"/>
+              </a:rPr>
+              <a:t>vector</a:t>
+            </a:r>
+            <a:r>
+              <a:rPr lang="it-IT" sz="2400" dirty="0">
+                <a:latin typeface="Times New Roman" pitchFamily="18" charset="0"/>
+                <a:cs typeface="Times New Roman" pitchFamily="18" charset="0"/>
+              </a:rPr>
+              <a:t> </a:t>
+            </a:r>
+            <a:r>
+              <a:rPr lang="it-IT" sz="2400" dirty="0" err="1">
+                <a:latin typeface="Times New Roman" pitchFamily="18" charset="0"/>
+                <a:cs typeface="Times New Roman" pitchFamily="18" charset="0"/>
+              </a:rPr>
+              <a:t>drawable</a:t>
+            </a:r>
+            <a:r>
+              <a:rPr lang="it-IT" sz="2400" dirty="0">
+                <a:latin typeface="Times New Roman" pitchFamily="18" charset="0"/>
+                <a:cs typeface="Times New Roman" pitchFamily="18" charset="0"/>
+              </a:rPr>
+              <a:t>.</a:t>
+            </a:r>
+          </a:p>
+          <a:p>
+            <a:pPr marL="0">
               <a:buNone/>
             </a:pPr>
             <a:r>
-              <a:rPr lang="it-IT" sz="2400" smtClean="0">
-                <a:latin typeface="Times New Roman" pitchFamily="18" charset="0"/>
-                <a:cs typeface="Times New Roman" pitchFamily="18" charset="0"/>
-              </a:rPr>
-              <a:t>Per farlo, si può fare doppio click sull’immagine PNG mostrata nel margine sinistro dell’editor di codice, quando il codice si riferisce al drawable.</a:t>
-            </a:r>
-            <a:endParaRPr lang="it-IT" sz="2400">
-              <a:latin typeface="Times New Roman" pitchFamily="18" charset="0"/>
-              <a:cs typeface="Times New Roman" pitchFamily="18" charset="0"/>
-            </a:endParaRPr>
+              <a:rPr lang="it-IT" sz="2400" dirty="0">
+                <a:latin typeface="Times New Roman" pitchFamily="18" charset="0"/>
+                <a:cs typeface="Times New Roman" pitchFamily="18" charset="0"/>
+              </a:rPr>
+              <a:t>Per farlo, si può fare doppio click sull’immagine PNG mostrata nel margine sinistro dell’editor di codice, quando il codice si riferisce al </a:t>
+            </a:r>
+            <a:r>
+              <a:rPr lang="it-IT" sz="2400" dirty="0" err="1">
+                <a:latin typeface="Times New Roman" pitchFamily="18" charset="0"/>
+                <a:cs typeface="Times New Roman" pitchFamily="18" charset="0"/>
+              </a:rPr>
+              <a:t>drawable</a:t>
+            </a:r>
+            <a:r>
+              <a:rPr lang="it-IT" sz="2400" dirty="0">
+                <a:latin typeface="Times New Roman" pitchFamily="18" charset="0"/>
+                <a:cs typeface="Times New Roman" pitchFamily="18" charset="0"/>
+              </a:rPr>
+              <a:t>.</a:t>
+            </a:r>
           </a:p>
         </p:txBody>
       </p:sp>
@@ -11050,10 +14138,9 @@
           <a:lstStyle/>
           <a:p>
             <a:r>
-              <a:rPr lang="it-IT" smtClean="0"/>
+              <a:rPr lang="it-IT"/>
               <a:t>Modificare codice XML generato</a:t>
             </a:r>
-            <a:endParaRPr lang="it-IT"/>
           </a:p>
         </p:txBody>
       </p:sp>
@@ -11074,20 +14161,50 @@
           </a:bodyPr>
           <a:lstStyle/>
           <a:p>
-            <a:pPr>
+            <a:pPr marL="0" indent="-144000">
+              <a:lnSpc>
+                <a:spcPct val="100000"/>
+              </a:lnSpc>
+              <a:spcBef>
+                <a:spcPts val="0"/>
+              </a:spcBef>
               <a:buNone/>
             </a:pPr>
             <a:r>
-              <a:rPr lang="it-IT" sz="2400" smtClean="0">
-                <a:latin typeface="Times New Roman" pitchFamily="18" charset="0"/>
-                <a:cs typeface="Times New Roman" pitchFamily="18" charset="0"/>
-              </a:rPr>
-              <a:t>In figura si può vedere il codice riferito al vector drawable. Sulla sinistra dell’editor di codice è possibile vedere il file PNG corrispondente:</a:t>
-            </a:r>
-            <a:endParaRPr lang="it-IT" sz="2400">
-              <a:latin typeface="Times New Roman" pitchFamily="18" charset="0"/>
-              <a:cs typeface="Times New Roman" pitchFamily="18" charset="0"/>
-            </a:endParaRPr>
+              <a:rPr lang="it-IT" sz="2400" dirty="0">
+                <a:latin typeface="Times New Roman" pitchFamily="18" charset="0"/>
+                <a:cs typeface="Times New Roman" pitchFamily="18" charset="0"/>
+              </a:rPr>
+              <a:t>In figura si può vedere il codice riferito al </a:t>
+            </a:r>
+            <a:r>
+              <a:rPr lang="it-IT" sz="2400" dirty="0" err="1">
+                <a:latin typeface="Times New Roman" pitchFamily="18" charset="0"/>
+                <a:cs typeface="Times New Roman" pitchFamily="18" charset="0"/>
+              </a:rPr>
+              <a:t>vector</a:t>
+            </a:r>
+            <a:r>
+              <a:rPr lang="it-IT" sz="2400" dirty="0">
+                <a:latin typeface="Times New Roman" pitchFamily="18" charset="0"/>
+                <a:cs typeface="Times New Roman" pitchFamily="18" charset="0"/>
+              </a:rPr>
+              <a:t> </a:t>
+            </a:r>
+            <a:r>
+              <a:rPr lang="it-IT" sz="2400" dirty="0" err="1">
+                <a:latin typeface="Times New Roman" pitchFamily="18" charset="0"/>
+                <a:cs typeface="Times New Roman" pitchFamily="18" charset="0"/>
+              </a:rPr>
+              <a:t>drawable</a:t>
+            </a:r>
+            <a:r>
+              <a:rPr lang="it-IT" sz="2400" dirty="0">
+                <a:latin typeface="Times New Roman" pitchFamily="18" charset="0"/>
+                <a:cs typeface="Times New Roman" pitchFamily="18" charset="0"/>
+              </a:rPr>
+              <a:t>. Sulla sinistra dell’editor di codice è possibile vedere il file PNG corrispondente:</a:t>
+            </a:r>
           </a:p>
         </p:txBody>
       </p:sp>
@@ -11106,8 +14223,8 @@
         </p:blipFill>
         <p:spPr bwMode="auto">
           <a:xfrm>
-            <a:off x="3657600" y="3249387"/>
-            <a:ext cx="4376057" cy="2612570"/>
+            <a:off x="2905125" y="3249387"/>
+            <a:ext cx="5943599" cy="2612570"/>
           </a:xfrm>
           <a:prstGeom prst="rect">
             <a:avLst/>
@@ -11167,10 +14284,9 @@
           <a:lstStyle/>
           <a:p>
             <a:r>
-              <a:rPr lang="it-IT" smtClean="0"/>
+              <a:rPr lang="it-IT"/>
               <a:t>Rimuovere vector drawable da progetto</a:t>
             </a:r>
-            <a:endParaRPr lang="it-IT"/>
           </a:p>
         </p:txBody>
       </p:sp>
@@ -11193,35 +14309,70 @@
               <a:buNone/>
             </a:pPr>
             <a:r>
-              <a:rPr lang="it-IT" sz="2400" smtClean="0">
-                <a:latin typeface="Times New Roman" pitchFamily="18" charset="0"/>
-                <a:cs typeface="Times New Roman" pitchFamily="18" charset="0"/>
-              </a:rPr>
-              <a:t>Per rimuovere un vector drawable dal proprio progetto:</a:t>
-            </a:r>
-          </a:p>
-          <a:p>
-            <a:r>
-              <a:rPr lang="it-IT" sz="2400" smtClean="0">
-                <a:latin typeface="Times New Roman" pitchFamily="18" charset="0"/>
-                <a:cs typeface="Times New Roman" pitchFamily="18" charset="0"/>
-              </a:rPr>
-              <a:t>Nella project window, eliminare il file XML generato selezionando il file e premendo il tasto Canc, o selezionare Modifica &gt; Cancella.  Si </a:t>
-            </a:r>
-            <a:r>
-              <a:rPr lang="it-IT" sz="2400" smtClean="0">
-                <a:latin typeface="Times New Roman" pitchFamily="18" charset="0"/>
-                <a:cs typeface="Times New Roman" pitchFamily="18" charset="0"/>
-              </a:rPr>
-              <a:t>aprirà la finestra di eliminazione sicura.</a:t>
-            </a:r>
-          </a:p>
-          <a:p>
-            <a:endParaRPr lang="it-IT" smtClean="0"/>
-          </a:p>
-          <a:p>
-            <a:r>
-              <a:rPr lang="it-IT" smtClean="0"/>
+              <a:rPr lang="it-IT" sz="2400" dirty="0">
+                <a:latin typeface="Times New Roman" pitchFamily="18" charset="0"/>
+                <a:cs typeface="Times New Roman" pitchFamily="18" charset="0"/>
+              </a:rPr>
+              <a:t>Per rimuovere un </a:t>
+            </a:r>
+            <a:r>
+              <a:rPr lang="it-IT" sz="2400" dirty="0" err="1">
+                <a:latin typeface="Times New Roman" pitchFamily="18" charset="0"/>
+                <a:cs typeface="Times New Roman" pitchFamily="18" charset="0"/>
+              </a:rPr>
+              <a:t>vector</a:t>
+            </a:r>
+            <a:r>
+              <a:rPr lang="it-IT" sz="2400" dirty="0">
+                <a:latin typeface="Times New Roman" pitchFamily="18" charset="0"/>
+                <a:cs typeface="Times New Roman" pitchFamily="18" charset="0"/>
+              </a:rPr>
+              <a:t> </a:t>
+            </a:r>
+            <a:r>
+              <a:rPr lang="it-IT" sz="2400" dirty="0" err="1">
+                <a:latin typeface="Times New Roman" pitchFamily="18" charset="0"/>
+                <a:cs typeface="Times New Roman" pitchFamily="18" charset="0"/>
+              </a:rPr>
+              <a:t>drawable</a:t>
+            </a:r>
+            <a:r>
+              <a:rPr lang="it-IT" sz="2400" dirty="0">
+                <a:latin typeface="Times New Roman" pitchFamily="18" charset="0"/>
+                <a:cs typeface="Times New Roman" pitchFamily="18" charset="0"/>
+              </a:rPr>
+              <a:t> dal proprio progetto:</a:t>
+            </a:r>
+          </a:p>
+          <a:p>
+            <a:r>
+              <a:rPr lang="it-IT" sz="2400" dirty="0">
+                <a:latin typeface="Times New Roman" pitchFamily="18" charset="0"/>
+                <a:cs typeface="Times New Roman" pitchFamily="18" charset="0"/>
+              </a:rPr>
+              <a:t>Nella project window, eliminare il file XML generato selezionando il file e premendo il tasto </a:t>
+            </a:r>
+            <a:r>
+              <a:rPr lang="it-IT" sz="2400" dirty="0" err="1">
+                <a:latin typeface="Times New Roman" pitchFamily="18" charset="0"/>
+                <a:cs typeface="Times New Roman" pitchFamily="18" charset="0"/>
+              </a:rPr>
+              <a:t>Canc</a:t>
+            </a:r>
+            <a:r>
+              <a:rPr lang="it-IT" sz="2400" dirty="0">
+                <a:latin typeface="Times New Roman" pitchFamily="18" charset="0"/>
+                <a:cs typeface="Times New Roman" pitchFamily="18" charset="0"/>
+              </a:rPr>
+              <a:t>, o selezionare Modifica &gt; Cancella.  Si aprirà la finestra di eliminazione sicura.</a:t>
+            </a:r>
+          </a:p>
+          <a:p>
+            <a:endParaRPr lang="it-IT" dirty="0"/>
+          </a:p>
+          <a:p>
+            <a:r>
+              <a:rPr lang="it-IT" dirty="0"/>
               <a:t>//inserire screen</a:t>
             </a:r>
           </a:p>
@@ -11273,10 +14424,9 @@
           <a:lstStyle/>
           <a:p>
             <a:r>
-              <a:rPr lang="it-IT" smtClean="0"/>
+              <a:rPr lang="it-IT"/>
               <a:t>Rimuovere vector drawable da progetto</a:t>
             </a:r>
-            <a:endParaRPr lang="it-IT"/>
           </a:p>
         </p:txBody>
       </p:sp>
@@ -11296,40 +14446,45 @@
           <a:lstStyle/>
           <a:p>
             <a:r>
-              <a:rPr lang="it-IT" sz="2400" smtClean="0">
+              <a:rPr lang="it-IT" sz="2400" dirty="0">
                 <a:latin typeface="Times New Roman" pitchFamily="18" charset="0"/>
                 <a:cs typeface="Times New Roman" pitchFamily="18" charset="0"/>
               </a:rPr>
               <a:t>Facoltativamente, selezionare le opzioni per trovare dove viene utilizzato il file nel progetto e fare click su OK. Android Studio elimina il file dal progetto e dal drive.</a:t>
+            </a:r>
+          </a:p>
+          <a:p>
+            <a:pPr marL="0" indent="-144000">
+              <a:lnSpc>
+                <a:spcPct val="100000"/>
+              </a:lnSpc>
+              <a:spcBef>
+                <a:spcPts val="0"/>
+              </a:spcBef>
+              <a:buNone/>
+            </a:pPr>
+            <a:r>
+              <a:rPr lang="it-IT" sz="2400" dirty="0">
+                <a:latin typeface="Times New Roman" pitchFamily="18" charset="0"/>
+                <a:cs typeface="Times New Roman" pitchFamily="18" charset="0"/>
+              </a:rPr>
+              <a:t>Però, se si è scelto di cercare dove il file è usato nel progetto e vengono trovati utilizzi, è possibile controllarli e decidere se cancellare il file o non farlo.</a:t>
             </a:r>
           </a:p>
           <a:p>
             <a:pPr>
               <a:buNone/>
             </a:pPr>
-            <a:r>
-              <a:rPr lang="it-IT" sz="2400" smtClean="0">
-                <a:latin typeface="Times New Roman" pitchFamily="18" charset="0"/>
-                <a:cs typeface="Times New Roman" pitchFamily="18" charset="0"/>
-              </a:rPr>
-              <a:t>Però, se si è scelto di cercare dove il file è usato nel progetto e vengono trovati utilizzi, è possibile controllarli e decidere se cancellare il file o non farlo.</a:t>
-            </a:r>
+            <a:endParaRPr lang="it-IT" dirty="0"/>
           </a:p>
           <a:p>
             <a:pPr>
               <a:buNone/>
             </a:pPr>
-            <a:endParaRPr lang="it-IT" smtClean="0"/>
-          </a:p>
-          <a:p>
-            <a:pPr>
-              <a:buNone/>
-            </a:pPr>
-            <a:r>
-              <a:rPr lang="it-IT" smtClean="0"/>
+            <a:r>
+              <a:rPr lang="it-IT" dirty="0"/>
               <a:t>//inserire screen</a:t>
             </a:r>
-            <a:endParaRPr lang="it-IT"/>
           </a:p>
         </p:txBody>
       </p:sp>
@@ -11379,10 +14534,9 @@
           <a:lstStyle/>
           <a:p>
             <a:r>
-              <a:rPr lang="it-IT" smtClean="0"/>
+              <a:rPr lang="it-IT"/>
               <a:t>Rimuovere vector drawable da progetto</a:t>
             </a:r>
-            <a:endParaRPr lang="it-IT"/>
           </a:p>
         </p:txBody>
       </p:sp>
@@ -11402,30 +14556,110 @@
           <a:lstStyle/>
           <a:p>
             <a:r>
-              <a:rPr lang="it-IT" sz="2400" smtClean="0">
-                <a:latin typeface="Times New Roman" pitchFamily="18" charset="0"/>
-                <a:cs typeface="Times New Roman" pitchFamily="18" charset="0"/>
-              </a:rPr>
-              <a:t>Selezionare Build &gt; Clean Project</a:t>
+              <a:rPr lang="it-IT" sz="2400" dirty="0">
+                <a:latin typeface="Times New Roman" pitchFamily="18" charset="0"/>
+                <a:cs typeface="Times New Roman" pitchFamily="18" charset="0"/>
+              </a:rPr>
+              <a:t>Selezionare Build &gt; </a:t>
+            </a:r>
+            <a:r>
+              <a:rPr lang="it-IT" sz="2400" dirty="0" err="1">
+                <a:latin typeface="Times New Roman" pitchFamily="18" charset="0"/>
+                <a:cs typeface="Times New Roman" pitchFamily="18" charset="0"/>
+              </a:rPr>
+              <a:t>Clean</a:t>
+            </a:r>
+            <a:r>
+              <a:rPr lang="it-IT" sz="2400" dirty="0">
+                <a:latin typeface="Times New Roman" pitchFamily="18" charset="0"/>
+                <a:cs typeface="Times New Roman" pitchFamily="18" charset="0"/>
+              </a:rPr>
+              <a:t> Project</a:t>
+            </a:r>
+          </a:p>
+          <a:p>
+            <a:pPr marL="0" indent="-144000">
+              <a:lnSpc>
+                <a:spcPct val="100000"/>
+              </a:lnSpc>
+              <a:spcBef>
+                <a:spcPts val="0"/>
+              </a:spcBef>
+              <a:buNone/>
+            </a:pPr>
+            <a:r>
+              <a:rPr lang="it-IT" sz="2400" dirty="0">
+                <a:latin typeface="Times New Roman" pitchFamily="18" charset="0"/>
+                <a:cs typeface="Times New Roman" pitchFamily="18" charset="0"/>
+              </a:rPr>
+              <a:t>Qualsiasi file PNG e XML </a:t>
+            </a:r>
+            <a:r>
+              <a:rPr lang="it-IT" sz="2400" dirty="0" err="1">
+                <a:latin typeface="Times New Roman" pitchFamily="18" charset="0"/>
+                <a:cs typeface="Times New Roman" pitchFamily="18" charset="0"/>
+              </a:rPr>
+              <a:t>autogenerato</a:t>
+            </a:r>
+            <a:r>
+              <a:rPr lang="it-IT" sz="2400" dirty="0">
+                <a:latin typeface="Times New Roman" pitchFamily="18" charset="0"/>
+                <a:cs typeface="Times New Roman" pitchFamily="18" charset="0"/>
+              </a:rPr>
+              <a:t>, corrispondente al </a:t>
+            </a:r>
+            <a:r>
+              <a:rPr lang="it-IT" sz="2400" dirty="0" err="1">
+                <a:latin typeface="Times New Roman" pitchFamily="18" charset="0"/>
+                <a:cs typeface="Times New Roman" pitchFamily="18" charset="0"/>
+              </a:rPr>
+              <a:t>vector</a:t>
+            </a:r>
+            <a:r>
+              <a:rPr lang="it-IT" sz="2400" dirty="0">
+                <a:latin typeface="Times New Roman" pitchFamily="18" charset="0"/>
+                <a:cs typeface="Times New Roman" pitchFamily="18" charset="0"/>
+              </a:rPr>
+              <a:t> </a:t>
+            </a:r>
+            <a:r>
+              <a:rPr lang="it-IT" sz="2400" dirty="0" err="1">
+                <a:latin typeface="Times New Roman" pitchFamily="18" charset="0"/>
+                <a:cs typeface="Times New Roman" pitchFamily="18" charset="0"/>
+              </a:rPr>
+              <a:t>drawable</a:t>
+            </a:r>
+            <a:endParaRPr lang="it-IT" sz="2400" dirty="0">
+              <a:latin typeface="Times New Roman" pitchFamily="18" charset="0"/>
+              <a:cs typeface="Times New Roman" pitchFamily="18" charset="0"/>
+            </a:endParaRPr>
+          </a:p>
+          <a:p>
+            <a:pPr marL="0" indent="-144000">
+              <a:lnSpc>
+                <a:spcPct val="100000"/>
+              </a:lnSpc>
+              <a:spcBef>
+                <a:spcPts val="0"/>
+              </a:spcBef>
+              <a:buNone/>
+            </a:pPr>
+            <a:r>
+              <a:rPr lang="it-IT" sz="2400" dirty="0">
+                <a:latin typeface="Times New Roman" pitchFamily="18" charset="0"/>
+                <a:cs typeface="Times New Roman" pitchFamily="18" charset="0"/>
+              </a:rPr>
+              <a:t>cancellato, verrà definitivamente rimosso dal progetto e dal drive.</a:t>
             </a:r>
           </a:p>
           <a:p>
             <a:pPr>
               <a:buNone/>
             </a:pPr>
-            <a:r>
-              <a:rPr lang="it-IT" sz="2400" smtClean="0">
-                <a:latin typeface="Times New Roman" pitchFamily="18" charset="0"/>
-                <a:cs typeface="Times New Roman" pitchFamily="18" charset="0"/>
-              </a:rPr>
-              <a:t>Qualsiasi file PNG e XML autogenerato, corrispondente al vector drawable cancellato, verrà definitivamente rimosso dal progetto e dal drive.</a:t>
-            </a:r>
-          </a:p>
-          <a:p>
-            <a:pPr>
-              <a:buNone/>
-            </a:pPr>
-            <a:endParaRPr lang="it-IT"/>
+            <a:endParaRPr lang="it-IT" sz="2400" dirty="0">
+              <a:latin typeface="Times New Roman" pitchFamily="18" charset="0"/>
+              <a:cs typeface="Times New Roman" pitchFamily="18" charset="0"/>
+            </a:endParaRPr>
           </a:p>
         </p:txBody>
       </p:sp>
@@ -11459,7 +14693,7 @@
           <p:cNvPr id="2" name="Titolo 1">
             <a:extLst>
               <a:ext uri="{FF2B5EF4-FFF2-40B4-BE49-F238E27FC236}">
-                <a16:creationId xmlns:a16="http://schemas.microsoft.com/office/drawing/2014/main" xmlns="" id="{833E92F7-52A9-4816-8B4F-FF5856EEA76B}"/>
+                <a16:creationId xmlns:a16="http://schemas.microsoft.com/office/drawing/2014/main" id="{833E92F7-52A9-4816-8B4F-FF5856EEA76B}"/>
               </a:ext>
             </a:extLst>
           </p:cNvPr>
@@ -11478,10 +14712,16 @@
           <a:lstStyle/>
           <a:p>
             <a:r>
+              <a:rPr lang="it-IT" dirty="0" err="1">
+                <a:cs typeface="Times New Roman" panose="02020603050405020304" pitchFamily="18" charset="0"/>
+              </a:rPr>
+              <a:t>Vector</a:t>
+            </a:r>
+            <a:r>
               <a:rPr lang="it-IT" dirty="0">
                 <a:cs typeface="Times New Roman" panose="02020603050405020304" pitchFamily="18" charset="0"/>
               </a:rPr>
-              <a:t>Tipi di grafica vettoriale supportati</a:t>
+              <a:t> Asset Studio - Introduzione</a:t>
             </a:r>
           </a:p>
         </p:txBody>
@@ -11491,7 +14731,7 @@
           <p:cNvPr id="3" name="Segnaposto contenuto 2">
             <a:extLst>
               <a:ext uri="{FF2B5EF4-FFF2-40B4-BE49-F238E27FC236}">
-                <a16:creationId xmlns:a16="http://schemas.microsoft.com/office/drawing/2014/main" xmlns="" id="{C07759CF-19AE-4727-AFE3-6FB54EE58A26}"/>
+                <a16:creationId xmlns:a16="http://schemas.microsoft.com/office/drawing/2014/main" id="{C07759CF-19AE-4727-AFE3-6FB54EE58A26}"/>
               </a:ext>
             </a:extLst>
           </p:cNvPr>
@@ -11505,7 +14745,7 @@
         <p:spPr/>
         <p:txBody>
           <a:bodyPr>
-            <a:normAutofit fontScale="92500" lnSpcReduction="20000"/>
+            <a:normAutofit/>
           </a:bodyPr>
           <a:lstStyle/>
           <a:p>
@@ -11513,35 +14753,35 @@
               <a:buNone/>
             </a:pPr>
             <a:r>
-              <a:rPr lang="it-IT" sz="2600" dirty="0">
+              <a:rPr lang="it-IT" sz="2400" dirty="0">
                 <a:latin typeface="Times New Roman" panose="02020603050405020304" pitchFamily="18" charset="0"/>
                 <a:cs typeface="Times New Roman" panose="02020603050405020304" pitchFamily="18" charset="0"/>
               </a:rPr>
               <a:t>Google </a:t>
             </a:r>
             <a:r>
-              <a:rPr lang="it-IT" sz="2600" dirty="0" err="1">
+              <a:rPr lang="it-IT" sz="2400" dirty="0" err="1">
                 <a:latin typeface="Times New Roman" panose="02020603050405020304" pitchFamily="18" charset="0"/>
                 <a:cs typeface="Times New Roman" panose="02020603050405020304" pitchFamily="18" charset="0"/>
               </a:rPr>
               <a:t>Material</a:t>
             </a:r>
             <a:r>
-              <a:rPr lang="it-IT" sz="2600" dirty="0">
+              <a:rPr lang="it-IT" sz="2400" dirty="0">
                 <a:latin typeface="Times New Roman" panose="02020603050405020304" pitchFamily="18" charset="0"/>
                 <a:cs typeface="Times New Roman" panose="02020603050405020304" pitchFamily="18" charset="0"/>
               </a:rPr>
               <a:t> Design offre icone materiali che si possono usare nelle applicazioni Android. </a:t>
             </a:r>
             <a:r>
-              <a:rPr lang="it-IT" sz="2600" dirty="0" err="1">
+              <a:rPr lang="it-IT" sz="2400" dirty="0" err="1">
                 <a:latin typeface="Times New Roman" panose="02020603050405020304" pitchFamily="18" charset="0"/>
                 <a:cs typeface="Times New Roman" panose="02020603050405020304" pitchFamily="18" charset="0"/>
               </a:rPr>
               <a:t>Vector</a:t>
             </a:r>
             <a:r>
-              <a:rPr lang="it-IT" sz="2600" dirty="0">
+              <a:rPr lang="it-IT" sz="2400" dirty="0">
                 <a:latin typeface="Times New Roman" panose="02020603050405020304" pitchFamily="18" charset="0"/>
                 <a:cs typeface="Times New Roman" panose="02020603050405020304" pitchFamily="18" charset="0"/>
               </a:rPr>
@@ -11549,146 +14789,14 @@
             </a:r>
           </a:p>
           <a:p>
-            <a:pPr marL="0" indent="0">
-              <a:buNone/>
-            </a:pPr>
-            <a:r>
-              <a:rPr lang="it-IT" sz="2600" dirty="0">
-                <a:latin typeface="Times New Roman" panose="02020603050405020304" pitchFamily="18" charset="0"/>
-                <a:cs typeface="Times New Roman" panose="02020603050405020304" pitchFamily="18" charset="0"/>
-              </a:rPr>
-              <a:t>Con </a:t>
-            </a:r>
-            <a:r>
-              <a:rPr lang="it-IT" sz="2600" dirty="0" err="1">
-                <a:latin typeface="Times New Roman" panose="02020603050405020304" pitchFamily="18" charset="0"/>
-                <a:cs typeface="Times New Roman" panose="02020603050405020304" pitchFamily="18" charset="0"/>
-              </a:rPr>
-              <a:t>Vector</a:t>
-            </a:r>
-            <a:r>
-              <a:rPr lang="it-IT" sz="2600" dirty="0">
-                <a:latin typeface="Times New Roman" panose="02020603050405020304" pitchFamily="18" charset="0"/>
-                <a:cs typeface="Times New Roman" panose="02020603050405020304" pitchFamily="18" charset="0"/>
-              </a:rPr>
-              <a:t> Asset Studio, inoltre, l’utente può importare i propri file SVG e PSD, anche se non ne supporta tutti gli aspetti. Una volta scelto il file, </a:t>
-            </a:r>
-            <a:r>
-              <a:rPr lang="it-IT" sz="2600" dirty="0" err="1">
-                <a:latin typeface="Times New Roman" panose="02020603050405020304" pitchFamily="18" charset="0"/>
-                <a:cs typeface="Times New Roman" panose="02020603050405020304" pitchFamily="18" charset="0"/>
-              </a:rPr>
-              <a:t>Vector</a:t>
-            </a:r>
-            <a:r>
-              <a:rPr lang="it-IT" sz="2600" dirty="0">
-                <a:latin typeface="Times New Roman" panose="02020603050405020304" pitchFamily="18" charset="0"/>
-                <a:cs typeface="Times New Roman" panose="02020603050405020304" pitchFamily="18" charset="0"/>
-              </a:rPr>
-              <a:t> Asset Studio fornisce un feedback immediato se il codice grafico è supportato o no. Poi converte il file in un XML che contiene codice </a:t>
-            </a:r>
-            <a:r>
-              <a:rPr lang="it-IT" sz="2600" dirty="0" err="1">
-                <a:latin typeface="Courier New" pitchFamily="49" charset="0"/>
-                <a:cs typeface="Courier New" pitchFamily="49" charset="0"/>
-              </a:rPr>
-              <a:t>VectorDrawable</a:t>
-            </a:r>
-            <a:r>
-              <a:rPr lang="it-IT" sz="2600" dirty="0">
-                <a:latin typeface="Times New Roman" panose="02020603050405020304" pitchFamily="18" charset="0"/>
-                <a:cs typeface="Times New Roman" panose="02020603050405020304" pitchFamily="18" charset="0"/>
-              </a:rPr>
-              <a:t>. Per versioni Android 5.0 (API </a:t>
-            </a:r>
-            <a:r>
-              <a:rPr lang="it-IT" sz="2600" dirty="0" err="1">
-                <a:latin typeface="Times New Roman" panose="02020603050405020304" pitchFamily="18" charset="0"/>
-                <a:cs typeface="Times New Roman" panose="02020603050405020304" pitchFamily="18" charset="0"/>
-              </a:rPr>
-              <a:t>level</a:t>
-            </a:r>
-            <a:r>
-              <a:rPr lang="it-IT" sz="2600" dirty="0">
-                <a:latin typeface="Times New Roman" panose="02020603050405020304" pitchFamily="18" charset="0"/>
-                <a:cs typeface="Times New Roman" panose="02020603050405020304" pitchFamily="18" charset="0"/>
-              </a:rPr>
-              <a:t> 21) e più recenti, si può usare la classe </a:t>
-            </a:r>
-            <a:r>
-              <a:rPr lang="it-IT" sz="2600" dirty="0" err="1">
-                <a:latin typeface="Courier New" pitchFamily="49" charset="0"/>
-                <a:cs typeface="Courier New" pitchFamily="49" charset="0"/>
-              </a:rPr>
-              <a:t>AnimatedVectorDrawable</a:t>
-            </a:r>
-            <a:r>
-              <a:rPr lang="it-IT" sz="2600" dirty="0">
-                <a:latin typeface="Times New Roman" panose="02020603050405020304" pitchFamily="18" charset="0"/>
-                <a:cs typeface="Times New Roman" panose="02020603050405020304" pitchFamily="18" charset="0"/>
-              </a:rPr>
-              <a:t> per, appunto, animare le proprietà della classe </a:t>
-            </a:r>
-            <a:r>
-              <a:rPr lang="it-IT" sz="2600" dirty="0" err="1">
-                <a:latin typeface="Courier New" pitchFamily="49" charset="0"/>
-                <a:cs typeface="Courier New" pitchFamily="49" charset="0"/>
-              </a:rPr>
-              <a:t>VectorDrawable</a:t>
-            </a:r>
-            <a:r>
-              <a:rPr lang="it-IT" sz="2600" dirty="0">
-                <a:latin typeface="Times New Roman" panose="02020603050405020304" pitchFamily="18" charset="0"/>
-                <a:cs typeface="Times New Roman" panose="02020603050405020304" pitchFamily="18" charset="0"/>
-              </a:rPr>
-              <a:t>.</a:t>
-            </a:r>
-          </a:p>
-          <a:p>
             <a:endParaRPr lang="it-IT" dirty="0"/>
-          </a:p>
-        </p:txBody>
-      </p:sp>
-      <p:sp>
-        <p:nvSpPr>
-          <p:cNvPr id="5" name="CasellaDiTesto 4"/>
-          <p:cNvSpPr txBox="1"/>
-          <p:nvPr/>
-        </p:nvSpPr>
-        <p:spPr>
-          <a:xfrm>
-            <a:off x="1094015" y="5992585"/>
-            <a:ext cx="4261757" cy="307777"/>
-          </a:xfrm>
-          <a:prstGeom prst="rect">
-            <a:avLst/>
-          </a:prstGeom>
-          <a:noFill/>
-        </p:spPr>
-        <p:txBody>
-          <a:bodyPr wrap="square" rtlCol="0">
-            <a:spAutoFit/>
-          </a:bodyPr>
-          <a:lstStyle/>
-          <a:p>
-            <a:r>
-              <a:rPr lang="it-IT" sz="1400" smtClean="0">
-                <a:latin typeface="Arial Rounded MT Bold" pitchFamily="34" charset="0"/>
-                <a:ea typeface="Batang" pitchFamily="18" charset="-127"/>
-              </a:rPr>
-              <a:t>Vector Asset Studio - Introduzione</a:t>
-            </a:r>
-            <a:endParaRPr lang="it-IT" sz="1400">
-              <a:latin typeface="Arial Rounded MT Bold" pitchFamily="34" charset="0"/>
-              <a:ea typeface="Batang" pitchFamily="18" charset="-127"/>
-            </a:endParaRPr>
           </a:p>
         </p:txBody>
       </p:sp>
     </p:spTree>
     <p:extLst>
       <p:ext uri="{BB962C8B-B14F-4D97-AF65-F5344CB8AC3E}">
-        <p14:creationId xmlns:p14="http://schemas.microsoft.com/office/powerpoint/2010/main" xmlns="" val="2328969674"/>
+        <p14:creationId xmlns:p14="http://schemas.microsoft.com/office/powerpoint/2010/main" val="2328969674"/>
       </p:ext>
     </p:extLst>
   </p:cSld>
@@ -11731,10 +14839,9 @@
           <a:lstStyle/>
           <a:p>
             <a:r>
-              <a:rPr lang="it-IT" smtClean="0"/>
+              <a:rPr lang="it-IT"/>
               <a:t>Cose da rivedere sulle slide</a:t>
             </a:r>
-            <a:endParaRPr lang="it-IT"/>
           </a:p>
         </p:txBody>
       </p:sp>
@@ -11754,39 +14861,33 @@
           <a:lstStyle/>
           <a:p>
             <a:r>
-              <a:rPr lang="it-IT" smtClean="0"/>
-              <a:t>In uno stesso argomento:  scrivere sempre il titolo come in “mostrare vector drawable su widget”, oppure scrivere l’argomento in basso a sinistra piccolino come in “introduzione” </a:t>
-            </a:r>
-            <a:r>
-              <a:rPr lang="it-IT" smtClean="0"/>
-              <a:t>(meglio la prima)</a:t>
-            </a:r>
-            <a:endParaRPr lang="it-IT" smtClean="0"/>
-          </a:p>
-          <a:p>
-            <a:r>
-              <a:rPr lang="it-IT" smtClean="0"/>
+              <a:rPr lang="it-IT"/>
+              <a:t>In uno stesso argomento:  scrivere sempre il titolo come in “mostrare vector drawable su widget”, oppure scrivere l’argomento in basso a sinistra piccolino come in “introduzione” (meglio la prima)</a:t>
+            </a:r>
+          </a:p>
+          <a:p>
+            <a:r>
+              <a:rPr lang="it-IT"/>
               <a:t>Caricare parecchi screen per fare più slide, soprattutto dove ci sono dei passaggi da seguire</a:t>
             </a:r>
           </a:p>
           <a:p>
             <a:r>
-              <a:rPr lang="it-IT" smtClean="0"/>
+              <a:rPr lang="it-IT"/>
               <a:t>Rendere consistente il font e lo sfondo slide</a:t>
             </a:r>
           </a:p>
           <a:p>
             <a:r>
-              <a:rPr lang="it-IT" smtClean="0"/>
+              <a:rPr lang="it-IT"/>
               <a:t>Consiglio di luca bec: a Regoli piacciono le slide a fondo bianco – cambiare queste</a:t>
             </a:r>
           </a:p>
           <a:p>
             <a:r>
-              <a:rPr lang="it-IT" smtClean="0"/>
+              <a:rPr lang="it-IT"/>
               <a:t>Quando ci sono scritti gli snippet, possibilmente riscriverli su android studio e caricare le immagini invece che le scritte (solo che così non si può fare copia e incolla, come faceva Falessi quel cane)</a:t>
             </a:r>
-            <a:endParaRPr lang="it-IT"/>
           </a:p>
         </p:txBody>
       </p:sp>
@@ -11820,7 +14921,7 @@
           <p:cNvPr id="2" name="Titolo 1">
             <a:extLst>
               <a:ext uri="{FF2B5EF4-FFF2-40B4-BE49-F238E27FC236}">
-                <a16:creationId xmlns:a16="http://schemas.microsoft.com/office/drawing/2014/main" xmlns="" id="{08E9130B-3DA2-4409-B4FB-4ED5F7053F10}"/>
+                <a16:creationId xmlns:a16="http://schemas.microsoft.com/office/drawing/2014/main" id="{229BDCC9-7DDC-4E18-8C1D-9C4EA7CAC209}"/>
               </a:ext>
             </a:extLst>
           </p:cNvPr>
@@ -11833,28 +14934,16 @@
         </p:nvSpPr>
         <p:spPr/>
         <p:txBody>
-          <a:bodyPr>
-            <a:normAutofit/>
-          </a:bodyPr>
+          <a:bodyPr/>
           <a:lstStyle/>
           <a:p>
             <a:r>
-              <a:rPr lang="it-IT" dirty="0">
-                <a:cs typeface="Times New Roman" panose="02020603050405020304" pitchFamily="18" charset="0"/>
-              </a:rPr>
-              <a:t>Compatibilità di </a:t>
-            </a:r>
-            <a:r>
-              <a:rPr lang="it-IT" dirty="0" err="1">
-                <a:cs typeface="Times New Roman" panose="02020603050405020304" pitchFamily="18" charset="0"/>
-              </a:rPr>
+              <a:rPr lang="it-IT" dirty="0" err="1"/>
               <a:t>Vector</a:t>
             </a:r>
             <a:r>
-              <a:rPr lang="it-IT" dirty="0">
-                <a:cs typeface="Times New Roman" panose="02020603050405020304" pitchFamily="18" charset="0"/>
-              </a:rPr>
-              <a:t> Asset Studio</a:t>
+              <a:rPr lang="it-IT" dirty="0"/>
+              <a:t> Asset Studio - Introduzione</a:t>
             </a:r>
           </a:p>
         </p:txBody>
@@ -11864,7 +14953,7 @@
           <p:cNvPr id="3" name="Segnaposto contenuto 2">
             <a:extLst>
               <a:ext uri="{FF2B5EF4-FFF2-40B4-BE49-F238E27FC236}">
-                <a16:creationId xmlns:a16="http://schemas.microsoft.com/office/drawing/2014/main" xmlns="" id="{72B4423A-4DCE-4192-89A0-E056AA2241FF}"/>
+                <a16:creationId xmlns:a16="http://schemas.microsoft.com/office/drawing/2014/main" id="{C787BE63-782B-41AB-B30A-4630374B0B82}"/>
               </a:ext>
             </a:extLst>
           </p:cNvPr>
@@ -11877,9 +14966,7 @@
         </p:nvSpPr>
         <p:spPr/>
         <p:txBody>
-          <a:bodyPr>
-            <a:normAutofit/>
-          </a:bodyPr>
+          <a:bodyPr/>
           <a:lstStyle/>
           <a:p>
             <a:pPr marL="0" indent="0">
@@ -11890,21 +14977,49 @@
                 <a:latin typeface="Times New Roman" panose="02020603050405020304" pitchFamily="18" charset="0"/>
                 <a:cs typeface="Times New Roman" panose="02020603050405020304" pitchFamily="18" charset="0"/>
               </a:rPr>
-              <a:t>Se l’app ha come target versioni Lollipop o più recenti, tutta l’API </a:t>
+              <a:t>Con </a:t>
             </a:r>
             <a:r>
               <a:rPr lang="it-IT" sz="2400" dirty="0" err="1">
                 <a:latin typeface="Times New Roman" panose="02020603050405020304" pitchFamily="18" charset="0"/>
                 <a:cs typeface="Times New Roman" panose="02020603050405020304" pitchFamily="18" charset="0"/>
               </a:rPr>
-              <a:t>spec</a:t>
-            </a:r>
-            <a:r>
-              <a:rPr lang="it-IT" sz="2400" dirty="0">
-                <a:latin typeface="Times New Roman" panose="02020603050405020304" pitchFamily="18" charset="0"/>
-                <a:cs typeface="Times New Roman" panose="02020603050405020304" pitchFamily="18" charset="0"/>
-              </a:rPr>
-              <a:t> è supportata.  </a:t>
+              <a:t>Vector</a:t>
+            </a:r>
+            <a:r>
+              <a:rPr lang="it-IT" sz="2400" dirty="0">
+                <a:latin typeface="Times New Roman" panose="02020603050405020304" pitchFamily="18" charset="0"/>
+                <a:cs typeface="Times New Roman" panose="02020603050405020304" pitchFamily="18" charset="0"/>
+              </a:rPr>
+              <a:t> Asset Studio, inoltre, l’utente può importare i propri file SVG e PSD. Una volta scelto il file, </a:t>
+            </a:r>
+            <a:r>
+              <a:rPr lang="it-IT" sz="2400" dirty="0" err="1">
+                <a:latin typeface="Times New Roman" panose="02020603050405020304" pitchFamily="18" charset="0"/>
+                <a:cs typeface="Times New Roman" panose="02020603050405020304" pitchFamily="18" charset="0"/>
+              </a:rPr>
+              <a:t>Vector</a:t>
+            </a:r>
+            <a:r>
+              <a:rPr lang="it-IT" sz="2400" dirty="0">
+                <a:latin typeface="Times New Roman" panose="02020603050405020304" pitchFamily="18" charset="0"/>
+                <a:cs typeface="Times New Roman" panose="02020603050405020304" pitchFamily="18" charset="0"/>
+              </a:rPr>
+              <a:t> Asset Studio fornisce un feedback immediato se il codice grafico è supportato o no. Poi converte il file in un XML che contiene codice </a:t>
+            </a:r>
+            <a:r>
+              <a:rPr lang="it-IT" sz="2400" dirty="0" err="1">
+                <a:latin typeface="Courier New" pitchFamily="49" charset="0"/>
+                <a:cs typeface="Courier New" pitchFamily="49" charset="0"/>
+              </a:rPr>
+              <a:t>VectorDrawable</a:t>
+            </a:r>
+            <a:r>
+              <a:rPr lang="it-IT" sz="2400" dirty="0">
+                <a:latin typeface="Times New Roman" panose="02020603050405020304" pitchFamily="18" charset="0"/>
+                <a:cs typeface="Times New Roman" panose="02020603050405020304" pitchFamily="18" charset="0"/>
+              </a:rPr>
+              <a:t>. </a:t>
             </a:r>
           </a:p>
           <a:p>
@@ -11916,212 +15031,60 @@
                 <a:latin typeface="Times New Roman" panose="02020603050405020304" pitchFamily="18" charset="0"/>
                 <a:cs typeface="Times New Roman" panose="02020603050405020304" pitchFamily="18" charset="0"/>
               </a:rPr>
-              <a:t>Se la versione di </a:t>
+              <a:t>Per versioni Android 5.0 (API </a:t>
             </a:r>
             <a:r>
               <a:rPr lang="it-IT" sz="2400" dirty="0" err="1">
                 <a:latin typeface="Times New Roman" panose="02020603050405020304" pitchFamily="18" charset="0"/>
                 <a:cs typeface="Times New Roman" panose="02020603050405020304" pitchFamily="18" charset="0"/>
               </a:rPr>
-              <a:t>sdk</a:t>
-            </a:r>
-            <a:r>
-              <a:rPr lang="it-IT" sz="2400" dirty="0">
-                <a:latin typeface="Times New Roman" panose="02020603050405020304" pitchFamily="18" charset="0"/>
-                <a:cs typeface="Times New Roman" panose="02020603050405020304" pitchFamily="18" charset="0"/>
-              </a:rPr>
-              <a:t> è minore di 21 ho alcune limitazioni:</a:t>
-            </a:r>
-          </a:p>
-          <a:p>
-            <a:r>
-              <a:rPr lang="it-IT" sz="2400" dirty="0">
-                <a:latin typeface="Times New Roman" panose="02020603050405020304" pitchFamily="18" charset="0"/>
-                <a:cs typeface="Times New Roman" panose="02020603050405020304" pitchFamily="18" charset="0"/>
-              </a:rPr>
-              <a:t>I tag &lt;group&gt; e &lt;clip-</a:t>
+              <a:t>level</a:t>
+            </a:r>
+            <a:r>
+              <a:rPr lang="it-IT" sz="2400" dirty="0">
+                <a:latin typeface="Times New Roman" panose="02020603050405020304" pitchFamily="18" charset="0"/>
+                <a:cs typeface="Times New Roman" panose="02020603050405020304" pitchFamily="18" charset="0"/>
+              </a:rPr>
+              <a:t> 21) e più recenti, si può usare la classe </a:t>
             </a:r>
             <a:r>
               <a:rPr lang="it-IT" sz="2400" dirty="0" err="1">
-                <a:latin typeface="Times New Roman" panose="02020603050405020304" pitchFamily="18" charset="0"/>
-                <a:cs typeface="Times New Roman" panose="02020603050405020304" pitchFamily="18" charset="0"/>
-              </a:rPr>
-              <a:t>path</a:t>
-            </a:r>
-            <a:r>
-              <a:rPr lang="it-IT" sz="2400" dirty="0">
-                <a:latin typeface="Times New Roman" panose="02020603050405020304" pitchFamily="18" charset="0"/>
-                <a:cs typeface="Times New Roman" panose="02020603050405020304" pitchFamily="18" charset="0"/>
-              </a:rPr>
-              <a:t>&gt; non sono supportati.</a:t>
-            </a:r>
-          </a:p>
-          <a:p>
-            <a:r>
-              <a:rPr lang="it-IT" sz="2400" dirty="0">
-                <a:latin typeface="Times New Roman" panose="02020603050405020304" pitchFamily="18" charset="0"/>
-                <a:cs typeface="Times New Roman" panose="02020603050405020304" pitchFamily="18" charset="0"/>
-              </a:rPr>
-              <a:t>Posso avere solo file png statici: nel file SML del </a:t>
+                <a:latin typeface="Courier New" pitchFamily="49" charset="0"/>
+                <a:cs typeface="Courier New" pitchFamily="49" charset="0"/>
+              </a:rPr>
+              <a:t>AnimatedVectorDrawable</a:t>
+            </a:r>
+            <a:r>
+              <a:rPr lang="it-IT" sz="2400" dirty="0">
+                <a:latin typeface="Times New Roman" panose="02020603050405020304" pitchFamily="18" charset="0"/>
+                <a:cs typeface="Times New Roman" panose="02020603050405020304" pitchFamily="18" charset="0"/>
+              </a:rPr>
+              <a:t> per, appunto, animare le proprietà della classe </a:t>
             </a:r>
             <a:r>
               <a:rPr lang="it-IT" sz="2400" dirty="0" err="1">
-                <a:latin typeface="Times New Roman" panose="02020603050405020304" pitchFamily="18" charset="0"/>
-                <a:cs typeface="Times New Roman" panose="02020603050405020304" pitchFamily="18" charset="0"/>
-              </a:rPr>
-              <a:t>vector</a:t>
-            </a:r>
-            <a:r>
-              <a:rPr lang="it-IT" sz="2400" dirty="0">
-                <a:latin typeface="Times New Roman" panose="02020603050405020304" pitchFamily="18" charset="0"/>
-                <a:cs typeface="Times New Roman" panose="02020603050405020304" pitchFamily="18" charset="0"/>
-              </a:rPr>
-              <a:t> </a:t>
-            </a:r>
-            <a:r>
-              <a:rPr lang="it-IT" sz="2400" dirty="0" err="1">
-                <a:latin typeface="Times New Roman" panose="02020603050405020304" pitchFamily="18" charset="0"/>
-                <a:cs typeface="Times New Roman" panose="02020603050405020304" pitchFamily="18" charset="0"/>
-              </a:rPr>
-              <a:t>drawable</a:t>
-            </a:r>
-            <a:r>
-              <a:rPr lang="it-IT" sz="2400" dirty="0">
-                <a:latin typeface="Times New Roman" panose="02020603050405020304" pitchFamily="18" charset="0"/>
-                <a:cs typeface="Times New Roman" panose="02020603050405020304" pitchFamily="18" charset="0"/>
-              </a:rPr>
-              <a:t> non supporto attributi dinamici (</a:t>
-            </a:r>
-            <a:r>
-              <a:rPr lang="it-IT" sz="2400" dirty="0" err="1">
-                <a:latin typeface="Times New Roman" panose="02020603050405020304" pitchFamily="18" charset="0"/>
-                <a:cs typeface="Times New Roman" panose="02020603050405020304" pitchFamily="18" charset="0"/>
-              </a:rPr>
-              <a:t>theming</a:t>
-            </a:r>
-            <a:r>
-              <a:rPr lang="it-IT" sz="2400" dirty="0">
-                <a:latin typeface="Times New Roman" panose="02020603050405020304" pitchFamily="18" charset="0"/>
-                <a:cs typeface="Times New Roman" panose="02020603050405020304" pitchFamily="18" charset="0"/>
-              </a:rPr>
-              <a:t>, </a:t>
-            </a:r>
-            <a:r>
-              <a:rPr lang="it-IT" sz="2400">
-                <a:latin typeface="Times New Roman" panose="02020603050405020304" pitchFamily="18" charset="0"/>
-                <a:cs typeface="Times New Roman" panose="02020603050405020304" pitchFamily="18" charset="0"/>
-              </a:rPr>
-              <a:t>auto </a:t>
-            </a:r>
-            <a:r>
-              <a:rPr lang="it-IT" sz="2400" smtClean="0">
-                <a:latin typeface="Times New Roman" panose="02020603050405020304" pitchFamily="18" charset="0"/>
-                <a:cs typeface="Times New Roman" panose="02020603050405020304" pitchFamily="18" charset="0"/>
-              </a:rPr>
-              <a:t>mirroring…).</a:t>
-            </a:r>
-            <a:endParaRPr lang="it-IT" sz="2400" dirty="0">
-              <a:latin typeface="Times New Roman" panose="02020603050405020304" pitchFamily="18" charset="0"/>
-              <a:cs typeface="Times New Roman" panose="02020603050405020304" pitchFamily="18" charset="0"/>
-            </a:endParaRPr>
-          </a:p>
-          <a:p>
-            <a:r>
-              <a:rPr lang="it-IT" sz="2400" dirty="0">
-                <a:latin typeface="Times New Roman" panose="02020603050405020304" pitchFamily="18" charset="0"/>
-                <a:cs typeface="Times New Roman" panose="02020603050405020304" pitchFamily="18" charset="0"/>
-              </a:rPr>
-              <a:t>Non sono supportate le </a:t>
-            </a:r>
-            <a:r>
-              <a:rPr lang="it-IT" sz="2400" dirty="0" err="1">
-                <a:latin typeface="Times New Roman" panose="02020603050405020304" pitchFamily="18" charset="0"/>
-                <a:cs typeface="Times New Roman" panose="02020603050405020304" pitchFamily="18" charset="0"/>
-              </a:rPr>
-              <a:t>resources</a:t>
-            </a:r>
-            <a:r>
-              <a:rPr lang="it-IT" sz="2400" dirty="0">
-                <a:latin typeface="Times New Roman" panose="02020603050405020304" pitchFamily="18" charset="0"/>
-                <a:cs typeface="Times New Roman" panose="02020603050405020304" pitchFamily="18" charset="0"/>
-              </a:rPr>
-              <a:t> </a:t>
-            </a:r>
-            <a:r>
-              <a:rPr lang="it-IT" sz="2400" dirty="0" err="1">
-                <a:latin typeface="Times New Roman" panose="02020603050405020304" pitchFamily="18" charset="0"/>
-                <a:cs typeface="Times New Roman" panose="02020603050405020304" pitchFamily="18" charset="0"/>
-              </a:rPr>
-              <a:t>references</a:t>
-            </a:r>
-            <a:r>
-              <a:rPr lang="it-IT" sz="2400" dirty="0">
-                <a:latin typeface="Times New Roman" panose="02020603050405020304" pitchFamily="18" charset="0"/>
-                <a:cs typeface="Times New Roman" panose="02020603050405020304" pitchFamily="18" charset="0"/>
-              </a:rPr>
-              <a:t> ad altri file </a:t>
-            </a:r>
-            <a:r>
-              <a:rPr lang="it-IT" sz="2400">
-                <a:latin typeface="Times New Roman" panose="02020603050405020304" pitchFamily="18" charset="0"/>
-                <a:cs typeface="Times New Roman" panose="02020603050405020304" pitchFamily="18" charset="0"/>
-              </a:rPr>
-              <a:t>SML</a:t>
-            </a:r>
-            <a:r>
-              <a:rPr lang="it-IT" sz="2400" smtClean="0">
+                <a:latin typeface="Courier New" pitchFamily="49" charset="0"/>
+                <a:cs typeface="Courier New" pitchFamily="49" charset="0"/>
+              </a:rPr>
+              <a:t>VectorDrawable</a:t>
+            </a:r>
+            <a:r>
+              <a:rPr lang="it-IT" sz="2400" dirty="0">
                 <a:latin typeface="Times New Roman" panose="02020603050405020304" pitchFamily="18" charset="0"/>
                 <a:cs typeface="Times New Roman" panose="02020603050405020304" pitchFamily="18" charset="0"/>
               </a:rPr>
               <a:t>.</a:t>
             </a:r>
-            <a:endParaRPr lang="it-IT" sz="2400" dirty="0">
-              <a:latin typeface="Times New Roman" panose="02020603050405020304" pitchFamily="18" charset="0"/>
-              <a:cs typeface="Times New Roman" panose="02020603050405020304" pitchFamily="18" charset="0"/>
-            </a:endParaRPr>
-          </a:p>
-        </p:txBody>
-      </p:sp>
-      <p:sp>
-        <p:nvSpPr>
-          <p:cNvPr id="5" name="CasellaDiTesto 4"/>
-          <p:cNvSpPr txBox="1"/>
-          <p:nvPr/>
-        </p:nvSpPr>
-        <p:spPr>
-          <a:xfrm>
-            <a:off x="1159329" y="5910943"/>
-            <a:ext cx="4261757" cy="307777"/>
-          </a:xfrm>
-          <a:prstGeom prst="rect">
-            <a:avLst/>
-          </a:prstGeom>
-          <a:noFill/>
-        </p:spPr>
-        <p:txBody>
-          <a:bodyPr wrap="square" rtlCol="0">
-            <a:spAutoFit/>
-          </a:bodyPr>
-          <a:lstStyle/>
-          <a:p>
-            <a:r>
-              <a:rPr lang="it-IT" sz="1400" smtClean="0">
-                <a:latin typeface="Arial Rounded MT Bold" pitchFamily="34" charset="0"/>
-                <a:ea typeface="Batang" pitchFamily="18" charset="-127"/>
-              </a:rPr>
-              <a:t>Vector Asset Studio - Introduzione</a:t>
-            </a:r>
-            <a:endParaRPr lang="it-IT" sz="1400">
-              <a:latin typeface="Arial Rounded MT Bold" pitchFamily="34" charset="0"/>
-              <a:ea typeface="Batang" pitchFamily="18" charset="-127"/>
-            </a:endParaRPr>
+          </a:p>
+          <a:p>
+            <a:endParaRPr lang="it-IT" dirty="0"/>
           </a:p>
         </p:txBody>
       </p:sp>
     </p:spTree>
     <p:extLst>
       <p:ext uri="{BB962C8B-B14F-4D97-AF65-F5344CB8AC3E}">
-        <p14:creationId xmlns:p14="http://schemas.microsoft.com/office/powerpoint/2010/main" xmlns="" val="520281786"/>
+        <p14:creationId xmlns:p14="http://schemas.microsoft.com/office/powerpoint/2010/main" val="1691456555"/>
       </p:ext>
     </p:extLst>
   </p:cSld>
@@ -12150,7 +15113,13 @@
       </p:grpSpPr>
       <p:sp>
         <p:nvSpPr>
-          <p:cNvPr id="2" name="Titolo 1"/>
+          <p:cNvPr id="2" name="Titolo 1">
+            <a:extLst>
+              <a:ext uri="{FF2B5EF4-FFF2-40B4-BE49-F238E27FC236}">
+                <a16:creationId xmlns:a16="http://schemas.microsoft.com/office/drawing/2014/main" id="{08E9130B-3DA2-4409-B4FB-4ED5F7053F10}"/>
+              </a:ext>
+            </a:extLst>
+          </p:cNvPr>
           <p:cNvSpPr>
             <a:spLocks noGrp="1"/>
           </p:cNvSpPr>
@@ -12160,20 +15129,41 @@
         </p:nvSpPr>
         <p:spPr/>
         <p:txBody>
-          <a:bodyPr/>
+          <a:bodyPr>
+            <a:normAutofit/>
+          </a:bodyPr>
           <a:lstStyle/>
           <a:p>
             <a:r>
-              <a:rPr lang="it-IT" smtClean="0"/>
-              <a:t>Compatibilità di Vector Asset Studio (2)</a:t>
-            </a:r>
-            <a:endParaRPr lang="it-IT"/>
-          </a:p>
-        </p:txBody>
-      </p:sp>
-      <p:sp>
-        <p:nvSpPr>
-          <p:cNvPr id="3" name="Segnaposto contenuto 2"/>
+              <a:rPr lang="it-IT" dirty="0">
+                <a:cs typeface="Times New Roman" panose="02020603050405020304" pitchFamily="18" charset="0"/>
+              </a:rPr>
+              <a:t>Compatibilità di </a:t>
+            </a:r>
+            <a:r>
+              <a:rPr lang="it-IT" dirty="0" err="1">
+                <a:cs typeface="Times New Roman" panose="02020603050405020304" pitchFamily="18" charset="0"/>
+              </a:rPr>
+              <a:t>Vector</a:t>
+            </a:r>
+            <a:r>
+              <a:rPr lang="it-IT" dirty="0">
+                <a:cs typeface="Times New Roman" panose="02020603050405020304" pitchFamily="18" charset="0"/>
+              </a:rPr>
+              <a:t> Asset Studio</a:t>
+            </a:r>
+          </a:p>
+        </p:txBody>
+      </p:sp>
+      <p:sp>
+        <p:nvSpPr>
+          <p:cNvPr id="3" name="Segnaposto contenuto 2">
+            <a:extLst>
+              <a:ext uri="{FF2B5EF4-FFF2-40B4-BE49-F238E27FC236}">
+                <a16:creationId xmlns:a16="http://schemas.microsoft.com/office/drawing/2014/main" id="{72B4423A-4DCE-4192-89A0-E056AA2241FF}"/>
+              </a:ext>
+            </a:extLst>
+          </p:cNvPr>
           <p:cNvSpPr>
             <a:spLocks noGrp="1"/>
           </p:cNvSpPr>
@@ -12183,18 +15173,20 @@
         </p:nvSpPr>
         <p:spPr/>
         <p:txBody>
-          <a:bodyPr/>
+          <a:bodyPr>
+            <a:normAutofit/>
+          </a:bodyPr>
           <a:lstStyle/>
           <a:p>
             <a:pPr marL="0" indent="0">
               <a:buNone/>
             </a:pPr>
             <a:r>
-              <a:rPr lang="it-IT" sz="2400" smtClean="0">
-                <a:latin typeface="Times New Roman" panose="02020603050405020304" pitchFamily="18" charset="0"/>
-                <a:cs typeface="Times New Roman" panose="02020603050405020304" pitchFamily="18" charset="0"/>
-              </a:rPr>
-              <a:t>Inoltre,la finestra di anteprima in Android Studio usa un meccanismo di display diverso da quello in vector asset studio.</a:t>
+              <a:rPr lang="it-IT" sz="2400" dirty="0">
+                <a:latin typeface="Times New Roman" panose="02020603050405020304" pitchFamily="18" charset="0"/>
+                <a:cs typeface="Times New Roman" panose="02020603050405020304" pitchFamily="18" charset="0"/>
+              </a:rPr>
+              <a:t>Se l’app ha come target versioni Lollipop o più recenti, tutte le specifiche dell’API sono supportate.  </a:t>
             </a:r>
           </a:p>
           <a:p>
@@ -12202,55 +15194,132 @@
               <a:buNone/>
             </a:pPr>
             <a:r>
-              <a:rPr lang="it-IT" sz="2400" smtClean="0">
-                <a:latin typeface="Times New Roman" panose="02020603050405020304" pitchFamily="18" charset="0"/>
-                <a:cs typeface="Times New Roman" panose="02020603050405020304" pitchFamily="18" charset="0"/>
-              </a:rPr>
-              <a:t>Infine, se devo typecastare gli oggetti drawable nel codice java, devo castarli come bitmap drawable invece di vector drawable (solo in dispositivi pre Lollipop).</a:t>
-            </a:r>
-          </a:p>
-          <a:p>
-            <a:endParaRPr lang="it-IT"/>
-          </a:p>
-        </p:txBody>
-      </p:sp>
-      <p:sp>
-        <p:nvSpPr>
-          <p:cNvPr id="5" name="CasellaDiTesto 4"/>
-          <p:cNvSpPr txBox="1"/>
-          <p:nvPr/>
-        </p:nvSpPr>
-        <p:spPr>
-          <a:xfrm>
-            <a:off x="1159329" y="5910943"/>
-            <a:ext cx="4261757" cy="307777"/>
-          </a:xfrm>
-          <a:prstGeom prst="rect">
-            <a:avLst/>
-          </a:prstGeom>
-          <a:noFill/>
-        </p:spPr>
-        <p:txBody>
-          <a:bodyPr wrap="square" rtlCol="0">
-            <a:spAutoFit/>
-          </a:bodyPr>
-          <a:lstStyle/>
-          <a:p>
-            <a:r>
-              <a:rPr lang="it-IT" sz="1400" smtClean="0">
-                <a:latin typeface="Arial Rounded MT Bold" pitchFamily="34" charset="0"/>
-                <a:ea typeface="Batang" pitchFamily="18" charset="-127"/>
-              </a:rPr>
-              <a:t>Vector Asset Studio - Introduzione</a:t>
-            </a:r>
-            <a:endParaRPr lang="it-IT" sz="1400">
-              <a:latin typeface="Arial Rounded MT Bold" pitchFamily="34" charset="0"/>
-              <a:ea typeface="Batang" pitchFamily="18" charset="-127"/>
-            </a:endParaRPr>
+              <a:rPr lang="it-IT" sz="2400" dirty="0">
+                <a:latin typeface="Times New Roman" panose="02020603050405020304" pitchFamily="18" charset="0"/>
+                <a:cs typeface="Times New Roman" panose="02020603050405020304" pitchFamily="18" charset="0"/>
+              </a:rPr>
+              <a:t>Se la versione di SDK è minore di 21 ho alcune limitazioni:</a:t>
+            </a:r>
+          </a:p>
+          <a:p>
+            <a:r>
+              <a:rPr lang="it-IT" sz="2400" dirty="0">
+                <a:latin typeface="Times New Roman" panose="02020603050405020304" pitchFamily="18" charset="0"/>
+                <a:cs typeface="Times New Roman" panose="02020603050405020304" pitchFamily="18" charset="0"/>
+              </a:rPr>
+              <a:t>I tag &lt;group&gt; e &lt;clip-</a:t>
+            </a:r>
+            <a:r>
+              <a:rPr lang="it-IT" sz="2400" dirty="0" err="1">
+                <a:latin typeface="Times New Roman" panose="02020603050405020304" pitchFamily="18" charset="0"/>
+                <a:cs typeface="Times New Roman" panose="02020603050405020304" pitchFamily="18" charset="0"/>
+              </a:rPr>
+              <a:t>path</a:t>
+            </a:r>
+            <a:r>
+              <a:rPr lang="it-IT" sz="2400" dirty="0">
+                <a:latin typeface="Times New Roman" panose="02020603050405020304" pitchFamily="18" charset="0"/>
+                <a:cs typeface="Times New Roman" panose="02020603050405020304" pitchFamily="18" charset="0"/>
+              </a:rPr>
+              <a:t>&gt; non sono supportati.</a:t>
+            </a:r>
+          </a:p>
+          <a:p>
+            <a:r>
+              <a:rPr lang="it-IT" sz="2400" dirty="0">
+                <a:latin typeface="Times New Roman" panose="02020603050405020304" pitchFamily="18" charset="0"/>
+                <a:cs typeface="Times New Roman" panose="02020603050405020304" pitchFamily="18" charset="0"/>
+              </a:rPr>
+              <a:t>Posso avere solo file PNG statici: nel file SML del </a:t>
+            </a:r>
+            <a:r>
+              <a:rPr lang="it-IT" sz="2400" dirty="0" err="1">
+                <a:latin typeface="Times New Roman" panose="02020603050405020304" pitchFamily="18" charset="0"/>
+                <a:cs typeface="Times New Roman" panose="02020603050405020304" pitchFamily="18" charset="0"/>
+              </a:rPr>
+              <a:t>vector</a:t>
+            </a:r>
+            <a:r>
+              <a:rPr lang="it-IT" sz="2400" dirty="0">
+                <a:latin typeface="Times New Roman" panose="02020603050405020304" pitchFamily="18" charset="0"/>
+                <a:cs typeface="Times New Roman" panose="02020603050405020304" pitchFamily="18" charset="0"/>
+              </a:rPr>
+              <a:t> </a:t>
+            </a:r>
+            <a:r>
+              <a:rPr lang="it-IT" sz="2400" dirty="0" err="1">
+                <a:latin typeface="Times New Roman" panose="02020603050405020304" pitchFamily="18" charset="0"/>
+                <a:cs typeface="Times New Roman" panose="02020603050405020304" pitchFamily="18" charset="0"/>
+              </a:rPr>
+              <a:t>drawable</a:t>
+            </a:r>
+            <a:r>
+              <a:rPr lang="it-IT" sz="2400" dirty="0">
+                <a:latin typeface="Times New Roman" panose="02020603050405020304" pitchFamily="18" charset="0"/>
+                <a:cs typeface="Times New Roman" panose="02020603050405020304" pitchFamily="18" charset="0"/>
+              </a:rPr>
+              <a:t> non supporto attributi dinamici (</a:t>
+            </a:r>
+            <a:r>
+              <a:rPr lang="it-IT" sz="2400" dirty="0" err="1">
+                <a:latin typeface="Times New Roman" panose="02020603050405020304" pitchFamily="18" charset="0"/>
+                <a:cs typeface="Times New Roman" panose="02020603050405020304" pitchFamily="18" charset="0"/>
+              </a:rPr>
+              <a:t>theming</a:t>
+            </a:r>
+            <a:r>
+              <a:rPr lang="it-IT" sz="2400" dirty="0">
+                <a:latin typeface="Times New Roman" panose="02020603050405020304" pitchFamily="18" charset="0"/>
+                <a:cs typeface="Times New Roman" panose="02020603050405020304" pitchFamily="18" charset="0"/>
+              </a:rPr>
+              <a:t>, auto mirroring…).</a:t>
+            </a:r>
+          </a:p>
+          <a:p>
+            <a:r>
+              <a:rPr lang="it-IT" sz="2400" dirty="0">
+                <a:latin typeface="Times New Roman" panose="02020603050405020304" pitchFamily="18" charset="0"/>
+                <a:cs typeface="Times New Roman" panose="02020603050405020304" pitchFamily="18" charset="0"/>
+              </a:rPr>
+              <a:t>Non sono supportate le </a:t>
+            </a:r>
+            <a:r>
+              <a:rPr lang="it-IT" sz="2400" dirty="0" err="1">
+                <a:latin typeface="Times New Roman" panose="02020603050405020304" pitchFamily="18" charset="0"/>
+                <a:cs typeface="Times New Roman" panose="02020603050405020304" pitchFamily="18" charset="0"/>
+              </a:rPr>
+              <a:t>resources</a:t>
+            </a:r>
+            <a:r>
+              <a:rPr lang="it-IT" sz="2400" dirty="0">
+                <a:latin typeface="Times New Roman" panose="02020603050405020304" pitchFamily="18" charset="0"/>
+                <a:cs typeface="Times New Roman" panose="02020603050405020304" pitchFamily="18" charset="0"/>
+              </a:rPr>
+              <a:t> </a:t>
+            </a:r>
+            <a:r>
+              <a:rPr lang="it-IT" sz="2400" dirty="0" err="1">
+                <a:latin typeface="Times New Roman" panose="02020603050405020304" pitchFamily="18" charset="0"/>
+                <a:cs typeface="Times New Roman" panose="02020603050405020304" pitchFamily="18" charset="0"/>
+              </a:rPr>
+              <a:t>references</a:t>
+            </a:r>
+            <a:r>
+              <a:rPr lang="it-IT" sz="2400" dirty="0">
+                <a:latin typeface="Times New Roman" panose="02020603050405020304" pitchFamily="18" charset="0"/>
+                <a:cs typeface="Times New Roman" panose="02020603050405020304" pitchFamily="18" charset="0"/>
+              </a:rPr>
+              <a:t> ad altri file SML.</a:t>
+            </a:r>
           </a:p>
         </p:txBody>
       </p:sp>
     </p:spTree>
+    <p:extLst>
+      <p:ext uri="{BB962C8B-B14F-4D97-AF65-F5344CB8AC3E}">
+        <p14:creationId xmlns:p14="http://schemas.microsoft.com/office/powerpoint/2010/main" val="520281786"/>
+      </p:ext>
+    </p:extLst>
   </p:cSld>
   <p:clrMapOvr>
     <a:masterClrMapping/>
@@ -12280,7 +15349,7 @@
           <p:cNvPr id="2" name="Titolo 1">
             <a:extLst>
               <a:ext uri="{FF2B5EF4-FFF2-40B4-BE49-F238E27FC236}">
-                <a16:creationId xmlns:a16="http://schemas.microsoft.com/office/drawing/2014/main" xmlns="" id="{353D50A2-DC09-42B6-89B9-3753B89C9AC8}"/>
+                <a16:creationId xmlns:a16="http://schemas.microsoft.com/office/drawing/2014/main" id="{353D50A2-DC09-42B6-89B9-3753B89C9AC8}"/>
               </a:ext>
             </a:extLst>
           </p:cNvPr>
@@ -12300,7 +15369,7 @@
               <a:rPr lang="it-IT" dirty="0">
                 <a:cs typeface="Times New Roman" panose="02020603050405020304" pitchFamily="18" charset="0"/>
               </a:rPr>
-              <a:t>Immagine </a:t>
+              <a:t>Immagini </a:t>
             </a:r>
             <a:r>
               <a:rPr lang="it-IT" dirty="0" err="1">
@@ -12322,7 +15391,7 @@
           <p:cNvPr id="3" name="Segnaposto contenuto 2">
             <a:extLst>
               <a:ext uri="{FF2B5EF4-FFF2-40B4-BE49-F238E27FC236}">
-                <a16:creationId xmlns:a16="http://schemas.microsoft.com/office/drawing/2014/main" xmlns="" id="{F7BF9498-2030-41D6-B346-7142A4149882}"/>
+                <a16:creationId xmlns:a16="http://schemas.microsoft.com/office/drawing/2014/main" id="{F7BF9498-2030-41D6-B346-7142A4149882}"/>
               </a:ext>
             </a:extLst>
           </p:cNvPr>
@@ -12341,7 +15410,7 @@
           <a:lstStyle/>
           <a:p>
             <a:r>
-              <a:rPr lang="it-IT" sz="3200" dirty="0">
+              <a:rPr lang="it-IT" sz="2400" dirty="0">
                 <a:latin typeface="Times New Roman" panose="02020603050405020304" pitchFamily="18" charset="0"/>
                 <a:cs typeface="Times New Roman" panose="02020603050405020304" pitchFamily="18" charset="0"/>
               </a:rPr>
@@ -12349,21 +15418,12 @@
             </a:r>
           </a:p>
           <a:p>
-            <a:pPr marL="0" indent="0">
-              <a:buNone/>
-            </a:pPr>
-            <a:endParaRPr lang="it-IT" sz="3200" dirty="0">
-              <a:latin typeface="Times New Roman" panose="02020603050405020304" pitchFamily="18" charset="0"/>
-              <a:cs typeface="Times New Roman" panose="02020603050405020304" pitchFamily="18" charset="0"/>
-            </a:endParaRPr>
-          </a:p>
-          <a:p>
-            <a:r>
-              <a:rPr lang="it-IT" sz="3200" dirty="0">
-                <a:latin typeface="Times New Roman" panose="02020603050405020304" pitchFamily="18" charset="0"/>
-                <a:cs typeface="Times New Roman" panose="02020603050405020304" pitchFamily="18" charset="0"/>
-              </a:rPr>
-              <a:t>Dimensione e risoluzione propria.</a:t>
+            <a:r>
+              <a:rPr lang="it-IT" sz="2400" dirty="0">
+                <a:latin typeface="Times New Roman" panose="02020603050405020304" pitchFamily="18" charset="0"/>
+                <a:cs typeface="Times New Roman" panose="02020603050405020304" pitchFamily="18" charset="0"/>
+              </a:rPr>
+              <a:t>Hanno dimensione e risoluzione propria.</a:t>
             </a:r>
           </a:p>
         </p:txBody>
@@ -12371,7 +15431,7 @@
     </p:spTree>
     <p:extLst>
       <p:ext uri="{BB962C8B-B14F-4D97-AF65-F5344CB8AC3E}">
-        <p14:creationId xmlns:p14="http://schemas.microsoft.com/office/powerpoint/2010/main" xmlns="" val="237379470"/>
+        <p14:creationId xmlns:p14="http://schemas.microsoft.com/office/powerpoint/2010/main" val="237379470"/>
       </p:ext>
     </p:extLst>
   </p:cSld>
@@ -12403,7 +15463,7 @@
           <p:cNvPr id="2" name="Titolo 1">
             <a:extLst>
               <a:ext uri="{FF2B5EF4-FFF2-40B4-BE49-F238E27FC236}">
-                <a16:creationId xmlns:a16="http://schemas.microsoft.com/office/drawing/2014/main" xmlns="" id="{E220F6AF-1752-43FE-8D9A-A6757A9BC433}"/>
+                <a16:creationId xmlns:a16="http://schemas.microsoft.com/office/drawing/2014/main" id="{E220F6AF-1752-43FE-8D9A-A6757A9BC433}"/>
               </a:ext>
             </a:extLst>
           </p:cNvPr>
@@ -12423,7 +15483,7 @@
               <a:rPr lang="it-IT" dirty="0">
                 <a:cs typeface="Times New Roman" panose="02020603050405020304" pitchFamily="18" charset="0"/>
               </a:rPr>
-              <a:t>Immagine Vettoriale</a:t>
+              <a:t>Immagini Vettoriali</a:t>
             </a:r>
           </a:p>
         </p:txBody>
@@ -12433,7 +15493,7 @@
           <p:cNvPr id="3" name="Segnaposto contenuto 2">
             <a:extLst>
               <a:ext uri="{FF2B5EF4-FFF2-40B4-BE49-F238E27FC236}">
-                <a16:creationId xmlns:a16="http://schemas.microsoft.com/office/drawing/2014/main" xmlns="" id="{5B6073A4-E04E-4386-BCB8-4F4D1730C4CE}"/>
+                <a16:creationId xmlns:a16="http://schemas.microsoft.com/office/drawing/2014/main" id="{5B6073A4-E04E-4386-BCB8-4F4D1730C4CE}"/>
               </a:ext>
             </a:extLst>
           </p:cNvPr>
@@ -12452,29 +15512,20 @@
           <a:lstStyle/>
           <a:p>
             <a:r>
-              <a:rPr lang="it-IT" sz="3200" dirty="0">
-                <a:latin typeface="Times New Roman" panose="02020603050405020304" pitchFamily="18" charset="0"/>
-                <a:cs typeface="Times New Roman" panose="02020603050405020304" pitchFamily="18" charset="0"/>
-              </a:rPr>
-              <a:t>Descritte mediante un insieme di primitive geometriche che definiscono punti, linee, curve e poligoni.</a:t>
-            </a:r>
-          </a:p>
-          <a:p>
-            <a:pPr marL="0" indent="0">
-              <a:buNone/>
-            </a:pPr>
-            <a:endParaRPr lang="it-IT" sz="3200" dirty="0">
-              <a:latin typeface="Times New Roman" panose="02020603050405020304" pitchFamily="18" charset="0"/>
-              <a:cs typeface="Times New Roman" panose="02020603050405020304" pitchFamily="18" charset="0"/>
-            </a:endParaRPr>
-          </a:p>
-          <a:p>
-            <a:r>
-              <a:rPr lang="it-IT" sz="3200" dirty="0">
-                <a:latin typeface="Times New Roman" panose="02020603050405020304" pitchFamily="18" charset="0"/>
-                <a:cs typeface="Times New Roman" panose="02020603050405020304" pitchFamily="18" charset="0"/>
-              </a:rPr>
-              <a:t>Definite attraverso equazioni matematiche e indipendenti dalla risoluzione.</a:t>
+              <a:rPr lang="it-IT" sz="2400" dirty="0">
+                <a:latin typeface="Times New Roman" panose="02020603050405020304" pitchFamily="18" charset="0"/>
+                <a:cs typeface="Times New Roman" panose="02020603050405020304" pitchFamily="18" charset="0"/>
+              </a:rPr>
+              <a:t>Sono descritte mediante un insieme di primitive geometriche che definiscono punti, linee, curve e poligoni.</a:t>
+            </a:r>
+          </a:p>
+          <a:p>
+            <a:r>
+              <a:rPr lang="it-IT" sz="2400" dirty="0">
+                <a:latin typeface="Times New Roman" panose="02020603050405020304" pitchFamily="18" charset="0"/>
+                <a:cs typeface="Times New Roman" panose="02020603050405020304" pitchFamily="18" charset="0"/>
+              </a:rPr>
+              <a:t>Sono definite attraverso equazioni matematiche e indipendenti dalla risoluzione.</a:t>
             </a:r>
           </a:p>
         </p:txBody>
@@ -12482,7 +15533,7 @@
     </p:spTree>
     <p:extLst>
       <p:ext uri="{BB962C8B-B14F-4D97-AF65-F5344CB8AC3E}">
-        <p14:creationId xmlns:p14="http://schemas.microsoft.com/office/powerpoint/2010/main" xmlns="" val="28250"/>
+        <p14:creationId xmlns:p14="http://schemas.microsoft.com/office/powerpoint/2010/main" val="28250"/>
       </p:ext>
     </p:extLst>
   </p:cSld>
@@ -12762,7 +15813,7 @@
   <a:extraClrSchemeLst/>
   <a:extLst>
     <a:ext uri="{05A4C25C-085E-4340-85A3-A5531E510DB2}">
-      <thm15:themeFamily xmlns:thm15="http://schemas.microsoft.com/office/thememl/2012/main" xmlns="" name="Office_41798854_TF78438558" id="{03469F01-97D1-4A1E-853B-6A26B56D87BB}" vid="{335298E4-38AB-4269-9352-375A27B59611}"/>
+      <thm15:themeFamily xmlns:thm15="http://schemas.microsoft.com/office/thememl/2012/main" name="Office_41798854_TF78438558" id="{03469F01-97D1-4A1E-853B-6A26B56D87BB}" vid="{335298E4-38AB-4269-9352-375A27B59611}"/>
     </a:ext>
   </a:extLst>
 </a:theme>
@@ -13023,7 +16074,7 @@
   <a:extraClrSchemeLst/>
   <a:extLst>
     <a:ext uri="{05A4C25C-085E-4340-85A3-A5531E510DB2}">
-      <thm15:themeFamily xmlns:thm15="http://schemas.microsoft.com/office/thememl/2012/main" xmlns="" name="Office Theme" id="{62F939B6-93AF-4DB8-9C6B-D6C7DFDC589F}" vid="{4A3C46E8-61CC-4603-A589-7422A47A8E4A}"/>
+      <thm15:themeFamily xmlns:thm15="http://schemas.microsoft.com/office/thememl/2012/main" name="Office Theme" id="{62F939B6-93AF-4DB8-9C6B-D6C7DFDC589F}" vid="{4A3C46E8-61CC-4603-A589-7422A47A8E4A}"/>
     </a:ext>
   </a:extLst>
 </a:theme>
@@ -13284,7 +16335,7 @@
   <a:extraClrSchemeLst/>
   <a:extLst>
     <a:ext uri="{05A4C25C-085E-4340-85A3-A5531E510DB2}">
-      <thm15:themeFamily xmlns:thm15="http://schemas.microsoft.com/office/thememl/2012/main" xmlns="" name="Office Theme" id="{62F939B6-93AF-4DB8-9C6B-D6C7DFDC589F}" vid="{4A3C46E8-61CC-4603-A589-7422A47A8E4A}"/>
+      <thm15:themeFamily xmlns:thm15="http://schemas.microsoft.com/office/thememl/2012/main" name="Office Theme" id="{62F939B6-93AF-4DB8-9C6B-D6C7DFDC589F}" vid="{4A3C46E8-61CC-4603-A589-7422A47A8E4A}"/>
     </a:ext>
   </a:extLst>
 </a:theme>

--- a/Vector asset studio.pptx
+++ b/Vector asset studio.pptx
@@ -6890,7 +6890,7 @@
         <p:spPr>
           <a:xfrm>
             <a:off x="677334" y="2166366"/>
-            <a:ext cx="10058400" cy="3849624"/>
+            <a:ext cx="9228666" cy="3849624"/>
           </a:xfrm>
         </p:spPr>
         <p:txBody>
@@ -11640,7 +11640,7 @@
         <p:spPr>
           <a:xfrm>
             <a:off x="677334" y="1930400"/>
-            <a:ext cx="10287000" cy="3416320"/>
+            <a:ext cx="8704791" cy="3785652"/>
           </a:xfrm>
           <a:prstGeom prst="rect">
             <a:avLst/>
@@ -14345,7 +14345,7 @@
         <p:spPr>
           <a:xfrm>
             <a:off x="677334" y="1930400"/>
-            <a:ext cx="10058400" cy="3849624"/>
+            <a:ext cx="9038166" cy="3849624"/>
           </a:xfrm>
         </p:spPr>
         <p:txBody>
